--- a/presentation/Activelearning.pptx
+++ b/presentation/Activelearning.pptx
@@ -6115,11 +6115,6 @@
               </a:rPr>
               <a:t>Active Learning</a:t>
             </a:r>
-            <a:endParaRPr lang="en-US" altLang="zh-TW" sz="5400" b="1" dirty="0" smtClean="0">
-              <a:latin typeface="Arial" pitchFamily="34" charset="0"/>
-              <a:ea typeface="新細明體" pitchFamily="-106" charset="-120"/>
-              <a:cs typeface="Arial" pitchFamily="34" charset="0"/>
-            </a:endParaRPr>
           </a:p>
         </p:txBody>
       </p:sp>
@@ -6172,17 +6167,8 @@
               <a:rPr lang="en-US" altLang="zh-TW" dirty="0" smtClean="0">
                 <a:ea typeface="新細明體" pitchFamily="-106" charset="-120"/>
               </a:rPr>
-              <a:t>University of California, Los </a:t>
-            </a:r>
-            <a:r>
-              <a:rPr lang="en-US" altLang="zh-TW" dirty="0" smtClean="0">
-                <a:ea typeface="新細明體" pitchFamily="-106" charset="-120"/>
-              </a:rPr>
-              <a:t>Angeles</a:t>
-            </a:r>
-            <a:endParaRPr lang="en-US" altLang="zh-TW" dirty="0" smtClean="0">
-              <a:ea typeface="新細明體" pitchFamily="-106" charset="-120"/>
-            </a:endParaRPr>
+              <a:t>University of California, Los Angeles</a:t>
+            </a:r>
           </a:p>
         </p:txBody>
       </p:sp>
@@ -13477,9 +13463,19 @@
                 </a14:m>
                 <a:r>
                   <a:rPr lang="en-US" sz="2400" dirty="0" smtClean="0"/>
-                  <a:t> drawn at random from D</a:t>
+                  <a:t> drawn at random from </a:t>
                 </a:r>
-                <a:endParaRPr lang="en-US" sz="2400" dirty="0" smtClean="0"/>
+                <a14:m>
+                  <m:oMath xmlns:m="http://schemas.openxmlformats.org/officeDocument/2006/math">
+                    <m:r>
+                      <a:rPr lang="en-US" sz="2400" b="0" i="1" smtClean="0">
+                        <a:latin typeface="Cambria Math"/>
+                      </a:rPr>
+                      <m:t>𝐷</m:t>
+                    </m:r>
+                  </m:oMath>
+                </a14:m>
+                <a:endParaRPr lang="en-US" sz="2400" dirty="0"/>
               </a:p>
               <a:p>
                 <a:pPr lvl="1" eaLnBrk="1" hangingPunct="1">
@@ -13491,8 +13487,21 @@
                   <a:rPr lang="en-US" altLang="zh-TW" sz="2400" dirty="0" smtClean="0">
                     <a:ea typeface="新細明體" pitchFamily="-106" charset="-120"/>
                   </a:rPr>
-                  <a:t>Select “most informative” data to optimize expected gain</a:t>
+                  <a:t>Randomly select two committee members to predict </a:t>
                 </a:r>
+                <a14:m>
+                  <m:oMath xmlns:m="http://schemas.openxmlformats.org/officeDocument/2006/math">
+                    <m:r>
+                      <a:rPr lang="en-US" sz="2400" i="1">
+                        <a:latin typeface="Cambria Math"/>
+                      </a:rPr>
+                      <m:t>𝑥</m:t>
+                    </m:r>
+                  </m:oMath>
+                </a14:m>
+                <a:endParaRPr lang="en-US" altLang="zh-TW" sz="2400" dirty="0" smtClean="0">
+                  <a:ea typeface="新細明體" pitchFamily="-106" charset="-120"/>
+                </a:endParaRPr>
               </a:p>
               <a:p>
                 <a:pPr marL="344487" lvl="1" indent="0" eaLnBrk="1" hangingPunct="1">
@@ -13528,7 +13537,7 @@
               <a:blipFill rotWithShape="1">
                 <a:blip r:embed="rId2"/>
                 <a:stretch>
-                  <a:fillRect l="-354" t="-2065" r="-1062"/>
+                  <a:fillRect l="-354" t="-2065" r="-71"/>
                 </a:stretch>
               </a:blipFill>
               <a:ln>
@@ -13833,14 +13842,6 @@
               </a:rPr>
               <a:t>!</a:t>
             </a:r>
-            <a:endParaRPr lang="en-US" altLang="zh-TW" sz="6000" dirty="0" smtClean="0">
-              <a:solidFill>
-                <a:schemeClr val="accent6">
-                  <a:lumMod val="75000"/>
-                </a:schemeClr>
-              </a:solidFill>
-              <a:ea typeface="新細明體" pitchFamily="-106" charset="-120"/>
-            </a:endParaRPr>
           </a:p>
         </p:txBody>
       </p:sp>

--- a/presentation/Activelearning.pptx
+++ b/presentation/Activelearning.pptx
@@ -13435,7 +13435,11 @@
                 </a:pPr>
                 <a:r>
                   <a:rPr lang="en-US" sz="2400" dirty="0" smtClean="0"/>
-                  <a:t>Get an unlabeled example </a:t>
+                  <a:t>Step 1: Get </a:t>
+                </a:r>
+                <a:r>
+                  <a:rPr lang="en-US" sz="2400" dirty="0" smtClean="0"/>
+                  <a:t>an unlabeled example </a:t>
                 </a:r>
                 <a14:m>
                   <m:oMath xmlns:m="http://schemas.openxmlformats.org/officeDocument/2006/math">
@@ -13487,7 +13491,13 @@
                   <a:rPr lang="en-US" altLang="zh-TW" sz="2400" dirty="0" smtClean="0">
                     <a:ea typeface="新細明體" pitchFamily="-106" charset="-120"/>
                   </a:rPr>
-                  <a:t>Randomly select two committee members to predict </a:t>
+                  <a:t>Step 2: Randomly </a:t>
+                </a:r>
+                <a:r>
+                  <a:rPr lang="en-US" altLang="zh-TW" sz="2400" dirty="0" smtClean="0">
+                    <a:ea typeface="新細明體" pitchFamily="-106" charset="-120"/>
+                  </a:rPr>
+                  <a:t>select two committee members to predict </a:t>
                 </a:r>
                 <a14:m>
                   <m:oMath xmlns:m="http://schemas.openxmlformats.org/officeDocument/2006/math">
@@ -13499,6 +13509,193 @@
                     </m:r>
                   </m:oMath>
                 </a14:m>
+                <a:endParaRPr lang="en-US" altLang="zh-TW" sz="2400" dirty="0" smtClean="0">
+                  <a:ea typeface="新細明體" pitchFamily="-106" charset="-120"/>
+                </a:endParaRPr>
+              </a:p>
+              <a:p>
+                <a:pPr lvl="1" eaLnBrk="1" hangingPunct="1">
+                  <a:lnSpc>
+                    <a:spcPct val="90000"/>
+                  </a:lnSpc>
+                </a:pPr>
+                <a:r>
+                  <a:rPr lang="en-US" altLang="zh-TW" sz="2400" dirty="0" smtClean="0">
+                    <a:ea typeface="新細明體" pitchFamily="-106" charset="-120"/>
+                  </a:rPr>
+                  <a:t>Step 3: If the two predictions are equal then reject the example and return to Step1</a:t>
+                </a:r>
+              </a:p>
+              <a:p>
+                <a:pPr lvl="1" eaLnBrk="1" hangingPunct="1">
+                  <a:lnSpc>
+                    <a:spcPct val="90000"/>
+                  </a:lnSpc>
+                </a:pPr>
+                <a:r>
+                  <a:rPr lang="en-US" altLang="zh-TW" sz="2400" dirty="0" smtClean="0">
+                    <a:ea typeface="新細明體" pitchFamily="-106" charset="-120"/>
+                  </a:rPr>
+                  <a:t>Step 4: If the two predictions are different, get label </a:t>
+                </a:r>
+                <a14:m>
+                  <m:oMath xmlns:m="http://schemas.openxmlformats.org/officeDocument/2006/math">
+                    <m:r>
+                      <m:rPr>
+                        <m:sty m:val="p"/>
+                      </m:rPr>
+                      <a:rPr lang="en-US" sz="2400" b="0" i="0" smtClean="0">
+                        <a:latin typeface="Cambria Math"/>
+                      </a:rPr>
+                      <m:t>c</m:t>
+                    </m:r>
+                    <m:r>
+                      <a:rPr lang="en-US" sz="2400" b="0" i="0" smtClean="0">
+                        <a:latin typeface="Cambria Math"/>
+                      </a:rPr>
+                      <m:t>(</m:t>
+                    </m:r>
+                    <m:r>
+                      <a:rPr lang="en-US" sz="2400" i="1">
+                        <a:latin typeface="Cambria Math"/>
+                      </a:rPr>
+                      <m:t>𝑥</m:t>
+                    </m:r>
+                    <m:r>
+                      <a:rPr lang="en-US" sz="2400" b="0" i="1" smtClean="0">
+                        <a:latin typeface="Cambria Math"/>
+                      </a:rPr>
+                      <m:t>)</m:t>
+                    </m:r>
+                  </m:oMath>
+                </a14:m>
+                <a:r>
+                  <a:rPr lang="en-US" altLang="zh-TW" sz="2400" dirty="0" smtClean="0">
+                    <a:ea typeface="新細明體" pitchFamily="-106" charset="-120"/>
+                  </a:rPr>
+                  <a:t>, set </a:t>
+                </a:r>
+                <a14:m>
+                  <m:oMath xmlns:m="http://schemas.openxmlformats.org/officeDocument/2006/math">
+                    <m:sSub>
+                      <m:sSubPr>
+                        <m:ctrlPr>
+                          <a:rPr lang="en-US" sz="2400" b="0" i="1" smtClean="0">
+                            <a:latin typeface="Cambria Math"/>
+                          </a:rPr>
+                        </m:ctrlPr>
+                      </m:sSubPr>
+                      <m:e>
+                        <m:r>
+                          <a:rPr lang="en-US" sz="2400" b="0" i="1" smtClean="0">
+                            <a:latin typeface="Cambria Math"/>
+                          </a:rPr>
+                          <m:t>𝑉</m:t>
+                        </m:r>
+                      </m:e>
+                      <m:sub>
+                        <m:r>
+                          <a:rPr lang="en-US" sz="2400" b="0" i="1" smtClean="0">
+                            <a:latin typeface="Cambria Math"/>
+                          </a:rPr>
+                          <m:t>𝑛</m:t>
+                        </m:r>
+                      </m:sub>
+                    </m:sSub>
+                  </m:oMath>
+                </a14:m>
+                <a:r>
+                  <a:rPr lang="en-US" altLang="zh-TW" sz="2400" dirty="0" smtClean="0">
+                    <a:ea typeface="新細明體" pitchFamily="-106" charset="-120"/>
+                  </a:rPr>
+                  <a:t> to be all concepts </a:t>
+                </a:r>
+                <a14:m>
+                  <m:oMath xmlns:m="http://schemas.openxmlformats.org/officeDocument/2006/math">
+                    <m:sSup>
+                      <m:sSupPr>
+                        <m:ctrlPr>
+                          <a:rPr lang="en-US" sz="2400" b="0" i="0" smtClean="0">
+                            <a:latin typeface="Cambria Math"/>
+                          </a:rPr>
+                        </m:ctrlPr>
+                      </m:sSupPr>
+                      <m:e>
+                        <m:r>
+                          <m:rPr>
+                            <m:sty m:val="p"/>
+                          </m:rPr>
+                          <a:rPr lang="en-US" sz="2400" b="0" i="0" smtClean="0">
+                            <a:latin typeface="Cambria Math"/>
+                          </a:rPr>
+                          <m:t>c</m:t>
+                        </m:r>
+                      </m:e>
+                      <m:sup>
+                        <m:r>
+                          <a:rPr lang="en-US" sz="2400" b="0" i="0" smtClean="0">
+                            <a:latin typeface="Cambria Math"/>
+                          </a:rPr>
+                          <m:t>′</m:t>
+                        </m:r>
+                      </m:sup>
+                    </m:sSup>
+                    <m:r>
+                      <a:rPr lang="en-US" sz="2400">
+                        <a:latin typeface="Cambria Math"/>
+                        <a:ea typeface="Cambria Math"/>
+                      </a:rPr>
+                      <m:t>∈</m:t>
+                    </m:r>
+                    <m:sSub>
+                      <m:sSubPr>
+                        <m:ctrlPr>
+                          <a:rPr lang="en-US" sz="2400" i="1">
+                            <a:latin typeface="Cambria Math"/>
+                          </a:rPr>
+                        </m:ctrlPr>
+                      </m:sSubPr>
+                      <m:e>
+                        <m:r>
+                          <a:rPr lang="en-US" sz="2400" i="1">
+                            <a:latin typeface="Cambria Math"/>
+                          </a:rPr>
+                          <m:t>𝑉</m:t>
+                        </m:r>
+                      </m:e>
+                      <m:sub>
+                        <m:r>
+                          <a:rPr lang="en-US" sz="2400" i="1">
+                            <a:latin typeface="Cambria Math"/>
+                          </a:rPr>
+                          <m:t>𝑛</m:t>
+                        </m:r>
+                        <m:r>
+                          <a:rPr lang="en-US" sz="2400" b="0" i="1" smtClean="0">
+                            <a:latin typeface="Cambria Math"/>
+                          </a:rPr>
+                          <m:t>−1</m:t>
+                        </m:r>
+                      </m:sub>
+                    </m:sSub>
+                  </m:oMath>
+                </a14:m>
+                <a:r>
+                  <a:rPr lang="en-US" altLang="zh-TW" sz="2400" dirty="0" smtClean="0">
+                    <a:ea typeface="新細明體" pitchFamily="-106" charset="-120"/>
+                  </a:rPr>
+                  <a:t> such that </a:t>
+                </a:r>
+                <a:endParaRPr lang="en-US" altLang="zh-TW" sz="2400" dirty="0">
+                  <a:ea typeface="新細明體" pitchFamily="-106" charset="-120"/>
+                </a:endParaRPr>
+              </a:p>
+              <a:p>
+                <a:pPr lvl="1" eaLnBrk="1" hangingPunct="1">
+                  <a:lnSpc>
+                    <a:spcPct val="90000"/>
+                  </a:lnSpc>
+                </a:pPr>
                 <a:endParaRPr lang="en-US" altLang="zh-TW" sz="2400" dirty="0" smtClean="0">
                   <a:ea typeface="新細明體" pitchFamily="-106" charset="-120"/>
                 </a:endParaRPr>
@@ -13537,7 +13734,7 @@
               <a:blipFill rotWithShape="1">
                 <a:blip r:embed="rId2"/>
                 <a:stretch>
-                  <a:fillRect l="-354" t="-2065" r="-71"/>
+                  <a:fillRect l="-354" t="-2065" r="-283"/>
                 </a:stretch>
               </a:blipFill>
               <a:ln>

--- a/presentation/Activelearning.pptx
+++ b/presentation/Activelearning.pptx
@@ -5,10 +5,10 @@
     <p:sldMasterId id="2147483697" r:id="rId1"/>
   </p:sldMasterIdLst>
   <p:notesMasterIdLst>
-    <p:notesMasterId r:id="rId9"/>
+    <p:notesMasterId r:id="rId10"/>
   </p:notesMasterIdLst>
   <p:handoutMasterIdLst>
-    <p:handoutMasterId r:id="rId10"/>
+    <p:handoutMasterId r:id="rId11"/>
   </p:handoutMasterIdLst>
   <p:sldIdLst>
     <p:sldId id="256" r:id="rId2"/>
@@ -16,8 +16,9 @@
     <p:sldId id="460" r:id="rId4"/>
     <p:sldId id="461" r:id="rId5"/>
     <p:sldId id="462" r:id="rId6"/>
-    <p:sldId id="463" r:id="rId7"/>
-    <p:sldId id="458" r:id="rId8"/>
+    <p:sldId id="464" r:id="rId7"/>
+    <p:sldId id="463" r:id="rId8"/>
+    <p:sldId id="458" r:id="rId9"/>
   </p:sldIdLst>
   <p:sldSz cx="9144000" cy="6858000" type="screen4x3"/>
   <p:notesSz cx="6997700" cy="9283700"/>
@@ -1246,7 +1247,7 @@
             <a:fld id="{1D877136-09BD-42A7-BD55-FAEE866D8038}" type="datetime1">
               <a:rPr lang="en-US"/>
               <a:pPr/>
-              <a:t>11/28/2011</a:t>
+              <a:t>11/29/2011</a:t>
             </a:fld>
             <a:endParaRPr lang="en-US"/>
           </a:p>
@@ -1443,7 +1444,7 @@
             <a:fld id="{5D533678-414D-4A37-B058-1C5382BE48CC}" type="datetime1">
               <a:rPr lang="en-US"/>
               <a:pPr/>
-              <a:t>11/28/2011</a:t>
+              <a:t>11/29/2011</a:t>
             </a:fld>
             <a:endParaRPr lang="en-US"/>
           </a:p>
@@ -1649,7 +1650,7 @@
             <a:fld id="{397142AC-DCDB-4038-8B72-EFAF17E95763}" type="datetime1">
               <a:rPr lang="en-US"/>
               <a:pPr/>
-              <a:t>11/28/2011</a:t>
+              <a:t>11/29/2011</a:t>
             </a:fld>
             <a:endParaRPr lang="en-US"/>
           </a:p>
@@ -2026,7 +2027,7 @@
             <a:fld id="{3FA21BFF-F3AD-4524-BC0D-644D41C25A37}" type="datetime1">
               <a:rPr lang="en-US"/>
               <a:pPr/>
-              <a:t>11/28/2011</a:t>
+              <a:t>11/29/2011</a:t>
             </a:fld>
             <a:endParaRPr lang="en-US"/>
           </a:p>
@@ -2346,7 +2347,7 @@
             <a:fld id="{4C9CE6A4-7A2F-49B6-9BFD-A0D0130AD4AA}" type="datetime1">
               <a:rPr lang="en-US"/>
               <a:pPr/>
-              <a:t>11/28/2011</a:t>
+              <a:t>11/29/2011</a:t>
             </a:fld>
             <a:endParaRPr lang="en-US"/>
           </a:p>
@@ -2609,7 +2610,7 @@
             <a:fld id="{87E55CE8-395B-4FC8-887F-58966868E366}" type="datetime1">
               <a:rPr lang="en-US"/>
               <a:pPr/>
-              <a:t>11/28/2011</a:t>
+              <a:t>11/29/2011</a:t>
             </a:fld>
             <a:endParaRPr lang="en-US"/>
           </a:p>
@@ -2929,7 +2930,7 @@
             <a:fld id="{82CBDEA8-5042-47DF-8252-9BC329ED4AEE}" type="datetime1">
               <a:rPr lang="en-US"/>
               <a:pPr/>
-              <a:t>11/28/2011</a:t>
+              <a:t>11/29/2011</a:t>
             </a:fld>
             <a:endParaRPr lang="en-US"/>
           </a:p>
@@ -3125,7 +3126,7 @@
             <a:fld id="{7E7974EE-B68F-4DD2-AB56-A69D47976A66}" type="datetime1">
               <a:rPr lang="en-US"/>
               <a:pPr/>
-              <a:t>11/28/2011</a:t>
+              <a:t>11/29/2011</a:t>
             </a:fld>
             <a:endParaRPr lang="en-US"/>
           </a:p>
@@ -3343,7 +3344,7 @@
             <a:fld id="{7ED585EB-EFAB-4A49-8EDC-31F3C1C9C862}" type="datetime1">
               <a:rPr lang="en-US"/>
               <a:pPr/>
-              <a:t>11/28/2011</a:t>
+              <a:t>11/29/2011</a:t>
             </a:fld>
             <a:endParaRPr lang="en-US"/>
           </a:p>
@@ -3657,7 +3658,7 @@
             <a:fld id="{2D56E1A5-B230-4B7D-A202-8D37E722DD9C}" type="datetime1">
               <a:rPr lang="en-US"/>
               <a:pPr/>
-              <a:t>11/28/2011</a:t>
+              <a:t>11/29/2011</a:t>
             </a:fld>
             <a:endParaRPr lang="en-US"/>
           </a:p>
@@ -4110,7 +4111,7 @@
             <a:fld id="{C4871E49-5E8F-4D0B-864D-31780362091F}" type="datetime1">
               <a:rPr lang="en-US"/>
               <a:pPr/>
-              <a:t>11/28/2011</a:t>
+              <a:t>11/29/2011</a:t>
             </a:fld>
             <a:endParaRPr lang="en-US"/>
           </a:p>
@@ -4254,7 +4255,7 @@
             <a:fld id="{F2852797-1293-4981-8226-3D2D8AFDC94B}" type="datetime1">
               <a:rPr lang="en-US"/>
               <a:pPr/>
-              <a:t>11/28/2011</a:t>
+              <a:t>11/29/2011</a:t>
             </a:fld>
             <a:endParaRPr lang="en-US"/>
           </a:p>
@@ -4375,7 +4376,7 @@
             <a:fld id="{1553C2C0-8EB7-45A2-BD78-85B06E844851}" type="datetime1">
               <a:rPr lang="en-US"/>
               <a:pPr/>
-              <a:t>11/28/2011</a:t>
+              <a:t>11/29/2011</a:t>
             </a:fld>
             <a:endParaRPr lang="en-US"/>
           </a:p>
@@ -4678,7 +4679,7 @@
             <a:fld id="{48084496-27D4-46DF-A34B-C191FE530B09}" type="datetime1">
               <a:rPr lang="en-US"/>
               <a:pPr/>
-              <a:t>11/28/2011</a:t>
+              <a:t>11/29/2011</a:t>
             </a:fld>
             <a:endParaRPr lang="en-US"/>
           </a:p>
@@ -4958,7 +4959,7 @@
             <a:fld id="{DFD3CAE7-299B-4EB0-8A44-D3A7371EA6BC}" type="datetime1">
               <a:rPr lang="en-US"/>
               <a:pPr/>
-              <a:t>11/28/2011</a:t>
+              <a:t>11/29/2011</a:t>
             </a:fld>
             <a:endParaRPr lang="en-US"/>
           </a:p>
@@ -5251,7 +5252,7 @@
             <a:fld id="{3CF3EC0B-A545-4EF2-BA77-EC7DF0406A33}" type="datetime1">
               <a:rPr lang="en-US"/>
               <a:pPr/>
-              <a:t>11/28/2011</a:t>
+              <a:t>11/29/2011</a:t>
             </a:fld>
             <a:endParaRPr lang="en-US"/>
           </a:p>
@@ -12991,6 +12992,175 @@
       </p:grpSpPr>
       <p:sp>
         <p:nvSpPr>
+          <p:cNvPr id="2" name="Title 1"/>
+          <p:cNvSpPr>
+            <a:spLocks noGrp="1"/>
+          </p:cNvSpPr>
+          <p:nvPr>
+            <p:ph type="title"/>
+          </p:nvPr>
+        </p:nvSpPr>
+        <p:spPr/>
+        <p:txBody>
+          <a:bodyPr/>
+          <a:lstStyle/>
+          <a:p>
+            <a:pPr eaLnBrk="1" hangingPunct="1"/>
+            <a:r>
+              <a:rPr lang="en-US" altLang="zh-CN" b="1" dirty="0">
+                <a:latin typeface="Arial" pitchFamily="34" charset="0"/>
+                <a:ea typeface="新細明體" pitchFamily="-106" charset="-120"/>
+                <a:cs typeface="Arial" pitchFamily="34" charset="0"/>
+              </a:rPr>
+              <a:t>Active Perceptron</a:t>
+            </a:r>
+            <a:endParaRPr lang="zh-CN" altLang="en-US" b="1" dirty="0">
+              <a:latin typeface="Arial" pitchFamily="34" charset="0"/>
+              <a:ea typeface="新細明體" pitchFamily="-106" charset="-120"/>
+              <a:cs typeface="Arial" pitchFamily="34" charset="0"/>
+            </a:endParaRPr>
+          </a:p>
+        </p:txBody>
+      </p:sp>
+      <p:sp>
+        <p:nvSpPr>
+          <p:cNvPr id="3" name="Content Placeholder 2"/>
+          <p:cNvSpPr>
+            <a:spLocks noGrp="1"/>
+          </p:cNvSpPr>
+          <p:nvPr>
+            <p:ph idx="1"/>
+          </p:nvPr>
+        </p:nvSpPr>
+        <p:spPr/>
+        <p:txBody>
+          <a:bodyPr/>
+          <a:lstStyle/>
+          <a:p>
+            <a:endParaRPr lang="zh-CN" altLang="en-US" dirty="0"/>
+          </a:p>
+        </p:txBody>
+      </p:sp>
+      <p:sp>
+        <p:nvSpPr>
+          <p:cNvPr id="4" name="Slide Number Placeholder 3"/>
+          <p:cNvSpPr>
+            <a:spLocks noGrp="1"/>
+          </p:cNvSpPr>
+          <p:nvPr>
+            <p:ph type="sldNum" sz="quarter" idx="12"/>
+          </p:nvPr>
+        </p:nvSpPr>
+        <p:spPr/>
+        <p:txBody>
+          <a:bodyPr/>
+          <a:lstStyle/>
+          <a:p>
+            <a:fld id="{604EAB18-E0EA-45DC-AA4D-A7A0A794259A}" type="slidenum">
+              <a:rPr lang="en-US" smtClean="0"/>
+              <a:pPr/>
+              <a:t>6</a:t>
+            </a:fld>
+            <a:endParaRPr lang="en-US"/>
+          </a:p>
+        </p:txBody>
+      </p:sp>
+      <p:pic>
+        <p:nvPicPr>
+          <p:cNvPr id="1026" name="Picture 2"/>
+          <p:cNvPicPr>
+            <a:picLocks noChangeAspect="1" noChangeArrowheads="1"/>
+          </p:cNvPicPr>
+          <p:nvPr/>
+        </p:nvPicPr>
+        <p:blipFill>
+          <a:blip r:embed="rId2">
+            <a:extLst>
+              <a:ext uri="{28A0092B-C50C-407E-A947-70E740481C1C}">
+                <a14:useLocalDpi xmlns:a14="http://schemas.microsoft.com/office/drawing/2010/main" val="0"/>
+              </a:ext>
+            </a:extLst>
+          </a:blip>
+          <a:srcRect/>
+          <a:stretch>
+            <a:fillRect/>
+          </a:stretch>
+        </p:blipFill>
+        <p:spPr bwMode="auto">
+          <a:xfrm>
+            <a:off x="366713" y="1143000"/>
+            <a:ext cx="8410575" cy="4572000"/>
+          </a:xfrm>
+          <a:prstGeom prst="rect">
+            <a:avLst/>
+          </a:prstGeom>
+          <a:noFill/>
+          <a:ln>
+            <a:noFill/>
+          </a:ln>
+          <a:effectLst/>
+          <a:extLst>
+            <a:ext uri="{909E8E84-426E-40DD-AFC4-6F175D3DCCD1}">
+              <a14:hiddenFill xmlns:a14="http://schemas.microsoft.com/office/drawing/2010/main">
+                <a:solidFill>
+                  <a:schemeClr val="accent1"/>
+                </a:solidFill>
+              </a14:hiddenFill>
+            </a:ext>
+            <a:ext uri="{91240B29-F687-4F45-9708-019B960494DF}">
+              <a14:hiddenLine xmlns:a14="http://schemas.microsoft.com/office/drawing/2010/main" w="9525">
+                <a:solidFill>
+                  <a:schemeClr val="tx1"/>
+                </a:solidFill>
+                <a:miter lim="800000"/>
+                <a:headEnd/>
+                <a:tailEnd/>
+              </a14:hiddenLine>
+            </a:ext>
+            <a:ext uri="{AF507438-7753-43E0-B8FC-AC1667EBCBE1}">
+              <a14:hiddenEffects xmlns:a14="http://schemas.microsoft.com/office/drawing/2010/main">
+                <a:effectLst>
+                  <a:outerShdw dist="35921" dir="2700000" algn="ctr" rotWithShape="0">
+                    <a:schemeClr val="bg2"/>
+                  </a:outerShdw>
+                </a:effectLst>
+              </a14:hiddenEffects>
+            </a:ext>
+          </a:extLst>
+        </p:spPr>
+      </p:pic>
+    </p:spTree>
+    <p:extLst>
+      <p:ext uri="{BB962C8B-B14F-4D97-AF65-F5344CB8AC3E}">
+        <p14:creationId xmlns:p14="http://schemas.microsoft.com/office/powerpoint/2010/main" val="1361745343"/>
+      </p:ext>
+    </p:extLst>
+  </p:cSld>
+  <p:clrMapOvr>
+    <a:masterClrMapping/>
+  </p:clrMapOvr>
+</p:sld>
+</file>
+
+<file path=ppt/slides/slide7.xml><?xml version="1.0" encoding="utf-8"?>
+<p:sld xmlns:a="http://schemas.openxmlformats.org/drawingml/2006/main" xmlns:r="http://schemas.openxmlformats.org/officeDocument/2006/relationships" xmlns:p="http://schemas.openxmlformats.org/presentationml/2006/main">
+  <p:cSld>
+    <p:spTree>
+      <p:nvGrpSpPr>
+        <p:cNvPr id="1" name=""/>
+        <p:cNvGrpSpPr/>
+        <p:nvPr/>
+      </p:nvGrpSpPr>
+      <p:grpSpPr>
+        <a:xfrm>
+          <a:off x="0" y="0"/>
+          <a:ext cx="0" cy="0"/>
+          <a:chOff x="0" y="0"/>
+          <a:chExt cx="0" cy="0"/>
+        </a:xfrm>
+      </p:grpSpPr>
+      <p:sp>
+        <p:nvSpPr>
           <p:cNvPr id="47106" name="Slide Number Placeholder 5"/>
           <p:cNvSpPr>
             <a:spLocks noGrp="1"/>
@@ -13138,7 +13308,7 @@
                 <a:latin typeface="Garamond" pitchFamily="-106" charset="0"/>
               </a:rPr>
               <a:pPr eaLnBrk="1" hangingPunct="1"/>
-              <a:t>6</a:t>
+              <a:t>7</a:t>
             </a:fld>
             <a:endParaRPr lang="en-US" sz="1200">
               <a:latin typeface="Garamond" pitchFamily="-106" charset="0"/>
@@ -13178,8 +13348,8 @@
           </a:p>
         </p:txBody>
       </p:sp>
-      <mc:AlternateContent xmlns:mc="http://schemas.openxmlformats.org/markup-compatibility/2006">
-        <mc:Choice xmlns:a14="http://schemas.microsoft.com/office/drawing/2010/main" Requires="a14">
+      <mc:AlternateContent xmlns:mc="http://schemas.openxmlformats.org/markup-compatibility/2006" xmlns:a14="http://schemas.microsoft.com/office/drawing/2010/main">
+        <mc:Choice Requires="a14">
           <p:sp>
             <p:nvSpPr>
               <p:cNvPr id="7" name="Rectangle 3"/>
@@ -13435,11 +13605,7 @@
                 </a:pPr>
                 <a:r>
                   <a:rPr lang="en-US" sz="2400" dirty="0" smtClean="0"/>
-                  <a:t>Step 1: Get </a:t>
-                </a:r>
-                <a:r>
-                  <a:rPr lang="en-US" sz="2400" dirty="0" smtClean="0"/>
-                  <a:t>an unlabeled example </a:t>
+                  <a:t>Step 1: Get an unlabeled example </a:t>
                 </a:r>
                 <a14:m>
                   <m:oMath xmlns:m="http://schemas.openxmlformats.org/officeDocument/2006/math">
@@ -13491,13 +13657,7 @@
                   <a:rPr lang="en-US" altLang="zh-TW" sz="2400" dirty="0" smtClean="0">
                     <a:ea typeface="新細明體" pitchFamily="-106" charset="-120"/>
                   </a:rPr>
-                  <a:t>Step 2: Randomly </a:t>
-                </a:r>
-                <a:r>
-                  <a:rPr lang="en-US" altLang="zh-TW" sz="2400" dirty="0" smtClean="0">
-                    <a:ea typeface="新細明體" pitchFamily="-106" charset="-120"/>
-                  </a:rPr>
-                  <a:t>select two committee members to predict </a:t>
+                  <a:t>Step 2: Randomly select two committee members to predict </a:t>
                 </a:r>
                 <a14:m>
                   <m:oMath xmlns:m="http://schemas.openxmlformats.org/officeDocument/2006/math">
@@ -13615,7 +13775,7 @@
                     <m:sSup>
                       <m:sSupPr>
                         <m:ctrlPr>
-                          <a:rPr lang="en-US" sz="2400" b="0" i="0" smtClean="0">
+                          <a:rPr lang="en-US" sz="2400" b="0" i="1" smtClean="0">
                             <a:latin typeface="Cambria Math"/>
                           </a:rPr>
                         </m:ctrlPr>
@@ -13714,7 +13874,7 @@
             </p:txBody>
           </p:sp>
         </mc:Choice>
-        <mc:Fallback>
+        <mc:Fallback xmlns="">
           <p:sp>
             <p:nvSpPr>
               <p:cNvPr id="7" name="Rectangle 3"/>
@@ -13795,7 +13955,7 @@
 </p:sld>
 </file>
 
-<file path=ppt/slides/slide7.xml><?xml version="1.0" encoding="utf-8"?>
+<file path=ppt/slides/slide8.xml><?xml version="1.0" encoding="utf-8"?>
 <p:sld xmlns:a="http://schemas.openxmlformats.org/drawingml/2006/main" xmlns:r="http://schemas.openxmlformats.org/officeDocument/2006/relationships" xmlns:p="http://schemas.openxmlformats.org/presentationml/2006/main">
   <p:cSld>
     <p:spTree>
@@ -13961,7 +14121,7 @@
                 <a:latin typeface="Garamond" pitchFamily="-106" charset="0"/>
               </a:rPr>
               <a:pPr eaLnBrk="1" hangingPunct="1"/>
-              <a:t>7</a:t>
+              <a:t>8</a:t>
             </a:fld>
             <a:endParaRPr lang="en-US" sz="1200">
               <a:latin typeface="Garamond" pitchFamily="-106" charset="0"/>

--- a/presentation/Activelearning.pptx
+++ b/presentation/Activelearning.pptx
@@ -5,10 +5,10 @@
     <p:sldMasterId id="2147483697" r:id="rId1"/>
   </p:sldMasterIdLst>
   <p:notesMasterIdLst>
-    <p:notesMasterId r:id="rId10"/>
+    <p:notesMasterId r:id="rId12"/>
   </p:notesMasterIdLst>
   <p:handoutMasterIdLst>
-    <p:handoutMasterId r:id="rId11"/>
+    <p:handoutMasterId r:id="rId13"/>
   </p:handoutMasterIdLst>
   <p:sldIdLst>
     <p:sldId id="256" r:id="rId2"/>
@@ -16,9 +16,11 @@
     <p:sldId id="460" r:id="rId4"/>
     <p:sldId id="461" r:id="rId5"/>
     <p:sldId id="462" r:id="rId6"/>
-    <p:sldId id="464" r:id="rId7"/>
+    <p:sldId id="465" r:id="rId7"/>
     <p:sldId id="463" r:id="rId8"/>
-    <p:sldId id="458" r:id="rId9"/>
+    <p:sldId id="466" r:id="rId9"/>
+    <p:sldId id="467" r:id="rId10"/>
+    <p:sldId id="458" r:id="rId11"/>
   </p:sldIdLst>
   <p:sldSz cx="9144000" cy="6858000" type="screen4x3"/>
   <p:notesSz cx="6997700" cy="9283700"/>
@@ -1034,6 +1036,435 @@
         </p:txBody>
       </p:sp>
     </p:spTree>
+  </p:cSld>
+  <p:clrMapOvr>
+    <a:masterClrMapping/>
+  </p:clrMapOvr>
+</p:notes>
+</file>
+
+<file path=ppt/notesSlides/notesSlide2.xml><?xml version="1.0" encoding="utf-8"?>
+<p:notes xmlns:a="http://schemas.openxmlformats.org/drawingml/2006/main" xmlns:r="http://schemas.openxmlformats.org/officeDocument/2006/relationships" xmlns:p="http://schemas.openxmlformats.org/presentationml/2006/main">
+  <p:cSld>
+    <p:spTree>
+      <p:nvGrpSpPr>
+        <p:cNvPr id="1" name=""/>
+        <p:cNvGrpSpPr/>
+        <p:nvPr/>
+      </p:nvGrpSpPr>
+      <p:grpSpPr>
+        <a:xfrm>
+          <a:off x="0" y="0"/>
+          <a:ext cx="0" cy="0"/>
+          <a:chOff x="0" y="0"/>
+          <a:chExt cx="0" cy="0"/>
+        </a:xfrm>
+      </p:grpSpPr>
+      <p:sp>
+        <p:nvSpPr>
+          <p:cNvPr id="2" name="Slide Image Placeholder 1"/>
+          <p:cNvSpPr>
+            <a:spLocks noGrp="1" noRot="1" noChangeAspect="1"/>
+          </p:cNvSpPr>
+          <p:nvPr>
+            <p:ph type="sldImg"/>
+          </p:nvPr>
+        </p:nvSpPr>
+        <p:spPr/>
+      </p:sp>
+      <mc:AlternateContent xmlns:mc="http://schemas.openxmlformats.org/markup-compatibility/2006">
+        <mc:Choice xmlns:a14="http://schemas.microsoft.com/office/drawing/2010/main" Requires="a14">
+          <p:sp>
+            <p:nvSpPr>
+              <p:cNvPr id="3" name="Notes Placeholder 2"/>
+              <p:cNvSpPr>
+                <a:spLocks noGrp="1"/>
+              </p:cNvSpPr>
+              <p:nvPr>
+                <p:ph type="body" idx="1"/>
+              </p:nvPr>
+            </p:nvSpPr>
+            <p:spPr/>
+            <p:txBody>
+              <a:bodyPr/>
+              <a:lstStyle/>
+              <a:p>
+                <a:r>
+                  <a:rPr lang="en-US" dirty="0" smtClean="0"/>
+                  <a:t>Gibbs prediction means to predict the label of example by picking a hypothesis h random</a:t>
+                </a:r>
+                <a:r>
+                  <a:rPr lang="en-US" baseline="0" dirty="0" smtClean="0"/>
+                  <a:t> from version space</a:t>
+                </a:r>
+              </a:p>
+              <a:p>
+                <a:r>
+                  <a:rPr lang="en-US" sz="1200" dirty="0" smtClean="0">
+                    <a:ea typeface="新細明體" pitchFamily="-106" charset="-120"/>
+                  </a:rPr>
+                  <a:t>Namely, QBC </a:t>
+                </a:r>
+                <a:r>
+                  <a:rPr lang="en-US" sz="1200" dirty="0">
+                    <a:ea typeface="新細明體" pitchFamily="-106" charset="-120"/>
+                  </a:rPr>
+                  <a:t>will reach a generalization error of</a:t>
+                </a:r>
+                <a14:m>
+                  <m:oMath xmlns:m="http://schemas.openxmlformats.org/officeDocument/2006/math">
+                    <m:r>
+                      <a:rPr lang="en-US" altLang="zh-TW" sz="1200" b="0" i="0" smtClean="0">
+                        <a:latin typeface="Cambria Math"/>
+                        <a:ea typeface="新細明體" pitchFamily="-106" charset="-120"/>
+                      </a:rPr>
+                      <m:t> </m:t>
+                    </m:r>
+                    <m:r>
+                      <a:rPr lang="zh-TW" altLang="en-US" sz="1200" i="1">
+                        <a:latin typeface="Cambria Math"/>
+                        <a:ea typeface="新細明體" pitchFamily="-106" charset="-120"/>
+                      </a:rPr>
+                      <m:t>𝜖</m:t>
+                    </m:r>
+                  </m:oMath>
+                </a14:m>
+                <a:r>
+                  <a:rPr lang="en-US" sz="1200" dirty="0" smtClean="0">
+                    <a:ea typeface="新細明體" pitchFamily="-106" charset="-120"/>
+                  </a:rPr>
+                  <a:t> </a:t>
+                </a:r>
+                <a:r>
+                  <a:rPr lang="en-US" sz="1200" dirty="0">
+                    <a:ea typeface="新細明體" pitchFamily="-106" charset="-120"/>
+                  </a:rPr>
+                  <a:t>when using only </a:t>
+                </a:r>
+                <a14:m>
+                  <m:oMath xmlns:m="http://schemas.openxmlformats.org/officeDocument/2006/math">
+                    <m:r>
+                      <a:rPr lang="en-US" sz="1200" b="0" i="1" smtClean="0">
+                        <a:latin typeface="Cambria Math"/>
+                        <a:ea typeface="新細明體" pitchFamily="-106" charset="-120"/>
+                      </a:rPr>
+                      <m:t>𝑂</m:t>
+                    </m:r>
+                    <m:r>
+                      <a:rPr lang="en-US" sz="1200" b="0" i="1" smtClean="0">
+                        <a:latin typeface="Cambria Math"/>
+                        <a:ea typeface="新細明體" pitchFamily="-106" charset="-120"/>
+                      </a:rPr>
+                      <m:t>(</m:t>
+                    </m:r>
+                    <m:func>
+                      <m:funcPr>
+                        <m:ctrlPr>
+                          <a:rPr lang="en-US" sz="1200" b="0" i="1" smtClean="0">
+                            <a:latin typeface="Cambria Math"/>
+                            <a:ea typeface="新細明體" pitchFamily="-106" charset="-120"/>
+                          </a:rPr>
+                        </m:ctrlPr>
+                      </m:funcPr>
+                      <m:fName>
+                        <m:r>
+                          <m:rPr>
+                            <m:sty m:val="p"/>
+                          </m:rPr>
+                          <a:rPr lang="en-US" sz="1200" b="0" i="0" smtClean="0">
+                            <a:latin typeface="Cambria Math"/>
+                            <a:ea typeface="新細明體" pitchFamily="-106" charset="-120"/>
+                          </a:rPr>
+                          <m:t>log</m:t>
+                        </m:r>
+                      </m:fName>
+                      <m:e>
+                        <m:f>
+                          <m:fPr>
+                            <m:ctrlPr>
+                              <a:rPr lang="en-US" sz="1200" b="0" i="1" smtClean="0">
+                                <a:latin typeface="Cambria Math"/>
+                                <a:ea typeface="新細明體" pitchFamily="-106" charset="-120"/>
+                              </a:rPr>
+                            </m:ctrlPr>
+                          </m:fPr>
+                          <m:num>
+                            <m:r>
+                              <a:rPr lang="en-US" sz="1200" b="0" i="1" smtClean="0">
+                                <a:latin typeface="Cambria Math"/>
+                                <a:ea typeface="新細明體" pitchFamily="-106" charset="-120"/>
+                              </a:rPr>
+                              <m:t>1</m:t>
+                            </m:r>
+                          </m:num>
+                          <m:den>
+                            <m:r>
+                              <a:rPr lang="en-US" sz="1200" b="0" i="1" smtClean="0">
+                                <a:latin typeface="Cambria Math"/>
+                                <a:ea typeface="Cambria Math"/>
+                              </a:rPr>
+                              <m:t>𝛿</m:t>
+                            </m:r>
+                          </m:den>
+                        </m:f>
+                      </m:e>
+                    </m:func>
+                    <m:r>
+                      <a:rPr lang="en-US" sz="1200" b="0" i="1" smtClean="0">
+                        <a:latin typeface="Cambria Math"/>
+                        <a:ea typeface="新細明體" pitchFamily="-106" charset="-120"/>
+                      </a:rPr>
+                      <m:t>)</m:t>
+                    </m:r>
+                  </m:oMath>
+                </a14:m>
+                <a:r>
+                  <a:rPr lang="en-US" sz="1200" dirty="0" smtClean="0">
+                    <a:ea typeface="新細明體" pitchFamily="-106" charset="-120"/>
+                  </a:rPr>
+                  <a:t> labels</a:t>
+                </a:r>
+                <a:endParaRPr lang="en-US" dirty="0"/>
+              </a:p>
+            </p:txBody>
+          </p:sp>
+        </mc:Choice>
+        <mc:Fallback>
+          <p:sp>
+            <p:nvSpPr>
+              <p:cNvPr id="3" name="Notes Placeholder 2"/>
+              <p:cNvSpPr>
+                <a:spLocks noGrp="1"/>
+              </p:cNvSpPr>
+              <p:nvPr>
+                <p:ph type="body" idx="1"/>
+              </p:nvPr>
+            </p:nvSpPr>
+            <p:spPr/>
+            <p:txBody>
+              <a:bodyPr/>
+              <a:lstStyle/>
+              <a:p>
+                <a:r>
+                  <a:rPr lang="en-US" dirty="0" smtClean="0"/>
+                  <a:t>Gibbs prediction means to predict the label of example by picking a hypothesis h random</a:t>
+                </a:r>
+                <a:r>
+                  <a:rPr lang="en-US" baseline="0" dirty="0" smtClean="0"/>
+                  <a:t> from version space</a:t>
+                </a:r>
+              </a:p>
+              <a:p>
+                <a:r>
+                  <a:rPr lang="en-US" sz="1200" dirty="0" smtClean="0">
+                    <a:ea typeface="新細明體" pitchFamily="-106" charset="-120"/>
+                  </a:rPr>
+                  <a:t>Namely, QBC </a:t>
+                </a:r>
+                <a:r>
+                  <a:rPr lang="en-US" sz="1200" dirty="0">
+                    <a:ea typeface="新細明體" pitchFamily="-106" charset="-120"/>
+                  </a:rPr>
+                  <a:t>will reach a generalization error of</a:t>
+                </a:r>
+                <a:r>
+                  <a:rPr lang="en-US" altLang="zh-TW" sz="1200" b="0" i="0" smtClean="0">
+                    <a:latin typeface="Cambria Math"/>
+                    <a:ea typeface="新細明體" pitchFamily="-106" charset="-120"/>
+                  </a:rPr>
+                  <a:t> </a:t>
+                </a:r>
+                <a:r>
+                  <a:rPr lang="zh-TW" altLang="en-US" sz="1200" i="0">
+                    <a:latin typeface="Cambria Math"/>
+                    <a:ea typeface="新細明體" pitchFamily="-106" charset="-120"/>
+                  </a:rPr>
+                  <a:t>𝜖</a:t>
+                </a:r>
+                <a:r>
+                  <a:rPr lang="en-US" sz="1200" dirty="0" smtClean="0">
+                    <a:ea typeface="新細明體" pitchFamily="-106" charset="-120"/>
+                  </a:rPr>
+                  <a:t> </a:t>
+                </a:r>
+                <a:r>
+                  <a:rPr lang="en-US" sz="1200" dirty="0">
+                    <a:ea typeface="新細明體" pitchFamily="-106" charset="-120"/>
+                  </a:rPr>
+                  <a:t>when using only </a:t>
+                </a:r>
+                <a:r>
+                  <a:rPr lang="en-US" sz="1200" b="0" i="0" smtClean="0">
+                    <a:latin typeface="Cambria Math"/>
+                    <a:ea typeface="新細明體" pitchFamily="-106" charset="-120"/>
+                  </a:rPr>
+                  <a:t>𝑂(log⁡〖1/</a:t>
+                </a:r>
+                <a:r>
+                  <a:rPr lang="en-US" sz="1200" b="0" i="0" smtClean="0">
+                    <a:latin typeface="Cambria Math"/>
+                    <a:ea typeface="Cambria Math"/>
+                  </a:rPr>
+                  <a:t>𝛿〗</a:t>
+                </a:r>
+                <a:r>
+                  <a:rPr lang="en-US" sz="1200" b="0" i="0" smtClean="0">
+                    <a:latin typeface="Cambria Math"/>
+                    <a:ea typeface="新細明體" pitchFamily="-106" charset="-120"/>
+                  </a:rPr>
+                  <a:t>)</a:t>
+                </a:r>
+                <a:r>
+                  <a:rPr lang="en-US" sz="1200" dirty="0" smtClean="0">
+                    <a:ea typeface="新細明體" pitchFamily="-106" charset="-120"/>
+                  </a:rPr>
+                  <a:t> labels</a:t>
+                </a:r>
+                <a:endParaRPr lang="en-US" dirty="0"/>
+              </a:p>
+            </p:txBody>
+          </p:sp>
+        </mc:Fallback>
+      </mc:AlternateContent>
+      <p:sp>
+        <p:nvSpPr>
+          <p:cNvPr id="4" name="Slide Number Placeholder 3"/>
+          <p:cNvSpPr>
+            <a:spLocks noGrp="1"/>
+          </p:cNvSpPr>
+          <p:nvPr>
+            <p:ph type="sldNum" sz="quarter" idx="10"/>
+          </p:nvPr>
+        </p:nvSpPr>
+        <p:spPr/>
+        <p:txBody>
+          <a:bodyPr/>
+          <a:lstStyle/>
+          <a:p>
+            <a:fld id="{DFAA0BD4-28E6-4AA9-A380-6B49DDD43FFD}" type="slidenum">
+              <a:rPr lang="en-US" smtClean="0"/>
+              <a:pPr/>
+              <a:t>6</a:t>
+            </a:fld>
+            <a:endParaRPr lang="en-US"/>
+          </a:p>
+        </p:txBody>
+      </p:sp>
+    </p:spTree>
+    <p:extLst>
+      <p:ext uri="{BB962C8B-B14F-4D97-AF65-F5344CB8AC3E}">
+        <p14:creationId xmlns:p14="http://schemas.microsoft.com/office/powerpoint/2010/main" val="73545387"/>
+      </p:ext>
+    </p:extLst>
+  </p:cSld>
+  <p:clrMapOvr>
+    <a:masterClrMapping/>
+  </p:clrMapOvr>
+</p:notes>
+</file>
+
+<file path=ppt/notesSlides/notesSlide3.xml><?xml version="1.0" encoding="utf-8"?>
+<p:notes xmlns:a="http://schemas.openxmlformats.org/drawingml/2006/main" xmlns:r="http://schemas.openxmlformats.org/officeDocument/2006/relationships" xmlns:p="http://schemas.openxmlformats.org/presentationml/2006/main">
+  <p:cSld>
+    <p:spTree>
+      <p:nvGrpSpPr>
+        <p:cNvPr id="1" name=""/>
+        <p:cNvGrpSpPr/>
+        <p:nvPr/>
+      </p:nvGrpSpPr>
+      <p:grpSpPr>
+        <a:xfrm>
+          <a:off x="0" y="0"/>
+          <a:ext cx="0" cy="0"/>
+          <a:chOff x="0" y="0"/>
+          <a:chExt cx="0" cy="0"/>
+        </a:xfrm>
+      </p:grpSpPr>
+      <p:sp>
+        <p:nvSpPr>
+          <p:cNvPr id="2" name="Slide Image Placeholder 1"/>
+          <p:cNvSpPr>
+            <a:spLocks noGrp="1" noRot="1" noChangeAspect="1"/>
+          </p:cNvSpPr>
+          <p:nvPr>
+            <p:ph type="sldImg"/>
+          </p:nvPr>
+        </p:nvSpPr>
+        <p:spPr/>
+      </p:sp>
+      <p:sp>
+        <p:nvSpPr>
+          <p:cNvPr id="3" name="Notes Placeholder 2"/>
+          <p:cNvSpPr>
+            <a:spLocks noGrp="1"/>
+          </p:cNvSpPr>
+          <p:nvPr>
+            <p:ph type="body" idx="1"/>
+          </p:nvPr>
+        </p:nvSpPr>
+        <p:spPr/>
+        <p:txBody>
+          <a:bodyPr/>
+          <a:lstStyle/>
+          <a:p>
+            <a:r>
+              <a:rPr lang="en-US" sz="1200" b="0" i="0" u="none" strike="noStrike" kern="1200" baseline="0" dirty="0" smtClean="0">
+                <a:solidFill>
+                  <a:schemeClr val="tx1"/>
+                </a:solidFill>
+                <a:latin typeface="Arial" charset="0"/>
+                <a:ea typeface="ＭＳ Ｐゴシック" pitchFamily="-106" charset="-128"/>
+                <a:cs typeface="+mn-cs"/>
+              </a:rPr>
+              <a:t>QBC maintains a committee of hypotheses consistent with the labeled examples it has seen so far – a representation of the version space. For many real-world problems, the committee is infinite. The main obstacle in implementing QBC is the need to sample from the version space (step 2).</a:t>
+            </a:r>
+          </a:p>
+          <a:p>
+            <a:r>
+              <a:rPr lang="en-US" sz="1200" b="0" i="0" u="none" strike="noStrike" kern="1200" baseline="0" dirty="0" smtClean="0">
+                <a:solidFill>
+                  <a:schemeClr val="tx1"/>
+                </a:solidFill>
+                <a:latin typeface="Arial" charset="0"/>
+                <a:ea typeface="ＭＳ Ｐゴシック" pitchFamily="-106" charset="-128"/>
+                <a:cs typeface="+mn-cs"/>
+              </a:rPr>
+              <a:t>It is hard to do this with reasonable computational complexity in high dimension space. </a:t>
+            </a:r>
+            <a:endParaRPr lang="en-US" dirty="0"/>
+          </a:p>
+        </p:txBody>
+      </p:sp>
+      <p:sp>
+        <p:nvSpPr>
+          <p:cNvPr id="4" name="Slide Number Placeholder 3"/>
+          <p:cNvSpPr>
+            <a:spLocks noGrp="1"/>
+          </p:cNvSpPr>
+          <p:nvPr>
+            <p:ph type="sldNum" sz="quarter" idx="10"/>
+          </p:nvPr>
+        </p:nvSpPr>
+        <p:spPr/>
+        <p:txBody>
+          <a:bodyPr/>
+          <a:lstStyle/>
+          <a:p>
+            <a:fld id="{DFAA0BD4-28E6-4AA9-A380-6B49DDD43FFD}" type="slidenum">
+              <a:rPr lang="en-US" smtClean="0"/>
+              <a:pPr/>
+              <a:t>7</a:t>
+            </a:fld>
+            <a:endParaRPr lang="en-US"/>
+          </a:p>
+        </p:txBody>
+      </p:sp>
+    </p:spTree>
+    <p:extLst>
+      <p:ext uri="{BB962C8B-B14F-4D97-AF65-F5344CB8AC3E}">
+        <p14:creationId xmlns:p14="http://schemas.microsoft.com/office/powerpoint/2010/main" val="324361186"/>
+      </p:ext>
+    </p:extLst>
   </p:cSld>
   <p:clrMapOvr>
     <a:masterClrMapping/>
@@ -6179,6 +6610,246 @@
     <a:masterClrMapping/>
   </p:clrMapOvr>
   <p:transition/>
+  <p:timing>
+    <p:tnLst>
+      <p:par>
+        <p:cTn id="1" dur="indefinite" restart="never" nodeType="tmRoot"/>
+      </p:par>
+    </p:tnLst>
+  </p:timing>
+</p:sld>
+</file>
+
+<file path=ppt/slides/slide10.xml><?xml version="1.0" encoding="utf-8"?>
+<p:sld xmlns:a="http://schemas.openxmlformats.org/drawingml/2006/main" xmlns:r="http://schemas.openxmlformats.org/officeDocument/2006/relationships" xmlns:p="http://schemas.openxmlformats.org/presentationml/2006/main">
+  <p:cSld>
+    <p:spTree>
+      <p:nvGrpSpPr>
+        <p:cNvPr id="1" name=""/>
+        <p:cNvGrpSpPr/>
+        <p:nvPr/>
+      </p:nvGrpSpPr>
+      <p:grpSpPr>
+        <a:xfrm>
+          <a:off x="0" y="0"/>
+          <a:ext cx="0" cy="0"/>
+          <a:chOff x="0" y="0"/>
+          <a:chExt cx="0" cy="0"/>
+        </a:xfrm>
+      </p:grpSpPr>
+      <p:sp>
+        <p:nvSpPr>
+          <p:cNvPr id="47106" name="Slide Number Placeholder 5"/>
+          <p:cNvSpPr>
+            <a:spLocks noGrp="1"/>
+          </p:cNvSpPr>
+          <p:nvPr>
+            <p:ph type="sldNum" sz="quarter" idx="12"/>
+          </p:nvPr>
+        </p:nvSpPr>
+        <p:spPr>
+          <a:noFill/>
+          <a:ln/>
+          <a:extLst>
+            <a:ext uri="{909E8E84-426E-40DD-AFC4-6F175D3DCCD1}">
+              <a14:hiddenFill xmlns:a14="http://schemas.microsoft.com/office/drawing/2010/main">
+                <a:solidFill>
+                  <a:srgbClr val="FFFFFF"/>
+                </a:solidFill>
+              </a14:hiddenFill>
+            </a:ext>
+            <a:ext uri="{91240B29-F687-4F45-9708-019B960494DF}">
+              <a14:hiddenLine xmlns:a14="http://schemas.microsoft.com/office/drawing/2010/main" w="9525">
+                <a:solidFill>
+                  <a:srgbClr val="000000"/>
+                </a:solidFill>
+                <a:miter lim="800000"/>
+                <a:headEnd/>
+                <a:tailEnd/>
+              </a14:hiddenLine>
+            </a:ext>
+          </a:extLst>
+        </p:spPr>
+        <p:txBody>
+          <a:bodyPr/>
+          <a:lstStyle>
+            <a:lvl1pPr eaLnBrk="0" hangingPunct="0">
+              <a:defRPr sz="2400">
+                <a:solidFill>
+                  <a:schemeClr val="tx1"/>
+                </a:solidFill>
+                <a:latin typeface="Arial" charset="0"/>
+                <a:ea typeface="ＭＳ Ｐゴシック" pitchFamily="-106" charset="-128"/>
+              </a:defRPr>
+            </a:lvl1pPr>
+            <a:lvl2pPr marL="37931725" indent="-37474525" eaLnBrk="0" hangingPunct="0">
+              <a:defRPr sz="2400">
+                <a:solidFill>
+                  <a:schemeClr val="tx1"/>
+                </a:solidFill>
+                <a:latin typeface="Arial" charset="0"/>
+                <a:ea typeface="ＭＳ Ｐゴシック" pitchFamily="-106" charset="-128"/>
+              </a:defRPr>
+            </a:lvl2pPr>
+            <a:lvl3pPr eaLnBrk="0" hangingPunct="0">
+              <a:defRPr sz="2400">
+                <a:solidFill>
+                  <a:schemeClr val="tx1"/>
+                </a:solidFill>
+                <a:latin typeface="Arial" charset="0"/>
+                <a:ea typeface="ＭＳ Ｐゴシック" pitchFamily="-106" charset="-128"/>
+              </a:defRPr>
+            </a:lvl3pPr>
+            <a:lvl4pPr eaLnBrk="0" hangingPunct="0">
+              <a:defRPr sz="2400">
+                <a:solidFill>
+                  <a:schemeClr val="tx1"/>
+                </a:solidFill>
+                <a:latin typeface="Arial" charset="0"/>
+                <a:ea typeface="ＭＳ Ｐゴシック" pitchFamily="-106" charset="-128"/>
+              </a:defRPr>
+            </a:lvl4pPr>
+            <a:lvl5pPr eaLnBrk="0" hangingPunct="0">
+              <a:defRPr sz="2400">
+                <a:solidFill>
+                  <a:schemeClr val="tx1"/>
+                </a:solidFill>
+                <a:latin typeface="Arial" charset="0"/>
+                <a:ea typeface="ＭＳ Ｐゴシック" pitchFamily="-106" charset="-128"/>
+              </a:defRPr>
+            </a:lvl5pPr>
+            <a:lvl6pPr marL="457200" eaLnBrk="0" fontAlgn="base" hangingPunct="0">
+              <a:spcBef>
+                <a:spcPct val="0"/>
+              </a:spcBef>
+              <a:spcAft>
+                <a:spcPct val="0"/>
+              </a:spcAft>
+              <a:defRPr sz="2400">
+                <a:solidFill>
+                  <a:schemeClr val="tx1"/>
+                </a:solidFill>
+                <a:latin typeface="Arial" charset="0"/>
+                <a:ea typeface="ＭＳ Ｐゴシック" pitchFamily="-106" charset="-128"/>
+              </a:defRPr>
+            </a:lvl6pPr>
+            <a:lvl7pPr marL="914400" eaLnBrk="0" fontAlgn="base" hangingPunct="0">
+              <a:spcBef>
+                <a:spcPct val="0"/>
+              </a:spcBef>
+              <a:spcAft>
+                <a:spcPct val="0"/>
+              </a:spcAft>
+              <a:defRPr sz="2400">
+                <a:solidFill>
+                  <a:schemeClr val="tx1"/>
+                </a:solidFill>
+                <a:latin typeface="Arial" charset="0"/>
+                <a:ea typeface="ＭＳ Ｐゴシック" pitchFamily="-106" charset="-128"/>
+              </a:defRPr>
+            </a:lvl7pPr>
+            <a:lvl8pPr marL="1371600" eaLnBrk="0" fontAlgn="base" hangingPunct="0">
+              <a:spcBef>
+                <a:spcPct val="0"/>
+              </a:spcBef>
+              <a:spcAft>
+                <a:spcPct val="0"/>
+              </a:spcAft>
+              <a:defRPr sz="2400">
+                <a:solidFill>
+                  <a:schemeClr val="tx1"/>
+                </a:solidFill>
+                <a:latin typeface="Arial" charset="0"/>
+                <a:ea typeface="ＭＳ Ｐゴシック" pitchFamily="-106" charset="-128"/>
+              </a:defRPr>
+            </a:lvl8pPr>
+            <a:lvl9pPr marL="1828800" eaLnBrk="0" fontAlgn="base" hangingPunct="0">
+              <a:spcBef>
+                <a:spcPct val="0"/>
+              </a:spcBef>
+              <a:spcAft>
+                <a:spcPct val="0"/>
+              </a:spcAft>
+              <a:defRPr sz="2400">
+                <a:solidFill>
+                  <a:schemeClr val="tx1"/>
+                </a:solidFill>
+                <a:latin typeface="Arial" charset="0"/>
+                <a:ea typeface="ＭＳ Ｐゴシック" pitchFamily="-106" charset="-128"/>
+              </a:defRPr>
+            </a:lvl9pPr>
+          </a:lstStyle>
+          <a:p>
+            <a:pPr eaLnBrk="1" hangingPunct="1"/>
+            <a:fld id="{AAA04654-EE4A-4EBE-BC23-CDB80A2BF4DE}" type="slidenum">
+              <a:rPr lang="en-US" sz="1200">
+                <a:latin typeface="Garamond" pitchFamily="-106" charset="0"/>
+              </a:rPr>
+              <a:pPr eaLnBrk="1" hangingPunct="1"/>
+              <a:t>10</a:t>
+            </a:fld>
+            <a:endParaRPr lang="en-US" sz="1200">
+              <a:latin typeface="Garamond" pitchFamily="-106" charset="0"/>
+            </a:endParaRPr>
+          </a:p>
+        </p:txBody>
+      </p:sp>
+      <p:sp>
+        <p:nvSpPr>
+          <p:cNvPr id="47108" name="Rectangle 3"/>
+          <p:cNvSpPr>
+            <a:spLocks noGrp="1" noChangeArrowheads="1"/>
+          </p:cNvSpPr>
+          <p:nvPr>
+            <p:ph type="body" idx="1"/>
+          </p:nvPr>
+        </p:nvSpPr>
+        <p:spPr>
+          <a:xfrm>
+            <a:off x="381000" y="1600200"/>
+            <a:ext cx="8229600" cy="4530725"/>
+          </a:xfrm>
+        </p:spPr>
+        <p:txBody>
+          <a:bodyPr/>
+          <a:lstStyle/>
+          <a:p>
+            <a:pPr algn="ctr" eaLnBrk="1" hangingPunct="1">
+              <a:buFont typeface="Wingdings" pitchFamily="-106" charset="2"/>
+              <a:buNone/>
+            </a:pPr>
+            <a:r>
+              <a:rPr lang="en-US" altLang="zh-TW" sz="6000" dirty="0" smtClean="0">
+                <a:solidFill>
+                  <a:schemeClr val="accent6">
+                    <a:lumMod val="75000"/>
+                  </a:schemeClr>
+                </a:solidFill>
+                <a:latin typeface="Arial" pitchFamily="34" charset="0"/>
+                <a:ea typeface="新細明體" pitchFamily="-106" charset="-120"/>
+                <a:cs typeface="Arial" pitchFamily="34" charset="0"/>
+              </a:rPr>
+              <a:t>THANK YOU</a:t>
+            </a:r>
+            <a:r>
+              <a:rPr lang="en-US" altLang="zh-TW" sz="6000" dirty="0" smtClean="0">
+                <a:solidFill>
+                  <a:schemeClr val="accent6">
+                    <a:lumMod val="75000"/>
+                  </a:schemeClr>
+                </a:solidFill>
+                <a:ea typeface="新細明體" pitchFamily="-106" charset="-120"/>
+              </a:rPr>
+              <a:t>!</a:t>
+            </a:r>
+          </a:p>
+        </p:txBody>
+      </p:sp>
+    </p:spTree>
+  </p:cSld>
+  <p:clrMapOvr>
+    <a:masterClrMapping/>
+  </p:clrMapOvr>
   <p:timing>
     <p:tnLst>
       <p:par>
@@ -12992,9 +13663,166 @@
       </p:grpSpPr>
       <p:sp>
         <p:nvSpPr>
-          <p:cNvPr id="2" name="Title 1"/>
+          <p:cNvPr id="47106" name="Slide Number Placeholder 5"/>
           <p:cNvSpPr>
             <a:spLocks noGrp="1"/>
+          </p:cNvSpPr>
+          <p:nvPr>
+            <p:ph type="sldNum" sz="quarter" idx="12"/>
+          </p:nvPr>
+        </p:nvSpPr>
+        <p:spPr>
+          <a:noFill/>
+          <a:ln/>
+          <a:extLst>
+            <a:ext uri="{909E8E84-426E-40DD-AFC4-6F175D3DCCD1}">
+              <a14:hiddenFill xmlns:a14="http://schemas.microsoft.com/office/drawing/2010/main">
+                <a:solidFill>
+                  <a:srgbClr val="FFFFFF"/>
+                </a:solidFill>
+              </a14:hiddenFill>
+            </a:ext>
+            <a:ext uri="{91240B29-F687-4F45-9708-019B960494DF}">
+              <a14:hiddenLine xmlns:a14="http://schemas.microsoft.com/office/drawing/2010/main" w="9525">
+                <a:solidFill>
+                  <a:srgbClr val="000000"/>
+                </a:solidFill>
+                <a:miter lim="800000"/>
+                <a:headEnd/>
+                <a:tailEnd/>
+              </a14:hiddenLine>
+            </a:ext>
+          </a:extLst>
+        </p:spPr>
+        <p:txBody>
+          <a:bodyPr/>
+          <a:lstStyle>
+            <a:lvl1pPr eaLnBrk="0" hangingPunct="0">
+              <a:defRPr sz="2400">
+                <a:solidFill>
+                  <a:schemeClr val="tx1"/>
+                </a:solidFill>
+                <a:latin typeface="Arial" charset="0"/>
+                <a:ea typeface="ＭＳ Ｐゴシック" pitchFamily="-106" charset="-128"/>
+              </a:defRPr>
+            </a:lvl1pPr>
+            <a:lvl2pPr marL="37931725" indent="-37474525" eaLnBrk="0" hangingPunct="0">
+              <a:defRPr sz="2400">
+                <a:solidFill>
+                  <a:schemeClr val="tx1"/>
+                </a:solidFill>
+                <a:latin typeface="Arial" charset="0"/>
+                <a:ea typeface="ＭＳ Ｐゴシック" pitchFamily="-106" charset="-128"/>
+              </a:defRPr>
+            </a:lvl2pPr>
+            <a:lvl3pPr eaLnBrk="0" hangingPunct="0">
+              <a:defRPr sz="2400">
+                <a:solidFill>
+                  <a:schemeClr val="tx1"/>
+                </a:solidFill>
+                <a:latin typeface="Arial" charset="0"/>
+                <a:ea typeface="ＭＳ Ｐゴシック" pitchFamily="-106" charset="-128"/>
+              </a:defRPr>
+            </a:lvl3pPr>
+            <a:lvl4pPr eaLnBrk="0" hangingPunct="0">
+              <a:defRPr sz="2400">
+                <a:solidFill>
+                  <a:schemeClr val="tx1"/>
+                </a:solidFill>
+                <a:latin typeface="Arial" charset="0"/>
+                <a:ea typeface="ＭＳ Ｐゴシック" pitchFamily="-106" charset="-128"/>
+              </a:defRPr>
+            </a:lvl4pPr>
+            <a:lvl5pPr eaLnBrk="0" hangingPunct="0">
+              <a:defRPr sz="2400">
+                <a:solidFill>
+                  <a:schemeClr val="tx1"/>
+                </a:solidFill>
+                <a:latin typeface="Arial" charset="0"/>
+                <a:ea typeface="ＭＳ Ｐゴシック" pitchFamily="-106" charset="-128"/>
+              </a:defRPr>
+            </a:lvl5pPr>
+            <a:lvl6pPr marL="457200" eaLnBrk="0" fontAlgn="base" hangingPunct="0">
+              <a:spcBef>
+                <a:spcPct val="0"/>
+              </a:spcBef>
+              <a:spcAft>
+                <a:spcPct val="0"/>
+              </a:spcAft>
+              <a:defRPr sz="2400">
+                <a:solidFill>
+                  <a:schemeClr val="tx1"/>
+                </a:solidFill>
+                <a:latin typeface="Arial" charset="0"/>
+                <a:ea typeface="ＭＳ Ｐゴシック" pitchFamily="-106" charset="-128"/>
+              </a:defRPr>
+            </a:lvl6pPr>
+            <a:lvl7pPr marL="914400" eaLnBrk="0" fontAlgn="base" hangingPunct="0">
+              <a:spcBef>
+                <a:spcPct val="0"/>
+              </a:spcBef>
+              <a:spcAft>
+                <a:spcPct val="0"/>
+              </a:spcAft>
+              <a:defRPr sz="2400">
+                <a:solidFill>
+                  <a:schemeClr val="tx1"/>
+                </a:solidFill>
+                <a:latin typeface="Arial" charset="0"/>
+                <a:ea typeface="ＭＳ Ｐゴシック" pitchFamily="-106" charset="-128"/>
+              </a:defRPr>
+            </a:lvl7pPr>
+            <a:lvl8pPr marL="1371600" eaLnBrk="0" fontAlgn="base" hangingPunct="0">
+              <a:spcBef>
+                <a:spcPct val="0"/>
+              </a:spcBef>
+              <a:spcAft>
+                <a:spcPct val="0"/>
+              </a:spcAft>
+              <a:defRPr sz="2400">
+                <a:solidFill>
+                  <a:schemeClr val="tx1"/>
+                </a:solidFill>
+                <a:latin typeface="Arial" charset="0"/>
+                <a:ea typeface="ＭＳ Ｐゴシック" pitchFamily="-106" charset="-128"/>
+              </a:defRPr>
+            </a:lvl8pPr>
+            <a:lvl9pPr marL="1828800" eaLnBrk="0" fontAlgn="base" hangingPunct="0">
+              <a:spcBef>
+                <a:spcPct val="0"/>
+              </a:spcBef>
+              <a:spcAft>
+                <a:spcPct val="0"/>
+              </a:spcAft>
+              <a:defRPr sz="2400">
+                <a:solidFill>
+                  <a:schemeClr val="tx1"/>
+                </a:solidFill>
+                <a:latin typeface="Arial" charset="0"/>
+                <a:ea typeface="ＭＳ Ｐゴシック" pitchFamily="-106" charset="-128"/>
+              </a:defRPr>
+            </a:lvl9pPr>
+          </a:lstStyle>
+          <a:p>
+            <a:pPr eaLnBrk="1" hangingPunct="1"/>
+            <a:fld id="{AAA04654-EE4A-4EBE-BC23-CDB80A2BF4DE}" type="slidenum">
+              <a:rPr lang="en-US" sz="1200">
+                <a:latin typeface="Garamond" pitchFamily="-106" charset="0"/>
+              </a:rPr>
+              <a:pPr eaLnBrk="1" hangingPunct="1"/>
+              <a:t>6</a:t>
+            </a:fld>
+            <a:endParaRPr lang="en-US" sz="1200" dirty="0">
+              <a:latin typeface="Garamond" pitchFamily="-106" charset="0"/>
+            </a:endParaRPr>
+          </a:p>
+        </p:txBody>
+      </p:sp>
+      <p:sp>
+        <p:nvSpPr>
+          <p:cNvPr id="47107" name="Rectangle 2"/>
+          <p:cNvSpPr>
+            <a:spLocks noGrp="1" noChangeArrowheads="1"/>
           </p:cNvSpPr>
           <p:nvPr>
             <p:ph type="title"/>
@@ -13007,14 +13835,14 @@
           <a:p>
             <a:pPr eaLnBrk="1" hangingPunct="1"/>
             <a:r>
-              <a:rPr lang="en-US" altLang="zh-CN" b="1" dirty="0">
+              <a:rPr lang="en-US" altLang="zh-TW" b="1" dirty="0" smtClean="0">
                 <a:latin typeface="Arial" pitchFamily="34" charset="0"/>
                 <a:ea typeface="新細明體" pitchFamily="-106" charset="-120"/>
                 <a:cs typeface="Arial" pitchFamily="34" charset="0"/>
               </a:rPr>
-              <a:t>Active Perceptron</a:t>
-            </a:r>
-            <a:endParaRPr lang="zh-CN" altLang="en-US" b="1" dirty="0">
+              <a:t>Query By Committee</a:t>
+            </a:r>
+            <a:endParaRPr lang="zh-TW" altLang="en-US" b="1" dirty="0" smtClean="0">
               <a:latin typeface="Arial" pitchFamily="34" charset="0"/>
               <a:ea typeface="新細明體" pitchFamily="-106" charset="-120"/>
               <a:cs typeface="Arial" pitchFamily="34" charset="0"/>
@@ -13022,123 +13850,1093 @@
           </a:p>
         </p:txBody>
       </p:sp>
-      <p:sp>
-        <p:nvSpPr>
-          <p:cNvPr id="3" name="Content Placeholder 2"/>
-          <p:cNvSpPr>
-            <a:spLocks noGrp="1"/>
-          </p:cNvSpPr>
-          <p:nvPr>
-            <p:ph idx="1"/>
-          </p:nvPr>
-        </p:nvSpPr>
-        <p:spPr/>
-        <p:txBody>
-          <a:bodyPr/>
-          <a:lstStyle/>
-          <a:p>
-            <a:endParaRPr lang="zh-CN" altLang="en-US" dirty="0"/>
-          </a:p>
-        </p:txBody>
-      </p:sp>
-      <p:sp>
-        <p:nvSpPr>
-          <p:cNvPr id="4" name="Slide Number Placeholder 3"/>
-          <p:cNvSpPr>
-            <a:spLocks noGrp="1"/>
-          </p:cNvSpPr>
-          <p:nvPr>
-            <p:ph type="sldNum" sz="quarter" idx="12"/>
-          </p:nvPr>
-        </p:nvSpPr>
-        <p:spPr/>
-        <p:txBody>
-          <a:bodyPr/>
-          <a:lstStyle/>
-          <a:p>
-            <a:fld id="{604EAB18-E0EA-45DC-AA4D-A7A0A794259A}" type="slidenum">
-              <a:rPr lang="en-US" smtClean="0"/>
-              <a:pPr/>
-              <a:t>6</a:t>
-            </a:fld>
-            <a:endParaRPr lang="en-US"/>
-          </a:p>
-        </p:txBody>
-      </p:sp>
-      <p:pic>
-        <p:nvPicPr>
-          <p:cNvPr id="1026" name="Picture 2"/>
-          <p:cNvPicPr>
-            <a:picLocks noChangeAspect="1" noChangeArrowheads="1"/>
-          </p:cNvPicPr>
-          <p:nvPr/>
-        </p:nvPicPr>
-        <p:blipFill>
-          <a:blip r:embed="rId2">
-            <a:extLst>
-              <a:ext uri="{28A0092B-C50C-407E-A947-70E740481C1C}">
-                <a14:useLocalDpi xmlns:a14="http://schemas.microsoft.com/office/drawing/2010/main" val="0"/>
-              </a:ext>
-            </a:extLst>
-          </a:blip>
-          <a:srcRect/>
-          <a:stretch>
-            <a:fillRect/>
-          </a:stretch>
-        </p:blipFill>
-        <p:spPr bwMode="auto">
-          <a:xfrm>
-            <a:off x="366713" y="1143000"/>
-            <a:ext cx="8410575" cy="4572000"/>
-          </a:xfrm>
-          <a:prstGeom prst="rect">
-            <a:avLst/>
-          </a:prstGeom>
-          <a:noFill/>
-          <a:ln>
-            <a:noFill/>
-          </a:ln>
-          <a:effectLst/>
-          <a:extLst>
-            <a:ext uri="{909E8E84-426E-40DD-AFC4-6F175D3DCCD1}">
-              <a14:hiddenFill xmlns:a14="http://schemas.microsoft.com/office/drawing/2010/main">
-                <a:solidFill>
-                  <a:schemeClr val="accent1"/>
-                </a:solidFill>
-              </a14:hiddenFill>
-            </a:ext>
-            <a:ext uri="{91240B29-F687-4F45-9708-019B960494DF}">
-              <a14:hiddenLine xmlns:a14="http://schemas.microsoft.com/office/drawing/2010/main" w="9525">
-                <a:solidFill>
-                  <a:schemeClr val="tx1"/>
-                </a:solidFill>
-                <a:miter lim="800000"/>
-                <a:headEnd/>
-                <a:tailEnd/>
-              </a14:hiddenLine>
-            </a:ext>
-            <a:ext uri="{AF507438-7753-43E0-B8FC-AC1667EBCBE1}">
-              <a14:hiddenEffects xmlns:a14="http://schemas.microsoft.com/office/drawing/2010/main">
-                <a:effectLst>
-                  <a:outerShdw dist="35921" dir="2700000" algn="ctr" rotWithShape="0">
-                    <a:schemeClr val="bg2"/>
-                  </a:outerShdw>
-                </a:effectLst>
-              </a14:hiddenEffects>
-            </a:ext>
-          </a:extLst>
-        </p:spPr>
-      </p:pic>
+      <mc:AlternateContent xmlns:mc="http://schemas.openxmlformats.org/markup-compatibility/2006">
+        <mc:Choice xmlns:a14="http://schemas.microsoft.com/office/drawing/2010/main" Requires="a14">
+          <p:sp>
+            <p:nvSpPr>
+              <p:cNvPr id="7" name="Rectangle 3"/>
+              <p:cNvSpPr txBox="1">
+                <a:spLocks noChangeArrowheads="1"/>
+              </p:cNvSpPr>
+              <p:nvPr/>
+            </p:nvSpPr>
+            <p:spPr bwMode="auto">
+              <a:xfrm>
+                <a:off x="381000" y="1219200"/>
+                <a:ext cx="8534400" cy="5105400"/>
+              </a:xfrm>
+              <a:prstGeom prst="rect">
+                <a:avLst/>
+              </a:prstGeom>
+              <a:noFill/>
+              <a:ln>
+                <a:noFill/>
+              </a:ln>
+              <a:extLst>
+                <a:ext uri="{909E8E84-426E-40DD-AFC4-6F175D3DCCD1}">
+                  <a14:hiddenFill>
+                    <a:solidFill>
+                      <a:srgbClr val="FFFFFF"/>
+                    </a:solidFill>
+                  </a14:hiddenFill>
+                </a:ext>
+                <a:ext uri="{91240B29-F687-4F45-9708-019B960494DF}">
+                  <a14:hiddenLine w="9525">
+                    <a:solidFill>
+                      <a:srgbClr val="000000"/>
+                    </a:solidFill>
+                    <a:miter lim="800000"/>
+                    <a:headEnd/>
+                    <a:tailEnd/>
+                  </a14:hiddenLine>
+                </a:ext>
+              </a:extLst>
+            </p:spPr>
+            <p:txBody>
+              <a:bodyPr vert="horz" wrap="square" lIns="91440" tIns="45720" rIns="91440" bIns="45720" numCol="1" anchor="t" anchorCtr="0" compatLnSpc="1">
+                <a:prstTxWarp prst="textNoShape">
+                  <a:avLst/>
+                </a:prstTxWarp>
+              </a:bodyPr>
+              <a:lstStyle>
+                <a:lvl1pPr marL="342900" indent="-342900" algn="l" rtl="0" eaLnBrk="0" fontAlgn="base" hangingPunct="0">
+                  <a:spcBef>
+                    <a:spcPct val="20000"/>
+                  </a:spcBef>
+                  <a:spcAft>
+                    <a:spcPct val="0"/>
+                  </a:spcAft>
+                  <a:buClr>
+                    <a:schemeClr val="accent1"/>
+                  </a:buClr>
+                  <a:buSzPct val="65000"/>
+                  <a:buFont typeface="Wingdings" pitchFamily="-106" charset="2"/>
+                  <a:buChar char="n"/>
+                  <a:defRPr sz="3000">
+                    <a:solidFill>
+                      <a:schemeClr val="tx1"/>
+                    </a:solidFill>
+                    <a:latin typeface="+mn-lt"/>
+                    <a:ea typeface="ＭＳ Ｐゴシック" pitchFamily="-106" charset="-128"/>
+                    <a:cs typeface="+mn-cs"/>
+                  </a:defRPr>
+                </a:lvl1pPr>
+                <a:lvl2pPr marL="669925" indent="-325438" algn="l" rtl="0" eaLnBrk="0" fontAlgn="base" hangingPunct="0">
+                  <a:spcBef>
+                    <a:spcPct val="20000"/>
+                  </a:spcBef>
+                  <a:spcAft>
+                    <a:spcPct val="0"/>
+                  </a:spcAft>
+                  <a:buClr>
+                    <a:schemeClr val="accent2"/>
+                  </a:buClr>
+                  <a:buSzPct val="60000"/>
+                  <a:buFont typeface="Wingdings" pitchFamily="-106" charset="2"/>
+                  <a:buChar char="q"/>
+                  <a:defRPr sz="2600">
+                    <a:solidFill>
+                      <a:schemeClr val="tx1"/>
+                    </a:solidFill>
+                    <a:latin typeface="+mn-lt"/>
+                    <a:ea typeface="ＭＳ Ｐゴシック" pitchFamily="-106" charset="-128"/>
+                  </a:defRPr>
+                </a:lvl2pPr>
+                <a:lvl3pPr marL="1022350" indent="-350838" algn="l" rtl="0" eaLnBrk="0" fontAlgn="base" hangingPunct="0">
+                  <a:spcBef>
+                    <a:spcPct val="20000"/>
+                  </a:spcBef>
+                  <a:spcAft>
+                    <a:spcPct val="0"/>
+                  </a:spcAft>
+                  <a:buClr>
+                    <a:schemeClr val="accent1"/>
+                  </a:buClr>
+                  <a:buSzPct val="65000"/>
+                  <a:buFont typeface="Wingdings" pitchFamily="-106" charset="2"/>
+                  <a:buChar char="n"/>
+                  <a:defRPr sz="2200">
+                    <a:solidFill>
+                      <a:schemeClr val="tx1"/>
+                    </a:solidFill>
+                    <a:latin typeface="+mn-lt"/>
+                    <a:ea typeface="ＭＳ Ｐゴシック" pitchFamily="-106" charset="-128"/>
+                  </a:defRPr>
+                </a:lvl3pPr>
+                <a:lvl4pPr marL="1339850" indent="-315913" algn="l" rtl="0" eaLnBrk="0" fontAlgn="base" hangingPunct="0">
+                  <a:spcBef>
+                    <a:spcPct val="20000"/>
+                  </a:spcBef>
+                  <a:spcAft>
+                    <a:spcPct val="0"/>
+                  </a:spcAft>
+                  <a:buClr>
+                    <a:schemeClr val="accent2"/>
+                  </a:buClr>
+                  <a:buSzPct val="70000"/>
+                  <a:buFont typeface="Wingdings" pitchFamily="-106" charset="2"/>
+                  <a:buChar char="q"/>
+                  <a:defRPr sz="2000">
+                    <a:solidFill>
+                      <a:schemeClr val="tx1"/>
+                    </a:solidFill>
+                    <a:latin typeface="+mn-lt"/>
+                    <a:ea typeface="ＭＳ Ｐゴシック" pitchFamily="-106" charset="-128"/>
+                  </a:defRPr>
+                </a:lvl4pPr>
+                <a:lvl5pPr marL="1681163" indent="-339725" algn="l" rtl="0" eaLnBrk="0" fontAlgn="base" hangingPunct="0">
+                  <a:spcBef>
+                    <a:spcPct val="20000"/>
+                  </a:spcBef>
+                  <a:spcAft>
+                    <a:spcPct val="0"/>
+                  </a:spcAft>
+                  <a:buClr>
+                    <a:schemeClr val="accent1"/>
+                  </a:buClr>
+                  <a:buSzPct val="75000"/>
+                  <a:buFont typeface="Wingdings" pitchFamily="-106" charset="2"/>
+                  <a:buChar char="§"/>
+                  <a:defRPr sz="2000">
+                    <a:solidFill>
+                      <a:schemeClr val="tx1"/>
+                    </a:solidFill>
+                    <a:latin typeface="+mn-lt"/>
+                    <a:ea typeface="ＭＳ Ｐゴシック" pitchFamily="-106" charset="-128"/>
+                  </a:defRPr>
+                </a:lvl5pPr>
+                <a:lvl6pPr marL="2138363" indent="-339725" algn="l" rtl="0" fontAlgn="base">
+                  <a:spcBef>
+                    <a:spcPct val="20000"/>
+                  </a:spcBef>
+                  <a:spcAft>
+                    <a:spcPct val="0"/>
+                  </a:spcAft>
+                  <a:buClr>
+                    <a:schemeClr val="accent1"/>
+                  </a:buClr>
+                  <a:buSzPct val="75000"/>
+                  <a:buFont typeface="Wingdings" pitchFamily="2" charset="2"/>
+                  <a:buChar char="§"/>
+                  <a:defRPr sz="2000">
+                    <a:solidFill>
+                      <a:schemeClr val="tx1"/>
+                    </a:solidFill>
+                    <a:latin typeface="+mn-lt"/>
+                  </a:defRPr>
+                </a:lvl6pPr>
+                <a:lvl7pPr marL="2595563" indent="-339725" algn="l" rtl="0" fontAlgn="base">
+                  <a:spcBef>
+                    <a:spcPct val="20000"/>
+                  </a:spcBef>
+                  <a:spcAft>
+                    <a:spcPct val="0"/>
+                  </a:spcAft>
+                  <a:buClr>
+                    <a:schemeClr val="accent1"/>
+                  </a:buClr>
+                  <a:buSzPct val="75000"/>
+                  <a:buFont typeface="Wingdings" pitchFamily="2" charset="2"/>
+                  <a:buChar char="§"/>
+                  <a:defRPr sz="2000">
+                    <a:solidFill>
+                      <a:schemeClr val="tx1"/>
+                    </a:solidFill>
+                    <a:latin typeface="+mn-lt"/>
+                  </a:defRPr>
+                </a:lvl7pPr>
+                <a:lvl8pPr marL="3052763" indent="-339725" algn="l" rtl="0" fontAlgn="base">
+                  <a:spcBef>
+                    <a:spcPct val="20000"/>
+                  </a:spcBef>
+                  <a:spcAft>
+                    <a:spcPct val="0"/>
+                  </a:spcAft>
+                  <a:buClr>
+                    <a:schemeClr val="accent1"/>
+                  </a:buClr>
+                  <a:buSzPct val="75000"/>
+                  <a:buFont typeface="Wingdings" pitchFamily="2" charset="2"/>
+                  <a:buChar char="§"/>
+                  <a:defRPr sz="2000">
+                    <a:solidFill>
+                      <a:schemeClr val="tx1"/>
+                    </a:solidFill>
+                    <a:latin typeface="+mn-lt"/>
+                  </a:defRPr>
+                </a:lvl8pPr>
+                <a:lvl9pPr marL="3509963" indent="-339725" algn="l" rtl="0" fontAlgn="base">
+                  <a:spcBef>
+                    <a:spcPct val="20000"/>
+                  </a:spcBef>
+                  <a:spcAft>
+                    <a:spcPct val="0"/>
+                  </a:spcAft>
+                  <a:buClr>
+                    <a:schemeClr val="accent1"/>
+                  </a:buClr>
+                  <a:buSzPct val="75000"/>
+                  <a:buFont typeface="Wingdings" pitchFamily="2" charset="2"/>
+                  <a:buChar char="§"/>
+                  <a:defRPr sz="2000">
+                    <a:solidFill>
+                      <a:schemeClr val="tx1"/>
+                    </a:solidFill>
+                    <a:latin typeface="+mn-lt"/>
+                  </a:defRPr>
+                </a:lvl9pPr>
+              </a:lstStyle>
+              <a:p>
+                <a:pPr eaLnBrk="1" hangingPunct="1">
+                  <a:spcBef>
+                    <a:spcPts val="0"/>
+                  </a:spcBef>
+                </a:pPr>
+                <a:r>
+                  <a:rPr lang="en-US" altLang="zh-TW" sz="2400" dirty="0" smtClean="0">
+                    <a:ea typeface="新細明體" pitchFamily="-106" charset="-120"/>
+                  </a:rPr>
+                  <a:t>If a concept class </a:t>
+                </a:r>
+                <a14:m>
+                  <m:oMath xmlns:m="http://schemas.openxmlformats.org/officeDocument/2006/math">
+                    <m:r>
+                      <a:rPr lang="en-US" altLang="zh-TW" sz="2400" b="0" i="1" smtClean="0">
+                        <a:latin typeface="Cambria Math"/>
+                        <a:ea typeface="新細明體" pitchFamily="-106" charset="-120"/>
+                      </a:rPr>
+                      <m:t>𝐶</m:t>
+                    </m:r>
+                  </m:oMath>
+                </a14:m>
+                <a:r>
+                  <a:rPr lang="en-US" altLang="zh-TW" sz="2400" dirty="0" smtClean="0">
+                    <a:ea typeface="新細明體" pitchFamily="-106" charset="-120"/>
+                  </a:rPr>
+                  <a:t> has VC-dimension </a:t>
+                </a:r>
+                <a14:m>
+                  <m:oMath xmlns:m="http://schemas.openxmlformats.org/officeDocument/2006/math">
+                    <m:r>
+                      <a:rPr lang="en-US" altLang="zh-TW" sz="2000" b="0" i="1" smtClean="0">
+                        <a:latin typeface="Cambria Math"/>
+                        <a:ea typeface="新細明體" pitchFamily="-106" charset="-120"/>
+                      </a:rPr>
+                      <m:t>0&lt;</m:t>
+                    </m:r>
+                    <m:r>
+                      <a:rPr lang="en-US" altLang="zh-TW" sz="2000" b="0" i="1" smtClean="0">
+                        <a:latin typeface="Cambria Math"/>
+                        <a:ea typeface="新細明體" pitchFamily="-106" charset="-120"/>
+                      </a:rPr>
+                      <m:t>𝑑</m:t>
+                    </m:r>
+                    <m:r>
+                      <a:rPr lang="en-US" altLang="zh-TW" sz="2000" b="0" i="1" smtClean="0">
+                        <a:latin typeface="Cambria Math"/>
+                        <a:ea typeface="新細明體" pitchFamily="-106" charset="-120"/>
+                      </a:rPr>
+                      <m:t>&lt; ∞</m:t>
+                    </m:r>
+                  </m:oMath>
+                </a14:m>
+                <a:r>
+                  <a:rPr lang="en-US" altLang="zh-TW" sz="2400" dirty="0" smtClean="0">
+                    <a:ea typeface="新細明體" pitchFamily="-106" charset="-120"/>
+                  </a:rPr>
+                  <a:t> and the expected information gain of queries made by QBC is uniformly lower bounded by </a:t>
+                </a:r>
+                <a14:m>
+                  <m:oMath xmlns:m="http://schemas.openxmlformats.org/officeDocument/2006/math">
+                    <m:r>
+                      <a:rPr lang="en-US" altLang="zh-TW" sz="2000" b="0" i="1" smtClean="0">
+                        <a:latin typeface="Cambria Math"/>
+                        <a:ea typeface="新細明體" pitchFamily="-106" charset="-120"/>
+                      </a:rPr>
+                      <m:t>𝑔</m:t>
+                    </m:r>
+                    <m:r>
+                      <a:rPr lang="en-US" altLang="zh-TW" sz="2000" b="0" i="1" smtClean="0">
+                        <a:latin typeface="Cambria Math"/>
+                        <a:ea typeface="新細明體" pitchFamily="-106" charset="-120"/>
+                      </a:rPr>
+                      <m:t>&gt;0</m:t>
+                    </m:r>
+                  </m:oMath>
+                </a14:m>
+                <a:r>
+                  <a:rPr lang="en-US" altLang="zh-TW" sz="2400" dirty="0" smtClean="0">
+                    <a:ea typeface="新細明體" pitchFamily="-106" charset="-120"/>
+                  </a:rPr>
+                  <a:t>, then following holds with probability larger than </a:t>
+                </a:r>
+                <a14:m>
+                  <m:oMath xmlns:m="http://schemas.openxmlformats.org/officeDocument/2006/math">
+                    <m:r>
+                      <a:rPr lang="en-US" altLang="zh-TW" sz="2000" b="0" i="1" smtClean="0">
+                        <a:latin typeface="Cambria Math"/>
+                        <a:ea typeface="新細明體" pitchFamily="-106" charset="-120"/>
+                      </a:rPr>
+                      <m:t>1 − </m:t>
+                    </m:r>
+                    <m:r>
+                      <a:rPr lang="zh-TW" altLang="en-US" sz="2000" b="0" i="1" smtClean="0">
+                        <a:latin typeface="Cambria Math"/>
+                        <a:ea typeface="新細明體" pitchFamily="-106" charset="-120"/>
+                      </a:rPr>
+                      <m:t>𝛿</m:t>
+                    </m:r>
+                    <m:r>
+                      <a:rPr lang="en-US" altLang="zh-TW" sz="2000" b="0" i="0" smtClean="0">
+                        <a:latin typeface="Cambria Math"/>
+                        <a:ea typeface="新細明體" pitchFamily="-106" charset="-120"/>
+                      </a:rPr>
+                      <m:t>,</m:t>
+                    </m:r>
+                  </m:oMath>
+                </a14:m>
+                <a:endParaRPr lang="en-US" altLang="zh-TW" sz="2000" b="0" dirty="0" smtClean="0">
+                  <a:ea typeface="新細明體" pitchFamily="-106" charset="-120"/>
+                </a:endParaRPr>
+              </a:p>
+              <a:p>
+                <a:pPr lvl="1" eaLnBrk="1" hangingPunct="1">
+                  <a:lnSpc>
+                    <a:spcPct val="150000"/>
+                  </a:lnSpc>
+                  <a:spcBef>
+                    <a:spcPts val="600"/>
+                  </a:spcBef>
+                </a:pPr>
+                <a:r>
+                  <a:rPr lang="en-US" altLang="zh-TW" sz="2000" dirty="0" smtClean="0">
+                    <a:ea typeface="新細明體" pitchFamily="-106" charset="-120"/>
+                  </a:rPr>
+                  <a:t>The number of calls to sample is smaller than </a:t>
+                </a:r>
+              </a:p>
+              <a:p>
+                <a:pPr marL="344487" lvl="1" indent="0" eaLnBrk="1" hangingPunct="1">
+                  <a:spcBef>
+                    <a:spcPts val="0"/>
+                  </a:spcBef>
+                  <a:buNone/>
+                </a:pPr>
+                <a:r>
+                  <a:rPr lang="en-US" altLang="zh-TW" sz="2000" dirty="0">
+                    <a:ea typeface="新細明體" pitchFamily="-106" charset="-120"/>
+                  </a:rPr>
+                  <a:t> </a:t>
+                </a:r>
+                <a:r>
+                  <a:rPr lang="en-US" altLang="zh-TW" sz="2000" dirty="0" smtClean="0">
+                    <a:ea typeface="新細明體" pitchFamily="-106" charset="-120"/>
+                  </a:rPr>
+                  <a:t>    </a:t>
+                </a:r>
+                <a14:m>
+                  <m:oMath xmlns:m="http://schemas.openxmlformats.org/officeDocument/2006/math">
+                    <m:sSub>
+                      <m:sSubPr>
+                        <m:ctrlPr>
+                          <a:rPr lang="en-US" altLang="zh-TW" sz="2000" i="1" smtClean="0">
+                            <a:latin typeface="Cambria Math"/>
+                            <a:ea typeface="新細明體" pitchFamily="-106" charset="-120"/>
+                          </a:rPr>
+                        </m:ctrlPr>
+                      </m:sSubPr>
+                      <m:e>
+                        <m:r>
+                          <a:rPr lang="en-US" altLang="zh-TW" sz="2000" b="0" i="1" smtClean="0">
+                            <a:latin typeface="Cambria Math"/>
+                            <a:ea typeface="新細明體" pitchFamily="-106" charset="-120"/>
+                          </a:rPr>
+                          <m:t>𝑚</m:t>
+                        </m:r>
+                      </m:e>
+                      <m:sub>
+                        <m:r>
+                          <a:rPr lang="en-US" altLang="zh-TW" sz="2000" b="0" i="1" smtClean="0">
+                            <a:latin typeface="Cambria Math"/>
+                            <a:ea typeface="新細明體" pitchFamily="-106" charset="-120"/>
+                          </a:rPr>
+                          <m:t>0</m:t>
+                        </m:r>
+                      </m:sub>
+                    </m:sSub>
+                    <m:r>
+                      <a:rPr lang="en-US" altLang="zh-TW" sz="2000" b="0" i="1" smtClean="0">
+                        <a:latin typeface="Cambria Math"/>
+                        <a:ea typeface="新細明體" pitchFamily="-106" charset="-120"/>
+                      </a:rPr>
+                      <m:t>=</m:t>
+                    </m:r>
+                    <m:r>
+                      <m:rPr>
+                        <m:sty m:val="p"/>
+                      </m:rPr>
+                      <a:rPr lang="en-US" altLang="zh-TW" sz="2000" b="0" i="0" smtClean="0">
+                        <a:latin typeface="Cambria Math"/>
+                        <a:ea typeface="新細明體" pitchFamily="-106" charset="-120"/>
+                      </a:rPr>
+                      <m:t>max</m:t>
+                    </m:r>
+                    <m:r>
+                      <a:rPr lang="en-US" altLang="zh-TW" sz="2000" b="0" i="1" smtClean="0">
+                        <a:latin typeface="Cambria Math"/>
+                        <a:ea typeface="新細明體" pitchFamily="-106" charset="-120"/>
+                      </a:rPr>
+                      <m:t>⁡(</m:t>
+                    </m:r>
+                    <m:f>
+                      <m:fPr>
+                        <m:ctrlPr>
+                          <a:rPr lang="en-US" altLang="zh-TW" sz="2000" b="0" i="1" smtClean="0">
+                            <a:latin typeface="Cambria Math"/>
+                            <a:ea typeface="新細明體" pitchFamily="-106" charset="-120"/>
+                          </a:rPr>
+                        </m:ctrlPr>
+                      </m:fPr>
+                      <m:num>
+                        <m:r>
+                          <a:rPr lang="en-US" altLang="zh-TW" sz="2000" b="0" i="1" smtClean="0">
+                            <a:latin typeface="Cambria Math"/>
+                            <a:ea typeface="新細明體" pitchFamily="-106" charset="-120"/>
+                          </a:rPr>
+                          <m:t>4</m:t>
+                        </m:r>
+                        <m:r>
+                          <a:rPr lang="en-US" altLang="zh-TW" sz="2000" b="0" i="1" smtClean="0">
+                            <a:latin typeface="Cambria Math"/>
+                            <a:ea typeface="新細明體" pitchFamily="-106" charset="-120"/>
+                          </a:rPr>
+                          <m:t>𝑑</m:t>
+                        </m:r>
+                      </m:num>
+                      <m:den>
+                        <m:r>
+                          <a:rPr lang="en-US" altLang="zh-TW" sz="2000" b="0" i="1" smtClean="0">
+                            <a:latin typeface="Cambria Math"/>
+                            <a:ea typeface="新細明體" pitchFamily="-106" charset="-120"/>
+                          </a:rPr>
+                          <m:t>𝑒</m:t>
+                        </m:r>
+                        <m:r>
+                          <a:rPr lang="zh-TW" altLang="en-US" sz="2000" b="0" i="1" smtClean="0">
+                            <a:latin typeface="Cambria Math"/>
+                            <a:ea typeface="新細明體" pitchFamily="-106" charset="-120"/>
+                          </a:rPr>
+                          <m:t>𝛿</m:t>
+                        </m:r>
+                      </m:den>
+                    </m:f>
+                    <m:r>
+                      <a:rPr lang="en-US" altLang="zh-TW" sz="2000" b="0" i="1" smtClean="0">
+                        <a:latin typeface="Cambria Math"/>
+                        <a:ea typeface="新細明體" pitchFamily="-106" charset="-120"/>
+                      </a:rPr>
+                      <m:t>,</m:t>
+                    </m:r>
+                    <m:f>
+                      <m:fPr>
+                        <m:ctrlPr>
+                          <a:rPr lang="en-US" altLang="zh-TW" sz="2000" b="0" i="1" smtClean="0">
+                            <a:latin typeface="Cambria Math"/>
+                            <a:ea typeface="新細明體" pitchFamily="-106" charset="-120"/>
+                          </a:rPr>
+                        </m:ctrlPr>
+                      </m:fPr>
+                      <m:num>
+                        <m:r>
+                          <a:rPr lang="en-US" altLang="zh-TW" sz="2000" b="0" i="1" smtClean="0">
+                            <a:latin typeface="Cambria Math"/>
+                            <a:ea typeface="新細明體" pitchFamily="-106" charset="-120"/>
+                          </a:rPr>
+                          <m:t>160</m:t>
+                        </m:r>
+                        <m:d>
+                          <m:dPr>
+                            <m:ctrlPr>
+                              <a:rPr lang="en-US" altLang="zh-TW" sz="2000" b="0" i="1" smtClean="0">
+                                <a:latin typeface="Cambria Math"/>
+                                <a:ea typeface="新細明體" pitchFamily="-106" charset="-120"/>
+                              </a:rPr>
+                            </m:ctrlPr>
+                          </m:dPr>
+                          <m:e>
+                            <m:r>
+                              <a:rPr lang="en-US" altLang="zh-TW" sz="2000" b="0" i="1" smtClean="0">
+                                <a:latin typeface="Cambria Math"/>
+                                <a:ea typeface="新細明體" pitchFamily="-106" charset="-120"/>
+                              </a:rPr>
+                              <m:t>𝑑</m:t>
+                            </m:r>
+                            <m:r>
+                              <a:rPr lang="en-US" altLang="zh-TW" sz="2000" b="0" i="1" smtClean="0">
+                                <a:latin typeface="Cambria Math"/>
+                                <a:ea typeface="新細明體" pitchFamily="-106" charset="-120"/>
+                              </a:rPr>
+                              <m:t>+1</m:t>
+                            </m:r>
+                          </m:e>
+                        </m:d>
+                      </m:num>
+                      <m:den>
+                        <m:r>
+                          <a:rPr lang="en-US" altLang="zh-TW" sz="2000" b="0" i="1" smtClean="0">
+                            <a:latin typeface="Cambria Math"/>
+                            <a:ea typeface="新細明體" pitchFamily="-106" charset="-120"/>
+                          </a:rPr>
+                          <m:t>𝑔</m:t>
+                        </m:r>
+                        <m:r>
+                          <a:rPr lang="zh-TW" altLang="en-US" sz="2000" b="0" i="1" smtClean="0">
+                            <a:latin typeface="Cambria Math"/>
+                            <a:ea typeface="新細明體" pitchFamily="-106" charset="-120"/>
+                          </a:rPr>
+                          <m:t>𝜖</m:t>
+                        </m:r>
+                      </m:den>
+                    </m:f>
+                    <m:func>
+                      <m:funcPr>
+                        <m:ctrlPr>
+                          <a:rPr lang="en-US" altLang="zh-TW" sz="2000" b="0" i="1" smtClean="0">
+                            <a:latin typeface="Cambria Math"/>
+                            <a:ea typeface="新細明體" pitchFamily="-106" charset="-120"/>
+                          </a:rPr>
+                        </m:ctrlPr>
+                      </m:funcPr>
+                      <m:fName>
+                        <m:r>
+                          <m:rPr>
+                            <m:sty m:val="p"/>
+                          </m:rPr>
+                          <a:rPr lang="en-US" altLang="zh-TW" sz="2000" b="0" i="0" smtClean="0">
+                            <a:latin typeface="Cambria Math"/>
+                            <a:ea typeface="新細明體" pitchFamily="-106" charset="-120"/>
+                          </a:rPr>
+                          <m:t>max</m:t>
+                        </m:r>
+                      </m:fName>
+                      <m:e>
+                        <m:sSup>
+                          <m:sSupPr>
+                            <m:ctrlPr>
+                              <a:rPr lang="en-US" altLang="zh-TW" sz="2000" b="0" i="1" smtClean="0">
+                                <a:latin typeface="Cambria Math"/>
+                                <a:ea typeface="新細明體" pitchFamily="-106" charset="-120"/>
+                              </a:rPr>
+                            </m:ctrlPr>
+                          </m:sSupPr>
+                          <m:e>
+                            <m:d>
+                              <m:dPr>
+                                <m:ctrlPr>
+                                  <a:rPr lang="en-US" altLang="zh-TW" sz="2000" i="1">
+                                    <a:latin typeface="Cambria Math"/>
+                                    <a:ea typeface="新細明體" pitchFamily="-106" charset="-120"/>
+                                  </a:rPr>
+                                </m:ctrlPr>
+                              </m:dPr>
+                              <m:e>
+                                <m:r>
+                                  <a:rPr lang="en-US" altLang="zh-TW" sz="2000" i="1">
+                                    <a:latin typeface="Cambria Math"/>
+                                    <a:ea typeface="新細明體" pitchFamily="-106" charset="-120"/>
+                                  </a:rPr>
+                                  <m:t>6, </m:t>
+                                </m:r>
+                                <m:func>
+                                  <m:funcPr>
+                                    <m:ctrlPr>
+                                      <a:rPr lang="en-US" altLang="zh-TW" sz="2000" i="1">
+                                        <a:latin typeface="Cambria Math"/>
+                                        <a:ea typeface="新細明體" pitchFamily="-106" charset="-120"/>
+                                      </a:rPr>
+                                    </m:ctrlPr>
+                                  </m:funcPr>
+                                  <m:fName>
+                                    <m:r>
+                                      <m:rPr>
+                                        <m:sty m:val="p"/>
+                                      </m:rPr>
+                                      <a:rPr lang="en-US" altLang="zh-TW" sz="2000">
+                                        <a:latin typeface="Cambria Math"/>
+                                        <a:ea typeface="新細明體" pitchFamily="-106" charset="-120"/>
+                                      </a:rPr>
+                                      <m:t>ln</m:t>
+                                    </m:r>
+                                  </m:fName>
+                                  <m:e>
+                                    <m:f>
+                                      <m:fPr>
+                                        <m:ctrlPr>
+                                          <a:rPr lang="en-US" altLang="zh-TW" sz="2000" i="1">
+                                            <a:latin typeface="Cambria Math"/>
+                                            <a:ea typeface="新細明體" pitchFamily="-106" charset="-120"/>
+                                          </a:rPr>
+                                        </m:ctrlPr>
+                                      </m:fPr>
+                                      <m:num>
+                                        <m:r>
+                                          <a:rPr lang="en-US" altLang="zh-TW" sz="2000" i="1">
+                                            <a:latin typeface="Cambria Math"/>
+                                            <a:ea typeface="新細明體" pitchFamily="-106" charset="-120"/>
+                                          </a:rPr>
+                                          <m:t>80</m:t>
+                                        </m:r>
+                                        <m:d>
+                                          <m:dPr>
+                                            <m:ctrlPr>
+                                              <a:rPr lang="en-US" altLang="zh-TW" sz="2000" i="1">
+                                                <a:latin typeface="Cambria Math"/>
+                                                <a:ea typeface="新細明體" pitchFamily="-106" charset="-120"/>
+                                              </a:rPr>
+                                            </m:ctrlPr>
+                                          </m:dPr>
+                                          <m:e>
+                                            <m:r>
+                                              <a:rPr lang="en-US" altLang="zh-TW" sz="2000" i="1">
+                                                <a:latin typeface="Cambria Math"/>
+                                                <a:ea typeface="新細明體" pitchFamily="-106" charset="-120"/>
+                                              </a:rPr>
+                                              <m:t>𝑑</m:t>
+                                            </m:r>
+                                            <m:r>
+                                              <a:rPr lang="en-US" altLang="zh-TW" sz="2000" i="1">
+                                                <a:latin typeface="Cambria Math"/>
+                                                <a:ea typeface="新細明體" pitchFamily="-106" charset="-120"/>
+                                              </a:rPr>
+                                              <m:t>+1</m:t>
+                                            </m:r>
+                                          </m:e>
+                                        </m:d>
+                                      </m:num>
+                                      <m:den>
+                                        <m:r>
+                                          <a:rPr lang="zh-TW" altLang="en-US" sz="2000" i="1">
+                                            <a:latin typeface="Cambria Math"/>
+                                            <a:ea typeface="新細明體" pitchFamily="-106" charset="-120"/>
+                                          </a:rPr>
+                                          <m:t>𝜀</m:t>
+                                        </m:r>
+                                        <m:sSup>
+                                          <m:sSupPr>
+                                            <m:ctrlPr>
+                                              <a:rPr lang="en-US" altLang="zh-TW" sz="2000" i="1">
+                                                <a:latin typeface="Cambria Math"/>
+                                                <a:ea typeface="新細明體" pitchFamily="-106" charset="-120"/>
+                                              </a:rPr>
+                                            </m:ctrlPr>
+                                          </m:sSupPr>
+                                          <m:e>
+                                            <m:r>
+                                              <a:rPr lang="zh-TW" altLang="en-US" sz="2000" i="1">
+                                                <a:latin typeface="Cambria Math"/>
+                                                <a:ea typeface="新細明體" pitchFamily="-106" charset="-120"/>
+                                              </a:rPr>
+                                              <m:t>𝛿</m:t>
+                                            </m:r>
+                                          </m:e>
+                                          <m:sup>
+                                            <m:r>
+                                              <a:rPr lang="en-US" altLang="zh-TW" sz="2000" i="1">
+                                                <a:latin typeface="Cambria Math"/>
+                                                <a:ea typeface="新細明體" pitchFamily="-106" charset="-120"/>
+                                              </a:rPr>
+                                              <m:t>2</m:t>
+                                            </m:r>
+                                          </m:sup>
+                                        </m:sSup>
+                                        <m:r>
+                                          <a:rPr lang="en-US" altLang="zh-TW" sz="2000" i="1">
+                                            <a:latin typeface="Cambria Math"/>
+                                            <a:ea typeface="新細明體" pitchFamily="-106" charset="-120"/>
+                                          </a:rPr>
+                                          <m:t>𝑔</m:t>
+                                        </m:r>
+                                      </m:den>
+                                    </m:f>
+                                  </m:e>
+                                </m:func>
+                              </m:e>
+                            </m:d>
+                          </m:e>
+                          <m:sup>
+                            <m:r>
+                              <a:rPr lang="en-US" altLang="zh-TW" sz="2000" b="0" i="1" smtClean="0">
+                                <a:latin typeface="Cambria Math"/>
+                                <a:ea typeface="新細明體" pitchFamily="-106" charset="-120"/>
+                              </a:rPr>
+                              <m:t>2</m:t>
+                            </m:r>
+                          </m:sup>
+                        </m:sSup>
+                      </m:e>
+                    </m:func>
+                    <m:r>
+                      <a:rPr lang="en-US" altLang="zh-TW" sz="2000" b="0" i="1" smtClean="0">
+                        <a:latin typeface="Cambria Math"/>
+                        <a:ea typeface="新細明體" pitchFamily="-106" charset="-120"/>
+                      </a:rPr>
+                      <m:t>)</m:t>
+                    </m:r>
+                  </m:oMath>
+                </a14:m>
+                <a:endParaRPr lang="en-US" altLang="zh-TW" sz="2000" dirty="0" smtClean="0">
+                  <a:ea typeface="新細明體" pitchFamily="-106" charset="-120"/>
+                </a:endParaRPr>
+              </a:p>
+              <a:p>
+                <a:pPr lvl="1" eaLnBrk="1" hangingPunct="1">
+                  <a:spcBef>
+                    <a:spcPts val="600"/>
+                  </a:spcBef>
+                </a:pPr>
+                <a:r>
+                  <a:rPr lang="en-US" altLang="zh-TW" sz="2000" dirty="0">
+                    <a:ea typeface="新細明體" pitchFamily="-106" charset="-120"/>
+                  </a:rPr>
+                  <a:t>The number of calls to </a:t>
+                </a:r>
+                <a:r>
+                  <a:rPr lang="en-US" altLang="zh-TW" sz="2000" dirty="0" smtClean="0">
+                    <a:ea typeface="新細明體" pitchFamily="-106" charset="-120"/>
+                  </a:rPr>
+                  <a:t>label </a:t>
+                </a:r>
+                <a:r>
+                  <a:rPr lang="en-US" altLang="zh-TW" sz="2000" dirty="0">
+                    <a:ea typeface="新細明體" pitchFamily="-106" charset="-120"/>
+                  </a:rPr>
+                  <a:t>is smaller than </a:t>
+                </a:r>
+                <a:endParaRPr lang="en-US" altLang="zh-TW" sz="2000" dirty="0" smtClean="0">
+                  <a:ea typeface="新細明體" pitchFamily="-106" charset="-120"/>
+                </a:endParaRPr>
+              </a:p>
+              <a:p>
+                <a:pPr marL="344487" lvl="1" indent="0" eaLnBrk="1" hangingPunct="1">
+                  <a:spcBef>
+                    <a:spcPts val="600"/>
+                  </a:spcBef>
+                  <a:spcAft>
+                    <a:spcPts val="600"/>
+                  </a:spcAft>
+                  <a:buNone/>
+                </a:pPr>
+                <a:r>
+                  <a:rPr lang="en-US" altLang="zh-TW" sz="2000" dirty="0">
+                    <a:ea typeface="新細明體" pitchFamily="-106" charset="-120"/>
+                  </a:rPr>
+                  <a:t> </a:t>
+                </a:r>
+                <a:r>
+                  <a:rPr lang="en-US" altLang="zh-TW" sz="2000" dirty="0" smtClean="0">
+                    <a:ea typeface="新細明體" pitchFamily="-106" charset="-120"/>
+                  </a:rPr>
+                  <a:t>    </a:t>
+                </a:r>
+                <a14:m>
+                  <m:oMath xmlns:m="http://schemas.openxmlformats.org/officeDocument/2006/math">
+                    <m:sSub>
+                      <m:sSubPr>
+                        <m:ctrlPr>
+                          <a:rPr lang="en-US" altLang="zh-TW" sz="2000" i="1">
+                            <a:latin typeface="Cambria Math"/>
+                            <a:ea typeface="新細明體" pitchFamily="-106" charset="-120"/>
+                          </a:rPr>
+                        </m:ctrlPr>
+                      </m:sSubPr>
+                      <m:e>
+                        <m:r>
+                          <a:rPr lang="en-US" altLang="zh-TW" sz="2000" b="0" i="1" smtClean="0">
+                            <a:latin typeface="Cambria Math"/>
+                            <a:ea typeface="新細明體" pitchFamily="-106" charset="-120"/>
+                          </a:rPr>
+                          <m:t>𝑛</m:t>
+                        </m:r>
+                      </m:e>
+                      <m:sub>
+                        <m:r>
+                          <a:rPr lang="en-US" altLang="zh-TW" sz="2000" i="1">
+                            <a:latin typeface="Cambria Math"/>
+                            <a:ea typeface="新細明體" pitchFamily="-106" charset="-120"/>
+                          </a:rPr>
+                          <m:t>0</m:t>
+                        </m:r>
+                      </m:sub>
+                    </m:sSub>
+                    <m:r>
+                      <a:rPr lang="en-US" altLang="zh-TW" sz="2000" i="1">
+                        <a:latin typeface="Cambria Math"/>
+                        <a:ea typeface="新細明體" pitchFamily="-106" charset="-120"/>
+                      </a:rPr>
+                      <m:t>=</m:t>
+                    </m:r>
+                    <m:f>
+                      <m:fPr>
+                        <m:ctrlPr>
+                          <a:rPr lang="en-US" altLang="zh-TW" sz="2000" i="1" smtClean="0">
+                            <a:latin typeface="Cambria Math"/>
+                            <a:ea typeface="新細明體" pitchFamily="-106" charset="-120"/>
+                          </a:rPr>
+                        </m:ctrlPr>
+                      </m:fPr>
+                      <m:num>
+                        <m:r>
+                          <a:rPr lang="en-US" altLang="zh-TW" sz="2000" b="0" i="1" smtClean="0">
+                            <a:latin typeface="Cambria Math"/>
+                            <a:ea typeface="新細明體" pitchFamily="-106" charset="-120"/>
+                          </a:rPr>
+                          <m:t>10(</m:t>
+                        </m:r>
+                        <m:r>
+                          <a:rPr lang="en-US" altLang="zh-TW" sz="2000" b="0" i="1" smtClean="0">
+                            <a:latin typeface="Cambria Math"/>
+                            <a:ea typeface="新細明體" pitchFamily="-106" charset="-120"/>
+                          </a:rPr>
+                          <m:t>𝑑</m:t>
+                        </m:r>
+                        <m:r>
+                          <a:rPr lang="en-US" altLang="zh-TW" sz="2000" b="0" i="1" smtClean="0">
+                            <a:latin typeface="Cambria Math"/>
+                            <a:ea typeface="新細明體" pitchFamily="-106" charset="-120"/>
+                          </a:rPr>
+                          <m:t>+1)</m:t>
+                        </m:r>
+                      </m:num>
+                      <m:den>
+                        <m:r>
+                          <a:rPr lang="en-US" altLang="zh-TW" sz="2000" b="0" i="1" smtClean="0">
+                            <a:latin typeface="Cambria Math"/>
+                            <a:ea typeface="新細明體" pitchFamily="-106" charset="-120"/>
+                          </a:rPr>
+                          <m:t>𝑔</m:t>
+                        </m:r>
+                      </m:den>
+                    </m:f>
+                    <m:func>
+                      <m:funcPr>
+                        <m:ctrlPr>
+                          <a:rPr lang="en-US" altLang="zh-TW" sz="2000" i="1" smtClean="0">
+                            <a:latin typeface="Cambria Math"/>
+                            <a:ea typeface="新細明體" pitchFamily="-106" charset="-120"/>
+                          </a:rPr>
+                        </m:ctrlPr>
+                      </m:funcPr>
+                      <m:fName>
+                        <m:r>
+                          <m:rPr>
+                            <m:sty m:val="p"/>
+                          </m:rPr>
+                          <a:rPr lang="en-US" altLang="zh-TW" sz="2000" i="0" smtClean="0">
+                            <a:latin typeface="Cambria Math"/>
+                            <a:ea typeface="新細明體" pitchFamily="-106" charset="-120"/>
+                          </a:rPr>
+                          <m:t>ln</m:t>
+                        </m:r>
+                      </m:fName>
+                      <m:e>
+                        <m:f>
+                          <m:fPr>
+                            <m:ctrlPr>
+                              <a:rPr lang="en-US" altLang="zh-TW" sz="2000" i="1" smtClean="0">
+                                <a:latin typeface="Cambria Math"/>
+                                <a:ea typeface="新細明體" pitchFamily="-106" charset="-120"/>
+                              </a:rPr>
+                            </m:ctrlPr>
+                          </m:fPr>
+                          <m:num>
+                            <m:r>
+                              <a:rPr lang="en-US" altLang="zh-TW" sz="2000" b="0" i="1" smtClean="0">
+                                <a:latin typeface="Cambria Math"/>
+                                <a:ea typeface="新細明體" pitchFamily="-106" charset="-120"/>
+                              </a:rPr>
+                              <m:t>4</m:t>
+                            </m:r>
+                            <m:sSub>
+                              <m:sSubPr>
+                                <m:ctrlPr>
+                                  <a:rPr lang="en-US" altLang="zh-TW" sz="2000" b="0" i="1" smtClean="0">
+                                    <a:latin typeface="Cambria Math"/>
+                                    <a:ea typeface="新細明體" pitchFamily="-106" charset="-120"/>
+                                  </a:rPr>
+                                </m:ctrlPr>
+                              </m:sSubPr>
+                              <m:e>
+                                <m:r>
+                                  <a:rPr lang="en-US" altLang="zh-TW" sz="2000" b="0" i="1" smtClean="0">
+                                    <a:latin typeface="Cambria Math"/>
+                                    <a:ea typeface="新細明體" pitchFamily="-106" charset="-120"/>
+                                  </a:rPr>
+                                  <m:t>𝑚</m:t>
+                                </m:r>
+                              </m:e>
+                              <m:sub>
+                                <m:r>
+                                  <a:rPr lang="en-US" altLang="zh-TW" sz="2000" b="0" i="1" smtClean="0">
+                                    <a:latin typeface="Cambria Math"/>
+                                    <a:ea typeface="新細明體" pitchFamily="-106" charset="-120"/>
+                                  </a:rPr>
+                                  <m:t>0</m:t>
+                                </m:r>
+                              </m:sub>
+                            </m:sSub>
+                          </m:num>
+                          <m:den>
+                            <m:r>
+                              <a:rPr lang="zh-TW" altLang="en-US" sz="2000" i="1" smtClean="0">
+                                <a:latin typeface="Cambria Math"/>
+                                <a:ea typeface="新細明體" pitchFamily="-106" charset="-120"/>
+                              </a:rPr>
+                              <m:t>𝛿</m:t>
+                            </m:r>
+                          </m:den>
+                        </m:f>
+                      </m:e>
+                    </m:func>
+                  </m:oMath>
+                </a14:m>
+                <a:endParaRPr lang="en-US" altLang="zh-TW" sz="2000" dirty="0" smtClean="0">
+                  <a:ea typeface="新細明體" pitchFamily="-106" charset="-120"/>
+                </a:endParaRPr>
+              </a:p>
+              <a:p>
+                <a:r>
+                  <a:rPr lang="en-US" altLang="zh-TW" sz="2000" dirty="0" smtClean="0">
+                    <a:ea typeface="新細明體" pitchFamily="-106" charset="-120"/>
+                  </a:rPr>
+                  <a:t>The probability that the Gibbs prediction algorithm that uses the final version space of QBC makes a mistake in its prediction is smaller than </a:t>
+                </a:r>
+                <a14:m>
+                  <m:oMath xmlns:m="http://schemas.openxmlformats.org/officeDocument/2006/math">
+                    <m:r>
+                      <a:rPr lang="zh-TW" altLang="en-US" sz="2000" i="1" smtClean="0">
+                        <a:latin typeface="Cambria Math"/>
+                        <a:ea typeface="新細明體" pitchFamily="-106" charset="-120"/>
+                      </a:rPr>
+                      <m:t>𝜖</m:t>
+                    </m:r>
+                  </m:oMath>
+                </a14:m>
+                <a:r>
+                  <a:rPr lang="en-US" sz="2000" dirty="0" smtClean="0">
+                    <a:ea typeface="新細明體" pitchFamily="-106" charset="-120"/>
+                  </a:rPr>
+                  <a:t>. </a:t>
+                </a:r>
+                <a:endParaRPr lang="en-US" altLang="zh-TW" sz="2000" dirty="0">
+                  <a:ea typeface="新細明體" pitchFamily="-106" charset="-120"/>
+                </a:endParaRPr>
+              </a:p>
+              <a:p>
+                <a:pPr lvl="1" eaLnBrk="1" hangingPunct="1">
+                  <a:lnSpc>
+                    <a:spcPct val="90000"/>
+                  </a:lnSpc>
+                </a:pPr>
+                <a:endParaRPr lang="en-US" altLang="zh-TW" sz="2400" dirty="0">
+                  <a:ea typeface="新細明體" pitchFamily="-106" charset="-120"/>
+                </a:endParaRPr>
+              </a:p>
+              <a:p>
+                <a:pPr marL="344487" lvl="1" indent="0" eaLnBrk="1" hangingPunct="1">
+                  <a:lnSpc>
+                    <a:spcPct val="90000"/>
+                  </a:lnSpc>
+                  <a:buNone/>
+                </a:pPr>
+                <a:r>
+                  <a:rPr lang="en-US" sz="2400" dirty="0" smtClean="0"/>
+                  <a:t>     </a:t>
+                </a:r>
+                <a:endParaRPr lang="en-US" altLang="zh-TW" dirty="0" smtClean="0">
+                  <a:ea typeface="新細明體" pitchFamily="-106" charset="-120"/>
+                </a:endParaRPr>
+              </a:p>
+            </p:txBody>
+          </p:sp>
+        </mc:Choice>
+        <mc:Fallback>
+          <p:sp>
+            <p:nvSpPr>
+              <p:cNvPr id="7" name="Rectangle 3"/>
+              <p:cNvSpPr txBox="1">
+                <a:spLocks noRot="1" noChangeAspect="1" noMove="1" noResize="1" noEditPoints="1" noAdjustHandles="1" noChangeArrowheads="1" noChangeShapeType="1" noTextEdit="1"/>
+              </p:cNvSpPr>
+              <p:nvPr/>
+            </p:nvSpPr>
+            <p:spPr bwMode="auto">
+              <a:xfrm>
+                <a:off x="381000" y="1219200"/>
+                <a:ext cx="8534400" cy="5105400"/>
+              </a:xfrm>
+              <a:prstGeom prst="rect">
+                <a:avLst/>
+              </a:prstGeom>
+              <a:blipFill rotWithShape="1">
+                <a:blip r:embed="rId3"/>
+                <a:stretch>
+                  <a:fillRect l="-286" t="-835" r="-1071"/>
+                </a:stretch>
+              </a:blipFill>
+              <a:ln>
+                <a:noFill/>
+              </a:ln>
+              <a:extLst>
+                <a:ext uri="{909E8E84-426E-40DD-AFC4-6F175D3DCCD1}">
+                  <a14:hiddenFill xmlns:a14="http://schemas.microsoft.com/office/drawing/2010/main">
+                    <a:solidFill>
+                      <a:srgbClr val="FFFFFF"/>
+                    </a:solidFill>
+                  </a14:hiddenFill>
+                </a:ext>
+                <a:ext uri="{91240B29-F687-4F45-9708-019B960494DF}">
+                  <a14:hiddenLine xmlns:a14="http://schemas.microsoft.com/office/drawing/2010/main" w="9525">
+                    <a:solidFill>
+                      <a:srgbClr val="000000"/>
+                    </a:solidFill>
+                    <a:miter lim="800000"/>
+                    <a:headEnd/>
+                    <a:tailEnd/>
+                  </a14:hiddenLine>
+                </a:ext>
+              </a:extLst>
+            </p:spPr>
+            <p:txBody>
+              <a:bodyPr/>
+              <a:lstStyle/>
+              <a:p>
+                <a:r>
+                  <a:rPr lang="en-US">
+                    <a:noFill/>
+                  </a:rPr>
+                  <a:t> </a:t>
+                </a:r>
+              </a:p>
+            </p:txBody>
+          </p:sp>
+        </mc:Fallback>
+      </mc:AlternateContent>
     </p:spTree>
     <p:extLst>
       <p:ext uri="{BB962C8B-B14F-4D97-AF65-F5344CB8AC3E}">
-        <p14:creationId xmlns:p14="http://schemas.microsoft.com/office/powerpoint/2010/main" val="1361745343"/>
+        <p14:creationId xmlns:p14="http://schemas.microsoft.com/office/powerpoint/2010/main" val="53151857"/>
       </p:ext>
     </p:extLst>
   </p:cSld>
   <p:clrMapOvr>
     <a:masterClrMapping/>
   </p:clrMapOvr>
+  <p:timing>
+    <p:tnLst>
+      <p:par>
+        <p:cTn id="1" dur="indefinite" restart="never" nodeType="tmRoot"/>
+      </p:par>
+    </p:tnLst>
+  </p:timing>
 </p:sld>
 </file>
 
@@ -13310,7 +15108,7 @@
               <a:pPr eaLnBrk="1" hangingPunct="1"/>
               <a:t>7</a:t>
             </a:fld>
-            <a:endParaRPr lang="en-US" sz="1200">
+            <a:endParaRPr lang="en-US" sz="1200" dirty="0">
               <a:latin typeface="Garamond" pitchFamily="-106" charset="0"/>
             </a:endParaRPr>
           </a:p>
@@ -13348,8 +15146,8 @@
           </a:p>
         </p:txBody>
       </p:sp>
-      <mc:AlternateContent xmlns:mc="http://schemas.openxmlformats.org/markup-compatibility/2006" xmlns:a14="http://schemas.microsoft.com/office/drawing/2010/main">
-        <mc:Choice Requires="a14">
+      <mc:AlternateContent xmlns:mc="http://schemas.openxmlformats.org/markup-compatibility/2006">
+        <mc:Choice xmlns:a14="http://schemas.microsoft.com/office/drawing/2010/main" Requires="a14">
           <p:sp>
             <p:nvSpPr>
               <p:cNvPr id="7" name="Rectangle 3"/>
@@ -13361,7 +15159,7 @@
             <p:spPr bwMode="auto">
               <a:xfrm>
                 <a:off x="381000" y="1219200"/>
-                <a:ext cx="8610600" cy="4724400"/>
+                <a:ext cx="8610600" cy="4953000"/>
               </a:xfrm>
               <a:prstGeom prst="rect">
                 <a:avLst/>
@@ -13846,9 +15644,85 @@
                   </a:rPr>
                   <a:t> such that </a:t>
                 </a:r>
-                <a:endParaRPr lang="en-US" altLang="zh-TW" sz="2400" dirty="0">
-                  <a:ea typeface="新細明體" pitchFamily="-106" charset="-120"/>
-                </a:endParaRPr>
+                <a14:m>
+                  <m:oMath xmlns:m="http://schemas.openxmlformats.org/officeDocument/2006/math">
+                    <m:sSup>
+                      <m:sSupPr>
+                        <m:ctrlPr>
+                          <a:rPr lang="en-US" sz="2400" i="1">
+                            <a:latin typeface="Cambria Math"/>
+                          </a:rPr>
+                        </m:ctrlPr>
+                      </m:sSupPr>
+                      <m:e>
+                        <m:r>
+                          <m:rPr>
+                            <m:sty m:val="p"/>
+                          </m:rPr>
+                          <a:rPr lang="en-US" sz="2400">
+                            <a:latin typeface="Cambria Math"/>
+                          </a:rPr>
+                          <m:t>c</m:t>
+                        </m:r>
+                      </m:e>
+                      <m:sup>
+                        <m:r>
+                          <a:rPr lang="en-US" sz="2400">
+                            <a:latin typeface="Cambria Math"/>
+                          </a:rPr>
+                          <m:t>′</m:t>
+                        </m:r>
+                      </m:sup>
+                    </m:sSup>
+                    <m:d>
+                      <m:dPr>
+                        <m:ctrlPr>
+                          <a:rPr lang="en-US" sz="2400" b="0" i="1" smtClean="0">
+                            <a:latin typeface="Cambria Math"/>
+                          </a:rPr>
+                        </m:ctrlPr>
+                      </m:dPr>
+                      <m:e>
+                        <m:r>
+                          <a:rPr lang="en-US" sz="2400" b="0" i="1" smtClean="0">
+                            <a:latin typeface="Cambria Math"/>
+                          </a:rPr>
+                          <m:t>𝑥</m:t>
+                        </m:r>
+                      </m:e>
+                    </m:d>
+                    <m:r>
+                      <a:rPr lang="en-US" sz="2400" b="0" i="1" smtClean="0">
+                        <a:latin typeface="Cambria Math"/>
+                      </a:rPr>
+                      <m:t>=</m:t>
+                    </m:r>
+                    <m:r>
+                      <a:rPr lang="en-US" sz="2400" b="0" i="1" smtClean="0">
+                        <a:latin typeface="Cambria Math"/>
+                      </a:rPr>
+                      <m:t>𝑐</m:t>
+                    </m:r>
+                    <m:d>
+                      <m:dPr>
+                        <m:ctrlPr>
+                          <a:rPr lang="en-US" sz="2400" b="0" i="1" smtClean="0">
+                            <a:latin typeface="Cambria Math"/>
+                          </a:rPr>
+                        </m:ctrlPr>
+                      </m:dPr>
+                      <m:e>
+                        <m:r>
+                          <a:rPr lang="en-US" sz="2400" b="0" i="1" smtClean="0">
+                            <a:latin typeface="Cambria Math"/>
+                          </a:rPr>
+                          <m:t>𝑥</m:t>
+                        </m:r>
+                      </m:e>
+                    </m:d>
+                  </m:oMath>
+                </a14:m>
+                <a:endParaRPr lang="en-US" sz="2400" b="0" dirty="0" smtClean="0"/>
               </a:p>
               <a:p>
                 <a:pPr lvl="1" eaLnBrk="1" hangingPunct="1">
@@ -13856,7 +15730,180 @@
                     <a:spcPct val="90000"/>
                   </a:lnSpc>
                 </a:pPr>
-                <a:endParaRPr lang="en-US" altLang="zh-TW" sz="2400" dirty="0" smtClean="0">
+                <a:r>
+                  <a:rPr lang="en-US" altLang="zh-TW" sz="2400" dirty="0" smtClean="0">
+                    <a:ea typeface="新細明體" pitchFamily="-106" charset="-120"/>
+                  </a:rPr>
+                  <a:t>Stop when consecutively reject  </a:t>
+                </a:r>
+                <a14:m>
+                  <m:oMath xmlns:m="http://schemas.openxmlformats.org/officeDocument/2006/math">
+                    <m:f>
+                      <m:fPr>
+                        <m:ctrlPr>
+                          <a:rPr lang="en-US" altLang="zh-TW" sz="2400" i="1" smtClean="0">
+                            <a:latin typeface="Cambria Math"/>
+                            <a:ea typeface="新細明體" pitchFamily="-106" charset="-120"/>
+                          </a:rPr>
+                        </m:ctrlPr>
+                      </m:fPr>
+                      <m:num>
+                        <m:r>
+                          <a:rPr lang="en-US" altLang="zh-TW" sz="2400" b="0" i="1" smtClean="0">
+                            <a:latin typeface="Cambria Math"/>
+                            <a:ea typeface="新細明體" pitchFamily="-106" charset="-120"/>
+                          </a:rPr>
+                          <m:t>1</m:t>
+                        </m:r>
+                      </m:num>
+                      <m:den>
+                        <m:r>
+                          <a:rPr lang="zh-TW" altLang="en-US" sz="2400" i="1" smtClean="0">
+                            <a:latin typeface="Cambria Math"/>
+                            <a:ea typeface="新細明體" pitchFamily="-106" charset="-120"/>
+                          </a:rPr>
+                          <m:t>𝜖</m:t>
+                        </m:r>
+                      </m:den>
+                    </m:f>
+                    <m:func>
+                      <m:funcPr>
+                        <m:ctrlPr>
+                          <a:rPr lang="en-US" altLang="zh-TW" sz="2400" i="1" smtClean="0">
+                            <a:latin typeface="Cambria Math"/>
+                            <a:ea typeface="新細明體" pitchFamily="-106" charset="-120"/>
+                          </a:rPr>
+                        </m:ctrlPr>
+                      </m:funcPr>
+                      <m:fName>
+                        <m:r>
+                          <m:rPr>
+                            <m:sty m:val="p"/>
+                          </m:rPr>
+                          <a:rPr lang="en-US" altLang="zh-TW" sz="2400" i="0" smtClean="0">
+                            <a:latin typeface="Cambria Math"/>
+                            <a:ea typeface="新細明體" pitchFamily="-106" charset="-120"/>
+                          </a:rPr>
+                          <m:t>ln</m:t>
+                        </m:r>
+                      </m:fName>
+                      <m:e>
+                        <m:f>
+                          <m:fPr>
+                            <m:ctrlPr>
+                              <a:rPr lang="en-US" altLang="zh-TW" sz="2400" i="1" smtClean="0">
+                                <a:latin typeface="Cambria Math"/>
+                                <a:ea typeface="新細明體" pitchFamily="-106" charset="-120"/>
+                              </a:rPr>
+                            </m:ctrlPr>
+                          </m:fPr>
+                          <m:num>
+                            <m:sSup>
+                              <m:sSupPr>
+                                <m:ctrlPr>
+                                  <a:rPr lang="en-US" altLang="zh-TW" sz="2400" i="1" smtClean="0">
+                                    <a:latin typeface="Cambria Math"/>
+                                    <a:ea typeface="新細明體" pitchFamily="-106" charset="-120"/>
+                                  </a:rPr>
+                                </m:ctrlPr>
+                              </m:sSupPr>
+                              <m:e>
+                                <m:r>
+                                  <a:rPr lang="zh-TW" altLang="en-US" sz="2400" i="1" smtClean="0">
+                                    <a:latin typeface="Cambria Math"/>
+                                    <a:ea typeface="新細明體" pitchFamily="-106" charset="-120"/>
+                                  </a:rPr>
+                                  <m:t>𝜋</m:t>
+                                </m:r>
+                              </m:e>
+                              <m:sup>
+                                <m:r>
+                                  <a:rPr lang="en-US" altLang="zh-TW" sz="2400" b="0" i="1" smtClean="0">
+                                    <a:latin typeface="Cambria Math"/>
+                                    <a:ea typeface="新細明體" pitchFamily="-106" charset="-120"/>
+                                  </a:rPr>
+                                  <m:t>2</m:t>
+                                </m:r>
+                              </m:sup>
+                            </m:sSup>
+                            <m:sSup>
+                              <m:sSupPr>
+                                <m:ctrlPr>
+                                  <a:rPr lang="en-US" altLang="zh-TW" sz="2400" i="1" smtClean="0">
+                                    <a:latin typeface="Cambria Math"/>
+                                    <a:ea typeface="新細明體" pitchFamily="-106" charset="-120"/>
+                                  </a:rPr>
+                                </m:ctrlPr>
+                              </m:sSupPr>
+                              <m:e>
+                                <m:r>
+                                  <a:rPr lang="en-US" altLang="zh-TW" sz="2400" b="0" i="1" smtClean="0">
+                                    <a:latin typeface="Cambria Math"/>
+                                    <a:ea typeface="新細明體" pitchFamily="-106" charset="-120"/>
+                                  </a:rPr>
+                                  <m:t>(</m:t>
+                                </m:r>
+                                <m:r>
+                                  <a:rPr lang="en-US" altLang="zh-TW" sz="2400" b="0" i="1" smtClean="0">
+                                    <a:latin typeface="Cambria Math"/>
+                                    <a:ea typeface="新細明體" pitchFamily="-106" charset="-120"/>
+                                  </a:rPr>
+                                  <m:t>𝑛</m:t>
+                                </m:r>
+                                <m:r>
+                                  <a:rPr lang="en-US" altLang="zh-TW" sz="2400" b="0" i="1" smtClean="0">
+                                    <a:latin typeface="Cambria Math"/>
+                                    <a:ea typeface="新細明體" pitchFamily="-106" charset="-120"/>
+                                  </a:rPr>
+                                  <m:t>+1)</m:t>
+                                </m:r>
+                              </m:e>
+                              <m:sup>
+                                <m:r>
+                                  <a:rPr lang="en-US" altLang="zh-TW" sz="2400" b="0" i="1" smtClean="0">
+                                    <a:latin typeface="Cambria Math"/>
+                                    <a:ea typeface="新細明體" pitchFamily="-106" charset="-120"/>
+                                  </a:rPr>
+                                  <m:t>2</m:t>
+                                </m:r>
+                              </m:sup>
+                            </m:sSup>
+                          </m:num>
+                          <m:den>
+                            <m:r>
+                              <a:rPr lang="en-US" altLang="zh-TW" sz="2400" b="0" i="1" smtClean="0">
+                                <a:latin typeface="Cambria Math"/>
+                                <a:ea typeface="新細明體" pitchFamily="-106" charset="-120"/>
+                              </a:rPr>
+                              <m:t>3</m:t>
+                            </m:r>
+                            <m:r>
+                              <a:rPr lang="zh-TW" altLang="en-US" sz="2400" b="0" i="1" smtClean="0">
+                                <a:latin typeface="Cambria Math"/>
+                                <a:ea typeface="新細明體" pitchFamily="-106" charset="-120"/>
+                              </a:rPr>
+                              <m:t>𝛿</m:t>
+                            </m:r>
+                          </m:den>
+                        </m:f>
+                      </m:e>
+                    </m:func>
+                  </m:oMath>
+                </a14:m>
+                <a:r>
+                  <a:rPr lang="en-US" altLang="zh-TW" sz="2400" dirty="0" smtClean="0">
+                    <a:ea typeface="新細明體" pitchFamily="-106" charset="-120"/>
+                  </a:rPr>
+                  <a:t>  examples</a:t>
+                </a:r>
+              </a:p>
+              <a:p>
+                <a:pPr lvl="1" eaLnBrk="1" hangingPunct="1">
+                  <a:lnSpc>
+                    <a:spcPct val="90000"/>
+                  </a:lnSpc>
+                </a:pPr>
+                <a:endParaRPr lang="en-US" altLang="zh-TW" sz="2400" dirty="0">
                   <a:ea typeface="新細明體" pitchFamily="-106" charset="-120"/>
                 </a:endParaRPr>
               </a:p>
@@ -13867,6 +15914,10 @@
                   </a:lnSpc>
                   <a:buNone/>
                 </a:pPr>
+                <a:r>
+                  <a:rPr lang="en-US" sz="2400" dirty="0" smtClean="0"/>
+                  <a:t>     </a:t>
+                </a:r>
                 <a:endParaRPr lang="en-US" altLang="zh-TW" dirty="0" smtClean="0">
                   <a:ea typeface="新細明體" pitchFamily="-106" charset="-120"/>
                 </a:endParaRPr>
@@ -13874,7 +15925,7 @@
             </p:txBody>
           </p:sp>
         </mc:Choice>
-        <mc:Fallback xmlns="">
+        <mc:Fallback>
           <p:sp>
             <p:nvSpPr>
               <p:cNvPr id="7" name="Rectangle 3"/>
@@ -13886,15 +15937,15 @@
             <p:spPr bwMode="auto">
               <a:xfrm>
                 <a:off x="381000" y="1219200"/>
-                <a:ext cx="8610600" cy="4724400"/>
+                <a:ext cx="8610600" cy="4953000"/>
               </a:xfrm>
               <a:prstGeom prst="rect">
                 <a:avLst/>
               </a:prstGeom>
               <a:blipFill rotWithShape="1">
-                <a:blip r:embed="rId2"/>
+                <a:blip r:embed="rId3"/>
                 <a:stretch>
-                  <a:fillRect l="-354" t="-2065" r="-283"/>
+                  <a:fillRect l="-354" t="-1968" r="-283"/>
                 </a:stretch>
               </a:blipFill>
               <a:ln>
@@ -13974,166 +16025,9 @@
       </p:grpSpPr>
       <p:sp>
         <p:nvSpPr>
-          <p:cNvPr id="47106" name="Slide Number Placeholder 5"/>
+          <p:cNvPr id="2" name="Title 1"/>
           <p:cNvSpPr>
             <a:spLocks noGrp="1"/>
-          </p:cNvSpPr>
-          <p:nvPr>
-            <p:ph type="sldNum" sz="quarter" idx="12"/>
-          </p:nvPr>
-        </p:nvSpPr>
-        <p:spPr>
-          <a:noFill/>
-          <a:ln/>
-          <a:extLst>
-            <a:ext uri="{909E8E84-426E-40DD-AFC4-6F175D3DCCD1}">
-              <a14:hiddenFill xmlns:a14="http://schemas.microsoft.com/office/drawing/2010/main">
-                <a:solidFill>
-                  <a:srgbClr val="FFFFFF"/>
-                </a:solidFill>
-              </a14:hiddenFill>
-            </a:ext>
-            <a:ext uri="{91240B29-F687-4F45-9708-019B960494DF}">
-              <a14:hiddenLine xmlns:a14="http://schemas.microsoft.com/office/drawing/2010/main" w="9525">
-                <a:solidFill>
-                  <a:srgbClr val="000000"/>
-                </a:solidFill>
-                <a:miter lim="800000"/>
-                <a:headEnd/>
-                <a:tailEnd/>
-              </a14:hiddenLine>
-            </a:ext>
-          </a:extLst>
-        </p:spPr>
-        <p:txBody>
-          <a:bodyPr/>
-          <a:lstStyle>
-            <a:lvl1pPr eaLnBrk="0" hangingPunct="0">
-              <a:defRPr sz="2400">
-                <a:solidFill>
-                  <a:schemeClr val="tx1"/>
-                </a:solidFill>
-                <a:latin typeface="Arial" charset="0"/>
-                <a:ea typeface="ＭＳ Ｐゴシック" pitchFamily="-106" charset="-128"/>
-              </a:defRPr>
-            </a:lvl1pPr>
-            <a:lvl2pPr marL="37931725" indent="-37474525" eaLnBrk="0" hangingPunct="0">
-              <a:defRPr sz="2400">
-                <a:solidFill>
-                  <a:schemeClr val="tx1"/>
-                </a:solidFill>
-                <a:latin typeface="Arial" charset="0"/>
-                <a:ea typeface="ＭＳ Ｐゴシック" pitchFamily="-106" charset="-128"/>
-              </a:defRPr>
-            </a:lvl2pPr>
-            <a:lvl3pPr eaLnBrk="0" hangingPunct="0">
-              <a:defRPr sz="2400">
-                <a:solidFill>
-                  <a:schemeClr val="tx1"/>
-                </a:solidFill>
-                <a:latin typeface="Arial" charset="0"/>
-                <a:ea typeface="ＭＳ Ｐゴシック" pitchFamily="-106" charset="-128"/>
-              </a:defRPr>
-            </a:lvl3pPr>
-            <a:lvl4pPr eaLnBrk="0" hangingPunct="0">
-              <a:defRPr sz="2400">
-                <a:solidFill>
-                  <a:schemeClr val="tx1"/>
-                </a:solidFill>
-                <a:latin typeface="Arial" charset="0"/>
-                <a:ea typeface="ＭＳ Ｐゴシック" pitchFamily="-106" charset="-128"/>
-              </a:defRPr>
-            </a:lvl4pPr>
-            <a:lvl5pPr eaLnBrk="0" hangingPunct="0">
-              <a:defRPr sz="2400">
-                <a:solidFill>
-                  <a:schemeClr val="tx1"/>
-                </a:solidFill>
-                <a:latin typeface="Arial" charset="0"/>
-                <a:ea typeface="ＭＳ Ｐゴシック" pitchFamily="-106" charset="-128"/>
-              </a:defRPr>
-            </a:lvl5pPr>
-            <a:lvl6pPr marL="457200" eaLnBrk="0" fontAlgn="base" hangingPunct="0">
-              <a:spcBef>
-                <a:spcPct val="0"/>
-              </a:spcBef>
-              <a:spcAft>
-                <a:spcPct val="0"/>
-              </a:spcAft>
-              <a:defRPr sz="2400">
-                <a:solidFill>
-                  <a:schemeClr val="tx1"/>
-                </a:solidFill>
-                <a:latin typeface="Arial" charset="0"/>
-                <a:ea typeface="ＭＳ Ｐゴシック" pitchFamily="-106" charset="-128"/>
-              </a:defRPr>
-            </a:lvl6pPr>
-            <a:lvl7pPr marL="914400" eaLnBrk="0" fontAlgn="base" hangingPunct="0">
-              <a:spcBef>
-                <a:spcPct val="0"/>
-              </a:spcBef>
-              <a:spcAft>
-                <a:spcPct val="0"/>
-              </a:spcAft>
-              <a:defRPr sz="2400">
-                <a:solidFill>
-                  <a:schemeClr val="tx1"/>
-                </a:solidFill>
-                <a:latin typeface="Arial" charset="0"/>
-                <a:ea typeface="ＭＳ Ｐゴシック" pitchFamily="-106" charset="-128"/>
-              </a:defRPr>
-            </a:lvl7pPr>
-            <a:lvl8pPr marL="1371600" eaLnBrk="0" fontAlgn="base" hangingPunct="0">
-              <a:spcBef>
-                <a:spcPct val="0"/>
-              </a:spcBef>
-              <a:spcAft>
-                <a:spcPct val="0"/>
-              </a:spcAft>
-              <a:defRPr sz="2400">
-                <a:solidFill>
-                  <a:schemeClr val="tx1"/>
-                </a:solidFill>
-                <a:latin typeface="Arial" charset="0"/>
-                <a:ea typeface="ＭＳ Ｐゴシック" pitchFamily="-106" charset="-128"/>
-              </a:defRPr>
-            </a:lvl8pPr>
-            <a:lvl9pPr marL="1828800" eaLnBrk="0" fontAlgn="base" hangingPunct="0">
-              <a:spcBef>
-                <a:spcPct val="0"/>
-              </a:spcBef>
-              <a:spcAft>
-                <a:spcPct val="0"/>
-              </a:spcAft>
-              <a:defRPr sz="2400">
-                <a:solidFill>
-                  <a:schemeClr val="tx1"/>
-                </a:solidFill>
-                <a:latin typeface="Arial" charset="0"/>
-                <a:ea typeface="ＭＳ Ｐゴシック" pitchFamily="-106" charset="-128"/>
-              </a:defRPr>
-            </a:lvl9pPr>
-          </a:lstStyle>
-          <a:p>
-            <a:pPr eaLnBrk="1" hangingPunct="1"/>
-            <a:fld id="{AAA04654-EE4A-4EBE-BC23-CDB80A2BF4DE}" type="slidenum">
-              <a:rPr lang="en-US" sz="1200">
-                <a:latin typeface="Garamond" pitchFamily="-106" charset="0"/>
-              </a:rPr>
-              <a:pPr eaLnBrk="1" hangingPunct="1"/>
-              <a:t>8</a:t>
-            </a:fld>
-            <a:endParaRPr lang="en-US" sz="1200">
-              <a:latin typeface="Garamond" pitchFamily="-106" charset="0"/>
-            </a:endParaRPr>
-          </a:p>
-        </p:txBody>
-      </p:sp>
-      <p:sp>
-        <p:nvSpPr>
-          <p:cNvPr id="47107" name="Rectangle 2"/>
-          <p:cNvSpPr>
-            <a:spLocks noGrp="1" noChangeArrowheads="1"/>
           </p:cNvSpPr>
           <p:nvPr>
             <p:ph type="title"/>
@@ -14145,64 +16039,198 @@
           <a:lstStyle/>
           <a:p>
             <a:pPr eaLnBrk="1" hangingPunct="1"/>
-            <a:endParaRPr lang="zh-TW" altLang="en-US" dirty="0" smtClean="0">
+            <a:r>
+              <a:rPr lang="en-US" altLang="zh-CN" b="1" dirty="0">
+                <a:latin typeface="Arial" pitchFamily="34" charset="0"/>
+                <a:ea typeface="新細明體" pitchFamily="-106" charset="-120"/>
+                <a:cs typeface="Arial" pitchFamily="34" charset="0"/>
+              </a:rPr>
+              <a:t>Active Perceptron</a:t>
+            </a:r>
+            <a:endParaRPr lang="zh-CN" altLang="en-US" b="1" dirty="0">
+              <a:latin typeface="Arial" pitchFamily="34" charset="0"/>
               <a:ea typeface="新細明體" pitchFamily="-106" charset="-120"/>
+              <a:cs typeface="Arial" pitchFamily="34" charset="0"/>
             </a:endParaRPr>
           </a:p>
         </p:txBody>
       </p:sp>
       <p:sp>
         <p:nvSpPr>
-          <p:cNvPr id="47108" name="Rectangle 3"/>
+          <p:cNvPr id="3" name="Content Placeholder 2"/>
           <p:cNvSpPr>
-            <a:spLocks noGrp="1" noChangeArrowheads="1"/>
+            <a:spLocks noGrp="1"/>
           </p:cNvSpPr>
           <p:nvPr>
-            <p:ph type="body" idx="1"/>
+            <p:ph idx="1"/>
           </p:nvPr>
         </p:nvSpPr>
-        <p:spPr>
-          <a:xfrm>
-            <a:off x="381000" y="1600200"/>
-            <a:ext cx="8229600" cy="4530725"/>
-          </a:xfrm>
-        </p:spPr>
+        <p:spPr/>
         <p:txBody>
           <a:bodyPr/>
           <a:lstStyle/>
           <a:p>
-            <a:pPr algn="ctr" eaLnBrk="1" hangingPunct="1">
-              <a:buFont typeface="Wingdings" pitchFamily="-106" charset="2"/>
+            <a:endParaRPr lang="zh-CN" altLang="en-US" dirty="0"/>
+          </a:p>
+        </p:txBody>
+      </p:sp>
+      <p:sp>
+        <p:nvSpPr>
+          <p:cNvPr id="4" name="Slide Number Placeholder 3"/>
+          <p:cNvSpPr>
+            <a:spLocks noGrp="1"/>
+          </p:cNvSpPr>
+          <p:nvPr>
+            <p:ph type="sldNum" sz="quarter" idx="12"/>
+          </p:nvPr>
+        </p:nvSpPr>
+        <p:spPr/>
+        <p:txBody>
+          <a:bodyPr/>
+          <a:lstStyle/>
+          <a:p>
+            <a:fld id="{604EAB18-E0EA-45DC-AA4D-A7A0A794259A}" type="slidenum">
+              <a:rPr lang="en-US" smtClean="0"/>
+              <a:pPr/>
+              <a:t>8</a:t>
+            </a:fld>
+            <a:endParaRPr lang="en-US"/>
+          </a:p>
+        </p:txBody>
+      </p:sp>
+      <p:pic>
+        <p:nvPicPr>
+          <p:cNvPr id="1026" name="Picture 2"/>
+          <p:cNvPicPr>
+            <a:picLocks noChangeAspect="1" noChangeArrowheads="1"/>
+          </p:cNvPicPr>
+          <p:nvPr/>
+        </p:nvPicPr>
+        <p:blipFill>
+          <a:blip r:embed="rId2">
+            <a:extLst>
+              <a:ext uri="{28A0092B-C50C-407E-A947-70E740481C1C}">
+                <a14:useLocalDpi xmlns:a14="http://schemas.microsoft.com/office/drawing/2010/main" val="0"/>
+              </a:ext>
+            </a:extLst>
+          </a:blip>
+          <a:srcRect/>
+          <a:stretch>
+            <a:fillRect/>
+          </a:stretch>
+        </p:blipFill>
+        <p:spPr bwMode="auto">
+          <a:xfrm>
+            <a:off x="366713" y="1143000"/>
+            <a:ext cx="8410575" cy="4572000"/>
+          </a:xfrm>
+          <a:prstGeom prst="rect">
+            <a:avLst/>
+          </a:prstGeom>
+          <a:noFill/>
+          <a:ln>
+            <a:noFill/>
+          </a:ln>
+          <a:effectLst/>
+          <a:extLst>
+            <a:ext uri="{909E8E84-426E-40DD-AFC4-6F175D3DCCD1}">
+              <a14:hiddenFill xmlns:a14="http://schemas.microsoft.com/office/drawing/2010/main">
+                <a:solidFill>
+                  <a:schemeClr val="accent1"/>
+                </a:solidFill>
+              </a14:hiddenFill>
+            </a:ext>
+            <a:ext uri="{91240B29-F687-4F45-9708-019B960494DF}">
+              <a14:hiddenLine xmlns:a14="http://schemas.microsoft.com/office/drawing/2010/main" w="9525">
+                <a:solidFill>
+                  <a:schemeClr val="tx1"/>
+                </a:solidFill>
+                <a:miter lim="800000"/>
+                <a:headEnd/>
+                <a:tailEnd/>
+              </a14:hiddenLine>
+            </a:ext>
+            <a:ext uri="{AF507438-7753-43E0-B8FC-AC1667EBCBE1}">
+              <a14:hiddenEffects xmlns:a14="http://schemas.microsoft.com/office/drawing/2010/main">
+                <a:effectLst>
+                  <a:outerShdw dist="35921" dir="2700000" algn="ctr" rotWithShape="0">
+                    <a:schemeClr val="bg2"/>
+                  </a:outerShdw>
+                </a:effectLst>
+              </a14:hiddenEffects>
+            </a:ext>
+          </a:extLst>
+        </p:spPr>
+      </p:pic>
+      <p:sp>
+        <p:nvSpPr>
+          <p:cNvPr id="5" name="Rectangle 4"/>
+          <p:cNvSpPr/>
+          <p:nvPr/>
+        </p:nvSpPr>
+        <p:spPr bwMode="auto">
+          <a:xfrm>
+            <a:off x="4343400" y="2514600"/>
+            <a:ext cx="1828800" cy="533400"/>
+          </a:xfrm>
+          <a:prstGeom prst="rect">
+            <a:avLst/>
+          </a:prstGeom>
+          <a:noFill/>
+          <a:ln w="31750" cap="flat" cmpd="sng" algn="ctr">
+            <a:solidFill>
+              <a:srgbClr val="FF0000"/>
+            </a:solidFill>
+            <a:prstDash val="solid"/>
+            <a:round/>
+            <a:headEnd type="none" w="med" len="med"/>
+            <a:tailEnd type="none" w="med" len="med"/>
+          </a:ln>
+          <a:effectLst/>
+        </p:spPr>
+        <p:txBody>
+          <a:bodyPr vert="horz" wrap="square" lIns="91440" tIns="45720" rIns="91440" bIns="45720" numCol="1" rtlCol="0" anchor="t" anchorCtr="0" compatLnSpc="1">
+            <a:prstTxWarp prst="textNoShape">
+              <a:avLst/>
+            </a:prstTxWarp>
+          </a:bodyPr>
+          <a:lstStyle/>
+          <a:p>
+            <a:pPr marL="0" marR="0" indent="0" algn="l" defTabSz="914400" rtl="0" eaLnBrk="0" fontAlgn="base" latinLnBrk="0" hangingPunct="0">
+              <a:lnSpc>
+                <a:spcPct val="100000"/>
+              </a:lnSpc>
+              <a:spcBef>
+                <a:spcPct val="0"/>
+              </a:spcBef>
+              <a:spcAft>
+                <a:spcPct val="0"/>
+              </a:spcAft>
+              <a:buClrTx/>
+              <a:buSzTx/>
+              <a:buFontTx/>
               <a:buNone/>
+              <a:tabLst/>
             </a:pPr>
-            <a:r>
-              <a:rPr lang="en-US" altLang="zh-TW" sz="6000" dirty="0" smtClean="0">
-                <a:solidFill>
-                  <a:schemeClr val="accent6">
-                    <a:lumMod val="75000"/>
-                  </a:schemeClr>
-                </a:solidFill>
-                <a:latin typeface="Arial" pitchFamily="34" charset="0"/>
-                <a:ea typeface="新細明體" pitchFamily="-106" charset="-120"/>
-                <a:cs typeface="Arial" pitchFamily="34" charset="0"/>
-              </a:rPr>
-              <a:t>THANK YOU</a:t>
-            </a:r>
-            <a:r>
-              <a:rPr lang="en-US" altLang="zh-TW" sz="6000" dirty="0" smtClean="0">
-                <a:solidFill>
-                  <a:schemeClr val="accent6">
-                    <a:lumMod val="75000"/>
-                  </a:schemeClr>
-                </a:solidFill>
-                <a:ea typeface="新細明體" pitchFamily="-106" charset="-120"/>
-              </a:rPr>
-              <a:t>!</a:t>
-            </a:r>
+            <a:endParaRPr kumimoji="0" lang="en-US" sz="1800" b="0" i="0" u="none" strike="noStrike" cap="none" normalizeH="0" baseline="0" smtClean="0">
+              <a:ln>
+                <a:noFill/>
+              </a:ln>
+              <a:solidFill>
+                <a:schemeClr val="tx1"/>
+              </a:solidFill>
+              <a:effectLst/>
+              <a:latin typeface="Arial" charset="0"/>
+            </a:endParaRPr>
           </a:p>
         </p:txBody>
       </p:sp>
     </p:spTree>
+    <p:extLst>
+      <p:ext uri="{BB962C8B-B14F-4D97-AF65-F5344CB8AC3E}">
+        <p14:creationId xmlns:p14="http://schemas.microsoft.com/office/powerpoint/2010/main" val="3192470585"/>
+      </p:ext>
+    </p:extLst>
   </p:cSld>
   <p:clrMapOvr>
     <a:masterClrMapping/>
@@ -14210,9 +16238,395 @@
   <p:timing>
     <p:tnLst>
       <p:par>
-        <p:cTn id="1" dur="indefinite" restart="never" nodeType="tmRoot"/>
+        <p:cTn id="1" dur="indefinite" restart="never" nodeType="tmRoot">
+          <p:childTnLst>
+            <p:seq concurrent="1" nextAc="seek">
+              <p:cTn id="2" dur="indefinite" nodeType="mainSeq">
+                <p:childTnLst>
+                  <p:par>
+                    <p:cTn id="3" fill="hold">
+                      <p:stCondLst>
+                        <p:cond delay="indefinite"/>
+                      </p:stCondLst>
+                      <p:childTnLst>
+                        <p:par>
+                          <p:cTn id="4" fill="hold">
+                            <p:stCondLst>
+                              <p:cond delay="0"/>
+                            </p:stCondLst>
+                            <p:childTnLst>
+                              <p:par>
+                                <p:cTn id="5" presetID="1" presetClass="entr" presetSubtype="0" fill="hold" grpId="0" nodeType="clickEffect">
+                                  <p:stCondLst>
+                                    <p:cond delay="0"/>
+                                  </p:stCondLst>
+                                  <p:childTnLst>
+                                    <p:set>
+                                      <p:cBhvr>
+                                        <p:cTn id="6" dur="1" fill="hold">
+                                          <p:stCondLst>
+                                            <p:cond delay="0"/>
+                                          </p:stCondLst>
+                                        </p:cTn>
+                                        <p:tgtEl>
+                                          <p:spTgt spid="5"/>
+                                        </p:tgtEl>
+                                        <p:attrNameLst>
+                                          <p:attrName>style.visibility</p:attrName>
+                                        </p:attrNameLst>
+                                      </p:cBhvr>
+                                      <p:to>
+                                        <p:strVal val="visible"/>
+                                      </p:to>
+                                    </p:set>
+                                  </p:childTnLst>
+                                </p:cTn>
+                              </p:par>
+                            </p:childTnLst>
+                          </p:cTn>
+                        </p:par>
+                      </p:childTnLst>
+                    </p:cTn>
+                  </p:par>
+                </p:childTnLst>
+              </p:cTn>
+              <p:prevCondLst>
+                <p:cond evt="onPrev" delay="0">
+                  <p:tgtEl>
+                    <p:sldTgt/>
+                  </p:tgtEl>
+                </p:cond>
+              </p:prevCondLst>
+              <p:nextCondLst>
+                <p:cond evt="onNext" delay="0">
+                  <p:tgtEl>
+                    <p:sldTgt/>
+                  </p:tgtEl>
+                </p:cond>
+              </p:nextCondLst>
+            </p:seq>
+          </p:childTnLst>
+        </p:cTn>
       </p:par>
     </p:tnLst>
+    <p:bldLst>
+      <p:bldP spid="5" grpId="0" animBg="1"/>
+    </p:bldLst>
+  </p:timing>
+</p:sld>
+</file>
+
+<file path=ppt/slides/slide9.xml><?xml version="1.0" encoding="utf-8"?>
+<p:sld xmlns:a="http://schemas.openxmlformats.org/drawingml/2006/main" xmlns:r="http://schemas.openxmlformats.org/officeDocument/2006/relationships" xmlns:p="http://schemas.openxmlformats.org/presentationml/2006/main">
+  <p:cSld>
+    <p:spTree>
+      <p:nvGrpSpPr>
+        <p:cNvPr id="1" name=""/>
+        <p:cNvGrpSpPr/>
+        <p:nvPr/>
+      </p:nvGrpSpPr>
+      <p:grpSpPr>
+        <a:xfrm>
+          <a:off x="0" y="0"/>
+          <a:ext cx="0" cy="0"/>
+          <a:chOff x="0" y="0"/>
+          <a:chExt cx="0" cy="0"/>
+        </a:xfrm>
+      </p:grpSpPr>
+      <p:sp>
+        <p:nvSpPr>
+          <p:cNvPr id="2" name="Title 1"/>
+          <p:cNvSpPr>
+            <a:spLocks noGrp="1"/>
+          </p:cNvSpPr>
+          <p:nvPr>
+            <p:ph type="title"/>
+          </p:nvPr>
+        </p:nvSpPr>
+        <p:spPr>
+          <a:xfrm>
+            <a:off x="457200" y="277813"/>
+            <a:ext cx="8534400" cy="865187"/>
+          </a:xfrm>
+        </p:spPr>
+        <p:txBody>
+          <a:bodyPr lIns="0" rIns="0"/>
+          <a:lstStyle/>
+          <a:p>
+            <a:pPr eaLnBrk="1" hangingPunct="1"/>
+            <a:r>
+              <a:rPr lang="en-US" altLang="zh-CN" b="1" dirty="0" smtClean="0">
+                <a:latin typeface="Arial" pitchFamily="34" charset="0"/>
+                <a:ea typeface="新細明體" pitchFamily="-106" charset="-120"/>
+                <a:cs typeface="Arial" pitchFamily="34" charset="0"/>
+              </a:rPr>
+              <a:t>Margin Based Active Learning</a:t>
+            </a:r>
+            <a:endParaRPr lang="zh-CN" altLang="en-US" b="1" dirty="0">
+              <a:latin typeface="Arial" pitchFamily="34" charset="0"/>
+              <a:ea typeface="新細明體" pitchFamily="-106" charset="-120"/>
+              <a:cs typeface="Arial" pitchFamily="34" charset="0"/>
+            </a:endParaRPr>
+          </a:p>
+        </p:txBody>
+      </p:sp>
+      <p:sp>
+        <p:nvSpPr>
+          <p:cNvPr id="3" name="Content Placeholder 2"/>
+          <p:cNvSpPr>
+            <a:spLocks noGrp="1"/>
+          </p:cNvSpPr>
+          <p:nvPr>
+            <p:ph idx="1"/>
+          </p:nvPr>
+        </p:nvSpPr>
+        <p:spPr/>
+        <p:txBody>
+          <a:bodyPr/>
+          <a:lstStyle/>
+          <a:p>
+            <a:endParaRPr lang="zh-CN" altLang="en-US" dirty="0"/>
+          </a:p>
+        </p:txBody>
+      </p:sp>
+      <p:sp>
+        <p:nvSpPr>
+          <p:cNvPr id="4" name="Slide Number Placeholder 3"/>
+          <p:cNvSpPr>
+            <a:spLocks noGrp="1"/>
+          </p:cNvSpPr>
+          <p:nvPr>
+            <p:ph type="sldNum" sz="quarter" idx="12"/>
+          </p:nvPr>
+        </p:nvSpPr>
+        <p:spPr/>
+        <p:txBody>
+          <a:bodyPr/>
+          <a:lstStyle/>
+          <a:p>
+            <a:fld id="{604EAB18-E0EA-45DC-AA4D-A7A0A794259A}" type="slidenum">
+              <a:rPr lang="en-US" smtClean="0"/>
+              <a:pPr/>
+              <a:t>9</a:t>
+            </a:fld>
+            <a:endParaRPr lang="en-US"/>
+          </a:p>
+        </p:txBody>
+      </p:sp>
+      <p:pic>
+        <p:nvPicPr>
+          <p:cNvPr id="1026" name="Picture 2"/>
+          <p:cNvPicPr>
+            <a:picLocks noChangeAspect="1" noChangeArrowheads="1"/>
+          </p:cNvPicPr>
+          <p:nvPr/>
+        </p:nvPicPr>
+        <p:blipFill>
+          <a:blip r:embed="rId2">
+            <a:extLst>
+              <a:ext uri="{28A0092B-C50C-407E-A947-70E740481C1C}">
+                <a14:useLocalDpi xmlns:a14="http://schemas.microsoft.com/office/drawing/2010/main" val="0"/>
+              </a:ext>
+            </a:extLst>
+          </a:blip>
+          <a:srcRect/>
+          <a:stretch>
+            <a:fillRect/>
+          </a:stretch>
+        </p:blipFill>
+        <p:spPr bwMode="auto">
+          <a:xfrm>
+            <a:off x="366713" y="1143000"/>
+            <a:ext cx="8410575" cy="4572000"/>
+          </a:xfrm>
+          <a:prstGeom prst="rect">
+            <a:avLst/>
+          </a:prstGeom>
+          <a:noFill/>
+          <a:ln>
+            <a:noFill/>
+          </a:ln>
+          <a:effectLst/>
+          <a:extLst>
+            <a:ext uri="{909E8E84-426E-40DD-AFC4-6F175D3DCCD1}">
+              <a14:hiddenFill xmlns:a14="http://schemas.microsoft.com/office/drawing/2010/main">
+                <a:solidFill>
+                  <a:schemeClr val="accent1"/>
+                </a:solidFill>
+              </a14:hiddenFill>
+            </a:ext>
+            <a:ext uri="{91240B29-F687-4F45-9708-019B960494DF}">
+              <a14:hiddenLine xmlns:a14="http://schemas.microsoft.com/office/drawing/2010/main" w="9525">
+                <a:solidFill>
+                  <a:schemeClr val="tx1"/>
+                </a:solidFill>
+                <a:miter lim="800000"/>
+                <a:headEnd/>
+                <a:tailEnd/>
+              </a14:hiddenLine>
+            </a:ext>
+            <a:ext uri="{AF507438-7753-43E0-B8FC-AC1667EBCBE1}">
+              <a14:hiddenEffects xmlns:a14="http://schemas.microsoft.com/office/drawing/2010/main">
+                <a:effectLst>
+                  <a:outerShdw dist="35921" dir="2700000" algn="ctr" rotWithShape="0">
+                    <a:schemeClr val="bg2"/>
+                  </a:outerShdw>
+                </a:effectLst>
+              </a14:hiddenEffects>
+            </a:ext>
+          </a:extLst>
+        </p:spPr>
+      </p:pic>
+      <p:sp>
+        <p:nvSpPr>
+          <p:cNvPr id="5" name="Rectangle 4"/>
+          <p:cNvSpPr/>
+          <p:nvPr/>
+        </p:nvSpPr>
+        <p:spPr bwMode="auto">
+          <a:xfrm>
+            <a:off x="4343400" y="2514600"/>
+            <a:ext cx="1828800" cy="533400"/>
+          </a:xfrm>
+          <a:prstGeom prst="rect">
+            <a:avLst/>
+          </a:prstGeom>
+          <a:noFill/>
+          <a:ln w="31750" cap="flat" cmpd="sng" algn="ctr">
+            <a:solidFill>
+              <a:srgbClr val="FF0000"/>
+            </a:solidFill>
+            <a:prstDash val="solid"/>
+            <a:round/>
+            <a:headEnd type="none" w="med" len="med"/>
+            <a:tailEnd type="none" w="med" len="med"/>
+          </a:ln>
+          <a:effectLst/>
+        </p:spPr>
+        <p:txBody>
+          <a:bodyPr vert="horz" wrap="square" lIns="91440" tIns="45720" rIns="91440" bIns="45720" numCol="1" rtlCol="0" anchor="t" anchorCtr="0" compatLnSpc="1">
+            <a:prstTxWarp prst="textNoShape">
+              <a:avLst/>
+            </a:prstTxWarp>
+          </a:bodyPr>
+          <a:lstStyle/>
+          <a:p>
+            <a:pPr marL="0" marR="0" indent="0" algn="l" defTabSz="914400" rtl="0" eaLnBrk="0" fontAlgn="base" latinLnBrk="0" hangingPunct="0">
+              <a:lnSpc>
+                <a:spcPct val="100000"/>
+              </a:lnSpc>
+              <a:spcBef>
+                <a:spcPct val="0"/>
+              </a:spcBef>
+              <a:spcAft>
+                <a:spcPct val="0"/>
+              </a:spcAft>
+              <a:buClrTx/>
+              <a:buSzTx/>
+              <a:buFontTx/>
+              <a:buNone/>
+              <a:tabLst/>
+            </a:pPr>
+            <a:endParaRPr kumimoji="0" lang="en-US" sz="1800" b="0" i="0" u="none" strike="noStrike" cap="none" normalizeH="0" baseline="0" smtClean="0">
+              <a:ln>
+                <a:noFill/>
+              </a:ln>
+              <a:solidFill>
+                <a:schemeClr val="tx1"/>
+              </a:solidFill>
+              <a:effectLst/>
+              <a:latin typeface="Arial" charset="0"/>
+            </a:endParaRPr>
+          </a:p>
+        </p:txBody>
+      </p:sp>
+    </p:spTree>
+    <p:extLst>
+      <p:ext uri="{BB962C8B-B14F-4D97-AF65-F5344CB8AC3E}">
+        <p14:creationId xmlns:p14="http://schemas.microsoft.com/office/powerpoint/2010/main" val="1517808525"/>
+      </p:ext>
+    </p:extLst>
+  </p:cSld>
+  <p:clrMapOvr>
+    <a:masterClrMapping/>
+  </p:clrMapOvr>
+  <p:timing>
+    <p:tnLst>
+      <p:par>
+        <p:cTn id="1" dur="indefinite" restart="never" nodeType="tmRoot">
+          <p:childTnLst>
+            <p:seq concurrent="1" nextAc="seek">
+              <p:cTn id="2" dur="indefinite" nodeType="mainSeq">
+                <p:childTnLst>
+                  <p:par>
+                    <p:cTn id="3" fill="hold">
+                      <p:stCondLst>
+                        <p:cond delay="indefinite"/>
+                      </p:stCondLst>
+                      <p:childTnLst>
+                        <p:par>
+                          <p:cTn id="4" fill="hold">
+                            <p:stCondLst>
+                              <p:cond delay="0"/>
+                            </p:stCondLst>
+                            <p:childTnLst>
+                              <p:par>
+                                <p:cTn id="5" presetID="1" presetClass="entr" presetSubtype="0" fill="hold" grpId="0" nodeType="clickEffect">
+                                  <p:stCondLst>
+                                    <p:cond delay="0"/>
+                                  </p:stCondLst>
+                                  <p:childTnLst>
+                                    <p:set>
+                                      <p:cBhvr>
+                                        <p:cTn id="6" dur="1" fill="hold">
+                                          <p:stCondLst>
+                                            <p:cond delay="0"/>
+                                          </p:stCondLst>
+                                        </p:cTn>
+                                        <p:tgtEl>
+                                          <p:spTgt spid="5"/>
+                                        </p:tgtEl>
+                                        <p:attrNameLst>
+                                          <p:attrName>style.visibility</p:attrName>
+                                        </p:attrNameLst>
+                                      </p:cBhvr>
+                                      <p:to>
+                                        <p:strVal val="visible"/>
+                                      </p:to>
+                                    </p:set>
+                                  </p:childTnLst>
+                                </p:cTn>
+                              </p:par>
+                            </p:childTnLst>
+                          </p:cTn>
+                        </p:par>
+                      </p:childTnLst>
+                    </p:cTn>
+                  </p:par>
+                </p:childTnLst>
+              </p:cTn>
+              <p:prevCondLst>
+                <p:cond evt="onPrev" delay="0">
+                  <p:tgtEl>
+                    <p:sldTgt/>
+                  </p:tgtEl>
+                </p:cond>
+              </p:prevCondLst>
+              <p:nextCondLst>
+                <p:cond evt="onNext" delay="0">
+                  <p:tgtEl>
+                    <p:sldTgt/>
+                  </p:tgtEl>
+                </p:cond>
+              </p:nextCondLst>
+            </p:seq>
+          </p:childTnLst>
+        </p:cTn>
+      </p:par>
+    </p:tnLst>
+    <p:bldLst>
+      <p:bldP spid="5" grpId="0" animBg="1"/>
+    </p:bldLst>
   </p:timing>
 </p:sld>
 </file>

--- a/presentation/Activelearning.pptx
+++ b/presentation/Activelearning.pptx
@@ -5,10 +5,10 @@
     <p:sldMasterId id="2147483697" r:id="rId1"/>
   </p:sldMasterIdLst>
   <p:notesMasterIdLst>
-    <p:notesMasterId r:id="rId12"/>
+    <p:notesMasterId r:id="rId17"/>
   </p:notesMasterIdLst>
   <p:handoutMasterIdLst>
-    <p:handoutMasterId r:id="rId13"/>
+    <p:handoutMasterId r:id="rId18"/>
   </p:handoutMasterIdLst>
   <p:sldIdLst>
     <p:sldId id="256" r:id="rId2"/>
@@ -18,9 +18,14 @@
     <p:sldId id="462" r:id="rId6"/>
     <p:sldId id="465" r:id="rId7"/>
     <p:sldId id="463" r:id="rId8"/>
-    <p:sldId id="466" r:id="rId9"/>
-    <p:sldId id="467" r:id="rId10"/>
-    <p:sldId id="458" r:id="rId11"/>
+    <p:sldId id="468" r:id="rId9"/>
+    <p:sldId id="466" r:id="rId10"/>
+    <p:sldId id="470" r:id="rId11"/>
+    <p:sldId id="469" r:id="rId12"/>
+    <p:sldId id="472" r:id="rId13"/>
+    <p:sldId id="473" r:id="rId14"/>
+    <p:sldId id="458" r:id="rId15"/>
+    <p:sldId id="471" r:id="rId16"/>
   </p:sldIdLst>
   <p:sldSz cx="9144000" cy="6858000" type="screen4x3"/>
   <p:notesSz cx="6997700" cy="9283700"/>
@@ -1072,8 +1077,8 @@
         </p:nvSpPr>
         <p:spPr/>
       </p:sp>
-      <mc:AlternateContent xmlns:mc="http://schemas.openxmlformats.org/markup-compatibility/2006">
-        <mc:Choice xmlns:a14="http://schemas.microsoft.com/office/drawing/2010/main" Requires="a14">
+      <mc:AlternateContent xmlns:mc="http://schemas.openxmlformats.org/markup-compatibility/2006" xmlns:a14="http://schemas.microsoft.com/office/drawing/2010/main">
+        <mc:Choice Requires="a14">
           <p:sp>
             <p:nvSpPr>
               <p:cNvPr id="3" name="Notes Placeholder 2"/>
@@ -1229,7 +1234,7 @@
             </p:txBody>
           </p:sp>
         </mc:Choice>
-        <mc:Fallback>
+        <mc:Fallback xmlns="">
           <p:sp>
             <p:nvSpPr>
               <p:cNvPr id="3" name="Notes Placeholder 2"/>
@@ -1454,6 +1459,126 @@
               <a:rPr lang="en-US" smtClean="0"/>
               <a:pPr/>
               <a:t>7</a:t>
+            </a:fld>
+            <a:endParaRPr lang="en-US"/>
+          </a:p>
+        </p:txBody>
+      </p:sp>
+    </p:spTree>
+    <p:extLst>
+      <p:ext uri="{BB962C8B-B14F-4D97-AF65-F5344CB8AC3E}">
+        <p14:creationId xmlns:p14="http://schemas.microsoft.com/office/powerpoint/2010/main" val="324361186"/>
+      </p:ext>
+    </p:extLst>
+  </p:cSld>
+  <p:clrMapOvr>
+    <a:masterClrMapping/>
+  </p:clrMapOvr>
+</p:notes>
+</file>
+
+<file path=ppt/notesSlides/notesSlide4.xml><?xml version="1.0" encoding="utf-8"?>
+<p:notes xmlns:a="http://schemas.openxmlformats.org/drawingml/2006/main" xmlns:r="http://schemas.openxmlformats.org/officeDocument/2006/relationships" xmlns:p="http://schemas.openxmlformats.org/presentationml/2006/main">
+  <p:cSld>
+    <p:spTree>
+      <p:nvGrpSpPr>
+        <p:cNvPr id="1" name=""/>
+        <p:cNvGrpSpPr/>
+        <p:nvPr/>
+      </p:nvGrpSpPr>
+      <p:grpSpPr>
+        <a:xfrm>
+          <a:off x="0" y="0"/>
+          <a:ext cx="0" cy="0"/>
+          <a:chOff x="0" y="0"/>
+          <a:chExt cx="0" cy="0"/>
+        </a:xfrm>
+      </p:grpSpPr>
+      <p:sp>
+        <p:nvSpPr>
+          <p:cNvPr id="2" name="Slide Image Placeholder 1"/>
+          <p:cNvSpPr>
+            <a:spLocks noGrp="1" noRot="1" noChangeAspect="1"/>
+          </p:cNvSpPr>
+          <p:nvPr>
+            <p:ph type="sldImg"/>
+          </p:nvPr>
+        </p:nvSpPr>
+        <p:spPr/>
+      </p:sp>
+      <p:sp>
+        <p:nvSpPr>
+          <p:cNvPr id="3" name="Notes Placeholder 2"/>
+          <p:cNvSpPr>
+            <a:spLocks noGrp="1"/>
+          </p:cNvSpPr>
+          <p:nvPr>
+            <p:ph type="body" idx="1"/>
+          </p:nvPr>
+        </p:nvSpPr>
+        <p:spPr/>
+        <p:txBody>
+          <a:bodyPr/>
+          <a:lstStyle/>
+          <a:p>
+            <a:r>
+              <a:rPr lang="en-US" sz="1200" b="0" i="0" u="none" strike="noStrike" kern="1200" baseline="0" dirty="0" smtClean="0">
+                <a:solidFill>
+                  <a:schemeClr val="tx1"/>
+                </a:solidFill>
+                <a:latin typeface="Arial" charset="0"/>
+                <a:ea typeface="ＭＳ Ｐゴシック" pitchFamily="-106" charset="-128"/>
+                <a:cs typeface="+mn-cs"/>
+              </a:rPr>
+              <a:t>QBC maintains a committee of hypotheses consistent with the labeled examples it has seen so far – a representation of the version space. For many real-world problems, the committee is infinite. The main obstacle in implementing QBC is the need to sample from the version space (step 2).</a:t>
+            </a:r>
+          </a:p>
+          <a:p>
+            <a:r>
+              <a:rPr lang="en-US" sz="1200" b="0" i="0" u="none" strike="noStrike" kern="1200" baseline="0" dirty="0" smtClean="0">
+                <a:solidFill>
+                  <a:schemeClr val="tx1"/>
+                </a:solidFill>
+                <a:latin typeface="Arial" charset="0"/>
+                <a:ea typeface="ＭＳ Ｐゴシック" pitchFamily="-106" charset="-128"/>
+                <a:cs typeface="+mn-cs"/>
+              </a:rPr>
+              <a:t>It is hard to do this with reasonable computational complexity in high dimension space. </a:t>
+            </a:r>
+            <a:r>
+              <a:rPr lang="en-US" sz="1200" b="0" i="0" u="none" strike="noStrike" kern="1200" baseline="0" dirty="0" smtClean="0">
+                <a:solidFill>
+                  <a:schemeClr val="tx1"/>
+                </a:solidFill>
+                <a:latin typeface="Arial" charset="0"/>
+                <a:ea typeface="ＭＳ Ｐゴシック" pitchFamily="-106" charset="-128"/>
+                <a:cs typeface="+mn-cs"/>
+              </a:rPr>
+              <a:t>When there is a very large number of candidate hypotheses, explicitly representing them will not be practical.</a:t>
+            </a:r>
+            <a:endParaRPr lang="en-US" dirty="0"/>
+          </a:p>
+        </p:txBody>
+      </p:sp>
+      <p:sp>
+        <p:nvSpPr>
+          <p:cNvPr id="4" name="Slide Number Placeholder 3"/>
+          <p:cNvSpPr>
+            <a:spLocks noGrp="1"/>
+          </p:cNvSpPr>
+          <p:nvPr>
+            <p:ph type="sldNum" sz="quarter" idx="10"/>
+          </p:nvPr>
+        </p:nvSpPr>
+        <p:spPr/>
+        <p:txBody>
+          <a:bodyPr/>
+          <a:lstStyle/>
+          <a:p>
+            <a:fld id="{DFAA0BD4-28E6-4AA9-A380-6B49DDD43FFD}" type="slidenum">
+              <a:rPr lang="en-US" smtClean="0"/>
+              <a:pPr/>
+              <a:t>8</a:t>
             </a:fld>
             <a:endParaRPr lang="en-US"/>
           </a:p>
@@ -6530,23 +6655,59 @@
         </p:nvSpPr>
         <p:spPr>
           <a:xfrm>
-            <a:off x="914400" y="1524000"/>
-            <a:ext cx="7623175" cy="1219200"/>
+            <a:off x="762000" y="1447800"/>
+            <a:ext cx="8686800" cy="2286000"/>
           </a:xfrm>
         </p:spPr>
         <p:txBody>
           <a:bodyPr/>
           <a:lstStyle/>
           <a:p>
-            <a:pPr algn="ctr" eaLnBrk="1" hangingPunct="1"/>
-            <a:r>
-              <a:rPr lang="en-US" altLang="zh-TW" sz="5400" b="1" dirty="0" smtClean="0">
+            <a:pPr eaLnBrk="1" hangingPunct="1"/>
+            <a:r>
+              <a:rPr lang="en-US" altLang="zh-TW" sz="4000" b="1" dirty="0">
                 <a:latin typeface="Arial" pitchFamily="34" charset="0"/>
                 <a:ea typeface="新細明體" pitchFamily="-106" charset="-120"/>
                 <a:cs typeface="Arial" pitchFamily="34" charset="0"/>
               </a:rPr>
-              <a:t>Active Learning</a:t>
-            </a:r>
+              <a:t>Empirical Study of </a:t>
+            </a:r>
+            <a:r>
+              <a:rPr lang="en-US" altLang="zh-TW" sz="4000" b="1" dirty="0" smtClean="0">
+                <a:latin typeface="Arial" pitchFamily="34" charset="0"/>
+                <a:ea typeface="新細明體" pitchFamily="-106" charset="-120"/>
+                <a:cs typeface="Arial" pitchFamily="34" charset="0"/>
+              </a:rPr>
+              <a:t/>
+            </a:r>
+            <a:br>
+              <a:rPr lang="en-US" altLang="zh-TW" sz="4000" b="1" dirty="0" smtClean="0">
+                <a:latin typeface="Arial" pitchFamily="34" charset="0"/>
+                <a:ea typeface="新細明體" pitchFamily="-106" charset="-120"/>
+                <a:cs typeface="Arial" pitchFamily="34" charset="0"/>
+              </a:rPr>
+            </a:br>
+            <a:r>
+              <a:rPr lang="en-US" altLang="zh-TW" sz="4000" b="1" dirty="0" smtClean="0">
+                <a:latin typeface="Arial" pitchFamily="34" charset="0"/>
+                <a:ea typeface="新細明體" pitchFamily="-106" charset="-120"/>
+                <a:cs typeface="Arial" pitchFamily="34" charset="0"/>
+              </a:rPr>
+              <a:t>Active </a:t>
+            </a:r>
+            <a:r>
+              <a:rPr lang="en-US" altLang="zh-TW" sz="4000" b="1" dirty="0">
+                <a:latin typeface="Arial" pitchFamily="34" charset="0"/>
+                <a:ea typeface="新細明體" pitchFamily="-106" charset="-120"/>
+                <a:cs typeface="Arial" pitchFamily="34" charset="0"/>
+              </a:rPr>
+              <a:t>Learning Algorithms</a:t>
+            </a:r>
+            <a:endParaRPr lang="en-US" altLang="zh-TW" sz="4000" b="1" dirty="0" smtClean="0">
+              <a:latin typeface="Arial" pitchFamily="34" charset="0"/>
+              <a:ea typeface="新細明體" pitchFamily="-106" charset="-120"/>
+              <a:cs typeface="Arial" pitchFamily="34" charset="0"/>
+            </a:endParaRPr>
           </a:p>
         </p:txBody>
       </p:sp>
@@ -6575,28 +6736,28 @@
               <a:buNone/>
             </a:pPr>
             <a:r>
-              <a:rPr lang="en-US" altLang="zh-TW" dirty="0" smtClean="0">
+              <a:rPr lang="en-US" altLang="zh-TW" sz="2400" i="1" dirty="0" smtClean="0">
                 <a:ea typeface="新細明體" pitchFamily="-106" charset="-120"/>
               </a:rPr>
               <a:t>Chen Liu, Shi Gao and Ye </a:t>
             </a:r>
             <a:r>
-              <a:rPr lang="en-US" altLang="zh-TW" dirty="0" err="1" smtClean="0">
+              <a:rPr lang="en-US" altLang="zh-TW" sz="2400" i="1" dirty="0" err="1" smtClean="0">
                 <a:ea typeface="新細明體" pitchFamily="-106" charset="-120"/>
               </a:rPr>
               <a:t>Tian</a:t>
             </a:r>
-            <a:endParaRPr lang="en-US" altLang="zh-TW" dirty="0" smtClean="0">
+            <a:endParaRPr lang="en-US" altLang="zh-TW" sz="2400" i="1" dirty="0" smtClean="0">
               <a:ea typeface="新細明體" pitchFamily="-106" charset="-120"/>
             </a:endParaRPr>
           </a:p>
           <a:p>
-            <a:pPr eaLnBrk="1" hangingPunct="1">
+            <a:pPr algn="r" eaLnBrk="1" hangingPunct="1">
               <a:buFont typeface="Wingdings" pitchFamily="-106" charset="2"/>
               <a:buNone/>
             </a:pPr>
             <a:r>
-              <a:rPr lang="en-US" altLang="zh-TW" dirty="0" smtClean="0">
+              <a:rPr lang="en-US" altLang="zh-TW" sz="2400" i="1" dirty="0" smtClean="0">
                 <a:ea typeface="新細明體" pitchFamily="-106" charset="-120"/>
               </a:rPr>
               <a:t>University of California, Los Angeles</a:t>
@@ -6639,6 +6800,647 @@
       </p:grpSpPr>
       <p:sp>
         <p:nvSpPr>
+          <p:cNvPr id="2" name="Title 1"/>
+          <p:cNvSpPr>
+            <a:spLocks noGrp="1"/>
+          </p:cNvSpPr>
+          <p:nvPr>
+            <p:ph type="title"/>
+          </p:nvPr>
+        </p:nvSpPr>
+        <p:spPr>
+          <a:xfrm>
+            <a:off x="457200" y="277813"/>
+            <a:ext cx="8534400" cy="865187"/>
+          </a:xfrm>
+        </p:spPr>
+        <p:txBody>
+          <a:bodyPr lIns="0" rIns="0"/>
+          <a:lstStyle/>
+          <a:p>
+            <a:pPr eaLnBrk="1" hangingPunct="1"/>
+            <a:r>
+              <a:rPr lang="en-US" altLang="zh-CN" b="1" dirty="0" smtClean="0">
+                <a:latin typeface="Arial" pitchFamily="34" charset="0"/>
+                <a:ea typeface="新細明體" pitchFamily="-106" charset="-120"/>
+                <a:cs typeface="Arial" pitchFamily="34" charset="0"/>
+              </a:rPr>
+              <a:t>Margin Based Active Learning</a:t>
+            </a:r>
+            <a:endParaRPr lang="zh-CN" altLang="en-US" b="1" dirty="0">
+              <a:latin typeface="Arial" pitchFamily="34" charset="0"/>
+              <a:ea typeface="新細明體" pitchFamily="-106" charset="-120"/>
+              <a:cs typeface="Arial" pitchFamily="34" charset="0"/>
+            </a:endParaRPr>
+          </a:p>
+        </p:txBody>
+      </p:sp>
+      <p:sp>
+        <p:nvSpPr>
+          <p:cNvPr id="3" name="Content Placeholder 2"/>
+          <p:cNvSpPr>
+            <a:spLocks noGrp="1"/>
+          </p:cNvSpPr>
+          <p:nvPr>
+            <p:ph idx="1"/>
+          </p:nvPr>
+        </p:nvSpPr>
+        <p:spPr/>
+        <p:txBody>
+          <a:bodyPr/>
+          <a:lstStyle/>
+          <a:p>
+            <a:endParaRPr lang="zh-CN" altLang="en-US" dirty="0"/>
+          </a:p>
+        </p:txBody>
+      </p:sp>
+      <p:sp>
+        <p:nvSpPr>
+          <p:cNvPr id="4" name="Slide Number Placeholder 3"/>
+          <p:cNvSpPr>
+            <a:spLocks noGrp="1"/>
+          </p:cNvSpPr>
+          <p:nvPr>
+            <p:ph type="sldNum" sz="quarter" idx="12"/>
+          </p:nvPr>
+        </p:nvSpPr>
+        <p:spPr/>
+        <p:txBody>
+          <a:bodyPr/>
+          <a:lstStyle/>
+          <a:p>
+            <a:fld id="{604EAB18-E0EA-45DC-AA4D-A7A0A794259A}" type="slidenum">
+              <a:rPr lang="en-US" smtClean="0"/>
+              <a:pPr/>
+              <a:t>10</a:t>
+            </a:fld>
+            <a:endParaRPr lang="en-US"/>
+          </a:p>
+        </p:txBody>
+      </p:sp>
+    </p:spTree>
+    <p:extLst>
+      <p:ext uri="{BB962C8B-B14F-4D97-AF65-F5344CB8AC3E}">
+        <p14:creationId xmlns:p14="http://schemas.microsoft.com/office/powerpoint/2010/main" val="1402498055"/>
+      </p:ext>
+    </p:extLst>
+  </p:cSld>
+  <p:clrMapOvr>
+    <a:masterClrMapping/>
+  </p:clrMapOvr>
+  <p:timing>
+    <p:tnLst>
+      <p:par>
+        <p:cTn id="1" dur="indefinite" restart="never" nodeType="tmRoot"/>
+      </p:par>
+    </p:tnLst>
+  </p:timing>
+</p:sld>
+</file>
+
+<file path=ppt/slides/slide11.xml><?xml version="1.0" encoding="utf-8"?>
+<p:sld xmlns:a="http://schemas.openxmlformats.org/drawingml/2006/main" xmlns:r="http://schemas.openxmlformats.org/officeDocument/2006/relationships" xmlns:p="http://schemas.openxmlformats.org/presentationml/2006/main">
+  <p:cSld>
+    <p:spTree>
+      <p:nvGrpSpPr>
+        <p:cNvPr id="1" name=""/>
+        <p:cNvGrpSpPr/>
+        <p:nvPr/>
+      </p:nvGrpSpPr>
+      <p:grpSpPr>
+        <a:xfrm>
+          <a:off x="0" y="0"/>
+          <a:ext cx="0" cy="0"/>
+          <a:chOff x="0" y="0"/>
+          <a:chExt cx="0" cy="0"/>
+        </a:xfrm>
+      </p:grpSpPr>
+      <p:sp>
+        <p:nvSpPr>
+          <p:cNvPr id="2" name="Title 1"/>
+          <p:cNvSpPr>
+            <a:spLocks noGrp="1"/>
+          </p:cNvSpPr>
+          <p:nvPr>
+            <p:ph type="title"/>
+          </p:nvPr>
+        </p:nvSpPr>
+        <p:spPr/>
+        <p:txBody>
+          <a:bodyPr/>
+          <a:lstStyle/>
+          <a:p>
+            <a:pPr eaLnBrk="1" hangingPunct="1"/>
+            <a:r>
+              <a:rPr lang="en-US" altLang="zh-CN" b="1" dirty="0" smtClean="0">
+                <a:latin typeface="Arial" pitchFamily="34" charset="0"/>
+                <a:ea typeface="新細明體" pitchFamily="-106" charset="-120"/>
+                <a:cs typeface="Arial" pitchFamily="34" charset="0"/>
+              </a:rPr>
+              <a:t>Experiment Setup</a:t>
+            </a:r>
+            <a:endParaRPr lang="zh-CN" altLang="en-US" b="1" dirty="0">
+              <a:latin typeface="Arial" pitchFamily="34" charset="0"/>
+              <a:ea typeface="新細明體" pitchFamily="-106" charset="-120"/>
+              <a:cs typeface="Arial" pitchFamily="34" charset="0"/>
+            </a:endParaRPr>
+          </a:p>
+        </p:txBody>
+      </p:sp>
+      <p:sp>
+        <p:nvSpPr>
+          <p:cNvPr id="3" name="Content Placeholder 2"/>
+          <p:cNvSpPr>
+            <a:spLocks noGrp="1"/>
+          </p:cNvSpPr>
+          <p:nvPr>
+            <p:ph idx="1"/>
+          </p:nvPr>
+        </p:nvSpPr>
+        <p:spPr/>
+        <p:txBody>
+          <a:bodyPr/>
+          <a:lstStyle/>
+          <a:p>
+            <a:pPr eaLnBrk="1" hangingPunct="1">
+              <a:lnSpc>
+                <a:spcPct val="90000"/>
+              </a:lnSpc>
+            </a:pPr>
+            <a:r>
+              <a:rPr lang="en-US" altLang="zh-TW" sz="2600" dirty="0" smtClean="0">
+                <a:ea typeface="新細明體" pitchFamily="-106" charset="-120"/>
+              </a:rPr>
+              <a:t>Synthesized Dataset</a:t>
+            </a:r>
+          </a:p>
+          <a:p>
+            <a:pPr lvl="1" eaLnBrk="1" hangingPunct="1">
+              <a:lnSpc>
+                <a:spcPct val="90000"/>
+              </a:lnSpc>
+            </a:pPr>
+            <a:r>
+              <a:rPr lang="en-US" altLang="zh-TW" sz="2400" dirty="0" smtClean="0">
+                <a:ea typeface="新細明體" pitchFamily="-106" charset="-120"/>
+              </a:rPr>
+              <a:t>10-dimension random data set</a:t>
+            </a:r>
+          </a:p>
+          <a:p>
+            <a:pPr lvl="1" eaLnBrk="1" hangingPunct="1">
+              <a:lnSpc>
+                <a:spcPct val="90000"/>
+              </a:lnSpc>
+            </a:pPr>
+            <a:r>
+              <a:rPr lang="en-US" altLang="zh-TW" sz="2400" dirty="0" smtClean="0">
+                <a:ea typeface="新細明體" pitchFamily="-106" charset="-120"/>
+              </a:rPr>
+              <a:t>10-dimension noisy data set</a:t>
+            </a:r>
+            <a:endParaRPr lang="en-US" altLang="zh-TW" sz="2400" dirty="0">
+              <a:ea typeface="新細明體" pitchFamily="-106" charset="-120"/>
+            </a:endParaRPr>
+          </a:p>
+          <a:p>
+            <a:pPr marL="0" indent="0" eaLnBrk="1" hangingPunct="1">
+              <a:lnSpc>
+                <a:spcPct val="90000"/>
+              </a:lnSpc>
+              <a:buNone/>
+            </a:pPr>
+            <a:endParaRPr lang="en-US" altLang="zh-TW" sz="2600" dirty="0">
+              <a:ea typeface="新細明體" pitchFamily="-106" charset="-120"/>
+            </a:endParaRPr>
+          </a:p>
+          <a:p>
+            <a:pPr eaLnBrk="1" hangingPunct="1">
+              <a:lnSpc>
+                <a:spcPct val="90000"/>
+              </a:lnSpc>
+            </a:pPr>
+            <a:r>
+              <a:rPr lang="en-US" altLang="zh-TW" sz="2600" dirty="0" smtClean="0">
+                <a:ea typeface="新細明體" pitchFamily="-106" charset="-120"/>
+              </a:rPr>
+              <a:t>Real Dataset</a:t>
+            </a:r>
+            <a:endParaRPr lang="en-US" altLang="zh-TW" sz="2600" dirty="0">
+              <a:ea typeface="新細明體" pitchFamily="-106" charset="-120"/>
+            </a:endParaRPr>
+          </a:p>
+          <a:p>
+            <a:pPr lvl="1" eaLnBrk="1" hangingPunct="1">
+              <a:lnSpc>
+                <a:spcPct val="90000"/>
+              </a:lnSpc>
+            </a:pPr>
+            <a:r>
+              <a:rPr lang="en-US" sz="2400" dirty="0" smtClean="0"/>
+              <a:t>20 Newsgroups dataset</a:t>
+            </a:r>
+          </a:p>
+          <a:p>
+            <a:pPr lvl="1" eaLnBrk="1" hangingPunct="1">
+              <a:lnSpc>
+                <a:spcPct val="90000"/>
+              </a:lnSpc>
+            </a:pPr>
+            <a:r>
+              <a:rPr lang="en-US" altLang="zh-TW" sz="2400" dirty="0" smtClean="0">
+                <a:ea typeface="新細明體" pitchFamily="-106" charset="-120"/>
+              </a:rPr>
+              <a:t>Randomly select 3 categories[?]</a:t>
+            </a:r>
+          </a:p>
+          <a:p>
+            <a:pPr lvl="1" eaLnBrk="1" hangingPunct="1">
+              <a:lnSpc>
+                <a:spcPct val="90000"/>
+              </a:lnSpc>
+            </a:pPr>
+            <a:r>
+              <a:rPr lang="en-US" sz="2400" dirty="0"/>
+              <a:t>21,334 unique tokens in titles</a:t>
+            </a:r>
+            <a:endParaRPr lang="en-US" altLang="zh-TW" sz="2400" dirty="0">
+              <a:ea typeface="新細明體" pitchFamily="-106" charset="-120"/>
+            </a:endParaRPr>
+          </a:p>
+        </p:txBody>
+      </p:sp>
+      <p:sp>
+        <p:nvSpPr>
+          <p:cNvPr id="4" name="Slide Number Placeholder 3"/>
+          <p:cNvSpPr>
+            <a:spLocks noGrp="1"/>
+          </p:cNvSpPr>
+          <p:nvPr>
+            <p:ph type="sldNum" sz="quarter" idx="12"/>
+          </p:nvPr>
+        </p:nvSpPr>
+        <p:spPr/>
+        <p:txBody>
+          <a:bodyPr/>
+          <a:lstStyle/>
+          <a:p>
+            <a:fld id="{604EAB18-E0EA-45DC-AA4D-A7A0A794259A}" type="slidenum">
+              <a:rPr lang="en-US" smtClean="0"/>
+              <a:pPr/>
+              <a:t>11</a:t>
+            </a:fld>
+            <a:endParaRPr lang="en-US"/>
+          </a:p>
+        </p:txBody>
+      </p:sp>
+    </p:spTree>
+    <p:extLst>
+      <p:ext uri="{BB962C8B-B14F-4D97-AF65-F5344CB8AC3E}">
+        <p14:creationId xmlns:p14="http://schemas.microsoft.com/office/powerpoint/2010/main" val="2952604855"/>
+      </p:ext>
+    </p:extLst>
+  </p:cSld>
+  <p:clrMapOvr>
+    <a:masterClrMapping/>
+  </p:clrMapOvr>
+  <p:timing>
+    <p:tnLst>
+      <p:par>
+        <p:cTn id="1" dur="indefinite" restart="never" nodeType="tmRoot"/>
+      </p:par>
+    </p:tnLst>
+  </p:timing>
+</p:sld>
+</file>
+
+<file path=ppt/slides/slide12.xml><?xml version="1.0" encoding="utf-8"?>
+<p:sld xmlns:a="http://schemas.openxmlformats.org/drawingml/2006/main" xmlns:r="http://schemas.openxmlformats.org/officeDocument/2006/relationships" xmlns:p="http://schemas.openxmlformats.org/presentationml/2006/main">
+  <p:cSld>
+    <p:spTree>
+      <p:nvGrpSpPr>
+        <p:cNvPr id="1" name=""/>
+        <p:cNvGrpSpPr/>
+        <p:nvPr/>
+      </p:nvGrpSpPr>
+      <p:grpSpPr>
+        <a:xfrm>
+          <a:off x="0" y="0"/>
+          <a:ext cx="0" cy="0"/>
+          <a:chOff x="0" y="0"/>
+          <a:chExt cx="0" cy="0"/>
+        </a:xfrm>
+      </p:grpSpPr>
+      <p:sp>
+        <p:nvSpPr>
+          <p:cNvPr id="2" name="Title 1"/>
+          <p:cNvSpPr>
+            <a:spLocks noGrp="1"/>
+          </p:cNvSpPr>
+          <p:nvPr>
+            <p:ph type="title"/>
+          </p:nvPr>
+        </p:nvSpPr>
+        <p:spPr/>
+        <p:txBody>
+          <a:bodyPr/>
+          <a:lstStyle/>
+          <a:p>
+            <a:pPr eaLnBrk="1" hangingPunct="1"/>
+            <a:r>
+              <a:rPr lang="en-US" altLang="zh-CN" b="1" dirty="0" smtClean="0">
+                <a:latin typeface="Arial" pitchFamily="34" charset="0"/>
+                <a:ea typeface="新細明體" pitchFamily="-106" charset="-120"/>
+                <a:cs typeface="Arial" pitchFamily="34" charset="0"/>
+              </a:rPr>
+              <a:t>Experiment</a:t>
+            </a:r>
+            <a:endParaRPr lang="zh-CN" altLang="en-US" b="1" dirty="0">
+              <a:latin typeface="Arial" pitchFamily="34" charset="0"/>
+              <a:ea typeface="新細明體" pitchFamily="-106" charset="-120"/>
+              <a:cs typeface="Arial" pitchFamily="34" charset="0"/>
+            </a:endParaRPr>
+          </a:p>
+        </p:txBody>
+      </p:sp>
+      <p:sp>
+        <p:nvSpPr>
+          <p:cNvPr id="3" name="Content Placeholder 2"/>
+          <p:cNvSpPr>
+            <a:spLocks noGrp="1"/>
+          </p:cNvSpPr>
+          <p:nvPr>
+            <p:ph idx="1"/>
+          </p:nvPr>
+        </p:nvSpPr>
+        <p:spPr/>
+        <p:txBody>
+          <a:bodyPr/>
+          <a:lstStyle/>
+          <a:p>
+            <a:pPr eaLnBrk="1" hangingPunct="1">
+              <a:lnSpc>
+                <a:spcPct val="90000"/>
+              </a:lnSpc>
+            </a:pPr>
+            <a:endParaRPr lang="en-US" altLang="zh-TW" sz="2400" dirty="0">
+              <a:ea typeface="新細明體" pitchFamily="-106" charset="-120"/>
+            </a:endParaRPr>
+          </a:p>
+        </p:txBody>
+      </p:sp>
+      <p:sp>
+        <p:nvSpPr>
+          <p:cNvPr id="4" name="Slide Number Placeholder 3"/>
+          <p:cNvSpPr>
+            <a:spLocks noGrp="1"/>
+          </p:cNvSpPr>
+          <p:nvPr>
+            <p:ph type="sldNum" sz="quarter" idx="12"/>
+          </p:nvPr>
+        </p:nvSpPr>
+        <p:spPr/>
+        <p:txBody>
+          <a:bodyPr/>
+          <a:lstStyle/>
+          <a:p>
+            <a:fld id="{604EAB18-E0EA-45DC-AA4D-A7A0A794259A}" type="slidenum">
+              <a:rPr lang="en-US" smtClean="0"/>
+              <a:pPr/>
+              <a:t>12</a:t>
+            </a:fld>
+            <a:endParaRPr lang="en-US"/>
+          </a:p>
+        </p:txBody>
+      </p:sp>
+    </p:spTree>
+    <p:extLst>
+      <p:ext uri="{BB962C8B-B14F-4D97-AF65-F5344CB8AC3E}">
+        <p14:creationId xmlns:p14="http://schemas.microsoft.com/office/powerpoint/2010/main" val="21315555"/>
+      </p:ext>
+    </p:extLst>
+  </p:cSld>
+  <p:clrMapOvr>
+    <a:masterClrMapping/>
+  </p:clrMapOvr>
+  <p:timing>
+    <p:tnLst>
+      <p:par>
+        <p:cTn id="1" dur="indefinite" restart="never" nodeType="tmRoot"/>
+      </p:par>
+    </p:tnLst>
+  </p:timing>
+</p:sld>
+</file>
+
+<file path=ppt/slides/slide13.xml><?xml version="1.0" encoding="utf-8"?>
+<p:sld xmlns:a="http://schemas.openxmlformats.org/drawingml/2006/main" xmlns:r="http://schemas.openxmlformats.org/officeDocument/2006/relationships" xmlns:p="http://schemas.openxmlformats.org/presentationml/2006/main">
+  <p:cSld>
+    <p:spTree>
+      <p:nvGrpSpPr>
+        <p:cNvPr id="1" name=""/>
+        <p:cNvGrpSpPr/>
+        <p:nvPr/>
+      </p:nvGrpSpPr>
+      <p:grpSpPr>
+        <a:xfrm>
+          <a:off x="0" y="0"/>
+          <a:ext cx="0" cy="0"/>
+          <a:chOff x="0" y="0"/>
+          <a:chExt cx="0" cy="0"/>
+        </a:xfrm>
+      </p:grpSpPr>
+      <p:sp>
+        <p:nvSpPr>
+          <p:cNvPr id="2" name="Title 1"/>
+          <p:cNvSpPr>
+            <a:spLocks noGrp="1"/>
+          </p:cNvSpPr>
+          <p:nvPr>
+            <p:ph type="title"/>
+          </p:nvPr>
+        </p:nvSpPr>
+        <p:spPr/>
+        <p:txBody>
+          <a:bodyPr/>
+          <a:lstStyle/>
+          <a:p>
+            <a:pPr eaLnBrk="1" hangingPunct="1"/>
+            <a:r>
+              <a:rPr lang="en-US" altLang="zh-CN" b="1" dirty="0" smtClean="0">
+                <a:latin typeface="Arial" pitchFamily="34" charset="0"/>
+                <a:ea typeface="新細明體" pitchFamily="-106" charset="-120"/>
+                <a:cs typeface="Arial" pitchFamily="34" charset="0"/>
+              </a:rPr>
+              <a:t>Closing Remarks</a:t>
+            </a:r>
+            <a:endParaRPr lang="zh-CN" altLang="en-US" b="1" dirty="0">
+              <a:latin typeface="Arial" pitchFamily="34" charset="0"/>
+              <a:ea typeface="新細明體" pitchFamily="-106" charset="-120"/>
+              <a:cs typeface="Arial" pitchFamily="34" charset="0"/>
+            </a:endParaRPr>
+          </a:p>
+        </p:txBody>
+      </p:sp>
+      <p:sp>
+        <p:nvSpPr>
+          <p:cNvPr id="3" name="Content Placeholder 2"/>
+          <p:cNvSpPr>
+            <a:spLocks noGrp="1"/>
+          </p:cNvSpPr>
+          <p:nvPr>
+            <p:ph idx="1"/>
+          </p:nvPr>
+        </p:nvSpPr>
+        <p:spPr/>
+        <p:txBody>
+          <a:bodyPr/>
+          <a:lstStyle/>
+          <a:p>
+            <a:pPr eaLnBrk="1" hangingPunct="1">
+              <a:lnSpc>
+                <a:spcPct val="90000"/>
+              </a:lnSpc>
+            </a:pPr>
+            <a:r>
+              <a:rPr lang="en-US" sz="2800" dirty="0"/>
+              <a:t>T</a:t>
+            </a:r>
+            <a:r>
+              <a:rPr lang="en-US" sz="2800" dirty="0" smtClean="0"/>
+              <a:t>hree existing </a:t>
+            </a:r>
+            <a:r>
+              <a:rPr lang="en-US" sz="2800" dirty="0"/>
+              <a:t>active learning </a:t>
+            </a:r>
+            <a:r>
+              <a:rPr lang="en-US" sz="2800" dirty="0" smtClean="0"/>
+              <a:t>algorithms with theory bounds are analyzed.</a:t>
+            </a:r>
+          </a:p>
+          <a:p>
+            <a:pPr marL="0" indent="0" eaLnBrk="1" hangingPunct="1">
+              <a:lnSpc>
+                <a:spcPct val="90000"/>
+              </a:lnSpc>
+              <a:buNone/>
+            </a:pPr>
+            <a:endParaRPr lang="en-US" sz="2800" dirty="0" smtClean="0"/>
+          </a:p>
+          <a:p>
+            <a:pPr eaLnBrk="1" hangingPunct="1">
+              <a:lnSpc>
+                <a:spcPct val="90000"/>
+              </a:lnSpc>
+            </a:pPr>
+            <a:r>
+              <a:rPr lang="en-US" sz="2800" dirty="0"/>
+              <a:t>We </a:t>
+            </a:r>
+            <a:r>
+              <a:rPr lang="en-US" sz="2800" dirty="0" smtClean="0"/>
+              <a:t>implement the </a:t>
+            </a:r>
+            <a:r>
+              <a:rPr lang="en-US" sz="2800" dirty="0"/>
+              <a:t>typical algorithms and apply them to synthesis and real world data sets to </a:t>
+            </a:r>
+            <a:r>
+              <a:rPr lang="en-US" sz="2800" dirty="0" smtClean="0"/>
+              <a:t>evaluate performance by comparing </a:t>
+            </a:r>
+            <a:r>
+              <a:rPr lang="en-US" sz="2800" dirty="0"/>
+              <a:t>the actual performance with the theoretical results</a:t>
+            </a:r>
+            <a:r>
+              <a:rPr lang="en-US" sz="2800" dirty="0" smtClean="0"/>
+              <a:t>.</a:t>
+            </a:r>
+            <a:r>
+              <a:rPr lang="en-US" sz="2800" dirty="0"/>
+              <a:t> </a:t>
+            </a:r>
+            <a:endParaRPr lang="en-US" altLang="zh-TW" sz="2400" dirty="0">
+              <a:ea typeface="新細明體" pitchFamily="-106" charset="-120"/>
+            </a:endParaRPr>
+          </a:p>
+          <a:p>
+            <a:pPr eaLnBrk="1" hangingPunct="1">
+              <a:lnSpc>
+                <a:spcPct val="90000"/>
+              </a:lnSpc>
+            </a:pPr>
+            <a:endParaRPr lang="en-US" altLang="zh-TW" sz="2400" dirty="0">
+              <a:ea typeface="新細明體" pitchFamily="-106" charset="-120"/>
+            </a:endParaRPr>
+          </a:p>
+        </p:txBody>
+      </p:sp>
+      <p:sp>
+        <p:nvSpPr>
+          <p:cNvPr id="4" name="Slide Number Placeholder 3"/>
+          <p:cNvSpPr>
+            <a:spLocks noGrp="1"/>
+          </p:cNvSpPr>
+          <p:nvPr>
+            <p:ph type="sldNum" sz="quarter" idx="12"/>
+          </p:nvPr>
+        </p:nvSpPr>
+        <p:spPr/>
+        <p:txBody>
+          <a:bodyPr/>
+          <a:lstStyle/>
+          <a:p>
+            <a:fld id="{604EAB18-E0EA-45DC-AA4D-A7A0A794259A}" type="slidenum">
+              <a:rPr lang="en-US" smtClean="0"/>
+              <a:pPr/>
+              <a:t>13</a:t>
+            </a:fld>
+            <a:endParaRPr lang="en-US"/>
+          </a:p>
+        </p:txBody>
+      </p:sp>
+    </p:spTree>
+    <p:extLst>
+      <p:ext uri="{BB962C8B-B14F-4D97-AF65-F5344CB8AC3E}">
+        <p14:creationId xmlns:p14="http://schemas.microsoft.com/office/powerpoint/2010/main" val="938991079"/>
+      </p:ext>
+    </p:extLst>
+  </p:cSld>
+  <p:clrMapOvr>
+    <a:masterClrMapping/>
+  </p:clrMapOvr>
+  <p:timing>
+    <p:tnLst>
+      <p:par>
+        <p:cTn id="1" dur="indefinite" restart="never" nodeType="tmRoot"/>
+      </p:par>
+    </p:tnLst>
+  </p:timing>
+</p:sld>
+</file>
+
+<file path=ppt/slides/slide14.xml><?xml version="1.0" encoding="utf-8"?>
+<p:sld xmlns:a="http://schemas.openxmlformats.org/drawingml/2006/main" xmlns:r="http://schemas.openxmlformats.org/officeDocument/2006/relationships" xmlns:p="http://schemas.openxmlformats.org/presentationml/2006/main">
+  <p:cSld>
+    <p:spTree>
+      <p:nvGrpSpPr>
+        <p:cNvPr id="1" name=""/>
+        <p:cNvGrpSpPr/>
+        <p:nvPr/>
+      </p:nvGrpSpPr>
+      <p:grpSpPr>
+        <a:xfrm>
+          <a:off x="0" y="0"/>
+          <a:ext cx="0" cy="0"/>
+          <a:chOff x="0" y="0"/>
+          <a:chExt cx="0" cy="0"/>
+        </a:xfrm>
+      </p:grpSpPr>
+      <p:sp>
+        <p:nvSpPr>
           <p:cNvPr id="47106" name="Slide Number Placeholder 5"/>
           <p:cNvSpPr>
             <a:spLocks noGrp="1"/>
@@ -6786,7 +7588,7 @@
                 <a:latin typeface="Garamond" pitchFamily="-106" charset="0"/>
               </a:rPr>
               <a:pPr eaLnBrk="1" hangingPunct="1"/>
-              <a:t>10</a:t>
+              <a:t>14</a:t>
             </a:fld>
             <a:endParaRPr lang="en-US" sz="1200">
               <a:latin typeface="Garamond" pitchFamily="-106" charset="0"/>
@@ -6829,23 +7631,222 @@
                 <a:ea typeface="新細明體" pitchFamily="-106" charset="-120"/>
                 <a:cs typeface="Arial" pitchFamily="34" charset="0"/>
               </a:rPr>
-              <a:t>THANK YOU</a:t>
-            </a:r>
-            <a:r>
-              <a:rPr lang="en-US" altLang="zh-TW" sz="6000" dirty="0" smtClean="0">
-                <a:solidFill>
-                  <a:schemeClr val="accent6">
-                    <a:lumMod val="75000"/>
-                  </a:schemeClr>
-                </a:solidFill>
-                <a:ea typeface="新細明體" pitchFamily="-106" charset="-120"/>
-              </a:rPr>
-              <a:t>!</a:t>
-            </a:r>
+              <a:t>Q &amp; A</a:t>
+            </a:r>
+            <a:endParaRPr lang="en-US" altLang="zh-TW" sz="6000" dirty="0" smtClean="0">
+              <a:solidFill>
+                <a:schemeClr val="accent6">
+                  <a:lumMod val="75000"/>
+                </a:schemeClr>
+              </a:solidFill>
+              <a:ea typeface="新細明體" pitchFamily="-106" charset="-120"/>
+            </a:endParaRPr>
           </a:p>
         </p:txBody>
       </p:sp>
     </p:spTree>
+  </p:cSld>
+  <p:clrMapOvr>
+    <a:masterClrMapping/>
+  </p:clrMapOvr>
+  <p:timing>
+    <p:tnLst>
+      <p:par>
+        <p:cTn id="1" dur="indefinite" restart="never" nodeType="tmRoot"/>
+      </p:par>
+    </p:tnLst>
+  </p:timing>
+</p:sld>
+</file>
+
+<file path=ppt/slides/slide15.xml><?xml version="1.0" encoding="utf-8"?>
+<p:sld xmlns:a="http://schemas.openxmlformats.org/drawingml/2006/main" xmlns:r="http://schemas.openxmlformats.org/officeDocument/2006/relationships" xmlns:p="http://schemas.openxmlformats.org/presentationml/2006/main">
+  <p:cSld>
+    <p:spTree>
+      <p:nvGrpSpPr>
+        <p:cNvPr id="1" name=""/>
+        <p:cNvGrpSpPr/>
+        <p:nvPr/>
+      </p:nvGrpSpPr>
+      <p:grpSpPr>
+        <a:xfrm>
+          <a:off x="0" y="0"/>
+          <a:ext cx="0" cy="0"/>
+          <a:chOff x="0" y="0"/>
+          <a:chExt cx="0" cy="0"/>
+        </a:xfrm>
+      </p:grpSpPr>
+      <p:sp>
+        <p:nvSpPr>
+          <p:cNvPr id="2" name="Title 1"/>
+          <p:cNvSpPr>
+            <a:spLocks noGrp="1"/>
+          </p:cNvSpPr>
+          <p:nvPr>
+            <p:ph type="title"/>
+          </p:nvPr>
+        </p:nvSpPr>
+        <p:spPr/>
+        <p:txBody>
+          <a:bodyPr/>
+          <a:lstStyle/>
+          <a:p>
+            <a:pPr eaLnBrk="1" hangingPunct="1"/>
+            <a:r>
+              <a:rPr lang="en-US" altLang="zh-CN" b="1" dirty="0" smtClean="0">
+                <a:latin typeface="Arial" pitchFamily="34" charset="0"/>
+                <a:ea typeface="新細明體" pitchFamily="-106" charset="-120"/>
+                <a:cs typeface="Arial" pitchFamily="34" charset="0"/>
+              </a:rPr>
+              <a:t>Reference</a:t>
+            </a:r>
+            <a:endParaRPr lang="zh-CN" altLang="en-US" b="1" dirty="0">
+              <a:latin typeface="Arial" pitchFamily="34" charset="0"/>
+              <a:ea typeface="新細明體" pitchFamily="-106" charset="-120"/>
+              <a:cs typeface="Arial" pitchFamily="34" charset="0"/>
+            </a:endParaRPr>
+          </a:p>
+        </p:txBody>
+      </p:sp>
+      <p:sp>
+        <p:nvSpPr>
+          <p:cNvPr id="3" name="Content Placeholder 2"/>
+          <p:cNvSpPr>
+            <a:spLocks noGrp="1"/>
+          </p:cNvSpPr>
+          <p:nvPr>
+            <p:ph idx="1"/>
+          </p:nvPr>
+        </p:nvSpPr>
+        <p:spPr>
+          <a:xfrm>
+            <a:off x="457200" y="1219200"/>
+            <a:ext cx="8534400" cy="4911725"/>
+          </a:xfrm>
+        </p:spPr>
+        <p:txBody>
+          <a:bodyPr/>
+          <a:lstStyle/>
+          <a:p>
+            <a:pPr marL="0" indent="0">
+              <a:buNone/>
+            </a:pPr>
+            <a:r>
+              <a:rPr lang="en-US" sz="2000" dirty="0"/>
+              <a:t>[1] </a:t>
+            </a:r>
+            <a:r>
+              <a:rPr lang="en-US" sz="2000" dirty="0" err="1"/>
+              <a:t>Dasgupta</a:t>
+            </a:r>
+            <a:r>
+              <a:rPr lang="en-US" sz="2000" dirty="0"/>
+              <a:t>, </a:t>
+            </a:r>
+            <a:r>
+              <a:rPr lang="en-US" sz="2000" dirty="0" err="1"/>
+              <a:t>Kalai</a:t>
+            </a:r>
+            <a:r>
+              <a:rPr lang="en-US" sz="2000" dirty="0"/>
+              <a:t>, and </a:t>
+            </a:r>
+            <a:r>
+              <a:rPr lang="en-US" sz="2000" dirty="0" err="1"/>
+              <a:t>Monteleoni</a:t>
+            </a:r>
+            <a:r>
+              <a:rPr lang="en-US" sz="2000" dirty="0"/>
+              <a:t>. Analysis of Perceptron-based Active Learning. COLT, 2005.</a:t>
+            </a:r>
+            <a:r>
+              <a:rPr lang="en-US" sz="2000" dirty="0"/>
+              <a:t/>
+            </a:r>
+            <a:br>
+              <a:rPr lang="en-US" sz="2000" dirty="0"/>
+            </a:br>
+            <a:r>
+              <a:rPr lang="en-US" sz="2000" dirty="0"/>
+              <a:t>[2] Freund, </a:t>
+            </a:r>
+            <a:r>
+              <a:rPr lang="en-US" sz="2000" dirty="0" err="1"/>
+              <a:t>Seung</a:t>
+            </a:r>
+            <a:r>
+              <a:rPr lang="en-US" sz="2000" dirty="0"/>
+              <a:t>, Shamir, and </a:t>
+            </a:r>
+            <a:r>
+              <a:rPr lang="en-US" sz="2000" dirty="0" err="1"/>
+              <a:t>Tishby</a:t>
+            </a:r>
+            <a:r>
+              <a:rPr lang="en-US" sz="2000" dirty="0"/>
+              <a:t>. Selective Sampling Using the Query by Committee Algorithm. Machine Learning, 1997.</a:t>
+            </a:r>
+            <a:r>
+              <a:rPr lang="en-US" sz="2000" dirty="0"/>
+              <a:t/>
+            </a:r>
+            <a:br>
+              <a:rPr lang="en-US" sz="2000" dirty="0"/>
+            </a:br>
+            <a:r>
+              <a:rPr lang="en-US" sz="2000" dirty="0"/>
+              <a:t>[3] </a:t>
+            </a:r>
+            <a:r>
+              <a:rPr lang="en-US" sz="2000" dirty="0" err="1"/>
+              <a:t>Balcan</a:t>
+            </a:r>
+            <a:r>
+              <a:rPr lang="en-US" sz="2000" dirty="0"/>
+              <a:t>, </a:t>
+            </a:r>
+            <a:r>
+              <a:rPr lang="en-US" sz="2000" dirty="0" err="1"/>
+              <a:t>Broder</a:t>
+            </a:r>
+            <a:r>
+              <a:rPr lang="en-US" sz="2000" dirty="0"/>
+              <a:t> and Zhang. Margin-based Active Learning. COLT, 2007.</a:t>
+            </a:r>
+            <a:endParaRPr lang="zh-CN" altLang="en-US" sz="2000" dirty="0"/>
+          </a:p>
+        </p:txBody>
+      </p:sp>
+      <p:sp>
+        <p:nvSpPr>
+          <p:cNvPr id="4" name="Slide Number Placeholder 3"/>
+          <p:cNvSpPr>
+            <a:spLocks noGrp="1"/>
+          </p:cNvSpPr>
+          <p:nvPr>
+            <p:ph type="sldNum" sz="quarter" idx="12"/>
+          </p:nvPr>
+        </p:nvSpPr>
+        <p:spPr/>
+        <p:txBody>
+          <a:bodyPr/>
+          <a:lstStyle/>
+          <a:p>
+            <a:fld id="{604EAB18-E0EA-45DC-AA4D-A7A0A794259A}" type="slidenum">
+              <a:rPr lang="en-US" smtClean="0"/>
+              <a:pPr/>
+              <a:t>15</a:t>
+            </a:fld>
+            <a:endParaRPr lang="en-US"/>
+          </a:p>
+        </p:txBody>
+      </p:sp>
+    </p:spTree>
+    <p:extLst>
+      <p:ext uri="{BB962C8B-B14F-4D97-AF65-F5344CB8AC3E}">
+        <p14:creationId xmlns:p14="http://schemas.microsoft.com/office/powerpoint/2010/main" val="1116743142"/>
+      </p:ext>
+    </p:extLst>
   </p:cSld>
   <p:clrMapOvr>
     <a:masterClrMapping/>
@@ -14827,6 +15828,22 @@
                   </a:rPr>
                   <a:t>. </a:t>
                 </a:r>
+                <a:r>
+                  <a:rPr lang="en-US" sz="2000" dirty="0" smtClean="0">
+                    <a:ea typeface="新細明體" pitchFamily="-106" charset="-120"/>
+                  </a:rPr>
+                  <a:t>[</a:t>
+                </a:r>
+                <a:r>
+                  <a:rPr lang="en-US" sz="2000" dirty="0" smtClean="0"/>
+                  <a:t>Freund 97</a:t>
+                </a:r>
+                <a:r>
+                  <a:rPr lang="en-US" sz="2000" dirty="0" smtClean="0">
+                    <a:ea typeface="新細明體" pitchFamily="-106" charset="-120"/>
+                  </a:rPr>
+                  <a:t>]</a:t>
+                </a:r>
                 <a:endParaRPr lang="en-US" altLang="zh-TW" sz="2000" dirty="0">
                   <a:ea typeface="新細明體" pitchFamily="-106" charset="-120"/>
                 </a:endParaRPr>
@@ -15146,8 +16163,8 @@
           </a:p>
         </p:txBody>
       </p:sp>
-      <mc:AlternateContent xmlns:mc="http://schemas.openxmlformats.org/markup-compatibility/2006">
-        <mc:Choice xmlns:a14="http://schemas.microsoft.com/office/drawing/2010/main" Requires="a14">
+      <mc:AlternateContent xmlns:mc="http://schemas.openxmlformats.org/markup-compatibility/2006" xmlns:a14="http://schemas.microsoft.com/office/drawing/2010/main">
+        <mc:Choice Requires="a14">
           <p:sp>
             <p:nvSpPr>
               <p:cNvPr id="7" name="Rectangle 3"/>
@@ -15925,7 +16942,7 @@
             </p:txBody>
           </p:sp>
         </mc:Choice>
-        <mc:Fallback>
+        <mc:Fallback xmlns="">
           <p:sp>
             <p:nvSpPr>
               <p:cNvPr id="7" name="Rectangle 3"/>
@@ -16025,6 +17042,637 @@
       </p:grpSpPr>
       <p:sp>
         <p:nvSpPr>
+          <p:cNvPr id="47106" name="Slide Number Placeholder 5"/>
+          <p:cNvSpPr>
+            <a:spLocks noGrp="1"/>
+          </p:cNvSpPr>
+          <p:nvPr>
+            <p:ph type="sldNum" sz="quarter" idx="12"/>
+          </p:nvPr>
+        </p:nvSpPr>
+        <p:spPr>
+          <a:noFill/>
+          <a:ln/>
+          <a:extLst>
+            <a:ext uri="{909E8E84-426E-40DD-AFC4-6F175D3DCCD1}">
+              <a14:hiddenFill xmlns:a14="http://schemas.microsoft.com/office/drawing/2010/main">
+                <a:solidFill>
+                  <a:srgbClr val="FFFFFF"/>
+                </a:solidFill>
+              </a14:hiddenFill>
+            </a:ext>
+            <a:ext uri="{91240B29-F687-4F45-9708-019B960494DF}">
+              <a14:hiddenLine xmlns:a14="http://schemas.microsoft.com/office/drawing/2010/main" w="9525">
+                <a:solidFill>
+                  <a:srgbClr val="000000"/>
+                </a:solidFill>
+                <a:miter lim="800000"/>
+                <a:headEnd/>
+                <a:tailEnd/>
+              </a14:hiddenLine>
+            </a:ext>
+          </a:extLst>
+        </p:spPr>
+        <p:txBody>
+          <a:bodyPr/>
+          <a:lstStyle>
+            <a:lvl1pPr eaLnBrk="0" hangingPunct="0">
+              <a:defRPr sz="2400">
+                <a:solidFill>
+                  <a:schemeClr val="tx1"/>
+                </a:solidFill>
+                <a:latin typeface="Arial" charset="0"/>
+                <a:ea typeface="ＭＳ Ｐゴシック" pitchFamily="-106" charset="-128"/>
+              </a:defRPr>
+            </a:lvl1pPr>
+            <a:lvl2pPr marL="37931725" indent="-37474525" eaLnBrk="0" hangingPunct="0">
+              <a:defRPr sz="2400">
+                <a:solidFill>
+                  <a:schemeClr val="tx1"/>
+                </a:solidFill>
+                <a:latin typeface="Arial" charset="0"/>
+                <a:ea typeface="ＭＳ Ｐゴシック" pitchFamily="-106" charset="-128"/>
+              </a:defRPr>
+            </a:lvl2pPr>
+            <a:lvl3pPr eaLnBrk="0" hangingPunct="0">
+              <a:defRPr sz="2400">
+                <a:solidFill>
+                  <a:schemeClr val="tx1"/>
+                </a:solidFill>
+                <a:latin typeface="Arial" charset="0"/>
+                <a:ea typeface="ＭＳ Ｐゴシック" pitchFamily="-106" charset="-128"/>
+              </a:defRPr>
+            </a:lvl3pPr>
+            <a:lvl4pPr eaLnBrk="0" hangingPunct="0">
+              <a:defRPr sz="2400">
+                <a:solidFill>
+                  <a:schemeClr val="tx1"/>
+                </a:solidFill>
+                <a:latin typeface="Arial" charset="0"/>
+                <a:ea typeface="ＭＳ Ｐゴシック" pitchFamily="-106" charset="-128"/>
+              </a:defRPr>
+            </a:lvl4pPr>
+            <a:lvl5pPr eaLnBrk="0" hangingPunct="0">
+              <a:defRPr sz="2400">
+                <a:solidFill>
+                  <a:schemeClr val="tx1"/>
+                </a:solidFill>
+                <a:latin typeface="Arial" charset="0"/>
+                <a:ea typeface="ＭＳ Ｐゴシック" pitchFamily="-106" charset="-128"/>
+              </a:defRPr>
+            </a:lvl5pPr>
+            <a:lvl6pPr marL="457200" eaLnBrk="0" fontAlgn="base" hangingPunct="0">
+              <a:spcBef>
+                <a:spcPct val="0"/>
+              </a:spcBef>
+              <a:spcAft>
+                <a:spcPct val="0"/>
+              </a:spcAft>
+              <a:defRPr sz="2400">
+                <a:solidFill>
+                  <a:schemeClr val="tx1"/>
+                </a:solidFill>
+                <a:latin typeface="Arial" charset="0"/>
+                <a:ea typeface="ＭＳ Ｐゴシック" pitchFamily="-106" charset="-128"/>
+              </a:defRPr>
+            </a:lvl6pPr>
+            <a:lvl7pPr marL="914400" eaLnBrk="0" fontAlgn="base" hangingPunct="0">
+              <a:spcBef>
+                <a:spcPct val="0"/>
+              </a:spcBef>
+              <a:spcAft>
+                <a:spcPct val="0"/>
+              </a:spcAft>
+              <a:defRPr sz="2400">
+                <a:solidFill>
+                  <a:schemeClr val="tx1"/>
+                </a:solidFill>
+                <a:latin typeface="Arial" charset="0"/>
+                <a:ea typeface="ＭＳ Ｐゴシック" pitchFamily="-106" charset="-128"/>
+              </a:defRPr>
+            </a:lvl7pPr>
+            <a:lvl8pPr marL="1371600" eaLnBrk="0" fontAlgn="base" hangingPunct="0">
+              <a:spcBef>
+                <a:spcPct val="0"/>
+              </a:spcBef>
+              <a:spcAft>
+                <a:spcPct val="0"/>
+              </a:spcAft>
+              <a:defRPr sz="2400">
+                <a:solidFill>
+                  <a:schemeClr val="tx1"/>
+                </a:solidFill>
+                <a:latin typeface="Arial" charset="0"/>
+                <a:ea typeface="ＭＳ Ｐゴシック" pitchFamily="-106" charset="-128"/>
+              </a:defRPr>
+            </a:lvl8pPr>
+            <a:lvl9pPr marL="1828800" eaLnBrk="0" fontAlgn="base" hangingPunct="0">
+              <a:spcBef>
+                <a:spcPct val="0"/>
+              </a:spcBef>
+              <a:spcAft>
+                <a:spcPct val="0"/>
+              </a:spcAft>
+              <a:defRPr sz="2400">
+                <a:solidFill>
+                  <a:schemeClr val="tx1"/>
+                </a:solidFill>
+                <a:latin typeface="Arial" charset="0"/>
+                <a:ea typeface="ＭＳ Ｐゴシック" pitchFamily="-106" charset="-128"/>
+              </a:defRPr>
+            </a:lvl9pPr>
+          </a:lstStyle>
+          <a:p>
+            <a:pPr eaLnBrk="1" hangingPunct="1"/>
+            <a:fld id="{AAA04654-EE4A-4EBE-BC23-CDB80A2BF4DE}" type="slidenum">
+              <a:rPr lang="en-US" sz="1200">
+                <a:latin typeface="Garamond" pitchFamily="-106" charset="0"/>
+              </a:rPr>
+              <a:pPr eaLnBrk="1" hangingPunct="1"/>
+              <a:t>8</a:t>
+            </a:fld>
+            <a:endParaRPr lang="en-US" sz="1200" dirty="0">
+              <a:latin typeface="Garamond" pitchFamily="-106" charset="0"/>
+            </a:endParaRPr>
+          </a:p>
+        </p:txBody>
+      </p:sp>
+      <p:sp>
+        <p:nvSpPr>
+          <p:cNvPr id="47107" name="Rectangle 2"/>
+          <p:cNvSpPr>
+            <a:spLocks noGrp="1" noChangeArrowheads="1"/>
+          </p:cNvSpPr>
+          <p:nvPr>
+            <p:ph type="title"/>
+          </p:nvPr>
+        </p:nvSpPr>
+        <p:spPr/>
+        <p:txBody>
+          <a:bodyPr/>
+          <a:lstStyle/>
+          <a:p>
+            <a:pPr eaLnBrk="1" hangingPunct="1"/>
+            <a:r>
+              <a:rPr lang="en-US" altLang="zh-TW" b="1" dirty="0" smtClean="0">
+                <a:latin typeface="Arial" pitchFamily="34" charset="0"/>
+                <a:ea typeface="新細明體" pitchFamily="-106" charset="-120"/>
+                <a:cs typeface="Arial" pitchFamily="34" charset="0"/>
+              </a:rPr>
+              <a:t>Query By Committee</a:t>
+            </a:r>
+            <a:endParaRPr lang="zh-TW" altLang="en-US" b="1" dirty="0" smtClean="0">
+              <a:latin typeface="Arial" pitchFamily="34" charset="0"/>
+              <a:ea typeface="新細明體" pitchFamily="-106" charset="-120"/>
+              <a:cs typeface="Arial" pitchFamily="34" charset="0"/>
+            </a:endParaRPr>
+          </a:p>
+        </p:txBody>
+      </p:sp>
+      <p:sp>
+        <p:nvSpPr>
+          <p:cNvPr id="7" name="Rectangle 3"/>
+          <p:cNvSpPr txBox="1">
+            <a:spLocks noChangeArrowheads="1"/>
+          </p:cNvSpPr>
+          <p:nvPr/>
+        </p:nvSpPr>
+        <p:spPr bwMode="auto">
+          <a:xfrm>
+            <a:off x="304800" y="1219200"/>
+            <a:ext cx="8763000" cy="4953000"/>
+          </a:xfrm>
+          <a:prstGeom prst="rect">
+            <a:avLst/>
+          </a:prstGeom>
+          <a:noFill/>
+          <a:ln>
+            <a:noFill/>
+          </a:ln>
+          <a:extLst>
+            <a:ext uri="{909E8E84-426E-40DD-AFC4-6F175D3DCCD1}">
+              <a14:hiddenFill xmlns:a14="http://schemas.microsoft.com/office/drawing/2010/main">
+                <a:solidFill>
+                  <a:srgbClr val="FFFFFF"/>
+                </a:solidFill>
+              </a14:hiddenFill>
+            </a:ext>
+            <a:ext uri="{91240B29-F687-4F45-9708-019B960494DF}">
+              <a14:hiddenLine xmlns:a14="http://schemas.microsoft.com/office/drawing/2010/main" w="9525">
+                <a:solidFill>
+                  <a:srgbClr val="000000"/>
+                </a:solidFill>
+                <a:miter lim="800000"/>
+                <a:headEnd/>
+                <a:tailEnd/>
+              </a14:hiddenLine>
+            </a:ext>
+          </a:extLst>
+        </p:spPr>
+        <p:txBody>
+          <a:bodyPr vert="horz" wrap="square" lIns="91440" tIns="45720" rIns="91440" bIns="45720" numCol="1" anchor="t" anchorCtr="0" compatLnSpc="1">
+            <a:prstTxWarp prst="textNoShape">
+              <a:avLst/>
+            </a:prstTxWarp>
+          </a:bodyPr>
+          <a:lstStyle>
+            <a:lvl1pPr marL="342900" indent="-342900" algn="l" rtl="0" eaLnBrk="0" fontAlgn="base" hangingPunct="0">
+              <a:spcBef>
+                <a:spcPct val="20000"/>
+              </a:spcBef>
+              <a:spcAft>
+                <a:spcPct val="0"/>
+              </a:spcAft>
+              <a:buClr>
+                <a:schemeClr val="accent1"/>
+              </a:buClr>
+              <a:buSzPct val="65000"/>
+              <a:buFont typeface="Wingdings" pitchFamily="-106" charset="2"/>
+              <a:buChar char="n"/>
+              <a:defRPr sz="3000">
+                <a:solidFill>
+                  <a:schemeClr val="tx1"/>
+                </a:solidFill>
+                <a:latin typeface="+mn-lt"/>
+                <a:ea typeface="ＭＳ Ｐゴシック" pitchFamily="-106" charset="-128"/>
+                <a:cs typeface="+mn-cs"/>
+              </a:defRPr>
+            </a:lvl1pPr>
+            <a:lvl2pPr marL="669925" indent="-325438" algn="l" rtl="0" eaLnBrk="0" fontAlgn="base" hangingPunct="0">
+              <a:spcBef>
+                <a:spcPct val="20000"/>
+              </a:spcBef>
+              <a:spcAft>
+                <a:spcPct val="0"/>
+              </a:spcAft>
+              <a:buClr>
+                <a:schemeClr val="accent2"/>
+              </a:buClr>
+              <a:buSzPct val="60000"/>
+              <a:buFont typeface="Wingdings" pitchFamily="-106" charset="2"/>
+              <a:buChar char="q"/>
+              <a:defRPr sz="2600">
+                <a:solidFill>
+                  <a:schemeClr val="tx1"/>
+                </a:solidFill>
+                <a:latin typeface="+mn-lt"/>
+                <a:ea typeface="ＭＳ Ｐゴシック" pitchFamily="-106" charset="-128"/>
+              </a:defRPr>
+            </a:lvl2pPr>
+            <a:lvl3pPr marL="1022350" indent="-350838" algn="l" rtl="0" eaLnBrk="0" fontAlgn="base" hangingPunct="0">
+              <a:spcBef>
+                <a:spcPct val="20000"/>
+              </a:spcBef>
+              <a:spcAft>
+                <a:spcPct val="0"/>
+              </a:spcAft>
+              <a:buClr>
+                <a:schemeClr val="accent1"/>
+              </a:buClr>
+              <a:buSzPct val="65000"/>
+              <a:buFont typeface="Wingdings" pitchFamily="-106" charset="2"/>
+              <a:buChar char="n"/>
+              <a:defRPr sz="2200">
+                <a:solidFill>
+                  <a:schemeClr val="tx1"/>
+                </a:solidFill>
+                <a:latin typeface="+mn-lt"/>
+                <a:ea typeface="ＭＳ Ｐゴシック" pitchFamily="-106" charset="-128"/>
+              </a:defRPr>
+            </a:lvl3pPr>
+            <a:lvl4pPr marL="1339850" indent="-315913" algn="l" rtl="0" eaLnBrk="0" fontAlgn="base" hangingPunct="0">
+              <a:spcBef>
+                <a:spcPct val="20000"/>
+              </a:spcBef>
+              <a:spcAft>
+                <a:spcPct val="0"/>
+              </a:spcAft>
+              <a:buClr>
+                <a:schemeClr val="accent2"/>
+              </a:buClr>
+              <a:buSzPct val="70000"/>
+              <a:buFont typeface="Wingdings" pitchFamily="-106" charset="2"/>
+              <a:buChar char="q"/>
+              <a:defRPr sz="2000">
+                <a:solidFill>
+                  <a:schemeClr val="tx1"/>
+                </a:solidFill>
+                <a:latin typeface="+mn-lt"/>
+                <a:ea typeface="ＭＳ Ｐゴシック" pitchFamily="-106" charset="-128"/>
+              </a:defRPr>
+            </a:lvl4pPr>
+            <a:lvl5pPr marL="1681163" indent="-339725" algn="l" rtl="0" eaLnBrk="0" fontAlgn="base" hangingPunct="0">
+              <a:spcBef>
+                <a:spcPct val="20000"/>
+              </a:spcBef>
+              <a:spcAft>
+                <a:spcPct val="0"/>
+              </a:spcAft>
+              <a:buClr>
+                <a:schemeClr val="accent1"/>
+              </a:buClr>
+              <a:buSzPct val="75000"/>
+              <a:buFont typeface="Wingdings" pitchFamily="-106" charset="2"/>
+              <a:buChar char="§"/>
+              <a:defRPr sz="2000">
+                <a:solidFill>
+                  <a:schemeClr val="tx1"/>
+                </a:solidFill>
+                <a:latin typeface="+mn-lt"/>
+                <a:ea typeface="ＭＳ Ｐゴシック" pitchFamily="-106" charset="-128"/>
+              </a:defRPr>
+            </a:lvl5pPr>
+            <a:lvl6pPr marL="2138363" indent="-339725" algn="l" rtl="0" fontAlgn="base">
+              <a:spcBef>
+                <a:spcPct val="20000"/>
+              </a:spcBef>
+              <a:spcAft>
+                <a:spcPct val="0"/>
+              </a:spcAft>
+              <a:buClr>
+                <a:schemeClr val="accent1"/>
+              </a:buClr>
+              <a:buSzPct val="75000"/>
+              <a:buFont typeface="Wingdings" pitchFamily="2" charset="2"/>
+              <a:buChar char="§"/>
+              <a:defRPr sz="2000">
+                <a:solidFill>
+                  <a:schemeClr val="tx1"/>
+                </a:solidFill>
+                <a:latin typeface="+mn-lt"/>
+              </a:defRPr>
+            </a:lvl6pPr>
+            <a:lvl7pPr marL="2595563" indent="-339725" algn="l" rtl="0" fontAlgn="base">
+              <a:spcBef>
+                <a:spcPct val="20000"/>
+              </a:spcBef>
+              <a:spcAft>
+                <a:spcPct val="0"/>
+              </a:spcAft>
+              <a:buClr>
+                <a:schemeClr val="accent1"/>
+              </a:buClr>
+              <a:buSzPct val="75000"/>
+              <a:buFont typeface="Wingdings" pitchFamily="2" charset="2"/>
+              <a:buChar char="§"/>
+              <a:defRPr sz="2000">
+                <a:solidFill>
+                  <a:schemeClr val="tx1"/>
+                </a:solidFill>
+                <a:latin typeface="+mn-lt"/>
+              </a:defRPr>
+            </a:lvl7pPr>
+            <a:lvl8pPr marL="3052763" indent="-339725" algn="l" rtl="0" fontAlgn="base">
+              <a:spcBef>
+                <a:spcPct val="20000"/>
+              </a:spcBef>
+              <a:spcAft>
+                <a:spcPct val="0"/>
+              </a:spcAft>
+              <a:buClr>
+                <a:schemeClr val="accent1"/>
+              </a:buClr>
+              <a:buSzPct val="75000"/>
+              <a:buFont typeface="Wingdings" pitchFamily="2" charset="2"/>
+              <a:buChar char="§"/>
+              <a:defRPr sz="2000">
+                <a:solidFill>
+                  <a:schemeClr val="tx1"/>
+                </a:solidFill>
+                <a:latin typeface="+mn-lt"/>
+              </a:defRPr>
+            </a:lvl8pPr>
+            <a:lvl9pPr marL="3509963" indent="-339725" algn="l" rtl="0" fontAlgn="base">
+              <a:spcBef>
+                <a:spcPct val="20000"/>
+              </a:spcBef>
+              <a:spcAft>
+                <a:spcPct val="0"/>
+              </a:spcAft>
+              <a:buClr>
+                <a:schemeClr val="accent1"/>
+              </a:buClr>
+              <a:buSzPct val="75000"/>
+              <a:buFont typeface="Wingdings" pitchFamily="2" charset="2"/>
+              <a:buChar char="§"/>
+              <a:defRPr sz="2000">
+                <a:solidFill>
+                  <a:schemeClr val="tx1"/>
+                </a:solidFill>
+                <a:latin typeface="+mn-lt"/>
+              </a:defRPr>
+            </a:lvl9pPr>
+          </a:lstStyle>
+          <a:p>
+            <a:pPr>
+              <a:spcBef>
+                <a:spcPts val="600"/>
+              </a:spcBef>
+              <a:spcAft>
+                <a:spcPts val="600"/>
+              </a:spcAft>
+            </a:pPr>
+            <a:r>
+              <a:rPr lang="en-US" sz="2600" dirty="0" smtClean="0">
+                <a:latin typeface="Arial" charset="0"/>
+              </a:rPr>
+              <a:t>For </a:t>
+            </a:r>
+            <a:r>
+              <a:rPr lang="en-US" sz="2600" dirty="0">
+                <a:latin typeface="Arial" charset="0"/>
+              </a:rPr>
+              <a:t>many real-world problems, the committee is infinite. </a:t>
+            </a:r>
+            <a:endParaRPr lang="en-US" sz="2600" dirty="0" smtClean="0">
+              <a:latin typeface="Arial" charset="0"/>
+            </a:endParaRPr>
+          </a:p>
+          <a:p>
+            <a:pPr>
+              <a:spcBef>
+                <a:spcPts val="600"/>
+              </a:spcBef>
+              <a:spcAft>
+                <a:spcPts val="600"/>
+              </a:spcAft>
+            </a:pPr>
+            <a:r>
+              <a:rPr lang="en-US" sz="2600" dirty="0" smtClean="0">
+                <a:latin typeface="Arial" charset="0"/>
+              </a:rPr>
+              <a:t>The </a:t>
+            </a:r>
+            <a:r>
+              <a:rPr lang="en-US" sz="2600" dirty="0">
+                <a:latin typeface="Arial" charset="0"/>
+              </a:rPr>
+              <a:t>main obstacle in implementing QBC is </a:t>
+            </a:r>
+            <a:r>
+              <a:rPr lang="en-US" sz="2600" dirty="0" smtClean="0">
+                <a:latin typeface="Arial" charset="0"/>
+              </a:rPr>
+              <a:t>to </a:t>
+            </a:r>
+            <a:r>
+              <a:rPr lang="en-US" sz="2600" dirty="0">
+                <a:latin typeface="Arial" charset="0"/>
+              </a:rPr>
+              <a:t>sample from the version space </a:t>
+            </a:r>
+            <a:r>
+              <a:rPr lang="en-US" sz="2600" dirty="0" smtClean="0">
+                <a:latin typeface="Arial" charset="0"/>
+              </a:rPr>
+              <a:t>(Step </a:t>
+            </a:r>
+            <a:r>
+              <a:rPr lang="en-US" sz="2600" dirty="0">
+                <a:latin typeface="Arial" charset="0"/>
+              </a:rPr>
+              <a:t>2</a:t>
+            </a:r>
+            <a:r>
+              <a:rPr lang="en-US" sz="2600" dirty="0" smtClean="0">
+                <a:latin typeface="Arial" charset="0"/>
+              </a:rPr>
+              <a:t>). It </a:t>
+            </a:r>
+            <a:r>
+              <a:rPr lang="en-US" sz="2600" dirty="0">
+                <a:latin typeface="Arial" charset="0"/>
+              </a:rPr>
+              <a:t>is hard to do this with reasonable computational complexity </a:t>
+            </a:r>
+            <a:r>
+              <a:rPr lang="en-US" sz="2600" dirty="0" smtClean="0">
+                <a:latin typeface="Arial" charset="0"/>
+              </a:rPr>
+              <a:t>when d is very large [Ran 2005].</a:t>
+            </a:r>
+          </a:p>
+          <a:p>
+            <a:pPr>
+              <a:spcBef>
+                <a:spcPts val="600"/>
+              </a:spcBef>
+              <a:spcAft>
+                <a:spcPts val="600"/>
+              </a:spcAft>
+            </a:pPr>
+            <a:r>
+              <a:rPr lang="en-US" sz="2600" dirty="0" smtClean="0">
+                <a:latin typeface="Arial" charset="0"/>
+              </a:rPr>
+              <a:t>QBC is very sensitive for noisy data sets. </a:t>
+            </a:r>
+          </a:p>
+          <a:p>
+            <a:pPr>
+              <a:spcBef>
+                <a:spcPts val="600"/>
+              </a:spcBef>
+              <a:spcAft>
+                <a:spcPts val="600"/>
+              </a:spcAft>
+            </a:pPr>
+            <a:r>
+              <a:rPr lang="en-US" altLang="zh-TW" sz="2600" dirty="0" smtClean="0">
+                <a:latin typeface="Arial" charset="0"/>
+                <a:ea typeface="新細明體" pitchFamily="-106" charset="-120"/>
+              </a:rPr>
+              <a:t>We implement </a:t>
+            </a:r>
+            <a:r>
+              <a:rPr lang="en-US" altLang="zh-TW" sz="2600" dirty="0" smtClean="0">
+                <a:latin typeface="Arial" charset="0"/>
+                <a:ea typeface="新細明體" pitchFamily="-106" charset="-120"/>
+              </a:rPr>
+              <a:t>original QBC for low dimension data and </a:t>
+            </a:r>
+            <a:r>
+              <a:rPr lang="en-US" altLang="zh-TW" sz="2600" dirty="0" smtClean="0">
+                <a:latin typeface="Arial" charset="0"/>
+                <a:ea typeface="新細明體" pitchFamily="-106" charset="-120"/>
+              </a:rPr>
+              <a:t>Active-majority QBC [</a:t>
+            </a:r>
+            <a:r>
+              <a:rPr lang="en-US" sz="2600" dirty="0" err="1" smtClean="0"/>
+              <a:t>Liere</a:t>
+            </a:r>
+            <a:r>
+              <a:rPr lang="en-US" sz="2600" dirty="0" smtClean="0"/>
+              <a:t> 97</a:t>
+            </a:r>
+            <a:r>
+              <a:rPr lang="en-US" altLang="zh-TW" sz="2600" dirty="0" smtClean="0">
+                <a:latin typeface="Arial" charset="0"/>
+                <a:ea typeface="新細明體" pitchFamily="-106" charset="-120"/>
+              </a:rPr>
+              <a:t>] for high dimension data.</a:t>
+            </a:r>
+            <a:endParaRPr lang="en-US" altLang="zh-TW" sz="2600" dirty="0">
+              <a:ea typeface="新細明體" pitchFamily="-106" charset="-120"/>
+            </a:endParaRPr>
+          </a:p>
+          <a:p>
+            <a:pPr marL="344487" lvl="1" indent="0" eaLnBrk="1" hangingPunct="1">
+              <a:lnSpc>
+                <a:spcPct val="90000"/>
+              </a:lnSpc>
+              <a:buNone/>
+            </a:pPr>
+            <a:r>
+              <a:rPr lang="en-US" sz="2400" dirty="0" smtClean="0"/>
+              <a:t>     </a:t>
+            </a:r>
+            <a:endParaRPr lang="en-US" altLang="zh-TW" dirty="0" smtClean="0">
+              <a:ea typeface="新細明體" pitchFamily="-106" charset="-120"/>
+            </a:endParaRPr>
+          </a:p>
+        </p:txBody>
+      </p:sp>
+    </p:spTree>
+    <p:extLst>
+      <p:ext uri="{BB962C8B-B14F-4D97-AF65-F5344CB8AC3E}">
+        <p14:creationId xmlns:p14="http://schemas.microsoft.com/office/powerpoint/2010/main" val="3526550711"/>
+      </p:ext>
+    </p:extLst>
+  </p:cSld>
+  <p:clrMapOvr>
+    <a:masterClrMapping/>
+  </p:clrMapOvr>
+  <p:timing>
+    <p:tnLst>
+      <p:par>
+        <p:cTn id="1" dur="indefinite" restart="never" nodeType="tmRoot"/>
+      </p:par>
+    </p:tnLst>
+  </p:timing>
+</p:sld>
+</file>
+
+<file path=ppt/slides/slide9.xml><?xml version="1.0" encoding="utf-8"?>
+<p:sld xmlns:a="http://schemas.openxmlformats.org/drawingml/2006/main" xmlns:r="http://schemas.openxmlformats.org/officeDocument/2006/relationships" xmlns:p="http://schemas.openxmlformats.org/presentationml/2006/main">
+  <p:cSld>
+    <p:spTree>
+      <p:nvGrpSpPr>
+        <p:cNvPr id="1" name=""/>
+        <p:cNvGrpSpPr/>
+        <p:nvPr/>
+      </p:nvGrpSpPr>
+      <p:grpSpPr>
+        <a:xfrm>
+          <a:off x="0" y="0"/>
+          <a:ext cx="0" cy="0"/>
+          <a:chOff x="0" y="0"/>
+          <a:chExt cx="0" cy="0"/>
+        </a:xfrm>
+      </p:grpSpPr>
+      <p:sp>
+        <p:nvSpPr>
           <p:cNvPr id="2" name="Title 1"/>
           <p:cNvSpPr>
             <a:spLocks noGrp="1"/>
@@ -16092,7 +17740,7 @@
             <a:fld id="{604EAB18-E0EA-45DC-AA4D-A7A0A794259A}" type="slidenum">
               <a:rPr lang="en-US" smtClean="0"/>
               <a:pPr/>
-              <a:t>8</a:t>
+              <a:t>9</a:t>
             </a:fld>
             <a:endParaRPr lang="en-US"/>
           </a:p>
@@ -16229,321 +17877,6 @@
     <p:extLst>
       <p:ext uri="{BB962C8B-B14F-4D97-AF65-F5344CB8AC3E}">
         <p14:creationId xmlns:p14="http://schemas.microsoft.com/office/powerpoint/2010/main" val="3192470585"/>
-      </p:ext>
-    </p:extLst>
-  </p:cSld>
-  <p:clrMapOvr>
-    <a:masterClrMapping/>
-  </p:clrMapOvr>
-  <p:timing>
-    <p:tnLst>
-      <p:par>
-        <p:cTn id="1" dur="indefinite" restart="never" nodeType="tmRoot">
-          <p:childTnLst>
-            <p:seq concurrent="1" nextAc="seek">
-              <p:cTn id="2" dur="indefinite" nodeType="mainSeq">
-                <p:childTnLst>
-                  <p:par>
-                    <p:cTn id="3" fill="hold">
-                      <p:stCondLst>
-                        <p:cond delay="indefinite"/>
-                      </p:stCondLst>
-                      <p:childTnLst>
-                        <p:par>
-                          <p:cTn id="4" fill="hold">
-                            <p:stCondLst>
-                              <p:cond delay="0"/>
-                            </p:stCondLst>
-                            <p:childTnLst>
-                              <p:par>
-                                <p:cTn id="5" presetID="1" presetClass="entr" presetSubtype="0" fill="hold" grpId="0" nodeType="clickEffect">
-                                  <p:stCondLst>
-                                    <p:cond delay="0"/>
-                                  </p:stCondLst>
-                                  <p:childTnLst>
-                                    <p:set>
-                                      <p:cBhvr>
-                                        <p:cTn id="6" dur="1" fill="hold">
-                                          <p:stCondLst>
-                                            <p:cond delay="0"/>
-                                          </p:stCondLst>
-                                        </p:cTn>
-                                        <p:tgtEl>
-                                          <p:spTgt spid="5"/>
-                                        </p:tgtEl>
-                                        <p:attrNameLst>
-                                          <p:attrName>style.visibility</p:attrName>
-                                        </p:attrNameLst>
-                                      </p:cBhvr>
-                                      <p:to>
-                                        <p:strVal val="visible"/>
-                                      </p:to>
-                                    </p:set>
-                                  </p:childTnLst>
-                                </p:cTn>
-                              </p:par>
-                            </p:childTnLst>
-                          </p:cTn>
-                        </p:par>
-                      </p:childTnLst>
-                    </p:cTn>
-                  </p:par>
-                </p:childTnLst>
-              </p:cTn>
-              <p:prevCondLst>
-                <p:cond evt="onPrev" delay="0">
-                  <p:tgtEl>
-                    <p:sldTgt/>
-                  </p:tgtEl>
-                </p:cond>
-              </p:prevCondLst>
-              <p:nextCondLst>
-                <p:cond evt="onNext" delay="0">
-                  <p:tgtEl>
-                    <p:sldTgt/>
-                  </p:tgtEl>
-                </p:cond>
-              </p:nextCondLst>
-            </p:seq>
-          </p:childTnLst>
-        </p:cTn>
-      </p:par>
-    </p:tnLst>
-    <p:bldLst>
-      <p:bldP spid="5" grpId="0" animBg="1"/>
-    </p:bldLst>
-  </p:timing>
-</p:sld>
-</file>
-
-<file path=ppt/slides/slide9.xml><?xml version="1.0" encoding="utf-8"?>
-<p:sld xmlns:a="http://schemas.openxmlformats.org/drawingml/2006/main" xmlns:r="http://schemas.openxmlformats.org/officeDocument/2006/relationships" xmlns:p="http://schemas.openxmlformats.org/presentationml/2006/main">
-  <p:cSld>
-    <p:spTree>
-      <p:nvGrpSpPr>
-        <p:cNvPr id="1" name=""/>
-        <p:cNvGrpSpPr/>
-        <p:nvPr/>
-      </p:nvGrpSpPr>
-      <p:grpSpPr>
-        <a:xfrm>
-          <a:off x="0" y="0"/>
-          <a:ext cx="0" cy="0"/>
-          <a:chOff x="0" y="0"/>
-          <a:chExt cx="0" cy="0"/>
-        </a:xfrm>
-      </p:grpSpPr>
-      <p:sp>
-        <p:nvSpPr>
-          <p:cNvPr id="2" name="Title 1"/>
-          <p:cNvSpPr>
-            <a:spLocks noGrp="1"/>
-          </p:cNvSpPr>
-          <p:nvPr>
-            <p:ph type="title"/>
-          </p:nvPr>
-        </p:nvSpPr>
-        <p:spPr>
-          <a:xfrm>
-            <a:off x="457200" y="277813"/>
-            <a:ext cx="8534400" cy="865187"/>
-          </a:xfrm>
-        </p:spPr>
-        <p:txBody>
-          <a:bodyPr lIns="0" rIns="0"/>
-          <a:lstStyle/>
-          <a:p>
-            <a:pPr eaLnBrk="1" hangingPunct="1"/>
-            <a:r>
-              <a:rPr lang="en-US" altLang="zh-CN" b="1" dirty="0" smtClean="0">
-                <a:latin typeface="Arial" pitchFamily="34" charset="0"/>
-                <a:ea typeface="新細明體" pitchFamily="-106" charset="-120"/>
-                <a:cs typeface="Arial" pitchFamily="34" charset="0"/>
-              </a:rPr>
-              <a:t>Margin Based Active Learning</a:t>
-            </a:r>
-            <a:endParaRPr lang="zh-CN" altLang="en-US" b="1" dirty="0">
-              <a:latin typeface="Arial" pitchFamily="34" charset="0"/>
-              <a:ea typeface="新細明體" pitchFamily="-106" charset="-120"/>
-              <a:cs typeface="Arial" pitchFamily="34" charset="0"/>
-            </a:endParaRPr>
-          </a:p>
-        </p:txBody>
-      </p:sp>
-      <p:sp>
-        <p:nvSpPr>
-          <p:cNvPr id="3" name="Content Placeholder 2"/>
-          <p:cNvSpPr>
-            <a:spLocks noGrp="1"/>
-          </p:cNvSpPr>
-          <p:nvPr>
-            <p:ph idx="1"/>
-          </p:nvPr>
-        </p:nvSpPr>
-        <p:spPr/>
-        <p:txBody>
-          <a:bodyPr/>
-          <a:lstStyle/>
-          <a:p>
-            <a:endParaRPr lang="zh-CN" altLang="en-US" dirty="0"/>
-          </a:p>
-        </p:txBody>
-      </p:sp>
-      <p:sp>
-        <p:nvSpPr>
-          <p:cNvPr id="4" name="Slide Number Placeholder 3"/>
-          <p:cNvSpPr>
-            <a:spLocks noGrp="1"/>
-          </p:cNvSpPr>
-          <p:nvPr>
-            <p:ph type="sldNum" sz="quarter" idx="12"/>
-          </p:nvPr>
-        </p:nvSpPr>
-        <p:spPr/>
-        <p:txBody>
-          <a:bodyPr/>
-          <a:lstStyle/>
-          <a:p>
-            <a:fld id="{604EAB18-E0EA-45DC-AA4D-A7A0A794259A}" type="slidenum">
-              <a:rPr lang="en-US" smtClean="0"/>
-              <a:pPr/>
-              <a:t>9</a:t>
-            </a:fld>
-            <a:endParaRPr lang="en-US"/>
-          </a:p>
-        </p:txBody>
-      </p:sp>
-      <p:pic>
-        <p:nvPicPr>
-          <p:cNvPr id="1026" name="Picture 2"/>
-          <p:cNvPicPr>
-            <a:picLocks noChangeAspect="1" noChangeArrowheads="1"/>
-          </p:cNvPicPr>
-          <p:nvPr/>
-        </p:nvPicPr>
-        <p:blipFill>
-          <a:blip r:embed="rId2">
-            <a:extLst>
-              <a:ext uri="{28A0092B-C50C-407E-A947-70E740481C1C}">
-                <a14:useLocalDpi xmlns:a14="http://schemas.microsoft.com/office/drawing/2010/main" val="0"/>
-              </a:ext>
-            </a:extLst>
-          </a:blip>
-          <a:srcRect/>
-          <a:stretch>
-            <a:fillRect/>
-          </a:stretch>
-        </p:blipFill>
-        <p:spPr bwMode="auto">
-          <a:xfrm>
-            <a:off x="366713" y="1143000"/>
-            <a:ext cx="8410575" cy="4572000"/>
-          </a:xfrm>
-          <a:prstGeom prst="rect">
-            <a:avLst/>
-          </a:prstGeom>
-          <a:noFill/>
-          <a:ln>
-            <a:noFill/>
-          </a:ln>
-          <a:effectLst/>
-          <a:extLst>
-            <a:ext uri="{909E8E84-426E-40DD-AFC4-6F175D3DCCD1}">
-              <a14:hiddenFill xmlns:a14="http://schemas.microsoft.com/office/drawing/2010/main">
-                <a:solidFill>
-                  <a:schemeClr val="accent1"/>
-                </a:solidFill>
-              </a14:hiddenFill>
-            </a:ext>
-            <a:ext uri="{91240B29-F687-4F45-9708-019B960494DF}">
-              <a14:hiddenLine xmlns:a14="http://schemas.microsoft.com/office/drawing/2010/main" w="9525">
-                <a:solidFill>
-                  <a:schemeClr val="tx1"/>
-                </a:solidFill>
-                <a:miter lim="800000"/>
-                <a:headEnd/>
-                <a:tailEnd/>
-              </a14:hiddenLine>
-            </a:ext>
-            <a:ext uri="{AF507438-7753-43E0-B8FC-AC1667EBCBE1}">
-              <a14:hiddenEffects xmlns:a14="http://schemas.microsoft.com/office/drawing/2010/main">
-                <a:effectLst>
-                  <a:outerShdw dist="35921" dir="2700000" algn="ctr" rotWithShape="0">
-                    <a:schemeClr val="bg2"/>
-                  </a:outerShdw>
-                </a:effectLst>
-              </a14:hiddenEffects>
-            </a:ext>
-          </a:extLst>
-        </p:spPr>
-      </p:pic>
-      <p:sp>
-        <p:nvSpPr>
-          <p:cNvPr id="5" name="Rectangle 4"/>
-          <p:cNvSpPr/>
-          <p:nvPr/>
-        </p:nvSpPr>
-        <p:spPr bwMode="auto">
-          <a:xfrm>
-            <a:off x="4343400" y="2514600"/>
-            <a:ext cx="1828800" cy="533400"/>
-          </a:xfrm>
-          <a:prstGeom prst="rect">
-            <a:avLst/>
-          </a:prstGeom>
-          <a:noFill/>
-          <a:ln w="31750" cap="flat" cmpd="sng" algn="ctr">
-            <a:solidFill>
-              <a:srgbClr val="FF0000"/>
-            </a:solidFill>
-            <a:prstDash val="solid"/>
-            <a:round/>
-            <a:headEnd type="none" w="med" len="med"/>
-            <a:tailEnd type="none" w="med" len="med"/>
-          </a:ln>
-          <a:effectLst/>
-        </p:spPr>
-        <p:txBody>
-          <a:bodyPr vert="horz" wrap="square" lIns="91440" tIns="45720" rIns="91440" bIns="45720" numCol="1" rtlCol="0" anchor="t" anchorCtr="0" compatLnSpc="1">
-            <a:prstTxWarp prst="textNoShape">
-              <a:avLst/>
-            </a:prstTxWarp>
-          </a:bodyPr>
-          <a:lstStyle/>
-          <a:p>
-            <a:pPr marL="0" marR="0" indent="0" algn="l" defTabSz="914400" rtl="0" eaLnBrk="0" fontAlgn="base" latinLnBrk="0" hangingPunct="0">
-              <a:lnSpc>
-                <a:spcPct val="100000"/>
-              </a:lnSpc>
-              <a:spcBef>
-                <a:spcPct val="0"/>
-              </a:spcBef>
-              <a:spcAft>
-                <a:spcPct val="0"/>
-              </a:spcAft>
-              <a:buClrTx/>
-              <a:buSzTx/>
-              <a:buFontTx/>
-              <a:buNone/>
-              <a:tabLst/>
-            </a:pPr>
-            <a:endParaRPr kumimoji="0" lang="en-US" sz="1800" b="0" i="0" u="none" strike="noStrike" cap="none" normalizeH="0" baseline="0" smtClean="0">
-              <a:ln>
-                <a:noFill/>
-              </a:ln>
-              <a:solidFill>
-                <a:schemeClr val="tx1"/>
-              </a:solidFill>
-              <a:effectLst/>
-              <a:latin typeface="Arial" charset="0"/>
-            </a:endParaRPr>
-          </a:p>
-        </p:txBody>
-      </p:sp>
-    </p:spTree>
-    <p:extLst>
-      <p:ext uri="{BB962C8B-B14F-4D97-AF65-F5344CB8AC3E}">
-        <p14:creationId xmlns:p14="http://schemas.microsoft.com/office/powerpoint/2010/main" val="1517808525"/>
       </p:ext>
     </p:extLst>
   </p:cSld>

--- a/presentation/Activelearning.pptx
+++ b/presentation/Activelearning.pptx
@@ -5,10 +5,10 @@
     <p:sldMasterId id="2147483697" r:id="rId1"/>
   </p:sldMasterIdLst>
   <p:notesMasterIdLst>
-    <p:notesMasterId r:id="rId17"/>
+    <p:notesMasterId r:id="rId26"/>
   </p:notesMasterIdLst>
   <p:handoutMasterIdLst>
-    <p:handoutMasterId r:id="rId18"/>
+    <p:handoutMasterId r:id="rId27"/>
   </p:handoutMasterIdLst>
   <p:sldIdLst>
     <p:sldId id="256" r:id="rId2"/>
@@ -16,16 +16,25 @@
     <p:sldId id="460" r:id="rId4"/>
     <p:sldId id="461" r:id="rId5"/>
     <p:sldId id="462" r:id="rId6"/>
-    <p:sldId id="465" r:id="rId7"/>
-    <p:sldId id="463" r:id="rId8"/>
-    <p:sldId id="468" r:id="rId9"/>
-    <p:sldId id="466" r:id="rId10"/>
-    <p:sldId id="470" r:id="rId11"/>
-    <p:sldId id="469" r:id="rId12"/>
-    <p:sldId id="472" r:id="rId13"/>
-    <p:sldId id="473" r:id="rId14"/>
-    <p:sldId id="458" r:id="rId15"/>
-    <p:sldId id="471" r:id="rId16"/>
+    <p:sldId id="474" r:id="rId7"/>
+    <p:sldId id="475" r:id="rId8"/>
+    <p:sldId id="476" r:id="rId9"/>
+    <p:sldId id="465" r:id="rId10"/>
+    <p:sldId id="468" r:id="rId11"/>
+    <p:sldId id="470" r:id="rId12"/>
+    <p:sldId id="469" r:id="rId13"/>
+    <p:sldId id="472" r:id="rId14"/>
+    <p:sldId id="478" r:id="rId15"/>
+    <p:sldId id="486" r:id="rId16"/>
+    <p:sldId id="479" r:id="rId17"/>
+    <p:sldId id="480" r:id="rId18"/>
+    <p:sldId id="482" r:id="rId19"/>
+    <p:sldId id="483" r:id="rId20"/>
+    <p:sldId id="484" r:id="rId21"/>
+    <p:sldId id="485" r:id="rId22"/>
+    <p:sldId id="473" r:id="rId23"/>
+    <p:sldId id="458" r:id="rId24"/>
+    <p:sldId id="471" r:id="rId25"/>
   </p:sldIdLst>
   <p:sldSz cx="9144000" cy="6858000" type="screen4x3"/>
   <p:notesSz cx="6997700" cy="9283700"/>
@@ -1077,6 +1086,115 @@
         </p:nvSpPr>
         <p:spPr/>
       </p:sp>
+      <p:sp>
+        <p:nvSpPr>
+          <p:cNvPr id="3" name="Notes Placeholder 2"/>
+          <p:cNvSpPr>
+            <a:spLocks noGrp="1"/>
+          </p:cNvSpPr>
+          <p:nvPr>
+            <p:ph type="body" idx="1"/>
+          </p:nvPr>
+        </p:nvSpPr>
+        <p:spPr/>
+        <p:txBody>
+          <a:bodyPr/>
+          <a:lstStyle/>
+          <a:p>
+            <a:r>
+              <a:rPr lang="en-US" sz="1200" b="0" i="0" u="none" strike="noStrike" kern="1200" baseline="0" dirty="0" smtClean="0">
+                <a:solidFill>
+                  <a:schemeClr val="tx1"/>
+                </a:solidFill>
+                <a:latin typeface="Arial" charset="0"/>
+                <a:ea typeface="ＭＳ Ｐゴシック" pitchFamily="-106" charset="-128"/>
+                <a:cs typeface="+mn-cs"/>
+              </a:rPr>
+              <a:t>QBC maintains a committee of hypotheses consistent with the labeled examples it has seen so far – a representation of the version space. For many real-world problems, the committee is infinite. The main obstacle in implementing QBC is the need to sample from the version space (step 2).</a:t>
+            </a:r>
+          </a:p>
+          <a:p>
+            <a:r>
+              <a:rPr lang="en-US" sz="1200" b="0" i="0" u="none" strike="noStrike" kern="1200" baseline="0" dirty="0" smtClean="0">
+                <a:solidFill>
+                  <a:schemeClr val="tx1"/>
+                </a:solidFill>
+                <a:latin typeface="Arial" charset="0"/>
+                <a:ea typeface="ＭＳ Ｐゴシック" pitchFamily="-106" charset="-128"/>
+                <a:cs typeface="+mn-cs"/>
+              </a:rPr>
+              <a:t>It is hard to do this with reasonable computational complexity in high dimension space. </a:t>
+            </a:r>
+            <a:endParaRPr lang="en-US" dirty="0"/>
+          </a:p>
+        </p:txBody>
+      </p:sp>
+      <p:sp>
+        <p:nvSpPr>
+          <p:cNvPr id="4" name="Slide Number Placeholder 3"/>
+          <p:cNvSpPr>
+            <a:spLocks noGrp="1"/>
+          </p:cNvSpPr>
+          <p:nvPr>
+            <p:ph type="sldNum" sz="quarter" idx="10"/>
+          </p:nvPr>
+        </p:nvSpPr>
+        <p:spPr/>
+        <p:txBody>
+          <a:bodyPr/>
+          <a:lstStyle/>
+          <a:p>
+            <a:fld id="{DFAA0BD4-28E6-4AA9-A380-6B49DDD43FFD}" type="slidenum">
+              <a:rPr lang="en-US" smtClean="0"/>
+              <a:pPr/>
+              <a:t>7</a:t>
+            </a:fld>
+            <a:endParaRPr lang="en-US"/>
+          </a:p>
+        </p:txBody>
+      </p:sp>
+    </p:spTree>
+    <p:extLst>
+      <p:ext uri="{BB962C8B-B14F-4D97-AF65-F5344CB8AC3E}">
+        <p14:creationId xmlns:p14="http://schemas.microsoft.com/office/powerpoint/2010/main" val="324361186"/>
+      </p:ext>
+    </p:extLst>
+  </p:cSld>
+  <p:clrMapOvr>
+    <a:masterClrMapping/>
+  </p:clrMapOvr>
+</p:notes>
+</file>
+
+<file path=ppt/notesSlides/notesSlide3.xml><?xml version="1.0" encoding="utf-8"?>
+<p:notes xmlns:a="http://schemas.openxmlformats.org/drawingml/2006/main" xmlns:r="http://schemas.openxmlformats.org/officeDocument/2006/relationships" xmlns:p="http://schemas.openxmlformats.org/presentationml/2006/main">
+  <p:cSld>
+    <p:spTree>
+      <p:nvGrpSpPr>
+        <p:cNvPr id="1" name=""/>
+        <p:cNvGrpSpPr/>
+        <p:nvPr/>
+      </p:nvGrpSpPr>
+      <p:grpSpPr>
+        <a:xfrm>
+          <a:off x="0" y="0"/>
+          <a:ext cx="0" cy="0"/>
+          <a:chOff x="0" y="0"/>
+          <a:chExt cx="0" cy="0"/>
+        </a:xfrm>
+      </p:grpSpPr>
+      <p:sp>
+        <p:nvSpPr>
+          <p:cNvPr id="2" name="Slide Image Placeholder 1"/>
+          <p:cNvSpPr>
+            <a:spLocks noGrp="1" noRot="1" noChangeAspect="1"/>
+          </p:cNvSpPr>
+          <p:nvPr>
+            <p:ph type="sldImg"/>
+          </p:nvPr>
+        </p:nvSpPr>
+        <p:spPr/>
+      </p:sp>
       <mc:AlternateContent xmlns:mc="http://schemas.openxmlformats.org/markup-compatibility/2006" xmlns:a14="http://schemas.microsoft.com/office/drawing/2010/main">
         <mc:Choice Requires="a14">
           <p:sp>
@@ -1208,7 +1326,7 @@
                                 <a:latin typeface="Cambria Math"/>
                                 <a:ea typeface="Cambria Math"/>
                               </a:rPr>
-                              <m:t>𝛿</m:t>
+                              <m:t>∈</m:t>
                             </m:r>
                           </m:den>
                         </m:f>
@@ -1349,7 +1467,7 @@
             <a:fld id="{DFAA0BD4-28E6-4AA9-A380-6B49DDD43FFD}" type="slidenum">
               <a:rPr lang="en-US" smtClean="0"/>
               <a:pPr/>
-              <a:t>6</a:t>
+              <a:t>8</a:t>
             </a:fld>
             <a:endParaRPr lang="en-US"/>
           </a:p>
@@ -1368,7 +1486,327 @@
 </p:notes>
 </file>
 
-<file path=ppt/notesSlides/notesSlide3.xml><?xml version="1.0" encoding="utf-8"?>
+<file path=ppt/notesSlides/notesSlide4.xml><?xml version="1.0" encoding="utf-8"?>
+<p:notes xmlns:a="http://schemas.openxmlformats.org/drawingml/2006/main" xmlns:r="http://schemas.openxmlformats.org/officeDocument/2006/relationships" xmlns:p="http://schemas.openxmlformats.org/presentationml/2006/main">
+  <p:cSld>
+    <p:spTree>
+      <p:nvGrpSpPr>
+        <p:cNvPr id="1" name=""/>
+        <p:cNvGrpSpPr/>
+        <p:nvPr/>
+      </p:nvGrpSpPr>
+      <p:grpSpPr>
+        <a:xfrm>
+          <a:off x="0" y="0"/>
+          <a:ext cx="0" cy="0"/>
+          <a:chOff x="0" y="0"/>
+          <a:chExt cx="0" cy="0"/>
+        </a:xfrm>
+      </p:grpSpPr>
+      <p:sp>
+        <p:nvSpPr>
+          <p:cNvPr id="2" name="Slide Image Placeholder 1"/>
+          <p:cNvSpPr>
+            <a:spLocks noGrp="1" noRot="1" noChangeAspect="1"/>
+          </p:cNvSpPr>
+          <p:nvPr>
+            <p:ph type="sldImg"/>
+          </p:nvPr>
+        </p:nvSpPr>
+        <p:spPr/>
+      </p:sp>
+      <mc:AlternateContent xmlns:mc="http://schemas.openxmlformats.org/markup-compatibility/2006" xmlns:a14="http://schemas.microsoft.com/office/drawing/2010/main">
+        <mc:Choice Requires="a14">
+          <p:sp>
+            <p:nvSpPr>
+              <p:cNvPr id="3" name="Notes Placeholder 2"/>
+              <p:cNvSpPr>
+                <a:spLocks noGrp="1"/>
+              </p:cNvSpPr>
+              <p:nvPr>
+                <p:ph type="body" idx="1"/>
+              </p:nvPr>
+            </p:nvSpPr>
+            <p:spPr/>
+            <p:txBody>
+              <a:bodyPr/>
+              <a:lstStyle/>
+              <a:p>
+                <a:r>
+                  <a:rPr lang="en-US" dirty="0" smtClean="0"/>
+                  <a:t>Gibbs prediction means to predict the label of example by picking a hypothesis h random</a:t>
+                </a:r>
+                <a:r>
+                  <a:rPr lang="en-US" baseline="0" dirty="0" smtClean="0"/>
+                  <a:t> from version space</a:t>
+                </a:r>
+              </a:p>
+              <a:p>
+                <a:r>
+                  <a:rPr lang="en-US" sz="1200" dirty="0" smtClean="0">
+                    <a:ea typeface="新細明體" pitchFamily="-106" charset="-120"/>
+                  </a:rPr>
+                  <a:t>Namely, QBC </a:t>
+                </a:r>
+                <a:r>
+                  <a:rPr lang="en-US" sz="1200" dirty="0">
+                    <a:ea typeface="新細明體" pitchFamily="-106" charset="-120"/>
+                  </a:rPr>
+                  <a:t>will reach a generalization error of</a:t>
+                </a:r>
+                <a14:m>
+                  <m:oMath xmlns:m="http://schemas.openxmlformats.org/officeDocument/2006/math">
+                    <m:r>
+                      <a:rPr lang="en-US" altLang="zh-TW" sz="1200" b="0" i="0" smtClean="0">
+                        <a:latin typeface="Cambria Math"/>
+                        <a:ea typeface="新細明體" pitchFamily="-106" charset="-120"/>
+                      </a:rPr>
+                      <m:t> </m:t>
+                    </m:r>
+                    <m:r>
+                      <a:rPr lang="zh-TW" altLang="en-US" sz="1200" i="1">
+                        <a:latin typeface="Cambria Math"/>
+                        <a:ea typeface="新細明體" pitchFamily="-106" charset="-120"/>
+                      </a:rPr>
+                      <m:t>𝜖</m:t>
+                    </m:r>
+                  </m:oMath>
+                </a14:m>
+                <a:r>
+                  <a:rPr lang="en-US" sz="1200" dirty="0" smtClean="0">
+                    <a:ea typeface="新細明體" pitchFamily="-106" charset="-120"/>
+                  </a:rPr>
+                  <a:t> </a:t>
+                </a:r>
+                <a:r>
+                  <a:rPr lang="en-US" sz="1200" dirty="0">
+                    <a:ea typeface="新細明體" pitchFamily="-106" charset="-120"/>
+                  </a:rPr>
+                  <a:t>when using only </a:t>
+                </a:r>
+                <a14:m>
+                  <m:oMath xmlns:m="http://schemas.openxmlformats.org/officeDocument/2006/math">
+                    <m:r>
+                      <a:rPr lang="en-US" sz="1200" b="0" i="1" smtClean="0">
+                        <a:latin typeface="Cambria Math"/>
+                        <a:ea typeface="新細明體" pitchFamily="-106" charset="-120"/>
+                      </a:rPr>
+                      <m:t>𝑂</m:t>
+                    </m:r>
+                    <m:r>
+                      <a:rPr lang="en-US" sz="1200" b="0" i="1" smtClean="0">
+                        <a:latin typeface="Cambria Math"/>
+                        <a:ea typeface="新細明體" pitchFamily="-106" charset="-120"/>
+                      </a:rPr>
+                      <m:t>(</m:t>
+                    </m:r>
+                    <m:func>
+                      <m:funcPr>
+                        <m:ctrlPr>
+                          <a:rPr lang="en-US" sz="1200" b="0" i="1" smtClean="0">
+                            <a:latin typeface="Cambria Math"/>
+                            <a:ea typeface="新細明體" pitchFamily="-106" charset="-120"/>
+                          </a:rPr>
+                        </m:ctrlPr>
+                      </m:funcPr>
+                      <m:fName>
+                        <m:r>
+                          <m:rPr>
+                            <m:sty m:val="p"/>
+                          </m:rPr>
+                          <a:rPr lang="en-US" sz="1200" b="0" i="0" smtClean="0">
+                            <a:latin typeface="Cambria Math"/>
+                            <a:ea typeface="新細明體" pitchFamily="-106" charset="-120"/>
+                          </a:rPr>
+                          <m:t>log</m:t>
+                        </m:r>
+                      </m:fName>
+                      <m:e>
+                        <m:f>
+                          <m:fPr>
+                            <m:ctrlPr>
+                              <a:rPr lang="en-US" sz="1200" b="0" i="1" smtClean="0">
+                                <a:latin typeface="Cambria Math"/>
+                                <a:ea typeface="新細明體" pitchFamily="-106" charset="-120"/>
+                              </a:rPr>
+                            </m:ctrlPr>
+                          </m:fPr>
+                          <m:num>
+                            <m:r>
+                              <a:rPr lang="en-US" sz="1200" b="0" i="1" smtClean="0">
+                                <a:latin typeface="Cambria Math"/>
+                                <a:ea typeface="新細明體" pitchFamily="-106" charset="-120"/>
+                              </a:rPr>
+                              <m:t>1</m:t>
+                            </m:r>
+                          </m:num>
+                          <m:den>
+                            <m:r>
+                              <a:rPr lang="en-US" sz="1200" b="0" i="1" smtClean="0">
+                                <a:latin typeface="Cambria Math"/>
+                                <a:ea typeface="Cambria Math"/>
+                              </a:rPr>
+                              <m:t>∈</m:t>
+                            </m:r>
+                          </m:den>
+                        </m:f>
+                      </m:e>
+                    </m:func>
+                    <m:r>
+                      <a:rPr lang="en-US" sz="1200" b="0" i="1" smtClean="0">
+                        <a:latin typeface="Cambria Math"/>
+                        <a:ea typeface="新細明體" pitchFamily="-106" charset="-120"/>
+                      </a:rPr>
+                      <m:t>)</m:t>
+                    </m:r>
+                  </m:oMath>
+                </a14:m>
+                <a:r>
+                  <a:rPr lang="en-US" sz="1200" dirty="0" smtClean="0">
+                    <a:ea typeface="新細明體" pitchFamily="-106" charset="-120"/>
+                  </a:rPr>
+                  <a:t> labels</a:t>
+                </a:r>
+                <a:endParaRPr lang="en-US" dirty="0"/>
+              </a:p>
+            </p:txBody>
+          </p:sp>
+        </mc:Choice>
+        <mc:Fallback xmlns="">
+          <p:sp>
+            <p:nvSpPr>
+              <p:cNvPr id="3" name="Notes Placeholder 2"/>
+              <p:cNvSpPr>
+                <a:spLocks noGrp="1"/>
+              </p:cNvSpPr>
+              <p:nvPr>
+                <p:ph type="body" idx="1"/>
+              </p:nvPr>
+            </p:nvSpPr>
+            <p:spPr/>
+            <p:txBody>
+              <a:bodyPr/>
+              <a:lstStyle/>
+              <a:p>
+                <a:r>
+                  <a:rPr lang="en-US" dirty="0" smtClean="0"/>
+                  <a:t>Gibbs prediction means to predict the label of example by picking a hypothesis h random</a:t>
+                </a:r>
+                <a:r>
+                  <a:rPr lang="en-US" baseline="0" dirty="0" smtClean="0"/>
+                  <a:t> from version space</a:t>
+                </a:r>
+              </a:p>
+              <a:p>
+                <a:r>
+                  <a:rPr lang="en-US" sz="1200" dirty="0" smtClean="0">
+                    <a:ea typeface="新細明體" pitchFamily="-106" charset="-120"/>
+                  </a:rPr>
+                  <a:t>Namely, QBC </a:t>
+                </a:r>
+                <a:r>
+                  <a:rPr lang="en-US" sz="1200" dirty="0">
+                    <a:ea typeface="新細明體" pitchFamily="-106" charset="-120"/>
+                  </a:rPr>
+                  <a:t>will reach a generalization error of</a:t>
+                </a:r>
+                <a:r>
+                  <a:rPr lang="en-US" altLang="zh-TW" sz="1200" b="0" i="0" smtClean="0">
+                    <a:latin typeface="Cambria Math"/>
+                    <a:ea typeface="新細明體" pitchFamily="-106" charset="-120"/>
+                  </a:rPr>
+                  <a:t> </a:t>
+                </a:r>
+                <a:r>
+                  <a:rPr lang="zh-TW" altLang="en-US" sz="1200" i="0">
+                    <a:latin typeface="Cambria Math"/>
+                    <a:ea typeface="新細明體" pitchFamily="-106" charset="-120"/>
+                  </a:rPr>
+                  <a:t>𝜖</a:t>
+                </a:r>
+                <a:r>
+                  <a:rPr lang="en-US" sz="1200" dirty="0" smtClean="0">
+                    <a:ea typeface="新細明體" pitchFamily="-106" charset="-120"/>
+                  </a:rPr>
+                  <a:t> </a:t>
+                </a:r>
+                <a:r>
+                  <a:rPr lang="en-US" sz="1200" dirty="0">
+                    <a:ea typeface="新細明體" pitchFamily="-106" charset="-120"/>
+                  </a:rPr>
+                  <a:t>when using only </a:t>
+                </a:r>
+                <a:r>
+                  <a:rPr lang="en-US" sz="1200" b="0" i="0" smtClean="0">
+                    <a:latin typeface="Cambria Math"/>
+                    <a:ea typeface="新細明體" pitchFamily="-106" charset="-120"/>
+                  </a:rPr>
+                  <a:t>𝑂(log⁡〖1/</a:t>
+                </a:r>
+                <a:r>
+                  <a:rPr lang="en-US" sz="1200" b="0" i="0" smtClean="0">
+                    <a:latin typeface="Cambria Math"/>
+                    <a:ea typeface="Cambria Math"/>
+                  </a:rPr>
+                  <a:t>𝛿〗</a:t>
+                </a:r>
+                <a:r>
+                  <a:rPr lang="en-US" sz="1200" b="0" i="0" smtClean="0">
+                    <a:latin typeface="Cambria Math"/>
+                    <a:ea typeface="新細明體" pitchFamily="-106" charset="-120"/>
+                  </a:rPr>
+                  <a:t>)</a:t>
+                </a:r>
+                <a:r>
+                  <a:rPr lang="en-US" sz="1200" dirty="0" smtClean="0">
+                    <a:ea typeface="新細明體" pitchFamily="-106" charset="-120"/>
+                  </a:rPr>
+                  <a:t> labels</a:t>
+                </a:r>
+                <a:endParaRPr lang="en-US" dirty="0"/>
+              </a:p>
+            </p:txBody>
+          </p:sp>
+        </mc:Fallback>
+      </mc:AlternateContent>
+      <p:sp>
+        <p:nvSpPr>
+          <p:cNvPr id="4" name="Slide Number Placeholder 3"/>
+          <p:cNvSpPr>
+            <a:spLocks noGrp="1"/>
+          </p:cNvSpPr>
+          <p:nvPr>
+            <p:ph type="sldNum" sz="quarter" idx="10"/>
+          </p:nvPr>
+        </p:nvSpPr>
+        <p:spPr/>
+        <p:txBody>
+          <a:bodyPr/>
+          <a:lstStyle/>
+          <a:p>
+            <a:fld id="{DFAA0BD4-28E6-4AA9-A380-6B49DDD43FFD}" type="slidenum">
+              <a:rPr lang="en-US" smtClean="0"/>
+              <a:pPr/>
+              <a:t>9</a:t>
+            </a:fld>
+            <a:endParaRPr lang="en-US"/>
+          </a:p>
+        </p:txBody>
+      </p:sp>
+    </p:spTree>
+    <p:extLst>
+      <p:ext uri="{BB962C8B-B14F-4D97-AF65-F5344CB8AC3E}">
+        <p14:creationId xmlns:p14="http://schemas.microsoft.com/office/powerpoint/2010/main" val="73545387"/>
+      </p:ext>
+    </p:extLst>
+  </p:cSld>
+  <p:clrMapOvr>
+    <a:masterClrMapping/>
+  </p:clrMapOvr>
+</p:notes>
+</file>
+
+<file path=ppt/notesSlides/notesSlide5.xml><?xml version="1.0" encoding="utf-8"?>
 <p:notes xmlns:a="http://schemas.openxmlformats.org/drawingml/2006/main" xmlns:r="http://schemas.openxmlformats.org/officeDocument/2006/relationships" xmlns:p="http://schemas.openxmlformats.org/presentationml/2006/main">
   <p:cSld>
     <p:spTree>
@@ -1434,7 +1872,7 @@
                 <a:ea typeface="ＭＳ Ｐゴシック" pitchFamily="-106" charset="-128"/>
                 <a:cs typeface="+mn-cs"/>
               </a:rPr>
-              <a:t>It is hard to do this with reasonable computational complexity in high dimension space. </a:t>
+              <a:t>It is hard to do this with reasonable computational complexity in high dimension space. When there is a very large number of candidate hypotheses, explicitly representing them will not be practical.</a:t>
             </a:r>
             <a:endParaRPr lang="en-US" dirty="0"/>
           </a:p>
@@ -1458,127 +1896,7 @@
             <a:fld id="{DFAA0BD4-28E6-4AA9-A380-6B49DDD43FFD}" type="slidenum">
               <a:rPr lang="en-US" smtClean="0"/>
               <a:pPr/>
-              <a:t>7</a:t>
-            </a:fld>
-            <a:endParaRPr lang="en-US"/>
-          </a:p>
-        </p:txBody>
-      </p:sp>
-    </p:spTree>
-    <p:extLst>
-      <p:ext uri="{BB962C8B-B14F-4D97-AF65-F5344CB8AC3E}">
-        <p14:creationId xmlns:p14="http://schemas.microsoft.com/office/powerpoint/2010/main" val="324361186"/>
-      </p:ext>
-    </p:extLst>
-  </p:cSld>
-  <p:clrMapOvr>
-    <a:masterClrMapping/>
-  </p:clrMapOvr>
-</p:notes>
-</file>
-
-<file path=ppt/notesSlides/notesSlide4.xml><?xml version="1.0" encoding="utf-8"?>
-<p:notes xmlns:a="http://schemas.openxmlformats.org/drawingml/2006/main" xmlns:r="http://schemas.openxmlformats.org/officeDocument/2006/relationships" xmlns:p="http://schemas.openxmlformats.org/presentationml/2006/main">
-  <p:cSld>
-    <p:spTree>
-      <p:nvGrpSpPr>
-        <p:cNvPr id="1" name=""/>
-        <p:cNvGrpSpPr/>
-        <p:nvPr/>
-      </p:nvGrpSpPr>
-      <p:grpSpPr>
-        <a:xfrm>
-          <a:off x="0" y="0"/>
-          <a:ext cx="0" cy="0"/>
-          <a:chOff x="0" y="0"/>
-          <a:chExt cx="0" cy="0"/>
-        </a:xfrm>
-      </p:grpSpPr>
-      <p:sp>
-        <p:nvSpPr>
-          <p:cNvPr id="2" name="Slide Image Placeholder 1"/>
-          <p:cNvSpPr>
-            <a:spLocks noGrp="1" noRot="1" noChangeAspect="1"/>
-          </p:cNvSpPr>
-          <p:nvPr>
-            <p:ph type="sldImg"/>
-          </p:nvPr>
-        </p:nvSpPr>
-        <p:spPr/>
-      </p:sp>
-      <p:sp>
-        <p:nvSpPr>
-          <p:cNvPr id="3" name="Notes Placeholder 2"/>
-          <p:cNvSpPr>
-            <a:spLocks noGrp="1"/>
-          </p:cNvSpPr>
-          <p:nvPr>
-            <p:ph type="body" idx="1"/>
-          </p:nvPr>
-        </p:nvSpPr>
-        <p:spPr/>
-        <p:txBody>
-          <a:bodyPr/>
-          <a:lstStyle/>
-          <a:p>
-            <a:r>
-              <a:rPr lang="en-US" sz="1200" b="0" i="0" u="none" strike="noStrike" kern="1200" baseline="0" dirty="0" smtClean="0">
-                <a:solidFill>
-                  <a:schemeClr val="tx1"/>
-                </a:solidFill>
-                <a:latin typeface="Arial" charset="0"/>
-                <a:ea typeface="ＭＳ Ｐゴシック" pitchFamily="-106" charset="-128"/>
-                <a:cs typeface="+mn-cs"/>
-              </a:rPr>
-              <a:t>QBC maintains a committee of hypotheses consistent with the labeled examples it has seen so far – a representation of the version space. For many real-world problems, the committee is infinite. The main obstacle in implementing QBC is the need to sample from the version space (step 2).</a:t>
-            </a:r>
-          </a:p>
-          <a:p>
-            <a:r>
-              <a:rPr lang="en-US" sz="1200" b="0" i="0" u="none" strike="noStrike" kern="1200" baseline="0" dirty="0" smtClean="0">
-                <a:solidFill>
-                  <a:schemeClr val="tx1"/>
-                </a:solidFill>
-                <a:latin typeface="Arial" charset="0"/>
-                <a:ea typeface="ＭＳ Ｐゴシック" pitchFamily="-106" charset="-128"/>
-                <a:cs typeface="+mn-cs"/>
-              </a:rPr>
-              <a:t>It is hard to do this with reasonable computational complexity in high dimension space. </a:t>
-            </a:r>
-            <a:r>
-              <a:rPr lang="en-US" sz="1200" b="0" i="0" u="none" strike="noStrike" kern="1200" baseline="0" dirty="0" smtClean="0">
-                <a:solidFill>
-                  <a:schemeClr val="tx1"/>
-                </a:solidFill>
-                <a:latin typeface="Arial" charset="0"/>
-                <a:ea typeface="ＭＳ Ｐゴシック" pitchFamily="-106" charset="-128"/>
-                <a:cs typeface="+mn-cs"/>
-              </a:rPr>
-              <a:t>When there is a very large number of candidate hypotheses, explicitly representing them will not be practical.</a:t>
-            </a:r>
-            <a:endParaRPr lang="en-US" dirty="0"/>
-          </a:p>
-        </p:txBody>
-      </p:sp>
-      <p:sp>
-        <p:nvSpPr>
-          <p:cNvPr id="4" name="Slide Number Placeholder 3"/>
-          <p:cNvSpPr>
-            <a:spLocks noGrp="1"/>
-          </p:cNvSpPr>
-          <p:nvPr>
-            <p:ph type="sldNum" sz="quarter" idx="10"/>
-          </p:nvPr>
-        </p:nvSpPr>
-        <p:spPr/>
-        <p:txBody>
-          <a:bodyPr/>
-          <a:lstStyle/>
-          <a:p>
-            <a:fld id="{DFAA0BD4-28E6-4AA9-A380-6B49DDD43FFD}" type="slidenum">
-              <a:rPr lang="en-US" smtClean="0"/>
-              <a:pPr/>
-              <a:t>8</a:t>
+              <a:t>10</a:t>
             </a:fld>
             <a:endParaRPr lang="en-US"/>
           </a:p>
@@ -6637,7 +6955,7 @@
               <a:pPr eaLnBrk="1" hangingPunct="1"/>
               <a:t>1</a:t>
             </a:fld>
-            <a:endParaRPr lang="en-US" sz="1200">
+            <a:endParaRPr lang="en-US" sz="1200" dirty="0">
               <a:latin typeface="Garamond" pitchFamily="-106" charset="0"/>
             </a:endParaRPr>
           </a:p>
@@ -6800,63 +7118,7 @@
       </p:grpSpPr>
       <p:sp>
         <p:nvSpPr>
-          <p:cNvPr id="2" name="Title 1"/>
-          <p:cNvSpPr>
-            <a:spLocks noGrp="1"/>
-          </p:cNvSpPr>
-          <p:nvPr>
-            <p:ph type="title"/>
-          </p:nvPr>
-        </p:nvSpPr>
-        <p:spPr>
-          <a:xfrm>
-            <a:off x="457200" y="277813"/>
-            <a:ext cx="8534400" cy="865187"/>
-          </a:xfrm>
-        </p:spPr>
-        <p:txBody>
-          <a:bodyPr lIns="0" rIns="0"/>
-          <a:lstStyle/>
-          <a:p>
-            <a:pPr eaLnBrk="1" hangingPunct="1"/>
-            <a:r>
-              <a:rPr lang="en-US" altLang="zh-CN" b="1" dirty="0" smtClean="0">
-                <a:latin typeface="Arial" pitchFamily="34" charset="0"/>
-                <a:ea typeface="新細明體" pitchFamily="-106" charset="-120"/>
-                <a:cs typeface="Arial" pitchFamily="34" charset="0"/>
-              </a:rPr>
-              <a:t>Margin Based Active Learning</a:t>
-            </a:r>
-            <a:endParaRPr lang="zh-CN" altLang="en-US" b="1" dirty="0">
-              <a:latin typeface="Arial" pitchFamily="34" charset="0"/>
-              <a:ea typeface="新細明體" pitchFamily="-106" charset="-120"/>
-              <a:cs typeface="Arial" pitchFamily="34" charset="0"/>
-            </a:endParaRPr>
-          </a:p>
-        </p:txBody>
-      </p:sp>
-      <p:sp>
-        <p:nvSpPr>
-          <p:cNvPr id="3" name="Content Placeholder 2"/>
-          <p:cNvSpPr>
-            <a:spLocks noGrp="1"/>
-          </p:cNvSpPr>
-          <p:nvPr>
-            <p:ph idx="1"/>
-          </p:nvPr>
-        </p:nvSpPr>
-        <p:spPr/>
-        <p:txBody>
-          <a:bodyPr/>
-          <a:lstStyle/>
-          <a:p>
-            <a:endParaRPr lang="zh-CN" altLang="en-US" dirty="0"/>
-          </a:p>
-        </p:txBody>
-      </p:sp>
-      <p:sp>
-        <p:nvSpPr>
-          <p:cNvPr id="4" name="Slide Number Placeholder 3"/>
+          <p:cNvPr id="47106" name="Slide Number Placeholder 5"/>
           <p:cNvSpPr>
             <a:spLocks noGrp="1"/>
           </p:cNvSpPr>
@@ -6864,24 +7126,604 @@
             <p:ph type="sldNum" sz="quarter" idx="12"/>
           </p:nvPr>
         </p:nvSpPr>
+        <p:spPr>
+          <a:noFill/>
+          <a:ln/>
+          <a:extLst>
+            <a:ext uri="{909E8E84-426E-40DD-AFC4-6F175D3DCCD1}">
+              <a14:hiddenFill xmlns:a14="http://schemas.microsoft.com/office/drawing/2010/main">
+                <a:solidFill>
+                  <a:srgbClr val="FFFFFF"/>
+                </a:solidFill>
+              </a14:hiddenFill>
+            </a:ext>
+            <a:ext uri="{91240B29-F687-4F45-9708-019B960494DF}">
+              <a14:hiddenLine xmlns:a14="http://schemas.microsoft.com/office/drawing/2010/main" w="9525">
+                <a:solidFill>
+                  <a:srgbClr val="000000"/>
+                </a:solidFill>
+                <a:miter lim="800000"/>
+                <a:headEnd/>
+                <a:tailEnd/>
+              </a14:hiddenLine>
+            </a:ext>
+          </a:extLst>
+        </p:spPr>
+        <p:txBody>
+          <a:bodyPr/>
+          <a:lstStyle>
+            <a:lvl1pPr eaLnBrk="0" hangingPunct="0">
+              <a:defRPr sz="2400">
+                <a:solidFill>
+                  <a:schemeClr val="tx1"/>
+                </a:solidFill>
+                <a:latin typeface="Arial" charset="0"/>
+                <a:ea typeface="ＭＳ Ｐゴシック" pitchFamily="-106" charset="-128"/>
+              </a:defRPr>
+            </a:lvl1pPr>
+            <a:lvl2pPr marL="37931725" indent="-37474525" eaLnBrk="0" hangingPunct="0">
+              <a:defRPr sz="2400">
+                <a:solidFill>
+                  <a:schemeClr val="tx1"/>
+                </a:solidFill>
+                <a:latin typeface="Arial" charset="0"/>
+                <a:ea typeface="ＭＳ Ｐゴシック" pitchFamily="-106" charset="-128"/>
+              </a:defRPr>
+            </a:lvl2pPr>
+            <a:lvl3pPr eaLnBrk="0" hangingPunct="0">
+              <a:defRPr sz="2400">
+                <a:solidFill>
+                  <a:schemeClr val="tx1"/>
+                </a:solidFill>
+                <a:latin typeface="Arial" charset="0"/>
+                <a:ea typeface="ＭＳ Ｐゴシック" pitchFamily="-106" charset="-128"/>
+              </a:defRPr>
+            </a:lvl3pPr>
+            <a:lvl4pPr eaLnBrk="0" hangingPunct="0">
+              <a:defRPr sz="2400">
+                <a:solidFill>
+                  <a:schemeClr val="tx1"/>
+                </a:solidFill>
+                <a:latin typeface="Arial" charset="0"/>
+                <a:ea typeface="ＭＳ Ｐゴシック" pitchFamily="-106" charset="-128"/>
+              </a:defRPr>
+            </a:lvl4pPr>
+            <a:lvl5pPr eaLnBrk="0" hangingPunct="0">
+              <a:defRPr sz="2400">
+                <a:solidFill>
+                  <a:schemeClr val="tx1"/>
+                </a:solidFill>
+                <a:latin typeface="Arial" charset="0"/>
+                <a:ea typeface="ＭＳ Ｐゴシック" pitchFamily="-106" charset="-128"/>
+              </a:defRPr>
+            </a:lvl5pPr>
+            <a:lvl6pPr marL="457200" eaLnBrk="0" fontAlgn="base" hangingPunct="0">
+              <a:spcBef>
+                <a:spcPct val="0"/>
+              </a:spcBef>
+              <a:spcAft>
+                <a:spcPct val="0"/>
+              </a:spcAft>
+              <a:defRPr sz="2400">
+                <a:solidFill>
+                  <a:schemeClr val="tx1"/>
+                </a:solidFill>
+                <a:latin typeface="Arial" charset="0"/>
+                <a:ea typeface="ＭＳ Ｐゴシック" pitchFamily="-106" charset="-128"/>
+              </a:defRPr>
+            </a:lvl6pPr>
+            <a:lvl7pPr marL="914400" eaLnBrk="0" fontAlgn="base" hangingPunct="0">
+              <a:spcBef>
+                <a:spcPct val="0"/>
+              </a:spcBef>
+              <a:spcAft>
+                <a:spcPct val="0"/>
+              </a:spcAft>
+              <a:defRPr sz="2400">
+                <a:solidFill>
+                  <a:schemeClr val="tx1"/>
+                </a:solidFill>
+                <a:latin typeface="Arial" charset="0"/>
+                <a:ea typeface="ＭＳ Ｐゴシック" pitchFamily="-106" charset="-128"/>
+              </a:defRPr>
+            </a:lvl7pPr>
+            <a:lvl8pPr marL="1371600" eaLnBrk="0" fontAlgn="base" hangingPunct="0">
+              <a:spcBef>
+                <a:spcPct val="0"/>
+              </a:spcBef>
+              <a:spcAft>
+                <a:spcPct val="0"/>
+              </a:spcAft>
+              <a:defRPr sz="2400">
+                <a:solidFill>
+                  <a:schemeClr val="tx1"/>
+                </a:solidFill>
+                <a:latin typeface="Arial" charset="0"/>
+                <a:ea typeface="ＭＳ Ｐゴシック" pitchFamily="-106" charset="-128"/>
+              </a:defRPr>
+            </a:lvl8pPr>
+            <a:lvl9pPr marL="1828800" eaLnBrk="0" fontAlgn="base" hangingPunct="0">
+              <a:spcBef>
+                <a:spcPct val="0"/>
+              </a:spcBef>
+              <a:spcAft>
+                <a:spcPct val="0"/>
+              </a:spcAft>
+              <a:defRPr sz="2400">
+                <a:solidFill>
+                  <a:schemeClr val="tx1"/>
+                </a:solidFill>
+                <a:latin typeface="Arial" charset="0"/>
+                <a:ea typeface="ＭＳ Ｐゴシック" pitchFamily="-106" charset="-128"/>
+              </a:defRPr>
+            </a:lvl9pPr>
+          </a:lstStyle>
+          <a:p>
+            <a:pPr eaLnBrk="1" hangingPunct="1"/>
+            <a:fld id="{AAA04654-EE4A-4EBE-BC23-CDB80A2BF4DE}" type="slidenum">
+              <a:rPr lang="en-US" sz="1200">
+                <a:latin typeface="Garamond" pitchFamily="-106" charset="0"/>
+              </a:rPr>
+              <a:pPr eaLnBrk="1" hangingPunct="1"/>
+              <a:t>10</a:t>
+            </a:fld>
+            <a:endParaRPr lang="en-US" sz="1200" dirty="0">
+              <a:latin typeface="Garamond" pitchFamily="-106" charset="0"/>
+            </a:endParaRPr>
+          </a:p>
+        </p:txBody>
+      </p:sp>
+      <p:sp>
+        <p:nvSpPr>
+          <p:cNvPr id="47107" name="Rectangle 2"/>
+          <p:cNvSpPr>
+            <a:spLocks noGrp="1" noChangeArrowheads="1"/>
+          </p:cNvSpPr>
+          <p:nvPr>
+            <p:ph type="title"/>
+          </p:nvPr>
+        </p:nvSpPr>
         <p:spPr/>
         <p:txBody>
           <a:bodyPr/>
           <a:lstStyle/>
           <a:p>
-            <a:fld id="{604EAB18-E0EA-45DC-AA4D-A7A0A794259A}" type="slidenum">
-              <a:rPr lang="en-US" smtClean="0"/>
-              <a:pPr/>
-              <a:t>10</a:t>
-            </a:fld>
-            <a:endParaRPr lang="en-US"/>
+            <a:pPr eaLnBrk="1" hangingPunct="1"/>
+            <a:r>
+              <a:rPr lang="en-US" altLang="zh-TW" b="1" dirty="0" smtClean="0">
+                <a:latin typeface="Arial" pitchFamily="34" charset="0"/>
+                <a:ea typeface="新細明體" pitchFamily="-106" charset="-120"/>
+                <a:cs typeface="Arial" pitchFamily="34" charset="0"/>
+              </a:rPr>
+              <a:t>Query By Committee</a:t>
+            </a:r>
+            <a:endParaRPr lang="zh-TW" altLang="en-US" b="1" dirty="0" smtClean="0">
+              <a:latin typeface="Arial" pitchFamily="34" charset="0"/>
+              <a:ea typeface="新細明體" pitchFamily="-106" charset="-120"/>
+              <a:cs typeface="Arial" pitchFamily="34" charset="0"/>
+            </a:endParaRPr>
+          </a:p>
+        </p:txBody>
+      </p:sp>
+      <p:sp>
+        <p:nvSpPr>
+          <p:cNvPr id="7" name="Rectangle 3"/>
+          <p:cNvSpPr txBox="1">
+            <a:spLocks noChangeArrowheads="1"/>
+          </p:cNvSpPr>
+          <p:nvPr/>
+        </p:nvSpPr>
+        <p:spPr bwMode="auto">
+          <a:xfrm>
+            <a:off x="304800" y="1219200"/>
+            <a:ext cx="8763000" cy="4953000"/>
+          </a:xfrm>
+          <a:prstGeom prst="rect">
+            <a:avLst/>
+          </a:prstGeom>
+          <a:noFill/>
+          <a:ln>
+            <a:noFill/>
+          </a:ln>
+          <a:extLst>
+            <a:ext uri="{909E8E84-426E-40DD-AFC4-6F175D3DCCD1}">
+              <a14:hiddenFill xmlns:a14="http://schemas.microsoft.com/office/drawing/2010/main">
+                <a:solidFill>
+                  <a:srgbClr val="FFFFFF"/>
+                </a:solidFill>
+              </a14:hiddenFill>
+            </a:ext>
+            <a:ext uri="{91240B29-F687-4F45-9708-019B960494DF}">
+              <a14:hiddenLine xmlns:a14="http://schemas.microsoft.com/office/drawing/2010/main" w="9525">
+                <a:solidFill>
+                  <a:srgbClr val="000000"/>
+                </a:solidFill>
+                <a:miter lim="800000"/>
+                <a:headEnd/>
+                <a:tailEnd/>
+              </a14:hiddenLine>
+            </a:ext>
+          </a:extLst>
+        </p:spPr>
+        <p:txBody>
+          <a:bodyPr vert="horz" wrap="square" lIns="91440" tIns="45720" rIns="91440" bIns="45720" numCol="1" anchor="t" anchorCtr="0" compatLnSpc="1">
+            <a:prstTxWarp prst="textNoShape">
+              <a:avLst/>
+            </a:prstTxWarp>
+          </a:bodyPr>
+          <a:lstStyle>
+            <a:lvl1pPr marL="342900" indent="-342900" algn="l" rtl="0" eaLnBrk="0" fontAlgn="base" hangingPunct="0">
+              <a:spcBef>
+                <a:spcPct val="20000"/>
+              </a:spcBef>
+              <a:spcAft>
+                <a:spcPct val="0"/>
+              </a:spcAft>
+              <a:buClr>
+                <a:schemeClr val="accent1"/>
+              </a:buClr>
+              <a:buSzPct val="65000"/>
+              <a:buFont typeface="Wingdings" pitchFamily="-106" charset="2"/>
+              <a:buChar char="n"/>
+              <a:defRPr sz="3000">
+                <a:solidFill>
+                  <a:schemeClr val="tx1"/>
+                </a:solidFill>
+                <a:latin typeface="+mn-lt"/>
+                <a:ea typeface="ＭＳ Ｐゴシック" pitchFamily="-106" charset="-128"/>
+                <a:cs typeface="+mn-cs"/>
+              </a:defRPr>
+            </a:lvl1pPr>
+            <a:lvl2pPr marL="669925" indent="-325438" algn="l" rtl="0" eaLnBrk="0" fontAlgn="base" hangingPunct="0">
+              <a:spcBef>
+                <a:spcPct val="20000"/>
+              </a:spcBef>
+              <a:spcAft>
+                <a:spcPct val="0"/>
+              </a:spcAft>
+              <a:buClr>
+                <a:schemeClr val="accent2"/>
+              </a:buClr>
+              <a:buSzPct val="60000"/>
+              <a:buFont typeface="Wingdings" pitchFamily="-106" charset="2"/>
+              <a:buChar char="q"/>
+              <a:defRPr sz="2600">
+                <a:solidFill>
+                  <a:schemeClr val="tx1"/>
+                </a:solidFill>
+                <a:latin typeface="+mn-lt"/>
+                <a:ea typeface="ＭＳ Ｐゴシック" pitchFamily="-106" charset="-128"/>
+              </a:defRPr>
+            </a:lvl2pPr>
+            <a:lvl3pPr marL="1022350" indent="-350838" algn="l" rtl="0" eaLnBrk="0" fontAlgn="base" hangingPunct="0">
+              <a:spcBef>
+                <a:spcPct val="20000"/>
+              </a:spcBef>
+              <a:spcAft>
+                <a:spcPct val="0"/>
+              </a:spcAft>
+              <a:buClr>
+                <a:schemeClr val="accent1"/>
+              </a:buClr>
+              <a:buSzPct val="65000"/>
+              <a:buFont typeface="Wingdings" pitchFamily="-106" charset="2"/>
+              <a:buChar char="n"/>
+              <a:defRPr sz="2200">
+                <a:solidFill>
+                  <a:schemeClr val="tx1"/>
+                </a:solidFill>
+                <a:latin typeface="+mn-lt"/>
+                <a:ea typeface="ＭＳ Ｐゴシック" pitchFamily="-106" charset="-128"/>
+              </a:defRPr>
+            </a:lvl3pPr>
+            <a:lvl4pPr marL="1339850" indent="-315913" algn="l" rtl="0" eaLnBrk="0" fontAlgn="base" hangingPunct="0">
+              <a:spcBef>
+                <a:spcPct val="20000"/>
+              </a:spcBef>
+              <a:spcAft>
+                <a:spcPct val="0"/>
+              </a:spcAft>
+              <a:buClr>
+                <a:schemeClr val="accent2"/>
+              </a:buClr>
+              <a:buSzPct val="70000"/>
+              <a:buFont typeface="Wingdings" pitchFamily="-106" charset="2"/>
+              <a:buChar char="q"/>
+              <a:defRPr sz="2000">
+                <a:solidFill>
+                  <a:schemeClr val="tx1"/>
+                </a:solidFill>
+                <a:latin typeface="+mn-lt"/>
+                <a:ea typeface="ＭＳ Ｐゴシック" pitchFamily="-106" charset="-128"/>
+              </a:defRPr>
+            </a:lvl4pPr>
+            <a:lvl5pPr marL="1681163" indent="-339725" algn="l" rtl="0" eaLnBrk="0" fontAlgn="base" hangingPunct="0">
+              <a:spcBef>
+                <a:spcPct val="20000"/>
+              </a:spcBef>
+              <a:spcAft>
+                <a:spcPct val="0"/>
+              </a:spcAft>
+              <a:buClr>
+                <a:schemeClr val="accent1"/>
+              </a:buClr>
+              <a:buSzPct val="75000"/>
+              <a:buFont typeface="Wingdings" pitchFamily="-106" charset="2"/>
+              <a:buChar char="§"/>
+              <a:defRPr sz="2000">
+                <a:solidFill>
+                  <a:schemeClr val="tx1"/>
+                </a:solidFill>
+                <a:latin typeface="+mn-lt"/>
+                <a:ea typeface="ＭＳ Ｐゴシック" pitchFamily="-106" charset="-128"/>
+              </a:defRPr>
+            </a:lvl5pPr>
+            <a:lvl6pPr marL="2138363" indent="-339725" algn="l" rtl="0" fontAlgn="base">
+              <a:spcBef>
+                <a:spcPct val="20000"/>
+              </a:spcBef>
+              <a:spcAft>
+                <a:spcPct val="0"/>
+              </a:spcAft>
+              <a:buClr>
+                <a:schemeClr val="accent1"/>
+              </a:buClr>
+              <a:buSzPct val="75000"/>
+              <a:buFont typeface="Wingdings" pitchFamily="2" charset="2"/>
+              <a:buChar char="§"/>
+              <a:defRPr sz="2000">
+                <a:solidFill>
+                  <a:schemeClr val="tx1"/>
+                </a:solidFill>
+                <a:latin typeface="+mn-lt"/>
+              </a:defRPr>
+            </a:lvl6pPr>
+            <a:lvl7pPr marL="2595563" indent="-339725" algn="l" rtl="0" fontAlgn="base">
+              <a:spcBef>
+                <a:spcPct val="20000"/>
+              </a:spcBef>
+              <a:spcAft>
+                <a:spcPct val="0"/>
+              </a:spcAft>
+              <a:buClr>
+                <a:schemeClr val="accent1"/>
+              </a:buClr>
+              <a:buSzPct val="75000"/>
+              <a:buFont typeface="Wingdings" pitchFamily="2" charset="2"/>
+              <a:buChar char="§"/>
+              <a:defRPr sz="2000">
+                <a:solidFill>
+                  <a:schemeClr val="tx1"/>
+                </a:solidFill>
+                <a:latin typeface="+mn-lt"/>
+              </a:defRPr>
+            </a:lvl7pPr>
+            <a:lvl8pPr marL="3052763" indent="-339725" algn="l" rtl="0" fontAlgn="base">
+              <a:spcBef>
+                <a:spcPct val="20000"/>
+              </a:spcBef>
+              <a:spcAft>
+                <a:spcPct val="0"/>
+              </a:spcAft>
+              <a:buClr>
+                <a:schemeClr val="accent1"/>
+              </a:buClr>
+              <a:buSzPct val="75000"/>
+              <a:buFont typeface="Wingdings" pitchFamily="2" charset="2"/>
+              <a:buChar char="§"/>
+              <a:defRPr sz="2000">
+                <a:solidFill>
+                  <a:schemeClr val="tx1"/>
+                </a:solidFill>
+                <a:latin typeface="+mn-lt"/>
+              </a:defRPr>
+            </a:lvl8pPr>
+            <a:lvl9pPr marL="3509963" indent="-339725" algn="l" rtl="0" fontAlgn="base">
+              <a:spcBef>
+                <a:spcPct val="20000"/>
+              </a:spcBef>
+              <a:spcAft>
+                <a:spcPct val="0"/>
+              </a:spcAft>
+              <a:buClr>
+                <a:schemeClr val="accent1"/>
+              </a:buClr>
+              <a:buSzPct val="75000"/>
+              <a:buFont typeface="Wingdings" pitchFamily="2" charset="2"/>
+              <a:buChar char="§"/>
+              <a:defRPr sz="2000">
+                <a:solidFill>
+                  <a:schemeClr val="tx1"/>
+                </a:solidFill>
+                <a:latin typeface="+mn-lt"/>
+              </a:defRPr>
+            </a:lvl9pPr>
+          </a:lstStyle>
+          <a:p>
+            <a:pPr>
+              <a:spcBef>
+                <a:spcPts val="600"/>
+              </a:spcBef>
+              <a:spcAft>
+                <a:spcPts val="600"/>
+              </a:spcAft>
+            </a:pPr>
+            <a:r>
+              <a:rPr lang="en-US" sz="2600" dirty="0" smtClean="0">
+                <a:latin typeface="Arial" charset="0"/>
+              </a:rPr>
+              <a:t>For </a:t>
+            </a:r>
+            <a:r>
+              <a:rPr lang="en-US" sz="2600" dirty="0">
+                <a:latin typeface="Arial" charset="0"/>
+              </a:rPr>
+              <a:t>many real-world problems, the committee is infinite. </a:t>
+            </a:r>
+            <a:endParaRPr lang="en-US" sz="2600" dirty="0" smtClean="0">
+              <a:latin typeface="Arial" charset="0"/>
+            </a:endParaRPr>
+          </a:p>
+          <a:p>
+            <a:pPr>
+              <a:spcBef>
+                <a:spcPts val="600"/>
+              </a:spcBef>
+              <a:spcAft>
+                <a:spcPts val="600"/>
+              </a:spcAft>
+            </a:pPr>
+            <a:r>
+              <a:rPr lang="en-US" sz="2600" dirty="0" smtClean="0">
+                <a:latin typeface="Arial" charset="0"/>
+              </a:rPr>
+              <a:t>The </a:t>
+            </a:r>
+            <a:r>
+              <a:rPr lang="en-US" sz="2600" dirty="0">
+                <a:latin typeface="Arial" charset="0"/>
+              </a:rPr>
+              <a:t>main obstacle in implementing QBC is </a:t>
+            </a:r>
+            <a:r>
+              <a:rPr lang="en-US" sz="2600" dirty="0" smtClean="0">
+                <a:latin typeface="Arial" charset="0"/>
+              </a:rPr>
+              <a:t>to </a:t>
+            </a:r>
+            <a:r>
+              <a:rPr lang="en-US" sz="2600" dirty="0">
+                <a:latin typeface="Arial" charset="0"/>
+              </a:rPr>
+              <a:t>sample from the version space </a:t>
+            </a:r>
+            <a:r>
+              <a:rPr lang="en-US" sz="2600" dirty="0" smtClean="0">
+                <a:latin typeface="Arial" charset="0"/>
+              </a:rPr>
+              <a:t>(Step </a:t>
+            </a:r>
+            <a:r>
+              <a:rPr lang="en-US" sz="2600" dirty="0">
+                <a:latin typeface="Arial" charset="0"/>
+              </a:rPr>
+              <a:t>2</a:t>
+            </a:r>
+            <a:r>
+              <a:rPr lang="en-US" sz="2600" dirty="0" smtClean="0">
+                <a:latin typeface="Arial" charset="0"/>
+              </a:rPr>
+              <a:t>). It </a:t>
+            </a:r>
+            <a:r>
+              <a:rPr lang="en-US" sz="2600" dirty="0">
+                <a:latin typeface="Arial" charset="0"/>
+              </a:rPr>
+              <a:t>is hard to do this with reasonable computational complexity </a:t>
+            </a:r>
+            <a:r>
+              <a:rPr lang="en-US" sz="2600" dirty="0" smtClean="0">
+                <a:latin typeface="Arial" charset="0"/>
+              </a:rPr>
+              <a:t>when d is very large [Ran 2005].</a:t>
+            </a:r>
+          </a:p>
+          <a:p>
+            <a:pPr>
+              <a:spcBef>
+                <a:spcPts val="600"/>
+              </a:spcBef>
+              <a:spcAft>
+                <a:spcPts val="600"/>
+              </a:spcAft>
+            </a:pPr>
+            <a:r>
+              <a:rPr lang="en-US" sz="2600" dirty="0" smtClean="0">
+                <a:latin typeface="Arial" charset="0"/>
+              </a:rPr>
+              <a:t>QBC is very sensitive for noisy data sets. </a:t>
+            </a:r>
+          </a:p>
+          <a:p>
+            <a:pPr>
+              <a:spcBef>
+                <a:spcPts val="600"/>
+              </a:spcBef>
+              <a:spcAft>
+                <a:spcPts val="600"/>
+              </a:spcAft>
+            </a:pPr>
+            <a:r>
+              <a:rPr lang="en-US" altLang="zh-TW" sz="2600" dirty="0" smtClean="0">
+                <a:latin typeface="Arial" charset="0"/>
+                <a:ea typeface="新細明體" pitchFamily="-106" charset="-120"/>
+              </a:rPr>
+              <a:t>We implement original QBC for low dimension data and Active-majority QBC [</a:t>
+            </a:r>
+            <a:r>
+              <a:rPr lang="en-US" sz="2600" dirty="0" err="1" smtClean="0"/>
+              <a:t>Liere</a:t>
+            </a:r>
+            <a:r>
+              <a:rPr lang="en-US" sz="2600" dirty="0" smtClean="0"/>
+              <a:t> 97</a:t>
+            </a:r>
+            <a:r>
+              <a:rPr lang="en-US" altLang="zh-TW" sz="2600" dirty="0" smtClean="0">
+                <a:latin typeface="Arial" charset="0"/>
+                <a:ea typeface="新細明體" pitchFamily="-106" charset="-120"/>
+              </a:rPr>
+              <a:t>] for high dimension data</a:t>
+            </a:r>
+            <a:r>
+              <a:rPr lang="en-US" altLang="zh-TW" sz="2600" dirty="0" smtClean="0">
+                <a:latin typeface="Arial" charset="0"/>
+                <a:ea typeface="新細明體" pitchFamily="-106" charset="-120"/>
+              </a:rPr>
+              <a:t>.</a:t>
+            </a:r>
+          </a:p>
+          <a:p>
+            <a:pPr lvl="1">
+              <a:spcBef>
+                <a:spcPts val="600"/>
+              </a:spcBef>
+              <a:spcAft>
+                <a:spcPts val="600"/>
+              </a:spcAft>
+            </a:pPr>
+            <a:r>
+              <a:rPr lang="en-US" altLang="zh-TW" sz="2200" dirty="0" smtClean="0">
+                <a:latin typeface="Arial" charset="0"/>
+                <a:ea typeface="新細明體" pitchFamily="-106" charset="-120"/>
+              </a:rPr>
+              <a:t>Use Winnow algorithm to maintain a finite committee</a:t>
+            </a:r>
+            <a:endParaRPr lang="en-US" altLang="zh-TW" sz="2200" dirty="0">
+              <a:ea typeface="新細明體" pitchFamily="-106" charset="-120"/>
+            </a:endParaRPr>
+          </a:p>
+          <a:p>
+            <a:pPr marL="344487" lvl="1" indent="0" eaLnBrk="1" hangingPunct="1">
+              <a:lnSpc>
+                <a:spcPct val="90000"/>
+              </a:lnSpc>
+              <a:buNone/>
+            </a:pPr>
+            <a:r>
+              <a:rPr lang="en-US" sz="2400" dirty="0" smtClean="0"/>
+              <a:t>     </a:t>
+            </a:r>
+            <a:endParaRPr lang="en-US" altLang="zh-TW" dirty="0" smtClean="0">
+              <a:ea typeface="新細明體" pitchFamily="-106" charset="-120"/>
+            </a:endParaRPr>
           </a:p>
         </p:txBody>
       </p:sp>
     </p:spTree>
     <p:extLst>
       <p:ext uri="{BB962C8B-B14F-4D97-AF65-F5344CB8AC3E}">
-        <p14:creationId xmlns:p14="http://schemas.microsoft.com/office/powerpoint/2010/main" val="1402498055"/>
+        <p14:creationId xmlns:p14="http://schemas.microsoft.com/office/powerpoint/2010/main" val="3526550711"/>
       </p:ext>
     </p:extLst>
   </p:cSld>
@@ -6925,9 +7767,14 @@
             <p:ph type="title"/>
           </p:nvPr>
         </p:nvSpPr>
-        <p:spPr/>
+        <p:spPr>
+          <a:xfrm>
+            <a:off x="457200" y="277813"/>
+            <a:ext cx="8534400" cy="865187"/>
+          </a:xfrm>
+        </p:spPr>
         <p:txBody>
-          <a:bodyPr/>
+          <a:bodyPr lIns="0" rIns="0"/>
           <a:lstStyle/>
           <a:p>
             <a:pPr eaLnBrk="1" hangingPunct="1"/>
@@ -6937,7 +7784,7 @@
                 <a:ea typeface="新細明體" pitchFamily="-106" charset="-120"/>
                 <a:cs typeface="Arial" pitchFamily="34" charset="0"/>
               </a:rPr>
-              <a:t>Experiment Setup</a:t>
+              <a:t>Margin Based Active Learning</a:t>
             </a:r>
             <a:endParaRPr lang="zh-CN" altLang="en-US" b="1" dirty="0">
               <a:latin typeface="Arial" pitchFamily="34" charset="0"/>
@@ -6962,111 +7809,7 @@
           <a:bodyPr/>
           <a:lstStyle/>
           <a:p>
-            <a:pPr eaLnBrk="1" hangingPunct="1">
-              <a:lnSpc>
-                <a:spcPct val="90000"/>
-              </a:lnSpc>
-            </a:pPr>
-            <a:r>
-              <a:rPr lang="en-US" altLang="zh-TW" sz="2600" dirty="0" smtClean="0">
-                <a:ea typeface="新細明體" pitchFamily="-106" charset="-120"/>
-              </a:rPr>
-              <a:t>Synthesized Dataset</a:t>
-            </a:r>
-          </a:p>
-          <a:p>
-            <a:pPr lvl="1" eaLnBrk="1" hangingPunct="1">
-              <a:lnSpc>
-                <a:spcPct val="90000"/>
-              </a:lnSpc>
-            </a:pPr>
-            <a:r>
-              <a:rPr lang="en-US" altLang="zh-TW" sz="2400" dirty="0" smtClean="0">
-                <a:ea typeface="新細明體" pitchFamily="-106" charset="-120"/>
-              </a:rPr>
-              <a:t>10-dimension random data set</a:t>
-            </a:r>
-          </a:p>
-          <a:p>
-            <a:pPr lvl="1" eaLnBrk="1" hangingPunct="1">
-              <a:lnSpc>
-                <a:spcPct val="90000"/>
-              </a:lnSpc>
-            </a:pPr>
-            <a:r>
-              <a:rPr lang="en-US" altLang="zh-TW" sz="2400" dirty="0" smtClean="0">
-                <a:ea typeface="新細明體" pitchFamily="-106" charset="-120"/>
-              </a:rPr>
-              <a:t>10-dimension noisy data set</a:t>
-            </a:r>
-            <a:endParaRPr lang="en-US" altLang="zh-TW" sz="2400" dirty="0">
-              <a:ea typeface="新細明體" pitchFamily="-106" charset="-120"/>
-            </a:endParaRPr>
-          </a:p>
-          <a:p>
-            <a:pPr marL="0" indent="0" eaLnBrk="1" hangingPunct="1">
-              <a:lnSpc>
-                <a:spcPct val="90000"/>
-              </a:lnSpc>
-              <a:buNone/>
-            </a:pPr>
-            <a:endParaRPr lang="en-US" altLang="zh-TW" sz="2600" dirty="0">
-              <a:ea typeface="新細明體" pitchFamily="-106" charset="-120"/>
-            </a:endParaRPr>
-          </a:p>
-          <a:p>
-            <a:pPr eaLnBrk="1" hangingPunct="1">
-              <a:lnSpc>
-                <a:spcPct val="90000"/>
-              </a:lnSpc>
-            </a:pPr>
-            <a:r>
-              <a:rPr lang="en-US" altLang="zh-TW" sz="2600" dirty="0" smtClean="0">
-                <a:ea typeface="新細明體" pitchFamily="-106" charset="-120"/>
-              </a:rPr>
-              <a:t>Real Dataset</a:t>
-            </a:r>
-            <a:endParaRPr lang="en-US" altLang="zh-TW" sz="2600" dirty="0">
-              <a:ea typeface="新細明體" pitchFamily="-106" charset="-120"/>
-            </a:endParaRPr>
-          </a:p>
-          <a:p>
-            <a:pPr lvl="1" eaLnBrk="1" hangingPunct="1">
-              <a:lnSpc>
-                <a:spcPct val="90000"/>
-              </a:lnSpc>
-            </a:pPr>
-            <a:r>
-              <a:rPr lang="en-US" sz="2400" dirty="0" smtClean="0"/>
-              <a:t>20 Newsgroups dataset</a:t>
-            </a:r>
-          </a:p>
-          <a:p>
-            <a:pPr lvl="1" eaLnBrk="1" hangingPunct="1">
-              <a:lnSpc>
-                <a:spcPct val="90000"/>
-              </a:lnSpc>
-            </a:pPr>
-            <a:r>
-              <a:rPr lang="en-US" altLang="zh-TW" sz="2400" dirty="0" smtClean="0">
-                <a:ea typeface="新細明體" pitchFamily="-106" charset="-120"/>
-              </a:rPr>
-              <a:t>Randomly select 3 categories[?]</a:t>
-            </a:r>
-          </a:p>
-          <a:p>
-            <a:pPr lvl="1" eaLnBrk="1" hangingPunct="1">
-              <a:lnSpc>
-                <a:spcPct val="90000"/>
-              </a:lnSpc>
-            </a:pPr>
-            <a:r>
-              <a:rPr lang="en-US" sz="2400" dirty="0"/>
-              <a:t>21,334 unique tokens in titles</a:t>
-            </a:r>
-            <a:endParaRPr lang="en-US" altLang="zh-TW" sz="2400" dirty="0">
-              <a:ea typeface="新細明體" pitchFamily="-106" charset="-120"/>
-            </a:endParaRPr>
+            <a:endParaRPr lang="zh-CN" altLang="en-US" dirty="0"/>
           </a:p>
         </p:txBody>
       </p:sp>
@@ -7097,7 +7840,7 @@
     </p:spTree>
     <p:extLst>
       <p:ext uri="{BB962C8B-B14F-4D97-AF65-F5344CB8AC3E}">
-        <p14:creationId xmlns:p14="http://schemas.microsoft.com/office/powerpoint/2010/main" val="2952604855"/>
+        <p14:creationId xmlns:p14="http://schemas.microsoft.com/office/powerpoint/2010/main" val="1402498055"/>
       </p:ext>
     </p:extLst>
   </p:cSld>
@@ -7153,7 +7896,7 @@
                 <a:ea typeface="新細明體" pitchFamily="-106" charset="-120"/>
                 <a:cs typeface="Arial" pitchFamily="34" charset="0"/>
               </a:rPr>
-              <a:t>Experiment</a:t>
+              <a:t>Experiment Setup</a:t>
             </a:r>
             <a:endParaRPr lang="zh-CN" altLang="en-US" b="1" dirty="0">
               <a:latin typeface="Arial" pitchFamily="34" charset="0"/>
@@ -7183,6 +7926,103 @@
                 <a:spcPct val="90000"/>
               </a:lnSpc>
             </a:pPr>
+            <a:r>
+              <a:rPr lang="en-US" altLang="zh-TW" sz="2600" dirty="0" smtClean="0">
+                <a:ea typeface="新細明體" pitchFamily="-106" charset="-120"/>
+              </a:rPr>
+              <a:t>Synthesized Dataset</a:t>
+            </a:r>
+          </a:p>
+          <a:p>
+            <a:pPr lvl="1" eaLnBrk="1" hangingPunct="1">
+              <a:lnSpc>
+                <a:spcPct val="90000"/>
+              </a:lnSpc>
+            </a:pPr>
+            <a:r>
+              <a:rPr lang="en-US" altLang="zh-TW" sz="2400" dirty="0" smtClean="0">
+                <a:ea typeface="新細明體" pitchFamily="-106" charset="-120"/>
+              </a:rPr>
+              <a:t>10-dimension random data set</a:t>
+            </a:r>
+          </a:p>
+          <a:p>
+            <a:pPr lvl="1" eaLnBrk="1" hangingPunct="1">
+              <a:lnSpc>
+                <a:spcPct val="90000"/>
+              </a:lnSpc>
+            </a:pPr>
+            <a:r>
+              <a:rPr lang="en-US" altLang="zh-TW" sz="2400" dirty="0" smtClean="0">
+                <a:ea typeface="新細明體" pitchFamily="-106" charset="-120"/>
+              </a:rPr>
+              <a:t>10-dimension noisy data set</a:t>
+            </a:r>
+            <a:endParaRPr lang="en-US" altLang="zh-TW" sz="2400" dirty="0">
+              <a:ea typeface="新細明體" pitchFamily="-106" charset="-120"/>
+            </a:endParaRPr>
+          </a:p>
+          <a:p>
+            <a:pPr marL="0" indent="0" eaLnBrk="1" hangingPunct="1">
+              <a:lnSpc>
+                <a:spcPct val="90000"/>
+              </a:lnSpc>
+              <a:buNone/>
+            </a:pPr>
+            <a:endParaRPr lang="en-US" altLang="zh-TW" sz="2600" dirty="0">
+              <a:ea typeface="新細明體" pitchFamily="-106" charset="-120"/>
+            </a:endParaRPr>
+          </a:p>
+          <a:p>
+            <a:pPr eaLnBrk="1" hangingPunct="1">
+              <a:lnSpc>
+                <a:spcPct val="90000"/>
+              </a:lnSpc>
+            </a:pPr>
+            <a:r>
+              <a:rPr lang="en-US" altLang="zh-TW" sz="2600" dirty="0" smtClean="0">
+                <a:ea typeface="新細明體" pitchFamily="-106" charset="-120"/>
+              </a:rPr>
+              <a:t>Real Dataset</a:t>
+            </a:r>
+            <a:endParaRPr lang="en-US" altLang="zh-TW" sz="2600" dirty="0">
+              <a:ea typeface="新細明體" pitchFamily="-106" charset="-120"/>
+            </a:endParaRPr>
+          </a:p>
+          <a:p>
+            <a:pPr lvl="1" eaLnBrk="1" hangingPunct="1">
+              <a:lnSpc>
+                <a:spcPct val="90000"/>
+              </a:lnSpc>
+            </a:pPr>
+            <a:r>
+              <a:rPr lang="en-US" sz="2400" dirty="0" smtClean="0"/>
+              <a:t>20 Newsgroups dataset</a:t>
+            </a:r>
+          </a:p>
+          <a:p>
+            <a:pPr lvl="1" eaLnBrk="1" hangingPunct="1">
+              <a:lnSpc>
+                <a:spcPct val="90000"/>
+              </a:lnSpc>
+            </a:pPr>
+            <a:r>
+              <a:rPr lang="en-US" altLang="zh-TW" sz="2400" dirty="0" smtClean="0">
+                <a:ea typeface="新細明體" pitchFamily="-106" charset="-120"/>
+              </a:rPr>
+              <a:t>Randomly select 3 categories[?]</a:t>
+            </a:r>
+          </a:p>
+          <a:p>
+            <a:pPr lvl="1" eaLnBrk="1" hangingPunct="1">
+              <a:lnSpc>
+                <a:spcPct val="90000"/>
+              </a:lnSpc>
+            </a:pPr>
+            <a:r>
+              <a:rPr lang="en-US" sz="2400" dirty="0"/>
+              <a:t>21,334 unique tokens in titles</a:t>
+            </a:r>
             <a:endParaRPr lang="en-US" altLang="zh-TW" sz="2400" dirty="0">
               <a:ea typeface="新細明體" pitchFamily="-106" charset="-120"/>
             </a:endParaRPr>
@@ -7216,7 +8056,7 @@
     </p:spTree>
     <p:extLst>
       <p:ext uri="{BB962C8B-B14F-4D97-AF65-F5344CB8AC3E}">
-        <p14:creationId xmlns:p14="http://schemas.microsoft.com/office/powerpoint/2010/main" val="21315555"/>
+        <p14:creationId xmlns:p14="http://schemas.microsoft.com/office/powerpoint/2010/main" val="2952604855"/>
       </p:ext>
     </p:extLst>
   </p:cSld>
@@ -7260,7 +8100,12 @@
             <p:ph type="title"/>
           </p:nvPr>
         </p:nvSpPr>
-        <p:spPr/>
+        <p:spPr>
+          <a:xfrm>
+            <a:off x="457200" y="277813"/>
+            <a:ext cx="8686800" cy="1139825"/>
+          </a:xfrm>
+        </p:spPr>
         <p:txBody>
           <a:bodyPr/>
           <a:lstStyle/>
@@ -7272,7 +8117,34 @@
                 <a:ea typeface="新細明體" pitchFamily="-106" charset="-120"/>
                 <a:cs typeface="Arial" pitchFamily="34" charset="0"/>
               </a:rPr>
-              <a:t>Closing Remarks</a:t>
+              <a:t>Experiment-</a:t>
+            </a:r>
+            <a:r>
+              <a:rPr lang="en-US" altLang="zh-TW" b="1" dirty="0" smtClean="0">
+                <a:latin typeface="Arial" pitchFamily="34" charset="0"/>
+                <a:ea typeface="新細明體" pitchFamily="-106" charset="-120"/>
+                <a:cs typeface="Arial" pitchFamily="34" charset="0"/>
+              </a:rPr>
+              <a:t>Linear Separable</a:t>
+            </a:r>
+            <a:r>
+              <a:rPr lang="en-US" altLang="zh-TW" sz="4400" dirty="0">
+                <a:ea typeface="新細明體" pitchFamily="-106" charset="-120"/>
+              </a:rPr>
+              <a:t/>
+            </a:r>
+            <a:br>
+              <a:rPr lang="en-US" altLang="zh-TW" sz="4400" dirty="0">
+                <a:ea typeface="新細明體" pitchFamily="-106" charset="-120"/>
+              </a:rPr>
+            </a:br>
+            <a:r>
+              <a:rPr lang="en-US" altLang="zh-CN" b="1" dirty="0" smtClean="0">
+                <a:latin typeface="Arial" pitchFamily="34" charset="0"/>
+                <a:ea typeface="新細明體" pitchFamily="-106" charset="-120"/>
+                <a:cs typeface="Arial" pitchFamily="34" charset="0"/>
+              </a:rPr>
+              <a:t> </a:t>
             </a:r>
             <a:endParaRPr lang="zh-CN" altLang="en-US" b="1" dirty="0">
               <a:latin typeface="Arial" pitchFamily="34" charset="0"/>
@@ -7282,102 +8154,35 @@
           </a:p>
         </p:txBody>
       </p:sp>
-      <p:sp>
-        <p:nvSpPr>
-          <p:cNvPr id="3" name="Content Placeholder 2"/>
-          <p:cNvSpPr>
-            <a:spLocks noGrp="1"/>
-          </p:cNvSpPr>
+      <p:pic>
+        <p:nvPicPr>
+          <p:cNvPr id="5" name="Content Placeholder 4"/>
+          <p:cNvPicPr>
+            <a:picLocks noGrp="1" noChangeAspect="1"/>
+          </p:cNvPicPr>
           <p:nvPr>
             <p:ph idx="1"/>
           </p:nvPr>
-        </p:nvSpPr>
-        <p:spPr/>
-        <p:txBody>
-          <a:bodyPr/>
-          <a:lstStyle/>
-          <a:p>
-            <a:pPr eaLnBrk="1" hangingPunct="1">
-              <a:lnSpc>
-                <a:spcPct val="90000"/>
-              </a:lnSpc>
-            </a:pPr>
-            <a:r>
-              <a:rPr lang="en-US" sz="2800" dirty="0"/>
-              <a:t>T</a:t>
-            </a:r>
-            <a:r>
-              <a:rPr lang="en-US" sz="2800" dirty="0" smtClean="0"/>
-              <a:t>hree existing </a:t>
-            </a:r>
-            <a:r>
-              <a:rPr lang="en-US" sz="2800" dirty="0"/>
-              <a:t>active learning </a:t>
-            </a:r>
-            <a:r>
-              <a:rPr lang="en-US" sz="2800" dirty="0" smtClean="0"/>
-              <a:t>algorithms with theory bounds are analyzed.</a:t>
-            </a:r>
-          </a:p>
-          <a:p>
-            <a:pPr marL="0" indent="0" eaLnBrk="1" hangingPunct="1">
-              <a:lnSpc>
-                <a:spcPct val="90000"/>
-              </a:lnSpc>
-              <a:buNone/>
-            </a:pPr>
-            <a:endParaRPr lang="en-US" sz="2800" dirty="0" smtClean="0"/>
-          </a:p>
-          <a:p>
-            <a:pPr eaLnBrk="1" hangingPunct="1">
-              <a:lnSpc>
-                <a:spcPct val="90000"/>
-              </a:lnSpc>
-            </a:pPr>
-            <a:r>
-              <a:rPr lang="en-US" sz="2800" dirty="0"/>
-              <a:t>We </a:t>
-            </a:r>
-            <a:r>
-              <a:rPr lang="en-US" sz="2800" dirty="0" smtClean="0"/>
-              <a:t>implement the </a:t>
-            </a:r>
-            <a:r>
-              <a:rPr lang="en-US" sz="2800" dirty="0"/>
-              <a:t>typical algorithms and apply them to synthesis and real world data sets to </a:t>
-            </a:r>
-            <a:r>
-              <a:rPr lang="en-US" sz="2800" dirty="0" smtClean="0"/>
-              <a:t>evaluate performance by comparing </a:t>
-            </a:r>
-            <a:r>
-              <a:rPr lang="en-US" sz="2800" dirty="0"/>
-              <a:t>the actual performance with the theoretical results</a:t>
-            </a:r>
-            <a:r>
-              <a:rPr lang="en-US" sz="2800" dirty="0" smtClean="0"/>
-              <a:t>.</a:t>
-            </a:r>
-            <a:r>
-              <a:rPr lang="en-US" sz="2800" dirty="0"/>
-              <a:t> </a:t>
-            </a:r>
-            <a:endParaRPr lang="en-US" altLang="zh-TW" sz="2400" dirty="0">
-              <a:ea typeface="新細明體" pitchFamily="-106" charset="-120"/>
-            </a:endParaRPr>
-          </a:p>
-          <a:p>
-            <a:pPr eaLnBrk="1" hangingPunct="1">
-              <a:lnSpc>
-                <a:spcPct val="90000"/>
-              </a:lnSpc>
-            </a:pPr>
-            <a:endParaRPr lang="en-US" altLang="zh-TW" sz="2400" dirty="0">
-              <a:ea typeface="新細明體" pitchFamily="-106" charset="-120"/>
-            </a:endParaRPr>
-          </a:p>
-        </p:txBody>
-      </p:sp>
+        </p:nvPicPr>
+        <p:blipFill>
+          <a:blip r:embed="rId2">
+            <a:extLst>
+              <a:ext uri="{28A0092B-C50C-407E-A947-70E740481C1C}">
+                <a14:useLocalDpi xmlns:a14="http://schemas.microsoft.com/office/drawing/2010/main" val="0"/>
+              </a:ext>
+            </a:extLst>
+          </a:blip>
+          <a:stretch>
+            <a:fillRect/>
+          </a:stretch>
+        </p:blipFill>
+        <p:spPr>
+          <a:xfrm>
+            <a:off x="304800" y="1371600"/>
+            <a:ext cx="8563428" cy="4495800"/>
+          </a:xfrm>
+        </p:spPr>
+      </p:pic>
       <p:sp>
         <p:nvSpPr>
           <p:cNvPr id="4" name="Slide Number Placeholder 3"/>
@@ -7405,7 +8210,7 @@
     </p:spTree>
     <p:extLst>
       <p:ext uri="{BB962C8B-B14F-4D97-AF65-F5344CB8AC3E}">
-        <p14:creationId xmlns:p14="http://schemas.microsoft.com/office/powerpoint/2010/main" val="938991079"/>
+        <p14:creationId xmlns:p14="http://schemas.microsoft.com/office/powerpoint/2010/main" val="21315555"/>
       </p:ext>
     </p:extLst>
   </p:cSld>
@@ -7441,7 +8246,100 @@
       </p:grpSpPr>
       <p:sp>
         <p:nvSpPr>
-          <p:cNvPr id="47106" name="Slide Number Placeholder 5"/>
+          <p:cNvPr id="2" name="Title 1"/>
+          <p:cNvSpPr>
+            <a:spLocks noGrp="1"/>
+          </p:cNvSpPr>
+          <p:nvPr>
+            <p:ph type="title"/>
+          </p:nvPr>
+        </p:nvSpPr>
+        <p:spPr>
+          <a:xfrm>
+            <a:off x="457200" y="277813"/>
+            <a:ext cx="8686800" cy="1139825"/>
+          </a:xfrm>
+        </p:spPr>
+        <p:txBody>
+          <a:bodyPr/>
+          <a:lstStyle/>
+          <a:p>
+            <a:pPr eaLnBrk="1" hangingPunct="1"/>
+            <a:r>
+              <a:rPr lang="en-US" altLang="zh-CN" b="1" dirty="0" smtClean="0">
+                <a:latin typeface="Arial" pitchFamily="34" charset="0"/>
+                <a:ea typeface="新細明體" pitchFamily="-106" charset="-120"/>
+                <a:cs typeface="Arial" pitchFamily="34" charset="0"/>
+              </a:rPr>
+              <a:t>Experiment-</a:t>
+            </a:r>
+            <a:r>
+              <a:rPr lang="en-US" altLang="zh-TW" b="1" dirty="0" smtClean="0">
+                <a:latin typeface="Arial" pitchFamily="34" charset="0"/>
+                <a:ea typeface="新細明體" pitchFamily="-106" charset="-120"/>
+                <a:cs typeface="Arial" pitchFamily="34" charset="0"/>
+              </a:rPr>
+              <a:t>Linear Separable</a:t>
+            </a:r>
+            <a:r>
+              <a:rPr lang="en-US" altLang="zh-TW" sz="4400" dirty="0">
+                <a:ea typeface="新細明體" pitchFamily="-106" charset="-120"/>
+              </a:rPr>
+              <a:t/>
+            </a:r>
+            <a:br>
+              <a:rPr lang="en-US" altLang="zh-TW" sz="4400" dirty="0">
+                <a:ea typeface="新細明體" pitchFamily="-106" charset="-120"/>
+              </a:rPr>
+            </a:br>
+            <a:r>
+              <a:rPr lang="en-US" altLang="zh-CN" b="1" dirty="0" smtClean="0">
+                <a:latin typeface="Arial" pitchFamily="34" charset="0"/>
+                <a:ea typeface="新細明體" pitchFamily="-106" charset="-120"/>
+                <a:cs typeface="Arial" pitchFamily="34" charset="0"/>
+              </a:rPr>
+              <a:t> </a:t>
+            </a:r>
+            <a:endParaRPr lang="zh-CN" altLang="en-US" b="1" dirty="0">
+              <a:latin typeface="Arial" pitchFamily="34" charset="0"/>
+              <a:ea typeface="新細明體" pitchFamily="-106" charset="-120"/>
+              <a:cs typeface="Arial" pitchFamily="34" charset="0"/>
+            </a:endParaRPr>
+          </a:p>
+        </p:txBody>
+      </p:sp>
+      <p:pic>
+        <p:nvPicPr>
+          <p:cNvPr id="5" name="Content Placeholder 4"/>
+          <p:cNvPicPr>
+            <a:picLocks noGrp="1" noChangeAspect="1"/>
+          </p:cNvPicPr>
+          <p:nvPr>
+            <p:ph idx="1"/>
+          </p:nvPr>
+        </p:nvPicPr>
+        <p:blipFill>
+          <a:blip r:embed="rId2">
+            <a:extLst>
+              <a:ext uri="{28A0092B-C50C-407E-A947-70E740481C1C}">
+                <a14:useLocalDpi xmlns:a14="http://schemas.microsoft.com/office/drawing/2010/main" val="0"/>
+              </a:ext>
+            </a:extLst>
+          </a:blip>
+          <a:stretch>
+            <a:fillRect/>
+          </a:stretch>
+        </p:blipFill>
+        <p:spPr>
+          <a:xfrm>
+            <a:off x="304800" y="1371600"/>
+            <a:ext cx="8563428" cy="4495800"/>
+          </a:xfrm>
+        </p:spPr>
+      </p:pic>
+      <p:sp>
+        <p:nvSpPr>
+          <p:cNvPr id="4" name="Slide Number Placeholder 3"/>
           <p:cNvSpPr>
             <a:spLocks noGrp="1"/>
           </p:cNvSpPr>
@@ -7449,202 +8347,26 @@
             <p:ph type="sldNum" sz="quarter" idx="12"/>
           </p:nvPr>
         </p:nvSpPr>
-        <p:spPr>
-          <a:noFill/>
-          <a:ln/>
-          <a:extLst>
-            <a:ext uri="{909E8E84-426E-40DD-AFC4-6F175D3DCCD1}">
-              <a14:hiddenFill xmlns:a14="http://schemas.microsoft.com/office/drawing/2010/main">
-                <a:solidFill>
-                  <a:srgbClr val="FFFFFF"/>
-                </a:solidFill>
-              </a14:hiddenFill>
-            </a:ext>
-            <a:ext uri="{91240B29-F687-4F45-9708-019B960494DF}">
-              <a14:hiddenLine xmlns:a14="http://schemas.microsoft.com/office/drawing/2010/main" w="9525">
-                <a:solidFill>
-                  <a:srgbClr val="000000"/>
-                </a:solidFill>
-                <a:miter lim="800000"/>
-                <a:headEnd/>
-                <a:tailEnd/>
-              </a14:hiddenLine>
-            </a:ext>
-          </a:extLst>
-        </p:spPr>
-        <p:txBody>
-          <a:bodyPr/>
-          <a:lstStyle>
-            <a:lvl1pPr eaLnBrk="0" hangingPunct="0">
-              <a:defRPr sz="2400">
-                <a:solidFill>
-                  <a:schemeClr val="tx1"/>
-                </a:solidFill>
-                <a:latin typeface="Arial" charset="0"/>
-                <a:ea typeface="ＭＳ Ｐゴシック" pitchFamily="-106" charset="-128"/>
-              </a:defRPr>
-            </a:lvl1pPr>
-            <a:lvl2pPr marL="37931725" indent="-37474525" eaLnBrk="0" hangingPunct="0">
-              <a:defRPr sz="2400">
-                <a:solidFill>
-                  <a:schemeClr val="tx1"/>
-                </a:solidFill>
-                <a:latin typeface="Arial" charset="0"/>
-                <a:ea typeface="ＭＳ Ｐゴシック" pitchFamily="-106" charset="-128"/>
-              </a:defRPr>
-            </a:lvl2pPr>
-            <a:lvl3pPr eaLnBrk="0" hangingPunct="0">
-              <a:defRPr sz="2400">
-                <a:solidFill>
-                  <a:schemeClr val="tx1"/>
-                </a:solidFill>
-                <a:latin typeface="Arial" charset="0"/>
-                <a:ea typeface="ＭＳ Ｐゴシック" pitchFamily="-106" charset="-128"/>
-              </a:defRPr>
-            </a:lvl3pPr>
-            <a:lvl4pPr eaLnBrk="0" hangingPunct="0">
-              <a:defRPr sz="2400">
-                <a:solidFill>
-                  <a:schemeClr val="tx1"/>
-                </a:solidFill>
-                <a:latin typeface="Arial" charset="0"/>
-                <a:ea typeface="ＭＳ Ｐゴシック" pitchFamily="-106" charset="-128"/>
-              </a:defRPr>
-            </a:lvl4pPr>
-            <a:lvl5pPr eaLnBrk="0" hangingPunct="0">
-              <a:defRPr sz="2400">
-                <a:solidFill>
-                  <a:schemeClr val="tx1"/>
-                </a:solidFill>
-                <a:latin typeface="Arial" charset="0"/>
-                <a:ea typeface="ＭＳ Ｐゴシック" pitchFamily="-106" charset="-128"/>
-              </a:defRPr>
-            </a:lvl5pPr>
-            <a:lvl6pPr marL="457200" eaLnBrk="0" fontAlgn="base" hangingPunct="0">
-              <a:spcBef>
-                <a:spcPct val="0"/>
-              </a:spcBef>
-              <a:spcAft>
-                <a:spcPct val="0"/>
-              </a:spcAft>
-              <a:defRPr sz="2400">
-                <a:solidFill>
-                  <a:schemeClr val="tx1"/>
-                </a:solidFill>
-                <a:latin typeface="Arial" charset="0"/>
-                <a:ea typeface="ＭＳ Ｐゴシック" pitchFamily="-106" charset="-128"/>
-              </a:defRPr>
-            </a:lvl6pPr>
-            <a:lvl7pPr marL="914400" eaLnBrk="0" fontAlgn="base" hangingPunct="0">
-              <a:spcBef>
-                <a:spcPct val="0"/>
-              </a:spcBef>
-              <a:spcAft>
-                <a:spcPct val="0"/>
-              </a:spcAft>
-              <a:defRPr sz="2400">
-                <a:solidFill>
-                  <a:schemeClr val="tx1"/>
-                </a:solidFill>
-                <a:latin typeface="Arial" charset="0"/>
-                <a:ea typeface="ＭＳ Ｐゴシック" pitchFamily="-106" charset="-128"/>
-              </a:defRPr>
-            </a:lvl7pPr>
-            <a:lvl8pPr marL="1371600" eaLnBrk="0" fontAlgn="base" hangingPunct="0">
-              <a:spcBef>
-                <a:spcPct val="0"/>
-              </a:spcBef>
-              <a:spcAft>
-                <a:spcPct val="0"/>
-              </a:spcAft>
-              <a:defRPr sz="2400">
-                <a:solidFill>
-                  <a:schemeClr val="tx1"/>
-                </a:solidFill>
-                <a:latin typeface="Arial" charset="0"/>
-                <a:ea typeface="ＭＳ Ｐゴシック" pitchFamily="-106" charset="-128"/>
-              </a:defRPr>
-            </a:lvl8pPr>
-            <a:lvl9pPr marL="1828800" eaLnBrk="0" fontAlgn="base" hangingPunct="0">
-              <a:spcBef>
-                <a:spcPct val="0"/>
-              </a:spcBef>
-              <a:spcAft>
-                <a:spcPct val="0"/>
-              </a:spcAft>
-              <a:defRPr sz="2400">
-                <a:solidFill>
-                  <a:schemeClr val="tx1"/>
-                </a:solidFill>
-                <a:latin typeface="Arial" charset="0"/>
-                <a:ea typeface="ＭＳ Ｐゴシック" pitchFamily="-106" charset="-128"/>
-              </a:defRPr>
-            </a:lvl9pPr>
-          </a:lstStyle>
-          <a:p>
-            <a:pPr eaLnBrk="1" hangingPunct="1"/>
-            <a:fld id="{AAA04654-EE4A-4EBE-BC23-CDB80A2BF4DE}" type="slidenum">
-              <a:rPr lang="en-US" sz="1200">
-                <a:latin typeface="Garamond" pitchFamily="-106" charset="0"/>
-              </a:rPr>
-              <a:pPr eaLnBrk="1" hangingPunct="1"/>
-              <a:t>14</a:t>
-            </a:fld>
-            <a:endParaRPr lang="en-US" sz="1200">
-              <a:latin typeface="Garamond" pitchFamily="-106" charset="0"/>
-            </a:endParaRPr>
-          </a:p>
-        </p:txBody>
-      </p:sp>
-      <p:sp>
-        <p:nvSpPr>
-          <p:cNvPr id="47108" name="Rectangle 3"/>
-          <p:cNvSpPr>
-            <a:spLocks noGrp="1" noChangeArrowheads="1"/>
-          </p:cNvSpPr>
-          <p:nvPr>
-            <p:ph type="body" idx="1"/>
-          </p:nvPr>
-        </p:nvSpPr>
-        <p:spPr>
-          <a:xfrm>
-            <a:off x="381000" y="1600200"/>
-            <a:ext cx="8229600" cy="4530725"/>
-          </a:xfrm>
-        </p:spPr>
+        <p:spPr/>
         <p:txBody>
           <a:bodyPr/>
           <a:lstStyle/>
           <a:p>
-            <a:pPr algn="ctr" eaLnBrk="1" hangingPunct="1">
-              <a:buFont typeface="Wingdings" pitchFamily="-106" charset="2"/>
-              <a:buNone/>
-            </a:pPr>
-            <a:r>
-              <a:rPr lang="en-US" altLang="zh-TW" sz="6000" dirty="0" smtClean="0">
-                <a:solidFill>
-                  <a:schemeClr val="accent6">
-                    <a:lumMod val="75000"/>
-                  </a:schemeClr>
-                </a:solidFill>
-                <a:latin typeface="Arial" pitchFamily="34" charset="0"/>
-                <a:ea typeface="新細明體" pitchFamily="-106" charset="-120"/>
-                <a:cs typeface="Arial" pitchFamily="34" charset="0"/>
-              </a:rPr>
-              <a:t>Q &amp; A</a:t>
-            </a:r>
-            <a:endParaRPr lang="en-US" altLang="zh-TW" sz="6000" dirty="0" smtClean="0">
-              <a:solidFill>
-                <a:schemeClr val="accent6">
-                  <a:lumMod val="75000"/>
-                </a:schemeClr>
-              </a:solidFill>
-              <a:ea typeface="新細明體" pitchFamily="-106" charset="-120"/>
-            </a:endParaRPr>
+            <a:fld id="{604EAB18-E0EA-45DC-AA4D-A7A0A794259A}" type="slidenum">
+              <a:rPr lang="en-US" smtClean="0"/>
+              <a:pPr/>
+              <a:t>14</a:t>
+            </a:fld>
+            <a:endParaRPr lang="en-US"/>
           </a:p>
         </p:txBody>
       </p:sp>
     </p:spTree>
+    <p:extLst>
+      <p:ext uri="{BB962C8B-B14F-4D97-AF65-F5344CB8AC3E}">
+        <p14:creationId xmlns:p14="http://schemas.microsoft.com/office/powerpoint/2010/main" val="3173096143"/>
+      </p:ext>
+    </p:extLst>
   </p:cSld>
   <p:clrMapOvr>
     <a:masterClrMapping/>
@@ -7686,7 +8408,12 @@
             <p:ph type="title"/>
           </p:nvPr>
         </p:nvSpPr>
-        <p:spPr/>
+        <p:spPr>
+          <a:xfrm>
+            <a:off x="457200" y="277813"/>
+            <a:ext cx="8686800" cy="1139825"/>
+          </a:xfrm>
+        </p:spPr>
         <p:txBody>
           <a:bodyPr/>
           <a:lstStyle/>
@@ -7698,7 +8425,34 @@
                 <a:ea typeface="新細明體" pitchFamily="-106" charset="-120"/>
                 <a:cs typeface="Arial" pitchFamily="34" charset="0"/>
               </a:rPr>
-              <a:t>Reference</a:t>
+              <a:t>Experiment-</a:t>
+            </a:r>
+            <a:r>
+              <a:rPr lang="en-US" altLang="zh-TW" b="1" dirty="0" smtClean="0">
+                <a:latin typeface="Arial" pitchFamily="34" charset="0"/>
+                <a:ea typeface="新細明體" pitchFamily="-106" charset="-120"/>
+                <a:cs typeface="Arial" pitchFamily="34" charset="0"/>
+              </a:rPr>
+              <a:t>Linear Separable</a:t>
+            </a:r>
+            <a:r>
+              <a:rPr lang="en-US" altLang="zh-TW" sz="4400" dirty="0">
+                <a:ea typeface="新細明體" pitchFamily="-106" charset="-120"/>
+              </a:rPr>
+              <a:t/>
+            </a:r>
+            <a:br>
+              <a:rPr lang="en-US" altLang="zh-TW" sz="4400" dirty="0">
+                <a:ea typeface="新細明體" pitchFamily="-106" charset="-120"/>
+              </a:rPr>
+            </a:br>
+            <a:r>
+              <a:rPr lang="en-US" altLang="zh-CN" b="1" dirty="0" smtClean="0">
+                <a:latin typeface="Arial" pitchFamily="34" charset="0"/>
+                <a:ea typeface="新細明體" pitchFamily="-106" charset="-120"/>
+                <a:cs typeface="Arial" pitchFamily="34" charset="0"/>
+              </a:rPr>
+              <a:t> </a:t>
             </a:r>
             <a:endParaRPr lang="zh-CN" altLang="en-US" b="1" dirty="0">
               <a:latin typeface="Arial" pitchFamily="34" charset="0"/>
@@ -7708,115 +8462,35 @@
           </a:p>
         </p:txBody>
       </p:sp>
-      <p:sp>
-        <p:nvSpPr>
-          <p:cNvPr id="3" name="Content Placeholder 2"/>
-          <p:cNvSpPr>
-            <a:spLocks noGrp="1"/>
-          </p:cNvSpPr>
+      <p:pic>
+        <p:nvPicPr>
+          <p:cNvPr id="5" name="Content Placeholder 4"/>
+          <p:cNvPicPr>
+            <a:picLocks noGrp="1" noChangeAspect="1"/>
+          </p:cNvPicPr>
           <p:nvPr>
             <p:ph idx="1"/>
           </p:nvPr>
-        </p:nvSpPr>
+        </p:nvPicPr>
+        <p:blipFill>
+          <a:blip r:embed="rId2">
+            <a:extLst>
+              <a:ext uri="{28A0092B-C50C-407E-A947-70E740481C1C}">
+                <a14:useLocalDpi xmlns:a14="http://schemas.microsoft.com/office/drawing/2010/main" val="0"/>
+              </a:ext>
+            </a:extLst>
+          </a:blip>
+          <a:stretch>
+            <a:fillRect/>
+          </a:stretch>
+        </p:blipFill>
         <p:spPr>
           <a:xfrm>
-            <a:off x="457200" y="1219200"/>
-            <a:ext cx="8534400" cy="4911725"/>
+            <a:off x="304800" y="1371600"/>
+            <a:ext cx="8563428" cy="4495799"/>
           </a:xfrm>
         </p:spPr>
-        <p:txBody>
-          <a:bodyPr/>
-          <a:lstStyle/>
-          <a:p>
-            <a:pPr marL="0" indent="0">
-              <a:buNone/>
-            </a:pPr>
-            <a:r>
-              <a:rPr lang="en-US" sz="2000" dirty="0"/>
-              <a:t>[1] </a:t>
-            </a:r>
-            <a:r>
-              <a:rPr lang="en-US" sz="2000" dirty="0" err="1"/>
-              <a:t>Dasgupta</a:t>
-            </a:r>
-            <a:r>
-              <a:rPr lang="en-US" sz="2000" dirty="0"/>
-              <a:t>, </a:t>
-            </a:r>
-            <a:r>
-              <a:rPr lang="en-US" sz="2000" dirty="0" err="1"/>
-              <a:t>Kalai</a:t>
-            </a:r>
-            <a:r>
-              <a:rPr lang="en-US" sz="2000" dirty="0"/>
-              <a:t>, and </a:t>
-            </a:r>
-            <a:r>
-              <a:rPr lang="en-US" sz="2000" dirty="0" err="1"/>
-              <a:t>Monteleoni</a:t>
-            </a:r>
-            <a:r>
-              <a:rPr lang="en-US" sz="2000" dirty="0"/>
-              <a:t>. Analysis of Perceptron-based Active Learning. COLT, 2005.</a:t>
-            </a:r>
-            <a:r>
-              <a:rPr lang="en-US" sz="2000" dirty="0"/>
-              <a:t/>
-            </a:r>
-            <a:br>
-              <a:rPr lang="en-US" sz="2000" dirty="0"/>
-            </a:br>
-            <a:r>
-              <a:rPr lang="en-US" sz="2000" dirty="0"/>
-              <a:t>[2] Freund, </a:t>
-            </a:r>
-            <a:r>
-              <a:rPr lang="en-US" sz="2000" dirty="0" err="1"/>
-              <a:t>Seung</a:t>
-            </a:r>
-            <a:r>
-              <a:rPr lang="en-US" sz="2000" dirty="0"/>
-              <a:t>, Shamir, and </a:t>
-            </a:r>
-            <a:r>
-              <a:rPr lang="en-US" sz="2000" dirty="0" err="1"/>
-              <a:t>Tishby</a:t>
-            </a:r>
-            <a:r>
-              <a:rPr lang="en-US" sz="2000" dirty="0"/>
-              <a:t>. Selective Sampling Using the Query by Committee Algorithm. Machine Learning, 1997.</a:t>
-            </a:r>
-            <a:r>
-              <a:rPr lang="en-US" sz="2000" dirty="0"/>
-              <a:t/>
-            </a:r>
-            <a:br>
-              <a:rPr lang="en-US" sz="2000" dirty="0"/>
-            </a:br>
-            <a:r>
-              <a:rPr lang="en-US" sz="2000" dirty="0"/>
-              <a:t>[3] </a:t>
-            </a:r>
-            <a:r>
-              <a:rPr lang="en-US" sz="2000" dirty="0" err="1"/>
-              <a:t>Balcan</a:t>
-            </a:r>
-            <a:r>
-              <a:rPr lang="en-US" sz="2000" dirty="0"/>
-              <a:t>, </a:t>
-            </a:r>
-            <a:r>
-              <a:rPr lang="en-US" sz="2000" dirty="0" err="1"/>
-              <a:t>Broder</a:t>
-            </a:r>
-            <a:r>
-              <a:rPr lang="en-US" sz="2000" dirty="0"/>
-              <a:t> and Zhang. Margin-based Active Learning. COLT, 2007.</a:t>
-            </a:r>
-            <a:endParaRPr lang="zh-CN" altLang="en-US" sz="2000" dirty="0"/>
-          </a:p>
-        </p:txBody>
-      </p:sp>
+      </p:pic>
       <p:sp>
         <p:nvSpPr>
           <p:cNvPr id="4" name="Slide Number Placeholder 3"/>
@@ -7844,7 +8518,623 @@
     </p:spTree>
     <p:extLst>
       <p:ext uri="{BB962C8B-B14F-4D97-AF65-F5344CB8AC3E}">
-        <p14:creationId xmlns:p14="http://schemas.microsoft.com/office/powerpoint/2010/main" val="1116743142"/>
+        <p14:creationId xmlns:p14="http://schemas.microsoft.com/office/powerpoint/2010/main" val="3755122923"/>
+      </p:ext>
+    </p:extLst>
+  </p:cSld>
+  <p:clrMapOvr>
+    <a:masterClrMapping/>
+  </p:clrMapOvr>
+  <p:timing>
+    <p:tnLst>
+      <p:par>
+        <p:cTn id="1" dur="indefinite" restart="never" nodeType="tmRoot"/>
+      </p:par>
+    </p:tnLst>
+  </p:timing>
+</p:sld>
+</file>
+
+<file path=ppt/slides/slide16.xml><?xml version="1.0" encoding="utf-8"?>
+<p:sld xmlns:a="http://schemas.openxmlformats.org/drawingml/2006/main" xmlns:r="http://schemas.openxmlformats.org/officeDocument/2006/relationships" xmlns:p="http://schemas.openxmlformats.org/presentationml/2006/main">
+  <p:cSld>
+    <p:spTree>
+      <p:nvGrpSpPr>
+        <p:cNvPr id="1" name=""/>
+        <p:cNvGrpSpPr/>
+        <p:nvPr/>
+      </p:nvGrpSpPr>
+      <p:grpSpPr>
+        <a:xfrm>
+          <a:off x="0" y="0"/>
+          <a:ext cx="0" cy="0"/>
+          <a:chOff x="0" y="0"/>
+          <a:chExt cx="0" cy="0"/>
+        </a:xfrm>
+      </p:grpSpPr>
+      <p:sp>
+        <p:nvSpPr>
+          <p:cNvPr id="2" name="Title 1"/>
+          <p:cNvSpPr>
+            <a:spLocks noGrp="1"/>
+          </p:cNvSpPr>
+          <p:nvPr>
+            <p:ph type="title"/>
+          </p:nvPr>
+        </p:nvSpPr>
+        <p:spPr>
+          <a:xfrm>
+            <a:off x="457200" y="277813"/>
+            <a:ext cx="8686800" cy="1139825"/>
+          </a:xfrm>
+        </p:spPr>
+        <p:txBody>
+          <a:bodyPr/>
+          <a:lstStyle/>
+          <a:p>
+            <a:pPr eaLnBrk="1" hangingPunct="1"/>
+            <a:r>
+              <a:rPr lang="en-US" altLang="zh-CN" b="1" dirty="0" smtClean="0">
+                <a:latin typeface="Arial" pitchFamily="34" charset="0"/>
+                <a:ea typeface="新細明體" pitchFamily="-106" charset="-120"/>
+                <a:cs typeface="Arial" pitchFamily="34" charset="0"/>
+              </a:rPr>
+              <a:t>Experiment-</a:t>
+            </a:r>
+            <a:r>
+              <a:rPr lang="en-US" altLang="zh-TW" b="1" dirty="0" smtClean="0">
+                <a:latin typeface="Arial" pitchFamily="34" charset="0"/>
+                <a:ea typeface="新細明體" pitchFamily="-106" charset="-120"/>
+                <a:cs typeface="Arial" pitchFamily="34" charset="0"/>
+              </a:rPr>
+              <a:t>Linear Separable</a:t>
+            </a:r>
+            <a:r>
+              <a:rPr lang="en-US" altLang="zh-TW" sz="4400" dirty="0">
+                <a:ea typeface="新細明體" pitchFamily="-106" charset="-120"/>
+              </a:rPr>
+              <a:t/>
+            </a:r>
+            <a:br>
+              <a:rPr lang="en-US" altLang="zh-TW" sz="4400" dirty="0">
+                <a:ea typeface="新細明體" pitchFamily="-106" charset="-120"/>
+              </a:rPr>
+            </a:br>
+            <a:r>
+              <a:rPr lang="en-US" altLang="zh-CN" b="1" dirty="0" smtClean="0">
+                <a:latin typeface="Arial" pitchFamily="34" charset="0"/>
+                <a:ea typeface="新細明體" pitchFamily="-106" charset="-120"/>
+                <a:cs typeface="Arial" pitchFamily="34" charset="0"/>
+              </a:rPr>
+              <a:t> </a:t>
+            </a:r>
+            <a:endParaRPr lang="zh-CN" altLang="en-US" b="1" dirty="0">
+              <a:latin typeface="Arial" pitchFamily="34" charset="0"/>
+              <a:ea typeface="新細明體" pitchFamily="-106" charset="-120"/>
+              <a:cs typeface="Arial" pitchFamily="34" charset="0"/>
+            </a:endParaRPr>
+          </a:p>
+        </p:txBody>
+      </p:sp>
+      <p:pic>
+        <p:nvPicPr>
+          <p:cNvPr id="5" name="Content Placeholder 4"/>
+          <p:cNvPicPr>
+            <a:picLocks noGrp="1" noChangeAspect="1"/>
+          </p:cNvPicPr>
+          <p:nvPr>
+            <p:ph idx="1"/>
+          </p:nvPr>
+        </p:nvPicPr>
+        <p:blipFill>
+          <a:blip r:embed="rId2">
+            <a:extLst>
+              <a:ext uri="{28A0092B-C50C-407E-A947-70E740481C1C}">
+                <a14:useLocalDpi xmlns:a14="http://schemas.microsoft.com/office/drawing/2010/main" val="0"/>
+              </a:ext>
+            </a:extLst>
+          </a:blip>
+          <a:stretch>
+            <a:fillRect/>
+          </a:stretch>
+        </p:blipFill>
+        <p:spPr>
+          <a:xfrm>
+            <a:off x="304800" y="1371600"/>
+            <a:ext cx="8563428" cy="4495800"/>
+          </a:xfrm>
+        </p:spPr>
+      </p:pic>
+      <p:sp>
+        <p:nvSpPr>
+          <p:cNvPr id="4" name="Slide Number Placeholder 3"/>
+          <p:cNvSpPr>
+            <a:spLocks noGrp="1"/>
+          </p:cNvSpPr>
+          <p:nvPr>
+            <p:ph type="sldNum" sz="quarter" idx="12"/>
+          </p:nvPr>
+        </p:nvSpPr>
+        <p:spPr/>
+        <p:txBody>
+          <a:bodyPr/>
+          <a:lstStyle/>
+          <a:p>
+            <a:fld id="{604EAB18-E0EA-45DC-AA4D-A7A0A794259A}" type="slidenum">
+              <a:rPr lang="en-US" smtClean="0"/>
+              <a:pPr/>
+              <a:t>16</a:t>
+            </a:fld>
+            <a:endParaRPr lang="en-US"/>
+          </a:p>
+        </p:txBody>
+      </p:sp>
+    </p:spTree>
+    <p:extLst>
+      <p:ext uri="{BB962C8B-B14F-4D97-AF65-F5344CB8AC3E}">
+        <p14:creationId xmlns:p14="http://schemas.microsoft.com/office/powerpoint/2010/main" val="3173096143"/>
+      </p:ext>
+    </p:extLst>
+  </p:cSld>
+  <p:clrMapOvr>
+    <a:masterClrMapping/>
+  </p:clrMapOvr>
+  <p:timing>
+    <p:tnLst>
+      <p:par>
+        <p:cTn id="1" dur="indefinite" restart="never" nodeType="tmRoot"/>
+      </p:par>
+    </p:tnLst>
+  </p:timing>
+</p:sld>
+</file>
+
+<file path=ppt/slides/slide17.xml><?xml version="1.0" encoding="utf-8"?>
+<p:sld xmlns:a="http://schemas.openxmlformats.org/drawingml/2006/main" xmlns:r="http://schemas.openxmlformats.org/officeDocument/2006/relationships" xmlns:p="http://schemas.openxmlformats.org/presentationml/2006/main">
+  <p:cSld>
+    <p:spTree>
+      <p:nvGrpSpPr>
+        <p:cNvPr id="1" name=""/>
+        <p:cNvGrpSpPr/>
+        <p:nvPr/>
+      </p:nvGrpSpPr>
+      <p:grpSpPr>
+        <a:xfrm>
+          <a:off x="0" y="0"/>
+          <a:ext cx="0" cy="0"/>
+          <a:chOff x="0" y="0"/>
+          <a:chExt cx="0" cy="0"/>
+        </a:xfrm>
+      </p:grpSpPr>
+      <p:sp>
+        <p:nvSpPr>
+          <p:cNvPr id="2" name="Title 1"/>
+          <p:cNvSpPr>
+            <a:spLocks noGrp="1"/>
+          </p:cNvSpPr>
+          <p:nvPr>
+            <p:ph type="title"/>
+          </p:nvPr>
+        </p:nvSpPr>
+        <p:spPr>
+          <a:xfrm>
+            <a:off x="457200" y="277813"/>
+            <a:ext cx="8686800" cy="1139825"/>
+          </a:xfrm>
+        </p:spPr>
+        <p:txBody>
+          <a:bodyPr/>
+          <a:lstStyle/>
+          <a:p>
+            <a:pPr eaLnBrk="1" hangingPunct="1"/>
+            <a:r>
+              <a:rPr lang="en-US" altLang="zh-CN" b="1" dirty="0" smtClean="0">
+                <a:latin typeface="Arial" pitchFamily="34" charset="0"/>
+                <a:ea typeface="新細明體" pitchFamily="-106" charset="-120"/>
+                <a:cs typeface="Arial" pitchFamily="34" charset="0"/>
+              </a:rPr>
+              <a:t>Experiment-</a:t>
+            </a:r>
+            <a:r>
+              <a:rPr lang="en-US" altLang="zh-TW" b="1" dirty="0" smtClean="0">
+                <a:latin typeface="Arial" pitchFamily="34" charset="0"/>
+                <a:ea typeface="新細明體" pitchFamily="-106" charset="-120"/>
+                <a:cs typeface="Arial" pitchFamily="34" charset="0"/>
+              </a:rPr>
+              <a:t>Linear Separable</a:t>
+            </a:r>
+            <a:r>
+              <a:rPr lang="en-US" altLang="zh-TW" sz="4400" dirty="0">
+                <a:ea typeface="新細明體" pitchFamily="-106" charset="-120"/>
+              </a:rPr>
+              <a:t/>
+            </a:r>
+            <a:br>
+              <a:rPr lang="en-US" altLang="zh-TW" sz="4400" dirty="0">
+                <a:ea typeface="新細明體" pitchFamily="-106" charset="-120"/>
+              </a:rPr>
+            </a:br>
+            <a:r>
+              <a:rPr lang="en-US" altLang="zh-CN" b="1" dirty="0" smtClean="0">
+                <a:latin typeface="Arial" pitchFamily="34" charset="0"/>
+                <a:ea typeface="新細明體" pitchFamily="-106" charset="-120"/>
+                <a:cs typeface="Arial" pitchFamily="34" charset="0"/>
+              </a:rPr>
+              <a:t> </a:t>
+            </a:r>
+            <a:endParaRPr lang="zh-CN" altLang="en-US" b="1" dirty="0">
+              <a:latin typeface="Arial" pitchFamily="34" charset="0"/>
+              <a:ea typeface="新細明體" pitchFamily="-106" charset="-120"/>
+              <a:cs typeface="Arial" pitchFamily="34" charset="0"/>
+            </a:endParaRPr>
+          </a:p>
+        </p:txBody>
+      </p:sp>
+      <p:pic>
+        <p:nvPicPr>
+          <p:cNvPr id="5" name="Content Placeholder 4"/>
+          <p:cNvPicPr>
+            <a:picLocks noGrp="1" noChangeAspect="1"/>
+          </p:cNvPicPr>
+          <p:nvPr>
+            <p:ph idx="1"/>
+          </p:nvPr>
+        </p:nvPicPr>
+        <p:blipFill>
+          <a:blip r:embed="rId2">
+            <a:extLst>
+              <a:ext uri="{28A0092B-C50C-407E-A947-70E740481C1C}">
+                <a14:useLocalDpi xmlns:a14="http://schemas.microsoft.com/office/drawing/2010/main" val="0"/>
+              </a:ext>
+            </a:extLst>
+          </a:blip>
+          <a:stretch>
+            <a:fillRect/>
+          </a:stretch>
+        </p:blipFill>
+        <p:spPr>
+          <a:xfrm>
+            <a:off x="304800" y="1371600"/>
+            <a:ext cx="8563428" cy="4495800"/>
+          </a:xfrm>
+        </p:spPr>
+      </p:pic>
+      <p:sp>
+        <p:nvSpPr>
+          <p:cNvPr id="4" name="Slide Number Placeholder 3"/>
+          <p:cNvSpPr>
+            <a:spLocks noGrp="1"/>
+          </p:cNvSpPr>
+          <p:nvPr>
+            <p:ph type="sldNum" sz="quarter" idx="12"/>
+          </p:nvPr>
+        </p:nvSpPr>
+        <p:spPr/>
+        <p:txBody>
+          <a:bodyPr/>
+          <a:lstStyle/>
+          <a:p>
+            <a:fld id="{604EAB18-E0EA-45DC-AA4D-A7A0A794259A}" type="slidenum">
+              <a:rPr lang="en-US" smtClean="0"/>
+              <a:pPr/>
+              <a:t>17</a:t>
+            </a:fld>
+            <a:endParaRPr lang="en-US"/>
+          </a:p>
+        </p:txBody>
+      </p:sp>
+    </p:spTree>
+    <p:extLst>
+      <p:ext uri="{BB962C8B-B14F-4D97-AF65-F5344CB8AC3E}">
+        <p14:creationId xmlns:p14="http://schemas.microsoft.com/office/powerpoint/2010/main" val="3173096143"/>
+      </p:ext>
+    </p:extLst>
+  </p:cSld>
+  <p:clrMapOvr>
+    <a:masterClrMapping/>
+  </p:clrMapOvr>
+  <p:timing>
+    <p:tnLst>
+      <p:par>
+        <p:cTn id="1" dur="indefinite" restart="never" nodeType="tmRoot"/>
+      </p:par>
+    </p:tnLst>
+  </p:timing>
+</p:sld>
+</file>
+
+<file path=ppt/slides/slide18.xml><?xml version="1.0" encoding="utf-8"?>
+<p:sld xmlns:a="http://schemas.openxmlformats.org/drawingml/2006/main" xmlns:r="http://schemas.openxmlformats.org/officeDocument/2006/relationships" xmlns:p="http://schemas.openxmlformats.org/presentationml/2006/main">
+  <p:cSld>
+    <p:spTree>
+      <p:nvGrpSpPr>
+        <p:cNvPr id="1" name=""/>
+        <p:cNvGrpSpPr/>
+        <p:nvPr/>
+      </p:nvGrpSpPr>
+      <p:grpSpPr>
+        <a:xfrm>
+          <a:off x="0" y="0"/>
+          <a:ext cx="0" cy="0"/>
+          <a:chOff x="0" y="0"/>
+          <a:chExt cx="0" cy="0"/>
+        </a:xfrm>
+      </p:grpSpPr>
+      <p:sp>
+        <p:nvSpPr>
+          <p:cNvPr id="2" name="Title 1"/>
+          <p:cNvSpPr>
+            <a:spLocks noGrp="1"/>
+          </p:cNvSpPr>
+          <p:nvPr>
+            <p:ph type="title"/>
+          </p:nvPr>
+        </p:nvSpPr>
+        <p:spPr>
+          <a:xfrm>
+            <a:off x="457200" y="277813"/>
+            <a:ext cx="8686800" cy="1139825"/>
+          </a:xfrm>
+        </p:spPr>
+        <p:txBody>
+          <a:bodyPr/>
+          <a:lstStyle/>
+          <a:p>
+            <a:pPr eaLnBrk="1" hangingPunct="1"/>
+            <a:r>
+              <a:rPr lang="en-US" altLang="zh-CN" b="1" dirty="0" smtClean="0">
+                <a:latin typeface="Arial" pitchFamily="34" charset="0"/>
+                <a:ea typeface="新細明體" pitchFamily="-106" charset="-120"/>
+                <a:cs typeface="Arial" pitchFamily="34" charset="0"/>
+              </a:rPr>
+              <a:t>Experiment-</a:t>
+            </a:r>
+            <a:r>
+              <a:rPr lang="en-US" altLang="zh-TW" b="1" dirty="0" smtClean="0">
+                <a:latin typeface="Arial" pitchFamily="34" charset="0"/>
+                <a:ea typeface="新細明體" pitchFamily="-106" charset="-120"/>
+                <a:cs typeface="Arial" pitchFamily="34" charset="0"/>
+              </a:rPr>
+              <a:t>Noisy</a:t>
+            </a:r>
+            <a:r>
+              <a:rPr lang="en-US" altLang="zh-TW" sz="4400" dirty="0">
+                <a:ea typeface="新細明體" pitchFamily="-106" charset="-120"/>
+              </a:rPr>
+              <a:t/>
+            </a:r>
+            <a:br>
+              <a:rPr lang="en-US" altLang="zh-TW" sz="4400" dirty="0">
+                <a:ea typeface="新細明體" pitchFamily="-106" charset="-120"/>
+              </a:rPr>
+            </a:br>
+            <a:r>
+              <a:rPr lang="en-US" altLang="zh-CN" b="1" dirty="0" smtClean="0">
+                <a:latin typeface="Arial" pitchFamily="34" charset="0"/>
+                <a:ea typeface="新細明體" pitchFamily="-106" charset="-120"/>
+                <a:cs typeface="Arial" pitchFamily="34" charset="0"/>
+              </a:rPr>
+              <a:t> </a:t>
+            </a:r>
+            <a:endParaRPr lang="zh-CN" altLang="en-US" b="1" dirty="0">
+              <a:latin typeface="Arial" pitchFamily="34" charset="0"/>
+              <a:ea typeface="新細明體" pitchFamily="-106" charset="-120"/>
+              <a:cs typeface="Arial" pitchFamily="34" charset="0"/>
+            </a:endParaRPr>
+          </a:p>
+        </p:txBody>
+      </p:sp>
+      <p:pic>
+        <p:nvPicPr>
+          <p:cNvPr id="5" name="Content Placeholder 4"/>
+          <p:cNvPicPr>
+            <a:picLocks noGrp="1" noChangeAspect="1"/>
+          </p:cNvPicPr>
+          <p:nvPr>
+            <p:ph idx="1"/>
+          </p:nvPr>
+        </p:nvPicPr>
+        <p:blipFill>
+          <a:blip r:embed="rId2">
+            <a:extLst>
+              <a:ext uri="{28A0092B-C50C-407E-A947-70E740481C1C}">
+                <a14:useLocalDpi xmlns:a14="http://schemas.microsoft.com/office/drawing/2010/main" val="0"/>
+              </a:ext>
+            </a:extLst>
+          </a:blip>
+          <a:stretch>
+            <a:fillRect/>
+          </a:stretch>
+        </p:blipFill>
+        <p:spPr>
+          <a:xfrm>
+            <a:off x="304800" y="1371600"/>
+            <a:ext cx="8563428" cy="4495800"/>
+          </a:xfrm>
+        </p:spPr>
+      </p:pic>
+      <p:sp>
+        <p:nvSpPr>
+          <p:cNvPr id="4" name="Slide Number Placeholder 3"/>
+          <p:cNvSpPr>
+            <a:spLocks noGrp="1"/>
+          </p:cNvSpPr>
+          <p:nvPr>
+            <p:ph type="sldNum" sz="quarter" idx="12"/>
+          </p:nvPr>
+        </p:nvSpPr>
+        <p:spPr/>
+        <p:txBody>
+          <a:bodyPr/>
+          <a:lstStyle/>
+          <a:p>
+            <a:fld id="{604EAB18-E0EA-45DC-AA4D-A7A0A794259A}" type="slidenum">
+              <a:rPr lang="en-US" smtClean="0"/>
+              <a:pPr/>
+              <a:t>18</a:t>
+            </a:fld>
+            <a:endParaRPr lang="en-US"/>
+          </a:p>
+        </p:txBody>
+      </p:sp>
+    </p:spTree>
+    <p:extLst>
+      <p:ext uri="{BB962C8B-B14F-4D97-AF65-F5344CB8AC3E}">
+        <p14:creationId xmlns:p14="http://schemas.microsoft.com/office/powerpoint/2010/main" val="3973917498"/>
+      </p:ext>
+    </p:extLst>
+  </p:cSld>
+  <p:clrMapOvr>
+    <a:masterClrMapping/>
+  </p:clrMapOvr>
+  <p:timing>
+    <p:tnLst>
+      <p:par>
+        <p:cTn id="1" dur="indefinite" restart="never" nodeType="tmRoot"/>
+      </p:par>
+    </p:tnLst>
+  </p:timing>
+</p:sld>
+</file>
+
+<file path=ppt/slides/slide19.xml><?xml version="1.0" encoding="utf-8"?>
+<p:sld xmlns:a="http://schemas.openxmlformats.org/drawingml/2006/main" xmlns:r="http://schemas.openxmlformats.org/officeDocument/2006/relationships" xmlns:p="http://schemas.openxmlformats.org/presentationml/2006/main">
+  <p:cSld>
+    <p:spTree>
+      <p:nvGrpSpPr>
+        <p:cNvPr id="1" name=""/>
+        <p:cNvGrpSpPr/>
+        <p:nvPr/>
+      </p:nvGrpSpPr>
+      <p:grpSpPr>
+        <a:xfrm>
+          <a:off x="0" y="0"/>
+          <a:ext cx="0" cy="0"/>
+          <a:chOff x="0" y="0"/>
+          <a:chExt cx="0" cy="0"/>
+        </a:xfrm>
+      </p:grpSpPr>
+      <p:sp>
+        <p:nvSpPr>
+          <p:cNvPr id="2" name="Title 1"/>
+          <p:cNvSpPr>
+            <a:spLocks noGrp="1"/>
+          </p:cNvSpPr>
+          <p:nvPr>
+            <p:ph type="title"/>
+          </p:nvPr>
+        </p:nvSpPr>
+        <p:spPr>
+          <a:xfrm>
+            <a:off x="457200" y="277813"/>
+            <a:ext cx="8686800" cy="1139825"/>
+          </a:xfrm>
+        </p:spPr>
+        <p:txBody>
+          <a:bodyPr/>
+          <a:lstStyle/>
+          <a:p>
+            <a:pPr eaLnBrk="1" hangingPunct="1"/>
+            <a:r>
+              <a:rPr lang="en-US" altLang="zh-CN" b="1" dirty="0" smtClean="0">
+                <a:latin typeface="Arial" pitchFamily="34" charset="0"/>
+                <a:ea typeface="新細明體" pitchFamily="-106" charset="-120"/>
+                <a:cs typeface="Arial" pitchFamily="34" charset="0"/>
+              </a:rPr>
+              <a:t>Experiment-</a:t>
+            </a:r>
+            <a:r>
+              <a:rPr lang="en-US" altLang="zh-TW" b="1" dirty="0" smtClean="0">
+                <a:latin typeface="Arial" pitchFamily="34" charset="0"/>
+                <a:ea typeface="新細明體" pitchFamily="-106" charset="-120"/>
+                <a:cs typeface="Arial" pitchFamily="34" charset="0"/>
+              </a:rPr>
+              <a:t>Real Data</a:t>
+            </a:r>
+            <a:r>
+              <a:rPr lang="en-US" altLang="zh-TW" sz="4400" dirty="0">
+                <a:ea typeface="新細明體" pitchFamily="-106" charset="-120"/>
+              </a:rPr>
+              <a:t/>
+            </a:r>
+            <a:br>
+              <a:rPr lang="en-US" altLang="zh-TW" sz="4400" dirty="0">
+                <a:ea typeface="新細明體" pitchFamily="-106" charset="-120"/>
+              </a:rPr>
+            </a:br>
+            <a:r>
+              <a:rPr lang="en-US" altLang="zh-CN" b="1" dirty="0" smtClean="0">
+                <a:latin typeface="Arial" pitchFamily="34" charset="0"/>
+                <a:ea typeface="新細明體" pitchFamily="-106" charset="-120"/>
+                <a:cs typeface="Arial" pitchFamily="34" charset="0"/>
+              </a:rPr>
+              <a:t> </a:t>
+            </a:r>
+            <a:endParaRPr lang="zh-CN" altLang="en-US" b="1" dirty="0">
+              <a:latin typeface="Arial" pitchFamily="34" charset="0"/>
+              <a:ea typeface="新細明體" pitchFamily="-106" charset="-120"/>
+              <a:cs typeface="Arial" pitchFamily="34" charset="0"/>
+            </a:endParaRPr>
+          </a:p>
+        </p:txBody>
+      </p:sp>
+      <p:pic>
+        <p:nvPicPr>
+          <p:cNvPr id="5" name="Content Placeholder 4"/>
+          <p:cNvPicPr>
+            <a:picLocks noGrp="1" noChangeAspect="1"/>
+          </p:cNvPicPr>
+          <p:nvPr>
+            <p:ph idx="1"/>
+          </p:nvPr>
+        </p:nvPicPr>
+        <p:blipFill>
+          <a:blip r:embed="rId2">
+            <a:extLst>
+              <a:ext uri="{28A0092B-C50C-407E-A947-70E740481C1C}">
+                <a14:useLocalDpi xmlns:a14="http://schemas.microsoft.com/office/drawing/2010/main" val="0"/>
+              </a:ext>
+            </a:extLst>
+          </a:blip>
+          <a:stretch>
+            <a:fillRect/>
+          </a:stretch>
+        </p:blipFill>
+        <p:spPr>
+          <a:xfrm>
+            <a:off x="304800" y="1371600"/>
+            <a:ext cx="8563428" cy="4495800"/>
+          </a:xfrm>
+        </p:spPr>
+      </p:pic>
+      <p:sp>
+        <p:nvSpPr>
+          <p:cNvPr id="4" name="Slide Number Placeholder 3"/>
+          <p:cNvSpPr>
+            <a:spLocks noGrp="1"/>
+          </p:cNvSpPr>
+          <p:nvPr>
+            <p:ph type="sldNum" sz="quarter" idx="12"/>
+          </p:nvPr>
+        </p:nvSpPr>
+        <p:spPr/>
+        <p:txBody>
+          <a:bodyPr/>
+          <a:lstStyle/>
+          <a:p>
+            <a:fld id="{604EAB18-E0EA-45DC-AA4D-A7A0A794259A}" type="slidenum">
+              <a:rPr lang="en-US" smtClean="0"/>
+              <a:pPr/>
+              <a:t>19</a:t>
+            </a:fld>
+            <a:endParaRPr lang="en-US"/>
+          </a:p>
+        </p:txBody>
+      </p:sp>
+    </p:spTree>
+    <p:extLst>
+      <p:ext uri="{BB962C8B-B14F-4D97-AF65-F5344CB8AC3E}">
+        <p14:creationId xmlns:p14="http://schemas.microsoft.com/office/powerpoint/2010/main" val="3973917498"/>
       </p:ext>
     </p:extLst>
   </p:cSld>
@@ -8303,28 +9593,113 @@
           </a:lstStyle>
           <a:p>
             <a:pPr eaLnBrk="1" hangingPunct="1">
+              <a:spcBef>
+                <a:spcPts val="600"/>
+              </a:spcBef>
+              <a:spcAft>
+                <a:spcPts val="600"/>
+              </a:spcAft>
+            </a:pPr>
+            <a:r>
+              <a:rPr lang="en-US" altLang="zh-TW" sz="2600" dirty="0" smtClean="0">
+                <a:ea typeface="新細明體" pitchFamily="-106" charset="-120"/>
+              </a:rPr>
+              <a:t>A whole lot of unlabeled points available, but labels expensive</a:t>
+            </a:r>
+          </a:p>
+          <a:p>
+            <a:pPr eaLnBrk="1" hangingPunct="1">
+              <a:spcBef>
+                <a:spcPts val="600"/>
+              </a:spcBef>
+              <a:spcAft>
+                <a:spcPts val="600"/>
+              </a:spcAft>
+            </a:pPr>
+            <a:r>
+              <a:rPr lang="en-US" altLang="zh-TW" sz="2600" dirty="0" smtClean="0">
+                <a:ea typeface="新細明體" pitchFamily="-106" charset="-120"/>
+              </a:rPr>
+              <a:t>Choose data points which are most </a:t>
+            </a:r>
+            <a:r>
+              <a:rPr lang="en-US" altLang="zh-TW" sz="2600" dirty="0" smtClean="0">
+                <a:ea typeface="新細明體" pitchFamily="-106" charset="-120"/>
+              </a:rPr>
+              <a:t>informative</a:t>
+            </a:r>
+            <a:endParaRPr lang="en-US" altLang="zh-TW" sz="2600" dirty="0" smtClean="0">
+              <a:ea typeface="新細明體" pitchFamily="-106" charset="-120"/>
+            </a:endParaRPr>
+          </a:p>
+          <a:p>
+            <a:pPr eaLnBrk="1" hangingPunct="1">
+              <a:spcBef>
+                <a:spcPts val="600"/>
+              </a:spcBef>
+              <a:spcAft>
+                <a:spcPts val="600"/>
+              </a:spcAft>
+            </a:pPr>
+            <a:r>
+              <a:rPr lang="en-US" altLang="zh-TW" sz="2600" dirty="0" smtClean="0">
+                <a:ea typeface="新細明體" pitchFamily="-106" charset="-120"/>
+              </a:rPr>
+              <a:t>Typical scenarios</a:t>
+            </a:r>
+          </a:p>
+          <a:p>
+            <a:pPr lvl="1" eaLnBrk="1" hangingPunct="1">
               <a:lnSpc>
                 <a:spcPct val="90000"/>
               </a:lnSpc>
             </a:pPr>
             <a:r>
-              <a:rPr lang="en-US" altLang="zh-TW" sz="2600" dirty="0" smtClean="0">
+              <a:rPr lang="en-US" altLang="zh-TW" sz="2400" dirty="0" smtClean="0">
                 <a:ea typeface="新細明體" pitchFamily="-106" charset="-120"/>
               </a:rPr>
-              <a:t>A whole lot of unlabeled points available, but labels expensive</a:t>
-            </a:r>
-          </a:p>
-          <a:p>
-            <a:pPr eaLnBrk="1" hangingPunct="1">
+              <a:t>Document (image, video) Labeling</a:t>
+            </a:r>
+            <a:endParaRPr lang="en-US" altLang="zh-TW" sz="2400" dirty="0" smtClean="0">
+              <a:ea typeface="新細明體" pitchFamily="-106" charset="-120"/>
+            </a:endParaRPr>
+          </a:p>
+          <a:p>
+            <a:pPr lvl="1" eaLnBrk="1" hangingPunct="1">
               <a:lnSpc>
                 <a:spcPct val="90000"/>
               </a:lnSpc>
             </a:pPr>
             <a:r>
-              <a:rPr lang="en-US" altLang="zh-TW" sz="2600" dirty="0" smtClean="0">
+              <a:rPr lang="en-US" altLang="zh-TW" sz="2400" dirty="0" smtClean="0">
                 <a:ea typeface="新細明體" pitchFamily="-106" charset="-120"/>
               </a:rPr>
-              <a:t>Choose data points which are most informative</a:t>
+              <a:t>Hand-writing recognition (</a:t>
+            </a:r>
+            <a:r>
+              <a:rPr lang="en-US" altLang="zh-TW" sz="2400" dirty="0" err="1" smtClean="0">
+                <a:ea typeface="新細明體" pitchFamily="-106" charset="-120"/>
+              </a:rPr>
+              <a:t>Captcha</a:t>
+            </a:r>
+            <a:r>
+              <a:rPr lang="en-US" altLang="zh-TW" sz="2400" dirty="0" smtClean="0">
+                <a:ea typeface="新細明體" pitchFamily="-106" charset="-120"/>
+              </a:rPr>
+              <a:t>)</a:t>
+            </a:r>
+          </a:p>
+          <a:p>
+            <a:pPr lvl="1" eaLnBrk="1" hangingPunct="1">
+              <a:lnSpc>
+                <a:spcPct val="90000"/>
+              </a:lnSpc>
+            </a:pPr>
+            <a:r>
+              <a:rPr lang="en-US" altLang="zh-TW" sz="2400" dirty="0" smtClean="0">
+                <a:ea typeface="新細明體" pitchFamily="-106" charset="-120"/>
+              </a:rPr>
+              <a:t>Speech recognition</a:t>
             </a:r>
           </a:p>
           <a:p>
@@ -8344,68 +9719,6 @@
               </a:lnSpc>
             </a:pPr>
             <a:r>
-              <a:rPr lang="en-US" altLang="zh-TW" sz="2600" dirty="0" smtClean="0">
-                <a:ea typeface="新細明體" pitchFamily="-106" charset="-120"/>
-              </a:rPr>
-              <a:t>Learn Actively:</a:t>
-            </a:r>
-          </a:p>
-          <a:p>
-            <a:pPr lvl="1" eaLnBrk="1" hangingPunct="1">
-              <a:lnSpc>
-                <a:spcPct val="90000"/>
-              </a:lnSpc>
-            </a:pPr>
-            <a:r>
-              <a:rPr lang="en-US" altLang="zh-TW" sz="2400" dirty="0" smtClean="0">
-                <a:ea typeface="新細明體" pitchFamily="-106" charset="-120"/>
-              </a:rPr>
-              <a:t>Select the query </a:t>
-            </a:r>
-          </a:p>
-          <a:p>
-            <a:pPr lvl="1" eaLnBrk="1" hangingPunct="1">
-              <a:lnSpc>
-                <a:spcPct val="90000"/>
-              </a:lnSpc>
-            </a:pPr>
-            <a:r>
-              <a:rPr lang="en-US" altLang="zh-TW" sz="2400" dirty="0" smtClean="0">
-                <a:ea typeface="新細明體" pitchFamily="-106" charset="-120"/>
-              </a:rPr>
-              <a:t>Maximize the accuracy</a:t>
-            </a:r>
-          </a:p>
-          <a:p>
-            <a:pPr lvl="1" eaLnBrk="1" hangingPunct="1">
-              <a:lnSpc>
-                <a:spcPct val="90000"/>
-              </a:lnSpc>
-            </a:pPr>
-            <a:r>
-              <a:rPr lang="en-US" altLang="zh-TW" sz="2400" dirty="0" smtClean="0">
-                <a:ea typeface="新細明體" pitchFamily="-106" charset="-120"/>
-              </a:rPr>
-              <a:t>Minimize the cost (the number of labeling)</a:t>
-            </a:r>
-          </a:p>
-          <a:p>
-            <a:pPr eaLnBrk="1" hangingPunct="1">
-              <a:lnSpc>
-                <a:spcPct val="90000"/>
-              </a:lnSpc>
-            </a:pPr>
-            <a:endParaRPr lang="en-US" altLang="zh-TW" sz="2600" dirty="0" smtClean="0">
-              <a:ea typeface="新細明體" pitchFamily="-106" charset="-120"/>
-            </a:endParaRPr>
-          </a:p>
-          <a:p>
-            <a:pPr eaLnBrk="1" hangingPunct="1">
-              <a:lnSpc>
-                <a:spcPct val="90000"/>
-              </a:lnSpc>
-            </a:pPr>
-            <a:r>
               <a:rPr lang="en-US" altLang="zh-TW" sz="2600" dirty="0">
                 <a:ea typeface="新細明體" pitchFamily="-106" charset="-120"/>
               </a:rPr>
@@ -8427,6 +9740,975 @@
     <p:extLst>
       <p:ext uri="{BB962C8B-B14F-4D97-AF65-F5344CB8AC3E}">
         <p14:creationId xmlns:p14="http://schemas.microsoft.com/office/powerpoint/2010/main" val="1850476901"/>
+      </p:ext>
+    </p:extLst>
+  </p:cSld>
+  <p:clrMapOvr>
+    <a:masterClrMapping/>
+  </p:clrMapOvr>
+  <p:timing>
+    <p:tnLst>
+      <p:par>
+        <p:cTn id="1" dur="indefinite" restart="never" nodeType="tmRoot"/>
+      </p:par>
+    </p:tnLst>
+  </p:timing>
+</p:sld>
+</file>
+
+<file path=ppt/slides/slide20.xml><?xml version="1.0" encoding="utf-8"?>
+<p:sld xmlns:a="http://schemas.openxmlformats.org/drawingml/2006/main" xmlns:r="http://schemas.openxmlformats.org/officeDocument/2006/relationships" xmlns:p="http://schemas.openxmlformats.org/presentationml/2006/main">
+  <p:cSld>
+    <p:spTree>
+      <p:nvGrpSpPr>
+        <p:cNvPr id="1" name=""/>
+        <p:cNvGrpSpPr/>
+        <p:nvPr/>
+      </p:nvGrpSpPr>
+      <p:grpSpPr>
+        <a:xfrm>
+          <a:off x="0" y="0"/>
+          <a:ext cx="0" cy="0"/>
+          <a:chOff x="0" y="0"/>
+          <a:chExt cx="0" cy="0"/>
+        </a:xfrm>
+      </p:grpSpPr>
+      <p:sp>
+        <p:nvSpPr>
+          <p:cNvPr id="2" name="Title 1"/>
+          <p:cNvSpPr>
+            <a:spLocks noGrp="1"/>
+          </p:cNvSpPr>
+          <p:nvPr>
+            <p:ph type="title"/>
+          </p:nvPr>
+        </p:nvSpPr>
+        <p:spPr>
+          <a:xfrm>
+            <a:off x="457200" y="277813"/>
+            <a:ext cx="8686800" cy="1139825"/>
+          </a:xfrm>
+        </p:spPr>
+        <p:txBody>
+          <a:bodyPr/>
+          <a:lstStyle/>
+          <a:p>
+            <a:pPr eaLnBrk="1" hangingPunct="1"/>
+            <a:r>
+              <a:rPr lang="en-US" altLang="zh-CN" b="1" dirty="0" smtClean="0">
+                <a:latin typeface="Arial" pitchFamily="34" charset="0"/>
+                <a:ea typeface="新細明體" pitchFamily="-106" charset="-120"/>
+                <a:cs typeface="Arial" pitchFamily="34" charset="0"/>
+              </a:rPr>
+              <a:t>Experiment-</a:t>
+            </a:r>
+            <a:r>
+              <a:rPr lang="en-US" altLang="zh-TW" b="1" dirty="0" smtClean="0">
+                <a:latin typeface="Arial" pitchFamily="34" charset="0"/>
+                <a:ea typeface="新細明體" pitchFamily="-106" charset="-120"/>
+                <a:cs typeface="Arial" pitchFamily="34" charset="0"/>
+              </a:rPr>
+              <a:t>Real Data</a:t>
+            </a:r>
+            <a:r>
+              <a:rPr lang="en-US" altLang="zh-TW" sz="4400" dirty="0">
+                <a:ea typeface="新細明體" pitchFamily="-106" charset="-120"/>
+              </a:rPr>
+              <a:t/>
+            </a:r>
+            <a:br>
+              <a:rPr lang="en-US" altLang="zh-TW" sz="4400" dirty="0">
+                <a:ea typeface="新細明體" pitchFamily="-106" charset="-120"/>
+              </a:rPr>
+            </a:br>
+            <a:r>
+              <a:rPr lang="en-US" altLang="zh-CN" b="1" dirty="0" smtClean="0">
+                <a:latin typeface="Arial" pitchFamily="34" charset="0"/>
+                <a:ea typeface="新細明體" pitchFamily="-106" charset="-120"/>
+                <a:cs typeface="Arial" pitchFamily="34" charset="0"/>
+              </a:rPr>
+              <a:t> </a:t>
+            </a:r>
+            <a:endParaRPr lang="zh-CN" altLang="en-US" b="1" dirty="0">
+              <a:latin typeface="Arial" pitchFamily="34" charset="0"/>
+              <a:ea typeface="新細明體" pitchFamily="-106" charset="-120"/>
+              <a:cs typeface="Arial" pitchFamily="34" charset="0"/>
+            </a:endParaRPr>
+          </a:p>
+        </p:txBody>
+      </p:sp>
+      <p:pic>
+        <p:nvPicPr>
+          <p:cNvPr id="5" name="Content Placeholder 4"/>
+          <p:cNvPicPr>
+            <a:picLocks noGrp="1" noChangeAspect="1"/>
+          </p:cNvPicPr>
+          <p:nvPr>
+            <p:ph idx="1"/>
+          </p:nvPr>
+        </p:nvPicPr>
+        <p:blipFill>
+          <a:blip r:embed="rId2">
+            <a:extLst>
+              <a:ext uri="{28A0092B-C50C-407E-A947-70E740481C1C}">
+                <a14:useLocalDpi xmlns:a14="http://schemas.microsoft.com/office/drawing/2010/main" val="0"/>
+              </a:ext>
+            </a:extLst>
+          </a:blip>
+          <a:stretch>
+            <a:fillRect/>
+          </a:stretch>
+        </p:blipFill>
+        <p:spPr>
+          <a:xfrm>
+            <a:off x="304800" y="1371600"/>
+            <a:ext cx="8563428" cy="4495800"/>
+          </a:xfrm>
+        </p:spPr>
+      </p:pic>
+      <p:sp>
+        <p:nvSpPr>
+          <p:cNvPr id="4" name="Slide Number Placeholder 3"/>
+          <p:cNvSpPr>
+            <a:spLocks noGrp="1"/>
+          </p:cNvSpPr>
+          <p:nvPr>
+            <p:ph type="sldNum" sz="quarter" idx="12"/>
+          </p:nvPr>
+        </p:nvSpPr>
+        <p:spPr/>
+        <p:txBody>
+          <a:bodyPr/>
+          <a:lstStyle/>
+          <a:p>
+            <a:fld id="{604EAB18-E0EA-45DC-AA4D-A7A0A794259A}" type="slidenum">
+              <a:rPr lang="en-US" smtClean="0"/>
+              <a:pPr/>
+              <a:t>20</a:t>
+            </a:fld>
+            <a:endParaRPr lang="en-US"/>
+          </a:p>
+        </p:txBody>
+      </p:sp>
+    </p:spTree>
+    <p:extLst>
+      <p:ext uri="{BB962C8B-B14F-4D97-AF65-F5344CB8AC3E}">
+        <p14:creationId xmlns:p14="http://schemas.microsoft.com/office/powerpoint/2010/main" val="644219274"/>
+      </p:ext>
+    </p:extLst>
+  </p:cSld>
+  <p:clrMapOvr>
+    <a:masterClrMapping/>
+  </p:clrMapOvr>
+  <p:timing>
+    <p:tnLst>
+      <p:par>
+        <p:cTn id="1" dur="indefinite" restart="never" nodeType="tmRoot"/>
+      </p:par>
+    </p:tnLst>
+  </p:timing>
+</p:sld>
+</file>
+
+<file path=ppt/slides/slide21.xml><?xml version="1.0" encoding="utf-8"?>
+<p:sld xmlns:a="http://schemas.openxmlformats.org/drawingml/2006/main" xmlns:r="http://schemas.openxmlformats.org/officeDocument/2006/relationships" xmlns:p="http://schemas.openxmlformats.org/presentationml/2006/main">
+  <p:cSld>
+    <p:spTree>
+      <p:nvGrpSpPr>
+        <p:cNvPr id="1" name=""/>
+        <p:cNvGrpSpPr/>
+        <p:nvPr/>
+      </p:nvGrpSpPr>
+      <p:grpSpPr>
+        <a:xfrm>
+          <a:off x="0" y="0"/>
+          <a:ext cx="0" cy="0"/>
+          <a:chOff x="0" y="0"/>
+          <a:chExt cx="0" cy="0"/>
+        </a:xfrm>
+      </p:grpSpPr>
+      <p:sp>
+        <p:nvSpPr>
+          <p:cNvPr id="2" name="Title 1"/>
+          <p:cNvSpPr>
+            <a:spLocks noGrp="1"/>
+          </p:cNvSpPr>
+          <p:nvPr>
+            <p:ph type="title"/>
+          </p:nvPr>
+        </p:nvSpPr>
+        <p:spPr>
+          <a:xfrm>
+            <a:off x="457200" y="277813"/>
+            <a:ext cx="8686800" cy="1139825"/>
+          </a:xfrm>
+        </p:spPr>
+        <p:txBody>
+          <a:bodyPr/>
+          <a:lstStyle/>
+          <a:p>
+            <a:pPr eaLnBrk="1" hangingPunct="1"/>
+            <a:r>
+              <a:rPr lang="en-US" altLang="zh-CN" b="1" dirty="0" smtClean="0">
+                <a:latin typeface="Arial" pitchFamily="34" charset="0"/>
+                <a:ea typeface="新細明體" pitchFamily="-106" charset="-120"/>
+                <a:cs typeface="Arial" pitchFamily="34" charset="0"/>
+              </a:rPr>
+              <a:t>Experiment-</a:t>
+            </a:r>
+            <a:r>
+              <a:rPr lang="en-US" altLang="zh-TW" b="1" dirty="0" smtClean="0">
+                <a:latin typeface="Arial" pitchFamily="34" charset="0"/>
+                <a:ea typeface="新細明體" pitchFamily="-106" charset="-120"/>
+                <a:cs typeface="Arial" pitchFamily="34" charset="0"/>
+              </a:rPr>
+              <a:t>Real Data</a:t>
+            </a:r>
+            <a:r>
+              <a:rPr lang="en-US" altLang="zh-TW" sz="4400" dirty="0">
+                <a:ea typeface="新細明體" pitchFamily="-106" charset="-120"/>
+              </a:rPr>
+              <a:t/>
+            </a:r>
+            <a:br>
+              <a:rPr lang="en-US" altLang="zh-TW" sz="4400" dirty="0">
+                <a:ea typeface="新細明體" pitchFamily="-106" charset="-120"/>
+              </a:rPr>
+            </a:br>
+            <a:r>
+              <a:rPr lang="en-US" altLang="zh-CN" b="1" dirty="0" smtClean="0">
+                <a:latin typeface="Arial" pitchFamily="34" charset="0"/>
+                <a:ea typeface="新細明體" pitchFamily="-106" charset="-120"/>
+                <a:cs typeface="Arial" pitchFamily="34" charset="0"/>
+              </a:rPr>
+              <a:t> </a:t>
+            </a:r>
+            <a:endParaRPr lang="zh-CN" altLang="en-US" b="1" dirty="0">
+              <a:latin typeface="Arial" pitchFamily="34" charset="0"/>
+              <a:ea typeface="新細明體" pitchFamily="-106" charset="-120"/>
+              <a:cs typeface="Arial" pitchFamily="34" charset="0"/>
+            </a:endParaRPr>
+          </a:p>
+        </p:txBody>
+      </p:sp>
+      <p:pic>
+        <p:nvPicPr>
+          <p:cNvPr id="5" name="Content Placeholder 4"/>
+          <p:cNvPicPr>
+            <a:picLocks noGrp="1" noChangeAspect="1"/>
+          </p:cNvPicPr>
+          <p:nvPr>
+            <p:ph idx="1"/>
+          </p:nvPr>
+        </p:nvPicPr>
+        <p:blipFill>
+          <a:blip r:embed="rId2">
+            <a:extLst>
+              <a:ext uri="{28A0092B-C50C-407E-A947-70E740481C1C}">
+                <a14:useLocalDpi xmlns:a14="http://schemas.microsoft.com/office/drawing/2010/main" val="0"/>
+              </a:ext>
+            </a:extLst>
+          </a:blip>
+          <a:stretch>
+            <a:fillRect/>
+          </a:stretch>
+        </p:blipFill>
+        <p:spPr>
+          <a:xfrm>
+            <a:off x="304800" y="1371600"/>
+            <a:ext cx="8563428" cy="4495800"/>
+          </a:xfrm>
+        </p:spPr>
+      </p:pic>
+      <p:sp>
+        <p:nvSpPr>
+          <p:cNvPr id="4" name="Slide Number Placeholder 3"/>
+          <p:cNvSpPr>
+            <a:spLocks noGrp="1"/>
+          </p:cNvSpPr>
+          <p:nvPr>
+            <p:ph type="sldNum" sz="quarter" idx="12"/>
+          </p:nvPr>
+        </p:nvSpPr>
+        <p:spPr/>
+        <p:txBody>
+          <a:bodyPr/>
+          <a:lstStyle/>
+          <a:p>
+            <a:fld id="{604EAB18-E0EA-45DC-AA4D-A7A0A794259A}" type="slidenum">
+              <a:rPr lang="en-US" smtClean="0"/>
+              <a:pPr/>
+              <a:t>21</a:t>
+            </a:fld>
+            <a:endParaRPr lang="en-US"/>
+          </a:p>
+        </p:txBody>
+      </p:sp>
+    </p:spTree>
+    <p:extLst>
+      <p:ext uri="{BB962C8B-B14F-4D97-AF65-F5344CB8AC3E}">
+        <p14:creationId xmlns:p14="http://schemas.microsoft.com/office/powerpoint/2010/main" val="644219274"/>
+      </p:ext>
+    </p:extLst>
+  </p:cSld>
+  <p:clrMapOvr>
+    <a:masterClrMapping/>
+  </p:clrMapOvr>
+  <p:timing>
+    <p:tnLst>
+      <p:par>
+        <p:cTn id="1" dur="indefinite" restart="never" nodeType="tmRoot"/>
+      </p:par>
+    </p:tnLst>
+  </p:timing>
+</p:sld>
+</file>
+
+<file path=ppt/slides/slide22.xml><?xml version="1.0" encoding="utf-8"?>
+<p:sld xmlns:a="http://schemas.openxmlformats.org/drawingml/2006/main" xmlns:r="http://schemas.openxmlformats.org/officeDocument/2006/relationships" xmlns:p="http://schemas.openxmlformats.org/presentationml/2006/main">
+  <p:cSld>
+    <p:spTree>
+      <p:nvGrpSpPr>
+        <p:cNvPr id="1" name=""/>
+        <p:cNvGrpSpPr/>
+        <p:nvPr/>
+      </p:nvGrpSpPr>
+      <p:grpSpPr>
+        <a:xfrm>
+          <a:off x="0" y="0"/>
+          <a:ext cx="0" cy="0"/>
+          <a:chOff x="0" y="0"/>
+          <a:chExt cx="0" cy="0"/>
+        </a:xfrm>
+      </p:grpSpPr>
+      <p:sp>
+        <p:nvSpPr>
+          <p:cNvPr id="2" name="Title 1"/>
+          <p:cNvSpPr>
+            <a:spLocks noGrp="1"/>
+          </p:cNvSpPr>
+          <p:nvPr>
+            <p:ph type="title"/>
+          </p:nvPr>
+        </p:nvSpPr>
+        <p:spPr/>
+        <p:txBody>
+          <a:bodyPr/>
+          <a:lstStyle/>
+          <a:p>
+            <a:pPr eaLnBrk="1" hangingPunct="1"/>
+            <a:r>
+              <a:rPr lang="en-US" altLang="zh-CN" b="1" dirty="0" smtClean="0">
+                <a:latin typeface="Arial" pitchFamily="34" charset="0"/>
+                <a:ea typeface="新細明體" pitchFamily="-106" charset="-120"/>
+                <a:cs typeface="Arial" pitchFamily="34" charset="0"/>
+              </a:rPr>
+              <a:t>Closing Remarks</a:t>
+            </a:r>
+            <a:endParaRPr lang="zh-CN" altLang="en-US" b="1" dirty="0">
+              <a:latin typeface="Arial" pitchFamily="34" charset="0"/>
+              <a:ea typeface="新細明體" pitchFamily="-106" charset="-120"/>
+              <a:cs typeface="Arial" pitchFamily="34" charset="0"/>
+            </a:endParaRPr>
+          </a:p>
+        </p:txBody>
+      </p:sp>
+      <p:sp>
+        <p:nvSpPr>
+          <p:cNvPr id="3" name="Content Placeholder 2"/>
+          <p:cNvSpPr>
+            <a:spLocks noGrp="1"/>
+          </p:cNvSpPr>
+          <p:nvPr>
+            <p:ph idx="1"/>
+          </p:nvPr>
+        </p:nvSpPr>
+        <p:spPr/>
+        <p:txBody>
+          <a:bodyPr/>
+          <a:lstStyle/>
+          <a:p>
+            <a:pPr eaLnBrk="1" hangingPunct="1">
+              <a:lnSpc>
+                <a:spcPct val="90000"/>
+              </a:lnSpc>
+            </a:pPr>
+            <a:r>
+              <a:rPr lang="en-US" sz="2800" dirty="0"/>
+              <a:t>T</a:t>
+            </a:r>
+            <a:r>
+              <a:rPr lang="en-US" sz="2800" dirty="0" smtClean="0"/>
+              <a:t>hree existing </a:t>
+            </a:r>
+            <a:r>
+              <a:rPr lang="en-US" sz="2800" dirty="0"/>
+              <a:t>active learning </a:t>
+            </a:r>
+            <a:r>
+              <a:rPr lang="en-US" sz="2800" dirty="0" smtClean="0"/>
+              <a:t>algorithms with theory bounds are analyzed.</a:t>
+            </a:r>
+          </a:p>
+          <a:p>
+            <a:pPr marL="0" indent="0" eaLnBrk="1" hangingPunct="1">
+              <a:lnSpc>
+                <a:spcPct val="90000"/>
+              </a:lnSpc>
+              <a:buNone/>
+            </a:pPr>
+            <a:endParaRPr lang="en-US" sz="2800" dirty="0" smtClean="0"/>
+          </a:p>
+          <a:p>
+            <a:pPr eaLnBrk="1" hangingPunct="1">
+              <a:lnSpc>
+                <a:spcPct val="90000"/>
+              </a:lnSpc>
+            </a:pPr>
+            <a:r>
+              <a:rPr lang="en-US" sz="2800" dirty="0"/>
+              <a:t>We </a:t>
+            </a:r>
+            <a:r>
+              <a:rPr lang="en-US" sz="2800" dirty="0" smtClean="0"/>
+              <a:t>implement the </a:t>
+            </a:r>
+            <a:r>
+              <a:rPr lang="en-US" sz="2800" dirty="0"/>
+              <a:t>typical algorithms and apply them to synthesis and real world data sets to </a:t>
+            </a:r>
+            <a:r>
+              <a:rPr lang="en-US" sz="2800" dirty="0" smtClean="0"/>
+              <a:t>evaluate performance by comparing </a:t>
+            </a:r>
+            <a:r>
+              <a:rPr lang="en-US" sz="2800" dirty="0"/>
+              <a:t>the actual performance with the theoretical results</a:t>
+            </a:r>
+            <a:r>
+              <a:rPr lang="en-US" sz="2800" dirty="0" smtClean="0"/>
+              <a:t>.</a:t>
+            </a:r>
+            <a:r>
+              <a:rPr lang="en-US" sz="2800" dirty="0"/>
+              <a:t> </a:t>
+            </a:r>
+            <a:endParaRPr lang="en-US" altLang="zh-TW" sz="2400" dirty="0">
+              <a:ea typeface="新細明體" pitchFamily="-106" charset="-120"/>
+            </a:endParaRPr>
+          </a:p>
+          <a:p>
+            <a:pPr eaLnBrk="1" hangingPunct="1">
+              <a:lnSpc>
+                <a:spcPct val="90000"/>
+              </a:lnSpc>
+            </a:pPr>
+            <a:endParaRPr lang="en-US" altLang="zh-TW" sz="2400" dirty="0">
+              <a:ea typeface="新細明體" pitchFamily="-106" charset="-120"/>
+            </a:endParaRPr>
+          </a:p>
+        </p:txBody>
+      </p:sp>
+      <p:sp>
+        <p:nvSpPr>
+          <p:cNvPr id="4" name="Slide Number Placeholder 3"/>
+          <p:cNvSpPr>
+            <a:spLocks noGrp="1"/>
+          </p:cNvSpPr>
+          <p:nvPr>
+            <p:ph type="sldNum" sz="quarter" idx="12"/>
+          </p:nvPr>
+        </p:nvSpPr>
+        <p:spPr/>
+        <p:txBody>
+          <a:bodyPr/>
+          <a:lstStyle/>
+          <a:p>
+            <a:fld id="{604EAB18-E0EA-45DC-AA4D-A7A0A794259A}" type="slidenum">
+              <a:rPr lang="en-US" smtClean="0"/>
+              <a:pPr/>
+              <a:t>22</a:t>
+            </a:fld>
+            <a:endParaRPr lang="en-US"/>
+          </a:p>
+        </p:txBody>
+      </p:sp>
+    </p:spTree>
+    <p:extLst>
+      <p:ext uri="{BB962C8B-B14F-4D97-AF65-F5344CB8AC3E}">
+        <p14:creationId xmlns:p14="http://schemas.microsoft.com/office/powerpoint/2010/main" val="938991079"/>
+      </p:ext>
+    </p:extLst>
+  </p:cSld>
+  <p:clrMapOvr>
+    <a:masterClrMapping/>
+  </p:clrMapOvr>
+  <p:timing>
+    <p:tnLst>
+      <p:par>
+        <p:cTn id="1" dur="indefinite" restart="never" nodeType="tmRoot"/>
+      </p:par>
+    </p:tnLst>
+  </p:timing>
+</p:sld>
+</file>
+
+<file path=ppt/slides/slide23.xml><?xml version="1.0" encoding="utf-8"?>
+<p:sld xmlns:a="http://schemas.openxmlformats.org/drawingml/2006/main" xmlns:r="http://schemas.openxmlformats.org/officeDocument/2006/relationships" xmlns:p="http://schemas.openxmlformats.org/presentationml/2006/main">
+  <p:cSld>
+    <p:spTree>
+      <p:nvGrpSpPr>
+        <p:cNvPr id="1" name=""/>
+        <p:cNvGrpSpPr/>
+        <p:nvPr/>
+      </p:nvGrpSpPr>
+      <p:grpSpPr>
+        <a:xfrm>
+          <a:off x="0" y="0"/>
+          <a:ext cx="0" cy="0"/>
+          <a:chOff x="0" y="0"/>
+          <a:chExt cx="0" cy="0"/>
+        </a:xfrm>
+      </p:grpSpPr>
+      <p:sp>
+        <p:nvSpPr>
+          <p:cNvPr id="47106" name="Slide Number Placeholder 5"/>
+          <p:cNvSpPr>
+            <a:spLocks noGrp="1"/>
+          </p:cNvSpPr>
+          <p:nvPr>
+            <p:ph type="sldNum" sz="quarter" idx="12"/>
+          </p:nvPr>
+        </p:nvSpPr>
+        <p:spPr>
+          <a:noFill/>
+          <a:ln/>
+          <a:extLst>
+            <a:ext uri="{909E8E84-426E-40DD-AFC4-6F175D3DCCD1}">
+              <a14:hiddenFill xmlns:a14="http://schemas.microsoft.com/office/drawing/2010/main">
+                <a:solidFill>
+                  <a:srgbClr val="FFFFFF"/>
+                </a:solidFill>
+              </a14:hiddenFill>
+            </a:ext>
+            <a:ext uri="{91240B29-F687-4F45-9708-019B960494DF}">
+              <a14:hiddenLine xmlns:a14="http://schemas.microsoft.com/office/drawing/2010/main" w="9525">
+                <a:solidFill>
+                  <a:srgbClr val="000000"/>
+                </a:solidFill>
+                <a:miter lim="800000"/>
+                <a:headEnd/>
+                <a:tailEnd/>
+              </a14:hiddenLine>
+            </a:ext>
+          </a:extLst>
+        </p:spPr>
+        <p:txBody>
+          <a:bodyPr/>
+          <a:lstStyle>
+            <a:lvl1pPr eaLnBrk="0" hangingPunct="0">
+              <a:defRPr sz="2400">
+                <a:solidFill>
+                  <a:schemeClr val="tx1"/>
+                </a:solidFill>
+                <a:latin typeface="Arial" charset="0"/>
+                <a:ea typeface="ＭＳ Ｐゴシック" pitchFamily="-106" charset="-128"/>
+              </a:defRPr>
+            </a:lvl1pPr>
+            <a:lvl2pPr marL="37931725" indent="-37474525" eaLnBrk="0" hangingPunct="0">
+              <a:defRPr sz="2400">
+                <a:solidFill>
+                  <a:schemeClr val="tx1"/>
+                </a:solidFill>
+                <a:latin typeface="Arial" charset="0"/>
+                <a:ea typeface="ＭＳ Ｐゴシック" pitchFamily="-106" charset="-128"/>
+              </a:defRPr>
+            </a:lvl2pPr>
+            <a:lvl3pPr eaLnBrk="0" hangingPunct="0">
+              <a:defRPr sz="2400">
+                <a:solidFill>
+                  <a:schemeClr val="tx1"/>
+                </a:solidFill>
+                <a:latin typeface="Arial" charset="0"/>
+                <a:ea typeface="ＭＳ Ｐゴシック" pitchFamily="-106" charset="-128"/>
+              </a:defRPr>
+            </a:lvl3pPr>
+            <a:lvl4pPr eaLnBrk="0" hangingPunct="0">
+              <a:defRPr sz="2400">
+                <a:solidFill>
+                  <a:schemeClr val="tx1"/>
+                </a:solidFill>
+                <a:latin typeface="Arial" charset="0"/>
+                <a:ea typeface="ＭＳ Ｐゴシック" pitchFamily="-106" charset="-128"/>
+              </a:defRPr>
+            </a:lvl4pPr>
+            <a:lvl5pPr eaLnBrk="0" hangingPunct="0">
+              <a:defRPr sz="2400">
+                <a:solidFill>
+                  <a:schemeClr val="tx1"/>
+                </a:solidFill>
+                <a:latin typeface="Arial" charset="0"/>
+                <a:ea typeface="ＭＳ Ｐゴシック" pitchFamily="-106" charset="-128"/>
+              </a:defRPr>
+            </a:lvl5pPr>
+            <a:lvl6pPr marL="457200" eaLnBrk="0" fontAlgn="base" hangingPunct="0">
+              <a:spcBef>
+                <a:spcPct val="0"/>
+              </a:spcBef>
+              <a:spcAft>
+                <a:spcPct val="0"/>
+              </a:spcAft>
+              <a:defRPr sz="2400">
+                <a:solidFill>
+                  <a:schemeClr val="tx1"/>
+                </a:solidFill>
+                <a:latin typeface="Arial" charset="0"/>
+                <a:ea typeface="ＭＳ Ｐゴシック" pitchFamily="-106" charset="-128"/>
+              </a:defRPr>
+            </a:lvl6pPr>
+            <a:lvl7pPr marL="914400" eaLnBrk="0" fontAlgn="base" hangingPunct="0">
+              <a:spcBef>
+                <a:spcPct val="0"/>
+              </a:spcBef>
+              <a:spcAft>
+                <a:spcPct val="0"/>
+              </a:spcAft>
+              <a:defRPr sz="2400">
+                <a:solidFill>
+                  <a:schemeClr val="tx1"/>
+                </a:solidFill>
+                <a:latin typeface="Arial" charset="0"/>
+                <a:ea typeface="ＭＳ Ｐゴシック" pitchFamily="-106" charset="-128"/>
+              </a:defRPr>
+            </a:lvl7pPr>
+            <a:lvl8pPr marL="1371600" eaLnBrk="0" fontAlgn="base" hangingPunct="0">
+              <a:spcBef>
+                <a:spcPct val="0"/>
+              </a:spcBef>
+              <a:spcAft>
+                <a:spcPct val="0"/>
+              </a:spcAft>
+              <a:defRPr sz="2400">
+                <a:solidFill>
+                  <a:schemeClr val="tx1"/>
+                </a:solidFill>
+                <a:latin typeface="Arial" charset="0"/>
+                <a:ea typeface="ＭＳ Ｐゴシック" pitchFamily="-106" charset="-128"/>
+              </a:defRPr>
+            </a:lvl8pPr>
+            <a:lvl9pPr marL="1828800" eaLnBrk="0" fontAlgn="base" hangingPunct="0">
+              <a:spcBef>
+                <a:spcPct val="0"/>
+              </a:spcBef>
+              <a:spcAft>
+                <a:spcPct val="0"/>
+              </a:spcAft>
+              <a:defRPr sz="2400">
+                <a:solidFill>
+                  <a:schemeClr val="tx1"/>
+                </a:solidFill>
+                <a:latin typeface="Arial" charset="0"/>
+                <a:ea typeface="ＭＳ Ｐゴシック" pitchFamily="-106" charset="-128"/>
+              </a:defRPr>
+            </a:lvl9pPr>
+          </a:lstStyle>
+          <a:p>
+            <a:pPr eaLnBrk="1" hangingPunct="1"/>
+            <a:fld id="{AAA04654-EE4A-4EBE-BC23-CDB80A2BF4DE}" type="slidenum">
+              <a:rPr lang="en-US" sz="1200">
+                <a:latin typeface="Garamond" pitchFamily="-106" charset="0"/>
+              </a:rPr>
+              <a:pPr eaLnBrk="1" hangingPunct="1"/>
+              <a:t>23</a:t>
+            </a:fld>
+            <a:endParaRPr lang="en-US" sz="1200">
+              <a:latin typeface="Garamond" pitchFamily="-106" charset="0"/>
+            </a:endParaRPr>
+          </a:p>
+        </p:txBody>
+      </p:sp>
+      <p:sp>
+        <p:nvSpPr>
+          <p:cNvPr id="47108" name="Rectangle 3"/>
+          <p:cNvSpPr>
+            <a:spLocks noGrp="1" noChangeArrowheads="1"/>
+          </p:cNvSpPr>
+          <p:nvPr>
+            <p:ph type="body" idx="1"/>
+          </p:nvPr>
+        </p:nvSpPr>
+        <p:spPr>
+          <a:xfrm>
+            <a:off x="381000" y="1600200"/>
+            <a:ext cx="8229600" cy="4530725"/>
+          </a:xfrm>
+        </p:spPr>
+        <p:txBody>
+          <a:bodyPr/>
+          <a:lstStyle/>
+          <a:p>
+            <a:pPr algn="ctr" eaLnBrk="1" hangingPunct="1">
+              <a:buFont typeface="Wingdings" pitchFamily="-106" charset="2"/>
+              <a:buNone/>
+            </a:pPr>
+            <a:r>
+              <a:rPr lang="en-US" altLang="zh-TW" sz="6000" dirty="0" smtClean="0">
+                <a:solidFill>
+                  <a:schemeClr val="accent6">
+                    <a:lumMod val="75000"/>
+                  </a:schemeClr>
+                </a:solidFill>
+                <a:latin typeface="Arial" pitchFamily="34" charset="0"/>
+                <a:ea typeface="新細明體" pitchFamily="-106" charset="-120"/>
+                <a:cs typeface="Arial" pitchFamily="34" charset="0"/>
+              </a:rPr>
+              <a:t>Q &amp; A</a:t>
+            </a:r>
+            <a:endParaRPr lang="en-US" altLang="zh-TW" sz="6000" dirty="0" smtClean="0">
+              <a:solidFill>
+                <a:schemeClr val="accent6">
+                  <a:lumMod val="75000"/>
+                </a:schemeClr>
+              </a:solidFill>
+              <a:ea typeface="新細明體" pitchFamily="-106" charset="-120"/>
+            </a:endParaRPr>
+          </a:p>
+        </p:txBody>
+      </p:sp>
+    </p:spTree>
+  </p:cSld>
+  <p:clrMapOvr>
+    <a:masterClrMapping/>
+  </p:clrMapOvr>
+  <p:timing>
+    <p:tnLst>
+      <p:par>
+        <p:cTn id="1" dur="indefinite" restart="never" nodeType="tmRoot"/>
+      </p:par>
+    </p:tnLst>
+  </p:timing>
+</p:sld>
+</file>
+
+<file path=ppt/slides/slide24.xml><?xml version="1.0" encoding="utf-8"?>
+<p:sld xmlns:a="http://schemas.openxmlformats.org/drawingml/2006/main" xmlns:r="http://schemas.openxmlformats.org/officeDocument/2006/relationships" xmlns:p="http://schemas.openxmlformats.org/presentationml/2006/main">
+  <p:cSld>
+    <p:spTree>
+      <p:nvGrpSpPr>
+        <p:cNvPr id="1" name=""/>
+        <p:cNvGrpSpPr/>
+        <p:nvPr/>
+      </p:nvGrpSpPr>
+      <p:grpSpPr>
+        <a:xfrm>
+          <a:off x="0" y="0"/>
+          <a:ext cx="0" cy="0"/>
+          <a:chOff x="0" y="0"/>
+          <a:chExt cx="0" cy="0"/>
+        </a:xfrm>
+      </p:grpSpPr>
+      <p:sp>
+        <p:nvSpPr>
+          <p:cNvPr id="2" name="Title 1"/>
+          <p:cNvSpPr>
+            <a:spLocks noGrp="1"/>
+          </p:cNvSpPr>
+          <p:nvPr>
+            <p:ph type="title"/>
+          </p:nvPr>
+        </p:nvSpPr>
+        <p:spPr/>
+        <p:txBody>
+          <a:bodyPr/>
+          <a:lstStyle/>
+          <a:p>
+            <a:pPr eaLnBrk="1" hangingPunct="1"/>
+            <a:r>
+              <a:rPr lang="en-US" altLang="zh-CN" b="1" dirty="0" smtClean="0">
+                <a:latin typeface="Arial" pitchFamily="34" charset="0"/>
+                <a:ea typeface="新細明體" pitchFamily="-106" charset="-120"/>
+                <a:cs typeface="Arial" pitchFamily="34" charset="0"/>
+              </a:rPr>
+              <a:t>Reference</a:t>
+            </a:r>
+            <a:endParaRPr lang="zh-CN" altLang="en-US" b="1" dirty="0">
+              <a:latin typeface="Arial" pitchFamily="34" charset="0"/>
+              <a:ea typeface="新細明體" pitchFamily="-106" charset="-120"/>
+              <a:cs typeface="Arial" pitchFamily="34" charset="0"/>
+            </a:endParaRPr>
+          </a:p>
+        </p:txBody>
+      </p:sp>
+      <p:sp>
+        <p:nvSpPr>
+          <p:cNvPr id="3" name="Content Placeholder 2"/>
+          <p:cNvSpPr>
+            <a:spLocks noGrp="1"/>
+          </p:cNvSpPr>
+          <p:nvPr>
+            <p:ph idx="1"/>
+          </p:nvPr>
+        </p:nvSpPr>
+        <p:spPr>
+          <a:xfrm>
+            <a:off x="457200" y="1219200"/>
+            <a:ext cx="8534400" cy="4911725"/>
+          </a:xfrm>
+        </p:spPr>
+        <p:txBody>
+          <a:bodyPr/>
+          <a:lstStyle/>
+          <a:p>
+            <a:pPr marL="0" indent="0">
+              <a:buNone/>
+            </a:pPr>
+            <a:r>
+              <a:rPr lang="en-US" sz="2000" dirty="0"/>
+              <a:t>[1] </a:t>
+            </a:r>
+            <a:r>
+              <a:rPr lang="en-US" sz="2000" dirty="0" err="1"/>
+              <a:t>Dasgupta</a:t>
+            </a:r>
+            <a:r>
+              <a:rPr lang="en-US" sz="2000" dirty="0"/>
+              <a:t>, </a:t>
+            </a:r>
+            <a:r>
+              <a:rPr lang="en-US" sz="2000" dirty="0" err="1"/>
+              <a:t>Kalai</a:t>
+            </a:r>
+            <a:r>
+              <a:rPr lang="en-US" sz="2000" dirty="0"/>
+              <a:t>, and </a:t>
+            </a:r>
+            <a:r>
+              <a:rPr lang="en-US" sz="2000" dirty="0" err="1"/>
+              <a:t>Monteleoni</a:t>
+            </a:r>
+            <a:r>
+              <a:rPr lang="en-US" sz="2000" dirty="0"/>
+              <a:t>. Analysis of Perceptron-based Active Learning. COLT, 2005.</a:t>
+            </a:r>
+            <a:br>
+              <a:rPr lang="en-US" sz="2000" dirty="0"/>
+            </a:br>
+            <a:r>
+              <a:rPr lang="en-US" sz="2000" dirty="0"/>
+              <a:t>[2] Freund, </a:t>
+            </a:r>
+            <a:r>
+              <a:rPr lang="en-US" sz="2000" dirty="0" err="1"/>
+              <a:t>Seung</a:t>
+            </a:r>
+            <a:r>
+              <a:rPr lang="en-US" sz="2000" dirty="0"/>
+              <a:t>, Shamir, and </a:t>
+            </a:r>
+            <a:r>
+              <a:rPr lang="en-US" sz="2000" dirty="0" err="1"/>
+              <a:t>Tishby</a:t>
+            </a:r>
+            <a:r>
+              <a:rPr lang="en-US" sz="2000" dirty="0"/>
+              <a:t>. Selective Sampling Using the Query by Committee Algorithm. Machine Learning, 1997.</a:t>
+            </a:r>
+            <a:br>
+              <a:rPr lang="en-US" sz="2000" dirty="0"/>
+            </a:br>
+            <a:r>
+              <a:rPr lang="en-US" sz="2000" dirty="0"/>
+              <a:t>[3] </a:t>
+            </a:r>
+            <a:r>
+              <a:rPr lang="en-US" sz="2000" dirty="0" err="1"/>
+              <a:t>Balcan</a:t>
+            </a:r>
+            <a:r>
+              <a:rPr lang="en-US" sz="2000" dirty="0"/>
+              <a:t>, </a:t>
+            </a:r>
+            <a:r>
+              <a:rPr lang="en-US" sz="2000" dirty="0" err="1"/>
+              <a:t>Broder</a:t>
+            </a:r>
+            <a:r>
+              <a:rPr lang="en-US" sz="2000" dirty="0"/>
+              <a:t> and Zhang. Margin-based Active Learning. COLT, 2007</a:t>
+            </a:r>
+            <a:r>
+              <a:rPr lang="en-US" sz="2000" dirty="0" smtClean="0"/>
+              <a:t>.</a:t>
+            </a:r>
+          </a:p>
+          <a:p>
+            <a:pPr marL="0" indent="0">
+              <a:buNone/>
+            </a:pPr>
+            <a:r>
+              <a:rPr lang="en-US" sz="2000" dirty="0" smtClean="0"/>
+              <a:t>[4] Active </a:t>
+            </a:r>
+            <a:r>
+              <a:rPr lang="en-US" sz="2000" dirty="0"/>
+              <a:t>Learning Literature </a:t>
+            </a:r>
+            <a:r>
+              <a:rPr lang="en-US" sz="2000" dirty="0" smtClean="0"/>
+              <a:t>Survey, Burr </a:t>
+            </a:r>
+            <a:r>
+              <a:rPr lang="en-US" sz="2000" dirty="0" err="1" smtClean="0"/>
+              <a:t>Settles,Computer</a:t>
+            </a:r>
+            <a:r>
+              <a:rPr lang="en-US" sz="2000" dirty="0" smtClean="0"/>
+              <a:t> </a:t>
+            </a:r>
+            <a:r>
+              <a:rPr lang="en-US" sz="2000" dirty="0"/>
+              <a:t>Sciences Technical </a:t>
+            </a:r>
+            <a:r>
+              <a:rPr lang="en-US" sz="2000" dirty="0" smtClean="0"/>
+              <a:t>Report, </a:t>
+            </a:r>
+            <a:r>
+              <a:rPr lang="en-US" sz="2000" dirty="0"/>
+              <a:t>January 26, 2010</a:t>
+            </a:r>
+            <a:endParaRPr lang="zh-CN" altLang="en-US" sz="2000" dirty="0"/>
+          </a:p>
+        </p:txBody>
+      </p:sp>
+      <p:sp>
+        <p:nvSpPr>
+          <p:cNvPr id="4" name="Slide Number Placeholder 3"/>
+          <p:cNvSpPr>
+            <a:spLocks noGrp="1"/>
+          </p:cNvSpPr>
+          <p:nvPr>
+            <p:ph type="sldNum" sz="quarter" idx="12"/>
+          </p:nvPr>
+        </p:nvSpPr>
+        <p:spPr/>
+        <p:txBody>
+          <a:bodyPr/>
+          <a:lstStyle/>
+          <a:p>
+            <a:fld id="{604EAB18-E0EA-45DC-AA4D-A7A0A794259A}" type="slidenum">
+              <a:rPr lang="en-US" smtClean="0"/>
+              <a:pPr/>
+              <a:t>24</a:t>
+            </a:fld>
+            <a:endParaRPr lang="en-US"/>
+          </a:p>
+        </p:txBody>
+      </p:sp>
+    </p:spTree>
+    <p:extLst>
+      <p:ext uri="{BB962C8B-B14F-4D97-AF65-F5344CB8AC3E}">
+        <p14:creationId xmlns:p14="http://schemas.microsoft.com/office/powerpoint/2010/main" val="1116743142"/>
       </p:ext>
     </p:extLst>
   </p:cSld>
@@ -14079,769 +16361,7 @@
                 <a:ea typeface="新細明體" pitchFamily="-106" charset="-120"/>
                 <a:cs typeface="Arial" pitchFamily="34" charset="0"/>
               </a:rPr>
-              <a:t>Problem Statement</a:t>
-            </a:r>
-            <a:endParaRPr lang="zh-TW" altLang="en-US" b="1" dirty="0" smtClean="0">
-              <a:latin typeface="Arial" pitchFamily="34" charset="0"/>
-              <a:ea typeface="新細明體" pitchFamily="-106" charset="-120"/>
-              <a:cs typeface="Arial" pitchFamily="34" charset="0"/>
-            </a:endParaRPr>
-          </a:p>
-        </p:txBody>
-      </p:sp>
-    </p:spTree>
-    <p:extLst>
-      <p:ext uri="{BB962C8B-B14F-4D97-AF65-F5344CB8AC3E}">
-        <p14:creationId xmlns:p14="http://schemas.microsoft.com/office/powerpoint/2010/main" val="274735373"/>
-      </p:ext>
-    </p:extLst>
-  </p:cSld>
-  <p:clrMapOvr>
-    <a:masterClrMapping/>
-  </p:clrMapOvr>
-  <p:timing>
-    <p:tnLst>
-      <p:par>
-        <p:cTn id="1" dur="indefinite" restart="never" nodeType="tmRoot"/>
-      </p:par>
-    </p:tnLst>
-  </p:timing>
-</p:sld>
-</file>
-
-<file path=ppt/slides/slide5.xml><?xml version="1.0" encoding="utf-8"?>
-<p:sld xmlns:a="http://schemas.openxmlformats.org/drawingml/2006/main" xmlns:r="http://schemas.openxmlformats.org/officeDocument/2006/relationships" xmlns:p="http://schemas.openxmlformats.org/presentationml/2006/main">
-  <p:cSld>
-    <p:spTree>
-      <p:nvGrpSpPr>
-        <p:cNvPr id="1" name=""/>
-        <p:cNvGrpSpPr/>
-        <p:nvPr/>
-      </p:nvGrpSpPr>
-      <p:grpSpPr>
-        <a:xfrm>
-          <a:off x="0" y="0"/>
-          <a:ext cx="0" cy="0"/>
-          <a:chOff x="0" y="0"/>
-          <a:chExt cx="0" cy="0"/>
-        </a:xfrm>
-      </p:grpSpPr>
-      <p:sp>
-        <p:nvSpPr>
-          <p:cNvPr id="47106" name="Slide Number Placeholder 5"/>
-          <p:cNvSpPr>
-            <a:spLocks noGrp="1"/>
-          </p:cNvSpPr>
-          <p:nvPr>
-            <p:ph type="sldNum" sz="quarter" idx="12"/>
-          </p:nvPr>
-        </p:nvSpPr>
-        <p:spPr>
-          <a:noFill/>
-          <a:ln/>
-          <a:extLst>
-            <a:ext uri="{909E8E84-426E-40DD-AFC4-6F175D3DCCD1}">
-              <a14:hiddenFill xmlns:a14="http://schemas.microsoft.com/office/drawing/2010/main">
-                <a:solidFill>
-                  <a:srgbClr val="FFFFFF"/>
-                </a:solidFill>
-              </a14:hiddenFill>
-            </a:ext>
-            <a:ext uri="{91240B29-F687-4F45-9708-019B960494DF}">
-              <a14:hiddenLine xmlns:a14="http://schemas.microsoft.com/office/drawing/2010/main" w="9525">
-                <a:solidFill>
-                  <a:srgbClr val="000000"/>
-                </a:solidFill>
-                <a:miter lim="800000"/>
-                <a:headEnd/>
-                <a:tailEnd/>
-              </a14:hiddenLine>
-            </a:ext>
-          </a:extLst>
-        </p:spPr>
-        <p:txBody>
-          <a:bodyPr/>
-          <a:lstStyle>
-            <a:lvl1pPr eaLnBrk="0" hangingPunct="0">
-              <a:defRPr sz="2400">
-                <a:solidFill>
-                  <a:schemeClr val="tx1"/>
-                </a:solidFill>
-                <a:latin typeface="Arial" charset="0"/>
-                <a:ea typeface="ＭＳ Ｐゴシック" pitchFamily="-106" charset="-128"/>
-              </a:defRPr>
-            </a:lvl1pPr>
-            <a:lvl2pPr marL="37931725" indent="-37474525" eaLnBrk="0" hangingPunct="0">
-              <a:defRPr sz="2400">
-                <a:solidFill>
-                  <a:schemeClr val="tx1"/>
-                </a:solidFill>
-                <a:latin typeface="Arial" charset="0"/>
-                <a:ea typeface="ＭＳ Ｐゴシック" pitchFamily="-106" charset="-128"/>
-              </a:defRPr>
-            </a:lvl2pPr>
-            <a:lvl3pPr eaLnBrk="0" hangingPunct="0">
-              <a:defRPr sz="2400">
-                <a:solidFill>
-                  <a:schemeClr val="tx1"/>
-                </a:solidFill>
-                <a:latin typeface="Arial" charset="0"/>
-                <a:ea typeface="ＭＳ Ｐゴシック" pitchFamily="-106" charset="-128"/>
-              </a:defRPr>
-            </a:lvl3pPr>
-            <a:lvl4pPr eaLnBrk="0" hangingPunct="0">
-              <a:defRPr sz="2400">
-                <a:solidFill>
-                  <a:schemeClr val="tx1"/>
-                </a:solidFill>
-                <a:latin typeface="Arial" charset="0"/>
-                <a:ea typeface="ＭＳ Ｐゴシック" pitchFamily="-106" charset="-128"/>
-              </a:defRPr>
-            </a:lvl4pPr>
-            <a:lvl5pPr eaLnBrk="0" hangingPunct="0">
-              <a:defRPr sz="2400">
-                <a:solidFill>
-                  <a:schemeClr val="tx1"/>
-                </a:solidFill>
-                <a:latin typeface="Arial" charset="0"/>
-                <a:ea typeface="ＭＳ Ｐゴシック" pitchFamily="-106" charset="-128"/>
-              </a:defRPr>
-            </a:lvl5pPr>
-            <a:lvl6pPr marL="457200" eaLnBrk="0" fontAlgn="base" hangingPunct="0">
-              <a:spcBef>
-                <a:spcPct val="0"/>
-              </a:spcBef>
-              <a:spcAft>
-                <a:spcPct val="0"/>
-              </a:spcAft>
-              <a:defRPr sz="2400">
-                <a:solidFill>
-                  <a:schemeClr val="tx1"/>
-                </a:solidFill>
-                <a:latin typeface="Arial" charset="0"/>
-                <a:ea typeface="ＭＳ Ｐゴシック" pitchFamily="-106" charset="-128"/>
-              </a:defRPr>
-            </a:lvl6pPr>
-            <a:lvl7pPr marL="914400" eaLnBrk="0" fontAlgn="base" hangingPunct="0">
-              <a:spcBef>
-                <a:spcPct val="0"/>
-              </a:spcBef>
-              <a:spcAft>
-                <a:spcPct val="0"/>
-              </a:spcAft>
-              <a:defRPr sz="2400">
-                <a:solidFill>
-                  <a:schemeClr val="tx1"/>
-                </a:solidFill>
-                <a:latin typeface="Arial" charset="0"/>
-                <a:ea typeface="ＭＳ Ｐゴシック" pitchFamily="-106" charset="-128"/>
-              </a:defRPr>
-            </a:lvl7pPr>
-            <a:lvl8pPr marL="1371600" eaLnBrk="0" fontAlgn="base" hangingPunct="0">
-              <a:spcBef>
-                <a:spcPct val="0"/>
-              </a:spcBef>
-              <a:spcAft>
-                <a:spcPct val="0"/>
-              </a:spcAft>
-              <a:defRPr sz="2400">
-                <a:solidFill>
-                  <a:schemeClr val="tx1"/>
-                </a:solidFill>
-                <a:latin typeface="Arial" charset="0"/>
-                <a:ea typeface="ＭＳ Ｐゴシック" pitchFamily="-106" charset="-128"/>
-              </a:defRPr>
-            </a:lvl8pPr>
-            <a:lvl9pPr marL="1828800" eaLnBrk="0" fontAlgn="base" hangingPunct="0">
-              <a:spcBef>
-                <a:spcPct val="0"/>
-              </a:spcBef>
-              <a:spcAft>
-                <a:spcPct val="0"/>
-              </a:spcAft>
-              <a:defRPr sz="2400">
-                <a:solidFill>
-                  <a:schemeClr val="tx1"/>
-                </a:solidFill>
-                <a:latin typeface="Arial" charset="0"/>
-                <a:ea typeface="ＭＳ Ｐゴシック" pitchFamily="-106" charset="-128"/>
-              </a:defRPr>
-            </a:lvl9pPr>
-          </a:lstStyle>
-          <a:p>
-            <a:pPr eaLnBrk="1" hangingPunct="1"/>
-            <a:fld id="{AAA04654-EE4A-4EBE-BC23-CDB80A2BF4DE}" type="slidenum">
-              <a:rPr lang="en-US" sz="1200">
-                <a:latin typeface="Garamond" pitchFamily="-106" charset="0"/>
-              </a:rPr>
-              <a:pPr eaLnBrk="1" hangingPunct="1"/>
-              <a:t>5</a:t>
-            </a:fld>
-            <a:endParaRPr lang="en-US" sz="1200">
-              <a:latin typeface="Garamond" pitchFamily="-106" charset="0"/>
-            </a:endParaRPr>
-          </a:p>
-        </p:txBody>
-      </p:sp>
-      <p:sp>
-        <p:nvSpPr>
-          <p:cNvPr id="47107" name="Rectangle 2"/>
-          <p:cNvSpPr>
-            <a:spLocks noGrp="1" noChangeArrowheads="1"/>
-          </p:cNvSpPr>
-          <p:nvPr>
-            <p:ph type="title"/>
-          </p:nvPr>
-        </p:nvSpPr>
-        <p:spPr/>
-        <p:txBody>
-          <a:bodyPr/>
-          <a:lstStyle/>
-          <a:p>
-            <a:pPr eaLnBrk="1" hangingPunct="1"/>
-            <a:r>
-              <a:rPr lang="en-US" altLang="zh-TW" b="1" dirty="0" smtClean="0">
-                <a:latin typeface="Arial" pitchFamily="34" charset="0"/>
-                <a:ea typeface="新細明體" pitchFamily="-106" charset="-120"/>
-                <a:cs typeface="Arial" pitchFamily="34" charset="0"/>
-              </a:rPr>
-              <a:t>Algorithms</a:t>
-            </a:r>
-            <a:endParaRPr lang="zh-TW" altLang="en-US" b="1" dirty="0" smtClean="0">
-              <a:latin typeface="Arial" pitchFamily="34" charset="0"/>
-              <a:ea typeface="新細明體" pitchFamily="-106" charset="-120"/>
-              <a:cs typeface="Arial" pitchFamily="34" charset="0"/>
-            </a:endParaRPr>
-          </a:p>
-        </p:txBody>
-      </p:sp>
-      <p:sp>
-        <p:nvSpPr>
-          <p:cNvPr id="4" name="Rectangle 3"/>
-          <p:cNvSpPr txBox="1">
-            <a:spLocks noChangeArrowheads="1"/>
-          </p:cNvSpPr>
-          <p:nvPr/>
-        </p:nvSpPr>
-        <p:spPr bwMode="auto">
-          <a:xfrm>
-            <a:off x="381000" y="1219200"/>
-            <a:ext cx="8610600" cy="4724400"/>
-          </a:xfrm>
-          <a:prstGeom prst="rect">
-            <a:avLst/>
-          </a:prstGeom>
-          <a:noFill/>
-          <a:ln>
-            <a:noFill/>
-          </a:ln>
-          <a:extLst>
-            <a:ext uri="{909E8E84-426E-40DD-AFC4-6F175D3DCCD1}">
-              <a14:hiddenFill xmlns:a14="http://schemas.microsoft.com/office/drawing/2010/main">
-                <a:solidFill>
-                  <a:srgbClr val="FFFFFF"/>
-                </a:solidFill>
-              </a14:hiddenFill>
-            </a:ext>
-            <a:ext uri="{91240B29-F687-4F45-9708-019B960494DF}">
-              <a14:hiddenLine xmlns:a14="http://schemas.microsoft.com/office/drawing/2010/main" w="9525">
-                <a:solidFill>
-                  <a:srgbClr val="000000"/>
-                </a:solidFill>
-                <a:miter lim="800000"/>
-                <a:headEnd/>
-                <a:tailEnd/>
-              </a14:hiddenLine>
-            </a:ext>
-          </a:extLst>
-        </p:spPr>
-        <p:txBody>
-          <a:bodyPr vert="horz" wrap="square" lIns="91440" tIns="45720" rIns="91440" bIns="45720" numCol="1" anchor="t" anchorCtr="0" compatLnSpc="1">
-            <a:prstTxWarp prst="textNoShape">
-              <a:avLst/>
-            </a:prstTxWarp>
-          </a:bodyPr>
-          <a:lstStyle>
-            <a:lvl1pPr marL="342900" indent="-342900" algn="l" rtl="0" eaLnBrk="0" fontAlgn="base" hangingPunct="0">
-              <a:spcBef>
-                <a:spcPct val="20000"/>
-              </a:spcBef>
-              <a:spcAft>
-                <a:spcPct val="0"/>
-              </a:spcAft>
-              <a:buClr>
-                <a:schemeClr val="accent1"/>
-              </a:buClr>
-              <a:buSzPct val="65000"/>
-              <a:buFont typeface="Wingdings" pitchFamily="-106" charset="2"/>
-              <a:buChar char="n"/>
-              <a:defRPr sz="3000">
-                <a:solidFill>
-                  <a:schemeClr val="tx1"/>
-                </a:solidFill>
-                <a:latin typeface="+mn-lt"/>
-                <a:ea typeface="ＭＳ Ｐゴシック" pitchFamily="-106" charset="-128"/>
-                <a:cs typeface="+mn-cs"/>
-              </a:defRPr>
-            </a:lvl1pPr>
-            <a:lvl2pPr marL="669925" indent="-325438" algn="l" rtl="0" eaLnBrk="0" fontAlgn="base" hangingPunct="0">
-              <a:spcBef>
-                <a:spcPct val="20000"/>
-              </a:spcBef>
-              <a:spcAft>
-                <a:spcPct val="0"/>
-              </a:spcAft>
-              <a:buClr>
-                <a:schemeClr val="accent2"/>
-              </a:buClr>
-              <a:buSzPct val="60000"/>
-              <a:buFont typeface="Wingdings" pitchFamily="-106" charset="2"/>
-              <a:buChar char="q"/>
-              <a:defRPr sz="2600">
-                <a:solidFill>
-                  <a:schemeClr val="tx1"/>
-                </a:solidFill>
-                <a:latin typeface="+mn-lt"/>
-                <a:ea typeface="ＭＳ Ｐゴシック" pitchFamily="-106" charset="-128"/>
-              </a:defRPr>
-            </a:lvl2pPr>
-            <a:lvl3pPr marL="1022350" indent="-350838" algn="l" rtl="0" eaLnBrk="0" fontAlgn="base" hangingPunct="0">
-              <a:spcBef>
-                <a:spcPct val="20000"/>
-              </a:spcBef>
-              <a:spcAft>
-                <a:spcPct val="0"/>
-              </a:spcAft>
-              <a:buClr>
-                <a:schemeClr val="accent1"/>
-              </a:buClr>
-              <a:buSzPct val="65000"/>
-              <a:buFont typeface="Wingdings" pitchFamily="-106" charset="2"/>
-              <a:buChar char="n"/>
-              <a:defRPr sz="2200">
-                <a:solidFill>
-                  <a:schemeClr val="tx1"/>
-                </a:solidFill>
-                <a:latin typeface="+mn-lt"/>
-                <a:ea typeface="ＭＳ Ｐゴシック" pitchFamily="-106" charset="-128"/>
-              </a:defRPr>
-            </a:lvl3pPr>
-            <a:lvl4pPr marL="1339850" indent="-315913" algn="l" rtl="0" eaLnBrk="0" fontAlgn="base" hangingPunct="0">
-              <a:spcBef>
-                <a:spcPct val="20000"/>
-              </a:spcBef>
-              <a:spcAft>
-                <a:spcPct val="0"/>
-              </a:spcAft>
-              <a:buClr>
-                <a:schemeClr val="accent2"/>
-              </a:buClr>
-              <a:buSzPct val="70000"/>
-              <a:buFont typeface="Wingdings" pitchFamily="-106" charset="2"/>
-              <a:buChar char="q"/>
-              <a:defRPr sz="2000">
-                <a:solidFill>
-                  <a:schemeClr val="tx1"/>
-                </a:solidFill>
-                <a:latin typeface="+mn-lt"/>
-                <a:ea typeface="ＭＳ Ｐゴシック" pitchFamily="-106" charset="-128"/>
-              </a:defRPr>
-            </a:lvl4pPr>
-            <a:lvl5pPr marL="1681163" indent="-339725" algn="l" rtl="0" eaLnBrk="0" fontAlgn="base" hangingPunct="0">
-              <a:spcBef>
-                <a:spcPct val="20000"/>
-              </a:spcBef>
-              <a:spcAft>
-                <a:spcPct val="0"/>
-              </a:spcAft>
-              <a:buClr>
-                <a:schemeClr val="accent1"/>
-              </a:buClr>
-              <a:buSzPct val="75000"/>
-              <a:buFont typeface="Wingdings" pitchFamily="-106" charset="2"/>
-              <a:buChar char="§"/>
-              <a:defRPr sz="2000">
-                <a:solidFill>
-                  <a:schemeClr val="tx1"/>
-                </a:solidFill>
-                <a:latin typeface="+mn-lt"/>
-                <a:ea typeface="ＭＳ Ｐゴシック" pitchFamily="-106" charset="-128"/>
-              </a:defRPr>
-            </a:lvl5pPr>
-            <a:lvl6pPr marL="2138363" indent="-339725" algn="l" rtl="0" fontAlgn="base">
-              <a:spcBef>
-                <a:spcPct val="20000"/>
-              </a:spcBef>
-              <a:spcAft>
-                <a:spcPct val="0"/>
-              </a:spcAft>
-              <a:buClr>
-                <a:schemeClr val="accent1"/>
-              </a:buClr>
-              <a:buSzPct val="75000"/>
-              <a:buFont typeface="Wingdings" pitchFamily="2" charset="2"/>
-              <a:buChar char="§"/>
-              <a:defRPr sz="2000">
-                <a:solidFill>
-                  <a:schemeClr val="tx1"/>
-                </a:solidFill>
-                <a:latin typeface="+mn-lt"/>
-              </a:defRPr>
-            </a:lvl6pPr>
-            <a:lvl7pPr marL="2595563" indent="-339725" algn="l" rtl="0" fontAlgn="base">
-              <a:spcBef>
-                <a:spcPct val="20000"/>
-              </a:spcBef>
-              <a:spcAft>
-                <a:spcPct val="0"/>
-              </a:spcAft>
-              <a:buClr>
-                <a:schemeClr val="accent1"/>
-              </a:buClr>
-              <a:buSzPct val="75000"/>
-              <a:buFont typeface="Wingdings" pitchFamily="2" charset="2"/>
-              <a:buChar char="§"/>
-              <a:defRPr sz="2000">
-                <a:solidFill>
-                  <a:schemeClr val="tx1"/>
-                </a:solidFill>
-                <a:latin typeface="+mn-lt"/>
-              </a:defRPr>
-            </a:lvl7pPr>
-            <a:lvl8pPr marL="3052763" indent="-339725" algn="l" rtl="0" fontAlgn="base">
-              <a:spcBef>
-                <a:spcPct val="20000"/>
-              </a:spcBef>
-              <a:spcAft>
-                <a:spcPct val="0"/>
-              </a:spcAft>
-              <a:buClr>
-                <a:schemeClr val="accent1"/>
-              </a:buClr>
-              <a:buSzPct val="75000"/>
-              <a:buFont typeface="Wingdings" pitchFamily="2" charset="2"/>
-              <a:buChar char="§"/>
-              <a:defRPr sz="2000">
-                <a:solidFill>
-                  <a:schemeClr val="tx1"/>
-                </a:solidFill>
-                <a:latin typeface="+mn-lt"/>
-              </a:defRPr>
-            </a:lvl8pPr>
-            <a:lvl9pPr marL="3509963" indent="-339725" algn="l" rtl="0" fontAlgn="base">
-              <a:spcBef>
-                <a:spcPct val="20000"/>
-              </a:spcBef>
-              <a:spcAft>
-                <a:spcPct val="0"/>
-              </a:spcAft>
-              <a:buClr>
-                <a:schemeClr val="accent1"/>
-              </a:buClr>
-              <a:buSzPct val="75000"/>
-              <a:buFont typeface="Wingdings" pitchFamily="2" charset="2"/>
-              <a:buChar char="§"/>
-              <a:defRPr sz="2000">
-                <a:solidFill>
-                  <a:schemeClr val="tx1"/>
-                </a:solidFill>
-                <a:latin typeface="+mn-lt"/>
-              </a:defRPr>
-            </a:lvl9pPr>
-          </a:lstStyle>
-          <a:p>
-            <a:pPr eaLnBrk="1" hangingPunct="1">
-              <a:lnSpc>
-                <a:spcPct val="90000"/>
-              </a:lnSpc>
-            </a:pPr>
-            <a:r>
-              <a:rPr lang="en-US" altLang="zh-TW" sz="2600" dirty="0" smtClean="0">
-                <a:ea typeface="新細明體" pitchFamily="-106" charset="-120"/>
-              </a:rPr>
-              <a:t>Active Perceptron</a:t>
-            </a:r>
-          </a:p>
-          <a:p>
-            <a:pPr eaLnBrk="1" hangingPunct="1">
-              <a:lnSpc>
-                <a:spcPct val="90000"/>
-              </a:lnSpc>
-            </a:pPr>
-            <a:r>
-              <a:rPr lang="en-US" altLang="zh-TW" sz="2600" dirty="0" smtClean="0">
-                <a:ea typeface="新細明體" pitchFamily="-106" charset="-120"/>
-              </a:rPr>
-              <a:t>Margin Based Active Learning</a:t>
-            </a:r>
-          </a:p>
-          <a:p>
-            <a:pPr eaLnBrk="1" hangingPunct="1">
-              <a:lnSpc>
-                <a:spcPct val="90000"/>
-              </a:lnSpc>
-            </a:pPr>
-            <a:r>
-              <a:rPr lang="en-US" altLang="zh-TW" sz="2600" dirty="0" smtClean="0">
-                <a:ea typeface="新細明體" pitchFamily="-106" charset="-120"/>
-              </a:rPr>
-              <a:t>Query by Committee</a:t>
-            </a:r>
-          </a:p>
-          <a:p>
-            <a:pPr lvl="1" eaLnBrk="1" hangingPunct="1">
-              <a:lnSpc>
-                <a:spcPct val="90000"/>
-              </a:lnSpc>
-            </a:pPr>
-            <a:r>
-              <a:rPr lang="en-US" sz="2400" dirty="0" smtClean="0"/>
-              <a:t>Query an example based on the degree of disagreement between committee of classifiers</a:t>
-            </a:r>
-          </a:p>
-          <a:p>
-            <a:pPr lvl="1" eaLnBrk="1" hangingPunct="1">
-              <a:lnSpc>
-                <a:spcPct val="90000"/>
-              </a:lnSpc>
-            </a:pPr>
-            <a:r>
-              <a:rPr lang="en-US" altLang="zh-TW" sz="2400" dirty="0" smtClean="0">
-                <a:ea typeface="新細明體" pitchFamily="-106" charset="-120"/>
-              </a:rPr>
-              <a:t>Select “most informative” data to optimize expected gain</a:t>
-            </a:r>
-          </a:p>
-          <a:p>
-            <a:pPr marL="344487" lvl="1" indent="0" eaLnBrk="1" hangingPunct="1">
-              <a:lnSpc>
-                <a:spcPct val="90000"/>
-              </a:lnSpc>
-              <a:buNone/>
-            </a:pPr>
-            <a:endParaRPr lang="en-US" altLang="zh-TW" dirty="0" smtClean="0">
-              <a:ea typeface="新細明體" pitchFamily="-106" charset="-120"/>
-            </a:endParaRPr>
-          </a:p>
-        </p:txBody>
-      </p:sp>
-    </p:spTree>
-    <p:extLst>
-      <p:ext uri="{BB962C8B-B14F-4D97-AF65-F5344CB8AC3E}">
-        <p14:creationId xmlns:p14="http://schemas.microsoft.com/office/powerpoint/2010/main" val="1626022036"/>
-      </p:ext>
-    </p:extLst>
-  </p:cSld>
-  <p:clrMapOvr>
-    <a:masterClrMapping/>
-  </p:clrMapOvr>
-  <p:timing>
-    <p:tnLst>
-      <p:par>
-        <p:cTn id="1" dur="indefinite" restart="never" nodeType="tmRoot"/>
-      </p:par>
-    </p:tnLst>
-  </p:timing>
-</p:sld>
-</file>
-
-<file path=ppt/slides/slide6.xml><?xml version="1.0" encoding="utf-8"?>
-<p:sld xmlns:a="http://schemas.openxmlformats.org/drawingml/2006/main" xmlns:r="http://schemas.openxmlformats.org/officeDocument/2006/relationships" xmlns:p="http://schemas.openxmlformats.org/presentationml/2006/main">
-  <p:cSld>
-    <p:spTree>
-      <p:nvGrpSpPr>
-        <p:cNvPr id="1" name=""/>
-        <p:cNvGrpSpPr/>
-        <p:nvPr/>
-      </p:nvGrpSpPr>
-      <p:grpSpPr>
-        <a:xfrm>
-          <a:off x="0" y="0"/>
-          <a:ext cx="0" cy="0"/>
-          <a:chOff x="0" y="0"/>
-          <a:chExt cx="0" cy="0"/>
-        </a:xfrm>
-      </p:grpSpPr>
-      <p:sp>
-        <p:nvSpPr>
-          <p:cNvPr id="47106" name="Slide Number Placeholder 5"/>
-          <p:cNvSpPr>
-            <a:spLocks noGrp="1"/>
-          </p:cNvSpPr>
-          <p:nvPr>
-            <p:ph type="sldNum" sz="quarter" idx="12"/>
-          </p:nvPr>
-        </p:nvSpPr>
-        <p:spPr>
-          <a:noFill/>
-          <a:ln/>
-          <a:extLst>
-            <a:ext uri="{909E8E84-426E-40DD-AFC4-6F175D3DCCD1}">
-              <a14:hiddenFill xmlns:a14="http://schemas.microsoft.com/office/drawing/2010/main">
-                <a:solidFill>
-                  <a:srgbClr val="FFFFFF"/>
-                </a:solidFill>
-              </a14:hiddenFill>
-            </a:ext>
-            <a:ext uri="{91240B29-F687-4F45-9708-019B960494DF}">
-              <a14:hiddenLine xmlns:a14="http://schemas.microsoft.com/office/drawing/2010/main" w="9525">
-                <a:solidFill>
-                  <a:srgbClr val="000000"/>
-                </a:solidFill>
-                <a:miter lim="800000"/>
-                <a:headEnd/>
-                <a:tailEnd/>
-              </a14:hiddenLine>
-            </a:ext>
-          </a:extLst>
-        </p:spPr>
-        <p:txBody>
-          <a:bodyPr/>
-          <a:lstStyle>
-            <a:lvl1pPr eaLnBrk="0" hangingPunct="0">
-              <a:defRPr sz="2400">
-                <a:solidFill>
-                  <a:schemeClr val="tx1"/>
-                </a:solidFill>
-                <a:latin typeface="Arial" charset="0"/>
-                <a:ea typeface="ＭＳ Ｐゴシック" pitchFamily="-106" charset="-128"/>
-              </a:defRPr>
-            </a:lvl1pPr>
-            <a:lvl2pPr marL="37931725" indent="-37474525" eaLnBrk="0" hangingPunct="0">
-              <a:defRPr sz="2400">
-                <a:solidFill>
-                  <a:schemeClr val="tx1"/>
-                </a:solidFill>
-                <a:latin typeface="Arial" charset="0"/>
-                <a:ea typeface="ＭＳ Ｐゴシック" pitchFamily="-106" charset="-128"/>
-              </a:defRPr>
-            </a:lvl2pPr>
-            <a:lvl3pPr eaLnBrk="0" hangingPunct="0">
-              <a:defRPr sz="2400">
-                <a:solidFill>
-                  <a:schemeClr val="tx1"/>
-                </a:solidFill>
-                <a:latin typeface="Arial" charset="0"/>
-                <a:ea typeface="ＭＳ Ｐゴシック" pitchFamily="-106" charset="-128"/>
-              </a:defRPr>
-            </a:lvl3pPr>
-            <a:lvl4pPr eaLnBrk="0" hangingPunct="0">
-              <a:defRPr sz="2400">
-                <a:solidFill>
-                  <a:schemeClr val="tx1"/>
-                </a:solidFill>
-                <a:latin typeface="Arial" charset="0"/>
-                <a:ea typeface="ＭＳ Ｐゴシック" pitchFamily="-106" charset="-128"/>
-              </a:defRPr>
-            </a:lvl4pPr>
-            <a:lvl5pPr eaLnBrk="0" hangingPunct="0">
-              <a:defRPr sz="2400">
-                <a:solidFill>
-                  <a:schemeClr val="tx1"/>
-                </a:solidFill>
-                <a:latin typeface="Arial" charset="0"/>
-                <a:ea typeface="ＭＳ Ｐゴシック" pitchFamily="-106" charset="-128"/>
-              </a:defRPr>
-            </a:lvl5pPr>
-            <a:lvl6pPr marL="457200" eaLnBrk="0" fontAlgn="base" hangingPunct="0">
-              <a:spcBef>
-                <a:spcPct val="0"/>
-              </a:spcBef>
-              <a:spcAft>
-                <a:spcPct val="0"/>
-              </a:spcAft>
-              <a:defRPr sz="2400">
-                <a:solidFill>
-                  <a:schemeClr val="tx1"/>
-                </a:solidFill>
-                <a:latin typeface="Arial" charset="0"/>
-                <a:ea typeface="ＭＳ Ｐゴシック" pitchFamily="-106" charset="-128"/>
-              </a:defRPr>
-            </a:lvl6pPr>
-            <a:lvl7pPr marL="914400" eaLnBrk="0" fontAlgn="base" hangingPunct="0">
-              <a:spcBef>
-                <a:spcPct val="0"/>
-              </a:spcBef>
-              <a:spcAft>
-                <a:spcPct val="0"/>
-              </a:spcAft>
-              <a:defRPr sz="2400">
-                <a:solidFill>
-                  <a:schemeClr val="tx1"/>
-                </a:solidFill>
-                <a:latin typeface="Arial" charset="0"/>
-                <a:ea typeface="ＭＳ Ｐゴシック" pitchFamily="-106" charset="-128"/>
-              </a:defRPr>
-            </a:lvl7pPr>
-            <a:lvl8pPr marL="1371600" eaLnBrk="0" fontAlgn="base" hangingPunct="0">
-              <a:spcBef>
-                <a:spcPct val="0"/>
-              </a:spcBef>
-              <a:spcAft>
-                <a:spcPct val="0"/>
-              </a:spcAft>
-              <a:defRPr sz="2400">
-                <a:solidFill>
-                  <a:schemeClr val="tx1"/>
-                </a:solidFill>
-                <a:latin typeface="Arial" charset="0"/>
-                <a:ea typeface="ＭＳ Ｐゴシック" pitchFamily="-106" charset="-128"/>
-              </a:defRPr>
-            </a:lvl8pPr>
-            <a:lvl9pPr marL="1828800" eaLnBrk="0" fontAlgn="base" hangingPunct="0">
-              <a:spcBef>
-                <a:spcPct val="0"/>
-              </a:spcBef>
-              <a:spcAft>
-                <a:spcPct val="0"/>
-              </a:spcAft>
-              <a:defRPr sz="2400">
-                <a:solidFill>
-                  <a:schemeClr val="tx1"/>
-                </a:solidFill>
-                <a:latin typeface="Arial" charset="0"/>
-                <a:ea typeface="ＭＳ Ｐゴシック" pitchFamily="-106" charset="-128"/>
-              </a:defRPr>
-            </a:lvl9pPr>
-          </a:lstStyle>
-          <a:p>
-            <a:pPr eaLnBrk="1" hangingPunct="1"/>
-            <a:fld id="{AAA04654-EE4A-4EBE-BC23-CDB80A2BF4DE}" type="slidenum">
-              <a:rPr lang="en-US" sz="1200">
-                <a:latin typeface="Garamond" pitchFamily="-106" charset="0"/>
-              </a:rPr>
-              <a:pPr eaLnBrk="1" hangingPunct="1"/>
-              <a:t>6</a:t>
-            </a:fld>
-            <a:endParaRPr lang="en-US" sz="1200" dirty="0">
-              <a:latin typeface="Garamond" pitchFamily="-106" charset="0"/>
-            </a:endParaRPr>
-          </a:p>
-        </p:txBody>
-      </p:sp>
-      <p:sp>
-        <p:nvSpPr>
-          <p:cNvPr id="47107" name="Rectangle 2"/>
-          <p:cNvSpPr>
-            <a:spLocks noGrp="1" noChangeArrowheads="1"/>
-          </p:cNvSpPr>
-          <p:nvPr>
-            <p:ph type="title"/>
-          </p:nvPr>
-        </p:nvSpPr>
-        <p:spPr/>
-        <p:txBody>
-          <a:bodyPr/>
-          <a:lstStyle/>
-          <a:p>
-            <a:pPr eaLnBrk="1" hangingPunct="1"/>
-            <a:r>
-              <a:rPr lang="en-US" altLang="zh-TW" b="1" dirty="0" smtClean="0">
-                <a:latin typeface="Arial" pitchFamily="34" charset="0"/>
-                <a:ea typeface="新細明體" pitchFamily="-106" charset="-120"/>
-                <a:cs typeface="Arial" pitchFamily="34" charset="0"/>
-              </a:rPr>
-              <a:t>Query By Committee</a:t>
+              <a:t>What is Active Learning?</a:t>
             </a:r>
             <a:endParaRPr lang="zh-TW" altLang="en-US" b="1" dirty="0" smtClean="0">
               <a:latin typeface="Arial" pitchFamily="34" charset="0"/>
@@ -14855,7 +16375,7 @@
         <mc:Choice xmlns:a14="http://schemas.microsoft.com/office/drawing/2010/main" Requires="a14">
           <p:sp>
             <p:nvSpPr>
-              <p:cNvPr id="7" name="Rectangle 3"/>
+              <p:cNvPr id="5" name="Rectangle 3"/>
               <p:cNvSpPr txBox="1">
                 <a:spLocks noChangeArrowheads="1"/>
               </p:cNvSpPr>
@@ -14863,8 +16383,8 @@
             </p:nvSpPr>
             <p:spPr bwMode="auto">
               <a:xfrm>
-                <a:off x="381000" y="1219200"/>
-                <a:ext cx="8534400" cy="5105400"/>
+                <a:off x="304800" y="1219200"/>
+                <a:ext cx="8763000" cy="4724400"/>
               </a:xfrm>
               <a:prstGeom prst="rect">
                 <a:avLst/>
@@ -15090,535 +16610,65 @@
               <a:p>
                 <a:pPr eaLnBrk="1" hangingPunct="1">
                   <a:spcBef>
-                    <a:spcPts val="0"/>
+                    <a:spcPts val="600"/>
                   </a:spcBef>
+                  <a:spcAft>
+                    <a:spcPts val="600"/>
+                  </a:spcAft>
                 </a:pPr>
                 <a:r>
-                  <a:rPr lang="en-US" altLang="zh-TW" sz="2400" dirty="0" smtClean="0">
+                  <a:rPr lang="en-US" altLang="zh-TW" sz="2600" dirty="0" smtClean="0">
                     <a:ea typeface="新細明體" pitchFamily="-106" charset="-120"/>
                   </a:rPr>
-                  <a:t>If a concept class </a:t>
+                  <a:t>Active </a:t>
                 </a:r>
-                <a14:m>
-                  <m:oMath xmlns:m="http://schemas.openxmlformats.org/officeDocument/2006/math">
-                    <m:r>
-                      <a:rPr lang="en-US" altLang="zh-TW" sz="2400" b="0" i="1" smtClean="0">
-                        <a:latin typeface="Cambria Math"/>
-                        <a:ea typeface="新細明體" pitchFamily="-106" charset="-120"/>
-                      </a:rPr>
-                      <m:t>𝐶</m:t>
-                    </m:r>
-                  </m:oMath>
-                </a14:m>
                 <a:r>
-                  <a:rPr lang="en-US" altLang="zh-TW" sz="2400" dirty="0" smtClean="0">
+                  <a:rPr lang="en-US" altLang="zh-TW" sz="2600" dirty="0" smtClean="0">
                     <a:ea typeface="新細明體" pitchFamily="-106" charset="-120"/>
                   </a:rPr>
-                  <a:t> has VC-dimension </a:t>
+                  <a:t>Learning is a subfield of machine learning. </a:t>
                 </a:r>
-                <a14:m>
-                  <m:oMath xmlns:m="http://schemas.openxmlformats.org/officeDocument/2006/math">
-                    <m:r>
-                      <a:rPr lang="en-US" altLang="zh-TW" sz="2000" b="0" i="1" smtClean="0">
-                        <a:latin typeface="Cambria Math"/>
-                        <a:ea typeface="新細明體" pitchFamily="-106" charset="-120"/>
-                      </a:rPr>
-                      <m:t>0&lt;</m:t>
-                    </m:r>
-                    <m:r>
-                      <a:rPr lang="en-US" altLang="zh-TW" sz="2000" b="0" i="1" smtClean="0">
-                        <a:latin typeface="Cambria Math"/>
-                        <a:ea typeface="新細明體" pitchFamily="-106" charset="-120"/>
-                      </a:rPr>
-                      <m:t>𝑑</m:t>
-                    </m:r>
-                    <m:r>
-                      <a:rPr lang="en-US" altLang="zh-TW" sz="2000" b="0" i="1" smtClean="0">
-                        <a:latin typeface="Cambria Math"/>
-                        <a:ea typeface="新細明體" pitchFamily="-106" charset="-120"/>
-                      </a:rPr>
-                      <m:t>&lt; ∞</m:t>
-                    </m:r>
-                  </m:oMath>
-                </a14:m>
+              </a:p>
+              <a:p>
+                <a:pPr eaLnBrk="1" hangingPunct="1">
+                  <a:spcBef>
+                    <a:spcPts val="600"/>
+                  </a:spcBef>
+                  <a:spcAft>
+                    <a:spcPts val="600"/>
+                  </a:spcAft>
+                </a:pPr>
                 <a:r>
-                  <a:rPr lang="en-US" altLang="zh-TW" sz="2400" dirty="0" smtClean="0">
+                  <a:rPr lang="en-US" altLang="zh-TW" sz="2600" dirty="0" smtClean="0">
                     <a:ea typeface="新細明體" pitchFamily="-106" charset="-120"/>
                   </a:rPr>
-                  <a:t> and the expected information gain of queries made by QBC is uniformly lower bounded by </a:t>
+                  <a:t>The key idea of Active Learning is that if the learning algorithm is allowed to choose the data from which it learns, it will perform better with less training. [Burr 2010]</a:t>
                 </a:r>
-                <a14:m>
-                  <m:oMath xmlns:m="http://schemas.openxmlformats.org/officeDocument/2006/math">
-                    <m:r>
-                      <a:rPr lang="en-US" altLang="zh-TW" sz="2000" b="0" i="1" smtClean="0">
-                        <a:latin typeface="Cambria Math"/>
-                        <a:ea typeface="新細明體" pitchFamily="-106" charset="-120"/>
-                      </a:rPr>
-                      <m:t>𝑔</m:t>
-                    </m:r>
-                    <m:r>
-                      <a:rPr lang="en-US" altLang="zh-TW" sz="2000" b="0" i="1" smtClean="0">
-                        <a:latin typeface="Cambria Math"/>
-                        <a:ea typeface="新細明體" pitchFamily="-106" charset="-120"/>
-                      </a:rPr>
-                      <m:t>&gt;0</m:t>
-                    </m:r>
-                  </m:oMath>
-                </a14:m>
-                <a:r>
-                  <a:rPr lang="en-US" altLang="zh-TW" sz="2400" dirty="0" smtClean="0">
-                    <a:ea typeface="新細明體" pitchFamily="-106" charset="-120"/>
-                  </a:rPr>
-                  <a:t>, then following holds with probability larger than </a:t>
-                </a:r>
-                <a14:m>
-                  <m:oMath xmlns:m="http://schemas.openxmlformats.org/officeDocument/2006/math">
-                    <m:r>
-                      <a:rPr lang="en-US" altLang="zh-TW" sz="2000" b="0" i="1" smtClean="0">
-                        <a:latin typeface="Cambria Math"/>
-                        <a:ea typeface="新細明體" pitchFamily="-106" charset="-120"/>
-                      </a:rPr>
-                      <m:t>1 − </m:t>
-                    </m:r>
-                    <m:r>
-                      <a:rPr lang="zh-TW" altLang="en-US" sz="2000" b="0" i="1" smtClean="0">
-                        <a:latin typeface="Cambria Math"/>
-                        <a:ea typeface="新細明體" pitchFamily="-106" charset="-120"/>
-                      </a:rPr>
-                      <m:t>𝛿</m:t>
-                    </m:r>
-                    <m:r>
-                      <a:rPr lang="en-US" altLang="zh-TW" sz="2000" b="0" i="0" smtClean="0">
-                        <a:latin typeface="Cambria Math"/>
-                        <a:ea typeface="新細明體" pitchFamily="-106" charset="-120"/>
-                      </a:rPr>
-                      <m:t>,</m:t>
-                    </m:r>
-                  </m:oMath>
-                </a14:m>
-                <a:endParaRPr lang="en-US" altLang="zh-TW" sz="2000" b="0" dirty="0" smtClean="0">
+                <a:endParaRPr lang="en-US" altLang="zh-TW" sz="2600" dirty="0">
                   <a:ea typeface="新細明體" pitchFamily="-106" charset="-120"/>
                 </a:endParaRPr>
               </a:p>
               <a:p>
-                <a:pPr lvl="1" eaLnBrk="1" hangingPunct="1">
-                  <a:lnSpc>
-                    <a:spcPct val="150000"/>
-                  </a:lnSpc>
+                <a:pPr eaLnBrk="1" hangingPunct="1">
                   <a:spcBef>
                     <a:spcPts val="600"/>
                   </a:spcBef>
+                  <a:spcAft>
+                    <a:spcPts val="600"/>
+                  </a:spcAft>
                 </a:pPr>
                 <a:r>
-                  <a:rPr lang="en-US" altLang="zh-TW" sz="2000" dirty="0" smtClean="0">
+                  <a:rPr lang="en-US" altLang="zh-TW" sz="2600" dirty="0" smtClean="0">
                     <a:ea typeface="新細明體" pitchFamily="-106" charset="-120"/>
                   </a:rPr>
-                  <a:t>The number of calls to sample is smaller than </a:t>
+                  <a:t>Active learning aims to achieve high accuracy using as few labels as possible, for example</a:t>
                 </a:r>
               </a:p>
               <a:p>
-                <a:pPr marL="344487" lvl="1" indent="0" eaLnBrk="1" hangingPunct="1">
-                  <a:spcBef>
-                    <a:spcPts val="0"/>
-                  </a:spcBef>
-                  <a:buNone/>
-                </a:pPr>
-                <a:r>
-                  <a:rPr lang="en-US" altLang="zh-TW" sz="2000" dirty="0">
-                    <a:ea typeface="新細明體" pitchFamily="-106" charset="-120"/>
-                  </a:rPr>
-                  <a:t> </a:t>
-                </a:r>
-                <a:r>
-                  <a:rPr lang="en-US" altLang="zh-TW" sz="2000" dirty="0" smtClean="0">
-                    <a:ea typeface="新細明體" pitchFamily="-106" charset="-120"/>
-                  </a:rPr>
-                  <a:t>    </a:t>
-                </a:r>
-                <a14:m>
-                  <m:oMath xmlns:m="http://schemas.openxmlformats.org/officeDocument/2006/math">
-                    <m:sSub>
-                      <m:sSubPr>
-                        <m:ctrlPr>
-                          <a:rPr lang="en-US" altLang="zh-TW" sz="2000" i="1" smtClean="0">
-                            <a:latin typeface="Cambria Math"/>
-                            <a:ea typeface="新細明體" pitchFamily="-106" charset="-120"/>
-                          </a:rPr>
-                        </m:ctrlPr>
-                      </m:sSubPr>
-                      <m:e>
-                        <m:r>
-                          <a:rPr lang="en-US" altLang="zh-TW" sz="2000" b="0" i="1" smtClean="0">
-                            <a:latin typeface="Cambria Math"/>
-                            <a:ea typeface="新細明體" pitchFamily="-106" charset="-120"/>
-                          </a:rPr>
-                          <m:t>𝑚</m:t>
-                        </m:r>
-                      </m:e>
-                      <m:sub>
-                        <m:r>
-                          <a:rPr lang="en-US" altLang="zh-TW" sz="2000" b="0" i="1" smtClean="0">
-                            <a:latin typeface="Cambria Math"/>
-                            <a:ea typeface="新細明體" pitchFamily="-106" charset="-120"/>
-                          </a:rPr>
-                          <m:t>0</m:t>
-                        </m:r>
-                      </m:sub>
-                    </m:sSub>
-                    <m:r>
-                      <a:rPr lang="en-US" altLang="zh-TW" sz="2000" b="0" i="1" smtClean="0">
-                        <a:latin typeface="Cambria Math"/>
-                        <a:ea typeface="新細明體" pitchFamily="-106" charset="-120"/>
-                      </a:rPr>
-                      <m:t>=</m:t>
-                    </m:r>
-                    <m:r>
-                      <m:rPr>
-                        <m:sty m:val="p"/>
-                      </m:rPr>
-                      <a:rPr lang="en-US" altLang="zh-TW" sz="2000" b="0" i="0" smtClean="0">
-                        <a:latin typeface="Cambria Math"/>
-                        <a:ea typeface="新細明體" pitchFamily="-106" charset="-120"/>
-                      </a:rPr>
-                      <m:t>max</m:t>
-                    </m:r>
-                    <m:r>
-                      <a:rPr lang="en-US" altLang="zh-TW" sz="2000" b="0" i="1" smtClean="0">
-                        <a:latin typeface="Cambria Math"/>
-                        <a:ea typeface="新細明體" pitchFamily="-106" charset="-120"/>
-                      </a:rPr>
-                      <m:t>⁡(</m:t>
-                    </m:r>
-                    <m:f>
-                      <m:fPr>
-                        <m:ctrlPr>
-                          <a:rPr lang="en-US" altLang="zh-TW" sz="2000" b="0" i="1" smtClean="0">
-                            <a:latin typeface="Cambria Math"/>
-                            <a:ea typeface="新細明體" pitchFamily="-106" charset="-120"/>
-                          </a:rPr>
-                        </m:ctrlPr>
-                      </m:fPr>
-                      <m:num>
-                        <m:r>
-                          <a:rPr lang="en-US" altLang="zh-TW" sz="2000" b="0" i="1" smtClean="0">
-                            <a:latin typeface="Cambria Math"/>
-                            <a:ea typeface="新細明體" pitchFamily="-106" charset="-120"/>
-                          </a:rPr>
-                          <m:t>4</m:t>
-                        </m:r>
-                        <m:r>
-                          <a:rPr lang="en-US" altLang="zh-TW" sz="2000" b="0" i="1" smtClean="0">
-                            <a:latin typeface="Cambria Math"/>
-                            <a:ea typeface="新細明體" pitchFamily="-106" charset="-120"/>
-                          </a:rPr>
-                          <m:t>𝑑</m:t>
-                        </m:r>
-                      </m:num>
-                      <m:den>
-                        <m:r>
-                          <a:rPr lang="en-US" altLang="zh-TW" sz="2000" b="0" i="1" smtClean="0">
-                            <a:latin typeface="Cambria Math"/>
-                            <a:ea typeface="新細明體" pitchFamily="-106" charset="-120"/>
-                          </a:rPr>
-                          <m:t>𝑒</m:t>
-                        </m:r>
-                        <m:r>
-                          <a:rPr lang="zh-TW" altLang="en-US" sz="2000" b="0" i="1" smtClean="0">
-                            <a:latin typeface="Cambria Math"/>
-                            <a:ea typeface="新細明體" pitchFamily="-106" charset="-120"/>
-                          </a:rPr>
-                          <m:t>𝛿</m:t>
-                        </m:r>
-                      </m:den>
-                    </m:f>
-                    <m:r>
-                      <a:rPr lang="en-US" altLang="zh-TW" sz="2000" b="0" i="1" smtClean="0">
-                        <a:latin typeface="Cambria Math"/>
-                        <a:ea typeface="新細明體" pitchFamily="-106" charset="-120"/>
-                      </a:rPr>
-                      <m:t>,</m:t>
-                    </m:r>
-                    <m:f>
-                      <m:fPr>
-                        <m:ctrlPr>
-                          <a:rPr lang="en-US" altLang="zh-TW" sz="2000" b="0" i="1" smtClean="0">
-                            <a:latin typeface="Cambria Math"/>
-                            <a:ea typeface="新細明體" pitchFamily="-106" charset="-120"/>
-                          </a:rPr>
-                        </m:ctrlPr>
-                      </m:fPr>
-                      <m:num>
-                        <m:r>
-                          <a:rPr lang="en-US" altLang="zh-TW" sz="2000" b="0" i="1" smtClean="0">
-                            <a:latin typeface="Cambria Math"/>
-                            <a:ea typeface="新細明體" pitchFamily="-106" charset="-120"/>
-                          </a:rPr>
-                          <m:t>160</m:t>
-                        </m:r>
-                        <m:d>
-                          <m:dPr>
-                            <m:ctrlPr>
-                              <a:rPr lang="en-US" altLang="zh-TW" sz="2000" b="0" i="1" smtClean="0">
-                                <a:latin typeface="Cambria Math"/>
-                                <a:ea typeface="新細明體" pitchFamily="-106" charset="-120"/>
-                              </a:rPr>
-                            </m:ctrlPr>
-                          </m:dPr>
-                          <m:e>
-                            <m:r>
-                              <a:rPr lang="en-US" altLang="zh-TW" sz="2000" b="0" i="1" smtClean="0">
-                                <a:latin typeface="Cambria Math"/>
-                                <a:ea typeface="新細明體" pitchFamily="-106" charset="-120"/>
-                              </a:rPr>
-                              <m:t>𝑑</m:t>
-                            </m:r>
-                            <m:r>
-                              <a:rPr lang="en-US" altLang="zh-TW" sz="2000" b="0" i="1" smtClean="0">
-                                <a:latin typeface="Cambria Math"/>
-                                <a:ea typeface="新細明體" pitchFamily="-106" charset="-120"/>
-                              </a:rPr>
-                              <m:t>+1</m:t>
-                            </m:r>
-                          </m:e>
-                        </m:d>
-                      </m:num>
-                      <m:den>
-                        <m:r>
-                          <a:rPr lang="en-US" altLang="zh-TW" sz="2000" b="0" i="1" smtClean="0">
-                            <a:latin typeface="Cambria Math"/>
-                            <a:ea typeface="新細明體" pitchFamily="-106" charset="-120"/>
-                          </a:rPr>
-                          <m:t>𝑔</m:t>
-                        </m:r>
-                        <m:r>
-                          <a:rPr lang="zh-TW" altLang="en-US" sz="2000" b="0" i="1" smtClean="0">
-                            <a:latin typeface="Cambria Math"/>
-                            <a:ea typeface="新細明體" pitchFamily="-106" charset="-120"/>
-                          </a:rPr>
-                          <m:t>𝜖</m:t>
-                        </m:r>
-                      </m:den>
-                    </m:f>
-                    <m:func>
-                      <m:funcPr>
-                        <m:ctrlPr>
-                          <a:rPr lang="en-US" altLang="zh-TW" sz="2000" b="0" i="1" smtClean="0">
-                            <a:latin typeface="Cambria Math"/>
-                            <a:ea typeface="新細明體" pitchFamily="-106" charset="-120"/>
-                          </a:rPr>
-                        </m:ctrlPr>
-                      </m:funcPr>
-                      <m:fName>
-                        <m:r>
-                          <m:rPr>
-                            <m:sty m:val="p"/>
-                          </m:rPr>
-                          <a:rPr lang="en-US" altLang="zh-TW" sz="2000" b="0" i="0" smtClean="0">
-                            <a:latin typeface="Cambria Math"/>
-                            <a:ea typeface="新細明體" pitchFamily="-106" charset="-120"/>
-                          </a:rPr>
-                          <m:t>max</m:t>
-                        </m:r>
-                      </m:fName>
-                      <m:e>
-                        <m:sSup>
-                          <m:sSupPr>
-                            <m:ctrlPr>
-                              <a:rPr lang="en-US" altLang="zh-TW" sz="2000" b="0" i="1" smtClean="0">
-                                <a:latin typeface="Cambria Math"/>
-                                <a:ea typeface="新細明體" pitchFamily="-106" charset="-120"/>
-                              </a:rPr>
-                            </m:ctrlPr>
-                          </m:sSupPr>
-                          <m:e>
-                            <m:d>
-                              <m:dPr>
-                                <m:ctrlPr>
-                                  <a:rPr lang="en-US" altLang="zh-TW" sz="2000" i="1">
-                                    <a:latin typeface="Cambria Math"/>
-                                    <a:ea typeface="新細明體" pitchFamily="-106" charset="-120"/>
-                                  </a:rPr>
-                                </m:ctrlPr>
-                              </m:dPr>
-                              <m:e>
-                                <m:r>
-                                  <a:rPr lang="en-US" altLang="zh-TW" sz="2000" i="1">
-                                    <a:latin typeface="Cambria Math"/>
-                                    <a:ea typeface="新細明體" pitchFamily="-106" charset="-120"/>
-                                  </a:rPr>
-                                  <m:t>6, </m:t>
-                                </m:r>
-                                <m:func>
-                                  <m:funcPr>
-                                    <m:ctrlPr>
-                                      <a:rPr lang="en-US" altLang="zh-TW" sz="2000" i="1">
-                                        <a:latin typeface="Cambria Math"/>
-                                        <a:ea typeface="新細明體" pitchFamily="-106" charset="-120"/>
-                                      </a:rPr>
-                                    </m:ctrlPr>
-                                  </m:funcPr>
-                                  <m:fName>
-                                    <m:r>
-                                      <m:rPr>
-                                        <m:sty m:val="p"/>
-                                      </m:rPr>
-                                      <a:rPr lang="en-US" altLang="zh-TW" sz="2000">
-                                        <a:latin typeface="Cambria Math"/>
-                                        <a:ea typeface="新細明體" pitchFamily="-106" charset="-120"/>
-                                      </a:rPr>
-                                      <m:t>ln</m:t>
-                                    </m:r>
-                                  </m:fName>
-                                  <m:e>
-                                    <m:f>
-                                      <m:fPr>
-                                        <m:ctrlPr>
-                                          <a:rPr lang="en-US" altLang="zh-TW" sz="2000" i="1">
-                                            <a:latin typeface="Cambria Math"/>
-                                            <a:ea typeface="新細明體" pitchFamily="-106" charset="-120"/>
-                                          </a:rPr>
-                                        </m:ctrlPr>
-                                      </m:fPr>
-                                      <m:num>
-                                        <m:r>
-                                          <a:rPr lang="en-US" altLang="zh-TW" sz="2000" i="1">
-                                            <a:latin typeface="Cambria Math"/>
-                                            <a:ea typeface="新細明體" pitchFamily="-106" charset="-120"/>
-                                          </a:rPr>
-                                          <m:t>80</m:t>
-                                        </m:r>
-                                        <m:d>
-                                          <m:dPr>
-                                            <m:ctrlPr>
-                                              <a:rPr lang="en-US" altLang="zh-TW" sz="2000" i="1">
-                                                <a:latin typeface="Cambria Math"/>
-                                                <a:ea typeface="新細明體" pitchFamily="-106" charset="-120"/>
-                                              </a:rPr>
-                                            </m:ctrlPr>
-                                          </m:dPr>
-                                          <m:e>
-                                            <m:r>
-                                              <a:rPr lang="en-US" altLang="zh-TW" sz="2000" i="1">
-                                                <a:latin typeface="Cambria Math"/>
-                                                <a:ea typeface="新細明體" pitchFamily="-106" charset="-120"/>
-                                              </a:rPr>
-                                              <m:t>𝑑</m:t>
-                                            </m:r>
-                                            <m:r>
-                                              <a:rPr lang="en-US" altLang="zh-TW" sz="2000" i="1">
-                                                <a:latin typeface="Cambria Math"/>
-                                                <a:ea typeface="新細明體" pitchFamily="-106" charset="-120"/>
-                                              </a:rPr>
-                                              <m:t>+1</m:t>
-                                            </m:r>
-                                          </m:e>
-                                        </m:d>
-                                      </m:num>
-                                      <m:den>
-                                        <m:r>
-                                          <a:rPr lang="zh-TW" altLang="en-US" sz="2000" i="1">
-                                            <a:latin typeface="Cambria Math"/>
-                                            <a:ea typeface="新細明體" pitchFamily="-106" charset="-120"/>
-                                          </a:rPr>
-                                          <m:t>𝜀</m:t>
-                                        </m:r>
-                                        <m:sSup>
-                                          <m:sSupPr>
-                                            <m:ctrlPr>
-                                              <a:rPr lang="en-US" altLang="zh-TW" sz="2000" i="1">
-                                                <a:latin typeface="Cambria Math"/>
-                                                <a:ea typeface="新細明體" pitchFamily="-106" charset="-120"/>
-                                              </a:rPr>
-                                            </m:ctrlPr>
-                                          </m:sSupPr>
-                                          <m:e>
-                                            <m:r>
-                                              <a:rPr lang="zh-TW" altLang="en-US" sz="2000" i="1">
-                                                <a:latin typeface="Cambria Math"/>
-                                                <a:ea typeface="新細明體" pitchFamily="-106" charset="-120"/>
-                                              </a:rPr>
-                                              <m:t>𝛿</m:t>
-                                            </m:r>
-                                          </m:e>
-                                          <m:sup>
-                                            <m:r>
-                                              <a:rPr lang="en-US" altLang="zh-TW" sz="2000" i="1">
-                                                <a:latin typeface="Cambria Math"/>
-                                                <a:ea typeface="新細明體" pitchFamily="-106" charset="-120"/>
-                                              </a:rPr>
-                                              <m:t>2</m:t>
-                                            </m:r>
-                                          </m:sup>
-                                        </m:sSup>
-                                        <m:r>
-                                          <a:rPr lang="en-US" altLang="zh-TW" sz="2000" i="1">
-                                            <a:latin typeface="Cambria Math"/>
-                                            <a:ea typeface="新細明體" pitchFamily="-106" charset="-120"/>
-                                          </a:rPr>
-                                          <m:t>𝑔</m:t>
-                                        </m:r>
-                                      </m:den>
-                                    </m:f>
-                                  </m:e>
-                                </m:func>
-                              </m:e>
-                            </m:d>
-                          </m:e>
-                          <m:sup>
-                            <m:r>
-                              <a:rPr lang="en-US" altLang="zh-TW" sz="2000" b="0" i="1" smtClean="0">
-                                <a:latin typeface="Cambria Math"/>
-                                <a:ea typeface="新細明體" pitchFamily="-106" charset="-120"/>
-                              </a:rPr>
-                              <m:t>2</m:t>
-                            </m:r>
-                          </m:sup>
-                        </m:sSup>
-                      </m:e>
-                    </m:func>
-                    <m:r>
-                      <a:rPr lang="en-US" altLang="zh-TW" sz="2000" b="0" i="1" smtClean="0">
-                        <a:latin typeface="Cambria Math"/>
-                        <a:ea typeface="新細明體" pitchFamily="-106" charset="-120"/>
-                      </a:rPr>
-                      <m:t>)</m:t>
-                    </m:r>
-                  </m:oMath>
-                </a14:m>
-                <a:endParaRPr lang="en-US" altLang="zh-TW" sz="2000" dirty="0" smtClean="0">
-                  <a:ea typeface="新細明體" pitchFamily="-106" charset="-120"/>
-                </a:endParaRPr>
-              </a:p>
-              <a:p>
-                <a:pPr lvl="1" eaLnBrk="1" hangingPunct="1">
-                  <a:spcBef>
-                    <a:spcPts val="600"/>
-                  </a:spcBef>
-                </a:pPr>
-                <a:r>
-                  <a:rPr lang="en-US" altLang="zh-TW" sz="2000" dirty="0">
-                    <a:ea typeface="新細明體" pitchFamily="-106" charset="-120"/>
-                  </a:rPr>
-                  <a:t>The number of calls to </a:t>
-                </a:r>
-                <a:r>
-                  <a:rPr lang="en-US" altLang="zh-TW" sz="2000" dirty="0" smtClean="0">
-                    <a:ea typeface="新細明體" pitchFamily="-106" charset="-120"/>
-                  </a:rPr>
-                  <a:t>label </a:t>
-                </a:r>
-                <a:r>
-                  <a:rPr lang="en-US" altLang="zh-TW" sz="2000" dirty="0">
-                    <a:ea typeface="新細明體" pitchFamily="-106" charset="-120"/>
-                  </a:rPr>
-                  <a:t>is smaller than </a:t>
-                </a:r>
-                <a:endParaRPr lang="en-US" altLang="zh-TW" sz="2000" dirty="0" smtClean="0">
-                  <a:ea typeface="新細明體" pitchFamily="-106" charset="-120"/>
-                </a:endParaRPr>
-              </a:p>
-              <a:p>
-                <a:pPr marL="344487" lvl="1" indent="0" eaLnBrk="1" hangingPunct="1">
+                <a:pPr marL="0" indent="0" eaLnBrk="1" hangingPunct="1">
+                  <a:lnSpc>
+                    <a:spcPct val="90000"/>
+                  </a:lnSpc>
                   <a:spcBef>
                     <a:spcPts val="600"/>
                   </a:spcBef>
@@ -15627,249 +16677,185 @@
                   </a:spcAft>
                   <a:buNone/>
                 </a:pPr>
-                <a:r>
-                  <a:rPr lang="en-US" altLang="zh-TW" sz="2000" dirty="0">
-                    <a:ea typeface="新細明體" pitchFamily="-106" charset="-120"/>
-                  </a:rPr>
-                  <a:t> </a:t>
-                </a:r>
-                <a:r>
-                  <a:rPr lang="en-US" altLang="zh-TW" sz="2000" dirty="0" smtClean="0">
-                    <a:ea typeface="新細明體" pitchFamily="-106" charset="-120"/>
-                  </a:rPr>
-                  <a:t>    </a:t>
-                </a:r>
                 <a14:m>
-                  <m:oMath xmlns:m="http://schemas.openxmlformats.org/officeDocument/2006/math">
-                    <m:sSub>
-                      <m:sSubPr>
-                        <m:ctrlPr>
-                          <a:rPr lang="en-US" altLang="zh-TW" sz="2000" i="1">
-                            <a:latin typeface="Cambria Math"/>
-                            <a:ea typeface="新細明體" pitchFamily="-106" charset="-120"/>
-                          </a:rPr>
-                        </m:ctrlPr>
-                      </m:sSubPr>
-                      <m:e>
-                        <m:r>
-                          <a:rPr lang="en-US" altLang="zh-TW" sz="2000" b="0" i="1" smtClean="0">
-                            <a:latin typeface="Cambria Math"/>
-                            <a:ea typeface="新細明體" pitchFamily="-106" charset="-120"/>
-                          </a:rPr>
-                          <m:t>𝑛</m:t>
-                        </m:r>
-                      </m:e>
-                      <m:sub>
-                        <m:r>
-                          <a:rPr lang="en-US" altLang="zh-TW" sz="2000" i="1">
-                            <a:latin typeface="Cambria Math"/>
-                            <a:ea typeface="新細明體" pitchFamily="-106" charset="-120"/>
-                          </a:rPr>
-                          <m:t>0</m:t>
-                        </m:r>
-                      </m:sub>
-                    </m:sSub>
-                    <m:r>
-                      <a:rPr lang="en-US" altLang="zh-TW" sz="2000" i="1">
-                        <a:latin typeface="Cambria Math"/>
-                        <a:ea typeface="新細明體" pitchFamily="-106" charset="-120"/>
-                      </a:rPr>
-                      <m:t>=</m:t>
-                    </m:r>
-                    <m:f>
-                      <m:fPr>
-                        <m:ctrlPr>
-                          <a:rPr lang="en-US" altLang="zh-TW" sz="2000" i="1" smtClean="0">
-                            <a:latin typeface="Cambria Math"/>
-                            <a:ea typeface="新細明體" pitchFamily="-106" charset="-120"/>
-                          </a:rPr>
-                        </m:ctrlPr>
-                      </m:fPr>
-                      <m:num>
-                        <m:r>
-                          <a:rPr lang="en-US" altLang="zh-TW" sz="2000" b="0" i="1" smtClean="0">
-                            <a:latin typeface="Cambria Math"/>
-                            <a:ea typeface="新細明體" pitchFamily="-106" charset="-120"/>
-                          </a:rPr>
-                          <m:t>10(</m:t>
-                        </m:r>
-                        <m:r>
-                          <a:rPr lang="en-US" altLang="zh-TW" sz="2000" b="0" i="1" smtClean="0">
-                            <a:latin typeface="Cambria Math"/>
-                            <a:ea typeface="新細明體" pitchFamily="-106" charset="-120"/>
-                          </a:rPr>
-                          <m:t>𝑑</m:t>
-                        </m:r>
-                        <m:r>
-                          <a:rPr lang="en-US" altLang="zh-TW" sz="2000" b="0" i="1" smtClean="0">
-                            <a:latin typeface="Cambria Math"/>
-                            <a:ea typeface="新細明體" pitchFamily="-106" charset="-120"/>
-                          </a:rPr>
-                          <m:t>+1)</m:t>
-                        </m:r>
-                      </m:num>
-                      <m:den>
-                        <m:r>
-                          <a:rPr lang="en-US" altLang="zh-TW" sz="2000" b="0" i="1" smtClean="0">
-                            <a:latin typeface="Cambria Math"/>
-                            <a:ea typeface="新細明體" pitchFamily="-106" charset="-120"/>
-                          </a:rPr>
-                          <m:t>𝑔</m:t>
-                        </m:r>
-                      </m:den>
-                    </m:f>
-                    <m:func>
-                      <m:funcPr>
-                        <m:ctrlPr>
-                          <a:rPr lang="en-US" altLang="zh-TW" sz="2000" i="1" smtClean="0">
-                            <a:latin typeface="Cambria Math"/>
-                            <a:ea typeface="新細明體" pitchFamily="-106" charset="-120"/>
-                          </a:rPr>
-                        </m:ctrlPr>
-                      </m:funcPr>
-                      <m:fName>
-                        <m:r>
-                          <m:rPr>
-                            <m:sty m:val="p"/>
-                          </m:rPr>
-                          <a:rPr lang="en-US" altLang="zh-TW" sz="2000" i="0" smtClean="0">
-                            <a:latin typeface="Cambria Math"/>
-                            <a:ea typeface="新細明體" pitchFamily="-106" charset="-120"/>
-                          </a:rPr>
-                          <m:t>ln</m:t>
-                        </m:r>
-                      </m:fName>
-                      <m:e>
-                        <m:f>
-                          <m:fPr>
-                            <m:ctrlPr>
-                              <a:rPr lang="en-US" altLang="zh-TW" sz="2000" i="1" smtClean="0">
-                                <a:latin typeface="Cambria Math"/>
-                                <a:ea typeface="新細明體" pitchFamily="-106" charset="-120"/>
-                              </a:rPr>
-                            </m:ctrlPr>
-                          </m:fPr>
-                          <m:num>
-                            <m:r>
-                              <a:rPr lang="en-US" altLang="zh-TW" sz="2000" b="0" i="1" smtClean="0">
-                                <a:latin typeface="Cambria Math"/>
-                                <a:ea typeface="新細明體" pitchFamily="-106" charset="-120"/>
-                              </a:rPr>
-                              <m:t>4</m:t>
-                            </m:r>
-                            <m:sSub>
-                              <m:sSubPr>
-                                <m:ctrlPr>
-                                  <a:rPr lang="en-US" altLang="zh-TW" sz="2000" b="0" i="1" smtClean="0">
-                                    <a:latin typeface="Cambria Math"/>
-                                    <a:ea typeface="新細明體" pitchFamily="-106" charset="-120"/>
-                                  </a:rPr>
-                                </m:ctrlPr>
-                              </m:sSubPr>
-                              <m:e>
-                                <m:r>
-                                  <a:rPr lang="en-US" altLang="zh-TW" sz="2000" b="0" i="1" smtClean="0">
-                                    <a:latin typeface="Cambria Math"/>
-                                    <a:ea typeface="新細明體" pitchFamily="-106" charset="-120"/>
-                                  </a:rPr>
-                                  <m:t>𝑚</m:t>
-                                </m:r>
-                              </m:e>
-                              <m:sub>
-                                <m:r>
-                                  <a:rPr lang="en-US" altLang="zh-TW" sz="2000" b="0" i="1" smtClean="0">
-                                    <a:latin typeface="Cambria Math"/>
-                                    <a:ea typeface="新細明體" pitchFamily="-106" charset="-120"/>
-                                  </a:rPr>
-                                  <m:t>0</m:t>
-                                </m:r>
-                              </m:sub>
-                            </m:sSub>
-                          </m:num>
-                          <m:den>
-                            <m:r>
-                              <a:rPr lang="zh-TW" altLang="en-US" sz="2000" i="1" smtClean="0">
-                                <a:latin typeface="Cambria Math"/>
-                                <a:ea typeface="新細明體" pitchFamily="-106" charset="-120"/>
-                              </a:rPr>
-                              <m:t>𝛿</m:t>
-                            </m:r>
-                          </m:den>
-                        </m:f>
-                      </m:e>
-                    </m:func>
-                  </m:oMath>
+                  <m:oMathPara xmlns:m="http://schemas.openxmlformats.org/officeDocument/2006/math">
+                    <m:oMathParaPr>
+                      <m:jc m:val="centerGroup"/>
+                    </m:oMathParaPr>
+                    <m:oMath xmlns:m="http://schemas.openxmlformats.org/officeDocument/2006/math">
+                      <m:r>
+                        <a:rPr lang="en-US" altLang="zh-TW" sz="2400" i="1">
+                          <a:latin typeface="Cambria Math"/>
+                          <a:ea typeface="新細明體" pitchFamily="-106" charset="-120"/>
+                        </a:rPr>
+                        <m:t>𝑝𝑜𝑙𝑦</m:t>
+                      </m:r>
+                      <m:d>
+                        <m:dPr>
+                          <m:ctrlPr>
+                            <a:rPr lang="en-US" altLang="zh-TW" sz="2400" b="0" i="1" smtClean="0">
+                              <a:latin typeface="Cambria Math"/>
+                              <a:ea typeface="新細明體" pitchFamily="-106" charset="-120"/>
+                            </a:rPr>
+                          </m:ctrlPr>
+                        </m:dPr>
+                        <m:e>
+                          <m:f>
+                            <m:fPr>
+                              <m:ctrlPr>
+                                <a:rPr lang="en-US" altLang="zh-TW" sz="2400" b="0" i="1" smtClean="0">
+                                  <a:latin typeface="Cambria Math"/>
+                                  <a:ea typeface="新細明體" pitchFamily="-106" charset="-120"/>
+                                </a:rPr>
+                              </m:ctrlPr>
+                            </m:fPr>
+                            <m:num>
+                              <m:r>
+                                <a:rPr lang="en-US" altLang="zh-TW" sz="2400" b="0" i="1" smtClean="0">
+                                  <a:latin typeface="Cambria Math"/>
+                                  <a:ea typeface="新細明體" pitchFamily="-106" charset="-120"/>
+                                </a:rPr>
+                                <m:t>1</m:t>
+                              </m:r>
+                            </m:num>
+                            <m:den>
+                              <m:r>
+                                <a:rPr lang="zh-TW" altLang="en-US" sz="2400" b="0" i="1" smtClean="0">
+                                  <a:latin typeface="Cambria Math"/>
+                                  <a:ea typeface="新細明體" pitchFamily="-106" charset="-120"/>
+                                </a:rPr>
+                                <m:t>𝜖</m:t>
+                              </m:r>
+                            </m:den>
+                          </m:f>
+                          <m:r>
+                            <a:rPr lang="en-US" altLang="zh-TW" sz="2400" b="0" i="1" smtClean="0">
+                              <a:latin typeface="Cambria Math"/>
+                              <a:ea typeface="新細明體" pitchFamily="-106" charset="-120"/>
+                            </a:rPr>
+                            <m:t>, </m:t>
+                          </m:r>
+                          <m:f>
+                            <m:fPr>
+                              <m:ctrlPr>
+                                <a:rPr lang="en-US" altLang="zh-TW" sz="2400" b="0" i="1" smtClean="0">
+                                  <a:latin typeface="Cambria Math"/>
+                                  <a:ea typeface="新細明體" pitchFamily="-106" charset="-120"/>
+                                </a:rPr>
+                              </m:ctrlPr>
+                            </m:fPr>
+                            <m:num>
+                              <m:r>
+                                <a:rPr lang="en-US" altLang="zh-TW" sz="2400" b="0" i="1" smtClean="0">
+                                  <a:latin typeface="Cambria Math"/>
+                                  <a:ea typeface="新細明體" pitchFamily="-106" charset="-120"/>
+                                </a:rPr>
+                                <m:t>1</m:t>
+                              </m:r>
+                            </m:num>
+                            <m:den>
+                              <m:r>
+                                <a:rPr lang="zh-TW" altLang="en-US" sz="2400" b="0" i="1" smtClean="0">
+                                  <a:latin typeface="Cambria Math"/>
+                                  <a:ea typeface="新細明體" pitchFamily="-106" charset="-120"/>
+                                </a:rPr>
+                                <m:t>𝛿</m:t>
+                              </m:r>
+                            </m:den>
+                          </m:f>
+                        </m:e>
+                      </m:d>
+                      <m:r>
+                        <a:rPr lang="en-US" altLang="zh-TW" sz="2400" b="0" i="1" smtClean="0">
+                          <a:latin typeface="Cambria Math"/>
+                          <a:ea typeface="新細明體" pitchFamily="-106" charset="-120"/>
+                        </a:rPr>
+                        <m:t> </m:t>
+                      </m:r>
+                      <m:r>
+                        <a:rPr lang="en-US" altLang="zh-TW" sz="2400" b="0" i="1" smtClean="0">
+                          <a:latin typeface="Cambria Math"/>
+                          <a:ea typeface="Cambria Math"/>
+                        </a:rPr>
+                        <m:t>→</m:t>
+                      </m:r>
+                      <m:r>
+                        <a:rPr lang="en-US" altLang="zh-TW" sz="2400" b="0" i="1" smtClean="0">
+                          <a:latin typeface="Cambria Math"/>
+                          <a:ea typeface="Cambria Math"/>
+                        </a:rPr>
+                        <m:t>𝑝𝑜𝑙𝑦</m:t>
+                      </m:r>
+                      <m:r>
+                        <a:rPr lang="en-US" altLang="zh-TW" sz="2400" b="0" i="1" smtClean="0">
+                          <a:latin typeface="Cambria Math"/>
+                          <a:ea typeface="Cambria Math"/>
+                        </a:rPr>
+                        <m:t>(</m:t>
+                      </m:r>
+                      <m:func>
+                        <m:funcPr>
+                          <m:ctrlPr>
+                            <a:rPr lang="en-US" altLang="zh-TW" sz="2400" b="0" i="1" smtClean="0">
+                              <a:latin typeface="Cambria Math"/>
+                              <a:ea typeface="Cambria Math"/>
+                            </a:rPr>
+                          </m:ctrlPr>
+                        </m:funcPr>
+                        <m:fName>
+                          <m:r>
+                            <m:rPr>
+                              <m:sty m:val="p"/>
+                            </m:rPr>
+                            <a:rPr lang="en-US" altLang="zh-TW" sz="2400" b="0" i="0" smtClean="0">
+                              <a:latin typeface="Cambria Math"/>
+                              <a:ea typeface="Cambria Math"/>
+                            </a:rPr>
+                            <m:t>log</m:t>
+                          </m:r>
+                        </m:fName>
+                        <m:e>
+                          <m:f>
+                            <m:fPr>
+                              <m:ctrlPr>
+                                <a:rPr lang="en-US" altLang="zh-TW" sz="2400" i="1">
+                                  <a:latin typeface="Cambria Math"/>
+                                  <a:ea typeface="Cambria Math"/>
+                                </a:rPr>
+                              </m:ctrlPr>
+                            </m:fPr>
+                            <m:num>
+                              <m:r>
+                                <a:rPr lang="en-US" altLang="zh-TW" sz="2400" i="1">
+                                  <a:latin typeface="Cambria Math"/>
+                                  <a:ea typeface="Cambria Math"/>
+                                </a:rPr>
+                                <m:t>1</m:t>
+                              </m:r>
+                            </m:num>
+                            <m:den>
+                              <m:r>
+                                <a:rPr lang="zh-TW" altLang="en-US" sz="2400" i="1">
+                                  <a:latin typeface="Cambria Math"/>
+                                  <a:ea typeface="Cambria Math"/>
+                                </a:rPr>
+                                <m:t>𝜖</m:t>
+                              </m:r>
+                            </m:den>
+                          </m:f>
+                        </m:e>
+                      </m:func>
+                      <m:r>
+                        <a:rPr lang="en-US" altLang="zh-TW" sz="2400" b="0" i="1" smtClean="0">
+                          <a:latin typeface="Cambria Math"/>
+                          <a:ea typeface="Cambria Math"/>
+                        </a:rPr>
+                        <m:t>)</m:t>
+                      </m:r>
+                    </m:oMath>
+                  </m:oMathPara>
                 </a14:m>
-                <a:endParaRPr lang="en-US" altLang="zh-TW" sz="2000" dirty="0" smtClean="0">
-                  <a:ea typeface="新細明體" pitchFamily="-106" charset="-120"/>
-                </a:endParaRPr>
-              </a:p>
-              <a:p>
-                <a:r>
-                  <a:rPr lang="en-US" altLang="zh-TW" sz="2000" dirty="0" smtClean="0">
-                    <a:ea typeface="新細明體" pitchFamily="-106" charset="-120"/>
-                  </a:rPr>
-                  <a:t>The probability that the Gibbs prediction algorithm that uses the final version space of QBC makes a mistake in its prediction is smaller than </a:t>
-                </a:r>
-                <a14:m>
-                  <m:oMath xmlns:m="http://schemas.openxmlformats.org/officeDocument/2006/math">
-                    <m:r>
-                      <a:rPr lang="zh-TW" altLang="en-US" sz="2000" i="1" smtClean="0">
-                        <a:latin typeface="Cambria Math"/>
-                        <a:ea typeface="新細明體" pitchFamily="-106" charset="-120"/>
-                      </a:rPr>
-                      <m:t>𝜖</m:t>
-                    </m:r>
-                  </m:oMath>
-                </a14:m>
-                <a:r>
-                  <a:rPr lang="en-US" sz="2000" dirty="0" smtClean="0">
-                    <a:ea typeface="新細明體" pitchFamily="-106" charset="-120"/>
-                  </a:rPr>
-                  <a:t>. </a:t>
-                </a:r>
-                <a:r>
-                  <a:rPr lang="en-US" sz="2000" dirty="0" smtClean="0">
-                    <a:ea typeface="新細明體" pitchFamily="-106" charset="-120"/>
-                  </a:rPr>
-                  <a:t>[</a:t>
-                </a:r>
-                <a:r>
-                  <a:rPr lang="en-US" sz="2000" dirty="0" smtClean="0"/>
-                  <a:t>Freund 97</a:t>
-                </a:r>
-                <a:r>
-                  <a:rPr lang="en-US" sz="2000" dirty="0" smtClean="0">
-                    <a:ea typeface="新細明體" pitchFamily="-106" charset="-120"/>
-                  </a:rPr>
-                  <a:t>]</a:t>
-                </a:r>
-                <a:endParaRPr lang="en-US" altLang="zh-TW" sz="2000" dirty="0">
-                  <a:ea typeface="新細明體" pitchFamily="-106" charset="-120"/>
-                </a:endParaRPr>
-              </a:p>
-              <a:p>
-                <a:pPr lvl="1" eaLnBrk="1" hangingPunct="1">
-                  <a:lnSpc>
-                    <a:spcPct val="90000"/>
-                  </a:lnSpc>
-                </a:pPr>
-                <a:endParaRPr lang="en-US" altLang="zh-TW" sz="2400" dirty="0">
-                  <a:ea typeface="新細明體" pitchFamily="-106" charset="-120"/>
-                </a:endParaRPr>
-              </a:p>
-              <a:p>
-                <a:pPr marL="344487" lvl="1" indent="0" eaLnBrk="1" hangingPunct="1">
-                  <a:lnSpc>
-                    <a:spcPct val="90000"/>
-                  </a:lnSpc>
-                  <a:buNone/>
-                </a:pPr>
-                <a:r>
-                  <a:rPr lang="en-US" sz="2400" dirty="0" smtClean="0"/>
-                  <a:t>     </a:t>
-                </a:r>
-                <a:endParaRPr lang="en-US" altLang="zh-TW" dirty="0" smtClean="0">
+                <a:endParaRPr lang="en-US" altLang="zh-TW" sz="2800" dirty="0" smtClean="0">
                   <a:ea typeface="新細明體" pitchFamily="-106" charset="-120"/>
                 </a:endParaRPr>
               </a:p>
@@ -15879,7 +16865,7 @@
         <mc:Fallback>
           <p:sp>
             <p:nvSpPr>
-              <p:cNvPr id="7" name="Rectangle 3"/>
+              <p:cNvPr id="5" name="Rectangle 3"/>
               <p:cNvSpPr txBox="1">
                 <a:spLocks noRot="1" noChangeAspect="1" noMove="1" noResize="1" noEditPoints="1" noAdjustHandles="1" noChangeArrowheads="1" noChangeShapeType="1" noTextEdit="1"/>
               </p:cNvSpPr>
@@ -15887,16 +16873,16 @@
             </p:nvSpPr>
             <p:spPr bwMode="auto">
               <a:xfrm>
-                <a:off x="381000" y="1219200"/>
-                <a:ext cx="8534400" cy="5105400"/>
+                <a:off x="304800" y="1219200"/>
+                <a:ext cx="8763000" cy="4724400"/>
               </a:xfrm>
               <a:prstGeom prst="rect">
                 <a:avLst/>
               </a:prstGeom>
               <a:blipFill rotWithShape="1">
-                <a:blip r:embed="rId3"/>
+                <a:blip r:embed="rId2"/>
                 <a:stretch>
-                  <a:fillRect l="-286" t="-835" r="-1071"/>
+                  <a:fillRect l="-278" t="-1161" r="-2156"/>
                 </a:stretch>
               </a:blipFill>
               <a:ln>
@@ -15940,7 +16926,7 @@
     </p:spTree>
     <p:extLst>
       <p:ext uri="{BB962C8B-B14F-4D97-AF65-F5344CB8AC3E}">
-        <p14:creationId xmlns:p14="http://schemas.microsoft.com/office/powerpoint/2010/main" val="53151857"/>
+        <p14:creationId xmlns:p14="http://schemas.microsoft.com/office/powerpoint/2010/main" val="274735373"/>
       </p:ext>
     </p:extLst>
   </p:cSld>
@@ -15953,6 +16939,893 @@
         <p:cTn id="1" dur="indefinite" restart="never" nodeType="tmRoot"/>
       </p:par>
     </p:tnLst>
+  </p:timing>
+</p:sld>
+</file>
+
+<file path=ppt/slides/slide5.xml><?xml version="1.0" encoding="utf-8"?>
+<p:sld xmlns:a="http://schemas.openxmlformats.org/drawingml/2006/main" xmlns:r="http://schemas.openxmlformats.org/officeDocument/2006/relationships" xmlns:p="http://schemas.openxmlformats.org/presentationml/2006/main">
+  <p:cSld>
+    <p:spTree>
+      <p:nvGrpSpPr>
+        <p:cNvPr id="1" name=""/>
+        <p:cNvGrpSpPr/>
+        <p:nvPr/>
+      </p:nvGrpSpPr>
+      <p:grpSpPr>
+        <a:xfrm>
+          <a:off x="0" y="0"/>
+          <a:ext cx="0" cy="0"/>
+          <a:chOff x="0" y="0"/>
+          <a:chExt cx="0" cy="0"/>
+        </a:xfrm>
+      </p:grpSpPr>
+      <p:sp>
+        <p:nvSpPr>
+          <p:cNvPr id="47106" name="Slide Number Placeholder 5"/>
+          <p:cNvSpPr>
+            <a:spLocks noGrp="1"/>
+          </p:cNvSpPr>
+          <p:nvPr>
+            <p:ph type="sldNum" sz="quarter" idx="12"/>
+          </p:nvPr>
+        </p:nvSpPr>
+        <p:spPr>
+          <a:noFill/>
+          <a:ln/>
+          <a:extLst>
+            <a:ext uri="{909E8E84-426E-40DD-AFC4-6F175D3DCCD1}">
+              <a14:hiddenFill xmlns:a14="http://schemas.microsoft.com/office/drawing/2010/main">
+                <a:solidFill>
+                  <a:srgbClr val="FFFFFF"/>
+                </a:solidFill>
+              </a14:hiddenFill>
+            </a:ext>
+            <a:ext uri="{91240B29-F687-4F45-9708-019B960494DF}">
+              <a14:hiddenLine xmlns:a14="http://schemas.microsoft.com/office/drawing/2010/main" w="9525">
+                <a:solidFill>
+                  <a:srgbClr val="000000"/>
+                </a:solidFill>
+                <a:miter lim="800000"/>
+                <a:headEnd/>
+                <a:tailEnd/>
+              </a14:hiddenLine>
+            </a:ext>
+          </a:extLst>
+        </p:spPr>
+        <p:txBody>
+          <a:bodyPr/>
+          <a:lstStyle>
+            <a:lvl1pPr eaLnBrk="0" hangingPunct="0">
+              <a:defRPr sz="2400">
+                <a:solidFill>
+                  <a:schemeClr val="tx1"/>
+                </a:solidFill>
+                <a:latin typeface="Arial" charset="0"/>
+                <a:ea typeface="ＭＳ Ｐゴシック" pitchFamily="-106" charset="-128"/>
+              </a:defRPr>
+            </a:lvl1pPr>
+            <a:lvl2pPr marL="37931725" indent="-37474525" eaLnBrk="0" hangingPunct="0">
+              <a:defRPr sz="2400">
+                <a:solidFill>
+                  <a:schemeClr val="tx1"/>
+                </a:solidFill>
+                <a:latin typeface="Arial" charset="0"/>
+                <a:ea typeface="ＭＳ Ｐゴシック" pitchFamily="-106" charset="-128"/>
+              </a:defRPr>
+            </a:lvl2pPr>
+            <a:lvl3pPr eaLnBrk="0" hangingPunct="0">
+              <a:defRPr sz="2400">
+                <a:solidFill>
+                  <a:schemeClr val="tx1"/>
+                </a:solidFill>
+                <a:latin typeface="Arial" charset="0"/>
+                <a:ea typeface="ＭＳ Ｐゴシック" pitchFamily="-106" charset="-128"/>
+              </a:defRPr>
+            </a:lvl3pPr>
+            <a:lvl4pPr eaLnBrk="0" hangingPunct="0">
+              <a:defRPr sz="2400">
+                <a:solidFill>
+                  <a:schemeClr val="tx1"/>
+                </a:solidFill>
+                <a:latin typeface="Arial" charset="0"/>
+                <a:ea typeface="ＭＳ Ｐゴシック" pitchFamily="-106" charset="-128"/>
+              </a:defRPr>
+            </a:lvl4pPr>
+            <a:lvl5pPr eaLnBrk="0" hangingPunct="0">
+              <a:defRPr sz="2400">
+                <a:solidFill>
+                  <a:schemeClr val="tx1"/>
+                </a:solidFill>
+                <a:latin typeface="Arial" charset="0"/>
+                <a:ea typeface="ＭＳ Ｐゴシック" pitchFamily="-106" charset="-128"/>
+              </a:defRPr>
+            </a:lvl5pPr>
+            <a:lvl6pPr marL="457200" eaLnBrk="0" fontAlgn="base" hangingPunct="0">
+              <a:spcBef>
+                <a:spcPct val="0"/>
+              </a:spcBef>
+              <a:spcAft>
+                <a:spcPct val="0"/>
+              </a:spcAft>
+              <a:defRPr sz="2400">
+                <a:solidFill>
+                  <a:schemeClr val="tx1"/>
+                </a:solidFill>
+                <a:latin typeface="Arial" charset="0"/>
+                <a:ea typeface="ＭＳ Ｐゴシック" pitchFamily="-106" charset="-128"/>
+              </a:defRPr>
+            </a:lvl6pPr>
+            <a:lvl7pPr marL="914400" eaLnBrk="0" fontAlgn="base" hangingPunct="0">
+              <a:spcBef>
+                <a:spcPct val="0"/>
+              </a:spcBef>
+              <a:spcAft>
+                <a:spcPct val="0"/>
+              </a:spcAft>
+              <a:defRPr sz="2400">
+                <a:solidFill>
+                  <a:schemeClr val="tx1"/>
+                </a:solidFill>
+                <a:latin typeface="Arial" charset="0"/>
+                <a:ea typeface="ＭＳ Ｐゴシック" pitchFamily="-106" charset="-128"/>
+              </a:defRPr>
+            </a:lvl7pPr>
+            <a:lvl8pPr marL="1371600" eaLnBrk="0" fontAlgn="base" hangingPunct="0">
+              <a:spcBef>
+                <a:spcPct val="0"/>
+              </a:spcBef>
+              <a:spcAft>
+                <a:spcPct val="0"/>
+              </a:spcAft>
+              <a:defRPr sz="2400">
+                <a:solidFill>
+                  <a:schemeClr val="tx1"/>
+                </a:solidFill>
+                <a:latin typeface="Arial" charset="0"/>
+                <a:ea typeface="ＭＳ Ｐゴシック" pitchFamily="-106" charset="-128"/>
+              </a:defRPr>
+            </a:lvl8pPr>
+            <a:lvl9pPr marL="1828800" eaLnBrk="0" fontAlgn="base" hangingPunct="0">
+              <a:spcBef>
+                <a:spcPct val="0"/>
+              </a:spcBef>
+              <a:spcAft>
+                <a:spcPct val="0"/>
+              </a:spcAft>
+              <a:defRPr sz="2400">
+                <a:solidFill>
+                  <a:schemeClr val="tx1"/>
+                </a:solidFill>
+                <a:latin typeface="Arial" charset="0"/>
+                <a:ea typeface="ＭＳ Ｐゴシック" pitchFamily="-106" charset="-128"/>
+              </a:defRPr>
+            </a:lvl9pPr>
+          </a:lstStyle>
+          <a:p>
+            <a:pPr eaLnBrk="1" hangingPunct="1"/>
+            <a:fld id="{AAA04654-EE4A-4EBE-BC23-CDB80A2BF4DE}" type="slidenum">
+              <a:rPr lang="en-US" sz="1200">
+                <a:latin typeface="Garamond" pitchFamily="-106" charset="0"/>
+              </a:rPr>
+              <a:pPr eaLnBrk="1" hangingPunct="1"/>
+              <a:t>5</a:t>
+            </a:fld>
+            <a:endParaRPr lang="en-US" sz="1200">
+              <a:latin typeface="Garamond" pitchFamily="-106" charset="0"/>
+            </a:endParaRPr>
+          </a:p>
+        </p:txBody>
+      </p:sp>
+      <p:sp>
+        <p:nvSpPr>
+          <p:cNvPr id="47107" name="Rectangle 2"/>
+          <p:cNvSpPr>
+            <a:spLocks noGrp="1" noChangeArrowheads="1"/>
+          </p:cNvSpPr>
+          <p:nvPr>
+            <p:ph type="title"/>
+          </p:nvPr>
+        </p:nvSpPr>
+        <p:spPr/>
+        <p:txBody>
+          <a:bodyPr/>
+          <a:lstStyle/>
+          <a:p>
+            <a:pPr eaLnBrk="1" hangingPunct="1"/>
+            <a:r>
+              <a:rPr lang="en-US" altLang="zh-TW" b="1" dirty="0" smtClean="0">
+                <a:latin typeface="Arial" pitchFamily="34" charset="0"/>
+                <a:ea typeface="新細明體" pitchFamily="-106" charset="-120"/>
+                <a:cs typeface="Arial" pitchFamily="34" charset="0"/>
+              </a:rPr>
+              <a:t>Algorithms</a:t>
+            </a:r>
+            <a:endParaRPr lang="zh-TW" altLang="en-US" b="1" dirty="0" smtClean="0">
+              <a:latin typeface="Arial" pitchFamily="34" charset="0"/>
+              <a:ea typeface="新細明體" pitchFamily="-106" charset="-120"/>
+              <a:cs typeface="Arial" pitchFamily="34" charset="0"/>
+            </a:endParaRPr>
+          </a:p>
+        </p:txBody>
+      </p:sp>
+      <p:sp>
+        <p:nvSpPr>
+          <p:cNvPr id="4" name="Rectangle 3"/>
+          <p:cNvSpPr txBox="1">
+            <a:spLocks noChangeArrowheads="1"/>
+          </p:cNvSpPr>
+          <p:nvPr/>
+        </p:nvSpPr>
+        <p:spPr bwMode="auto">
+          <a:xfrm>
+            <a:off x="381000" y="1219200"/>
+            <a:ext cx="8610600" cy="4724400"/>
+          </a:xfrm>
+          <a:prstGeom prst="rect">
+            <a:avLst/>
+          </a:prstGeom>
+          <a:noFill/>
+          <a:ln>
+            <a:noFill/>
+          </a:ln>
+          <a:extLst>
+            <a:ext uri="{909E8E84-426E-40DD-AFC4-6F175D3DCCD1}">
+              <a14:hiddenFill xmlns:a14="http://schemas.microsoft.com/office/drawing/2010/main">
+                <a:solidFill>
+                  <a:srgbClr val="FFFFFF"/>
+                </a:solidFill>
+              </a14:hiddenFill>
+            </a:ext>
+            <a:ext uri="{91240B29-F687-4F45-9708-019B960494DF}">
+              <a14:hiddenLine xmlns:a14="http://schemas.microsoft.com/office/drawing/2010/main" w="9525">
+                <a:solidFill>
+                  <a:srgbClr val="000000"/>
+                </a:solidFill>
+                <a:miter lim="800000"/>
+                <a:headEnd/>
+                <a:tailEnd/>
+              </a14:hiddenLine>
+            </a:ext>
+          </a:extLst>
+        </p:spPr>
+        <p:txBody>
+          <a:bodyPr vert="horz" wrap="square" lIns="91440" tIns="45720" rIns="91440" bIns="45720" numCol="1" anchor="t" anchorCtr="0" compatLnSpc="1">
+            <a:prstTxWarp prst="textNoShape">
+              <a:avLst/>
+            </a:prstTxWarp>
+          </a:bodyPr>
+          <a:lstStyle>
+            <a:lvl1pPr marL="342900" indent="-342900" algn="l" rtl="0" eaLnBrk="0" fontAlgn="base" hangingPunct="0">
+              <a:spcBef>
+                <a:spcPct val="20000"/>
+              </a:spcBef>
+              <a:spcAft>
+                <a:spcPct val="0"/>
+              </a:spcAft>
+              <a:buClr>
+                <a:schemeClr val="accent1"/>
+              </a:buClr>
+              <a:buSzPct val="65000"/>
+              <a:buFont typeface="Wingdings" pitchFamily="-106" charset="2"/>
+              <a:buChar char="n"/>
+              <a:defRPr sz="3000">
+                <a:solidFill>
+                  <a:schemeClr val="tx1"/>
+                </a:solidFill>
+                <a:latin typeface="+mn-lt"/>
+                <a:ea typeface="ＭＳ Ｐゴシック" pitchFamily="-106" charset="-128"/>
+                <a:cs typeface="+mn-cs"/>
+              </a:defRPr>
+            </a:lvl1pPr>
+            <a:lvl2pPr marL="669925" indent="-325438" algn="l" rtl="0" eaLnBrk="0" fontAlgn="base" hangingPunct="0">
+              <a:spcBef>
+                <a:spcPct val="20000"/>
+              </a:spcBef>
+              <a:spcAft>
+                <a:spcPct val="0"/>
+              </a:spcAft>
+              <a:buClr>
+                <a:schemeClr val="accent2"/>
+              </a:buClr>
+              <a:buSzPct val="60000"/>
+              <a:buFont typeface="Wingdings" pitchFamily="-106" charset="2"/>
+              <a:buChar char="q"/>
+              <a:defRPr sz="2600">
+                <a:solidFill>
+                  <a:schemeClr val="tx1"/>
+                </a:solidFill>
+                <a:latin typeface="+mn-lt"/>
+                <a:ea typeface="ＭＳ Ｐゴシック" pitchFamily="-106" charset="-128"/>
+              </a:defRPr>
+            </a:lvl2pPr>
+            <a:lvl3pPr marL="1022350" indent="-350838" algn="l" rtl="0" eaLnBrk="0" fontAlgn="base" hangingPunct="0">
+              <a:spcBef>
+                <a:spcPct val="20000"/>
+              </a:spcBef>
+              <a:spcAft>
+                <a:spcPct val="0"/>
+              </a:spcAft>
+              <a:buClr>
+                <a:schemeClr val="accent1"/>
+              </a:buClr>
+              <a:buSzPct val="65000"/>
+              <a:buFont typeface="Wingdings" pitchFamily="-106" charset="2"/>
+              <a:buChar char="n"/>
+              <a:defRPr sz="2200">
+                <a:solidFill>
+                  <a:schemeClr val="tx1"/>
+                </a:solidFill>
+                <a:latin typeface="+mn-lt"/>
+                <a:ea typeface="ＭＳ Ｐゴシック" pitchFamily="-106" charset="-128"/>
+              </a:defRPr>
+            </a:lvl3pPr>
+            <a:lvl4pPr marL="1339850" indent="-315913" algn="l" rtl="0" eaLnBrk="0" fontAlgn="base" hangingPunct="0">
+              <a:spcBef>
+                <a:spcPct val="20000"/>
+              </a:spcBef>
+              <a:spcAft>
+                <a:spcPct val="0"/>
+              </a:spcAft>
+              <a:buClr>
+                <a:schemeClr val="accent2"/>
+              </a:buClr>
+              <a:buSzPct val="70000"/>
+              <a:buFont typeface="Wingdings" pitchFamily="-106" charset="2"/>
+              <a:buChar char="q"/>
+              <a:defRPr sz="2000">
+                <a:solidFill>
+                  <a:schemeClr val="tx1"/>
+                </a:solidFill>
+                <a:latin typeface="+mn-lt"/>
+                <a:ea typeface="ＭＳ Ｐゴシック" pitchFamily="-106" charset="-128"/>
+              </a:defRPr>
+            </a:lvl4pPr>
+            <a:lvl5pPr marL="1681163" indent="-339725" algn="l" rtl="0" eaLnBrk="0" fontAlgn="base" hangingPunct="0">
+              <a:spcBef>
+                <a:spcPct val="20000"/>
+              </a:spcBef>
+              <a:spcAft>
+                <a:spcPct val="0"/>
+              </a:spcAft>
+              <a:buClr>
+                <a:schemeClr val="accent1"/>
+              </a:buClr>
+              <a:buSzPct val="75000"/>
+              <a:buFont typeface="Wingdings" pitchFamily="-106" charset="2"/>
+              <a:buChar char="§"/>
+              <a:defRPr sz="2000">
+                <a:solidFill>
+                  <a:schemeClr val="tx1"/>
+                </a:solidFill>
+                <a:latin typeface="+mn-lt"/>
+                <a:ea typeface="ＭＳ Ｐゴシック" pitchFamily="-106" charset="-128"/>
+              </a:defRPr>
+            </a:lvl5pPr>
+            <a:lvl6pPr marL="2138363" indent="-339725" algn="l" rtl="0" fontAlgn="base">
+              <a:spcBef>
+                <a:spcPct val="20000"/>
+              </a:spcBef>
+              <a:spcAft>
+                <a:spcPct val="0"/>
+              </a:spcAft>
+              <a:buClr>
+                <a:schemeClr val="accent1"/>
+              </a:buClr>
+              <a:buSzPct val="75000"/>
+              <a:buFont typeface="Wingdings" pitchFamily="2" charset="2"/>
+              <a:buChar char="§"/>
+              <a:defRPr sz="2000">
+                <a:solidFill>
+                  <a:schemeClr val="tx1"/>
+                </a:solidFill>
+                <a:latin typeface="+mn-lt"/>
+              </a:defRPr>
+            </a:lvl6pPr>
+            <a:lvl7pPr marL="2595563" indent="-339725" algn="l" rtl="0" fontAlgn="base">
+              <a:spcBef>
+                <a:spcPct val="20000"/>
+              </a:spcBef>
+              <a:spcAft>
+                <a:spcPct val="0"/>
+              </a:spcAft>
+              <a:buClr>
+                <a:schemeClr val="accent1"/>
+              </a:buClr>
+              <a:buSzPct val="75000"/>
+              <a:buFont typeface="Wingdings" pitchFamily="2" charset="2"/>
+              <a:buChar char="§"/>
+              <a:defRPr sz="2000">
+                <a:solidFill>
+                  <a:schemeClr val="tx1"/>
+                </a:solidFill>
+                <a:latin typeface="+mn-lt"/>
+              </a:defRPr>
+            </a:lvl7pPr>
+            <a:lvl8pPr marL="3052763" indent="-339725" algn="l" rtl="0" fontAlgn="base">
+              <a:spcBef>
+                <a:spcPct val="20000"/>
+              </a:spcBef>
+              <a:spcAft>
+                <a:spcPct val="0"/>
+              </a:spcAft>
+              <a:buClr>
+                <a:schemeClr val="accent1"/>
+              </a:buClr>
+              <a:buSzPct val="75000"/>
+              <a:buFont typeface="Wingdings" pitchFamily="2" charset="2"/>
+              <a:buChar char="§"/>
+              <a:defRPr sz="2000">
+                <a:solidFill>
+                  <a:schemeClr val="tx1"/>
+                </a:solidFill>
+                <a:latin typeface="+mn-lt"/>
+              </a:defRPr>
+            </a:lvl8pPr>
+            <a:lvl9pPr marL="3509963" indent="-339725" algn="l" rtl="0" fontAlgn="base">
+              <a:spcBef>
+                <a:spcPct val="20000"/>
+              </a:spcBef>
+              <a:spcAft>
+                <a:spcPct val="0"/>
+              </a:spcAft>
+              <a:buClr>
+                <a:schemeClr val="accent1"/>
+              </a:buClr>
+              <a:buSzPct val="75000"/>
+              <a:buFont typeface="Wingdings" pitchFamily="2" charset="2"/>
+              <a:buChar char="§"/>
+              <a:defRPr sz="2000">
+                <a:solidFill>
+                  <a:schemeClr val="tx1"/>
+                </a:solidFill>
+                <a:latin typeface="+mn-lt"/>
+              </a:defRPr>
+            </a:lvl9pPr>
+          </a:lstStyle>
+          <a:p>
+            <a:pPr eaLnBrk="1" hangingPunct="1">
+              <a:spcBef>
+                <a:spcPts val="600"/>
+              </a:spcBef>
+              <a:spcAft>
+                <a:spcPts val="600"/>
+              </a:spcAft>
+            </a:pPr>
+            <a:r>
+              <a:rPr lang="en-US" altLang="zh-TW" sz="2600" dirty="0">
+                <a:ea typeface="新細明體" pitchFamily="-106" charset="-120"/>
+              </a:rPr>
+              <a:t>Margin Based Active </a:t>
+            </a:r>
+            <a:r>
+              <a:rPr lang="en-US" altLang="zh-TW" sz="2600" dirty="0" smtClean="0">
+                <a:ea typeface="新細明體" pitchFamily="-106" charset="-120"/>
+              </a:rPr>
+              <a:t>Learning</a:t>
+            </a:r>
+            <a:endParaRPr lang="en-US" altLang="zh-TW" sz="2600" dirty="0" smtClean="0">
+              <a:ea typeface="新細明體" pitchFamily="-106" charset="-120"/>
+            </a:endParaRPr>
+          </a:p>
+          <a:p>
+            <a:pPr eaLnBrk="1" hangingPunct="1">
+              <a:spcBef>
+                <a:spcPts val="600"/>
+              </a:spcBef>
+              <a:spcAft>
+                <a:spcPts val="600"/>
+              </a:spcAft>
+            </a:pPr>
+            <a:r>
+              <a:rPr lang="en-US" altLang="zh-TW" sz="2600" dirty="0" smtClean="0">
+                <a:ea typeface="新細明體" pitchFamily="-106" charset="-120"/>
+              </a:rPr>
+              <a:t>Active Perceptron</a:t>
+            </a:r>
+          </a:p>
+          <a:p>
+            <a:pPr eaLnBrk="1" hangingPunct="1">
+              <a:spcBef>
+                <a:spcPts val="600"/>
+              </a:spcBef>
+              <a:spcAft>
+                <a:spcPts val="600"/>
+              </a:spcAft>
+            </a:pPr>
+            <a:r>
+              <a:rPr lang="en-US" altLang="zh-TW" sz="2600" dirty="0">
+                <a:ea typeface="新細明體" pitchFamily="-106" charset="-120"/>
+              </a:rPr>
+              <a:t>Query by </a:t>
+            </a:r>
+            <a:r>
+              <a:rPr lang="en-US" altLang="zh-TW" sz="2600" dirty="0" smtClean="0">
+                <a:ea typeface="新細明體" pitchFamily="-106" charset="-120"/>
+              </a:rPr>
+              <a:t>Committee</a:t>
+            </a:r>
+            <a:endParaRPr lang="en-US" altLang="zh-TW" sz="2600" dirty="0" smtClean="0">
+              <a:ea typeface="新細明體" pitchFamily="-106" charset="-120"/>
+            </a:endParaRPr>
+          </a:p>
+          <a:p>
+            <a:pPr eaLnBrk="1" hangingPunct="1">
+              <a:spcBef>
+                <a:spcPts val="600"/>
+              </a:spcBef>
+              <a:spcAft>
+                <a:spcPts val="600"/>
+              </a:spcAft>
+            </a:pPr>
+            <a:r>
+              <a:rPr lang="en-US" altLang="zh-TW" sz="2600" dirty="0" smtClean="0">
+                <a:ea typeface="新細明體" pitchFamily="-106" charset="-120"/>
+              </a:rPr>
+              <a:t>…</a:t>
+            </a:r>
+            <a:endParaRPr lang="en-US" altLang="zh-TW" sz="2600" dirty="0" smtClean="0">
+              <a:ea typeface="新細明體" pitchFamily="-106" charset="-120"/>
+            </a:endParaRPr>
+          </a:p>
+          <a:p>
+            <a:pPr marL="344487" lvl="1" indent="0" eaLnBrk="1" hangingPunct="1">
+              <a:lnSpc>
+                <a:spcPct val="90000"/>
+              </a:lnSpc>
+              <a:buNone/>
+            </a:pPr>
+            <a:endParaRPr lang="en-US" altLang="zh-TW" dirty="0" smtClean="0">
+              <a:ea typeface="新細明體" pitchFamily="-106" charset="-120"/>
+            </a:endParaRPr>
+          </a:p>
+        </p:txBody>
+      </p:sp>
+    </p:spTree>
+    <p:extLst>
+      <p:ext uri="{BB962C8B-B14F-4D97-AF65-F5344CB8AC3E}">
+        <p14:creationId xmlns:p14="http://schemas.microsoft.com/office/powerpoint/2010/main" val="1626022036"/>
+      </p:ext>
+    </p:extLst>
+  </p:cSld>
+  <p:clrMapOvr>
+    <a:masterClrMapping/>
+  </p:clrMapOvr>
+  <p:timing>
+    <p:tnLst>
+      <p:par>
+        <p:cTn id="1" dur="indefinite" restart="never" nodeType="tmRoot"/>
+      </p:par>
+    </p:tnLst>
+  </p:timing>
+</p:sld>
+</file>
+
+<file path=ppt/slides/slide6.xml><?xml version="1.0" encoding="utf-8"?>
+<p:sld xmlns:a="http://schemas.openxmlformats.org/drawingml/2006/main" xmlns:r="http://schemas.openxmlformats.org/officeDocument/2006/relationships" xmlns:p="http://schemas.openxmlformats.org/presentationml/2006/main">
+  <p:cSld>
+    <p:spTree>
+      <p:nvGrpSpPr>
+        <p:cNvPr id="1" name=""/>
+        <p:cNvGrpSpPr/>
+        <p:nvPr/>
+      </p:nvGrpSpPr>
+      <p:grpSpPr>
+        <a:xfrm>
+          <a:off x="0" y="0"/>
+          <a:ext cx="0" cy="0"/>
+          <a:chOff x="0" y="0"/>
+          <a:chExt cx="0" cy="0"/>
+        </a:xfrm>
+      </p:grpSpPr>
+      <p:sp>
+        <p:nvSpPr>
+          <p:cNvPr id="2" name="Title 1"/>
+          <p:cNvSpPr>
+            <a:spLocks noGrp="1"/>
+          </p:cNvSpPr>
+          <p:nvPr>
+            <p:ph type="title"/>
+          </p:nvPr>
+        </p:nvSpPr>
+        <p:spPr/>
+        <p:txBody>
+          <a:bodyPr/>
+          <a:lstStyle/>
+          <a:p>
+            <a:pPr eaLnBrk="1" hangingPunct="1"/>
+            <a:r>
+              <a:rPr lang="en-US" altLang="zh-CN" b="1" dirty="0">
+                <a:latin typeface="Arial" pitchFamily="34" charset="0"/>
+                <a:ea typeface="新細明體" pitchFamily="-106" charset="-120"/>
+                <a:cs typeface="Arial" pitchFamily="34" charset="0"/>
+              </a:rPr>
+              <a:t>Active Perceptron</a:t>
+            </a:r>
+            <a:endParaRPr lang="zh-CN" altLang="en-US" b="1" dirty="0">
+              <a:latin typeface="Arial" pitchFamily="34" charset="0"/>
+              <a:ea typeface="新細明體" pitchFamily="-106" charset="-120"/>
+              <a:cs typeface="Arial" pitchFamily="34" charset="0"/>
+            </a:endParaRPr>
+          </a:p>
+        </p:txBody>
+      </p:sp>
+      <p:sp>
+        <p:nvSpPr>
+          <p:cNvPr id="4" name="Slide Number Placeholder 3"/>
+          <p:cNvSpPr>
+            <a:spLocks noGrp="1"/>
+          </p:cNvSpPr>
+          <p:nvPr>
+            <p:ph type="sldNum" sz="quarter" idx="12"/>
+          </p:nvPr>
+        </p:nvSpPr>
+        <p:spPr/>
+        <p:txBody>
+          <a:bodyPr/>
+          <a:lstStyle/>
+          <a:p>
+            <a:fld id="{604EAB18-E0EA-45DC-AA4D-A7A0A794259A}" type="slidenum">
+              <a:rPr lang="en-US" smtClean="0"/>
+              <a:pPr/>
+              <a:t>6</a:t>
+            </a:fld>
+            <a:endParaRPr lang="en-US"/>
+          </a:p>
+        </p:txBody>
+      </p:sp>
+      <p:pic>
+        <p:nvPicPr>
+          <p:cNvPr id="1026" name="Picture 2"/>
+          <p:cNvPicPr>
+            <a:picLocks noChangeAspect="1" noChangeArrowheads="1"/>
+          </p:cNvPicPr>
+          <p:nvPr/>
+        </p:nvPicPr>
+        <p:blipFill>
+          <a:blip r:embed="rId2">
+            <a:extLst>
+              <a:ext uri="{28A0092B-C50C-407E-A947-70E740481C1C}">
+                <a14:useLocalDpi xmlns:a14="http://schemas.microsoft.com/office/drawing/2010/main" val="0"/>
+              </a:ext>
+            </a:extLst>
+          </a:blip>
+          <a:srcRect/>
+          <a:stretch>
+            <a:fillRect/>
+          </a:stretch>
+        </p:blipFill>
+        <p:spPr bwMode="auto">
+          <a:xfrm>
+            <a:off x="366713" y="1143000"/>
+            <a:ext cx="8410575" cy="4572000"/>
+          </a:xfrm>
+          <a:prstGeom prst="rect">
+            <a:avLst/>
+          </a:prstGeom>
+          <a:noFill/>
+          <a:ln>
+            <a:noFill/>
+          </a:ln>
+          <a:effectLst/>
+          <a:extLst>
+            <a:ext uri="{909E8E84-426E-40DD-AFC4-6F175D3DCCD1}">
+              <a14:hiddenFill xmlns:a14="http://schemas.microsoft.com/office/drawing/2010/main">
+                <a:solidFill>
+                  <a:schemeClr val="accent1"/>
+                </a:solidFill>
+              </a14:hiddenFill>
+            </a:ext>
+            <a:ext uri="{91240B29-F687-4F45-9708-019B960494DF}">
+              <a14:hiddenLine xmlns:a14="http://schemas.microsoft.com/office/drawing/2010/main" w="9525">
+                <a:solidFill>
+                  <a:schemeClr val="tx1"/>
+                </a:solidFill>
+                <a:miter lim="800000"/>
+                <a:headEnd/>
+                <a:tailEnd/>
+              </a14:hiddenLine>
+            </a:ext>
+            <a:ext uri="{AF507438-7753-43E0-B8FC-AC1667EBCBE1}">
+              <a14:hiddenEffects xmlns:a14="http://schemas.microsoft.com/office/drawing/2010/main">
+                <a:effectLst>
+                  <a:outerShdw dist="35921" dir="2700000" algn="ctr" rotWithShape="0">
+                    <a:schemeClr val="bg2"/>
+                  </a:outerShdw>
+                </a:effectLst>
+              </a14:hiddenEffects>
+            </a:ext>
+          </a:extLst>
+        </p:spPr>
+      </p:pic>
+      <p:sp>
+        <p:nvSpPr>
+          <p:cNvPr id="5" name="Rectangle 4"/>
+          <p:cNvSpPr/>
+          <p:nvPr/>
+        </p:nvSpPr>
+        <p:spPr bwMode="auto">
+          <a:xfrm>
+            <a:off x="4343400" y="2590800"/>
+            <a:ext cx="1828800" cy="457200"/>
+          </a:xfrm>
+          <a:prstGeom prst="rect">
+            <a:avLst/>
+          </a:prstGeom>
+          <a:noFill/>
+          <a:ln w="31750" cap="flat" cmpd="sng" algn="ctr">
+            <a:solidFill>
+              <a:srgbClr val="FF0000"/>
+            </a:solidFill>
+            <a:prstDash val="solid"/>
+            <a:round/>
+            <a:headEnd type="none" w="med" len="med"/>
+            <a:tailEnd type="none" w="med" len="med"/>
+          </a:ln>
+          <a:effectLst/>
+        </p:spPr>
+        <p:txBody>
+          <a:bodyPr vert="horz" wrap="square" lIns="91440" tIns="45720" rIns="91440" bIns="45720" numCol="1" rtlCol="0" anchor="t" anchorCtr="0" compatLnSpc="1">
+            <a:prstTxWarp prst="textNoShape">
+              <a:avLst/>
+            </a:prstTxWarp>
+          </a:bodyPr>
+          <a:lstStyle/>
+          <a:p>
+            <a:pPr marL="0" marR="0" indent="0" algn="l" defTabSz="914400" rtl="0" eaLnBrk="0" fontAlgn="base" latinLnBrk="0" hangingPunct="0">
+              <a:lnSpc>
+                <a:spcPct val="100000"/>
+              </a:lnSpc>
+              <a:spcBef>
+                <a:spcPct val="0"/>
+              </a:spcBef>
+              <a:spcAft>
+                <a:spcPct val="0"/>
+              </a:spcAft>
+              <a:buClrTx/>
+              <a:buSzTx/>
+              <a:buFontTx/>
+              <a:buNone/>
+              <a:tabLst/>
+            </a:pPr>
+            <a:endParaRPr kumimoji="0" lang="en-US" sz="1800" b="0" i="0" u="none" strike="noStrike" cap="none" normalizeH="0" baseline="0" smtClean="0">
+              <a:ln>
+                <a:noFill/>
+              </a:ln>
+              <a:solidFill>
+                <a:schemeClr val="tx1"/>
+              </a:solidFill>
+              <a:effectLst/>
+              <a:latin typeface="Arial" charset="0"/>
+            </a:endParaRPr>
+          </a:p>
+        </p:txBody>
+      </p:sp>
+      <p:sp>
+        <p:nvSpPr>
+          <p:cNvPr id="6" name="TextBox 5"/>
+          <p:cNvSpPr txBox="1"/>
+          <p:nvPr/>
+        </p:nvSpPr>
+        <p:spPr>
+          <a:xfrm>
+            <a:off x="6400800" y="5638800"/>
+            <a:ext cx="2514600" cy="400110"/>
+          </a:xfrm>
+          <a:prstGeom prst="rect">
+            <a:avLst/>
+          </a:prstGeom>
+          <a:noFill/>
+        </p:spPr>
+        <p:txBody>
+          <a:bodyPr wrap="square" rtlCol="0">
+            <a:spAutoFit/>
+          </a:bodyPr>
+          <a:lstStyle/>
+          <a:p>
+            <a:r>
+              <a:rPr lang="en-US" sz="2000" dirty="0" smtClean="0"/>
+              <a:t>[</a:t>
+            </a:r>
+            <a:r>
+              <a:rPr lang="en-US" sz="2000" dirty="0" err="1" smtClean="0"/>
+              <a:t>Dasgupta</a:t>
+            </a:r>
+            <a:r>
+              <a:rPr lang="en-US" sz="2000" dirty="0" smtClean="0"/>
+              <a:t> 2005]</a:t>
+            </a:r>
+            <a:endParaRPr lang="en-US" sz="2000" dirty="0"/>
+          </a:p>
+        </p:txBody>
+      </p:sp>
+    </p:spTree>
+    <p:extLst>
+      <p:ext uri="{BB962C8B-B14F-4D97-AF65-F5344CB8AC3E}">
+        <p14:creationId xmlns:p14="http://schemas.microsoft.com/office/powerpoint/2010/main" val="3784099234"/>
+      </p:ext>
+    </p:extLst>
+  </p:cSld>
+  <p:clrMapOvr>
+    <a:masterClrMapping/>
+  </p:clrMapOvr>
+  <p:timing>
+    <p:tnLst>
+      <p:par>
+        <p:cTn id="1" dur="indefinite" restart="never" nodeType="tmRoot">
+          <p:childTnLst>
+            <p:seq concurrent="1" nextAc="seek">
+              <p:cTn id="2" dur="indefinite" nodeType="mainSeq">
+                <p:childTnLst>
+                  <p:par>
+                    <p:cTn id="3" fill="hold">
+                      <p:stCondLst>
+                        <p:cond delay="indefinite"/>
+                      </p:stCondLst>
+                      <p:childTnLst>
+                        <p:par>
+                          <p:cTn id="4" fill="hold">
+                            <p:stCondLst>
+                              <p:cond delay="0"/>
+                            </p:stCondLst>
+                            <p:childTnLst>
+                              <p:par>
+                                <p:cTn id="5" presetID="1" presetClass="entr" presetSubtype="0" fill="hold" grpId="0" nodeType="clickEffect">
+                                  <p:stCondLst>
+                                    <p:cond delay="0"/>
+                                  </p:stCondLst>
+                                  <p:childTnLst>
+                                    <p:set>
+                                      <p:cBhvr>
+                                        <p:cTn id="6" dur="1" fill="hold">
+                                          <p:stCondLst>
+                                            <p:cond delay="0"/>
+                                          </p:stCondLst>
+                                        </p:cTn>
+                                        <p:tgtEl>
+                                          <p:spTgt spid="5"/>
+                                        </p:tgtEl>
+                                        <p:attrNameLst>
+                                          <p:attrName>style.visibility</p:attrName>
+                                        </p:attrNameLst>
+                                      </p:cBhvr>
+                                      <p:to>
+                                        <p:strVal val="visible"/>
+                                      </p:to>
+                                    </p:set>
+                                  </p:childTnLst>
+                                </p:cTn>
+                              </p:par>
+                            </p:childTnLst>
+                          </p:cTn>
+                        </p:par>
+                      </p:childTnLst>
+                    </p:cTn>
+                  </p:par>
+                </p:childTnLst>
+              </p:cTn>
+              <p:prevCondLst>
+                <p:cond evt="onPrev" delay="0">
+                  <p:tgtEl>
+                    <p:sldTgt/>
+                  </p:tgtEl>
+                </p:cond>
+              </p:prevCondLst>
+              <p:nextCondLst>
+                <p:cond evt="onNext" delay="0">
+                  <p:tgtEl>
+                    <p:sldTgt/>
+                  </p:tgtEl>
+                </p:cond>
+              </p:nextCondLst>
+            </p:seq>
+          </p:childTnLst>
+        </p:cTn>
+      </p:par>
+    </p:tnLst>
+    <p:bldLst>
+      <p:bldP spid="5" grpId="0" animBg="1"/>
+    </p:bldLst>
   </p:timing>
 </p:sld>
 </file>
@@ -17006,7 +18879,7 @@
     </p:spTree>
     <p:extLst>
       <p:ext uri="{BB962C8B-B14F-4D97-AF65-F5344CB8AC3E}">
-        <p14:creationId xmlns:p14="http://schemas.microsoft.com/office/powerpoint/2010/main" val="3615593643"/>
+        <p14:creationId xmlns:p14="http://schemas.microsoft.com/office/powerpoint/2010/main" val="1677692635"/>
       </p:ext>
     </p:extLst>
   </p:cSld>
@@ -17229,415 +19102,725 @@
           </a:p>
         </p:txBody>
       </p:sp>
-      <p:sp>
-        <p:nvSpPr>
-          <p:cNvPr id="7" name="Rectangle 3"/>
-          <p:cNvSpPr txBox="1">
-            <a:spLocks noChangeArrowheads="1"/>
-          </p:cNvSpPr>
-          <p:nvPr/>
-        </p:nvSpPr>
-        <p:spPr bwMode="auto">
-          <a:xfrm>
-            <a:off x="304800" y="1219200"/>
-            <a:ext cx="8763000" cy="4953000"/>
-          </a:xfrm>
-          <a:prstGeom prst="rect">
-            <a:avLst/>
-          </a:prstGeom>
-          <a:noFill/>
-          <a:ln>
-            <a:noFill/>
-          </a:ln>
-          <a:extLst>
-            <a:ext uri="{909E8E84-426E-40DD-AFC4-6F175D3DCCD1}">
-              <a14:hiddenFill xmlns:a14="http://schemas.microsoft.com/office/drawing/2010/main">
-                <a:solidFill>
-                  <a:srgbClr val="FFFFFF"/>
-                </a:solidFill>
-              </a14:hiddenFill>
-            </a:ext>
-            <a:ext uri="{91240B29-F687-4F45-9708-019B960494DF}">
-              <a14:hiddenLine xmlns:a14="http://schemas.microsoft.com/office/drawing/2010/main" w="9525">
-                <a:solidFill>
-                  <a:srgbClr val="000000"/>
-                </a:solidFill>
-                <a:miter lim="800000"/>
-                <a:headEnd/>
-                <a:tailEnd/>
-              </a14:hiddenLine>
-            </a:ext>
-          </a:extLst>
-        </p:spPr>
-        <p:txBody>
-          <a:bodyPr vert="horz" wrap="square" lIns="91440" tIns="45720" rIns="91440" bIns="45720" numCol="1" anchor="t" anchorCtr="0" compatLnSpc="1">
-            <a:prstTxWarp prst="textNoShape">
-              <a:avLst/>
-            </a:prstTxWarp>
-          </a:bodyPr>
-          <a:lstStyle>
-            <a:lvl1pPr marL="342900" indent="-342900" algn="l" rtl="0" eaLnBrk="0" fontAlgn="base" hangingPunct="0">
-              <a:spcBef>
-                <a:spcPct val="20000"/>
-              </a:spcBef>
-              <a:spcAft>
-                <a:spcPct val="0"/>
-              </a:spcAft>
-              <a:buClr>
-                <a:schemeClr val="accent1"/>
-              </a:buClr>
-              <a:buSzPct val="65000"/>
-              <a:buFont typeface="Wingdings" pitchFamily="-106" charset="2"/>
-              <a:buChar char="n"/>
-              <a:defRPr sz="3000">
-                <a:solidFill>
-                  <a:schemeClr val="tx1"/>
-                </a:solidFill>
-                <a:latin typeface="+mn-lt"/>
-                <a:ea typeface="ＭＳ Ｐゴシック" pitchFamily="-106" charset="-128"/>
-                <a:cs typeface="+mn-cs"/>
-              </a:defRPr>
-            </a:lvl1pPr>
-            <a:lvl2pPr marL="669925" indent="-325438" algn="l" rtl="0" eaLnBrk="0" fontAlgn="base" hangingPunct="0">
-              <a:spcBef>
-                <a:spcPct val="20000"/>
-              </a:spcBef>
-              <a:spcAft>
-                <a:spcPct val="0"/>
-              </a:spcAft>
-              <a:buClr>
-                <a:schemeClr val="accent2"/>
-              </a:buClr>
-              <a:buSzPct val="60000"/>
-              <a:buFont typeface="Wingdings" pitchFamily="-106" charset="2"/>
-              <a:buChar char="q"/>
-              <a:defRPr sz="2600">
-                <a:solidFill>
-                  <a:schemeClr val="tx1"/>
-                </a:solidFill>
-                <a:latin typeface="+mn-lt"/>
-                <a:ea typeface="ＭＳ Ｐゴシック" pitchFamily="-106" charset="-128"/>
-              </a:defRPr>
-            </a:lvl2pPr>
-            <a:lvl3pPr marL="1022350" indent="-350838" algn="l" rtl="0" eaLnBrk="0" fontAlgn="base" hangingPunct="0">
-              <a:spcBef>
-                <a:spcPct val="20000"/>
-              </a:spcBef>
-              <a:spcAft>
-                <a:spcPct val="0"/>
-              </a:spcAft>
-              <a:buClr>
-                <a:schemeClr val="accent1"/>
-              </a:buClr>
-              <a:buSzPct val="65000"/>
-              <a:buFont typeface="Wingdings" pitchFamily="-106" charset="2"/>
-              <a:buChar char="n"/>
-              <a:defRPr sz="2200">
-                <a:solidFill>
-                  <a:schemeClr val="tx1"/>
-                </a:solidFill>
-                <a:latin typeface="+mn-lt"/>
-                <a:ea typeface="ＭＳ Ｐゴシック" pitchFamily="-106" charset="-128"/>
-              </a:defRPr>
-            </a:lvl3pPr>
-            <a:lvl4pPr marL="1339850" indent="-315913" algn="l" rtl="0" eaLnBrk="0" fontAlgn="base" hangingPunct="0">
-              <a:spcBef>
-                <a:spcPct val="20000"/>
-              </a:spcBef>
-              <a:spcAft>
-                <a:spcPct val="0"/>
-              </a:spcAft>
-              <a:buClr>
-                <a:schemeClr val="accent2"/>
-              </a:buClr>
-              <a:buSzPct val="70000"/>
-              <a:buFont typeface="Wingdings" pitchFamily="-106" charset="2"/>
-              <a:buChar char="q"/>
-              <a:defRPr sz="2000">
-                <a:solidFill>
-                  <a:schemeClr val="tx1"/>
-                </a:solidFill>
-                <a:latin typeface="+mn-lt"/>
-                <a:ea typeface="ＭＳ Ｐゴシック" pitchFamily="-106" charset="-128"/>
-              </a:defRPr>
-            </a:lvl4pPr>
-            <a:lvl5pPr marL="1681163" indent="-339725" algn="l" rtl="0" eaLnBrk="0" fontAlgn="base" hangingPunct="0">
-              <a:spcBef>
-                <a:spcPct val="20000"/>
-              </a:spcBef>
-              <a:spcAft>
-                <a:spcPct val="0"/>
-              </a:spcAft>
-              <a:buClr>
-                <a:schemeClr val="accent1"/>
-              </a:buClr>
-              <a:buSzPct val="75000"/>
-              <a:buFont typeface="Wingdings" pitchFamily="-106" charset="2"/>
-              <a:buChar char="§"/>
-              <a:defRPr sz="2000">
-                <a:solidFill>
-                  <a:schemeClr val="tx1"/>
-                </a:solidFill>
-                <a:latin typeface="+mn-lt"/>
-                <a:ea typeface="ＭＳ Ｐゴシック" pitchFamily="-106" charset="-128"/>
-              </a:defRPr>
-            </a:lvl5pPr>
-            <a:lvl6pPr marL="2138363" indent="-339725" algn="l" rtl="0" fontAlgn="base">
-              <a:spcBef>
-                <a:spcPct val="20000"/>
-              </a:spcBef>
-              <a:spcAft>
-                <a:spcPct val="0"/>
-              </a:spcAft>
-              <a:buClr>
-                <a:schemeClr val="accent1"/>
-              </a:buClr>
-              <a:buSzPct val="75000"/>
-              <a:buFont typeface="Wingdings" pitchFamily="2" charset="2"/>
-              <a:buChar char="§"/>
-              <a:defRPr sz="2000">
-                <a:solidFill>
-                  <a:schemeClr val="tx1"/>
-                </a:solidFill>
-                <a:latin typeface="+mn-lt"/>
-              </a:defRPr>
-            </a:lvl6pPr>
-            <a:lvl7pPr marL="2595563" indent="-339725" algn="l" rtl="0" fontAlgn="base">
-              <a:spcBef>
-                <a:spcPct val="20000"/>
-              </a:spcBef>
-              <a:spcAft>
-                <a:spcPct val="0"/>
-              </a:spcAft>
-              <a:buClr>
-                <a:schemeClr val="accent1"/>
-              </a:buClr>
-              <a:buSzPct val="75000"/>
-              <a:buFont typeface="Wingdings" pitchFamily="2" charset="2"/>
-              <a:buChar char="§"/>
-              <a:defRPr sz="2000">
-                <a:solidFill>
-                  <a:schemeClr val="tx1"/>
-                </a:solidFill>
-                <a:latin typeface="+mn-lt"/>
-              </a:defRPr>
-            </a:lvl7pPr>
-            <a:lvl8pPr marL="3052763" indent="-339725" algn="l" rtl="0" fontAlgn="base">
-              <a:spcBef>
-                <a:spcPct val="20000"/>
-              </a:spcBef>
-              <a:spcAft>
-                <a:spcPct val="0"/>
-              </a:spcAft>
-              <a:buClr>
-                <a:schemeClr val="accent1"/>
-              </a:buClr>
-              <a:buSzPct val="75000"/>
-              <a:buFont typeface="Wingdings" pitchFamily="2" charset="2"/>
-              <a:buChar char="§"/>
-              <a:defRPr sz="2000">
-                <a:solidFill>
-                  <a:schemeClr val="tx1"/>
-                </a:solidFill>
-                <a:latin typeface="+mn-lt"/>
-              </a:defRPr>
-            </a:lvl8pPr>
-            <a:lvl9pPr marL="3509963" indent="-339725" algn="l" rtl="0" fontAlgn="base">
-              <a:spcBef>
-                <a:spcPct val="20000"/>
-              </a:spcBef>
-              <a:spcAft>
-                <a:spcPct val="0"/>
-              </a:spcAft>
-              <a:buClr>
-                <a:schemeClr val="accent1"/>
-              </a:buClr>
-              <a:buSzPct val="75000"/>
-              <a:buFont typeface="Wingdings" pitchFamily="2" charset="2"/>
-              <a:buChar char="§"/>
-              <a:defRPr sz="2000">
-                <a:solidFill>
-                  <a:schemeClr val="tx1"/>
-                </a:solidFill>
-                <a:latin typeface="+mn-lt"/>
-              </a:defRPr>
-            </a:lvl9pPr>
-          </a:lstStyle>
-          <a:p>
-            <a:pPr>
-              <a:spcBef>
-                <a:spcPts val="600"/>
-              </a:spcBef>
-              <a:spcAft>
-                <a:spcPts val="600"/>
-              </a:spcAft>
-            </a:pPr>
-            <a:r>
-              <a:rPr lang="en-US" sz="2600" dirty="0" smtClean="0">
-                <a:latin typeface="Arial" charset="0"/>
-              </a:rPr>
-              <a:t>For </a:t>
-            </a:r>
-            <a:r>
-              <a:rPr lang="en-US" sz="2600" dirty="0">
-                <a:latin typeface="Arial" charset="0"/>
-              </a:rPr>
-              <a:t>many real-world problems, the committee is infinite. </a:t>
-            </a:r>
-            <a:endParaRPr lang="en-US" sz="2600" dirty="0" smtClean="0">
-              <a:latin typeface="Arial" charset="0"/>
-            </a:endParaRPr>
-          </a:p>
-          <a:p>
-            <a:pPr>
-              <a:spcBef>
-                <a:spcPts val="600"/>
-              </a:spcBef>
-              <a:spcAft>
-                <a:spcPts val="600"/>
-              </a:spcAft>
-            </a:pPr>
-            <a:r>
-              <a:rPr lang="en-US" sz="2600" dirty="0" smtClean="0">
-                <a:latin typeface="Arial" charset="0"/>
-              </a:rPr>
-              <a:t>The </a:t>
-            </a:r>
-            <a:r>
-              <a:rPr lang="en-US" sz="2600" dirty="0">
-                <a:latin typeface="Arial" charset="0"/>
-              </a:rPr>
-              <a:t>main obstacle in implementing QBC is </a:t>
-            </a:r>
-            <a:r>
-              <a:rPr lang="en-US" sz="2600" dirty="0" smtClean="0">
-                <a:latin typeface="Arial" charset="0"/>
-              </a:rPr>
-              <a:t>to </a:t>
-            </a:r>
-            <a:r>
-              <a:rPr lang="en-US" sz="2600" dirty="0">
-                <a:latin typeface="Arial" charset="0"/>
-              </a:rPr>
-              <a:t>sample from the version space </a:t>
-            </a:r>
-            <a:r>
-              <a:rPr lang="en-US" sz="2600" dirty="0" smtClean="0">
-                <a:latin typeface="Arial" charset="0"/>
-              </a:rPr>
-              <a:t>(Step </a:t>
-            </a:r>
-            <a:r>
-              <a:rPr lang="en-US" sz="2600" dirty="0">
-                <a:latin typeface="Arial" charset="0"/>
-              </a:rPr>
-              <a:t>2</a:t>
-            </a:r>
-            <a:r>
-              <a:rPr lang="en-US" sz="2600" dirty="0" smtClean="0">
-                <a:latin typeface="Arial" charset="0"/>
-              </a:rPr>
-              <a:t>). It </a:t>
-            </a:r>
-            <a:r>
-              <a:rPr lang="en-US" sz="2600" dirty="0">
-                <a:latin typeface="Arial" charset="0"/>
-              </a:rPr>
-              <a:t>is hard to do this with reasonable computational complexity </a:t>
-            </a:r>
-            <a:r>
-              <a:rPr lang="en-US" sz="2600" dirty="0" smtClean="0">
-                <a:latin typeface="Arial" charset="0"/>
-              </a:rPr>
-              <a:t>when d is very large [Ran 2005].</a:t>
-            </a:r>
-          </a:p>
-          <a:p>
-            <a:pPr>
-              <a:spcBef>
-                <a:spcPts val="600"/>
-              </a:spcBef>
-              <a:spcAft>
-                <a:spcPts val="600"/>
-              </a:spcAft>
-            </a:pPr>
-            <a:r>
-              <a:rPr lang="en-US" sz="2600" dirty="0" smtClean="0">
-                <a:latin typeface="Arial" charset="0"/>
-              </a:rPr>
-              <a:t>QBC is very sensitive for noisy data sets. </a:t>
-            </a:r>
-          </a:p>
-          <a:p>
-            <a:pPr>
-              <a:spcBef>
-                <a:spcPts val="600"/>
-              </a:spcBef>
-              <a:spcAft>
-                <a:spcPts val="600"/>
-              </a:spcAft>
-            </a:pPr>
-            <a:r>
-              <a:rPr lang="en-US" altLang="zh-TW" sz="2600" dirty="0" smtClean="0">
-                <a:latin typeface="Arial" charset="0"/>
-                <a:ea typeface="新細明體" pitchFamily="-106" charset="-120"/>
-              </a:rPr>
-              <a:t>We implement </a:t>
-            </a:r>
-            <a:r>
-              <a:rPr lang="en-US" altLang="zh-TW" sz="2600" dirty="0" smtClean="0">
-                <a:latin typeface="Arial" charset="0"/>
-                <a:ea typeface="新細明體" pitchFamily="-106" charset="-120"/>
-              </a:rPr>
-              <a:t>original QBC for low dimension data and </a:t>
-            </a:r>
-            <a:r>
-              <a:rPr lang="en-US" altLang="zh-TW" sz="2600" dirty="0" smtClean="0">
-                <a:latin typeface="Arial" charset="0"/>
-                <a:ea typeface="新細明體" pitchFamily="-106" charset="-120"/>
-              </a:rPr>
-              <a:t>Active-majority QBC [</a:t>
-            </a:r>
-            <a:r>
-              <a:rPr lang="en-US" sz="2600" dirty="0" err="1" smtClean="0"/>
-              <a:t>Liere</a:t>
-            </a:r>
-            <a:r>
-              <a:rPr lang="en-US" sz="2600" dirty="0" smtClean="0"/>
-              <a:t> 97</a:t>
-            </a:r>
-            <a:r>
-              <a:rPr lang="en-US" altLang="zh-TW" sz="2600" dirty="0" smtClean="0">
-                <a:latin typeface="Arial" charset="0"/>
-                <a:ea typeface="新細明體" pitchFamily="-106" charset="-120"/>
-              </a:rPr>
-              <a:t>] for high dimension data.</a:t>
-            </a:r>
-            <a:endParaRPr lang="en-US" altLang="zh-TW" sz="2600" dirty="0">
-              <a:ea typeface="新細明體" pitchFamily="-106" charset="-120"/>
-            </a:endParaRPr>
-          </a:p>
-          <a:p>
-            <a:pPr marL="344487" lvl="1" indent="0" eaLnBrk="1" hangingPunct="1">
-              <a:lnSpc>
-                <a:spcPct val="90000"/>
-              </a:lnSpc>
-              <a:buNone/>
-            </a:pPr>
-            <a:r>
-              <a:rPr lang="en-US" sz="2400" dirty="0" smtClean="0"/>
-              <a:t>     </a:t>
-            </a:r>
-            <a:endParaRPr lang="en-US" altLang="zh-TW" dirty="0" smtClean="0">
-              <a:ea typeface="新細明體" pitchFamily="-106" charset="-120"/>
-            </a:endParaRPr>
-          </a:p>
-        </p:txBody>
-      </p:sp>
+      <mc:AlternateContent xmlns:mc="http://schemas.openxmlformats.org/markup-compatibility/2006">
+        <mc:Choice xmlns:a14="http://schemas.microsoft.com/office/drawing/2010/main" Requires="a14">
+          <p:sp>
+            <p:nvSpPr>
+              <p:cNvPr id="7" name="Rectangle 3"/>
+              <p:cNvSpPr txBox="1">
+                <a:spLocks noChangeArrowheads="1"/>
+              </p:cNvSpPr>
+              <p:nvPr/>
+            </p:nvSpPr>
+            <p:spPr bwMode="auto">
+              <a:xfrm>
+                <a:off x="381000" y="1219200"/>
+                <a:ext cx="8534400" cy="5105400"/>
+              </a:xfrm>
+              <a:prstGeom prst="rect">
+                <a:avLst/>
+              </a:prstGeom>
+              <a:noFill/>
+              <a:ln>
+                <a:noFill/>
+              </a:ln>
+              <a:extLst>
+                <a:ext uri="{909E8E84-426E-40DD-AFC4-6F175D3DCCD1}">
+                  <a14:hiddenFill>
+                    <a:solidFill>
+                      <a:srgbClr val="FFFFFF"/>
+                    </a:solidFill>
+                  </a14:hiddenFill>
+                </a:ext>
+                <a:ext uri="{91240B29-F687-4F45-9708-019B960494DF}">
+                  <a14:hiddenLine w="9525">
+                    <a:solidFill>
+                      <a:srgbClr val="000000"/>
+                    </a:solidFill>
+                    <a:miter lim="800000"/>
+                    <a:headEnd/>
+                    <a:tailEnd/>
+                  </a14:hiddenLine>
+                </a:ext>
+              </a:extLst>
+            </p:spPr>
+            <p:txBody>
+              <a:bodyPr vert="horz" wrap="square" lIns="91440" tIns="45720" rIns="91440" bIns="45720" numCol="1" anchor="t" anchorCtr="0" compatLnSpc="1">
+                <a:prstTxWarp prst="textNoShape">
+                  <a:avLst/>
+                </a:prstTxWarp>
+              </a:bodyPr>
+              <a:lstStyle>
+                <a:lvl1pPr marL="342900" indent="-342900" algn="l" rtl="0" eaLnBrk="0" fontAlgn="base" hangingPunct="0">
+                  <a:spcBef>
+                    <a:spcPct val="20000"/>
+                  </a:spcBef>
+                  <a:spcAft>
+                    <a:spcPct val="0"/>
+                  </a:spcAft>
+                  <a:buClr>
+                    <a:schemeClr val="accent1"/>
+                  </a:buClr>
+                  <a:buSzPct val="65000"/>
+                  <a:buFont typeface="Wingdings" pitchFamily="-106" charset="2"/>
+                  <a:buChar char="n"/>
+                  <a:defRPr sz="3000">
+                    <a:solidFill>
+                      <a:schemeClr val="tx1"/>
+                    </a:solidFill>
+                    <a:latin typeface="+mn-lt"/>
+                    <a:ea typeface="ＭＳ Ｐゴシック" pitchFamily="-106" charset="-128"/>
+                    <a:cs typeface="+mn-cs"/>
+                  </a:defRPr>
+                </a:lvl1pPr>
+                <a:lvl2pPr marL="669925" indent="-325438" algn="l" rtl="0" eaLnBrk="0" fontAlgn="base" hangingPunct="0">
+                  <a:spcBef>
+                    <a:spcPct val="20000"/>
+                  </a:spcBef>
+                  <a:spcAft>
+                    <a:spcPct val="0"/>
+                  </a:spcAft>
+                  <a:buClr>
+                    <a:schemeClr val="accent2"/>
+                  </a:buClr>
+                  <a:buSzPct val="60000"/>
+                  <a:buFont typeface="Wingdings" pitchFamily="-106" charset="2"/>
+                  <a:buChar char="q"/>
+                  <a:defRPr sz="2600">
+                    <a:solidFill>
+                      <a:schemeClr val="tx1"/>
+                    </a:solidFill>
+                    <a:latin typeface="+mn-lt"/>
+                    <a:ea typeface="ＭＳ Ｐゴシック" pitchFamily="-106" charset="-128"/>
+                  </a:defRPr>
+                </a:lvl2pPr>
+                <a:lvl3pPr marL="1022350" indent="-350838" algn="l" rtl="0" eaLnBrk="0" fontAlgn="base" hangingPunct="0">
+                  <a:spcBef>
+                    <a:spcPct val="20000"/>
+                  </a:spcBef>
+                  <a:spcAft>
+                    <a:spcPct val="0"/>
+                  </a:spcAft>
+                  <a:buClr>
+                    <a:schemeClr val="accent1"/>
+                  </a:buClr>
+                  <a:buSzPct val="65000"/>
+                  <a:buFont typeface="Wingdings" pitchFamily="-106" charset="2"/>
+                  <a:buChar char="n"/>
+                  <a:defRPr sz="2200">
+                    <a:solidFill>
+                      <a:schemeClr val="tx1"/>
+                    </a:solidFill>
+                    <a:latin typeface="+mn-lt"/>
+                    <a:ea typeface="ＭＳ Ｐゴシック" pitchFamily="-106" charset="-128"/>
+                  </a:defRPr>
+                </a:lvl3pPr>
+                <a:lvl4pPr marL="1339850" indent="-315913" algn="l" rtl="0" eaLnBrk="0" fontAlgn="base" hangingPunct="0">
+                  <a:spcBef>
+                    <a:spcPct val="20000"/>
+                  </a:spcBef>
+                  <a:spcAft>
+                    <a:spcPct val="0"/>
+                  </a:spcAft>
+                  <a:buClr>
+                    <a:schemeClr val="accent2"/>
+                  </a:buClr>
+                  <a:buSzPct val="70000"/>
+                  <a:buFont typeface="Wingdings" pitchFamily="-106" charset="2"/>
+                  <a:buChar char="q"/>
+                  <a:defRPr sz="2000">
+                    <a:solidFill>
+                      <a:schemeClr val="tx1"/>
+                    </a:solidFill>
+                    <a:latin typeface="+mn-lt"/>
+                    <a:ea typeface="ＭＳ Ｐゴシック" pitchFamily="-106" charset="-128"/>
+                  </a:defRPr>
+                </a:lvl4pPr>
+                <a:lvl5pPr marL="1681163" indent="-339725" algn="l" rtl="0" eaLnBrk="0" fontAlgn="base" hangingPunct="0">
+                  <a:spcBef>
+                    <a:spcPct val="20000"/>
+                  </a:spcBef>
+                  <a:spcAft>
+                    <a:spcPct val="0"/>
+                  </a:spcAft>
+                  <a:buClr>
+                    <a:schemeClr val="accent1"/>
+                  </a:buClr>
+                  <a:buSzPct val="75000"/>
+                  <a:buFont typeface="Wingdings" pitchFamily="-106" charset="2"/>
+                  <a:buChar char="§"/>
+                  <a:defRPr sz="2000">
+                    <a:solidFill>
+                      <a:schemeClr val="tx1"/>
+                    </a:solidFill>
+                    <a:latin typeface="+mn-lt"/>
+                    <a:ea typeface="ＭＳ Ｐゴシック" pitchFamily="-106" charset="-128"/>
+                  </a:defRPr>
+                </a:lvl5pPr>
+                <a:lvl6pPr marL="2138363" indent="-339725" algn="l" rtl="0" fontAlgn="base">
+                  <a:spcBef>
+                    <a:spcPct val="20000"/>
+                  </a:spcBef>
+                  <a:spcAft>
+                    <a:spcPct val="0"/>
+                  </a:spcAft>
+                  <a:buClr>
+                    <a:schemeClr val="accent1"/>
+                  </a:buClr>
+                  <a:buSzPct val="75000"/>
+                  <a:buFont typeface="Wingdings" pitchFamily="2" charset="2"/>
+                  <a:buChar char="§"/>
+                  <a:defRPr sz="2000">
+                    <a:solidFill>
+                      <a:schemeClr val="tx1"/>
+                    </a:solidFill>
+                    <a:latin typeface="+mn-lt"/>
+                  </a:defRPr>
+                </a:lvl6pPr>
+                <a:lvl7pPr marL="2595563" indent="-339725" algn="l" rtl="0" fontAlgn="base">
+                  <a:spcBef>
+                    <a:spcPct val="20000"/>
+                  </a:spcBef>
+                  <a:spcAft>
+                    <a:spcPct val="0"/>
+                  </a:spcAft>
+                  <a:buClr>
+                    <a:schemeClr val="accent1"/>
+                  </a:buClr>
+                  <a:buSzPct val="75000"/>
+                  <a:buFont typeface="Wingdings" pitchFamily="2" charset="2"/>
+                  <a:buChar char="§"/>
+                  <a:defRPr sz="2000">
+                    <a:solidFill>
+                      <a:schemeClr val="tx1"/>
+                    </a:solidFill>
+                    <a:latin typeface="+mn-lt"/>
+                  </a:defRPr>
+                </a:lvl7pPr>
+                <a:lvl8pPr marL="3052763" indent="-339725" algn="l" rtl="0" fontAlgn="base">
+                  <a:spcBef>
+                    <a:spcPct val="20000"/>
+                  </a:spcBef>
+                  <a:spcAft>
+                    <a:spcPct val="0"/>
+                  </a:spcAft>
+                  <a:buClr>
+                    <a:schemeClr val="accent1"/>
+                  </a:buClr>
+                  <a:buSzPct val="75000"/>
+                  <a:buFont typeface="Wingdings" pitchFamily="2" charset="2"/>
+                  <a:buChar char="§"/>
+                  <a:defRPr sz="2000">
+                    <a:solidFill>
+                      <a:schemeClr val="tx1"/>
+                    </a:solidFill>
+                    <a:latin typeface="+mn-lt"/>
+                  </a:defRPr>
+                </a:lvl8pPr>
+                <a:lvl9pPr marL="3509963" indent="-339725" algn="l" rtl="0" fontAlgn="base">
+                  <a:spcBef>
+                    <a:spcPct val="20000"/>
+                  </a:spcBef>
+                  <a:spcAft>
+                    <a:spcPct val="0"/>
+                  </a:spcAft>
+                  <a:buClr>
+                    <a:schemeClr val="accent1"/>
+                  </a:buClr>
+                  <a:buSzPct val="75000"/>
+                  <a:buFont typeface="Wingdings" pitchFamily="2" charset="2"/>
+                  <a:buChar char="§"/>
+                  <a:defRPr sz="2000">
+                    <a:solidFill>
+                      <a:schemeClr val="tx1"/>
+                    </a:solidFill>
+                    <a:latin typeface="+mn-lt"/>
+                  </a:defRPr>
+                </a:lvl9pPr>
+              </a:lstStyle>
+              <a:p>
+                <a:pPr eaLnBrk="1" hangingPunct="1">
+                  <a:spcBef>
+                    <a:spcPts val="0"/>
+                  </a:spcBef>
+                </a:pPr>
+                <a:r>
+                  <a:rPr lang="en-US" altLang="zh-TW" sz="2400" i="1" u="sng" dirty="0" smtClean="0">
+                    <a:ea typeface="新細明體" pitchFamily="-106" charset="-120"/>
+                  </a:rPr>
+                  <a:t>Information Gain</a:t>
+                </a:r>
+                <a:r>
+                  <a:rPr lang="en-US" altLang="zh-TW" sz="2400" dirty="0" smtClean="0">
+                    <a:ea typeface="新細明體" pitchFamily="-106" charset="-120"/>
+                  </a:rPr>
+                  <a:t> </a:t>
+                </a:r>
+                <a:endParaRPr lang="en-US" altLang="zh-TW" sz="2000" b="0" dirty="0" smtClean="0">
+                  <a:ea typeface="新細明體" pitchFamily="-106" charset="-120"/>
+                </a:endParaRPr>
+              </a:p>
+              <a:p>
+                <a:pPr lvl="1" eaLnBrk="1" hangingPunct="1">
+                  <a:lnSpc>
+                    <a:spcPct val="150000"/>
+                  </a:lnSpc>
+                  <a:spcBef>
+                    <a:spcPts val="600"/>
+                  </a:spcBef>
+                </a:pPr>
+                <a:r>
+                  <a:rPr lang="en-US" altLang="zh-TW" sz="2000" dirty="0" smtClean="0">
+                    <a:ea typeface="新細明體" pitchFamily="-106" charset="-120"/>
+                  </a:rPr>
+                  <a:t>The </a:t>
+                </a:r>
+                <a:r>
+                  <a:rPr lang="en-US" altLang="zh-TW" sz="2000" dirty="0" smtClean="0">
+                    <a:ea typeface="新細明體" pitchFamily="-106" charset="-120"/>
+                  </a:rPr>
+                  <a:t>instantaneous information gain from the </a:t>
+                </a:r>
+                <a:r>
+                  <a:rPr lang="en-US" altLang="zh-TW" sz="2000" i="1" dirty="0" smtClean="0">
+                    <a:ea typeface="新細明體" pitchFamily="-106" charset="-120"/>
+                  </a:rPr>
+                  <a:t>i</a:t>
+                </a:r>
+                <a:r>
+                  <a:rPr lang="en-US" altLang="zh-TW" sz="2000" dirty="0" smtClean="0">
+                    <a:ea typeface="新細明體" pitchFamily="-106" charset="-120"/>
+                  </a:rPr>
+                  <a:t> </a:t>
+                </a:r>
+                <a:r>
+                  <a:rPr lang="en-US" altLang="zh-TW" sz="2000" dirty="0" err="1" smtClean="0">
+                    <a:ea typeface="新細明體" pitchFamily="-106" charset="-120"/>
+                  </a:rPr>
+                  <a:t>th</a:t>
+                </a:r>
+                <a:r>
+                  <a:rPr lang="en-US" altLang="zh-TW" sz="2000" dirty="0" smtClean="0">
+                    <a:ea typeface="新細明體" pitchFamily="-106" charset="-120"/>
+                  </a:rPr>
+                  <a:t> label example</a:t>
+                </a:r>
+                <a:endParaRPr lang="en-US" altLang="zh-TW" sz="2000" dirty="0" smtClean="0">
+                  <a:ea typeface="新細明體" pitchFamily="-106" charset="-120"/>
+                </a:endParaRPr>
+              </a:p>
+              <a:p>
+                <a:pPr marL="344487" lvl="1" indent="0" eaLnBrk="1" hangingPunct="1">
+                  <a:spcBef>
+                    <a:spcPts val="600"/>
+                  </a:spcBef>
+                  <a:spcAft>
+                    <a:spcPts val="600"/>
+                  </a:spcAft>
+                  <a:buNone/>
+                </a:pPr>
+                <a14:m>
+                  <m:oMathPara xmlns:m="http://schemas.openxmlformats.org/officeDocument/2006/math">
+                    <m:oMathParaPr>
+                      <m:jc m:val="centerGroup"/>
+                    </m:oMathParaPr>
+                    <m:oMath xmlns:m="http://schemas.openxmlformats.org/officeDocument/2006/math">
+                      <m:r>
+                        <a:rPr lang="en-US" altLang="zh-TW" sz="2400" b="0" i="0" smtClean="0">
+                          <a:latin typeface="Cambria Math"/>
+                          <a:ea typeface="新細明體" pitchFamily="-106" charset="-120"/>
+                        </a:rPr>
+                        <m:t>−</m:t>
+                      </m:r>
+                      <m:func>
+                        <m:funcPr>
+                          <m:ctrlPr>
+                            <a:rPr lang="en-US" altLang="zh-TW" sz="2400" i="1" smtClean="0">
+                              <a:latin typeface="Cambria Math"/>
+                              <a:ea typeface="新細明體" pitchFamily="-106" charset="-120"/>
+                            </a:rPr>
+                          </m:ctrlPr>
+                        </m:funcPr>
+                        <m:fName>
+                          <m:r>
+                            <m:rPr>
+                              <m:sty m:val="p"/>
+                            </m:rPr>
+                            <a:rPr lang="en-US" altLang="zh-TW" sz="2400" i="0" smtClean="0">
+                              <a:latin typeface="Cambria Math"/>
+                              <a:ea typeface="新細明體" pitchFamily="-106" charset="-120"/>
+                            </a:rPr>
+                            <m:t>log</m:t>
+                          </m:r>
+                        </m:fName>
+                        <m:e>
+                          <m:f>
+                            <m:fPr>
+                              <m:ctrlPr>
+                                <a:rPr lang="en-US" altLang="zh-TW" sz="2400" i="1" smtClean="0">
+                                  <a:latin typeface="Cambria Math"/>
+                                  <a:ea typeface="新細明體" pitchFamily="-106" charset="-120"/>
+                                </a:rPr>
+                              </m:ctrlPr>
+                            </m:fPr>
+                            <m:num>
+                              <m:sSub>
+                                <m:sSubPr>
+                                  <m:ctrlPr>
+                                    <a:rPr lang="en-US" altLang="zh-TW" sz="2400" i="1" smtClean="0">
+                                      <a:latin typeface="Cambria Math"/>
+                                      <a:ea typeface="新細明體" pitchFamily="-106" charset="-120"/>
+                                    </a:rPr>
+                                  </m:ctrlPr>
+                                </m:sSubPr>
+                                <m:e>
+                                  <m:r>
+                                    <a:rPr lang="en-US" altLang="zh-TW" sz="2400" b="0" i="1" smtClean="0">
+                                      <a:latin typeface="Cambria Math"/>
+                                      <a:ea typeface="新細明體" pitchFamily="-106" charset="-120"/>
+                                    </a:rPr>
+                                    <m:t>𝑃𝑟</m:t>
+                                  </m:r>
+                                </m:e>
+                                <m:sub>
+                                  <m:r>
+                                    <a:rPr lang="en-US" altLang="zh-TW" sz="2400" b="0" i="1" smtClean="0">
+                                      <a:latin typeface="Cambria Math"/>
+                                      <a:ea typeface="新細明體" pitchFamily="-106" charset="-120"/>
+                                    </a:rPr>
+                                    <m:t>𝑝</m:t>
+                                  </m:r>
+                                </m:sub>
+                              </m:sSub>
+                              <m:r>
+                                <a:rPr lang="en-US" altLang="zh-TW" sz="2400" b="0" i="1" smtClean="0">
+                                  <a:latin typeface="Cambria Math"/>
+                                  <a:ea typeface="新細明體" pitchFamily="-106" charset="-120"/>
+                                </a:rPr>
+                                <m:t>(</m:t>
+                              </m:r>
+                              <m:sSub>
+                                <m:sSubPr>
+                                  <m:ctrlPr>
+                                    <a:rPr lang="en-US" altLang="zh-TW" sz="2400" b="0" i="1" smtClean="0">
+                                      <a:latin typeface="Cambria Math"/>
+                                      <a:ea typeface="新細明體" pitchFamily="-106" charset="-120"/>
+                                    </a:rPr>
+                                  </m:ctrlPr>
+                                </m:sSubPr>
+                                <m:e>
+                                  <m:r>
+                                    <a:rPr lang="en-US" altLang="zh-TW" sz="2400" b="0" i="1" smtClean="0">
+                                      <a:latin typeface="Cambria Math"/>
+                                      <a:ea typeface="新細明體" pitchFamily="-106" charset="-120"/>
+                                    </a:rPr>
+                                    <m:t>𝑉</m:t>
+                                  </m:r>
+                                </m:e>
+                                <m:sub>
+                                  <m:r>
+                                    <a:rPr lang="en-US" altLang="zh-TW" sz="2400" b="0" i="1" smtClean="0">
+                                      <a:latin typeface="Cambria Math"/>
+                                      <a:ea typeface="新細明體" pitchFamily="-106" charset="-120"/>
+                                    </a:rPr>
+                                    <m:t>𝑖</m:t>
+                                  </m:r>
+                                </m:sub>
+                              </m:sSub>
+                              <m:r>
+                                <a:rPr lang="en-US" altLang="zh-TW" sz="2400" b="0" i="1" smtClean="0">
+                                  <a:latin typeface="Cambria Math"/>
+                                  <a:ea typeface="新細明體" pitchFamily="-106" charset="-120"/>
+                                </a:rPr>
+                                <m:t>)</m:t>
+                              </m:r>
+                            </m:num>
+                            <m:den>
+                              <m:sSub>
+                                <m:sSubPr>
+                                  <m:ctrlPr>
+                                    <a:rPr lang="en-US" altLang="zh-TW" sz="2400" i="1">
+                                      <a:latin typeface="Cambria Math"/>
+                                      <a:ea typeface="新細明體" pitchFamily="-106" charset="-120"/>
+                                    </a:rPr>
+                                  </m:ctrlPr>
+                                </m:sSubPr>
+                                <m:e>
+                                  <m:r>
+                                    <a:rPr lang="en-US" altLang="zh-TW" sz="2400" i="1">
+                                      <a:latin typeface="Cambria Math"/>
+                                      <a:ea typeface="新細明體" pitchFamily="-106" charset="-120"/>
+                                    </a:rPr>
+                                    <m:t>𝑃𝑟</m:t>
+                                  </m:r>
+                                </m:e>
+                                <m:sub>
+                                  <m:r>
+                                    <a:rPr lang="en-US" altLang="zh-TW" sz="2400" i="1">
+                                      <a:latin typeface="Cambria Math"/>
+                                      <a:ea typeface="新細明體" pitchFamily="-106" charset="-120"/>
+                                    </a:rPr>
+                                    <m:t>𝑝</m:t>
+                                  </m:r>
+                                </m:sub>
+                              </m:sSub>
+                              <m:r>
+                                <a:rPr lang="en-US" altLang="zh-TW" sz="2400" i="1">
+                                  <a:latin typeface="Cambria Math"/>
+                                  <a:ea typeface="新細明體" pitchFamily="-106" charset="-120"/>
+                                </a:rPr>
+                                <m:t>(</m:t>
+                              </m:r>
+                              <m:sSub>
+                                <m:sSubPr>
+                                  <m:ctrlPr>
+                                    <a:rPr lang="en-US" altLang="zh-TW" sz="2400" i="1">
+                                      <a:latin typeface="Cambria Math"/>
+                                      <a:ea typeface="新細明體" pitchFamily="-106" charset="-120"/>
+                                    </a:rPr>
+                                  </m:ctrlPr>
+                                </m:sSubPr>
+                                <m:e>
+                                  <m:r>
+                                    <a:rPr lang="en-US" altLang="zh-TW" sz="2400" i="1">
+                                      <a:latin typeface="Cambria Math"/>
+                                      <a:ea typeface="新細明體" pitchFamily="-106" charset="-120"/>
+                                    </a:rPr>
+                                    <m:t>𝑉</m:t>
+                                  </m:r>
+                                </m:e>
+                                <m:sub>
+                                  <m:r>
+                                    <a:rPr lang="en-US" altLang="zh-TW" sz="2400" i="1">
+                                      <a:latin typeface="Cambria Math"/>
+                                      <a:ea typeface="新細明體" pitchFamily="-106" charset="-120"/>
+                                    </a:rPr>
+                                    <m:t>𝑖</m:t>
+                                  </m:r>
+                                  <m:r>
+                                    <a:rPr lang="en-US" altLang="zh-TW" sz="2400" b="0" i="1" smtClean="0">
+                                      <a:latin typeface="Cambria Math"/>
+                                      <a:ea typeface="新細明體" pitchFamily="-106" charset="-120"/>
+                                    </a:rPr>
+                                    <m:t>−1</m:t>
+                                  </m:r>
+                                </m:sub>
+                              </m:sSub>
+                              <m:r>
+                                <a:rPr lang="en-US" altLang="zh-TW" sz="2400" b="0" i="1" smtClean="0">
+                                  <a:latin typeface="Cambria Math"/>
+                                  <a:ea typeface="新細明體" pitchFamily="-106" charset="-120"/>
+                                </a:rPr>
+                                <m:t>)</m:t>
+                              </m:r>
+                            </m:den>
+                          </m:f>
+                        </m:e>
+                      </m:func>
+                    </m:oMath>
+                  </m:oMathPara>
+                </a14:m>
+                <a:endParaRPr lang="en-US" altLang="zh-TW" sz="1800" dirty="0" smtClean="0">
+                  <a:ea typeface="新細明體" pitchFamily="-106" charset="-120"/>
+                </a:endParaRPr>
+              </a:p>
+              <a:p>
+                <a:pPr lvl="1" eaLnBrk="1" hangingPunct="1">
+                  <a:spcBef>
+                    <a:spcPts val="600"/>
+                  </a:spcBef>
+                </a:pPr>
+                <a:r>
+                  <a:rPr lang="en-US" altLang="zh-TW" sz="2000" dirty="0" smtClean="0">
+                    <a:ea typeface="新細明體" pitchFamily="-106" charset="-120"/>
+                  </a:rPr>
+                  <a:t>It is proved that there exists a uniform lower bound </a:t>
+                </a:r>
+                <a14:m>
+                  <m:oMath xmlns:m="http://schemas.openxmlformats.org/officeDocument/2006/math">
+                    <m:r>
+                      <a:rPr lang="en-US" altLang="zh-TW" sz="2000" b="0" i="0" smtClean="0">
+                        <a:latin typeface="Cambria Math"/>
+                        <a:ea typeface="新細明體" pitchFamily="-106" charset="-120"/>
+                      </a:rPr>
+                      <m:t>1/9</m:t>
+                    </m:r>
+                    <m:r>
+                      <a:rPr lang="en-US" altLang="zh-TW" sz="2000" b="0" i="1" smtClean="0">
+                        <a:latin typeface="Cambria Math"/>
+                        <a:ea typeface="新細明體" pitchFamily="-106" charset="-120"/>
+                      </a:rPr>
+                      <m:t>+7/(18</m:t>
+                    </m:r>
+                    <m:func>
+                      <m:funcPr>
+                        <m:ctrlPr>
+                          <a:rPr lang="en-US" altLang="zh-TW" sz="2000" b="0" i="1" smtClean="0">
+                            <a:latin typeface="Cambria Math"/>
+                            <a:ea typeface="新細明體" pitchFamily="-106" charset="-120"/>
+                          </a:rPr>
+                        </m:ctrlPr>
+                      </m:funcPr>
+                      <m:fName>
+                        <m:r>
+                          <m:rPr>
+                            <m:sty m:val="p"/>
+                          </m:rPr>
+                          <a:rPr lang="en-US" altLang="zh-TW" sz="2000" b="0" i="0" smtClean="0">
+                            <a:latin typeface="Cambria Math"/>
+                            <a:ea typeface="新細明體" pitchFamily="-106" charset="-120"/>
+                          </a:rPr>
+                          <m:t>ln</m:t>
+                        </m:r>
+                      </m:fName>
+                      <m:e>
+                        <m:r>
+                          <a:rPr lang="en-US" altLang="zh-TW" sz="2000" b="0" i="1" smtClean="0">
+                            <a:latin typeface="Cambria Math"/>
+                            <a:ea typeface="新細明體" pitchFamily="-106" charset="-120"/>
+                          </a:rPr>
+                          <m:t>2</m:t>
+                        </m:r>
+                      </m:e>
+                    </m:func>
+                    <m:r>
+                      <a:rPr lang="en-US" altLang="zh-TW" sz="2000" b="0" i="1" smtClean="0">
+                        <a:latin typeface="Cambria Math"/>
+                        <a:ea typeface="新細明體" pitchFamily="-106" charset="-120"/>
+                      </a:rPr>
+                      <m:t>)</m:t>
+                    </m:r>
+                  </m:oMath>
+                </a14:m>
+                <a:r>
+                  <a:rPr lang="en-US" altLang="zh-TW" sz="2000" dirty="0" smtClean="0">
+                    <a:ea typeface="新細明體" pitchFamily="-106" charset="-120"/>
+                  </a:rPr>
+                  <a:t> for information gain for any dimension. </a:t>
+                </a:r>
+                <a:endParaRPr lang="en-US" altLang="zh-TW" sz="2000" dirty="0" smtClean="0">
+                  <a:ea typeface="新細明體" pitchFamily="-106" charset="-120"/>
+                </a:endParaRPr>
+              </a:p>
+              <a:p>
+                <a:pPr marL="344487" lvl="1" indent="0" eaLnBrk="1" hangingPunct="1">
+                  <a:spcBef>
+                    <a:spcPts val="600"/>
+                  </a:spcBef>
+                  <a:spcAft>
+                    <a:spcPts val="600"/>
+                  </a:spcAft>
+                  <a:buNone/>
+                </a:pPr>
+                <a:r>
+                  <a:rPr lang="en-US" altLang="zh-TW" sz="2000" dirty="0">
+                    <a:ea typeface="新細明體" pitchFamily="-106" charset="-120"/>
+                  </a:rPr>
+                  <a:t> </a:t>
+                </a:r>
+                <a:r>
+                  <a:rPr lang="en-US" altLang="zh-TW" sz="2000" dirty="0" smtClean="0">
+                    <a:ea typeface="新細明體" pitchFamily="-106" charset="-120"/>
+                  </a:rPr>
+                  <a:t>    </a:t>
+                </a:r>
+                <a:endParaRPr lang="en-US" altLang="zh-TW" sz="2000" dirty="0" smtClean="0">
+                  <a:ea typeface="新細明體" pitchFamily="-106" charset="-120"/>
+                </a:endParaRPr>
+              </a:p>
+              <a:p>
+                <a:pPr lvl="1" eaLnBrk="1" hangingPunct="1">
+                  <a:lnSpc>
+                    <a:spcPct val="90000"/>
+                  </a:lnSpc>
+                </a:pPr>
+                <a:endParaRPr lang="en-US" altLang="zh-TW" sz="2400" dirty="0">
+                  <a:ea typeface="新細明體" pitchFamily="-106" charset="-120"/>
+                </a:endParaRPr>
+              </a:p>
+              <a:p>
+                <a:pPr marL="344487" lvl="1" indent="0" eaLnBrk="1" hangingPunct="1">
+                  <a:lnSpc>
+                    <a:spcPct val="90000"/>
+                  </a:lnSpc>
+                  <a:buNone/>
+                </a:pPr>
+                <a:r>
+                  <a:rPr lang="en-US" sz="2400" dirty="0" smtClean="0"/>
+                  <a:t>     </a:t>
+                </a:r>
+                <a:endParaRPr lang="en-US" altLang="zh-TW" dirty="0" smtClean="0">
+                  <a:ea typeface="新細明體" pitchFamily="-106" charset="-120"/>
+                </a:endParaRPr>
+              </a:p>
+            </p:txBody>
+          </p:sp>
+        </mc:Choice>
+        <mc:Fallback>
+          <p:sp>
+            <p:nvSpPr>
+              <p:cNvPr id="7" name="Rectangle 3"/>
+              <p:cNvSpPr txBox="1">
+                <a:spLocks noRot="1" noChangeAspect="1" noMove="1" noResize="1" noEditPoints="1" noAdjustHandles="1" noChangeArrowheads="1" noChangeShapeType="1" noTextEdit="1"/>
+              </p:cNvSpPr>
+              <p:nvPr/>
+            </p:nvSpPr>
+            <p:spPr bwMode="auto">
+              <a:xfrm>
+                <a:off x="381000" y="1219200"/>
+                <a:ext cx="8534400" cy="5105400"/>
+              </a:xfrm>
+              <a:prstGeom prst="rect">
+                <a:avLst/>
+              </a:prstGeom>
+              <a:blipFill rotWithShape="1">
+                <a:blip r:embed="rId3"/>
+                <a:stretch>
+                  <a:fillRect l="-286" t="-835"/>
+                </a:stretch>
+              </a:blipFill>
+              <a:ln>
+                <a:noFill/>
+              </a:ln>
+              <a:extLst>
+                <a:ext uri="{909E8E84-426E-40DD-AFC4-6F175D3DCCD1}">
+                  <a14:hiddenFill xmlns:a14="http://schemas.microsoft.com/office/drawing/2010/main">
+                    <a:solidFill>
+                      <a:srgbClr val="FFFFFF"/>
+                    </a:solidFill>
+                  </a14:hiddenFill>
+                </a:ext>
+                <a:ext uri="{91240B29-F687-4F45-9708-019B960494DF}">
+                  <a14:hiddenLine xmlns:a14="http://schemas.microsoft.com/office/drawing/2010/main" w="9525">
+                    <a:solidFill>
+                      <a:srgbClr val="000000"/>
+                    </a:solidFill>
+                    <a:miter lim="800000"/>
+                    <a:headEnd/>
+                    <a:tailEnd/>
+                  </a14:hiddenLine>
+                </a:ext>
+              </a:extLst>
+            </p:spPr>
+            <p:txBody>
+              <a:bodyPr/>
+              <a:lstStyle/>
+              <a:p>
+                <a:r>
+                  <a:rPr lang="en-US">
+                    <a:noFill/>
+                  </a:rPr>
+                  <a:t> </a:t>
+                </a:r>
+              </a:p>
+            </p:txBody>
+          </p:sp>
+        </mc:Fallback>
+      </mc:AlternateContent>
     </p:spTree>
     <p:extLst>
       <p:ext uri="{BB962C8B-B14F-4D97-AF65-F5344CB8AC3E}">
-        <p14:creationId xmlns:p14="http://schemas.microsoft.com/office/powerpoint/2010/main" val="3526550711"/>
+        <p14:creationId xmlns:p14="http://schemas.microsoft.com/office/powerpoint/2010/main" val="1784490935"/>
       </p:ext>
     </p:extLst>
   </p:cSld>
@@ -17673,9 +19856,166 @@
       </p:grpSpPr>
       <p:sp>
         <p:nvSpPr>
-          <p:cNvPr id="2" name="Title 1"/>
+          <p:cNvPr id="47106" name="Slide Number Placeholder 5"/>
           <p:cNvSpPr>
             <a:spLocks noGrp="1"/>
+          </p:cNvSpPr>
+          <p:nvPr>
+            <p:ph type="sldNum" sz="quarter" idx="12"/>
+          </p:nvPr>
+        </p:nvSpPr>
+        <p:spPr>
+          <a:noFill/>
+          <a:ln/>
+          <a:extLst>
+            <a:ext uri="{909E8E84-426E-40DD-AFC4-6F175D3DCCD1}">
+              <a14:hiddenFill xmlns:a14="http://schemas.microsoft.com/office/drawing/2010/main">
+                <a:solidFill>
+                  <a:srgbClr val="FFFFFF"/>
+                </a:solidFill>
+              </a14:hiddenFill>
+            </a:ext>
+            <a:ext uri="{91240B29-F687-4F45-9708-019B960494DF}">
+              <a14:hiddenLine xmlns:a14="http://schemas.microsoft.com/office/drawing/2010/main" w="9525">
+                <a:solidFill>
+                  <a:srgbClr val="000000"/>
+                </a:solidFill>
+                <a:miter lim="800000"/>
+                <a:headEnd/>
+                <a:tailEnd/>
+              </a14:hiddenLine>
+            </a:ext>
+          </a:extLst>
+        </p:spPr>
+        <p:txBody>
+          <a:bodyPr/>
+          <a:lstStyle>
+            <a:lvl1pPr eaLnBrk="0" hangingPunct="0">
+              <a:defRPr sz="2400">
+                <a:solidFill>
+                  <a:schemeClr val="tx1"/>
+                </a:solidFill>
+                <a:latin typeface="Arial" charset="0"/>
+                <a:ea typeface="ＭＳ Ｐゴシック" pitchFamily="-106" charset="-128"/>
+              </a:defRPr>
+            </a:lvl1pPr>
+            <a:lvl2pPr marL="37931725" indent="-37474525" eaLnBrk="0" hangingPunct="0">
+              <a:defRPr sz="2400">
+                <a:solidFill>
+                  <a:schemeClr val="tx1"/>
+                </a:solidFill>
+                <a:latin typeface="Arial" charset="0"/>
+                <a:ea typeface="ＭＳ Ｐゴシック" pitchFamily="-106" charset="-128"/>
+              </a:defRPr>
+            </a:lvl2pPr>
+            <a:lvl3pPr eaLnBrk="0" hangingPunct="0">
+              <a:defRPr sz="2400">
+                <a:solidFill>
+                  <a:schemeClr val="tx1"/>
+                </a:solidFill>
+                <a:latin typeface="Arial" charset="0"/>
+                <a:ea typeface="ＭＳ Ｐゴシック" pitchFamily="-106" charset="-128"/>
+              </a:defRPr>
+            </a:lvl3pPr>
+            <a:lvl4pPr eaLnBrk="0" hangingPunct="0">
+              <a:defRPr sz="2400">
+                <a:solidFill>
+                  <a:schemeClr val="tx1"/>
+                </a:solidFill>
+                <a:latin typeface="Arial" charset="0"/>
+                <a:ea typeface="ＭＳ Ｐゴシック" pitchFamily="-106" charset="-128"/>
+              </a:defRPr>
+            </a:lvl4pPr>
+            <a:lvl5pPr eaLnBrk="0" hangingPunct="0">
+              <a:defRPr sz="2400">
+                <a:solidFill>
+                  <a:schemeClr val="tx1"/>
+                </a:solidFill>
+                <a:latin typeface="Arial" charset="0"/>
+                <a:ea typeface="ＭＳ Ｐゴシック" pitchFamily="-106" charset="-128"/>
+              </a:defRPr>
+            </a:lvl5pPr>
+            <a:lvl6pPr marL="457200" eaLnBrk="0" fontAlgn="base" hangingPunct="0">
+              <a:spcBef>
+                <a:spcPct val="0"/>
+              </a:spcBef>
+              <a:spcAft>
+                <a:spcPct val="0"/>
+              </a:spcAft>
+              <a:defRPr sz="2400">
+                <a:solidFill>
+                  <a:schemeClr val="tx1"/>
+                </a:solidFill>
+                <a:latin typeface="Arial" charset="0"/>
+                <a:ea typeface="ＭＳ Ｐゴシック" pitchFamily="-106" charset="-128"/>
+              </a:defRPr>
+            </a:lvl6pPr>
+            <a:lvl7pPr marL="914400" eaLnBrk="0" fontAlgn="base" hangingPunct="0">
+              <a:spcBef>
+                <a:spcPct val="0"/>
+              </a:spcBef>
+              <a:spcAft>
+                <a:spcPct val="0"/>
+              </a:spcAft>
+              <a:defRPr sz="2400">
+                <a:solidFill>
+                  <a:schemeClr val="tx1"/>
+                </a:solidFill>
+                <a:latin typeface="Arial" charset="0"/>
+                <a:ea typeface="ＭＳ Ｐゴシック" pitchFamily="-106" charset="-128"/>
+              </a:defRPr>
+            </a:lvl7pPr>
+            <a:lvl8pPr marL="1371600" eaLnBrk="0" fontAlgn="base" hangingPunct="0">
+              <a:spcBef>
+                <a:spcPct val="0"/>
+              </a:spcBef>
+              <a:spcAft>
+                <a:spcPct val="0"/>
+              </a:spcAft>
+              <a:defRPr sz="2400">
+                <a:solidFill>
+                  <a:schemeClr val="tx1"/>
+                </a:solidFill>
+                <a:latin typeface="Arial" charset="0"/>
+                <a:ea typeface="ＭＳ Ｐゴシック" pitchFamily="-106" charset="-128"/>
+              </a:defRPr>
+            </a:lvl8pPr>
+            <a:lvl9pPr marL="1828800" eaLnBrk="0" fontAlgn="base" hangingPunct="0">
+              <a:spcBef>
+                <a:spcPct val="0"/>
+              </a:spcBef>
+              <a:spcAft>
+                <a:spcPct val="0"/>
+              </a:spcAft>
+              <a:defRPr sz="2400">
+                <a:solidFill>
+                  <a:schemeClr val="tx1"/>
+                </a:solidFill>
+                <a:latin typeface="Arial" charset="0"/>
+                <a:ea typeface="ＭＳ Ｐゴシック" pitchFamily="-106" charset="-128"/>
+              </a:defRPr>
+            </a:lvl9pPr>
+          </a:lstStyle>
+          <a:p>
+            <a:pPr eaLnBrk="1" hangingPunct="1"/>
+            <a:fld id="{AAA04654-EE4A-4EBE-BC23-CDB80A2BF4DE}" type="slidenum">
+              <a:rPr lang="en-US" sz="1200">
+                <a:latin typeface="Garamond" pitchFamily="-106" charset="0"/>
+              </a:rPr>
+              <a:pPr eaLnBrk="1" hangingPunct="1"/>
+              <a:t>9</a:t>
+            </a:fld>
+            <a:endParaRPr lang="en-US" sz="1200" dirty="0">
+              <a:latin typeface="Garamond" pitchFamily="-106" charset="0"/>
+            </a:endParaRPr>
+          </a:p>
+        </p:txBody>
+      </p:sp>
+      <p:sp>
+        <p:nvSpPr>
+          <p:cNvPr id="47107" name="Rectangle 2"/>
+          <p:cNvSpPr>
+            <a:spLocks noGrp="1" noChangeArrowheads="1"/>
           </p:cNvSpPr>
           <p:nvPr>
             <p:ph type="title"/>
@@ -17688,14 +20028,14 @@
           <a:p>
             <a:pPr eaLnBrk="1" hangingPunct="1"/>
             <a:r>
-              <a:rPr lang="en-US" altLang="zh-CN" b="1" dirty="0">
+              <a:rPr lang="en-US" altLang="zh-TW" b="1" dirty="0" smtClean="0">
                 <a:latin typeface="Arial" pitchFamily="34" charset="0"/>
                 <a:ea typeface="新細明體" pitchFamily="-106" charset="-120"/>
                 <a:cs typeface="Arial" pitchFamily="34" charset="0"/>
               </a:rPr>
-              <a:t>Active Perceptron</a:t>
-            </a:r>
-            <a:endParaRPr lang="zh-CN" altLang="en-US" b="1" dirty="0">
+              <a:t>Query By Committee</a:t>
+            </a:r>
+            <a:endParaRPr lang="zh-TW" altLang="en-US" b="1" dirty="0" smtClean="0">
               <a:latin typeface="Arial" pitchFamily="34" charset="0"/>
               <a:ea typeface="新細明體" pitchFamily="-106" charset="-120"/>
               <a:cs typeface="Arial" pitchFamily="34" charset="0"/>
@@ -17703,180 +20043,1176 @@
           </a:p>
         </p:txBody>
       </p:sp>
-      <p:sp>
-        <p:nvSpPr>
-          <p:cNvPr id="3" name="Content Placeholder 2"/>
-          <p:cNvSpPr>
-            <a:spLocks noGrp="1"/>
-          </p:cNvSpPr>
-          <p:nvPr>
-            <p:ph idx="1"/>
-          </p:nvPr>
-        </p:nvSpPr>
-        <p:spPr/>
-        <p:txBody>
-          <a:bodyPr/>
-          <a:lstStyle/>
-          <a:p>
-            <a:endParaRPr lang="zh-CN" altLang="en-US" dirty="0"/>
-          </a:p>
-        </p:txBody>
-      </p:sp>
-      <p:sp>
-        <p:nvSpPr>
-          <p:cNvPr id="4" name="Slide Number Placeholder 3"/>
-          <p:cNvSpPr>
-            <a:spLocks noGrp="1"/>
-          </p:cNvSpPr>
-          <p:nvPr>
-            <p:ph type="sldNum" sz="quarter" idx="12"/>
-          </p:nvPr>
-        </p:nvSpPr>
-        <p:spPr/>
-        <p:txBody>
-          <a:bodyPr/>
-          <a:lstStyle/>
-          <a:p>
-            <a:fld id="{604EAB18-E0EA-45DC-AA4D-A7A0A794259A}" type="slidenum">
-              <a:rPr lang="en-US" smtClean="0"/>
-              <a:pPr/>
-              <a:t>9</a:t>
-            </a:fld>
-            <a:endParaRPr lang="en-US"/>
-          </a:p>
-        </p:txBody>
-      </p:sp>
-      <p:pic>
-        <p:nvPicPr>
-          <p:cNvPr id="1026" name="Picture 2"/>
-          <p:cNvPicPr>
-            <a:picLocks noChangeAspect="1" noChangeArrowheads="1"/>
-          </p:cNvPicPr>
-          <p:nvPr/>
-        </p:nvPicPr>
-        <p:blipFill>
-          <a:blip r:embed="rId2">
-            <a:extLst>
-              <a:ext uri="{28A0092B-C50C-407E-A947-70E740481C1C}">
-                <a14:useLocalDpi xmlns:a14="http://schemas.microsoft.com/office/drawing/2010/main" val="0"/>
-              </a:ext>
-            </a:extLst>
-          </a:blip>
-          <a:srcRect/>
-          <a:stretch>
-            <a:fillRect/>
-          </a:stretch>
-        </p:blipFill>
-        <p:spPr bwMode="auto">
-          <a:xfrm>
-            <a:off x="366713" y="1143000"/>
-            <a:ext cx="8410575" cy="4572000"/>
-          </a:xfrm>
-          <a:prstGeom prst="rect">
-            <a:avLst/>
-          </a:prstGeom>
-          <a:noFill/>
-          <a:ln>
-            <a:noFill/>
-          </a:ln>
-          <a:effectLst/>
-          <a:extLst>
-            <a:ext uri="{909E8E84-426E-40DD-AFC4-6F175D3DCCD1}">
-              <a14:hiddenFill xmlns:a14="http://schemas.microsoft.com/office/drawing/2010/main">
-                <a:solidFill>
-                  <a:schemeClr val="accent1"/>
-                </a:solidFill>
-              </a14:hiddenFill>
-            </a:ext>
-            <a:ext uri="{91240B29-F687-4F45-9708-019B960494DF}">
-              <a14:hiddenLine xmlns:a14="http://schemas.microsoft.com/office/drawing/2010/main" w="9525">
-                <a:solidFill>
-                  <a:schemeClr val="tx1"/>
-                </a:solidFill>
-                <a:miter lim="800000"/>
-                <a:headEnd/>
-                <a:tailEnd/>
-              </a14:hiddenLine>
-            </a:ext>
-            <a:ext uri="{AF507438-7753-43E0-B8FC-AC1667EBCBE1}">
-              <a14:hiddenEffects xmlns:a14="http://schemas.microsoft.com/office/drawing/2010/main">
-                <a:effectLst>
-                  <a:outerShdw dist="35921" dir="2700000" algn="ctr" rotWithShape="0">
-                    <a:schemeClr val="bg2"/>
-                  </a:outerShdw>
-                </a:effectLst>
-              </a14:hiddenEffects>
-            </a:ext>
-          </a:extLst>
-        </p:spPr>
-      </p:pic>
-      <p:sp>
-        <p:nvSpPr>
-          <p:cNvPr id="5" name="Rectangle 4"/>
-          <p:cNvSpPr/>
-          <p:nvPr/>
-        </p:nvSpPr>
-        <p:spPr bwMode="auto">
-          <a:xfrm>
-            <a:off x="4343400" y="2514600"/>
-            <a:ext cx="1828800" cy="533400"/>
-          </a:xfrm>
-          <a:prstGeom prst="rect">
-            <a:avLst/>
-          </a:prstGeom>
-          <a:noFill/>
-          <a:ln w="31750" cap="flat" cmpd="sng" algn="ctr">
-            <a:solidFill>
-              <a:srgbClr val="FF0000"/>
-            </a:solidFill>
-            <a:prstDash val="solid"/>
-            <a:round/>
-            <a:headEnd type="none" w="med" len="med"/>
-            <a:tailEnd type="none" w="med" len="med"/>
-          </a:ln>
-          <a:effectLst/>
-        </p:spPr>
-        <p:txBody>
-          <a:bodyPr vert="horz" wrap="square" lIns="91440" tIns="45720" rIns="91440" bIns="45720" numCol="1" rtlCol="0" anchor="t" anchorCtr="0" compatLnSpc="1">
-            <a:prstTxWarp prst="textNoShape">
-              <a:avLst/>
-            </a:prstTxWarp>
-          </a:bodyPr>
-          <a:lstStyle/>
-          <a:p>
-            <a:pPr marL="0" marR="0" indent="0" algn="l" defTabSz="914400" rtl="0" eaLnBrk="0" fontAlgn="base" latinLnBrk="0" hangingPunct="0">
-              <a:lnSpc>
-                <a:spcPct val="100000"/>
-              </a:lnSpc>
-              <a:spcBef>
-                <a:spcPct val="0"/>
-              </a:spcBef>
-              <a:spcAft>
-                <a:spcPct val="0"/>
-              </a:spcAft>
-              <a:buClrTx/>
-              <a:buSzTx/>
-              <a:buFontTx/>
-              <a:buNone/>
-              <a:tabLst/>
-            </a:pPr>
-            <a:endParaRPr kumimoji="0" lang="en-US" sz="1800" b="0" i="0" u="none" strike="noStrike" cap="none" normalizeH="0" baseline="0" smtClean="0">
+      <mc:AlternateContent xmlns:mc="http://schemas.openxmlformats.org/markup-compatibility/2006">
+        <mc:Choice xmlns:a14="http://schemas.microsoft.com/office/drawing/2010/main" Requires="a14">
+          <p:sp>
+            <p:nvSpPr>
+              <p:cNvPr id="7" name="Rectangle 3"/>
+              <p:cNvSpPr txBox="1">
+                <a:spLocks noChangeArrowheads="1"/>
+              </p:cNvSpPr>
+              <p:nvPr/>
+            </p:nvSpPr>
+            <p:spPr bwMode="auto">
+              <a:xfrm>
+                <a:off x="381000" y="1219200"/>
+                <a:ext cx="8534400" cy="5105400"/>
+              </a:xfrm>
+              <a:prstGeom prst="rect">
+                <a:avLst/>
+              </a:prstGeom>
+              <a:noFill/>
               <a:ln>
                 <a:noFill/>
               </a:ln>
-              <a:solidFill>
-                <a:schemeClr val="tx1"/>
-              </a:solidFill>
-              <a:effectLst/>
-              <a:latin typeface="Arial" charset="0"/>
-            </a:endParaRPr>
-          </a:p>
-        </p:txBody>
-      </p:sp>
+              <a:extLst>
+                <a:ext uri="{909E8E84-426E-40DD-AFC4-6F175D3DCCD1}">
+                  <a14:hiddenFill>
+                    <a:solidFill>
+                      <a:srgbClr val="FFFFFF"/>
+                    </a:solidFill>
+                  </a14:hiddenFill>
+                </a:ext>
+                <a:ext uri="{91240B29-F687-4F45-9708-019B960494DF}">
+                  <a14:hiddenLine w="9525">
+                    <a:solidFill>
+                      <a:srgbClr val="000000"/>
+                    </a:solidFill>
+                    <a:miter lim="800000"/>
+                    <a:headEnd/>
+                    <a:tailEnd/>
+                  </a14:hiddenLine>
+                </a:ext>
+              </a:extLst>
+            </p:spPr>
+            <p:txBody>
+              <a:bodyPr vert="horz" wrap="square" lIns="91440" tIns="45720" rIns="91440" bIns="45720" numCol="1" anchor="t" anchorCtr="0" compatLnSpc="1">
+                <a:prstTxWarp prst="textNoShape">
+                  <a:avLst/>
+                </a:prstTxWarp>
+              </a:bodyPr>
+              <a:lstStyle>
+                <a:lvl1pPr marL="342900" indent="-342900" algn="l" rtl="0" eaLnBrk="0" fontAlgn="base" hangingPunct="0">
+                  <a:spcBef>
+                    <a:spcPct val="20000"/>
+                  </a:spcBef>
+                  <a:spcAft>
+                    <a:spcPct val="0"/>
+                  </a:spcAft>
+                  <a:buClr>
+                    <a:schemeClr val="accent1"/>
+                  </a:buClr>
+                  <a:buSzPct val="65000"/>
+                  <a:buFont typeface="Wingdings" pitchFamily="-106" charset="2"/>
+                  <a:buChar char="n"/>
+                  <a:defRPr sz="3000">
+                    <a:solidFill>
+                      <a:schemeClr val="tx1"/>
+                    </a:solidFill>
+                    <a:latin typeface="+mn-lt"/>
+                    <a:ea typeface="ＭＳ Ｐゴシック" pitchFamily="-106" charset="-128"/>
+                    <a:cs typeface="+mn-cs"/>
+                  </a:defRPr>
+                </a:lvl1pPr>
+                <a:lvl2pPr marL="669925" indent="-325438" algn="l" rtl="0" eaLnBrk="0" fontAlgn="base" hangingPunct="0">
+                  <a:spcBef>
+                    <a:spcPct val="20000"/>
+                  </a:spcBef>
+                  <a:spcAft>
+                    <a:spcPct val="0"/>
+                  </a:spcAft>
+                  <a:buClr>
+                    <a:schemeClr val="accent2"/>
+                  </a:buClr>
+                  <a:buSzPct val="60000"/>
+                  <a:buFont typeface="Wingdings" pitchFamily="-106" charset="2"/>
+                  <a:buChar char="q"/>
+                  <a:defRPr sz="2600">
+                    <a:solidFill>
+                      <a:schemeClr val="tx1"/>
+                    </a:solidFill>
+                    <a:latin typeface="+mn-lt"/>
+                    <a:ea typeface="ＭＳ Ｐゴシック" pitchFamily="-106" charset="-128"/>
+                  </a:defRPr>
+                </a:lvl2pPr>
+                <a:lvl3pPr marL="1022350" indent="-350838" algn="l" rtl="0" eaLnBrk="0" fontAlgn="base" hangingPunct="0">
+                  <a:spcBef>
+                    <a:spcPct val="20000"/>
+                  </a:spcBef>
+                  <a:spcAft>
+                    <a:spcPct val="0"/>
+                  </a:spcAft>
+                  <a:buClr>
+                    <a:schemeClr val="accent1"/>
+                  </a:buClr>
+                  <a:buSzPct val="65000"/>
+                  <a:buFont typeface="Wingdings" pitchFamily="-106" charset="2"/>
+                  <a:buChar char="n"/>
+                  <a:defRPr sz="2200">
+                    <a:solidFill>
+                      <a:schemeClr val="tx1"/>
+                    </a:solidFill>
+                    <a:latin typeface="+mn-lt"/>
+                    <a:ea typeface="ＭＳ Ｐゴシック" pitchFamily="-106" charset="-128"/>
+                  </a:defRPr>
+                </a:lvl3pPr>
+                <a:lvl4pPr marL="1339850" indent="-315913" algn="l" rtl="0" eaLnBrk="0" fontAlgn="base" hangingPunct="0">
+                  <a:spcBef>
+                    <a:spcPct val="20000"/>
+                  </a:spcBef>
+                  <a:spcAft>
+                    <a:spcPct val="0"/>
+                  </a:spcAft>
+                  <a:buClr>
+                    <a:schemeClr val="accent2"/>
+                  </a:buClr>
+                  <a:buSzPct val="70000"/>
+                  <a:buFont typeface="Wingdings" pitchFamily="-106" charset="2"/>
+                  <a:buChar char="q"/>
+                  <a:defRPr sz="2000">
+                    <a:solidFill>
+                      <a:schemeClr val="tx1"/>
+                    </a:solidFill>
+                    <a:latin typeface="+mn-lt"/>
+                    <a:ea typeface="ＭＳ Ｐゴシック" pitchFamily="-106" charset="-128"/>
+                  </a:defRPr>
+                </a:lvl4pPr>
+                <a:lvl5pPr marL="1681163" indent="-339725" algn="l" rtl="0" eaLnBrk="0" fontAlgn="base" hangingPunct="0">
+                  <a:spcBef>
+                    <a:spcPct val="20000"/>
+                  </a:spcBef>
+                  <a:spcAft>
+                    <a:spcPct val="0"/>
+                  </a:spcAft>
+                  <a:buClr>
+                    <a:schemeClr val="accent1"/>
+                  </a:buClr>
+                  <a:buSzPct val="75000"/>
+                  <a:buFont typeface="Wingdings" pitchFamily="-106" charset="2"/>
+                  <a:buChar char="§"/>
+                  <a:defRPr sz="2000">
+                    <a:solidFill>
+                      <a:schemeClr val="tx1"/>
+                    </a:solidFill>
+                    <a:latin typeface="+mn-lt"/>
+                    <a:ea typeface="ＭＳ Ｐゴシック" pitchFamily="-106" charset="-128"/>
+                  </a:defRPr>
+                </a:lvl5pPr>
+                <a:lvl6pPr marL="2138363" indent="-339725" algn="l" rtl="0" fontAlgn="base">
+                  <a:spcBef>
+                    <a:spcPct val="20000"/>
+                  </a:spcBef>
+                  <a:spcAft>
+                    <a:spcPct val="0"/>
+                  </a:spcAft>
+                  <a:buClr>
+                    <a:schemeClr val="accent1"/>
+                  </a:buClr>
+                  <a:buSzPct val="75000"/>
+                  <a:buFont typeface="Wingdings" pitchFamily="2" charset="2"/>
+                  <a:buChar char="§"/>
+                  <a:defRPr sz="2000">
+                    <a:solidFill>
+                      <a:schemeClr val="tx1"/>
+                    </a:solidFill>
+                    <a:latin typeface="+mn-lt"/>
+                  </a:defRPr>
+                </a:lvl6pPr>
+                <a:lvl7pPr marL="2595563" indent="-339725" algn="l" rtl="0" fontAlgn="base">
+                  <a:spcBef>
+                    <a:spcPct val="20000"/>
+                  </a:spcBef>
+                  <a:spcAft>
+                    <a:spcPct val="0"/>
+                  </a:spcAft>
+                  <a:buClr>
+                    <a:schemeClr val="accent1"/>
+                  </a:buClr>
+                  <a:buSzPct val="75000"/>
+                  <a:buFont typeface="Wingdings" pitchFamily="2" charset="2"/>
+                  <a:buChar char="§"/>
+                  <a:defRPr sz="2000">
+                    <a:solidFill>
+                      <a:schemeClr val="tx1"/>
+                    </a:solidFill>
+                    <a:latin typeface="+mn-lt"/>
+                  </a:defRPr>
+                </a:lvl7pPr>
+                <a:lvl8pPr marL="3052763" indent="-339725" algn="l" rtl="0" fontAlgn="base">
+                  <a:spcBef>
+                    <a:spcPct val="20000"/>
+                  </a:spcBef>
+                  <a:spcAft>
+                    <a:spcPct val="0"/>
+                  </a:spcAft>
+                  <a:buClr>
+                    <a:schemeClr val="accent1"/>
+                  </a:buClr>
+                  <a:buSzPct val="75000"/>
+                  <a:buFont typeface="Wingdings" pitchFamily="2" charset="2"/>
+                  <a:buChar char="§"/>
+                  <a:defRPr sz="2000">
+                    <a:solidFill>
+                      <a:schemeClr val="tx1"/>
+                    </a:solidFill>
+                    <a:latin typeface="+mn-lt"/>
+                  </a:defRPr>
+                </a:lvl8pPr>
+                <a:lvl9pPr marL="3509963" indent="-339725" algn="l" rtl="0" fontAlgn="base">
+                  <a:spcBef>
+                    <a:spcPct val="20000"/>
+                  </a:spcBef>
+                  <a:spcAft>
+                    <a:spcPct val="0"/>
+                  </a:spcAft>
+                  <a:buClr>
+                    <a:schemeClr val="accent1"/>
+                  </a:buClr>
+                  <a:buSzPct val="75000"/>
+                  <a:buFont typeface="Wingdings" pitchFamily="2" charset="2"/>
+                  <a:buChar char="§"/>
+                  <a:defRPr sz="2000">
+                    <a:solidFill>
+                      <a:schemeClr val="tx1"/>
+                    </a:solidFill>
+                    <a:latin typeface="+mn-lt"/>
+                  </a:defRPr>
+                </a:lvl9pPr>
+              </a:lstStyle>
+              <a:p>
+                <a:pPr eaLnBrk="1" hangingPunct="1">
+                  <a:spcBef>
+                    <a:spcPts val="0"/>
+                  </a:spcBef>
+                </a:pPr>
+                <a:r>
+                  <a:rPr lang="en-US" altLang="zh-TW" sz="2400" i="1" u="sng" dirty="0" smtClean="0">
+                    <a:ea typeface="新細明體" pitchFamily="-106" charset="-120"/>
+                  </a:rPr>
+                  <a:t>Theorem</a:t>
+                </a:r>
+                <a:r>
+                  <a:rPr lang="en-US" altLang="zh-TW" sz="2400" dirty="0" smtClean="0">
+                    <a:ea typeface="新細明體" pitchFamily="-106" charset="-120"/>
+                  </a:rPr>
+                  <a:t> </a:t>
+                </a:r>
+                <a:br>
+                  <a:rPr lang="en-US" altLang="zh-TW" sz="2400" dirty="0" smtClean="0">
+                    <a:ea typeface="新細明體" pitchFamily="-106" charset="-120"/>
+                  </a:rPr>
+                </a:br>
+                <a:r>
+                  <a:rPr lang="en-US" altLang="zh-TW" sz="2400" dirty="0" smtClean="0">
+                    <a:ea typeface="新細明體" pitchFamily="-106" charset="-120"/>
+                  </a:rPr>
+                  <a:t>If </a:t>
+                </a:r>
+                <a:r>
+                  <a:rPr lang="en-US" altLang="zh-TW" sz="2400" dirty="0" smtClean="0">
+                    <a:ea typeface="新細明體" pitchFamily="-106" charset="-120"/>
+                  </a:rPr>
+                  <a:t>a concept class </a:t>
+                </a:r>
+                <a14:m>
+                  <m:oMath xmlns:m="http://schemas.openxmlformats.org/officeDocument/2006/math">
+                    <m:r>
+                      <a:rPr lang="en-US" altLang="zh-TW" sz="2400" b="0" i="1" smtClean="0">
+                        <a:latin typeface="Cambria Math"/>
+                        <a:ea typeface="新細明體" pitchFamily="-106" charset="-120"/>
+                      </a:rPr>
+                      <m:t>𝐶</m:t>
+                    </m:r>
+                  </m:oMath>
+                </a14:m>
+                <a:r>
+                  <a:rPr lang="en-US" altLang="zh-TW" sz="2400" dirty="0" smtClean="0">
+                    <a:ea typeface="新細明體" pitchFamily="-106" charset="-120"/>
+                  </a:rPr>
+                  <a:t> has VC-dimension </a:t>
+                </a:r>
+                <a14:m>
+                  <m:oMath xmlns:m="http://schemas.openxmlformats.org/officeDocument/2006/math">
+                    <m:r>
+                      <a:rPr lang="en-US" altLang="zh-TW" sz="2000" b="0" i="1" smtClean="0">
+                        <a:latin typeface="Cambria Math"/>
+                        <a:ea typeface="新細明體" pitchFamily="-106" charset="-120"/>
+                      </a:rPr>
+                      <m:t>0&lt;</m:t>
+                    </m:r>
+                    <m:r>
+                      <a:rPr lang="en-US" altLang="zh-TW" sz="2000" b="0" i="1" smtClean="0">
+                        <a:latin typeface="Cambria Math"/>
+                        <a:ea typeface="新細明體" pitchFamily="-106" charset="-120"/>
+                      </a:rPr>
+                      <m:t>𝑑</m:t>
+                    </m:r>
+                    <m:r>
+                      <a:rPr lang="en-US" altLang="zh-TW" sz="2000" b="0" i="1" smtClean="0">
+                        <a:latin typeface="Cambria Math"/>
+                        <a:ea typeface="新細明體" pitchFamily="-106" charset="-120"/>
+                      </a:rPr>
+                      <m:t>&lt; ∞</m:t>
+                    </m:r>
+                  </m:oMath>
+                </a14:m>
+                <a:r>
+                  <a:rPr lang="en-US" altLang="zh-TW" sz="2400" dirty="0" smtClean="0">
+                    <a:ea typeface="新細明體" pitchFamily="-106" charset="-120"/>
+                  </a:rPr>
+                  <a:t> and the expected information gain of queries made by QBC is uniformly lower bounded by </a:t>
+                </a:r>
+                <a14:m>
+                  <m:oMath xmlns:m="http://schemas.openxmlformats.org/officeDocument/2006/math">
+                    <m:r>
+                      <a:rPr lang="en-US" altLang="zh-TW" sz="2000" b="0" i="1" smtClean="0">
+                        <a:latin typeface="Cambria Math"/>
+                        <a:ea typeface="新細明體" pitchFamily="-106" charset="-120"/>
+                      </a:rPr>
+                      <m:t>𝑔</m:t>
+                    </m:r>
+                    <m:r>
+                      <a:rPr lang="en-US" altLang="zh-TW" sz="2000" b="0" i="1" smtClean="0">
+                        <a:latin typeface="Cambria Math"/>
+                        <a:ea typeface="新細明體" pitchFamily="-106" charset="-120"/>
+                      </a:rPr>
+                      <m:t>&gt;0</m:t>
+                    </m:r>
+                  </m:oMath>
+                </a14:m>
+                <a:r>
+                  <a:rPr lang="en-US" altLang="zh-TW" sz="2400" dirty="0" smtClean="0">
+                    <a:ea typeface="新細明體" pitchFamily="-106" charset="-120"/>
+                  </a:rPr>
+                  <a:t>, then following holds with probability larger than </a:t>
+                </a:r>
+                <a14:m>
+                  <m:oMath xmlns:m="http://schemas.openxmlformats.org/officeDocument/2006/math">
+                    <m:r>
+                      <a:rPr lang="en-US" altLang="zh-TW" sz="2000" b="0" i="1" smtClean="0">
+                        <a:latin typeface="Cambria Math"/>
+                        <a:ea typeface="新細明體" pitchFamily="-106" charset="-120"/>
+                      </a:rPr>
+                      <m:t>1 − </m:t>
+                    </m:r>
+                    <m:r>
+                      <a:rPr lang="zh-TW" altLang="en-US" sz="2000" b="0" i="1" smtClean="0">
+                        <a:latin typeface="Cambria Math"/>
+                        <a:ea typeface="新細明體" pitchFamily="-106" charset="-120"/>
+                      </a:rPr>
+                      <m:t>𝛿</m:t>
+                    </m:r>
+                    <m:r>
+                      <a:rPr lang="en-US" altLang="zh-TW" sz="2000" b="0" i="0" smtClean="0">
+                        <a:latin typeface="Cambria Math"/>
+                        <a:ea typeface="新細明體" pitchFamily="-106" charset="-120"/>
+                      </a:rPr>
+                      <m:t>,</m:t>
+                    </m:r>
+                  </m:oMath>
+                </a14:m>
+                <a:endParaRPr lang="en-US" altLang="zh-TW" sz="2000" b="0" dirty="0" smtClean="0">
+                  <a:ea typeface="新細明體" pitchFamily="-106" charset="-120"/>
+                </a:endParaRPr>
+              </a:p>
+              <a:p>
+                <a:pPr lvl="1" eaLnBrk="1" hangingPunct="1">
+                  <a:lnSpc>
+                    <a:spcPct val="150000"/>
+                  </a:lnSpc>
+                  <a:spcBef>
+                    <a:spcPts val="600"/>
+                  </a:spcBef>
+                </a:pPr>
+                <a:r>
+                  <a:rPr lang="en-US" altLang="zh-TW" sz="2000" dirty="0" smtClean="0">
+                    <a:ea typeface="新細明體" pitchFamily="-106" charset="-120"/>
+                  </a:rPr>
+                  <a:t>The number of calls to sample is smaller than </a:t>
+                </a:r>
+              </a:p>
+              <a:p>
+                <a:pPr marL="344487" lvl="1" indent="0" eaLnBrk="1" hangingPunct="1">
+                  <a:spcBef>
+                    <a:spcPts val="0"/>
+                  </a:spcBef>
+                  <a:buNone/>
+                </a:pPr>
+                <a:r>
+                  <a:rPr lang="en-US" altLang="zh-TW" sz="2000" dirty="0">
+                    <a:ea typeface="新細明體" pitchFamily="-106" charset="-120"/>
+                  </a:rPr>
+                  <a:t> </a:t>
+                </a:r>
+                <a:r>
+                  <a:rPr lang="en-US" altLang="zh-TW" sz="2000" dirty="0" smtClean="0">
+                    <a:ea typeface="新細明體" pitchFamily="-106" charset="-120"/>
+                  </a:rPr>
+                  <a:t>    </a:t>
+                </a:r>
+                <a14:m>
+                  <m:oMath xmlns:m="http://schemas.openxmlformats.org/officeDocument/2006/math">
+                    <m:sSub>
+                      <m:sSubPr>
+                        <m:ctrlPr>
+                          <a:rPr lang="en-US" altLang="zh-TW" sz="2000" i="1" smtClean="0">
+                            <a:latin typeface="Cambria Math"/>
+                            <a:ea typeface="新細明體" pitchFamily="-106" charset="-120"/>
+                          </a:rPr>
+                        </m:ctrlPr>
+                      </m:sSubPr>
+                      <m:e>
+                        <m:r>
+                          <a:rPr lang="en-US" altLang="zh-TW" sz="2000" b="0" i="1" smtClean="0">
+                            <a:latin typeface="Cambria Math"/>
+                            <a:ea typeface="新細明體" pitchFamily="-106" charset="-120"/>
+                          </a:rPr>
+                          <m:t>𝑚</m:t>
+                        </m:r>
+                      </m:e>
+                      <m:sub>
+                        <m:r>
+                          <a:rPr lang="en-US" altLang="zh-TW" sz="2000" b="0" i="1" smtClean="0">
+                            <a:latin typeface="Cambria Math"/>
+                            <a:ea typeface="新細明體" pitchFamily="-106" charset="-120"/>
+                          </a:rPr>
+                          <m:t>0</m:t>
+                        </m:r>
+                      </m:sub>
+                    </m:sSub>
+                    <m:r>
+                      <a:rPr lang="en-US" altLang="zh-TW" sz="2000" b="0" i="1" smtClean="0">
+                        <a:latin typeface="Cambria Math"/>
+                        <a:ea typeface="新細明體" pitchFamily="-106" charset="-120"/>
+                      </a:rPr>
+                      <m:t>=</m:t>
+                    </m:r>
+                    <m:r>
+                      <m:rPr>
+                        <m:sty m:val="p"/>
+                      </m:rPr>
+                      <a:rPr lang="en-US" altLang="zh-TW" sz="2000" b="0" i="0" smtClean="0">
+                        <a:latin typeface="Cambria Math"/>
+                        <a:ea typeface="新細明體" pitchFamily="-106" charset="-120"/>
+                      </a:rPr>
+                      <m:t>max</m:t>
+                    </m:r>
+                    <m:r>
+                      <a:rPr lang="en-US" altLang="zh-TW" sz="2000" b="0" i="1" smtClean="0">
+                        <a:latin typeface="Cambria Math"/>
+                        <a:ea typeface="新細明體" pitchFamily="-106" charset="-120"/>
+                      </a:rPr>
+                      <m:t>⁡(</m:t>
+                    </m:r>
+                    <m:f>
+                      <m:fPr>
+                        <m:ctrlPr>
+                          <a:rPr lang="en-US" altLang="zh-TW" sz="2000" b="0" i="1" smtClean="0">
+                            <a:latin typeface="Cambria Math"/>
+                            <a:ea typeface="新細明體" pitchFamily="-106" charset="-120"/>
+                          </a:rPr>
+                        </m:ctrlPr>
+                      </m:fPr>
+                      <m:num>
+                        <m:r>
+                          <a:rPr lang="en-US" altLang="zh-TW" sz="2000" b="0" i="1" smtClean="0">
+                            <a:latin typeface="Cambria Math"/>
+                            <a:ea typeface="新細明體" pitchFamily="-106" charset="-120"/>
+                          </a:rPr>
+                          <m:t>4</m:t>
+                        </m:r>
+                        <m:r>
+                          <a:rPr lang="en-US" altLang="zh-TW" sz="2000" b="0" i="1" smtClean="0">
+                            <a:latin typeface="Cambria Math"/>
+                            <a:ea typeface="新細明體" pitchFamily="-106" charset="-120"/>
+                          </a:rPr>
+                          <m:t>𝑑</m:t>
+                        </m:r>
+                      </m:num>
+                      <m:den>
+                        <m:r>
+                          <a:rPr lang="en-US" altLang="zh-TW" sz="2000" b="0" i="1" smtClean="0">
+                            <a:latin typeface="Cambria Math"/>
+                            <a:ea typeface="新細明體" pitchFamily="-106" charset="-120"/>
+                          </a:rPr>
+                          <m:t>𝑒</m:t>
+                        </m:r>
+                        <m:r>
+                          <a:rPr lang="zh-TW" altLang="en-US" sz="2000" b="0" i="1" smtClean="0">
+                            <a:latin typeface="Cambria Math"/>
+                            <a:ea typeface="新細明體" pitchFamily="-106" charset="-120"/>
+                          </a:rPr>
+                          <m:t>𝛿</m:t>
+                        </m:r>
+                      </m:den>
+                    </m:f>
+                    <m:r>
+                      <a:rPr lang="en-US" altLang="zh-TW" sz="2000" b="0" i="1" smtClean="0">
+                        <a:latin typeface="Cambria Math"/>
+                        <a:ea typeface="新細明體" pitchFamily="-106" charset="-120"/>
+                      </a:rPr>
+                      <m:t>,</m:t>
+                    </m:r>
+                    <m:f>
+                      <m:fPr>
+                        <m:ctrlPr>
+                          <a:rPr lang="en-US" altLang="zh-TW" sz="2000" b="0" i="1" smtClean="0">
+                            <a:latin typeface="Cambria Math"/>
+                            <a:ea typeface="新細明體" pitchFamily="-106" charset="-120"/>
+                          </a:rPr>
+                        </m:ctrlPr>
+                      </m:fPr>
+                      <m:num>
+                        <m:r>
+                          <a:rPr lang="en-US" altLang="zh-TW" sz="2000" b="0" i="1" smtClean="0">
+                            <a:latin typeface="Cambria Math"/>
+                            <a:ea typeface="新細明體" pitchFamily="-106" charset="-120"/>
+                          </a:rPr>
+                          <m:t>160</m:t>
+                        </m:r>
+                        <m:d>
+                          <m:dPr>
+                            <m:ctrlPr>
+                              <a:rPr lang="en-US" altLang="zh-TW" sz="2000" b="0" i="1" smtClean="0">
+                                <a:latin typeface="Cambria Math"/>
+                                <a:ea typeface="新細明體" pitchFamily="-106" charset="-120"/>
+                              </a:rPr>
+                            </m:ctrlPr>
+                          </m:dPr>
+                          <m:e>
+                            <m:r>
+                              <a:rPr lang="en-US" altLang="zh-TW" sz="2000" b="0" i="1" smtClean="0">
+                                <a:latin typeface="Cambria Math"/>
+                                <a:ea typeface="新細明體" pitchFamily="-106" charset="-120"/>
+                              </a:rPr>
+                              <m:t>𝑑</m:t>
+                            </m:r>
+                            <m:r>
+                              <a:rPr lang="en-US" altLang="zh-TW" sz="2000" b="0" i="1" smtClean="0">
+                                <a:latin typeface="Cambria Math"/>
+                                <a:ea typeface="新細明體" pitchFamily="-106" charset="-120"/>
+                              </a:rPr>
+                              <m:t>+1</m:t>
+                            </m:r>
+                          </m:e>
+                        </m:d>
+                      </m:num>
+                      <m:den>
+                        <m:r>
+                          <a:rPr lang="en-US" altLang="zh-TW" sz="2000" b="0" i="1" smtClean="0">
+                            <a:latin typeface="Cambria Math"/>
+                            <a:ea typeface="新細明體" pitchFamily="-106" charset="-120"/>
+                          </a:rPr>
+                          <m:t>𝑔</m:t>
+                        </m:r>
+                        <m:r>
+                          <a:rPr lang="zh-TW" altLang="en-US" sz="2000" b="0" i="1" smtClean="0">
+                            <a:latin typeface="Cambria Math"/>
+                            <a:ea typeface="新細明體" pitchFamily="-106" charset="-120"/>
+                          </a:rPr>
+                          <m:t>𝜖</m:t>
+                        </m:r>
+                      </m:den>
+                    </m:f>
+                    <m:func>
+                      <m:funcPr>
+                        <m:ctrlPr>
+                          <a:rPr lang="en-US" altLang="zh-TW" sz="2000" b="0" i="1" smtClean="0">
+                            <a:latin typeface="Cambria Math"/>
+                            <a:ea typeface="新細明體" pitchFamily="-106" charset="-120"/>
+                          </a:rPr>
+                        </m:ctrlPr>
+                      </m:funcPr>
+                      <m:fName>
+                        <m:r>
+                          <m:rPr>
+                            <m:sty m:val="p"/>
+                          </m:rPr>
+                          <a:rPr lang="en-US" altLang="zh-TW" sz="2000" b="0" i="0" smtClean="0">
+                            <a:latin typeface="Cambria Math"/>
+                            <a:ea typeface="新細明體" pitchFamily="-106" charset="-120"/>
+                          </a:rPr>
+                          <m:t>max</m:t>
+                        </m:r>
+                      </m:fName>
+                      <m:e>
+                        <m:sSup>
+                          <m:sSupPr>
+                            <m:ctrlPr>
+                              <a:rPr lang="en-US" altLang="zh-TW" sz="2000" b="0" i="1" smtClean="0">
+                                <a:latin typeface="Cambria Math"/>
+                                <a:ea typeface="新細明體" pitchFamily="-106" charset="-120"/>
+                              </a:rPr>
+                            </m:ctrlPr>
+                          </m:sSupPr>
+                          <m:e>
+                            <m:d>
+                              <m:dPr>
+                                <m:ctrlPr>
+                                  <a:rPr lang="en-US" altLang="zh-TW" sz="2000" i="1">
+                                    <a:latin typeface="Cambria Math"/>
+                                    <a:ea typeface="新細明體" pitchFamily="-106" charset="-120"/>
+                                  </a:rPr>
+                                </m:ctrlPr>
+                              </m:dPr>
+                              <m:e>
+                                <m:r>
+                                  <a:rPr lang="en-US" altLang="zh-TW" sz="2000" i="1">
+                                    <a:latin typeface="Cambria Math"/>
+                                    <a:ea typeface="新細明體" pitchFamily="-106" charset="-120"/>
+                                  </a:rPr>
+                                  <m:t>6, </m:t>
+                                </m:r>
+                                <m:func>
+                                  <m:funcPr>
+                                    <m:ctrlPr>
+                                      <a:rPr lang="en-US" altLang="zh-TW" sz="2000" i="1">
+                                        <a:latin typeface="Cambria Math"/>
+                                        <a:ea typeface="新細明體" pitchFamily="-106" charset="-120"/>
+                                      </a:rPr>
+                                    </m:ctrlPr>
+                                  </m:funcPr>
+                                  <m:fName>
+                                    <m:r>
+                                      <m:rPr>
+                                        <m:sty m:val="p"/>
+                                      </m:rPr>
+                                      <a:rPr lang="en-US" altLang="zh-TW" sz="2000">
+                                        <a:latin typeface="Cambria Math"/>
+                                        <a:ea typeface="新細明體" pitchFamily="-106" charset="-120"/>
+                                      </a:rPr>
+                                      <m:t>ln</m:t>
+                                    </m:r>
+                                  </m:fName>
+                                  <m:e>
+                                    <m:f>
+                                      <m:fPr>
+                                        <m:ctrlPr>
+                                          <a:rPr lang="en-US" altLang="zh-TW" sz="2000" i="1">
+                                            <a:latin typeface="Cambria Math"/>
+                                            <a:ea typeface="新細明體" pitchFamily="-106" charset="-120"/>
+                                          </a:rPr>
+                                        </m:ctrlPr>
+                                      </m:fPr>
+                                      <m:num>
+                                        <m:r>
+                                          <a:rPr lang="en-US" altLang="zh-TW" sz="2000" i="1">
+                                            <a:latin typeface="Cambria Math"/>
+                                            <a:ea typeface="新細明體" pitchFamily="-106" charset="-120"/>
+                                          </a:rPr>
+                                          <m:t>80</m:t>
+                                        </m:r>
+                                        <m:d>
+                                          <m:dPr>
+                                            <m:ctrlPr>
+                                              <a:rPr lang="en-US" altLang="zh-TW" sz="2000" i="1">
+                                                <a:latin typeface="Cambria Math"/>
+                                                <a:ea typeface="新細明體" pitchFamily="-106" charset="-120"/>
+                                              </a:rPr>
+                                            </m:ctrlPr>
+                                          </m:dPr>
+                                          <m:e>
+                                            <m:r>
+                                              <a:rPr lang="en-US" altLang="zh-TW" sz="2000" i="1">
+                                                <a:latin typeface="Cambria Math"/>
+                                                <a:ea typeface="新細明體" pitchFamily="-106" charset="-120"/>
+                                              </a:rPr>
+                                              <m:t>𝑑</m:t>
+                                            </m:r>
+                                            <m:r>
+                                              <a:rPr lang="en-US" altLang="zh-TW" sz="2000" i="1">
+                                                <a:latin typeface="Cambria Math"/>
+                                                <a:ea typeface="新細明體" pitchFamily="-106" charset="-120"/>
+                                              </a:rPr>
+                                              <m:t>+1</m:t>
+                                            </m:r>
+                                          </m:e>
+                                        </m:d>
+                                      </m:num>
+                                      <m:den>
+                                        <m:r>
+                                          <a:rPr lang="zh-TW" altLang="en-US" sz="2000" i="1">
+                                            <a:latin typeface="Cambria Math"/>
+                                            <a:ea typeface="新細明體" pitchFamily="-106" charset="-120"/>
+                                          </a:rPr>
+                                          <m:t>𝜀</m:t>
+                                        </m:r>
+                                        <m:sSup>
+                                          <m:sSupPr>
+                                            <m:ctrlPr>
+                                              <a:rPr lang="en-US" altLang="zh-TW" sz="2000" i="1">
+                                                <a:latin typeface="Cambria Math"/>
+                                                <a:ea typeface="新細明體" pitchFamily="-106" charset="-120"/>
+                                              </a:rPr>
+                                            </m:ctrlPr>
+                                          </m:sSupPr>
+                                          <m:e>
+                                            <m:r>
+                                              <a:rPr lang="zh-TW" altLang="en-US" sz="2000" i="1">
+                                                <a:latin typeface="Cambria Math"/>
+                                                <a:ea typeface="新細明體" pitchFamily="-106" charset="-120"/>
+                                              </a:rPr>
+                                              <m:t>𝛿</m:t>
+                                            </m:r>
+                                          </m:e>
+                                          <m:sup>
+                                            <m:r>
+                                              <a:rPr lang="en-US" altLang="zh-TW" sz="2000" i="1">
+                                                <a:latin typeface="Cambria Math"/>
+                                                <a:ea typeface="新細明體" pitchFamily="-106" charset="-120"/>
+                                              </a:rPr>
+                                              <m:t>2</m:t>
+                                            </m:r>
+                                          </m:sup>
+                                        </m:sSup>
+                                        <m:r>
+                                          <a:rPr lang="en-US" altLang="zh-TW" sz="2000" i="1">
+                                            <a:latin typeface="Cambria Math"/>
+                                            <a:ea typeface="新細明體" pitchFamily="-106" charset="-120"/>
+                                          </a:rPr>
+                                          <m:t>𝑔</m:t>
+                                        </m:r>
+                                      </m:den>
+                                    </m:f>
+                                  </m:e>
+                                </m:func>
+                              </m:e>
+                            </m:d>
+                          </m:e>
+                          <m:sup>
+                            <m:r>
+                              <a:rPr lang="en-US" altLang="zh-TW" sz="2000" b="0" i="1" smtClean="0">
+                                <a:latin typeface="Cambria Math"/>
+                                <a:ea typeface="新細明體" pitchFamily="-106" charset="-120"/>
+                              </a:rPr>
+                              <m:t>2</m:t>
+                            </m:r>
+                          </m:sup>
+                        </m:sSup>
+                      </m:e>
+                    </m:func>
+                    <m:r>
+                      <a:rPr lang="en-US" altLang="zh-TW" sz="2000" b="0" i="1" smtClean="0">
+                        <a:latin typeface="Cambria Math"/>
+                        <a:ea typeface="新細明體" pitchFamily="-106" charset="-120"/>
+                      </a:rPr>
+                      <m:t>)</m:t>
+                    </m:r>
+                  </m:oMath>
+                </a14:m>
+                <a:endParaRPr lang="en-US" altLang="zh-TW" sz="2000" dirty="0" smtClean="0">
+                  <a:ea typeface="新細明體" pitchFamily="-106" charset="-120"/>
+                </a:endParaRPr>
+              </a:p>
+              <a:p>
+                <a:pPr lvl="1" eaLnBrk="1" hangingPunct="1">
+                  <a:spcBef>
+                    <a:spcPts val="600"/>
+                  </a:spcBef>
+                </a:pPr>
+                <a:r>
+                  <a:rPr lang="en-US" altLang="zh-TW" sz="2000" dirty="0">
+                    <a:ea typeface="新細明體" pitchFamily="-106" charset="-120"/>
+                  </a:rPr>
+                  <a:t>The number of calls to </a:t>
+                </a:r>
+                <a:r>
+                  <a:rPr lang="en-US" altLang="zh-TW" sz="2000" dirty="0" smtClean="0">
+                    <a:ea typeface="新細明體" pitchFamily="-106" charset="-120"/>
+                  </a:rPr>
+                  <a:t>label </a:t>
+                </a:r>
+                <a:r>
+                  <a:rPr lang="en-US" altLang="zh-TW" sz="2000" dirty="0">
+                    <a:ea typeface="新細明體" pitchFamily="-106" charset="-120"/>
+                  </a:rPr>
+                  <a:t>is smaller than </a:t>
+                </a:r>
+                <a:endParaRPr lang="en-US" altLang="zh-TW" sz="2000" dirty="0" smtClean="0">
+                  <a:ea typeface="新細明體" pitchFamily="-106" charset="-120"/>
+                </a:endParaRPr>
+              </a:p>
+              <a:p>
+                <a:pPr marL="344487" lvl="1" indent="0" eaLnBrk="1" hangingPunct="1">
+                  <a:spcBef>
+                    <a:spcPts val="600"/>
+                  </a:spcBef>
+                  <a:spcAft>
+                    <a:spcPts val="600"/>
+                  </a:spcAft>
+                  <a:buNone/>
+                </a:pPr>
+                <a:r>
+                  <a:rPr lang="en-US" altLang="zh-TW" sz="2000" dirty="0">
+                    <a:ea typeface="新細明體" pitchFamily="-106" charset="-120"/>
+                  </a:rPr>
+                  <a:t> </a:t>
+                </a:r>
+                <a:r>
+                  <a:rPr lang="en-US" altLang="zh-TW" sz="2000" dirty="0" smtClean="0">
+                    <a:ea typeface="新細明體" pitchFamily="-106" charset="-120"/>
+                  </a:rPr>
+                  <a:t>    </a:t>
+                </a:r>
+                <a14:m>
+                  <m:oMath xmlns:m="http://schemas.openxmlformats.org/officeDocument/2006/math">
+                    <m:sSub>
+                      <m:sSubPr>
+                        <m:ctrlPr>
+                          <a:rPr lang="en-US" altLang="zh-TW" sz="2000" i="1">
+                            <a:latin typeface="Cambria Math"/>
+                            <a:ea typeface="新細明體" pitchFamily="-106" charset="-120"/>
+                          </a:rPr>
+                        </m:ctrlPr>
+                      </m:sSubPr>
+                      <m:e>
+                        <m:r>
+                          <a:rPr lang="en-US" altLang="zh-TW" sz="2000" b="0" i="1" smtClean="0">
+                            <a:latin typeface="Cambria Math"/>
+                            <a:ea typeface="新細明體" pitchFamily="-106" charset="-120"/>
+                          </a:rPr>
+                          <m:t>𝑛</m:t>
+                        </m:r>
+                      </m:e>
+                      <m:sub>
+                        <m:r>
+                          <a:rPr lang="en-US" altLang="zh-TW" sz="2000" i="1">
+                            <a:latin typeface="Cambria Math"/>
+                            <a:ea typeface="新細明體" pitchFamily="-106" charset="-120"/>
+                          </a:rPr>
+                          <m:t>0</m:t>
+                        </m:r>
+                      </m:sub>
+                    </m:sSub>
+                    <m:r>
+                      <a:rPr lang="en-US" altLang="zh-TW" sz="2000" i="1">
+                        <a:latin typeface="Cambria Math"/>
+                        <a:ea typeface="新細明體" pitchFamily="-106" charset="-120"/>
+                      </a:rPr>
+                      <m:t>=</m:t>
+                    </m:r>
+                    <m:f>
+                      <m:fPr>
+                        <m:ctrlPr>
+                          <a:rPr lang="en-US" altLang="zh-TW" sz="2000" i="1" smtClean="0">
+                            <a:latin typeface="Cambria Math"/>
+                            <a:ea typeface="新細明體" pitchFamily="-106" charset="-120"/>
+                          </a:rPr>
+                        </m:ctrlPr>
+                      </m:fPr>
+                      <m:num>
+                        <m:r>
+                          <a:rPr lang="en-US" altLang="zh-TW" sz="2000" b="0" i="1" smtClean="0">
+                            <a:latin typeface="Cambria Math"/>
+                            <a:ea typeface="新細明體" pitchFamily="-106" charset="-120"/>
+                          </a:rPr>
+                          <m:t>10(</m:t>
+                        </m:r>
+                        <m:r>
+                          <a:rPr lang="en-US" altLang="zh-TW" sz="2000" b="0" i="1" smtClean="0">
+                            <a:latin typeface="Cambria Math"/>
+                            <a:ea typeface="新細明體" pitchFamily="-106" charset="-120"/>
+                          </a:rPr>
+                          <m:t>𝑑</m:t>
+                        </m:r>
+                        <m:r>
+                          <a:rPr lang="en-US" altLang="zh-TW" sz="2000" b="0" i="1" smtClean="0">
+                            <a:latin typeface="Cambria Math"/>
+                            <a:ea typeface="新細明體" pitchFamily="-106" charset="-120"/>
+                          </a:rPr>
+                          <m:t>+1)</m:t>
+                        </m:r>
+                      </m:num>
+                      <m:den>
+                        <m:r>
+                          <a:rPr lang="en-US" altLang="zh-TW" sz="2000" b="0" i="1" smtClean="0">
+                            <a:latin typeface="Cambria Math"/>
+                            <a:ea typeface="新細明體" pitchFamily="-106" charset="-120"/>
+                          </a:rPr>
+                          <m:t>𝑔</m:t>
+                        </m:r>
+                      </m:den>
+                    </m:f>
+                    <m:func>
+                      <m:funcPr>
+                        <m:ctrlPr>
+                          <a:rPr lang="en-US" altLang="zh-TW" sz="2000" i="1" smtClean="0">
+                            <a:latin typeface="Cambria Math"/>
+                            <a:ea typeface="新細明體" pitchFamily="-106" charset="-120"/>
+                          </a:rPr>
+                        </m:ctrlPr>
+                      </m:funcPr>
+                      <m:fName>
+                        <m:r>
+                          <m:rPr>
+                            <m:sty m:val="p"/>
+                          </m:rPr>
+                          <a:rPr lang="en-US" altLang="zh-TW" sz="2000" i="0" smtClean="0">
+                            <a:latin typeface="Cambria Math"/>
+                            <a:ea typeface="新細明體" pitchFamily="-106" charset="-120"/>
+                          </a:rPr>
+                          <m:t>ln</m:t>
+                        </m:r>
+                      </m:fName>
+                      <m:e>
+                        <m:f>
+                          <m:fPr>
+                            <m:ctrlPr>
+                              <a:rPr lang="en-US" altLang="zh-TW" sz="2000" i="1" smtClean="0">
+                                <a:latin typeface="Cambria Math"/>
+                                <a:ea typeface="新細明體" pitchFamily="-106" charset="-120"/>
+                              </a:rPr>
+                            </m:ctrlPr>
+                          </m:fPr>
+                          <m:num>
+                            <m:r>
+                              <a:rPr lang="en-US" altLang="zh-TW" sz="2000" b="0" i="1" smtClean="0">
+                                <a:latin typeface="Cambria Math"/>
+                                <a:ea typeface="新細明體" pitchFamily="-106" charset="-120"/>
+                              </a:rPr>
+                              <m:t>4</m:t>
+                            </m:r>
+                            <m:sSub>
+                              <m:sSubPr>
+                                <m:ctrlPr>
+                                  <a:rPr lang="en-US" altLang="zh-TW" sz="2000" b="0" i="1" smtClean="0">
+                                    <a:latin typeface="Cambria Math"/>
+                                    <a:ea typeface="新細明體" pitchFamily="-106" charset="-120"/>
+                                  </a:rPr>
+                                </m:ctrlPr>
+                              </m:sSubPr>
+                              <m:e>
+                                <m:r>
+                                  <a:rPr lang="en-US" altLang="zh-TW" sz="2000" b="0" i="1" smtClean="0">
+                                    <a:latin typeface="Cambria Math"/>
+                                    <a:ea typeface="新細明體" pitchFamily="-106" charset="-120"/>
+                                  </a:rPr>
+                                  <m:t>𝑚</m:t>
+                                </m:r>
+                              </m:e>
+                              <m:sub>
+                                <m:r>
+                                  <a:rPr lang="en-US" altLang="zh-TW" sz="2000" b="0" i="1" smtClean="0">
+                                    <a:latin typeface="Cambria Math"/>
+                                    <a:ea typeface="新細明體" pitchFamily="-106" charset="-120"/>
+                                  </a:rPr>
+                                  <m:t>0</m:t>
+                                </m:r>
+                              </m:sub>
+                            </m:sSub>
+                          </m:num>
+                          <m:den>
+                            <m:r>
+                              <a:rPr lang="zh-TW" altLang="en-US" sz="2000" i="1" smtClean="0">
+                                <a:latin typeface="Cambria Math"/>
+                                <a:ea typeface="新細明體" pitchFamily="-106" charset="-120"/>
+                              </a:rPr>
+                              <m:t>𝛿</m:t>
+                            </m:r>
+                          </m:den>
+                        </m:f>
+                      </m:e>
+                    </m:func>
+                  </m:oMath>
+                </a14:m>
+                <a:endParaRPr lang="en-US" altLang="zh-TW" sz="2000" dirty="0" smtClean="0">
+                  <a:ea typeface="新細明體" pitchFamily="-106" charset="-120"/>
+                </a:endParaRPr>
+              </a:p>
+              <a:p>
+                <a:pPr lvl="1" eaLnBrk="1" hangingPunct="1">
+                  <a:spcBef>
+                    <a:spcPts val="600"/>
+                  </a:spcBef>
+                </a:pPr>
+                <a:r>
+                  <a:rPr lang="en-US" altLang="zh-TW" sz="2000" dirty="0" smtClean="0">
+                    <a:ea typeface="新細明體" pitchFamily="-106" charset="-120"/>
+                  </a:rPr>
+                  <a:t>The </a:t>
+                </a:r>
+                <a:r>
+                  <a:rPr lang="en-US" altLang="zh-TW" sz="2000" dirty="0" smtClean="0">
+                    <a:ea typeface="新細明體" pitchFamily="-106" charset="-120"/>
+                  </a:rPr>
+                  <a:t>probability that the </a:t>
+                </a:r>
+                <a:r>
+                  <a:rPr lang="en-US" altLang="zh-TW" sz="2000" dirty="0" smtClean="0">
+                    <a:ea typeface="新細明體" pitchFamily="-106" charset="-120"/>
+                  </a:rPr>
+                  <a:t>prediction </a:t>
+                </a:r>
+                <a:r>
+                  <a:rPr lang="en-US" altLang="zh-TW" sz="2000" dirty="0" smtClean="0">
+                    <a:ea typeface="新細明體" pitchFamily="-106" charset="-120"/>
+                  </a:rPr>
+                  <a:t>algorithm </a:t>
+                </a:r>
+                <a:r>
+                  <a:rPr lang="en-US" sz="2000" dirty="0" smtClean="0"/>
+                  <a:t>by </a:t>
+                </a:r>
+                <a:r>
+                  <a:rPr lang="en-US" sz="2000" dirty="0"/>
+                  <a:t>picking a hypothesis </a:t>
+                </a:r>
+                <a:r>
+                  <a:rPr lang="en-US" sz="2000" i="1" dirty="0"/>
+                  <a:t>h</a:t>
+                </a:r>
+                <a:r>
+                  <a:rPr lang="en-US" sz="2000" dirty="0"/>
+                  <a:t> random from version space</a:t>
+                </a:r>
+                <a:r>
+                  <a:rPr lang="en-US" altLang="zh-TW" sz="2000" dirty="0" smtClean="0">
+                    <a:ea typeface="新細明體" pitchFamily="-106" charset="-120"/>
+                  </a:rPr>
+                  <a:t> </a:t>
+                </a:r>
+                <a:r>
+                  <a:rPr lang="en-US" altLang="zh-TW" sz="2000" dirty="0" smtClean="0">
+                    <a:ea typeface="新細明體" pitchFamily="-106" charset="-120"/>
+                  </a:rPr>
+                  <a:t>of QBC makes a mistake </a:t>
+                </a:r>
+                <a:r>
+                  <a:rPr lang="en-US" altLang="zh-TW" sz="2000" dirty="0" smtClean="0">
+                    <a:ea typeface="新細明體" pitchFamily="-106" charset="-120"/>
+                  </a:rPr>
+                  <a:t>is </a:t>
+                </a:r>
+                <a:r>
+                  <a:rPr lang="en-US" altLang="zh-TW" sz="2000" dirty="0" smtClean="0">
+                    <a:ea typeface="新細明體" pitchFamily="-106" charset="-120"/>
+                  </a:rPr>
+                  <a:t>smaller than </a:t>
+                </a:r>
+                <a14:m>
+                  <m:oMath xmlns:m="http://schemas.openxmlformats.org/officeDocument/2006/math">
+                    <m:r>
+                      <a:rPr lang="zh-TW" altLang="en-US" sz="2000" i="1" smtClean="0">
+                        <a:latin typeface="Cambria Math"/>
+                        <a:ea typeface="新細明體" pitchFamily="-106" charset="-120"/>
+                      </a:rPr>
+                      <m:t>𝜖</m:t>
+                    </m:r>
+                  </m:oMath>
+                </a14:m>
+                <a:r>
+                  <a:rPr lang="en-US" sz="2000" dirty="0" smtClean="0">
+                    <a:ea typeface="新細明體" pitchFamily="-106" charset="-120"/>
+                  </a:rPr>
+                  <a:t>. [</a:t>
+                </a:r>
+                <a:r>
+                  <a:rPr lang="en-US" sz="2000" dirty="0" smtClean="0"/>
+                  <a:t>Freund 97</a:t>
+                </a:r>
+                <a:r>
+                  <a:rPr lang="en-US" sz="2000" dirty="0" smtClean="0">
+                    <a:ea typeface="新細明體" pitchFamily="-106" charset="-120"/>
+                  </a:rPr>
+                  <a:t>]</a:t>
+                </a:r>
+                <a:endParaRPr lang="en-US" altLang="zh-TW" sz="2000" dirty="0">
+                  <a:ea typeface="新細明體" pitchFamily="-106" charset="-120"/>
+                </a:endParaRPr>
+              </a:p>
+              <a:p>
+                <a:pPr lvl="1" eaLnBrk="1" hangingPunct="1">
+                  <a:lnSpc>
+                    <a:spcPct val="90000"/>
+                  </a:lnSpc>
+                </a:pPr>
+                <a:endParaRPr lang="en-US" altLang="zh-TW" sz="2400" dirty="0">
+                  <a:ea typeface="新細明體" pitchFamily="-106" charset="-120"/>
+                </a:endParaRPr>
+              </a:p>
+              <a:p>
+                <a:pPr marL="344487" lvl="1" indent="0" eaLnBrk="1" hangingPunct="1">
+                  <a:lnSpc>
+                    <a:spcPct val="90000"/>
+                  </a:lnSpc>
+                  <a:buNone/>
+                </a:pPr>
+                <a:r>
+                  <a:rPr lang="en-US" sz="2400" dirty="0" smtClean="0"/>
+                  <a:t>     </a:t>
+                </a:r>
+                <a:endParaRPr lang="en-US" altLang="zh-TW" dirty="0" smtClean="0">
+                  <a:ea typeface="新細明體" pitchFamily="-106" charset="-120"/>
+                </a:endParaRPr>
+              </a:p>
+            </p:txBody>
+          </p:sp>
+        </mc:Choice>
+        <mc:Fallback>
+          <p:sp>
+            <p:nvSpPr>
+              <p:cNvPr id="7" name="Rectangle 3"/>
+              <p:cNvSpPr txBox="1">
+                <a:spLocks noRot="1" noChangeAspect="1" noMove="1" noResize="1" noEditPoints="1" noAdjustHandles="1" noChangeArrowheads="1" noChangeShapeType="1" noTextEdit="1"/>
+              </p:cNvSpPr>
+              <p:nvPr/>
+            </p:nvSpPr>
+            <p:spPr bwMode="auto">
+              <a:xfrm>
+                <a:off x="381000" y="1219200"/>
+                <a:ext cx="8534400" cy="5105400"/>
+              </a:xfrm>
+              <a:prstGeom prst="rect">
+                <a:avLst/>
+              </a:prstGeom>
+              <a:blipFill rotWithShape="1">
+                <a:blip r:embed="rId3"/>
+                <a:stretch>
+                  <a:fillRect l="-286" t="-835" r="-1071" b="-239"/>
+                </a:stretch>
+              </a:blipFill>
+              <a:ln>
+                <a:noFill/>
+              </a:ln>
+              <a:extLst>
+                <a:ext uri="{909E8E84-426E-40DD-AFC4-6F175D3DCCD1}">
+                  <a14:hiddenFill xmlns:a14="http://schemas.microsoft.com/office/drawing/2010/main">
+                    <a:solidFill>
+                      <a:srgbClr val="FFFFFF"/>
+                    </a:solidFill>
+                  </a14:hiddenFill>
+                </a:ext>
+                <a:ext uri="{91240B29-F687-4F45-9708-019B960494DF}">
+                  <a14:hiddenLine xmlns:a14="http://schemas.microsoft.com/office/drawing/2010/main" w="9525">
+                    <a:solidFill>
+                      <a:srgbClr val="000000"/>
+                    </a:solidFill>
+                    <a:miter lim="800000"/>
+                    <a:headEnd/>
+                    <a:tailEnd/>
+                  </a14:hiddenLine>
+                </a:ext>
+              </a:extLst>
+            </p:spPr>
+            <p:txBody>
+              <a:bodyPr/>
+              <a:lstStyle/>
+              <a:p>
+                <a:r>
+                  <a:rPr lang="en-US">
+                    <a:noFill/>
+                  </a:rPr>
+                  <a:t> </a:t>
+                </a:r>
+              </a:p>
+            </p:txBody>
+          </p:sp>
+        </mc:Fallback>
+      </mc:AlternateContent>
     </p:spTree>
     <p:extLst>
       <p:ext uri="{BB962C8B-B14F-4D97-AF65-F5344CB8AC3E}">
-        <p14:creationId xmlns:p14="http://schemas.microsoft.com/office/powerpoint/2010/main" val="3192470585"/>
+        <p14:creationId xmlns:p14="http://schemas.microsoft.com/office/powerpoint/2010/main" val="53151857"/>
       </p:ext>
     </p:extLst>
   </p:cSld>
@@ -17886,80 +21222,9 @@
   <p:timing>
     <p:tnLst>
       <p:par>
-        <p:cTn id="1" dur="indefinite" restart="never" nodeType="tmRoot">
-          <p:childTnLst>
-            <p:seq concurrent="1" nextAc="seek">
-              <p:cTn id="2" dur="indefinite" nodeType="mainSeq">
-                <p:childTnLst>
-                  <p:par>
-                    <p:cTn id="3" fill="hold">
-                      <p:stCondLst>
-                        <p:cond delay="indefinite"/>
-                      </p:stCondLst>
-                      <p:childTnLst>
-                        <p:par>
-                          <p:cTn id="4" fill="hold">
-                            <p:stCondLst>
-                              <p:cond delay="0"/>
-                            </p:stCondLst>
-                            <p:childTnLst>
-                              <p:par>
-                                <p:cTn id="5" presetID="1" presetClass="entr" presetSubtype="0" fill="hold" grpId="0" nodeType="clickEffect">
-                                  <p:stCondLst>
-                                    <p:cond delay="0"/>
-                                  </p:stCondLst>
-                                  <p:childTnLst>
-                                    <p:set>
-                                      <p:cBhvr>
-                                        <p:cTn id="6" dur="1" fill="hold">
-                                          <p:stCondLst>
-                                            <p:cond delay="0"/>
-                                          </p:stCondLst>
-                                        </p:cTn>
-                                        <p:tgtEl>
-                                          <p:spTgt spid="5"/>
-                                        </p:tgtEl>
-                                        <p:attrNameLst>
-                                          <p:attrName>style.visibility</p:attrName>
-                                        </p:attrNameLst>
-                                      </p:cBhvr>
-                                      <p:to>
-                                        <p:strVal val="visible"/>
-                                      </p:to>
-                                    </p:set>
-                                  </p:childTnLst>
-                                </p:cTn>
-                              </p:par>
-                            </p:childTnLst>
-                          </p:cTn>
-                        </p:par>
-                      </p:childTnLst>
-                    </p:cTn>
-                  </p:par>
-                </p:childTnLst>
-              </p:cTn>
-              <p:prevCondLst>
-                <p:cond evt="onPrev" delay="0">
-                  <p:tgtEl>
-                    <p:sldTgt/>
-                  </p:tgtEl>
-                </p:cond>
-              </p:prevCondLst>
-              <p:nextCondLst>
-                <p:cond evt="onNext" delay="0">
-                  <p:tgtEl>
-                    <p:sldTgt/>
-                  </p:tgtEl>
-                </p:cond>
-              </p:nextCondLst>
-            </p:seq>
-          </p:childTnLst>
-        </p:cTn>
+        <p:cTn id="1" dur="indefinite" restart="never" nodeType="tmRoot"/>
       </p:par>
     </p:tnLst>
-    <p:bldLst>
-      <p:bldP spid="5" grpId="0" animBg="1"/>
-    </p:bldLst>
   </p:timing>
 </p:sld>
 </file>

--- a/presentation/Activelearning.pptx
+++ b/presentation/Activelearning.pptx
@@ -5,10 +5,10 @@
     <p:sldMasterId id="2147483697" r:id="rId1"/>
   </p:sldMasterIdLst>
   <p:notesMasterIdLst>
-    <p:notesMasterId r:id="rId26"/>
+    <p:notesMasterId r:id="rId27"/>
   </p:notesMasterIdLst>
   <p:handoutMasterIdLst>
-    <p:handoutMasterId r:id="rId27"/>
+    <p:handoutMasterId r:id="rId28"/>
   </p:handoutMasterIdLst>
   <p:sldIdLst>
     <p:sldId id="256" r:id="rId2"/>
@@ -17,24 +17,25 @@
     <p:sldId id="461" r:id="rId5"/>
     <p:sldId id="462" r:id="rId6"/>
     <p:sldId id="474" r:id="rId7"/>
-    <p:sldId id="475" r:id="rId8"/>
-    <p:sldId id="476" r:id="rId9"/>
-    <p:sldId id="465" r:id="rId10"/>
-    <p:sldId id="468" r:id="rId11"/>
-    <p:sldId id="470" r:id="rId12"/>
-    <p:sldId id="469" r:id="rId13"/>
-    <p:sldId id="472" r:id="rId14"/>
-    <p:sldId id="478" r:id="rId15"/>
-    <p:sldId id="486" r:id="rId16"/>
-    <p:sldId id="479" r:id="rId17"/>
-    <p:sldId id="480" r:id="rId18"/>
-    <p:sldId id="482" r:id="rId19"/>
-    <p:sldId id="483" r:id="rId20"/>
-    <p:sldId id="484" r:id="rId21"/>
-    <p:sldId id="485" r:id="rId22"/>
-    <p:sldId id="473" r:id="rId23"/>
-    <p:sldId id="458" r:id="rId24"/>
-    <p:sldId id="471" r:id="rId25"/>
+    <p:sldId id="487" r:id="rId8"/>
+    <p:sldId id="475" r:id="rId9"/>
+    <p:sldId id="476" r:id="rId10"/>
+    <p:sldId id="465" r:id="rId11"/>
+    <p:sldId id="468" r:id="rId12"/>
+    <p:sldId id="470" r:id="rId13"/>
+    <p:sldId id="469" r:id="rId14"/>
+    <p:sldId id="472" r:id="rId15"/>
+    <p:sldId id="478" r:id="rId16"/>
+    <p:sldId id="486" r:id="rId17"/>
+    <p:sldId id="479" r:id="rId18"/>
+    <p:sldId id="480" r:id="rId19"/>
+    <p:sldId id="482" r:id="rId20"/>
+    <p:sldId id="483" r:id="rId21"/>
+    <p:sldId id="484" r:id="rId22"/>
+    <p:sldId id="485" r:id="rId23"/>
+    <p:sldId id="473" r:id="rId24"/>
+    <p:sldId id="458" r:id="rId25"/>
+    <p:sldId id="471" r:id="rId26"/>
   </p:sldIdLst>
   <p:sldSz cx="9144000" cy="6858000" type="screen4x3"/>
   <p:notesSz cx="6997700" cy="9283700"/>
@@ -1147,7 +1148,7 @@
             <a:fld id="{DFAA0BD4-28E6-4AA9-A380-6B49DDD43FFD}" type="slidenum">
               <a:rPr lang="en-US" smtClean="0"/>
               <a:pPr/>
-              <a:t>7</a:t>
+              <a:t>8</a:t>
             </a:fld>
             <a:endParaRPr lang="en-US"/>
           </a:p>
@@ -1467,7 +1468,7 @@
             <a:fld id="{DFAA0BD4-28E6-4AA9-A380-6B49DDD43FFD}" type="slidenum">
               <a:rPr lang="en-US" smtClean="0"/>
               <a:pPr/>
-              <a:t>8</a:t>
+              <a:t>9</a:t>
             </a:fld>
             <a:endParaRPr lang="en-US"/>
           </a:p>
@@ -1787,7 +1788,7 @@
             <a:fld id="{DFAA0BD4-28E6-4AA9-A380-6B49DDD43FFD}" type="slidenum">
               <a:rPr lang="en-US" smtClean="0"/>
               <a:pPr/>
-              <a:t>9</a:t>
+              <a:t>10</a:t>
             </a:fld>
             <a:endParaRPr lang="en-US"/>
           </a:p>
@@ -1896,7 +1897,7 @@
             <a:fld id="{DFAA0BD4-28E6-4AA9-A380-6B49DDD43FFD}" type="slidenum">
               <a:rPr lang="en-US" smtClean="0"/>
               <a:pPr/>
-              <a:t>10</a:t>
+              <a:t>11</a:t>
             </a:fld>
             <a:endParaRPr lang="en-US"/>
           </a:p>
@@ -2121,7 +2122,7 @@
             <a:fld id="{1D877136-09BD-42A7-BD55-FAEE866D8038}" type="datetime1">
               <a:rPr lang="en-US"/>
               <a:pPr/>
-              <a:t>11/29/2011</a:t>
+              <a:t>11/30/2011</a:t>
             </a:fld>
             <a:endParaRPr lang="en-US"/>
           </a:p>
@@ -2318,7 +2319,7 @@
             <a:fld id="{5D533678-414D-4A37-B058-1C5382BE48CC}" type="datetime1">
               <a:rPr lang="en-US"/>
               <a:pPr/>
-              <a:t>11/29/2011</a:t>
+              <a:t>11/30/2011</a:t>
             </a:fld>
             <a:endParaRPr lang="en-US"/>
           </a:p>
@@ -2524,7 +2525,7 @@
             <a:fld id="{397142AC-DCDB-4038-8B72-EFAF17E95763}" type="datetime1">
               <a:rPr lang="en-US"/>
               <a:pPr/>
-              <a:t>11/29/2011</a:t>
+              <a:t>11/30/2011</a:t>
             </a:fld>
             <a:endParaRPr lang="en-US"/>
           </a:p>
@@ -2901,7 +2902,7 @@
             <a:fld id="{3FA21BFF-F3AD-4524-BC0D-644D41C25A37}" type="datetime1">
               <a:rPr lang="en-US"/>
               <a:pPr/>
-              <a:t>11/29/2011</a:t>
+              <a:t>11/30/2011</a:t>
             </a:fld>
             <a:endParaRPr lang="en-US"/>
           </a:p>
@@ -3221,7 +3222,7 @@
             <a:fld id="{4C9CE6A4-7A2F-49B6-9BFD-A0D0130AD4AA}" type="datetime1">
               <a:rPr lang="en-US"/>
               <a:pPr/>
-              <a:t>11/29/2011</a:t>
+              <a:t>11/30/2011</a:t>
             </a:fld>
             <a:endParaRPr lang="en-US"/>
           </a:p>
@@ -3484,7 +3485,7 @@
             <a:fld id="{87E55CE8-395B-4FC8-887F-58966868E366}" type="datetime1">
               <a:rPr lang="en-US"/>
               <a:pPr/>
-              <a:t>11/29/2011</a:t>
+              <a:t>11/30/2011</a:t>
             </a:fld>
             <a:endParaRPr lang="en-US"/>
           </a:p>
@@ -3804,7 +3805,7 @@
             <a:fld id="{82CBDEA8-5042-47DF-8252-9BC329ED4AEE}" type="datetime1">
               <a:rPr lang="en-US"/>
               <a:pPr/>
-              <a:t>11/29/2011</a:t>
+              <a:t>11/30/2011</a:t>
             </a:fld>
             <a:endParaRPr lang="en-US"/>
           </a:p>
@@ -4000,7 +4001,7 @@
             <a:fld id="{7E7974EE-B68F-4DD2-AB56-A69D47976A66}" type="datetime1">
               <a:rPr lang="en-US"/>
               <a:pPr/>
-              <a:t>11/29/2011</a:t>
+              <a:t>11/30/2011</a:t>
             </a:fld>
             <a:endParaRPr lang="en-US"/>
           </a:p>
@@ -4218,7 +4219,7 @@
             <a:fld id="{7ED585EB-EFAB-4A49-8EDC-31F3C1C9C862}" type="datetime1">
               <a:rPr lang="en-US"/>
               <a:pPr/>
-              <a:t>11/29/2011</a:t>
+              <a:t>11/30/2011</a:t>
             </a:fld>
             <a:endParaRPr lang="en-US"/>
           </a:p>
@@ -4532,7 +4533,7 @@
             <a:fld id="{2D56E1A5-B230-4B7D-A202-8D37E722DD9C}" type="datetime1">
               <a:rPr lang="en-US"/>
               <a:pPr/>
-              <a:t>11/29/2011</a:t>
+              <a:t>11/30/2011</a:t>
             </a:fld>
             <a:endParaRPr lang="en-US"/>
           </a:p>
@@ -4985,7 +4986,7 @@
             <a:fld id="{C4871E49-5E8F-4D0B-864D-31780362091F}" type="datetime1">
               <a:rPr lang="en-US"/>
               <a:pPr/>
-              <a:t>11/29/2011</a:t>
+              <a:t>11/30/2011</a:t>
             </a:fld>
             <a:endParaRPr lang="en-US"/>
           </a:p>
@@ -5129,7 +5130,7 @@
             <a:fld id="{F2852797-1293-4981-8226-3D2D8AFDC94B}" type="datetime1">
               <a:rPr lang="en-US"/>
               <a:pPr/>
-              <a:t>11/29/2011</a:t>
+              <a:t>11/30/2011</a:t>
             </a:fld>
             <a:endParaRPr lang="en-US"/>
           </a:p>
@@ -5250,7 +5251,7 @@
             <a:fld id="{1553C2C0-8EB7-45A2-BD78-85B06E844851}" type="datetime1">
               <a:rPr lang="en-US"/>
               <a:pPr/>
-              <a:t>11/29/2011</a:t>
+              <a:t>11/30/2011</a:t>
             </a:fld>
             <a:endParaRPr lang="en-US"/>
           </a:p>
@@ -5553,7 +5554,7 @@
             <a:fld id="{48084496-27D4-46DF-A34B-C191FE530B09}" type="datetime1">
               <a:rPr lang="en-US"/>
               <a:pPr/>
-              <a:t>11/29/2011</a:t>
+              <a:t>11/30/2011</a:t>
             </a:fld>
             <a:endParaRPr lang="en-US"/>
           </a:p>
@@ -5833,7 +5834,7 @@
             <a:fld id="{DFD3CAE7-299B-4EB0-8A44-D3A7371EA6BC}" type="datetime1">
               <a:rPr lang="en-US"/>
               <a:pPr/>
-              <a:t>11/29/2011</a:t>
+              <a:t>11/30/2011</a:t>
             </a:fld>
             <a:endParaRPr lang="en-US"/>
           </a:p>
@@ -6126,7 +6127,7 @@
             <a:fld id="{3CF3EC0B-A545-4EF2-BA77-EC7DF0406A33}" type="datetime1">
               <a:rPr lang="en-US"/>
               <a:pPr/>
-              <a:t>11/29/2011</a:t>
+              <a:t>11/30/2011</a:t>
             </a:fld>
             <a:endParaRPr lang="en-US"/>
           </a:p>
@@ -7305,425 +7306,1134 @@
           </a:p>
         </p:txBody>
       </p:sp>
-      <p:sp>
-        <p:nvSpPr>
-          <p:cNvPr id="7" name="Rectangle 3"/>
-          <p:cNvSpPr txBox="1">
-            <a:spLocks noChangeArrowheads="1"/>
-          </p:cNvSpPr>
-          <p:nvPr/>
-        </p:nvSpPr>
-        <p:spPr bwMode="auto">
-          <a:xfrm>
-            <a:off x="304800" y="1219200"/>
-            <a:ext cx="8763000" cy="4953000"/>
-          </a:xfrm>
-          <a:prstGeom prst="rect">
-            <a:avLst/>
-          </a:prstGeom>
-          <a:noFill/>
-          <a:ln>
-            <a:noFill/>
-          </a:ln>
-          <a:extLst>
-            <a:ext uri="{909E8E84-426E-40DD-AFC4-6F175D3DCCD1}">
-              <a14:hiddenFill xmlns:a14="http://schemas.microsoft.com/office/drawing/2010/main">
-                <a:solidFill>
-                  <a:srgbClr val="FFFFFF"/>
-                </a:solidFill>
-              </a14:hiddenFill>
-            </a:ext>
-            <a:ext uri="{91240B29-F687-4F45-9708-019B960494DF}">
-              <a14:hiddenLine xmlns:a14="http://schemas.microsoft.com/office/drawing/2010/main" w="9525">
-                <a:solidFill>
-                  <a:srgbClr val="000000"/>
-                </a:solidFill>
-                <a:miter lim="800000"/>
-                <a:headEnd/>
-                <a:tailEnd/>
-              </a14:hiddenLine>
-            </a:ext>
-          </a:extLst>
-        </p:spPr>
-        <p:txBody>
-          <a:bodyPr vert="horz" wrap="square" lIns="91440" tIns="45720" rIns="91440" bIns="45720" numCol="1" anchor="t" anchorCtr="0" compatLnSpc="1">
-            <a:prstTxWarp prst="textNoShape">
-              <a:avLst/>
-            </a:prstTxWarp>
-          </a:bodyPr>
-          <a:lstStyle>
-            <a:lvl1pPr marL="342900" indent="-342900" algn="l" rtl="0" eaLnBrk="0" fontAlgn="base" hangingPunct="0">
-              <a:spcBef>
-                <a:spcPct val="20000"/>
-              </a:spcBef>
-              <a:spcAft>
-                <a:spcPct val="0"/>
-              </a:spcAft>
-              <a:buClr>
-                <a:schemeClr val="accent1"/>
-              </a:buClr>
-              <a:buSzPct val="65000"/>
-              <a:buFont typeface="Wingdings" pitchFamily="-106" charset="2"/>
-              <a:buChar char="n"/>
-              <a:defRPr sz="3000">
-                <a:solidFill>
-                  <a:schemeClr val="tx1"/>
-                </a:solidFill>
-                <a:latin typeface="+mn-lt"/>
-                <a:ea typeface="ＭＳ Ｐゴシック" pitchFamily="-106" charset="-128"/>
-                <a:cs typeface="+mn-cs"/>
-              </a:defRPr>
-            </a:lvl1pPr>
-            <a:lvl2pPr marL="669925" indent="-325438" algn="l" rtl="0" eaLnBrk="0" fontAlgn="base" hangingPunct="0">
-              <a:spcBef>
-                <a:spcPct val="20000"/>
-              </a:spcBef>
-              <a:spcAft>
-                <a:spcPct val="0"/>
-              </a:spcAft>
-              <a:buClr>
-                <a:schemeClr val="accent2"/>
-              </a:buClr>
-              <a:buSzPct val="60000"/>
-              <a:buFont typeface="Wingdings" pitchFamily="-106" charset="2"/>
-              <a:buChar char="q"/>
-              <a:defRPr sz="2600">
-                <a:solidFill>
-                  <a:schemeClr val="tx1"/>
-                </a:solidFill>
-                <a:latin typeface="+mn-lt"/>
-                <a:ea typeface="ＭＳ Ｐゴシック" pitchFamily="-106" charset="-128"/>
-              </a:defRPr>
-            </a:lvl2pPr>
-            <a:lvl3pPr marL="1022350" indent="-350838" algn="l" rtl="0" eaLnBrk="0" fontAlgn="base" hangingPunct="0">
-              <a:spcBef>
-                <a:spcPct val="20000"/>
-              </a:spcBef>
-              <a:spcAft>
-                <a:spcPct val="0"/>
-              </a:spcAft>
-              <a:buClr>
-                <a:schemeClr val="accent1"/>
-              </a:buClr>
-              <a:buSzPct val="65000"/>
-              <a:buFont typeface="Wingdings" pitchFamily="-106" charset="2"/>
-              <a:buChar char="n"/>
-              <a:defRPr sz="2200">
-                <a:solidFill>
-                  <a:schemeClr val="tx1"/>
-                </a:solidFill>
-                <a:latin typeface="+mn-lt"/>
-                <a:ea typeface="ＭＳ Ｐゴシック" pitchFamily="-106" charset="-128"/>
-              </a:defRPr>
-            </a:lvl3pPr>
-            <a:lvl4pPr marL="1339850" indent="-315913" algn="l" rtl="0" eaLnBrk="0" fontAlgn="base" hangingPunct="0">
-              <a:spcBef>
-                <a:spcPct val="20000"/>
-              </a:spcBef>
-              <a:spcAft>
-                <a:spcPct val="0"/>
-              </a:spcAft>
-              <a:buClr>
-                <a:schemeClr val="accent2"/>
-              </a:buClr>
-              <a:buSzPct val="70000"/>
-              <a:buFont typeface="Wingdings" pitchFamily="-106" charset="2"/>
-              <a:buChar char="q"/>
-              <a:defRPr sz="2000">
-                <a:solidFill>
-                  <a:schemeClr val="tx1"/>
-                </a:solidFill>
-                <a:latin typeface="+mn-lt"/>
-                <a:ea typeface="ＭＳ Ｐゴシック" pitchFamily="-106" charset="-128"/>
-              </a:defRPr>
-            </a:lvl4pPr>
-            <a:lvl5pPr marL="1681163" indent="-339725" algn="l" rtl="0" eaLnBrk="0" fontAlgn="base" hangingPunct="0">
-              <a:spcBef>
-                <a:spcPct val="20000"/>
-              </a:spcBef>
-              <a:spcAft>
-                <a:spcPct val="0"/>
-              </a:spcAft>
-              <a:buClr>
-                <a:schemeClr val="accent1"/>
-              </a:buClr>
-              <a:buSzPct val="75000"/>
-              <a:buFont typeface="Wingdings" pitchFamily="-106" charset="2"/>
-              <a:buChar char="§"/>
-              <a:defRPr sz="2000">
-                <a:solidFill>
-                  <a:schemeClr val="tx1"/>
-                </a:solidFill>
-                <a:latin typeface="+mn-lt"/>
-                <a:ea typeface="ＭＳ Ｐゴシック" pitchFamily="-106" charset="-128"/>
-              </a:defRPr>
-            </a:lvl5pPr>
-            <a:lvl6pPr marL="2138363" indent="-339725" algn="l" rtl="0" fontAlgn="base">
-              <a:spcBef>
-                <a:spcPct val="20000"/>
-              </a:spcBef>
-              <a:spcAft>
-                <a:spcPct val="0"/>
-              </a:spcAft>
-              <a:buClr>
-                <a:schemeClr val="accent1"/>
-              </a:buClr>
-              <a:buSzPct val="75000"/>
-              <a:buFont typeface="Wingdings" pitchFamily="2" charset="2"/>
-              <a:buChar char="§"/>
-              <a:defRPr sz="2000">
-                <a:solidFill>
-                  <a:schemeClr val="tx1"/>
-                </a:solidFill>
-                <a:latin typeface="+mn-lt"/>
-              </a:defRPr>
-            </a:lvl6pPr>
-            <a:lvl7pPr marL="2595563" indent="-339725" algn="l" rtl="0" fontAlgn="base">
-              <a:spcBef>
-                <a:spcPct val="20000"/>
-              </a:spcBef>
-              <a:spcAft>
-                <a:spcPct val="0"/>
-              </a:spcAft>
-              <a:buClr>
-                <a:schemeClr val="accent1"/>
-              </a:buClr>
-              <a:buSzPct val="75000"/>
-              <a:buFont typeface="Wingdings" pitchFamily="2" charset="2"/>
-              <a:buChar char="§"/>
-              <a:defRPr sz="2000">
-                <a:solidFill>
-                  <a:schemeClr val="tx1"/>
-                </a:solidFill>
-                <a:latin typeface="+mn-lt"/>
-              </a:defRPr>
-            </a:lvl7pPr>
-            <a:lvl8pPr marL="3052763" indent="-339725" algn="l" rtl="0" fontAlgn="base">
-              <a:spcBef>
-                <a:spcPct val="20000"/>
-              </a:spcBef>
-              <a:spcAft>
-                <a:spcPct val="0"/>
-              </a:spcAft>
-              <a:buClr>
-                <a:schemeClr val="accent1"/>
-              </a:buClr>
-              <a:buSzPct val="75000"/>
-              <a:buFont typeface="Wingdings" pitchFamily="2" charset="2"/>
-              <a:buChar char="§"/>
-              <a:defRPr sz="2000">
-                <a:solidFill>
-                  <a:schemeClr val="tx1"/>
-                </a:solidFill>
-                <a:latin typeface="+mn-lt"/>
-              </a:defRPr>
-            </a:lvl8pPr>
-            <a:lvl9pPr marL="3509963" indent="-339725" algn="l" rtl="0" fontAlgn="base">
-              <a:spcBef>
-                <a:spcPct val="20000"/>
-              </a:spcBef>
-              <a:spcAft>
-                <a:spcPct val="0"/>
-              </a:spcAft>
-              <a:buClr>
-                <a:schemeClr val="accent1"/>
-              </a:buClr>
-              <a:buSzPct val="75000"/>
-              <a:buFont typeface="Wingdings" pitchFamily="2" charset="2"/>
-              <a:buChar char="§"/>
-              <a:defRPr sz="2000">
-                <a:solidFill>
-                  <a:schemeClr val="tx1"/>
-                </a:solidFill>
-                <a:latin typeface="+mn-lt"/>
-              </a:defRPr>
-            </a:lvl9pPr>
-          </a:lstStyle>
-          <a:p>
-            <a:pPr>
-              <a:spcBef>
-                <a:spcPts val="600"/>
-              </a:spcBef>
-              <a:spcAft>
-                <a:spcPts val="600"/>
-              </a:spcAft>
-            </a:pPr>
-            <a:r>
-              <a:rPr lang="en-US" sz="2600" dirty="0" smtClean="0">
-                <a:latin typeface="Arial" charset="0"/>
-              </a:rPr>
-              <a:t>For </a:t>
-            </a:r>
-            <a:r>
-              <a:rPr lang="en-US" sz="2600" dirty="0">
-                <a:latin typeface="Arial" charset="0"/>
-              </a:rPr>
-              <a:t>many real-world problems, the committee is infinite. </a:t>
-            </a:r>
-            <a:endParaRPr lang="en-US" sz="2600" dirty="0" smtClean="0">
-              <a:latin typeface="Arial" charset="0"/>
-            </a:endParaRPr>
-          </a:p>
-          <a:p>
-            <a:pPr>
-              <a:spcBef>
-                <a:spcPts val="600"/>
-              </a:spcBef>
-              <a:spcAft>
-                <a:spcPts val="600"/>
-              </a:spcAft>
-            </a:pPr>
-            <a:r>
-              <a:rPr lang="en-US" sz="2600" dirty="0" smtClean="0">
-                <a:latin typeface="Arial" charset="0"/>
-              </a:rPr>
-              <a:t>The </a:t>
-            </a:r>
-            <a:r>
-              <a:rPr lang="en-US" sz="2600" dirty="0">
-                <a:latin typeface="Arial" charset="0"/>
-              </a:rPr>
-              <a:t>main obstacle in implementing QBC is </a:t>
-            </a:r>
-            <a:r>
-              <a:rPr lang="en-US" sz="2600" dirty="0" smtClean="0">
-                <a:latin typeface="Arial" charset="0"/>
-              </a:rPr>
-              <a:t>to </a:t>
-            </a:r>
-            <a:r>
-              <a:rPr lang="en-US" sz="2600" dirty="0">
-                <a:latin typeface="Arial" charset="0"/>
-              </a:rPr>
-              <a:t>sample from the version space </a:t>
-            </a:r>
-            <a:r>
-              <a:rPr lang="en-US" sz="2600" dirty="0" smtClean="0">
-                <a:latin typeface="Arial" charset="0"/>
-              </a:rPr>
-              <a:t>(Step </a:t>
-            </a:r>
-            <a:r>
-              <a:rPr lang="en-US" sz="2600" dirty="0">
-                <a:latin typeface="Arial" charset="0"/>
-              </a:rPr>
-              <a:t>2</a:t>
-            </a:r>
-            <a:r>
-              <a:rPr lang="en-US" sz="2600" dirty="0" smtClean="0">
-                <a:latin typeface="Arial" charset="0"/>
-              </a:rPr>
-              <a:t>). It </a:t>
-            </a:r>
-            <a:r>
-              <a:rPr lang="en-US" sz="2600" dirty="0">
-                <a:latin typeface="Arial" charset="0"/>
-              </a:rPr>
-              <a:t>is hard to do this with reasonable computational complexity </a:t>
-            </a:r>
-            <a:r>
-              <a:rPr lang="en-US" sz="2600" dirty="0" smtClean="0">
-                <a:latin typeface="Arial" charset="0"/>
-              </a:rPr>
-              <a:t>when d is very large [Ran 2005].</a:t>
-            </a:r>
-          </a:p>
-          <a:p>
-            <a:pPr>
-              <a:spcBef>
-                <a:spcPts val="600"/>
-              </a:spcBef>
-              <a:spcAft>
-                <a:spcPts val="600"/>
-              </a:spcAft>
-            </a:pPr>
-            <a:r>
-              <a:rPr lang="en-US" sz="2600" dirty="0" smtClean="0">
-                <a:latin typeface="Arial" charset="0"/>
-              </a:rPr>
-              <a:t>QBC is very sensitive for noisy data sets. </a:t>
-            </a:r>
-          </a:p>
-          <a:p>
-            <a:pPr>
-              <a:spcBef>
-                <a:spcPts val="600"/>
-              </a:spcBef>
-              <a:spcAft>
-                <a:spcPts val="600"/>
-              </a:spcAft>
-            </a:pPr>
-            <a:r>
-              <a:rPr lang="en-US" altLang="zh-TW" sz="2600" dirty="0" smtClean="0">
-                <a:latin typeface="Arial" charset="0"/>
-                <a:ea typeface="新細明體" pitchFamily="-106" charset="-120"/>
-              </a:rPr>
-              <a:t>We implement original QBC for low dimension data and Active-majority QBC [</a:t>
-            </a:r>
-            <a:r>
-              <a:rPr lang="en-US" sz="2600" dirty="0" err="1" smtClean="0"/>
-              <a:t>Liere</a:t>
-            </a:r>
-            <a:r>
-              <a:rPr lang="en-US" sz="2600" dirty="0" smtClean="0"/>
-              <a:t> 97</a:t>
-            </a:r>
-            <a:r>
-              <a:rPr lang="en-US" altLang="zh-TW" sz="2600" dirty="0" smtClean="0">
-                <a:latin typeface="Arial" charset="0"/>
-                <a:ea typeface="新細明體" pitchFamily="-106" charset="-120"/>
-              </a:rPr>
-              <a:t>] for high dimension data</a:t>
-            </a:r>
-            <a:r>
-              <a:rPr lang="en-US" altLang="zh-TW" sz="2600" dirty="0" smtClean="0">
-                <a:latin typeface="Arial" charset="0"/>
-                <a:ea typeface="新細明體" pitchFamily="-106" charset="-120"/>
-              </a:rPr>
-              <a:t>.</a:t>
-            </a:r>
-          </a:p>
-          <a:p>
-            <a:pPr lvl="1">
-              <a:spcBef>
-                <a:spcPts val="600"/>
-              </a:spcBef>
-              <a:spcAft>
-                <a:spcPts val="600"/>
-              </a:spcAft>
-            </a:pPr>
-            <a:r>
-              <a:rPr lang="en-US" altLang="zh-TW" sz="2200" dirty="0" smtClean="0">
-                <a:latin typeface="Arial" charset="0"/>
-                <a:ea typeface="新細明體" pitchFamily="-106" charset="-120"/>
-              </a:rPr>
-              <a:t>Use Winnow algorithm to maintain a finite committee</a:t>
-            </a:r>
-            <a:endParaRPr lang="en-US" altLang="zh-TW" sz="2200" dirty="0">
-              <a:ea typeface="新細明體" pitchFamily="-106" charset="-120"/>
-            </a:endParaRPr>
-          </a:p>
-          <a:p>
-            <a:pPr marL="344487" lvl="1" indent="0" eaLnBrk="1" hangingPunct="1">
-              <a:lnSpc>
-                <a:spcPct val="90000"/>
-              </a:lnSpc>
-              <a:buNone/>
-            </a:pPr>
-            <a:r>
-              <a:rPr lang="en-US" sz="2400" dirty="0" smtClean="0"/>
-              <a:t>     </a:t>
-            </a:r>
-            <a:endParaRPr lang="en-US" altLang="zh-TW" dirty="0" smtClean="0">
-              <a:ea typeface="新細明體" pitchFamily="-106" charset="-120"/>
-            </a:endParaRPr>
-          </a:p>
-        </p:txBody>
-      </p:sp>
+      <mc:AlternateContent xmlns:mc="http://schemas.openxmlformats.org/markup-compatibility/2006" xmlns:a14="http://schemas.microsoft.com/office/drawing/2010/main">
+        <mc:Choice Requires="a14">
+          <p:sp>
+            <p:nvSpPr>
+              <p:cNvPr id="7" name="Rectangle 3"/>
+              <p:cNvSpPr txBox="1">
+                <a:spLocks noChangeArrowheads="1"/>
+              </p:cNvSpPr>
+              <p:nvPr/>
+            </p:nvSpPr>
+            <p:spPr bwMode="auto">
+              <a:xfrm>
+                <a:off x="381000" y="1219200"/>
+                <a:ext cx="8534400" cy="5105400"/>
+              </a:xfrm>
+              <a:prstGeom prst="rect">
+                <a:avLst/>
+              </a:prstGeom>
+              <a:noFill/>
+              <a:ln>
+                <a:noFill/>
+              </a:ln>
+              <a:extLst>
+                <a:ext uri="{909E8E84-426E-40DD-AFC4-6F175D3DCCD1}">
+                  <a14:hiddenFill>
+                    <a:solidFill>
+                      <a:srgbClr val="FFFFFF"/>
+                    </a:solidFill>
+                  </a14:hiddenFill>
+                </a:ext>
+                <a:ext uri="{91240B29-F687-4F45-9708-019B960494DF}">
+                  <a14:hiddenLine w="9525">
+                    <a:solidFill>
+                      <a:srgbClr val="000000"/>
+                    </a:solidFill>
+                    <a:miter lim="800000"/>
+                    <a:headEnd/>
+                    <a:tailEnd/>
+                  </a14:hiddenLine>
+                </a:ext>
+              </a:extLst>
+            </p:spPr>
+            <p:txBody>
+              <a:bodyPr vert="horz" wrap="square" lIns="91440" tIns="45720" rIns="91440" bIns="45720" numCol="1" anchor="t" anchorCtr="0" compatLnSpc="1">
+                <a:prstTxWarp prst="textNoShape">
+                  <a:avLst/>
+                </a:prstTxWarp>
+              </a:bodyPr>
+              <a:lstStyle>
+                <a:lvl1pPr marL="342900" indent="-342900" algn="l" rtl="0" eaLnBrk="0" fontAlgn="base" hangingPunct="0">
+                  <a:spcBef>
+                    <a:spcPct val="20000"/>
+                  </a:spcBef>
+                  <a:spcAft>
+                    <a:spcPct val="0"/>
+                  </a:spcAft>
+                  <a:buClr>
+                    <a:schemeClr val="accent1"/>
+                  </a:buClr>
+                  <a:buSzPct val="65000"/>
+                  <a:buFont typeface="Wingdings" pitchFamily="-106" charset="2"/>
+                  <a:buChar char="n"/>
+                  <a:defRPr sz="3000">
+                    <a:solidFill>
+                      <a:schemeClr val="tx1"/>
+                    </a:solidFill>
+                    <a:latin typeface="+mn-lt"/>
+                    <a:ea typeface="ＭＳ Ｐゴシック" pitchFamily="-106" charset="-128"/>
+                    <a:cs typeface="+mn-cs"/>
+                  </a:defRPr>
+                </a:lvl1pPr>
+                <a:lvl2pPr marL="669925" indent="-325438" algn="l" rtl="0" eaLnBrk="0" fontAlgn="base" hangingPunct="0">
+                  <a:spcBef>
+                    <a:spcPct val="20000"/>
+                  </a:spcBef>
+                  <a:spcAft>
+                    <a:spcPct val="0"/>
+                  </a:spcAft>
+                  <a:buClr>
+                    <a:schemeClr val="accent2"/>
+                  </a:buClr>
+                  <a:buSzPct val="60000"/>
+                  <a:buFont typeface="Wingdings" pitchFamily="-106" charset="2"/>
+                  <a:buChar char="q"/>
+                  <a:defRPr sz="2600">
+                    <a:solidFill>
+                      <a:schemeClr val="tx1"/>
+                    </a:solidFill>
+                    <a:latin typeface="+mn-lt"/>
+                    <a:ea typeface="ＭＳ Ｐゴシック" pitchFamily="-106" charset="-128"/>
+                  </a:defRPr>
+                </a:lvl2pPr>
+                <a:lvl3pPr marL="1022350" indent="-350838" algn="l" rtl="0" eaLnBrk="0" fontAlgn="base" hangingPunct="0">
+                  <a:spcBef>
+                    <a:spcPct val="20000"/>
+                  </a:spcBef>
+                  <a:spcAft>
+                    <a:spcPct val="0"/>
+                  </a:spcAft>
+                  <a:buClr>
+                    <a:schemeClr val="accent1"/>
+                  </a:buClr>
+                  <a:buSzPct val="65000"/>
+                  <a:buFont typeface="Wingdings" pitchFamily="-106" charset="2"/>
+                  <a:buChar char="n"/>
+                  <a:defRPr sz="2200">
+                    <a:solidFill>
+                      <a:schemeClr val="tx1"/>
+                    </a:solidFill>
+                    <a:latin typeface="+mn-lt"/>
+                    <a:ea typeface="ＭＳ Ｐゴシック" pitchFamily="-106" charset="-128"/>
+                  </a:defRPr>
+                </a:lvl3pPr>
+                <a:lvl4pPr marL="1339850" indent="-315913" algn="l" rtl="0" eaLnBrk="0" fontAlgn="base" hangingPunct="0">
+                  <a:spcBef>
+                    <a:spcPct val="20000"/>
+                  </a:spcBef>
+                  <a:spcAft>
+                    <a:spcPct val="0"/>
+                  </a:spcAft>
+                  <a:buClr>
+                    <a:schemeClr val="accent2"/>
+                  </a:buClr>
+                  <a:buSzPct val="70000"/>
+                  <a:buFont typeface="Wingdings" pitchFamily="-106" charset="2"/>
+                  <a:buChar char="q"/>
+                  <a:defRPr sz="2000">
+                    <a:solidFill>
+                      <a:schemeClr val="tx1"/>
+                    </a:solidFill>
+                    <a:latin typeface="+mn-lt"/>
+                    <a:ea typeface="ＭＳ Ｐゴシック" pitchFamily="-106" charset="-128"/>
+                  </a:defRPr>
+                </a:lvl4pPr>
+                <a:lvl5pPr marL="1681163" indent="-339725" algn="l" rtl="0" eaLnBrk="0" fontAlgn="base" hangingPunct="0">
+                  <a:spcBef>
+                    <a:spcPct val="20000"/>
+                  </a:spcBef>
+                  <a:spcAft>
+                    <a:spcPct val="0"/>
+                  </a:spcAft>
+                  <a:buClr>
+                    <a:schemeClr val="accent1"/>
+                  </a:buClr>
+                  <a:buSzPct val="75000"/>
+                  <a:buFont typeface="Wingdings" pitchFamily="-106" charset="2"/>
+                  <a:buChar char="§"/>
+                  <a:defRPr sz="2000">
+                    <a:solidFill>
+                      <a:schemeClr val="tx1"/>
+                    </a:solidFill>
+                    <a:latin typeface="+mn-lt"/>
+                    <a:ea typeface="ＭＳ Ｐゴシック" pitchFamily="-106" charset="-128"/>
+                  </a:defRPr>
+                </a:lvl5pPr>
+                <a:lvl6pPr marL="2138363" indent="-339725" algn="l" rtl="0" fontAlgn="base">
+                  <a:spcBef>
+                    <a:spcPct val="20000"/>
+                  </a:spcBef>
+                  <a:spcAft>
+                    <a:spcPct val="0"/>
+                  </a:spcAft>
+                  <a:buClr>
+                    <a:schemeClr val="accent1"/>
+                  </a:buClr>
+                  <a:buSzPct val="75000"/>
+                  <a:buFont typeface="Wingdings" pitchFamily="2" charset="2"/>
+                  <a:buChar char="§"/>
+                  <a:defRPr sz="2000">
+                    <a:solidFill>
+                      <a:schemeClr val="tx1"/>
+                    </a:solidFill>
+                    <a:latin typeface="+mn-lt"/>
+                  </a:defRPr>
+                </a:lvl6pPr>
+                <a:lvl7pPr marL="2595563" indent="-339725" algn="l" rtl="0" fontAlgn="base">
+                  <a:spcBef>
+                    <a:spcPct val="20000"/>
+                  </a:spcBef>
+                  <a:spcAft>
+                    <a:spcPct val="0"/>
+                  </a:spcAft>
+                  <a:buClr>
+                    <a:schemeClr val="accent1"/>
+                  </a:buClr>
+                  <a:buSzPct val="75000"/>
+                  <a:buFont typeface="Wingdings" pitchFamily="2" charset="2"/>
+                  <a:buChar char="§"/>
+                  <a:defRPr sz="2000">
+                    <a:solidFill>
+                      <a:schemeClr val="tx1"/>
+                    </a:solidFill>
+                    <a:latin typeface="+mn-lt"/>
+                  </a:defRPr>
+                </a:lvl7pPr>
+                <a:lvl8pPr marL="3052763" indent="-339725" algn="l" rtl="0" fontAlgn="base">
+                  <a:spcBef>
+                    <a:spcPct val="20000"/>
+                  </a:spcBef>
+                  <a:spcAft>
+                    <a:spcPct val="0"/>
+                  </a:spcAft>
+                  <a:buClr>
+                    <a:schemeClr val="accent1"/>
+                  </a:buClr>
+                  <a:buSzPct val="75000"/>
+                  <a:buFont typeface="Wingdings" pitchFamily="2" charset="2"/>
+                  <a:buChar char="§"/>
+                  <a:defRPr sz="2000">
+                    <a:solidFill>
+                      <a:schemeClr val="tx1"/>
+                    </a:solidFill>
+                    <a:latin typeface="+mn-lt"/>
+                  </a:defRPr>
+                </a:lvl8pPr>
+                <a:lvl9pPr marL="3509963" indent="-339725" algn="l" rtl="0" fontAlgn="base">
+                  <a:spcBef>
+                    <a:spcPct val="20000"/>
+                  </a:spcBef>
+                  <a:spcAft>
+                    <a:spcPct val="0"/>
+                  </a:spcAft>
+                  <a:buClr>
+                    <a:schemeClr val="accent1"/>
+                  </a:buClr>
+                  <a:buSzPct val="75000"/>
+                  <a:buFont typeface="Wingdings" pitchFamily="2" charset="2"/>
+                  <a:buChar char="§"/>
+                  <a:defRPr sz="2000">
+                    <a:solidFill>
+                      <a:schemeClr val="tx1"/>
+                    </a:solidFill>
+                    <a:latin typeface="+mn-lt"/>
+                  </a:defRPr>
+                </a:lvl9pPr>
+              </a:lstStyle>
+              <a:p>
+                <a:pPr eaLnBrk="1" hangingPunct="1">
+                  <a:spcBef>
+                    <a:spcPts val="0"/>
+                  </a:spcBef>
+                </a:pPr>
+                <a:r>
+                  <a:rPr lang="en-US" altLang="zh-TW" sz="2400" i="1" u="sng" dirty="0" smtClean="0">
+                    <a:ea typeface="新細明體" pitchFamily="-106" charset="-120"/>
+                  </a:rPr>
+                  <a:t>Theorem</a:t>
+                </a:r>
+                <a:r>
+                  <a:rPr lang="en-US" altLang="zh-TW" sz="2400" dirty="0" smtClean="0">
+                    <a:ea typeface="新細明體" pitchFamily="-106" charset="-120"/>
+                  </a:rPr>
+                  <a:t> </a:t>
+                </a:r>
+                <a:br>
+                  <a:rPr lang="en-US" altLang="zh-TW" sz="2400" dirty="0" smtClean="0">
+                    <a:ea typeface="新細明體" pitchFamily="-106" charset="-120"/>
+                  </a:rPr>
+                </a:br>
+                <a:r>
+                  <a:rPr lang="en-US" altLang="zh-TW" sz="2400" dirty="0" smtClean="0">
+                    <a:ea typeface="新細明體" pitchFamily="-106" charset="-120"/>
+                  </a:rPr>
+                  <a:t>If a concept class </a:t>
+                </a:r>
+                <a14:m>
+                  <m:oMath xmlns:m="http://schemas.openxmlformats.org/officeDocument/2006/math">
+                    <m:r>
+                      <a:rPr lang="en-US" altLang="zh-TW" sz="2400" b="0" i="1" smtClean="0">
+                        <a:latin typeface="Cambria Math"/>
+                        <a:ea typeface="新細明體" pitchFamily="-106" charset="-120"/>
+                      </a:rPr>
+                      <m:t>𝐶</m:t>
+                    </m:r>
+                  </m:oMath>
+                </a14:m>
+                <a:r>
+                  <a:rPr lang="en-US" altLang="zh-TW" sz="2400" dirty="0" smtClean="0">
+                    <a:ea typeface="新細明體" pitchFamily="-106" charset="-120"/>
+                  </a:rPr>
+                  <a:t> has VC-dimension </a:t>
+                </a:r>
+                <a14:m>
+                  <m:oMath xmlns:m="http://schemas.openxmlformats.org/officeDocument/2006/math">
+                    <m:r>
+                      <a:rPr lang="en-US" altLang="zh-TW" sz="2000" b="0" i="1" smtClean="0">
+                        <a:latin typeface="Cambria Math"/>
+                        <a:ea typeface="新細明體" pitchFamily="-106" charset="-120"/>
+                      </a:rPr>
+                      <m:t>0&lt;</m:t>
+                    </m:r>
+                    <m:r>
+                      <a:rPr lang="en-US" altLang="zh-TW" sz="2000" b="0" i="1" smtClean="0">
+                        <a:latin typeface="Cambria Math"/>
+                        <a:ea typeface="新細明體" pitchFamily="-106" charset="-120"/>
+                      </a:rPr>
+                      <m:t>𝑑</m:t>
+                    </m:r>
+                    <m:r>
+                      <a:rPr lang="en-US" altLang="zh-TW" sz="2000" b="0" i="1" smtClean="0">
+                        <a:latin typeface="Cambria Math"/>
+                        <a:ea typeface="新細明體" pitchFamily="-106" charset="-120"/>
+                      </a:rPr>
+                      <m:t>&lt; ∞</m:t>
+                    </m:r>
+                  </m:oMath>
+                </a14:m>
+                <a:r>
+                  <a:rPr lang="en-US" altLang="zh-TW" sz="2400" dirty="0" smtClean="0">
+                    <a:ea typeface="新細明體" pitchFamily="-106" charset="-120"/>
+                  </a:rPr>
+                  <a:t> and the expected information gain of queries made by QBC is uniformly lower bounded by </a:t>
+                </a:r>
+                <a14:m>
+                  <m:oMath xmlns:m="http://schemas.openxmlformats.org/officeDocument/2006/math">
+                    <m:r>
+                      <a:rPr lang="en-US" altLang="zh-TW" sz="2000" b="0" i="1" smtClean="0">
+                        <a:latin typeface="Cambria Math"/>
+                        <a:ea typeface="新細明體" pitchFamily="-106" charset="-120"/>
+                      </a:rPr>
+                      <m:t>𝑔</m:t>
+                    </m:r>
+                    <m:r>
+                      <a:rPr lang="en-US" altLang="zh-TW" sz="2000" b="0" i="1" smtClean="0">
+                        <a:latin typeface="Cambria Math"/>
+                        <a:ea typeface="新細明體" pitchFamily="-106" charset="-120"/>
+                      </a:rPr>
+                      <m:t>&gt;0</m:t>
+                    </m:r>
+                  </m:oMath>
+                </a14:m>
+                <a:r>
+                  <a:rPr lang="en-US" altLang="zh-TW" sz="2400" dirty="0" smtClean="0">
+                    <a:ea typeface="新細明體" pitchFamily="-106" charset="-120"/>
+                  </a:rPr>
+                  <a:t>, then following holds with probability larger than </a:t>
+                </a:r>
+                <a14:m>
+                  <m:oMath xmlns:m="http://schemas.openxmlformats.org/officeDocument/2006/math">
+                    <m:r>
+                      <a:rPr lang="en-US" altLang="zh-TW" sz="2000" b="0" i="1" smtClean="0">
+                        <a:latin typeface="Cambria Math"/>
+                        <a:ea typeface="新細明體" pitchFamily="-106" charset="-120"/>
+                      </a:rPr>
+                      <m:t>1 − </m:t>
+                    </m:r>
+                    <m:r>
+                      <a:rPr lang="zh-TW" altLang="en-US" sz="2000" b="0" i="1" smtClean="0">
+                        <a:latin typeface="Cambria Math"/>
+                        <a:ea typeface="新細明體" pitchFamily="-106" charset="-120"/>
+                      </a:rPr>
+                      <m:t>𝛿</m:t>
+                    </m:r>
+                    <m:r>
+                      <a:rPr lang="en-US" altLang="zh-TW" sz="2000" b="0" i="0" smtClean="0">
+                        <a:latin typeface="Cambria Math"/>
+                        <a:ea typeface="新細明體" pitchFamily="-106" charset="-120"/>
+                      </a:rPr>
+                      <m:t>,</m:t>
+                    </m:r>
+                  </m:oMath>
+                </a14:m>
+                <a:endParaRPr lang="en-US" altLang="zh-TW" sz="2000" b="0" dirty="0" smtClean="0">
+                  <a:ea typeface="新細明體" pitchFamily="-106" charset="-120"/>
+                </a:endParaRPr>
+              </a:p>
+              <a:p>
+                <a:pPr lvl="1" eaLnBrk="1" hangingPunct="1">
+                  <a:lnSpc>
+                    <a:spcPct val="150000"/>
+                  </a:lnSpc>
+                  <a:spcBef>
+                    <a:spcPts val="600"/>
+                  </a:spcBef>
+                </a:pPr>
+                <a:r>
+                  <a:rPr lang="en-US" altLang="zh-TW" sz="2000" dirty="0" smtClean="0">
+                    <a:ea typeface="新細明體" pitchFamily="-106" charset="-120"/>
+                  </a:rPr>
+                  <a:t>The number of calls to sample is smaller than </a:t>
+                </a:r>
+              </a:p>
+              <a:p>
+                <a:pPr marL="344487" lvl="1" indent="0" eaLnBrk="1" hangingPunct="1">
+                  <a:spcBef>
+                    <a:spcPts val="0"/>
+                  </a:spcBef>
+                  <a:buNone/>
+                </a:pPr>
+                <a:r>
+                  <a:rPr lang="en-US" altLang="zh-TW" sz="2000" dirty="0">
+                    <a:ea typeface="新細明體" pitchFamily="-106" charset="-120"/>
+                  </a:rPr>
+                  <a:t> </a:t>
+                </a:r>
+                <a:r>
+                  <a:rPr lang="en-US" altLang="zh-TW" sz="2000" dirty="0" smtClean="0">
+                    <a:ea typeface="新細明體" pitchFamily="-106" charset="-120"/>
+                  </a:rPr>
+                  <a:t>    </a:t>
+                </a:r>
+                <a14:m>
+                  <m:oMath xmlns:m="http://schemas.openxmlformats.org/officeDocument/2006/math">
+                    <m:sSub>
+                      <m:sSubPr>
+                        <m:ctrlPr>
+                          <a:rPr lang="en-US" altLang="zh-TW" sz="2000" i="1" smtClean="0">
+                            <a:latin typeface="Cambria Math"/>
+                            <a:ea typeface="新細明體" pitchFamily="-106" charset="-120"/>
+                          </a:rPr>
+                        </m:ctrlPr>
+                      </m:sSubPr>
+                      <m:e>
+                        <m:r>
+                          <a:rPr lang="en-US" altLang="zh-TW" sz="2000" b="0" i="1" smtClean="0">
+                            <a:latin typeface="Cambria Math"/>
+                            <a:ea typeface="新細明體" pitchFamily="-106" charset="-120"/>
+                          </a:rPr>
+                          <m:t>𝑚</m:t>
+                        </m:r>
+                      </m:e>
+                      <m:sub>
+                        <m:r>
+                          <a:rPr lang="en-US" altLang="zh-TW" sz="2000" b="0" i="1" smtClean="0">
+                            <a:latin typeface="Cambria Math"/>
+                            <a:ea typeface="新細明體" pitchFamily="-106" charset="-120"/>
+                          </a:rPr>
+                          <m:t>0</m:t>
+                        </m:r>
+                      </m:sub>
+                    </m:sSub>
+                    <m:r>
+                      <a:rPr lang="en-US" altLang="zh-TW" sz="2000" b="0" i="1" smtClean="0">
+                        <a:latin typeface="Cambria Math"/>
+                        <a:ea typeface="新細明體" pitchFamily="-106" charset="-120"/>
+                      </a:rPr>
+                      <m:t>=</m:t>
+                    </m:r>
+                    <m:r>
+                      <m:rPr>
+                        <m:sty m:val="p"/>
+                      </m:rPr>
+                      <a:rPr lang="en-US" altLang="zh-TW" sz="2000" b="0" i="0" smtClean="0">
+                        <a:latin typeface="Cambria Math"/>
+                        <a:ea typeface="新細明體" pitchFamily="-106" charset="-120"/>
+                      </a:rPr>
+                      <m:t>max</m:t>
+                    </m:r>
+                    <m:r>
+                      <a:rPr lang="en-US" altLang="zh-TW" sz="2000" b="0" i="1" smtClean="0">
+                        <a:latin typeface="Cambria Math"/>
+                        <a:ea typeface="新細明體" pitchFamily="-106" charset="-120"/>
+                      </a:rPr>
+                      <m:t>⁡(</m:t>
+                    </m:r>
+                    <m:f>
+                      <m:fPr>
+                        <m:ctrlPr>
+                          <a:rPr lang="en-US" altLang="zh-TW" sz="2000" b="0" i="1" smtClean="0">
+                            <a:latin typeface="Cambria Math"/>
+                            <a:ea typeface="新細明體" pitchFamily="-106" charset="-120"/>
+                          </a:rPr>
+                        </m:ctrlPr>
+                      </m:fPr>
+                      <m:num>
+                        <m:r>
+                          <a:rPr lang="en-US" altLang="zh-TW" sz="2000" b="0" i="1" smtClean="0">
+                            <a:latin typeface="Cambria Math"/>
+                            <a:ea typeface="新細明體" pitchFamily="-106" charset="-120"/>
+                          </a:rPr>
+                          <m:t>4</m:t>
+                        </m:r>
+                        <m:r>
+                          <a:rPr lang="en-US" altLang="zh-TW" sz="2000" b="0" i="1" smtClean="0">
+                            <a:latin typeface="Cambria Math"/>
+                            <a:ea typeface="新細明體" pitchFamily="-106" charset="-120"/>
+                          </a:rPr>
+                          <m:t>𝑑</m:t>
+                        </m:r>
+                      </m:num>
+                      <m:den>
+                        <m:r>
+                          <a:rPr lang="en-US" altLang="zh-TW" sz="2000" b="0" i="1" smtClean="0">
+                            <a:latin typeface="Cambria Math"/>
+                            <a:ea typeface="新細明體" pitchFamily="-106" charset="-120"/>
+                          </a:rPr>
+                          <m:t>𝑒</m:t>
+                        </m:r>
+                        <m:r>
+                          <a:rPr lang="zh-TW" altLang="en-US" sz="2000" b="0" i="1" smtClean="0">
+                            <a:latin typeface="Cambria Math"/>
+                            <a:ea typeface="新細明體" pitchFamily="-106" charset="-120"/>
+                          </a:rPr>
+                          <m:t>𝛿</m:t>
+                        </m:r>
+                      </m:den>
+                    </m:f>
+                    <m:r>
+                      <a:rPr lang="en-US" altLang="zh-TW" sz="2000" b="0" i="1" smtClean="0">
+                        <a:latin typeface="Cambria Math"/>
+                        <a:ea typeface="新細明體" pitchFamily="-106" charset="-120"/>
+                      </a:rPr>
+                      <m:t>,</m:t>
+                    </m:r>
+                    <m:f>
+                      <m:fPr>
+                        <m:ctrlPr>
+                          <a:rPr lang="en-US" altLang="zh-TW" sz="2000" b="0" i="1" smtClean="0">
+                            <a:latin typeface="Cambria Math"/>
+                            <a:ea typeface="新細明體" pitchFamily="-106" charset="-120"/>
+                          </a:rPr>
+                        </m:ctrlPr>
+                      </m:fPr>
+                      <m:num>
+                        <m:r>
+                          <a:rPr lang="en-US" altLang="zh-TW" sz="2000" b="0" i="1" smtClean="0">
+                            <a:latin typeface="Cambria Math"/>
+                            <a:ea typeface="新細明體" pitchFamily="-106" charset="-120"/>
+                          </a:rPr>
+                          <m:t>160</m:t>
+                        </m:r>
+                        <m:d>
+                          <m:dPr>
+                            <m:ctrlPr>
+                              <a:rPr lang="en-US" altLang="zh-TW" sz="2000" b="0" i="1" smtClean="0">
+                                <a:latin typeface="Cambria Math"/>
+                                <a:ea typeface="新細明體" pitchFamily="-106" charset="-120"/>
+                              </a:rPr>
+                            </m:ctrlPr>
+                          </m:dPr>
+                          <m:e>
+                            <m:r>
+                              <a:rPr lang="en-US" altLang="zh-TW" sz="2000" b="0" i="1" smtClean="0">
+                                <a:latin typeface="Cambria Math"/>
+                                <a:ea typeface="新細明體" pitchFamily="-106" charset="-120"/>
+                              </a:rPr>
+                              <m:t>𝑑</m:t>
+                            </m:r>
+                            <m:r>
+                              <a:rPr lang="en-US" altLang="zh-TW" sz="2000" b="0" i="1" smtClean="0">
+                                <a:latin typeface="Cambria Math"/>
+                                <a:ea typeface="新細明體" pitchFamily="-106" charset="-120"/>
+                              </a:rPr>
+                              <m:t>+1</m:t>
+                            </m:r>
+                          </m:e>
+                        </m:d>
+                      </m:num>
+                      <m:den>
+                        <m:r>
+                          <a:rPr lang="en-US" altLang="zh-TW" sz="2000" b="0" i="1" smtClean="0">
+                            <a:latin typeface="Cambria Math"/>
+                            <a:ea typeface="新細明體" pitchFamily="-106" charset="-120"/>
+                          </a:rPr>
+                          <m:t>𝑔</m:t>
+                        </m:r>
+                        <m:r>
+                          <a:rPr lang="zh-TW" altLang="en-US" sz="2000" b="0" i="1" smtClean="0">
+                            <a:latin typeface="Cambria Math"/>
+                            <a:ea typeface="新細明體" pitchFamily="-106" charset="-120"/>
+                          </a:rPr>
+                          <m:t>𝜖</m:t>
+                        </m:r>
+                      </m:den>
+                    </m:f>
+                    <m:func>
+                      <m:funcPr>
+                        <m:ctrlPr>
+                          <a:rPr lang="en-US" altLang="zh-TW" sz="2000" b="0" i="1" smtClean="0">
+                            <a:latin typeface="Cambria Math"/>
+                            <a:ea typeface="新細明體" pitchFamily="-106" charset="-120"/>
+                          </a:rPr>
+                        </m:ctrlPr>
+                      </m:funcPr>
+                      <m:fName>
+                        <m:r>
+                          <m:rPr>
+                            <m:sty m:val="p"/>
+                          </m:rPr>
+                          <a:rPr lang="en-US" altLang="zh-TW" sz="2000" b="0" i="0" smtClean="0">
+                            <a:latin typeface="Cambria Math"/>
+                            <a:ea typeface="新細明體" pitchFamily="-106" charset="-120"/>
+                          </a:rPr>
+                          <m:t>max</m:t>
+                        </m:r>
+                      </m:fName>
+                      <m:e>
+                        <m:sSup>
+                          <m:sSupPr>
+                            <m:ctrlPr>
+                              <a:rPr lang="en-US" altLang="zh-TW" sz="2000" b="0" i="1" smtClean="0">
+                                <a:latin typeface="Cambria Math"/>
+                                <a:ea typeface="新細明體" pitchFamily="-106" charset="-120"/>
+                              </a:rPr>
+                            </m:ctrlPr>
+                          </m:sSupPr>
+                          <m:e>
+                            <m:d>
+                              <m:dPr>
+                                <m:ctrlPr>
+                                  <a:rPr lang="en-US" altLang="zh-TW" sz="2000" i="1">
+                                    <a:latin typeface="Cambria Math"/>
+                                    <a:ea typeface="新細明體" pitchFamily="-106" charset="-120"/>
+                                  </a:rPr>
+                                </m:ctrlPr>
+                              </m:dPr>
+                              <m:e>
+                                <m:r>
+                                  <a:rPr lang="en-US" altLang="zh-TW" sz="2000" i="1">
+                                    <a:latin typeface="Cambria Math"/>
+                                    <a:ea typeface="新細明體" pitchFamily="-106" charset="-120"/>
+                                  </a:rPr>
+                                  <m:t>6, </m:t>
+                                </m:r>
+                                <m:func>
+                                  <m:funcPr>
+                                    <m:ctrlPr>
+                                      <a:rPr lang="en-US" altLang="zh-TW" sz="2000" i="1">
+                                        <a:latin typeface="Cambria Math"/>
+                                        <a:ea typeface="新細明體" pitchFamily="-106" charset="-120"/>
+                                      </a:rPr>
+                                    </m:ctrlPr>
+                                  </m:funcPr>
+                                  <m:fName>
+                                    <m:r>
+                                      <m:rPr>
+                                        <m:sty m:val="p"/>
+                                      </m:rPr>
+                                      <a:rPr lang="en-US" altLang="zh-TW" sz="2000">
+                                        <a:latin typeface="Cambria Math"/>
+                                        <a:ea typeface="新細明體" pitchFamily="-106" charset="-120"/>
+                                      </a:rPr>
+                                      <m:t>ln</m:t>
+                                    </m:r>
+                                  </m:fName>
+                                  <m:e>
+                                    <m:f>
+                                      <m:fPr>
+                                        <m:ctrlPr>
+                                          <a:rPr lang="en-US" altLang="zh-TW" sz="2000" i="1">
+                                            <a:latin typeface="Cambria Math"/>
+                                            <a:ea typeface="新細明體" pitchFamily="-106" charset="-120"/>
+                                          </a:rPr>
+                                        </m:ctrlPr>
+                                      </m:fPr>
+                                      <m:num>
+                                        <m:r>
+                                          <a:rPr lang="en-US" altLang="zh-TW" sz="2000" i="1">
+                                            <a:latin typeface="Cambria Math"/>
+                                            <a:ea typeface="新細明體" pitchFamily="-106" charset="-120"/>
+                                          </a:rPr>
+                                          <m:t>80</m:t>
+                                        </m:r>
+                                        <m:d>
+                                          <m:dPr>
+                                            <m:ctrlPr>
+                                              <a:rPr lang="en-US" altLang="zh-TW" sz="2000" i="1">
+                                                <a:latin typeface="Cambria Math"/>
+                                                <a:ea typeface="新細明體" pitchFamily="-106" charset="-120"/>
+                                              </a:rPr>
+                                            </m:ctrlPr>
+                                          </m:dPr>
+                                          <m:e>
+                                            <m:r>
+                                              <a:rPr lang="en-US" altLang="zh-TW" sz="2000" i="1">
+                                                <a:latin typeface="Cambria Math"/>
+                                                <a:ea typeface="新細明體" pitchFamily="-106" charset="-120"/>
+                                              </a:rPr>
+                                              <m:t>𝑑</m:t>
+                                            </m:r>
+                                            <m:r>
+                                              <a:rPr lang="en-US" altLang="zh-TW" sz="2000" i="1">
+                                                <a:latin typeface="Cambria Math"/>
+                                                <a:ea typeface="新細明體" pitchFamily="-106" charset="-120"/>
+                                              </a:rPr>
+                                              <m:t>+1</m:t>
+                                            </m:r>
+                                          </m:e>
+                                        </m:d>
+                                      </m:num>
+                                      <m:den>
+                                        <m:r>
+                                          <a:rPr lang="zh-TW" altLang="en-US" sz="2000" i="1">
+                                            <a:latin typeface="Cambria Math"/>
+                                            <a:ea typeface="新細明體" pitchFamily="-106" charset="-120"/>
+                                          </a:rPr>
+                                          <m:t>𝜀</m:t>
+                                        </m:r>
+                                        <m:sSup>
+                                          <m:sSupPr>
+                                            <m:ctrlPr>
+                                              <a:rPr lang="en-US" altLang="zh-TW" sz="2000" i="1">
+                                                <a:latin typeface="Cambria Math"/>
+                                                <a:ea typeface="新細明體" pitchFamily="-106" charset="-120"/>
+                                              </a:rPr>
+                                            </m:ctrlPr>
+                                          </m:sSupPr>
+                                          <m:e>
+                                            <m:r>
+                                              <a:rPr lang="zh-TW" altLang="en-US" sz="2000" i="1">
+                                                <a:latin typeface="Cambria Math"/>
+                                                <a:ea typeface="新細明體" pitchFamily="-106" charset="-120"/>
+                                              </a:rPr>
+                                              <m:t>𝛿</m:t>
+                                            </m:r>
+                                          </m:e>
+                                          <m:sup>
+                                            <m:r>
+                                              <a:rPr lang="en-US" altLang="zh-TW" sz="2000" i="1">
+                                                <a:latin typeface="Cambria Math"/>
+                                                <a:ea typeface="新細明體" pitchFamily="-106" charset="-120"/>
+                                              </a:rPr>
+                                              <m:t>2</m:t>
+                                            </m:r>
+                                          </m:sup>
+                                        </m:sSup>
+                                        <m:r>
+                                          <a:rPr lang="en-US" altLang="zh-TW" sz="2000" i="1">
+                                            <a:latin typeface="Cambria Math"/>
+                                            <a:ea typeface="新細明體" pitchFamily="-106" charset="-120"/>
+                                          </a:rPr>
+                                          <m:t>𝑔</m:t>
+                                        </m:r>
+                                      </m:den>
+                                    </m:f>
+                                  </m:e>
+                                </m:func>
+                              </m:e>
+                            </m:d>
+                          </m:e>
+                          <m:sup>
+                            <m:r>
+                              <a:rPr lang="en-US" altLang="zh-TW" sz="2000" b="0" i="1" smtClean="0">
+                                <a:latin typeface="Cambria Math"/>
+                                <a:ea typeface="新細明體" pitchFamily="-106" charset="-120"/>
+                              </a:rPr>
+                              <m:t>2</m:t>
+                            </m:r>
+                          </m:sup>
+                        </m:sSup>
+                      </m:e>
+                    </m:func>
+                    <m:r>
+                      <a:rPr lang="en-US" altLang="zh-TW" sz="2000" b="0" i="1" smtClean="0">
+                        <a:latin typeface="Cambria Math"/>
+                        <a:ea typeface="新細明體" pitchFamily="-106" charset="-120"/>
+                      </a:rPr>
+                      <m:t>)</m:t>
+                    </m:r>
+                  </m:oMath>
+                </a14:m>
+                <a:endParaRPr lang="en-US" altLang="zh-TW" sz="2000" dirty="0" smtClean="0">
+                  <a:ea typeface="新細明體" pitchFamily="-106" charset="-120"/>
+                </a:endParaRPr>
+              </a:p>
+              <a:p>
+                <a:pPr lvl="1" eaLnBrk="1" hangingPunct="1">
+                  <a:spcBef>
+                    <a:spcPts val="600"/>
+                  </a:spcBef>
+                </a:pPr>
+                <a:r>
+                  <a:rPr lang="en-US" altLang="zh-TW" sz="2000" dirty="0">
+                    <a:ea typeface="新細明體" pitchFamily="-106" charset="-120"/>
+                  </a:rPr>
+                  <a:t>The number of calls to </a:t>
+                </a:r>
+                <a:r>
+                  <a:rPr lang="en-US" altLang="zh-TW" sz="2000" dirty="0" smtClean="0">
+                    <a:ea typeface="新細明體" pitchFamily="-106" charset="-120"/>
+                  </a:rPr>
+                  <a:t>label </a:t>
+                </a:r>
+                <a:r>
+                  <a:rPr lang="en-US" altLang="zh-TW" sz="2000" dirty="0">
+                    <a:ea typeface="新細明體" pitchFamily="-106" charset="-120"/>
+                  </a:rPr>
+                  <a:t>is smaller than </a:t>
+                </a:r>
+                <a:endParaRPr lang="en-US" altLang="zh-TW" sz="2000" dirty="0" smtClean="0">
+                  <a:ea typeface="新細明體" pitchFamily="-106" charset="-120"/>
+                </a:endParaRPr>
+              </a:p>
+              <a:p>
+                <a:pPr marL="344487" lvl="1" indent="0" eaLnBrk="1" hangingPunct="1">
+                  <a:spcBef>
+                    <a:spcPts val="600"/>
+                  </a:spcBef>
+                  <a:spcAft>
+                    <a:spcPts val="600"/>
+                  </a:spcAft>
+                  <a:buNone/>
+                </a:pPr>
+                <a:r>
+                  <a:rPr lang="en-US" altLang="zh-TW" sz="2000" dirty="0">
+                    <a:ea typeface="新細明體" pitchFamily="-106" charset="-120"/>
+                  </a:rPr>
+                  <a:t> </a:t>
+                </a:r>
+                <a:r>
+                  <a:rPr lang="en-US" altLang="zh-TW" sz="2000" dirty="0" smtClean="0">
+                    <a:ea typeface="新細明體" pitchFamily="-106" charset="-120"/>
+                  </a:rPr>
+                  <a:t>    </a:t>
+                </a:r>
+                <a14:m>
+                  <m:oMath xmlns:m="http://schemas.openxmlformats.org/officeDocument/2006/math">
+                    <m:sSub>
+                      <m:sSubPr>
+                        <m:ctrlPr>
+                          <a:rPr lang="en-US" altLang="zh-TW" sz="2000" i="1">
+                            <a:latin typeface="Cambria Math"/>
+                            <a:ea typeface="新細明體" pitchFamily="-106" charset="-120"/>
+                          </a:rPr>
+                        </m:ctrlPr>
+                      </m:sSubPr>
+                      <m:e>
+                        <m:r>
+                          <a:rPr lang="en-US" altLang="zh-TW" sz="2000" b="0" i="1" smtClean="0">
+                            <a:latin typeface="Cambria Math"/>
+                            <a:ea typeface="新細明體" pitchFamily="-106" charset="-120"/>
+                          </a:rPr>
+                          <m:t>𝑛</m:t>
+                        </m:r>
+                      </m:e>
+                      <m:sub>
+                        <m:r>
+                          <a:rPr lang="en-US" altLang="zh-TW" sz="2000" i="1">
+                            <a:latin typeface="Cambria Math"/>
+                            <a:ea typeface="新細明體" pitchFamily="-106" charset="-120"/>
+                          </a:rPr>
+                          <m:t>0</m:t>
+                        </m:r>
+                      </m:sub>
+                    </m:sSub>
+                    <m:r>
+                      <a:rPr lang="en-US" altLang="zh-TW" sz="2000" i="1">
+                        <a:latin typeface="Cambria Math"/>
+                        <a:ea typeface="新細明體" pitchFamily="-106" charset="-120"/>
+                      </a:rPr>
+                      <m:t>=</m:t>
+                    </m:r>
+                    <m:f>
+                      <m:fPr>
+                        <m:ctrlPr>
+                          <a:rPr lang="en-US" altLang="zh-TW" sz="2000" i="1" smtClean="0">
+                            <a:latin typeface="Cambria Math"/>
+                            <a:ea typeface="新細明體" pitchFamily="-106" charset="-120"/>
+                          </a:rPr>
+                        </m:ctrlPr>
+                      </m:fPr>
+                      <m:num>
+                        <m:r>
+                          <a:rPr lang="en-US" altLang="zh-TW" sz="2000" b="0" i="1" smtClean="0">
+                            <a:latin typeface="Cambria Math"/>
+                            <a:ea typeface="新細明體" pitchFamily="-106" charset="-120"/>
+                          </a:rPr>
+                          <m:t>10(</m:t>
+                        </m:r>
+                        <m:r>
+                          <a:rPr lang="en-US" altLang="zh-TW" sz="2000" b="0" i="1" smtClean="0">
+                            <a:latin typeface="Cambria Math"/>
+                            <a:ea typeface="新細明體" pitchFamily="-106" charset="-120"/>
+                          </a:rPr>
+                          <m:t>𝑑</m:t>
+                        </m:r>
+                        <m:r>
+                          <a:rPr lang="en-US" altLang="zh-TW" sz="2000" b="0" i="1" smtClean="0">
+                            <a:latin typeface="Cambria Math"/>
+                            <a:ea typeface="新細明體" pitchFamily="-106" charset="-120"/>
+                          </a:rPr>
+                          <m:t>+1)</m:t>
+                        </m:r>
+                      </m:num>
+                      <m:den>
+                        <m:r>
+                          <a:rPr lang="en-US" altLang="zh-TW" sz="2000" b="0" i="1" smtClean="0">
+                            <a:latin typeface="Cambria Math"/>
+                            <a:ea typeface="新細明體" pitchFamily="-106" charset="-120"/>
+                          </a:rPr>
+                          <m:t>𝑔</m:t>
+                        </m:r>
+                      </m:den>
+                    </m:f>
+                    <m:func>
+                      <m:funcPr>
+                        <m:ctrlPr>
+                          <a:rPr lang="en-US" altLang="zh-TW" sz="2000" i="1" smtClean="0">
+                            <a:latin typeface="Cambria Math"/>
+                            <a:ea typeface="新細明體" pitchFamily="-106" charset="-120"/>
+                          </a:rPr>
+                        </m:ctrlPr>
+                      </m:funcPr>
+                      <m:fName>
+                        <m:r>
+                          <m:rPr>
+                            <m:sty m:val="p"/>
+                          </m:rPr>
+                          <a:rPr lang="en-US" altLang="zh-TW" sz="2000" i="0" smtClean="0">
+                            <a:latin typeface="Cambria Math"/>
+                            <a:ea typeface="新細明體" pitchFamily="-106" charset="-120"/>
+                          </a:rPr>
+                          <m:t>ln</m:t>
+                        </m:r>
+                      </m:fName>
+                      <m:e>
+                        <m:f>
+                          <m:fPr>
+                            <m:ctrlPr>
+                              <a:rPr lang="en-US" altLang="zh-TW" sz="2000" i="1" smtClean="0">
+                                <a:latin typeface="Cambria Math"/>
+                                <a:ea typeface="新細明體" pitchFamily="-106" charset="-120"/>
+                              </a:rPr>
+                            </m:ctrlPr>
+                          </m:fPr>
+                          <m:num>
+                            <m:r>
+                              <a:rPr lang="en-US" altLang="zh-TW" sz="2000" b="0" i="1" smtClean="0">
+                                <a:latin typeface="Cambria Math"/>
+                                <a:ea typeface="新細明體" pitchFamily="-106" charset="-120"/>
+                              </a:rPr>
+                              <m:t>4</m:t>
+                            </m:r>
+                            <m:sSub>
+                              <m:sSubPr>
+                                <m:ctrlPr>
+                                  <a:rPr lang="en-US" altLang="zh-TW" sz="2000" b="0" i="1" smtClean="0">
+                                    <a:latin typeface="Cambria Math"/>
+                                    <a:ea typeface="新細明體" pitchFamily="-106" charset="-120"/>
+                                  </a:rPr>
+                                </m:ctrlPr>
+                              </m:sSubPr>
+                              <m:e>
+                                <m:r>
+                                  <a:rPr lang="en-US" altLang="zh-TW" sz="2000" b="0" i="1" smtClean="0">
+                                    <a:latin typeface="Cambria Math"/>
+                                    <a:ea typeface="新細明體" pitchFamily="-106" charset="-120"/>
+                                  </a:rPr>
+                                  <m:t>𝑚</m:t>
+                                </m:r>
+                              </m:e>
+                              <m:sub>
+                                <m:r>
+                                  <a:rPr lang="en-US" altLang="zh-TW" sz="2000" b="0" i="1" smtClean="0">
+                                    <a:latin typeface="Cambria Math"/>
+                                    <a:ea typeface="新細明體" pitchFamily="-106" charset="-120"/>
+                                  </a:rPr>
+                                  <m:t>0</m:t>
+                                </m:r>
+                              </m:sub>
+                            </m:sSub>
+                          </m:num>
+                          <m:den>
+                            <m:r>
+                              <a:rPr lang="zh-TW" altLang="en-US" sz="2000" i="1" smtClean="0">
+                                <a:latin typeface="Cambria Math"/>
+                                <a:ea typeface="新細明體" pitchFamily="-106" charset="-120"/>
+                              </a:rPr>
+                              <m:t>𝛿</m:t>
+                            </m:r>
+                          </m:den>
+                        </m:f>
+                      </m:e>
+                    </m:func>
+                  </m:oMath>
+                </a14:m>
+                <a:endParaRPr lang="en-US" altLang="zh-TW" sz="2000" dirty="0" smtClean="0">
+                  <a:ea typeface="新細明體" pitchFamily="-106" charset="-120"/>
+                </a:endParaRPr>
+              </a:p>
+              <a:p>
+                <a:pPr lvl="1" eaLnBrk="1" hangingPunct="1">
+                  <a:spcBef>
+                    <a:spcPts val="600"/>
+                  </a:spcBef>
+                </a:pPr>
+                <a:r>
+                  <a:rPr lang="en-US" altLang="zh-TW" sz="2000" dirty="0" smtClean="0">
+                    <a:ea typeface="新細明體" pitchFamily="-106" charset="-120"/>
+                  </a:rPr>
+                  <a:t>The probability that the prediction algorithm </a:t>
+                </a:r>
+                <a:r>
+                  <a:rPr lang="en-US" sz="2000" dirty="0" smtClean="0"/>
+                  <a:t>by </a:t>
+                </a:r>
+                <a:r>
+                  <a:rPr lang="en-US" sz="2000" dirty="0"/>
+                  <a:t>picking a hypothesis </a:t>
+                </a:r>
+                <a:r>
+                  <a:rPr lang="en-US" sz="2000" i="1" dirty="0"/>
+                  <a:t>h</a:t>
+                </a:r>
+                <a:r>
+                  <a:rPr lang="en-US" sz="2000" dirty="0"/>
+                  <a:t> random from version space</a:t>
+                </a:r>
+                <a:r>
+                  <a:rPr lang="en-US" altLang="zh-TW" sz="2000" dirty="0" smtClean="0">
+                    <a:ea typeface="新細明體" pitchFamily="-106" charset="-120"/>
+                  </a:rPr>
+                  <a:t> of QBC makes a mistake is smaller than </a:t>
+                </a:r>
+                <a14:m>
+                  <m:oMath xmlns:m="http://schemas.openxmlformats.org/officeDocument/2006/math">
+                    <m:r>
+                      <a:rPr lang="zh-TW" altLang="en-US" sz="2000" i="1" smtClean="0">
+                        <a:latin typeface="Cambria Math"/>
+                        <a:ea typeface="新細明體" pitchFamily="-106" charset="-120"/>
+                      </a:rPr>
+                      <m:t>𝜖</m:t>
+                    </m:r>
+                  </m:oMath>
+                </a14:m>
+                <a:r>
+                  <a:rPr lang="en-US" sz="2000" dirty="0" smtClean="0">
+                    <a:ea typeface="新細明體" pitchFamily="-106" charset="-120"/>
+                  </a:rPr>
+                  <a:t>. [</a:t>
+                </a:r>
+                <a:r>
+                  <a:rPr lang="en-US" sz="2000" dirty="0" smtClean="0"/>
+                  <a:t>Freund 97</a:t>
+                </a:r>
+                <a:r>
+                  <a:rPr lang="en-US" sz="2000" dirty="0" smtClean="0">
+                    <a:ea typeface="新細明體" pitchFamily="-106" charset="-120"/>
+                  </a:rPr>
+                  <a:t>]</a:t>
+                </a:r>
+                <a:endParaRPr lang="en-US" altLang="zh-TW" sz="2000" dirty="0">
+                  <a:ea typeface="新細明體" pitchFamily="-106" charset="-120"/>
+                </a:endParaRPr>
+              </a:p>
+              <a:p>
+                <a:pPr lvl="1" eaLnBrk="1" hangingPunct="1">
+                  <a:lnSpc>
+                    <a:spcPct val="90000"/>
+                  </a:lnSpc>
+                </a:pPr>
+                <a:endParaRPr lang="en-US" altLang="zh-TW" sz="2400" dirty="0">
+                  <a:ea typeface="新細明體" pitchFamily="-106" charset="-120"/>
+                </a:endParaRPr>
+              </a:p>
+              <a:p>
+                <a:pPr marL="344487" lvl="1" indent="0" eaLnBrk="1" hangingPunct="1">
+                  <a:lnSpc>
+                    <a:spcPct val="90000"/>
+                  </a:lnSpc>
+                  <a:buNone/>
+                </a:pPr>
+                <a:r>
+                  <a:rPr lang="en-US" sz="2400" dirty="0" smtClean="0"/>
+                  <a:t>     </a:t>
+                </a:r>
+                <a:endParaRPr lang="en-US" altLang="zh-TW" dirty="0" smtClean="0">
+                  <a:ea typeface="新細明體" pitchFamily="-106" charset="-120"/>
+                </a:endParaRPr>
+              </a:p>
+            </p:txBody>
+          </p:sp>
+        </mc:Choice>
+        <mc:Fallback xmlns="">
+          <p:sp>
+            <p:nvSpPr>
+              <p:cNvPr id="7" name="Rectangle 3"/>
+              <p:cNvSpPr txBox="1">
+                <a:spLocks noRot="1" noChangeAspect="1" noMove="1" noResize="1" noEditPoints="1" noAdjustHandles="1" noChangeArrowheads="1" noChangeShapeType="1" noTextEdit="1"/>
+              </p:cNvSpPr>
+              <p:nvPr/>
+            </p:nvSpPr>
+            <p:spPr bwMode="auto">
+              <a:xfrm>
+                <a:off x="381000" y="1219200"/>
+                <a:ext cx="8534400" cy="5105400"/>
+              </a:xfrm>
+              <a:prstGeom prst="rect">
+                <a:avLst/>
+              </a:prstGeom>
+              <a:blipFill rotWithShape="1">
+                <a:blip r:embed="rId3"/>
+                <a:stretch>
+                  <a:fillRect l="-286" t="-835" r="-1071" b="-239"/>
+                </a:stretch>
+              </a:blipFill>
+              <a:ln>
+                <a:noFill/>
+              </a:ln>
+              <a:extLst>
+                <a:ext uri="{909E8E84-426E-40DD-AFC4-6F175D3DCCD1}">
+                  <a14:hiddenFill xmlns:a14="http://schemas.microsoft.com/office/drawing/2010/main">
+                    <a:solidFill>
+                      <a:srgbClr val="FFFFFF"/>
+                    </a:solidFill>
+                  </a14:hiddenFill>
+                </a:ext>
+                <a:ext uri="{91240B29-F687-4F45-9708-019B960494DF}">
+                  <a14:hiddenLine xmlns:a14="http://schemas.microsoft.com/office/drawing/2010/main" w="9525">
+                    <a:solidFill>
+                      <a:srgbClr val="000000"/>
+                    </a:solidFill>
+                    <a:miter lim="800000"/>
+                    <a:headEnd/>
+                    <a:tailEnd/>
+                  </a14:hiddenLine>
+                </a:ext>
+              </a:extLst>
+            </p:spPr>
+            <p:txBody>
+              <a:bodyPr/>
+              <a:lstStyle/>
+              <a:p>
+                <a:r>
+                  <a:rPr lang="en-US">
+                    <a:noFill/>
+                  </a:rPr>
+                  <a:t> </a:t>
+                </a:r>
+              </a:p>
+            </p:txBody>
+          </p:sp>
+        </mc:Fallback>
+      </mc:AlternateContent>
     </p:spTree>
     <p:extLst>
       <p:ext uri="{BB962C8B-B14F-4D97-AF65-F5344CB8AC3E}">
-        <p14:creationId xmlns:p14="http://schemas.microsoft.com/office/powerpoint/2010/main" val="3526550711"/>
+        <p14:creationId xmlns:p14="http://schemas.microsoft.com/office/powerpoint/2010/main" val="53151857"/>
       </p:ext>
     </p:extLst>
   </p:cSld>
@@ -7759,63 +8469,7 @@
       </p:grpSpPr>
       <p:sp>
         <p:nvSpPr>
-          <p:cNvPr id="2" name="Title 1"/>
-          <p:cNvSpPr>
-            <a:spLocks noGrp="1"/>
-          </p:cNvSpPr>
-          <p:nvPr>
-            <p:ph type="title"/>
-          </p:nvPr>
-        </p:nvSpPr>
-        <p:spPr>
-          <a:xfrm>
-            <a:off x="457200" y="277813"/>
-            <a:ext cx="8534400" cy="865187"/>
-          </a:xfrm>
-        </p:spPr>
-        <p:txBody>
-          <a:bodyPr lIns="0" rIns="0"/>
-          <a:lstStyle/>
-          <a:p>
-            <a:pPr eaLnBrk="1" hangingPunct="1"/>
-            <a:r>
-              <a:rPr lang="en-US" altLang="zh-CN" b="1" dirty="0" smtClean="0">
-                <a:latin typeface="Arial" pitchFamily="34" charset="0"/>
-                <a:ea typeface="新細明體" pitchFamily="-106" charset="-120"/>
-                <a:cs typeface="Arial" pitchFamily="34" charset="0"/>
-              </a:rPr>
-              <a:t>Margin Based Active Learning</a:t>
-            </a:r>
-            <a:endParaRPr lang="zh-CN" altLang="en-US" b="1" dirty="0">
-              <a:latin typeface="Arial" pitchFamily="34" charset="0"/>
-              <a:ea typeface="新細明體" pitchFamily="-106" charset="-120"/>
-              <a:cs typeface="Arial" pitchFamily="34" charset="0"/>
-            </a:endParaRPr>
-          </a:p>
-        </p:txBody>
-      </p:sp>
-      <p:sp>
-        <p:nvSpPr>
-          <p:cNvPr id="3" name="Content Placeholder 2"/>
-          <p:cNvSpPr>
-            <a:spLocks noGrp="1"/>
-          </p:cNvSpPr>
-          <p:nvPr>
-            <p:ph idx="1"/>
-          </p:nvPr>
-        </p:nvSpPr>
-        <p:spPr/>
-        <p:txBody>
-          <a:bodyPr/>
-          <a:lstStyle/>
-          <a:p>
-            <a:endParaRPr lang="zh-CN" altLang="en-US" dirty="0"/>
-          </a:p>
-        </p:txBody>
-      </p:sp>
-      <p:sp>
-        <p:nvSpPr>
-          <p:cNvPr id="4" name="Slide Number Placeholder 3"/>
+          <p:cNvPr id="47106" name="Slide Number Placeholder 5"/>
           <p:cNvSpPr>
             <a:spLocks noGrp="1"/>
           </p:cNvSpPr>
@@ -7823,24 +8477,597 @@
             <p:ph type="sldNum" sz="quarter" idx="12"/>
           </p:nvPr>
         </p:nvSpPr>
+        <p:spPr>
+          <a:noFill/>
+          <a:ln/>
+          <a:extLst>
+            <a:ext uri="{909E8E84-426E-40DD-AFC4-6F175D3DCCD1}">
+              <a14:hiddenFill xmlns:a14="http://schemas.microsoft.com/office/drawing/2010/main">
+                <a:solidFill>
+                  <a:srgbClr val="FFFFFF"/>
+                </a:solidFill>
+              </a14:hiddenFill>
+            </a:ext>
+            <a:ext uri="{91240B29-F687-4F45-9708-019B960494DF}">
+              <a14:hiddenLine xmlns:a14="http://schemas.microsoft.com/office/drawing/2010/main" w="9525">
+                <a:solidFill>
+                  <a:srgbClr val="000000"/>
+                </a:solidFill>
+                <a:miter lim="800000"/>
+                <a:headEnd/>
+                <a:tailEnd/>
+              </a14:hiddenLine>
+            </a:ext>
+          </a:extLst>
+        </p:spPr>
+        <p:txBody>
+          <a:bodyPr/>
+          <a:lstStyle>
+            <a:lvl1pPr eaLnBrk="0" hangingPunct="0">
+              <a:defRPr sz="2400">
+                <a:solidFill>
+                  <a:schemeClr val="tx1"/>
+                </a:solidFill>
+                <a:latin typeface="Arial" charset="0"/>
+                <a:ea typeface="ＭＳ Ｐゴシック" pitchFamily="-106" charset="-128"/>
+              </a:defRPr>
+            </a:lvl1pPr>
+            <a:lvl2pPr marL="37931725" indent="-37474525" eaLnBrk="0" hangingPunct="0">
+              <a:defRPr sz="2400">
+                <a:solidFill>
+                  <a:schemeClr val="tx1"/>
+                </a:solidFill>
+                <a:latin typeface="Arial" charset="0"/>
+                <a:ea typeface="ＭＳ Ｐゴシック" pitchFamily="-106" charset="-128"/>
+              </a:defRPr>
+            </a:lvl2pPr>
+            <a:lvl3pPr eaLnBrk="0" hangingPunct="0">
+              <a:defRPr sz="2400">
+                <a:solidFill>
+                  <a:schemeClr val="tx1"/>
+                </a:solidFill>
+                <a:latin typeface="Arial" charset="0"/>
+                <a:ea typeface="ＭＳ Ｐゴシック" pitchFamily="-106" charset="-128"/>
+              </a:defRPr>
+            </a:lvl3pPr>
+            <a:lvl4pPr eaLnBrk="0" hangingPunct="0">
+              <a:defRPr sz="2400">
+                <a:solidFill>
+                  <a:schemeClr val="tx1"/>
+                </a:solidFill>
+                <a:latin typeface="Arial" charset="0"/>
+                <a:ea typeface="ＭＳ Ｐゴシック" pitchFamily="-106" charset="-128"/>
+              </a:defRPr>
+            </a:lvl4pPr>
+            <a:lvl5pPr eaLnBrk="0" hangingPunct="0">
+              <a:defRPr sz="2400">
+                <a:solidFill>
+                  <a:schemeClr val="tx1"/>
+                </a:solidFill>
+                <a:latin typeface="Arial" charset="0"/>
+                <a:ea typeface="ＭＳ Ｐゴシック" pitchFamily="-106" charset="-128"/>
+              </a:defRPr>
+            </a:lvl5pPr>
+            <a:lvl6pPr marL="457200" eaLnBrk="0" fontAlgn="base" hangingPunct="0">
+              <a:spcBef>
+                <a:spcPct val="0"/>
+              </a:spcBef>
+              <a:spcAft>
+                <a:spcPct val="0"/>
+              </a:spcAft>
+              <a:defRPr sz="2400">
+                <a:solidFill>
+                  <a:schemeClr val="tx1"/>
+                </a:solidFill>
+                <a:latin typeface="Arial" charset="0"/>
+                <a:ea typeface="ＭＳ Ｐゴシック" pitchFamily="-106" charset="-128"/>
+              </a:defRPr>
+            </a:lvl6pPr>
+            <a:lvl7pPr marL="914400" eaLnBrk="0" fontAlgn="base" hangingPunct="0">
+              <a:spcBef>
+                <a:spcPct val="0"/>
+              </a:spcBef>
+              <a:spcAft>
+                <a:spcPct val="0"/>
+              </a:spcAft>
+              <a:defRPr sz="2400">
+                <a:solidFill>
+                  <a:schemeClr val="tx1"/>
+                </a:solidFill>
+                <a:latin typeface="Arial" charset="0"/>
+                <a:ea typeface="ＭＳ Ｐゴシック" pitchFamily="-106" charset="-128"/>
+              </a:defRPr>
+            </a:lvl7pPr>
+            <a:lvl8pPr marL="1371600" eaLnBrk="0" fontAlgn="base" hangingPunct="0">
+              <a:spcBef>
+                <a:spcPct val="0"/>
+              </a:spcBef>
+              <a:spcAft>
+                <a:spcPct val="0"/>
+              </a:spcAft>
+              <a:defRPr sz="2400">
+                <a:solidFill>
+                  <a:schemeClr val="tx1"/>
+                </a:solidFill>
+                <a:latin typeface="Arial" charset="0"/>
+                <a:ea typeface="ＭＳ Ｐゴシック" pitchFamily="-106" charset="-128"/>
+              </a:defRPr>
+            </a:lvl8pPr>
+            <a:lvl9pPr marL="1828800" eaLnBrk="0" fontAlgn="base" hangingPunct="0">
+              <a:spcBef>
+                <a:spcPct val="0"/>
+              </a:spcBef>
+              <a:spcAft>
+                <a:spcPct val="0"/>
+              </a:spcAft>
+              <a:defRPr sz="2400">
+                <a:solidFill>
+                  <a:schemeClr val="tx1"/>
+                </a:solidFill>
+                <a:latin typeface="Arial" charset="0"/>
+                <a:ea typeface="ＭＳ Ｐゴシック" pitchFamily="-106" charset="-128"/>
+              </a:defRPr>
+            </a:lvl9pPr>
+          </a:lstStyle>
+          <a:p>
+            <a:pPr eaLnBrk="1" hangingPunct="1"/>
+            <a:fld id="{AAA04654-EE4A-4EBE-BC23-CDB80A2BF4DE}" type="slidenum">
+              <a:rPr lang="en-US" sz="1200">
+                <a:latin typeface="Garamond" pitchFamily="-106" charset="0"/>
+              </a:rPr>
+              <a:pPr eaLnBrk="1" hangingPunct="1"/>
+              <a:t>11</a:t>
+            </a:fld>
+            <a:endParaRPr lang="en-US" sz="1200" dirty="0">
+              <a:latin typeface="Garamond" pitchFamily="-106" charset="0"/>
+            </a:endParaRPr>
+          </a:p>
+        </p:txBody>
+      </p:sp>
+      <p:sp>
+        <p:nvSpPr>
+          <p:cNvPr id="47107" name="Rectangle 2"/>
+          <p:cNvSpPr>
+            <a:spLocks noGrp="1" noChangeArrowheads="1"/>
+          </p:cNvSpPr>
+          <p:nvPr>
+            <p:ph type="title"/>
+          </p:nvPr>
+        </p:nvSpPr>
         <p:spPr/>
         <p:txBody>
           <a:bodyPr/>
           <a:lstStyle/>
           <a:p>
-            <a:fld id="{604EAB18-E0EA-45DC-AA4D-A7A0A794259A}" type="slidenum">
-              <a:rPr lang="en-US" smtClean="0"/>
-              <a:pPr/>
-              <a:t>11</a:t>
-            </a:fld>
-            <a:endParaRPr lang="en-US"/>
+            <a:pPr eaLnBrk="1" hangingPunct="1"/>
+            <a:r>
+              <a:rPr lang="en-US" altLang="zh-TW" b="1" dirty="0" smtClean="0">
+                <a:latin typeface="Arial" pitchFamily="34" charset="0"/>
+                <a:ea typeface="新細明體" pitchFamily="-106" charset="-120"/>
+                <a:cs typeface="Arial" pitchFamily="34" charset="0"/>
+              </a:rPr>
+              <a:t>Query By Committee</a:t>
+            </a:r>
+            <a:endParaRPr lang="zh-TW" altLang="en-US" b="1" dirty="0" smtClean="0">
+              <a:latin typeface="Arial" pitchFamily="34" charset="0"/>
+              <a:ea typeface="新細明體" pitchFamily="-106" charset="-120"/>
+              <a:cs typeface="Arial" pitchFamily="34" charset="0"/>
+            </a:endParaRPr>
+          </a:p>
+        </p:txBody>
+      </p:sp>
+      <p:sp>
+        <p:nvSpPr>
+          <p:cNvPr id="7" name="Rectangle 3"/>
+          <p:cNvSpPr txBox="1">
+            <a:spLocks noChangeArrowheads="1"/>
+          </p:cNvSpPr>
+          <p:nvPr/>
+        </p:nvSpPr>
+        <p:spPr bwMode="auto">
+          <a:xfrm>
+            <a:off x="304800" y="1219200"/>
+            <a:ext cx="8763000" cy="4953000"/>
+          </a:xfrm>
+          <a:prstGeom prst="rect">
+            <a:avLst/>
+          </a:prstGeom>
+          <a:noFill/>
+          <a:ln>
+            <a:noFill/>
+          </a:ln>
+          <a:extLst>
+            <a:ext uri="{909E8E84-426E-40DD-AFC4-6F175D3DCCD1}">
+              <a14:hiddenFill xmlns:a14="http://schemas.microsoft.com/office/drawing/2010/main">
+                <a:solidFill>
+                  <a:srgbClr val="FFFFFF"/>
+                </a:solidFill>
+              </a14:hiddenFill>
+            </a:ext>
+            <a:ext uri="{91240B29-F687-4F45-9708-019B960494DF}">
+              <a14:hiddenLine xmlns:a14="http://schemas.microsoft.com/office/drawing/2010/main" w="9525">
+                <a:solidFill>
+                  <a:srgbClr val="000000"/>
+                </a:solidFill>
+                <a:miter lim="800000"/>
+                <a:headEnd/>
+                <a:tailEnd/>
+              </a14:hiddenLine>
+            </a:ext>
+          </a:extLst>
+        </p:spPr>
+        <p:txBody>
+          <a:bodyPr vert="horz" wrap="square" lIns="91440" tIns="45720" rIns="91440" bIns="45720" numCol="1" anchor="t" anchorCtr="0" compatLnSpc="1">
+            <a:prstTxWarp prst="textNoShape">
+              <a:avLst/>
+            </a:prstTxWarp>
+          </a:bodyPr>
+          <a:lstStyle>
+            <a:lvl1pPr marL="342900" indent="-342900" algn="l" rtl="0" eaLnBrk="0" fontAlgn="base" hangingPunct="0">
+              <a:spcBef>
+                <a:spcPct val="20000"/>
+              </a:spcBef>
+              <a:spcAft>
+                <a:spcPct val="0"/>
+              </a:spcAft>
+              <a:buClr>
+                <a:schemeClr val="accent1"/>
+              </a:buClr>
+              <a:buSzPct val="65000"/>
+              <a:buFont typeface="Wingdings" pitchFamily="-106" charset="2"/>
+              <a:buChar char="n"/>
+              <a:defRPr sz="3000">
+                <a:solidFill>
+                  <a:schemeClr val="tx1"/>
+                </a:solidFill>
+                <a:latin typeface="+mn-lt"/>
+                <a:ea typeface="ＭＳ Ｐゴシック" pitchFamily="-106" charset="-128"/>
+                <a:cs typeface="+mn-cs"/>
+              </a:defRPr>
+            </a:lvl1pPr>
+            <a:lvl2pPr marL="669925" indent="-325438" algn="l" rtl="0" eaLnBrk="0" fontAlgn="base" hangingPunct="0">
+              <a:spcBef>
+                <a:spcPct val="20000"/>
+              </a:spcBef>
+              <a:spcAft>
+                <a:spcPct val="0"/>
+              </a:spcAft>
+              <a:buClr>
+                <a:schemeClr val="accent2"/>
+              </a:buClr>
+              <a:buSzPct val="60000"/>
+              <a:buFont typeface="Wingdings" pitchFamily="-106" charset="2"/>
+              <a:buChar char="q"/>
+              <a:defRPr sz="2600">
+                <a:solidFill>
+                  <a:schemeClr val="tx1"/>
+                </a:solidFill>
+                <a:latin typeface="+mn-lt"/>
+                <a:ea typeface="ＭＳ Ｐゴシック" pitchFamily="-106" charset="-128"/>
+              </a:defRPr>
+            </a:lvl2pPr>
+            <a:lvl3pPr marL="1022350" indent="-350838" algn="l" rtl="0" eaLnBrk="0" fontAlgn="base" hangingPunct="0">
+              <a:spcBef>
+                <a:spcPct val="20000"/>
+              </a:spcBef>
+              <a:spcAft>
+                <a:spcPct val="0"/>
+              </a:spcAft>
+              <a:buClr>
+                <a:schemeClr val="accent1"/>
+              </a:buClr>
+              <a:buSzPct val="65000"/>
+              <a:buFont typeface="Wingdings" pitchFamily="-106" charset="2"/>
+              <a:buChar char="n"/>
+              <a:defRPr sz="2200">
+                <a:solidFill>
+                  <a:schemeClr val="tx1"/>
+                </a:solidFill>
+                <a:latin typeface="+mn-lt"/>
+                <a:ea typeface="ＭＳ Ｐゴシック" pitchFamily="-106" charset="-128"/>
+              </a:defRPr>
+            </a:lvl3pPr>
+            <a:lvl4pPr marL="1339850" indent="-315913" algn="l" rtl="0" eaLnBrk="0" fontAlgn="base" hangingPunct="0">
+              <a:spcBef>
+                <a:spcPct val="20000"/>
+              </a:spcBef>
+              <a:spcAft>
+                <a:spcPct val="0"/>
+              </a:spcAft>
+              <a:buClr>
+                <a:schemeClr val="accent2"/>
+              </a:buClr>
+              <a:buSzPct val="70000"/>
+              <a:buFont typeface="Wingdings" pitchFamily="-106" charset="2"/>
+              <a:buChar char="q"/>
+              <a:defRPr sz="2000">
+                <a:solidFill>
+                  <a:schemeClr val="tx1"/>
+                </a:solidFill>
+                <a:latin typeface="+mn-lt"/>
+                <a:ea typeface="ＭＳ Ｐゴシック" pitchFamily="-106" charset="-128"/>
+              </a:defRPr>
+            </a:lvl4pPr>
+            <a:lvl5pPr marL="1681163" indent="-339725" algn="l" rtl="0" eaLnBrk="0" fontAlgn="base" hangingPunct="0">
+              <a:spcBef>
+                <a:spcPct val="20000"/>
+              </a:spcBef>
+              <a:spcAft>
+                <a:spcPct val="0"/>
+              </a:spcAft>
+              <a:buClr>
+                <a:schemeClr val="accent1"/>
+              </a:buClr>
+              <a:buSzPct val="75000"/>
+              <a:buFont typeface="Wingdings" pitchFamily="-106" charset="2"/>
+              <a:buChar char="§"/>
+              <a:defRPr sz="2000">
+                <a:solidFill>
+                  <a:schemeClr val="tx1"/>
+                </a:solidFill>
+                <a:latin typeface="+mn-lt"/>
+                <a:ea typeface="ＭＳ Ｐゴシック" pitchFamily="-106" charset="-128"/>
+              </a:defRPr>
+            </a:lvl5pPr>
+            <a:lvl6pPr marL="2138363" indent="-339725" algn="l" rtl="0" fontAlgn="base">
+              <a:spcBef>
+                <a:spcPct val="20000"/>
+              </a:spcBef>
+              <a:spcAft>
+                <a:spcPct val="0"/>
+              </a:spcAft>
+              <a:buClr>
+                <a:schemeClr val="accent1"/>
+              </a:buClr>
+              <a:buSzPct val="75000"/>
+              <a:buFont typeface="Wingdings" pitchFamily="2" charset="2"/>
+              <a:buChar char="§"/>
+              <a:defRPr sz="2000">
+                <a:solidFill>
+                  <a:schemeClr val="tx1"/>
+                </a:solidFill>
+                <a:latin typeface="+mn-lt"/>
+              </a:defRPr>
+            </a:lvl6pPr>
+            <a:lvl7pPr marL="2595563" indent="-339725" algn="l" rtl="0" fontAlgn="base">
+              <a:spcBef>
+                <a:spcPct val="20000"/>
+              </a:spcBef>
+              <a:spcAft>
+                <a:spcPct val="0"/>
+              </a:spcAft>
+              <a:buClr>
+                <a:schemeClr val="accent1"/>
+              </a:buClr>
+              <a:buSzPct val="75000"/>
+              <a:buFont typeface="Wingdings" pitchFamily="2" charset="2"/>
+              <a:buChar char="§"/>
+              <a:defRPr sz="2000">
+                <a:solidFill>
+                  <a:schemeClr val="tx1"/>
+                </a:solidFill>
+                <a:latin typeface="+mn-lt"/>
+              </a:defRPr>
+            </a:lvl7pPr>
+            <a:lvl8pPr marL="3052763" indent="-339725" algn="l" rtl="0" fontAlgn="base">
+              <a:spcBef>
+                <a:spcPct val="20000"/>
+              </a:spcBef>
+              <a:spcAft>
+                <a:spcPct val="0"/>
+              </a:spcAft>
+              <a:buClr>
+                <a:schemeClr val="accent1"/>
+              </a:buClr>
+              <a:buSzPct val="75000"/>
+              <a:buFont typeface="Wingdings" pitchFamily="2" charset="2"/>
+              <a:buChar char="§"/>
+              <a:defRPr sz="2000">
+                <a:solidFill>
+                  <a:schemeClr val="tx1"/>
+                </a:solidFill>
+                <a:latin typeface="+mn-lt"/>
+              </a:defRPr>
+            </a:lvl8pPr>
+            <a:lvl9pPr marL="3509963" indent="-339725" algn="l" rtl="0" fontAlgn="base">
+              <a:spcBef>
+                <a:spcPct val="20000"/>
+              </a:spcBef>
+              <a:spcAft>
+                <a:spcPct val="0"/>
+              </a:spcAft>
+              <a:buClr>
+                <a:schemeClr val="accent1"/>
+              </a:buClr>
+              <a:buSzPct val="75000"/>
+              <a:buFont typeface="Wingdings" pitchFamily="2" charset="2"/>
+              <a:buChar char="§"/>
+              <a:defRPr sz="2000">
+                <a:solidFill>
+                  <a:schemeClr val="tx1"/>
+                </a:solidFill>
+                <a:latin typeface="+mn-lt"/>
+              </a:defRPr>
+            </a:lvl9pPr>
+          </a:lstStyle>
+          <a:p>
+            <a:pPr>
+              <a:spcBef>
+                <a:spcPts val="600"/>
+              </a:spcBef>
+              <a:spcAft>
+                <a:spcPts val="600"/>
+              </a:spcAft>
+            </a:pPr>
+            <a:r>
+              <a:rPr lang="en-US" sz="2600" dirty="0" smtClean="0">
+                <a:latin typeface="Arial" charset="0"/>
+              </a:rPr>
+              <a:t>For </a:t>
+            </a:r>
+            <a:r>
+              <a:rPr lang="en-US" sz="2600" dirty="0">
+                <a:latin typeface="Arial" charset="0"/>
+              </a:rPr>
+              <a:t>many real-world problems, the committee is infinite. </a:t>
+            </a:r>
+            <a:endParaRPr lang="en-US" sz="2600" dirty="0" smtClean="0">
+              <a:latin typeface="Arial" charset="0"/>
+            </a:endParaRPr>
+          </a:p>
+          <a:p>
+            <a:pPr>
+              <a:spcBef>
+                <a:spcPts val="600"/>
+              </a:spcBef>
+              <a:spcAft>
+                <a:spcPts val="600"/>
+              </a:spcAft>
+            </a:pPr>
+            <a:r>
+              <a:rPr lang="en-US" sz="2600" dirty="0" smtClean="0">
+                <a:latin typeface="Arial" charset="0"/>
+              </a:rPr>
+              <a:t>The </a:t>
+            </a:r>
+            <a:r>
+              <a:rPr lang="en-US" sz="2600" dirty="0">
+                <a:latin typeface="Arial" charset="0"/>
+              </a:rPr>
+              <a:t>main obstacle in implementing QBC is </a:t>
+            </a:r>
+            <a:r>
+              <a:rPr lang="en-US" sz="2600" dirty="0" smtClean="0">
+                <a:latin typeface="Arial" charset="0"/>
+              </a:rPr>
+              <a:t>to </a:t>
+            </a:r>
+            <a:r>
+              <a:rPr lang="en-US" sz="2600" dirty="0">
+                <a:latin typeface="Arial" charset="0"/>
+              </a:rPr>
+              <a:t>sample from the version space </a:t>
+            </a:r>
+            <a:r>
+              <a:rPr lang="en-US" sz="2600" dirty="0" smtClean="0">
+                <a:latin typeface="Arial" charset="0"/>
+              </a:rPr>
+              <a:t>(Step </a:t>
+            </a:r>
+            <a:r>
+              <a:rPr lang="en-US" sz="2600" dirty="0">
+                <a:latin typeface="Arial" charset="0"/>
+              </a:rPr>
+              <a:t>2</a:t>
+            </a:r>
+            <a:r>
+              <a:rPr lang="en-US" sz="2600" dirty="0" smtClean="0">
+                <a:latin typeface="Arial" charset="0"/>
+              </a:rPr>
+              <a:t>). It </a:t>
+            </a:r>
+            <a:r>
+              <a:rPr lang="en-US" sz="2600" dirty="0">
+                <a:latin typeface="Arial" charset="0"/>
+              </a:rPr>
+              <a:t>is hard to do this with reasonable computational complexity </a:t>
+            </a:r>
+            <a:r>
+              <a:rPr lang="en-US" sz="2600" dirty="0" smtClean="0">
+                <a:latin typeface="Arial" charset="0"/>
+              </a:rPr>
+              <a:t>when d is very large [Ran 2005].</a:t>
+            </a:r>
+          </a:p>
+          <a:p>
+            <a:pPr>
+              <a:spcBef>
+                <a:spcPts val="600"/>
+              </a:spcBef>
+              <a:spcAft>
+                <a:spcPts val="600"/>
+              </a:spcAft>
+            </a:pPr>
+            <a:r>
+              <a:rPr lang="en-US" sz="2600" dirty="0" smtClean="0">
+                <a:latin typeface="Arial" charset="0"/>
+              </a:rPr>
+              <a:t>QBC is very sensitive for noisy data sets. </a:t>
+            </a:r>
+          </a:p>
+          <a:p>
+            <a:pPr>
+              <a:spcBef>
+                <a:spcPts val="600"/>
+              </a:spcBef>
+              <a:spcAft>
+                <a:spcPts val="600"/>
+              </a:spcAft>
+            </a:pPr>
+            <a:r>
+              <a:rPr lang="en-US" altLang="zh-TW" sz="2600" dirty="0" smtClean="0">
+                <a:latin typeface="Arial" charset="0"/>
+                <a:ea typeface="新細明體" pitchFamily="-106" charset="-120"/>
+              </a:rPr>
+              <a:t>We implement original QBC for low dimension data and Active-majority QBC [</a:t>
+            </a:r>
+            <a:r>
+              <a:rPr lang="en-US" sz="2600" dirty="0" err="1" smtClean="0"/>
+              <a:t>Liere</a:t>
+            </a:r>
+            <a:r>
+              <a:rPr lang="en-US" sz="2600" dirty="0" smtClean="0"/>
+              <a:t> 97</a:t>
+            </a:r>
+            <a:r>
+              <a:rPr lang="en-US" altLang="zh-TW" sz="2600" dirty="0" smtClean="0">
+                <a:latin typeface="Arial" charset="0"/>
+                <a:ea typeface="新細明體" pitchFamily="-106" charset="-120"/>
+              </a:rPr>
+              <a:t>] for high dimension data.</a:t>
+            </a:r>
+          </a:p>
+          <a:p>
+            <a:pPr lvl="1">
+              <a:spcBef>
+                <a:spcPts val="600"/>
+              </a:spcBef>
+              <a:spcAft>
+                <a:spcPts val="600"/>
+              </a:spcAft>
+            </a:pPr>
+            <a:r>
+              <a:rPr lang="en-US" altLang="zh-TW" sz="2200" dirty="0" smtClean="0">
+                <a:latin typeface="Arial" charset="0"/>
+                <a:ea typeface="新細明體" pitchFamily="-106" charset="-120"/>
+              </a:rPr>
+              <a:t>Use Winnow algorithm to maintain a finite committee</a:t>
+            </a:r>
+            <a:endParaRPr lang="en-US" altLang="zh-TW" sz="2200" dirty="0">
+              <a:ea typeface="新細明體" pitchFamily="-106" charset="-120"/>
+            </a:endParaRPr>
+          </a:p>
+          <a:p>
+            <a:pPr marL="344487" lvl="1" indent="0" eaLnBrk="1" hangingPunct="1">
+              <a:lnSpc>
+                <a:spcPct val="90000"/>
+              </a:lnSpc>
+              <a:buNone/>
+            </a:pPr>
+            <a:r>
+              <a:rPr lang="en-US" sz="2400" dirty="0" smtClean="0"/>
+              <a:t>     </a:t>
+            </a:r>
+            <a:endParaRPr lang="en-US" altLang="zh-TW" dirty="0" smtClean="0">
+              <a:ea typeface="新細明體" pitchFamily="-106" charset="-120"/>
+            </a:endParaRPr>
           </a:p>
         </p:txBody>
       </p:sp>
     </p:spTree>
     <p:extLst>
       <p:ext uri="{BB962C8B-B14F-4D97-AF65-F5344CB8AC3E}">
-        <p14:creationId xmlns:p14="http://schemas.microsoft.com/office/powerpoint/2010/main" val="1402498055"/>
+        <p14:creationId xmlns:p14="http://schemas.microsoft.com/office/powerpoint/2010/main" val="3526550711"/>
       </p:ext>
     </p:extLst>
   </p:cSld>
@@ -7884,9 +9111,14 @@
             <p:ph type="title"/>
           </p:nvPr>
         </p:nvSpPr>
-        <p:spPr/>
+        <p:spPr>
+          <a:xfrm>
+            <a:off x="457200" y="277813"/>
+            <a:ext cx="8534400" cy="865187"/>
+          </a:xfrm>
+        </p:spPr>
         <p:txBody>
-          <a:bodyPr/>
+          <a:bodyPr lIns="0" rIns="0"/>
           <a:lstStyle/>
           <a:p>
             <a:pPr eaLnBrk="1" hangingPunct="1"/>
@@ -7896,7 +9128,7 @@
                 <a:ea typeface="新細明體" pitchFamily="-106" charset="-120"/>
                 <a:cs typeface="Arial" pitchFamily="34" charset="0"/>
               </a:rPr>
-              <a:t>Experiment Setup</a:t>
+              <a:t>Margin Based Active Learning</a:t>
             </a:r>
             <a:endParaRPr lang="zh-CN" altLang="en-US" b="1" dirty="0">
               <a:latin typeface="Arial" pitchFamily="34" charset="0"/>
@@ -7921,111 +9153,7 @@
           <a:bodyPr/>
           <a:lstStyle/>
           <a:p>
-            <a:pPr eaLnBrk="1" hangingPunct="1">
-              <a:lnSpc>
-                <a:spcPct val="90000"/>
-              </a:lnSpc>
-            </a:pPr>
-            <a:r>
-              <a:rPr lang="en-US" altLang="zh-TW" sz="2600" dirty="0" smtClean="0">
-                <a:ea typeface="新細明體" pitchFamily="-106" charset="-120"/>
-              </a:rPr>
-              <a:t>Synthesized Dataset</a:t>
-            </a:r>
-          </a:p>
-          <a:p>
-            <a:pPr lvl="1" eaLnBrk="1" hangingPunct="1">
-              <a:lnSpc>
-                <a:spcPct val="90000"/>
-              </a:lnSpc>
-            </a:pPr>
-            <a:r>
-              <a:rPr lang="en-US" altLang="zh-TW" sz="2400" dirty="0" smtClean="0">
-                <a:ea typeface="新細明體" pitchFamily="-106" charset="-120"/>
-              </a:rPr>
-              <a:t>10-dimension random data set</a:t>
-            </a:r>
-          </a:p>
-          <a:p>
-            <a:pPr lvl="1" eaLnBrk="1" hangingPunct="1">
-              <a:lnSpc>
-                <a:spcPct val="90000"/>
-              </a:lnSpc>
-            </a:pPr>
-            <a:r>
-              <a:rPr lang="en-US" altLang="zh-TW" sz="2400" dirty="0" smtClean="0">
-                <a:ea typeface="新細明體" pitchFamily="-106" charset="-120"/>
-              </a:rPr>
-              <a:t>10-dimension noisy data set</a:t>
-            </a:r>
-            <a:endParaRPr lang="en-US" altLang="zh-TW" sz="2400" dirty="0">
-              <a:ea typeface="新細明體" pitchFamily="-106" charset="-120"/>
-            </a:endParaRPr>
-          </a:p>
-          <a:p>
-            <a:pPr marL="0" indent="0" eaLnBrk="1" hangingPunct="1">
-              <a:lnSpc>
-                <a:spcPct val="90000"/>
-              </a:lnSpc>
-              <a:buNone/>
-            </a:pPr>
-            <a:endParaRPr lang="en-US" altLang="zh-TW" sz="2600" dirty="0">
-              <a:ea typeface="新細明體" pitchFamily="-106" charset="-120"/>
-            </a:endParaRPr>
-          </a:p>
-          <a:p>
-            <a:pPr eaLnBrk="1" hangingPunct="1">
-              <a:lnSpc>
-                <a:spcPct val="90000"/>
-              </a:lnSpc>
-            </a:pPr>
-            <a:r>
-              <a:rPr lang="en-US" altLang="zh-TW" sz="2600" dirty="0" smtClean="0">
-                <a:ea typeface="新細明體" pitchFamily="-106" charset="-120"/>
-              </a:rPr>
-              <a:t>Real Dataset</a:t>
-            </a:r>
-            <a:endParaRPr lang="en-US" altLang="zh-TW" sz="2600" dirty="0">
-              <a:ea typeface="新細明體" pitchFamily="-106" charset="-120"/>
-            </a:endParaRPr>
-          </a:p>
-          <a:p>
-            <a:pPr lvl="1" eaLnBrk="1" hangingPunct="1">
-              <a:lnSpc>
-                <a:spcPct val="90000"/>
-              </a:lnSpc>
-            </a:pPr>
-            <a:r>
-              <a:rPr lang="en-US" sz="2400" dirty="0" smtClean="0"/>
-              <a:t>20 Newsgroups dataset</a:t>
-            </a:r>
-          </a:p>
-          <a:p>
-            <a:pPr lvl="1" eaLnBrk="1" hangingPunct="1">
-              <a:lnSpc>
-                <a:spcPct val="90000"/>
-              </a:lnSpc>
-            </a:pPr>
-            <a:r>
-              <a:rPr lang="en-US" altLang="zh-TW" sz="2400" dirty="0" smtClean="0">
-                <a:ea typeface="新細明體" pitchFamily="-106" charset="-120"/>
-              </a:rPr>
-              <a:t>Randomly select 3 categories[?]</a:t>
-            </a:r>
-          </a:p>
-          <a:p>
-            <a:pPr lvl="1" eaLnBrk="1" hangingPunct="1">
-              <a:lnSpc>
-                <a:spcPct val="90000"/>
-              </a:lnSpc>
-            </a:pPr>
-            <a:r>
-              <a:rPr lang="en-US" sz="2400" dirty="0"/>
-              <a:t>21,334 unique tokens in titles</a:t>
-            </a:r>
-            <a:endParaRPr lang="en-US" altLang="zh-TW" sz="2400" dirty="0">
-              <a:ea typeface="新細明體" pitchFamily="-106" charset="-120"/>
-            </a:endParaRPr>
+            <a:endParaRPr lang="zh-CN" altLang="en-US" dirty="0"/>
           </a:p>
         </p:txBody>
       </p:sp>
@@ -8056,7 +9184,7 @@
     </p:spTree>
     <p:extLst>
       <p:ext uri="{BB962C8B-B14F-4D97-AF65-F5344CB8AC3E}">
-        <p14:creationId xmlns:p14="http://schemas.microsoft.com/office/powerpoint/2010/main" val="2952604855"/>
+        <p14:creationId xmlns:p14="http://schemas.microsoft.com/office/powerpoint/2010/main" val="1402498055"/>
       </p:ext>
     </p:extLst>
   </p:cSld>
@@ -8100,12 +9228,7 @@
             <p:ph type="title"/>
           </p:nvPr>
         </p:nvSpPr>
-        <p:spPr>
-          <a:xfrm>
-            <a:off x="457200" y="277813"/>
-            <a:ext cx="8686800" cy="1139825"/>
-          </a:xfrm>
-        </p:spPr>
+        <p:spPr/>
         <p:txBody>
           <a:bodyPr/>
           <a:lstStyle/>
@@ -8117,34 +9240,7 @@
                 <a:ea typeface="新細明體" pitchFamily="-106" charset="-120"/>
                 <a:cs typeface="Arial" pitchFamily="34" charset="0"/>
               </a:rPr>
-              <a:t>Experiment-</a:t>
-            </a:r>
-            <a:r>
-              <a:rPr lang="en-US" altLang="zh-TW" b="1" dirty="0" smtClean="0">
-                <a:latin typeface="Arial" pitchFamily="34" charset="0"/>
-                <a:ea typeface="新細明體" pitchFamily="-106" charset="-120"/>
-                <a:cs typeface="Arial" pitchFamily="34" charset="0"/>
-              </a:rPr>
-              <a:t>Linear Separable</a:t>
-            </a:r>
-            <a:r>
-              <a:rPr lang="en-US" altLang="zh-TW" sz="4400" dirty="0">
-                <a:ea typeface="新細明體" pitchFamily="-106" charset="-120"/>
-              </a:rPr>
-              <a:t/>
-            </a:r>
-            <a:br>
-              <a:rPr lang="en-US" altLang="zh-TW" sz="4400" dirty="0">
-                <a:ea typeface="新細明體" pitchFamily="-106" charset="-120"/>
-              </a:rPr>
-            </a:br>
-            <a:r>
-              <a:rPr lang="en-US" altLang="zh-CN" b="1" dirty="0" smtClean="0">
-                <a:latin typeface="Arial" pitchFamily="34" charset="0"/>
-                <a:ea typeface="新細明體" pitchFamily="-106" charset="-120"/>
-                <a:cs typeface="Arial" pitchFamily="34" charset="0"/>
-              </a:rPr>
-              <a:t> </a:t>
+              <a:t>Experiment Setup</a:t>
             </a:r>
             <a:endParaRPr lang="zh-CN" altLang="en-US" b="1" dirty="0">
               <a:latin typeface="Arial" pitchFamily="34" charset="0"/>
@@ -8154,35 +9250,129 @@
           </a:p>
         </p:txBody>
       </p:sp>
-      <p:pic>
-        <p:nvPicPr>
-          <p:cNvPr id="5" name="Content Placeholder 4"/>
-          <p:cNvPicPr>
-            <a:picLocks noGrp="1" noChangeAspect="1"/>
-          </p:cNvPicPr>
+      <p:sp>
+        <p:nvSpPr>
+          <p:cNvPr id="3" name="Content Placeholder 2"/>
+          <p:cNvSpPr>
+            <a:spLocks noGrp="1"/>
+          </p:cNvSpPr>
           <p:nvPr>
             <p:ph idx="1"/>
           </p:nvPr>
-        </p:nvPicPr>
-        <p:blipFill>
-          <a:blip r:embed="rId2">
-            <a:extLst>
-              <a:ext uri="{28A0092B-C50C-407E-A947-70E740481C1C}">
-                <a14:useLocalDpi xmlns:a14="http://schemas.microsoft.com/office/drawing/2010/main" val="0"/>
-              </a:ext>
-            </a:extLst>
-          </a:blip>
-          <a:stretch>
-            <a:fillRect/>
-          </a:stretch>
-        </p:blipFill>
-        <p:spPr>
-          <a:xfrm>
-            <a:off x="304800" y="1371600"/>
-            <a:ext cx="8563428" cy="4495800"/>
-          </a:xfrm>
-        </p:spPr>
-      </p:pic>
+        </p:nvSpPr>
+        <p:spPr/>
+        <p:txBody>
+          <a:bodyPr/>
+          <a:lstStyle/>
+          <a:p>
+            <a:pPr eaLnBrk="1" hangingPunct="1">
+              <a:lnSpc>
+                <a:spcPct val="90000"/>
+              </a:lnSpc>
+            </a:pPr>
+            <a:r>
+              <a:rPr lang="en-US" altLang="zh-TW" sz="2600" dirty="0" smtClean="0">
+                <a:ea typeface="新細明體" pitchFamily="-106" charset="-120"/>
+              </a:rPr>
+              <a:t>Synthesized Dataset</a:t>
+            </a:r>
+          </a:p>
+          <a:p>
+            <a:pPr lvl="1" eaLnBrk="1" hangingPunct="1">
+              <a:lnSpc>
+                <a:spcPct val="90000"/>
+              </a:lnSpc>
+            </a:pPr>
+            <a:r>
+              <a:rPr lang="en-US" altLang="zh-TW" sz="2400" dirty="0" smtClean="0">
+                <a:ea typeface="新細明體" pitchFamily="-106" charset="-120"/>
+              </a:rPr>
+              <a:t>10-dimension random data set</a:t>
+            </a:r>
+          </a:p>
+          <a:p>
+            <a:pPr lvl="1" eaLnBrk="1" hangingPunct="1">
+              <a:lnSpc>
+                <a:spcPct val="90000"/>
+              </a:lnSpc>
+            </a:pPr>
+            <a:r>
+              <a:rPr lang="en-US" altLang="zh-TW" sz="2400" dirty="0" smtClean="0">
+                <a:ea typeface="新細明體" pitchFamily="-106" charset="-120"/>
+              </a:rPr>
+              <a:t>10-dimension noisy data set</a:t>
+            </a:r>
+            <a:endParaRPr lang="en-US" altLang="zh-TW" sz="2400" dirty="0">
+              <a:ea typeface="新細明體" pitchFamily="-106" charset="-120"/>
+            </a:endParaRPr>
+          </a:p>
+          <a:p>
+            <a:pPr marL="0" indent="0" eaLnBrk="1" hangingPunct="1">
+              <a:lnSpc>
+                <a:spcPct val="90000"/>
+              </a:lnSpc>
+              <a:buNone/>
+            </a:pPr>
+            <a:endParaRPr lang="en-US" altLang="zh-TW" sz="2600" dirty="0">
+              <a:ea typeface="新細明體" pitchFamily="-106" charset="-120"/>
+            </a:endParaRPr>
+          </a:p>
+          <a:p>
+            <a:pPr eaLnBrk="1" hangingPunct="1">
+              <a:lnSpc>
+                <a:spcPct val="90000"/>
+              </a:lnSpc>
+            </a:pPr>
+            <a:r>
+              <a:rPr lang="en-US" altLang="zh-TW" sz="2600" dirty="0" smtClean="0">
+                <a:ea typeface="新細明體" pitchFamily="-106" charset="-120"/>
+              </a:rPr>
+              <a:t>Real Dataset</a:t>
+            </a:r>
+            <a:endParaRPr lang="en-US" altLang="zh-TW" sz="2600" dirty="0">
+              <a:ea typeface="新細明體" pitchFamily="-106" charset="-120"/>
+            </a:endParaRPr>
+          </a:p>
+          <a:p>
+            <a:pPr lvl="1" eaLnBrk="1" hangingPunct="1">
+              <a:lnSpc>
+                <a:spcPct val="90000"/>
+              </a:lnSpc>
+            </a:pPr>
+            <a:r>
+              <a:rPr lang="en-US" sz="2400" dirty="0" smtClean="0"/>
+              <a:t>20 Newsgroups dataset</a:t>
+            </a:r>
+          </a:p>
+          <a:p>
+            <a:pPr lvl="1" eaLnBrk="1" hangingPunct="1">
+              <a:lnSpc>
+                <a:spcPct val="90000"/>
+              </a:lnSpc>
+            </a:pPr>
+            <a:r>
+              <a:rPr lang="en-US" altLang="zh-TW" sz="2400" dirty="0" smtClean="0">
+                <a:ea typeface="新細明體" pitchFamily="-106" charset="-120"/>
+              </a:rPr>
+              <a:t>Randomly select 3 categories[?]</a:t>
+            </a:r>
+          </a:p>
+          <a:p>
+            <a:pPr lvl="1" eaLnBrk="1" hangingPunct="1">
+              <a:lnSpc>
+                <a:spcPct val="90000"/>
+              </a:lnSpc>
+            </a:pPr>
+            <a:r>
+              <a:rPr lang="en-US" sz="2400" dirty="0"/>
+              <a:t>21,334 unique tokens in titles</a:t>
+            </a:r>
+            <a:endParaRPr lang="en-US" altLang="zh-TW" sz="2400" dirty="0">
+              <a:ea typeface="新細明體" pitchFamily="-106" charset="-120"/>
+            </a:endParaRPr>
+          </a:p>
+        </p:txBody>
+      </p:sp>
       <p:sp>
         <p:nvSpPr>
           <p:cNvPr id="4" name="Slide Number Placeholder 3"/>
@@ -8210,7 +9400,7 @@
     </p:spTree>
     <p:extLst>
       <p:ext uri="{BB962C8B-B14F-4D97-AF65-F5344CB8AC3E}">
-        <p14:creationId xmlns:p14="http://schemas.microsoft.com/office/powerpoint/2010/main" val="21315555"/>
+        <p14:creationId xmlns:p14="http://schemas.microsoft.com/office/powerpoint/2010/main" val="2952604855"/>
       </p:ext>
     </p:extLst>
   </p:cSld>
@@ -8364,7 +9554,7 @@
     </p:spTree>
     <p:extLst>
       <p:ext uri="{BB962C8B-B14F-4D97-AF65-F5344CB8AC3E}">
-        <p14:creationId xmlns:p14="http://schemas.microsoft.com/office/powerpoint/2010/main" val="3173096143"/>
+        <p14:creationId xmlns:p14="http://schemas.microsoft.com/office/powerpoint/2010/main" val="21315555"/>
       </p:ext>
     </p:extLst>
   </p:cSld>
@@ -8462,35 +9652,6 @@
           </a:p>
         </p:txBody>
       </p:sp>
-      <p:pic>
-        <p:nvPicPr>
-          <p:cNvPr id="5" name="Content Placeholder 4"/>
-          <p:cNvPicPr>
-            <a:picLocks noGrp="1" noChangeAspect="1"/>
-          </p:cNvPicPr>
-          <p:nvPr>
-            <p:ph idx="1"/>
-          </p:nvPr>
-        </p:nvPicPr>
-        <p:blipFill>
-          <a:blip r:embed="rId2">
-            <a:extLst>
-              <a:ext uri="{28A0092B-C50C-407E-A947-70E740481C1C}">
-                <a14:useLocalDpi xmlns:a14="http://schemas.microsoft.com/office/drawing/2010/main" val="0"/>
-              </a:ext>
-            </a:extLst>
-          </a:blip>
-          <a:stretch>
-            <a:fillRect/>
-          </a:stretch>
-        </p:blipFill>
-        <p:spPr>
-          <a:xfrm>
-            <a:off x="304800" y="1371600"/>
-            <a:ext cx="8563428" cy="4495799"/>
-          </a:xfrm>
-        </p:spPr>
-      </p:pic>
       <p:sp>
         <p:nvSpPr>
           <p:cNvPr id="4" name="Slide Number Placeholder 3"/>
@@ -8515,10 +9676,157 @@
           </a:p>
         </p:txBody>
       </p:sp>
+      <p:sp>
+        <p:nvSpPr>
+          <p:cNvPr id="3" name="Content Placeholder 2"/>
+          <p:cNvSpPr>
+            <a:spLocks noGrp="1"/>
+          </p:cNvSpPr>
+          <p:nvPr>
+            <p:ph idx="1"/>
+          </p:nvPr>
+        </p:nvSpPr>
+        <p:spPr/>
+        <p:txBody>
+          <a:bodyPr/>
+          <a:lstStyle/>
+          <a:p>
+            <a:endParaRPr lang="zh-CN" altLang="en-US"/>
+          </a:p>
+        </p:txBody>
+      </p:sp>
+      <p:pic>
+        <p:nvPicPr>
+          <p:cNvPr id="1026" name="Picture 2"/>
+          <p:cNvPicPr>
+            <a:picLocks noChangeAspect="1" noChangeArrowheads="1"/>
+          </p:cNvPicPr>
+          <p:nvPr/>
+        </p:nvPicPr>
+        <p:blipFill>
+          <a:blip r:embed="rId2">
+            <a:extLst>
+              <a:ext uri="{28A0092B-C50C-407E-A947-70E740481C1C}">
+                <a14:useLocalDpi xmlns:a14="http://schemas.microsoft.com/office/drawing/2010/main" val="0"/>
+              </a:ext>
+            </a:extLst>
+          </a:blip>
+          <a:srcRect/>
+          <a:stretch>
+            <a:fillRect/>
+          </a:stretch>
+        </p:blipFill>
+        <p:spPr bwMode="auto">
+          <a:xfrm>
+            <a:off x="381000" y="1295400"/>
+            <a:ext cx="8469030" cy="4314825"/>
+          </a:xfrm>
+          <a:prstGeom prst="rect">
+            <a:avLst/>
+          </a:prstGeom>
+          <a:noFill/>
+          <a:ln>
+            <a:noFill/>
+          </a:ln>
+          <a:effectLst/>
+          <a:extLst>
+            <a:ext uri="{909E8E84-426E-40DD-AFC4-6F175D3DCCD1}">
+              <a14:hiddenFill xmlns:a14="http://schemas.microsoft.com/office/drawing/2010/main">
+                <a:solidFill>
+                  <a:schemeClr val="accent1"/>
+                </a:solidFill>
+              </a14:hiddenFill>
+            </a:ext>
+            <a:ext uri="{91240B29-F687-4F45-9708-019B960494DF}">
+              <a14:hiddenLine xmlns:a14="http://schemas.microsoft.com/office/drawing/2010/main" w="9525">
+                <a:solidFill>
+                  <a:schemeClr val="tx1"/>
+                </a:solidFill>
+                <a:miter lim="800000"/>
+                <a:headEnd/>
+                <a:tailEnd/>
+              </a14:hiddenLine>
+            </a:ext>
+            <a:ext uri="{AF507438-7753-43E0-B8FC-AC1667EBCBE1}">
+              <a14:hiddenEffects xmlns:a14="http://schemas.microsoft.com/office/drawing/2010/main">
+                <a:effectLst>
+                  <a:outerShdw dist="35921" dir="2700000" algn="ctr" rotWithShape="0">
+                    <a:schemeClr val="bg2"/>
+                  </a:outerShdw>
+                </a:effectLst>
+              </a14:hiddenEffects>
+            </a:ext>
+          </a:extLst>
+        </p:spPr>
+      </p:pic>
+      <p:pic>
+        <p:nvPicPr>
+          <p:cNvPr id="1027" name="Picture 3"/>
+          <p:cNvPicPr>
+            <a:picLocks noChangeAspect="1" noChangeArrowheads="1"/>
+          </p:cNvPicPr>
+          <p:nvPr/>
+        </p:nvPicPr>
+        <p:blipFill>
+          <a:blip r:embed="rId3">
+            <a:extLst>
+              <a:ext uri="{28A0092B-C50C-407E-A947-70E740481C1C}">
+                <a14:useLocalDpi xmlns:a14="http://schemas.microsoft.com/office/drawing/2010/main" val="0"/>
+              </a:ext>
+            </a:extLst>
+          </a:blip>
+          <a:srcRect/>
+          <a:stretch>
+            <a:fillRect/>
+          </a:stretch>
+        </p:blipFill>
+        <p:spPr bwMode="auto">
+          <a:xfrm>
+            <a:off x="186390" y="1295400"/>
+            <a:ext cx="8858250" cy="4356100"/>
+          </a:xfrm>
+          <a:prstGeom prst="rect">
+            <a:avLst/>
+          </a:prstGeom>
+          <a:noFill/>
+          <a:ln>
+            <a:noFill/>
+          </a:ln>
+          <a:effectLst/>
+          <a:extLst>
+            <a:ext uri="{909E8E84-426E-40DD-AFC4-6F175D3DCCD1}">
+              <a14:hiddenFill xmlns:a14="http://schemas.microsoft.com/office/drawing/2010/main">
+                <a:solidFill>
+                  <a:schemeClr val="accent1"/>
+                </a:solidFill>
+              </a14:hiddenFill>
+            </a:ext>
+            <a:ext uri="{91240B29-F687-4F45-9708-019B960494DF}">
+              <a14:hiddenLine xmlns:a14="http://schemas.microsoft.com/office/drawing/2010/main" w="9525">
+                <a:solidFill>
+                  <a:schemeClr val="tx1"/>
+                </a:solidFill>
+                <a:miter lim="800000"/>
+                <a:headEnd/>
+                <a:tailEnd/>
+              </a14:hiddenLine>
+            </a:ext>
+            <a:ext uri="{AF507438-7753-43E0-B8FC-AC1667EBCBE1}">
+              <a14:hiddenEffects xmlns:a14="http://schemas.microsoft.com/office/drawing/2010/main">
+                <a:effectLst>
+                  <a:outerShdw dist="35921" dir="2700000" algn="ctr" rotWithShape="0">
+                    <a:schemeClr val="bg2"/>
+                  </a:outerShdw>
+                </a:effectLst>
+              </a14:hiddenEffects>
+            </a:ext>
+          </a:extLst>
+        </p:spPr>
+      </p:pic>
     </p:spTree>
     <p:extLst>
       <p:ext uri="{BB962C8B-B14F-4D97-AF65-F5344CB8AC3E}">
-        <p14:creationId xmlns:p14="http://schemas.microsoft.com/office/powerpoint/2010/main" val="3755122923"/>
+        <p14:creationId xmlns:p14="http://schemas.microsoft.com/office/powerpoint/2010/main" val="3173096143"/>
       </p:ext>
     </p:extLst>
   </p:cSld>
@@ -8641,7 +9949,7 @@
         <p:spPr>
           <a:xfrm>
             <a:off x="304800" y="1371600"/>
-            <a:ext cx="8563428" cy="4495800"/>
+            <a:ext cx="8563428" cy="4495799"/>
           </a:xfrm>
         </p:spPr>
       </p:pic>
@@ -8672,7 +9980,7 @@
     </p:spTree>
     <p:extLst>
       <p:ext uri="{BB962C8B-B14F-4D97-AF65-F5344CB8AC3E}">
-        <p14:creationId xmlns:p14="http://schemas.microsoft.com/office/powerpoint/2010/main" val="3173096143"/>
+        <p14:creationId xmlns:p14="http://schemas.microsoft.com/office/powerpoint/2010/main" val="3755122923"/>
       </p:ext>
     </p:extLst>
   </p:cSld>
@@ -8895,7 +10203,7 @@
                 <a:ea typeface="新細明體" pitchFamily="-106" charset="-120"/>
                 <a:cs typeface="Arial" pitchFamily="34" charset="0"/>
               </a:rPr>
-              <a:t>Noisy</a:t>
+              <a:t>Linear Separable</a:t>
             </a:r>
             <a:r>
               <a:rPr lang="en-US" altLang="zh-TW" sz="4400" dirty="0">
@@ -8977,10 +10285,74 @@
           </a:p>
         </p:txBody>
       </p:sp>
+      <p:pic>
+        <p:nvPicPr>
+          <p:cNvPr id="2050" name="Picture 2"/>
+          <p:cNvPicPr>
+            <a:picLocks noChangeAspect="1" noChangeArrowheads="1"/>
+          </p:cNvPicPr>
+          <p:nvPr/>
+        </p:nvPicPr>
+        <p:blipFill>
+          <a:blip r:embed="rId3">
+            <a:extLst>
+              <a:ext uri="{28A0092B-C50C-407E-A947-70E740481C1C}">
+                <a14:useLocalDpi xmlns:a14="http://schemas.microsoft.com/office/drawing/2010/main" val="0"/>
+              </a:ext>
+            </a:extLst>
+          </a:blip>
+          <a:srcRect/>
+          <a:stretch>
+            <a:fillRect/>
+          </a:stretch>
+        </p:blipFill>
+        <p:spPr bwMode="auto">
+          <a:xfrm>
+            <a:off x="203200" y="1225550"/>
+            <a:ext cx="8737600" cy="4406900"/>
+          </a:xfrm>
+          <a:prstGeom prst="rect">
+            <a:avLst/>
+          </a:prstGeom>
+          <a:noFill/>
+          <a:ln>
+            <a:noFill/>
+          </a:ln>
+          <a:effectLst/>
+          <a:extLst>
+            <a:ext uri="{909E8E84-426E-40DD-AFC4-6F175D3DCCD1}">
+              <a14:hiddenFill xmlns:a14="http://schemas.microsoft.com/office/drawing/2010/main">
+                <a:solidFill>
+                  <a:schemeClr val="accent1"/>
+                </a:solidFill>
+              </a14:hiddenFill>
+            </a:ext>
+            <a:ext uri="{91240B29-F687-4F45-9708-019B960494DF}">
+              <a14:hiddenLine xmlns:a14="http://schemas.microsoft.com/office/drawing/2010/main" w="9525">
+                <a:solidFill>
+                  <a:schemeClr val="tx1"/>
+                </a:solidFill>
+                <a:miter lim="800000"/>
+                <a:headEnd/>
+                <a:tailEnd/>
+              </a14:hiddenLine>
+            </a:ext>
+            <a:ext uri="{AF507438-7753-43E0-B8FC-AC1667EBCBE1}">
+              <a14:hiddenEffects xmlns:a14="http://schemas.microsoft.com/office/drawing/2010/main">
+                <a:effectLst>
+                  <a:outerShdw dist="35921" dir="2700000" algn="ctr" rotWithShape="0">
+                    <a:schemeClr val="bg2"/>
+                  </a:outerShdw>
+                </a:effectLst>
+              </a14:hiddenEffects>
+            </a:ext>
+          </a:extLst>
+        </p:spPr>
+      </p:pic>
     </p:spTree>
     <p:extLst>
       <p:ext uri="{BB962C8B-B14F-4D97-AF65-F5344CB8AC3E}">
-        <p14:creationId xmlns:p14="http://schemas.microsoft.com/office/powerpoint/2010/main" val="3973917498"/>
+        <p14:creationId xmlns:p14="http://schemas.microsoft.com/office/powerpoint/2010/main" val="3173096143"/>
       </p:ext>
     </p:extLst>
   </p:cSld>
@@ -9049,7 +10421,7 @@
                 <a:ea typeface="新細明體" pitchFamily="-106" charset="-120"/>
                 <a:cs typeface="Arial" pitchFamily="34" charset="0"/>
               </a:rPr>
-              <a:t>Real Data</a:t>
+              <a:t>Noisy</a:t>
             </a:r>
             <a:r>
               <a:rPr lang="en-US" altLang="zh-TW" sz="4400" dirty="0">
@@ -9620,17 +10992,8 @@
               <a:rPr lang="en-US" altLang="zh-TW" sz="2600" dirty="0" smtClean="0">
                 <a:ea typeface="新細明體" pitchFamily="-106" charset="-120"/>
               </a:rPr>
-              <a:t>Choose data points which are most </a:t>
-            </a:r>
-            <a:r>
-              <a:rPr lang="en-US" altLang="zh-TW" sz="2600" dirty="0" smtClean="0">
-                <a:ea typeface="新細明體" pitchFamily="-106" charset="-120"/>
-              </a:rPr>
-              <a:t>informative</a:t>
-            </a:r>
-            <a:endParaRPr lang="en-US" altLang="zh-TW" sz="2600" dirty="0" smtClean="0">
-              <a:ea typeface="新細明體" pitchFamily="-106" charset="-120"/>
-            </a:endParaRPr>
+              <a:t>Choose data points which are most informative</a:t>
+            </a:r>
           </a:p>
           <a:p>
             <a:pPr eaLnBrk="1" hangingPunct="1">
@@ -9660,9 +11023,6 @@
               </a:rPr>
               <a:t>Document (image, video) Labeling</a:t>
             </a:r>
-            <a:endParaRPr lang="en-US" altLang="zh-TW" sz="2400" dirty="0" smtClean="0">
-              <a:ea typeface="新細明體" pitchFamily="-106" charset="-120"/>
-            </a:endParaRPr>
           </a:p>
           <a:p>
             <a:pPr lvl="1" eaLnBrk="1" hangingPunct="1">
@@ -9890,10 +11250,74 @@
           </a:p>
         </p:txBody>
       </p:sp>
+      <p:pic>
+        <p:nvPicPr>
+          <p:cNvPr id="3074" name="Picture 2"/>
+          <p:cNvPicPr>
+            <a:picLocks noChangeAspect="1" noChangeArrowheads="1"/>
+          </p:cNvPicPr>
+          <p:nvPr/>
+        </p:nvPicPr>
+        <p:blipFill>
+          <a:blip r:embed="rId3">
+            <a:extLst>
+              <a:ext uri="{28A0092B-C50C-407E-A947-70E740481C1C}">
+                <a14:useLocalDpi xmlns:a14="http://schemas.microsoft.com/office/drawing/2010/main" val="0"/>
+              </a:ext>
+            </a:extLst>
+          </a:blip>
+          <a:srcRect/>
+          <a:stretch>
+            <a:fillRect/>
+          </a:stretch>
+        </p:blipFill>
+        <p:spPr bwMode="auto">
+          <a:xfrm>
+            <a:off x="161925" y="1216025"/>
+            <a:ext cx="8820150" cy="4425950"/>
+          </a:xfrm>
+          <a:prstGeom prst="rect">
+            <a:avLst/>
+          </a:prstGeom>
+          <a:noFill/>
+          <a:ln>
+            <a:noFill/>
+          </a:ln>
+          <a:effectLst/>
+          <a:extLst>
+            <a:ext uri="{909E8E84-426E-40DD-AFC4-6F175D3DCCD1}">
+              <a14:hiddenFill xmlns:a14="http://schemas.microsoft.com/office/drawing/2010/main">
+                <a:solidFill>
+                  <a:schemeClr val="accent1"/>
+                </a:solidFill>
+              </a14:hiddenFill>
+            </a:ext>
+            <a:ext uri="{91240B29-F687-4F45-9708-019B960494DF}">
+              <a14:hiddenLine xmlns:a14="http://schemas.microsoft.com/office/drawing/2010/main" w="9525">
+                <a:solidFill>
+                  <a:schemeClr val="tx1"/>
+                </a:solidFill>
+                <a:miter lim="800000"/>
+                <a:headEnd/>
+                <a:tailEnd/>
+              </a14:hiddenLine>
+            </a:ext>
+            <a:ext uri="{AF507438-7753-43E0-B8FC-AC1667EBCBE1}">
+              <a14:hiddenEffects xmlns:a14="http://schemas.microsoft.com/office/drawing/2010/main">
+                <a:effectLst>
+                  <a:outerShdw dist="35921" dir="2700000" algn="ctr" rotWithShape="0">
+                    <a:schemeClr val="bg2"/>
+                  </a:outerShdw>
+                </a:effectLst>
+              </a14:hiddenEffects>
+            </a:ext>
+          </a:extLst>
+        </p:spPr>
+      </p:pic>
     </p:spTree>
     <p:extLst>
       <p:ext uri="{BB962C8B-B14F-4D97-AF65-F5344CB8AC3E}">
-        <p14:creationId xmlns:p14="http://schemas.microsoft.com/office/powerpoint/2010/main" val="644219274"/>
+        <p14:creationId xmlns:p14="http://schemas.microsoft.com/office/powerpoint/2010/main" val="3973917498"/>
       </p:ext>
     </p:extLst>
   </p:cSld>
@@ -10091,7 +11515,12 @@
             <p:ph type="title"/>
           </p:nvPr>
         </p:nvSpPr>
-        <p:spPr/>
+        <p:spPr>
+          <a:xfrm>
+            <a:off x="457200" y="277813"/>
+            <a:ext cx="8686800" cy="1139825"/>
+          </a:xfrm>
+        </p:spPr>
         <p:txBody>
           <a:bodyPr/>
           <a:lstStyle/>
@@ -10103,7 +11532,34 @@
                 <a:ea typeface="新細明體" pitchFamily="-106" charset="-120"/>
                 <a:cs typeface="Arial" pitchFamily="34" charset="0"/>
               </a:rPr>
-              <a:t>Closing Remarks</a:t>
+              <a:t>Experiment-</a:t>
+            </a:r>
+            <a:r>
+              <a:rPr lang="en-US" altLang="zh-TW" b="1" dirty="0" smtClean="0">
+                <a:latin typeface="Arial" pitchFamily="34" charset="0"/>
+                <a:ea typeface="新細明體" pitchFamily="-106" charset="-120"/>
+                <a:cs typeface="Arial" pitchFamily="34" charset="0"/>
+              </a:rPr>
+              <a:t>Real Data</a:t>
+            </a:r>
+            <a:r>
+              <a:rPr lang="en-US" altLang="zh-TW" sz="4400" dirty="0">
+                <a:ea typeface="新細明體" pitchFamily="-106" charset="-120"/>
+              </a:rPr>
+              <a:t/>
+            </a:r>
+            <a:br>
+              <a:rPr lang="en-US" altLang="zh-TW" sz="4400" dirty="0">
+                <a:ea typeface="新細明體" pitchFamily="-106" charset="-120"/>
+              </a:rPr>
+            </a:br>
+            <a:r>
+              <a:rPr lang="en-US" altLang="zh-CN" b="1" dirty="0" smtClean="0">
+                <a:latin typeface="Arial" pitchFamily="34" charset="0"/>
+                <a:ea typeface="新細明體" pitchFamily="-106" charset="-120"/>
+                <a:cs typeface="Arial" pitchFamily="34" charset="0"/>
+              </a:rPr>
+              <a:t> </a:t>
             </a:r>
             <a:endParaRPr lang="zh-CN" altLang="en-US" b="1" dirty="0">
               <a:latin typeface="Arial" pitchFamily="34" charset="0"/>
@@ -10113,102 +11569,35 @@
           </a:p>
         </p:txBody>
       </p:sp>
-      <p:sp>
-        <p:nvSpPr>
-          <p:cNvPr id="3" name="Content Placeholder 2"/>
-          <p:cNvSpPr>
-            <a:spLocks noGrp="1"/>
-          </p:cNvSpPr>
+      <p:pic>
+        <p:nvPicPr>
+          <p:cNvPr id="5" name="Content Placeholder 4"/>
+          <p:cNvPicPr>
+            <a:picLocks noGrp="1" noChangeAspect="1"/>
+          </p:cNvPicPr>
           <p:nvPr>
             <p:ph idx="1"/>
           </p:nvPr>
-        </p:nvSpPr>
-        <p:spPr/>
-        <p:txBody>
-          <a:bodyPr/>
-          <a:lstStyle/>
-          <a:p>
-            <a:pPr eaLnBrk="1" hangingPunct="1">
-              <a:lnSpc>
-                <a:spcPct val="90000"/>
-              </a:lnSpc>
-            </a:pPr>
-            <a:r>
-              <a:rPr lang="en-US" sz="2800" dirty="0"/>
-              <a:t>T</a:t>
-            </a:r>
-            <a:r>
-              <a:rPr lang="en-US" sz="2800" dirty="0" smtClean="0"/>
-              <a:t>hree existing </a:t>
-            </a:r>
-            <a:r>
-              <a:rPr lang="en-US" sz="2800" dirty="0"/>
-              <a:t>active learning </a:t>
-            </a:r>
-            <a:r>
-              <a:rPr lang="en-US" sz="2800" dirty="0" smtClean="0"/>
-              <a:t>algorithms with theory bounds are analyzed.</a:t>
-            </a:r>
-          </a:p>
-          <a:p>
-            <a:pPr marL="0" indent="0" eaLnBrk="1" hangingPunct="1">
-              <a:lnSpc>
-                <a:spcPct val="90000"/>
-              </a:lnSpc>
-              <a:buNone/>
-            </a:pPr>
-            <a:endParaRPr lang="en-US" sz="2800" dirty="0" smtClean="0"/>
-          </a:p>
-          <a:p>
-            <a:pPr eaLnBrk="1" hangingPunct="1">
-              <a:lnSpc>
-                <a:spcPct val="90000"/>
-              </a:lnSpc>
-            </a:pPr>
-            <a:r>
-              <a:rPr lang="en-US" sz="2800" dirty="0"/>
-              <a:t>We </a:t>
-            </a:r>
-            <a:r>
-              <a:rPr lang="en-US" sz="2800" dirty="0" smtClean="0"/>
-              <a:t>implement the </a:t>
-            </a:r>
-            <a:r>
-              <a:rPr lang="en-US" sz="2800" dirty="0"/>
-              <a:t>typical algorithms and apply them to synthesis and real world data sets to </a:t>
-            </a:r>
-            <a:r>
-              <a:rPr lang="en-US" sz="2800" dirty="0" smtClean="0"/>
-              <a:t>evaluate performance by comparing </a:t>
-            </a:r>
-            <a:r>
-              <a:rPr lang="en-US" sz="2800" dirty="0"/>
-              <a:t>the actual performance with the theoretical results</a:t>
-            </a:r>
-            <a:r>
-              <a:rPr lang="en-US" sz="2800" dirty="0" smtClean="0"/>
-              <a:t>.</a:t>
-            </a:r>
-            <a:r>
-              <a:rPr lang="en-US" sz="2800" dirty="0"/>
-              <a:t> </a:t>
-            </a:r>
-            <a:endParaRPr lang="en-US" altLang="zh-TW" sz="2400" dirty="0">
-              <a:ea typeface="新細明體" pitchFamily="-106" charset="-120"/>
-            </a:endParaRPr>
-          </a:p>
-          <a:p>
-            <a:pPr eaLnBrk="1" hangingPunct="1">
-              <a:lnSpc>
-                <a:spcPct val="90000"/>
-              </a:lnSpc>
-            </a:pPr>
-            <a:endParaRPr lang="en-US" altLang="zh-TW" sz="2400" dirty="0">
-              <a:ea typeface="新細明體" pitchFamily="-106" charset="-120"/>
-            </a:endParaRPr>
-          </a:p>
-        </p:txBody>
-      </p:sp>
+        </p:nvPicPr>
+        <p:blipFill>
+          <a:blip r:embed="rId2">
+            <a:extLst>
+              <a:ext uri="{28A0092B-C50C-407E-A947-70E740481C1C}">
+                <a14:useLocalDpi xmlns:a14="http://schemas.microsoft.com/office/drawing/2010/main" val="0"/>
+              </a:ext>
+            </a:extLst>
+          </a:blip>
+          <a:stretch>
+            <a:fillRect/>
+          </a:stretch>
+        </p:blipFill>
+        <p:spPr>
+          <a:xfrm>
+            <a:off x="304800" y="1371600"/>
+            <a:ext cx="8563428" cy="4495800"/>
+          </a:xfrm>
+        </p:spPr>
+      </p:pic>
       <p:sp>
         <p:nvSpPr>
           <p:cNvPr id="4" name="Slide Number Placeholder 3"/>
@@ -10236,7 +11625,7 @@
     </p:spTree>
     <p:extLst>
       <p:ext uri="{BB962C8B-B14F-4D97-AF65-F5344CB8AC3E}">
-        <p14:creationId xmlns:p14="http://schemas.microsoft.com/office/powerpoint/2010/main" val="938991079"/>
+        <p14:creationId xmlns:p14="http://schemas.microsoft.com/office/powerpoint/2010/main" val="644219274"/>
       </p:ext>
     </p:extLst>
   </p:cSld>
@@ -10272,7 +11661,135 @@
       </p:grpSpPr>
       <p:sp>
         <p:nvSpPr>
-          <p:cNvPr id="47106" name="Slide Number Placeholder 5"/>
+          <p:cNvPr id="2" name="Title 1"/>
+          <p:cNvSpPr>
+            <a:spLocks noGrp="1"/>
+          </p:cNvSpPr>
+          <p:nvPr>
+            <p:ph type="title"/>
+          </p:nvPr>
+        </p:nvSpPr>
+        <p:spPr/>
+        <p:txBody>
+          <a:bodyPr/>
+          <a:lstStyle/>
+          <a:p>
+            <a:pPr eaLnBrk="1" hangingPunct="1"/>
+            <a:r>
+              <a:rPr lang="en-US" altLang="zh-CN" b="1" dirty="0" smtClean="0">
+                <a:latin typeface="Arial" pitchFamily="34" charset="0"/>
+                <a:ea typeface="新細明體" pitchFamily="-106" charset="-120"/>
+                <a:cs typeface="Arial" pitchFamily="34" charset="0"/>
+              </a:rPr>
+              <a:t>Closing Remarks</a:t>
+            </a:r>
+            <a:endParaRPr lang="zh-CN" altLang="en-US" b="1" dirty="0">
+              <a:latin typeface="Arial" pitchFamily="34" charset="0"/>
+              <a:ea typeface="新細明體" pitchFamily="-106" charset="-120"/>
+              <a:cs typeface="Arial" pitchFamily="34" charset="0"/>
+            </a:endParaRPr>
+          </a:p>
+        </p:txBody>
+      </p:sp>
+      <p:sp>
+        <p:nvSpPr>
+          <p:cNvPr id="3" name="Content Placeholder 2"/>
+          <p:cNvSpPr>
+            <a:spLocks noGrp="1"/>
+          </p:cNvSpPr>
+          <p:nvPr>
+            <p:ph idx="1"/>
+          </p:nvPr>
+        </p:nvSpPr>
+        <p:spPr/>
+        <p:txBody>
+          <a:bodyPr/>
+          <a:lstStyle/>
+          <a:p>
+            <a:pPr eaLnBrk="1" hangingPunct="1">
+              <a:lnSpc>
+                <a:spcPct val="90000"/>
+              </a:lnSpc>
+            </a:pPr>
+            <a:r>
+              <a:rPr lang="en-US" sz="2800" dirty="0"/>
+              <a:t>T</a:t>
+            </a:r>
+            <a:r>
+              <a:rPr lang="en-US" sz="2800" dirty="0" smtClean="0"/>
+              <a:t>hree existing </a:t>
+            </a:r>
+            <a:r>
+              <a:rPr lang="en-US" sz="2800" dirty="0"/>
+              <a:t>active learning </a:t>
+            </a:r>
+            <a:r>
+              <a:rPr lang="en-US" sz="2800" dirty="0" smtClean="0"/>
+              <a:t>algorithms with theory bounds are analyzed.</a:t>
+            </a:r>
+          </a:p>
+          <a:p>
+            <a:pPr marL="0" indent="0" eaLnBrk="1" hangingPunct="1">
+              <a:lnSpc>
+                <a:spcPct val="90000"/>
+              </a:lnSpc>
+              <a:buNone/>
+            </a:pPr>
+            <a:endParaRPr lang="en-US" sz="2800" dirty="0" smtClean="0"/>
+          </a:p>
+          <a:p>
+            <a:pPr eaLnBrk="1" hangingPunct="1">
+              <a:lnSpc>
+                <a:spcPct val="90000"/>
+              </a:lnSpc>
+            </a:pPr>
+            <a:r>
+              <a:rPr lang="en-US" sz="2800" dirty="0"/>
+              <a:t>We </a:t>
+            </a:r>
+            <a:r>
+              <a:rPr lang="en-US" sz="2800" dirty="0" smtClean="0"/>
+              <a:t>implement the </a:t>
+            </a:r>
+            <a:r>
+              <a:rPr lang="en-US" sz="2800" dirty="0"/>
+              <a:t>typical algorithms and apply them to synthesis and real world data sets to </a:t>
+            </a:r>
+            <a:r>
+              <a:rPr lang="en-US" sz="2800" dirty="0" smtClean="0"/>
+              <a:t>evaluate performance by comparing </a:t>
+            </a:r>
+            <a:r>
+              <a:rPr lang="en-US" sz="2800" dirty="0"/>
+              <a:t>the actual performance with the theoretical results</a:t>
+            </a:r>
+            <a:r>
+              <a:rPr lang="en-US" sz="2800" dirty="0" smtClean="0"/>
+              <a:t>.</a:t>
+            </a:r>
+            <a:r>
+              <a:rPr lang="en-US" sz="2800" dirty="0"/>
+              <a:t> </a:t>
+            </a:r>
+            <a:endParaRPr lang="en-US" altLang="zh-TW" sz="2400" dirty="0">
+              <a:ea typeface="新細明體" pitchFamily="-106" charset="-120"/>
+            </a:endParaRPr>
+          </a:p>
+          <a:p>
+            <a:pPr eaLnBrk="1" hangingPunct="1">
+              <a:lnSpc>
+                <a:spcPct val="90000"/>
+              </a:lnSpc>
+            </a:pPr>
+            <a:endParaRPr lang="en-US" altLang="zh-TW" sz="2400" dirty="0">
+              <a:ea typeface="新細明體" pitchFamily="-106" charset="-120"/>
+            </a:endParaRPr>
+          </a:p>
+        </p:txBody>
+      </p:sp>
+      <p:sp>
+        <p:nvSpPr>
+          <p:cNvPr id="4" name="Slide Number Placeholder 3"/>
           <p:cNvSpPr>
             <a:spLocks noGrp="1"/>
           </p:cNvSpPr>
@@ -10280,202 +11797,26 @@
             <p:ph type="sldNum" sz="quarter" idx="12"/>
           </p:nvPr>
         </p:nvSpPr>
-        <p:spPr>
-          <a:noFill/>
-          <a:ln/>
-          <a:extLst>
-            <a:ext uri="{909E8E84-426E-40DD-AFC4-6F175D3DCCD1}">
-              <a14:hiddenFill xmlns:a14="http://schemas.microsoft.com/office/drawing/2010/main">
-                <a:solidFill>
-                  <a:srgbClr val="FFFFFF"/>
-                </a:solidFill>
-              </a14:hiddenFill>
-            </a:ext>
-            <a:ext uri="{91240B29-F687-4F45-9708-019B960494DF}">
-              <a14:hiddenLine xmlns:a14="http://schemas.microsoft.com/office/drawing/2010/main" w="9525">
-                <a:solidFill>
-                  <a:srgbClr val="000000"/>
-                </a:solidFill>
-                <a:miter lim="800000"/>
-                <a:headEnd/>
-                <a:tailEnd/>
-              </a14:hiddenLine>
-            </a:ext>
-          </a:extLst>
-        </p:spPr>
-        <p:txBody>
-          <a:bodyPr/>
-          <a:lstStyle>
-            <a:lvl1pPr eaLnBrk="0" hangingPunct="0">
-              <a:defRPr sz="2400">
-                <a:solidFill>
-                  <a:schemeClr val="tx1"/>
-                </a:solidFill>
-                <a:latin typeface="Arial" charset="0"/>
-                <a:ea typeface="ＭＳ Ｐゴシック" pitchFamily="-106" charset="-128"/>
-              </a:defRPr>
-            </a:lvl1pPr>
-            <a:lvl2pPr marL="37931725" indent="-37474525" eaLnBrk="0" hangingPunct="0">
-              <a:defRPr sz="2400">
-                <a:solidFill>
-                  <a:schemeClr val="tx1"/>
-                </a:solidFill>
-                <a:latin typeface="Arial" charset="0"/>
-                <a:ea typeface="ＭＳ Ｐゴシック" pitchFamily="-106" charset="-128"/>
-              </a:defRPr>
-            </a:lvl2pPr>
-            <a:lvl3pPr eaLnBrk="0" hangingPunct="0">
-              <a:defRPr sz="2400">
-                <a:solidFill>
-                  <a:schemeClr val="tx1"/>
-                </a:solidFill>
-                <a:latin typeface="Arial" charset="0"/>
-                <a:ea typeface="ＭＳ Ｐゴシック" pitchFamily="-106" charset="-128"/>
-              </a:defRPr>
-            </a:lvl3pPr>
-            <a:lvl4pPr eaLnBrk="0" hangingPunct="0">
-              <a:defRPr sz="2400">
-                <a:solidFill>
-                  <a:schemeClr val="tx1"/>
-                </a:solidFill>
-                <a:latin typeface="Arial" charset="0"/>
-                <a:ea typeface="ＭＳ Ｐゴシック" pitchFamily="-106" charset="-128"/>
-              </a:defRPr>
-            </a:lvl4pPr>
-            <a:lvl5pPr eaLnBrk="0" hangingPunct="0">
-              <a:defRPr sz="2400">
-                <a:solidFill>
-                  <a:schemeClr val="tx1"/>
-                </a:solidFill>
-                <a:latin typeface="Arial" charset="0"/>
-                <a:ea typeface="ＭＳ Ｐゴシック" pitchFamily="-106" charset="-128"/>
-              </a:defRPr>
-            </a:lvl5pPr>
-            <a:lvl6pPr marL="457200" eaLnBrk="0" fontAlgn="base" hangingPunct="0">
-              <a:spcBef>
-                <a:spcPct val="0"/>
-              </a:spcBef>
-              <a:spcAft>
-                <a:spcPct val="0"/>
-              </a:spcAft>
-              <a:defRPr sz="2400">
-                <a:solidFill>
-                  <a:schemeClr val="tx1"/>
-                </a:solidFill>
-                <a:latin typeface="Arial" charset="0"/>
-                <a:ea typeface="ＭＳ Ｐゴシック" pitchFamily="-106" charset="-128"/>
-              </a:defRPr>
-            </a:lvl6pPr>
-            <a:lvl7pPr marL="914400" eaLnBrk="0" fontAlgn="base" hangingPunct="0">
-              <a:spcBef>
-                <a:spcPct val="0"/>
-              </a:spcBef>
-              <a:spcAft>
-                <a:spcPct val="0"/>
-              </a:spcAft>
-              <a:defRPr sz="2400">
-                <a:solidFill>
-                  <a:schemeClr val="tx1"/>
-                </a:solidFill>
-                <a:latin typeface="Arial" charset="0"/>
-                <a:ea typeface="ＭＳ Ｐゴシック" pitchFamily="-106" charset="-128"/>
-              </a:defRPr>
-            </a:lvl7pPr>
-            <a:lvl8pPr marL="1371600" eaLnBrk="0" fontAlgn="base" hangingPunct="0">
-              <a:spcBef>
-                <a:spcPct val="0"/>
-              </a:spcBef>
-              <a:spcAft>
-                <a:spcPct val="0"/>
-              </a:spcAft>
-              <a:defRPr sz="2400">
-                <a:solidFill>
-                  <a:schemeClr val="tx1"/>
-                </a:solidFill>
-                <a:latin typeface="Arial" charset="0"/>
-                <a:ea typeface="ＭＳ Ｐゴシック" pitchFamily="-106" charset="-128"/>
-              </a:defRPr>
-            </a:lvl8pPr>
-            <a:lvl9pPr marL="1828800" eaLnBrk="0" fontAlgn="base" hangingPunct="0">
-              <a:spcBef>
-                <a:spcPct val="0"/>
-              </a:spcBef>
-              <a:spcAft>
-                <a:spcPct val="0"/>
-              </a:spcAft>
-              <a:defRPr sz="2400">
-                <a:solidFill>
-                  <a:schemeClr val="tx1"/>
-                </a:solidFill>
-                <a:latin typeface="Arial" charset="0"/>
-                <a:ea typeface="ＭＳ Ｐゴシック" pitchFamily="-106" charset="-128"/>
-              </a:defRPr>
-            </a:lvl9pPr>
-          </a:lstStyle>
-          <a:p>
-            <a:pPr eaLnBrk="1" hangingPunct="1"/>
-            <a:fld id="{AAA04654-EE4A-4EBE-BC23-CDB80A2BF4DE}" type="slidenum">
-              <a:rPr lang="en-US" sz="1200">
-                <a:latin typeface="Garamond" pitchFamily="-106" charset="0"/>
-              </a:rPr>
-              <a:pPr eaLnBrk="1" hangingPunct="1"/>
-              <a:t>23</a:t>
-            </a:fld>
-            <a:endParaRPr lang="en-US" sz="1200">
-              <a:latin typeface="Garamond" pitchFamily="-106" charset="0"/>
-            </a:endParaRPr>
-          </a:p>
-        </p:txBody>
-      </p:sp>
-      <p:sp>
-        <p:nvSpPr>
-          <p:cNvPr id="47108" name="Rectangle 3"/>
-          <p:cNvSpPr>
-            <a:spLocks noGrp="1" noChangeArrowheads="1"/>
-          </p:cNvSpPr>
-          <p:nvPr>
-            <p:ph type="body" idx="1"/>
-          </p:nvPr>
-        </p:nvSpPr>
-        <p:spPr>
-          <a:xfrm>
-            <a:off x="381000" y="1600200"/>
-            <a:ext cx="8229600" cy="4530725"/>
-          </a:xfrm>
-        </p:spPr>
+        <p:spPr/>
         <p:txBody>
           <a:bodyPr/>
           <a:lstStyle/>
           <a:p>
-            <a:pPr algn="ctr" eaLnBrk="1" hangingPunct="1">
-              <a:buFont typeface="Wingdings" pitchFamily="-106" charset="2"/>
-              <a:buNone/>
-            </a:pPr>
-            <a:r>
-              <a:rPr lang="en-US" altLang="zh-TW" sz="6000" dirty="0" smtClean="0">
-                <a:solidFill>
-                  <a:schemeClr val="accent6">
-                    <a:lumMod val="75000"/>
-                  </a:schemeClr>
-                </a:solidFill>
-                <a:latin typeface="Arial" pitchFamily="34" charset="0"/>
-                <a:ea typeface="新細明體" pitchFamily="-106" charset="-120"/>
-                <a:cs typeface="Arial" pitchFamily="34" charset="0"/>
-              </a:rPr>
-              <a:t>Q &amp; A</a:t>
-            </a:r>
-            <a:endParaRPr lang="en-US" altLang="zh-TW" sz="6000" dirty="0" smtClean="0">
-              <a:solidFill>
-                <a:schemeClr val="accent6">
-                  <a:lumMod val="75000"/>
-                </a:schemeClr>
-              </a:solidFill>
-              <a:ea typeface="新細明體" pitchFamily="-106" charset="-120"/>
-            </a:endParaRPr>
+            <a:fld id="{604EAB18-E0EA-45DC-AA4D-A7A0A794259A}" type="slidenum">
+              <a:rPr lang="en-US" smtClean="0"/>
+              <a:pPr/>
+              <a:t>23</a:t>
+            </a:fld>
+            <a:endParaRPr lang="en-US"/>
           </a:p>
         </p:txBody>
       </p:sp>
     </p:spTree>
+    <p:extLst>
+      <p:ext uri="{BB962C8B-B14F-4D97-AF65-F5344CB8AC3E}">
+        <p14:creationId xmlns:p14="http://schemas.microsoft.com/office/powerpoint/2010/main" val="938991079"/>
+      </p:ext>
+    </p:extLst>
   </p:cSld>
   <p:clrMapOvr>
     <a:masterClrMapping/>
@@ -10509,6 +11850,243 @@
       </p:grpSpPr>
       <p:sp>
         <p:nvSpPr>
+          <p:cNvPr id="47106" name="Slide Number Placeholder 5"/>
+          <p:cNvSpPr>
+            <a:spLocks noGrp="1"/>
+          </p:cNvSpPr>
+          <p:nvPr>
+            <p:ph type="sldNum" sz="quarter" idx="12"/>
+          </p:nvPr>
+        </p:nvSpPr>
+        <p:spPr>
+          <a:noFill/>
+          <a:ln/>
+          <a:extLst>
+            <a:ext uri="{909E8E84-426E-40DD-AFC4-6F175D3DCCD1}">
+              <a14:hiddenFill xmlns:a14="http://schemas.microsoft.com/office/drawing/2010/main">
+                <a:solidFill>
+                  <a:srgbClr val="FFFFFF"/>
+                </a:solidFill>
+              </a14:hiddenFill>
+            </a:ext>
+            <a:ext uri="{91240B29-F687-4F45-9708-019B960494DF}">
+              <a14:hiddenLine xmlns:a14="http://schemas.microsoft.com/office/drawing/2010/main" w="9525">
+                <a:solidFill>
+                  <a:srgbClr val="000000"/>
+                </a:solidFill>
+                <a:miter lim="800000"/>
+                <a:headEnd/>
+                <a:tailEnd/>
+              </a14:hiddenLine>
+            </a:ext>
+          </a:extLst>
+        </p:spPr>
+        <p:txBody>
+          <a:bodyPr/>
+          <a:lstStyle>
+            <a:lvl1pPr eaLnBrk="0" hangingPunct="0">
+              <a:defRPr sz="2400">
+                <a:solidFill>
+                  <a:schemeClr val="tx1"/>
+                </a:solidFill>
+                <a:latin typeface="Arial" charset="0"/>
+                <a:ea typeface="ＭＳ Ｐゴシック" pitchFamily="-106" charset="-128"/>
+              </a:defRPr>
+            </a:lvl1pPr>
+            <a:lvl2pPr marL="37931725" indent="-37474525" eaLnBrk="0" hangingPunct="0">
+              <a:defRPr sz="2400">
+                <a:solidFill>
+                  <a:schemeClr val="tx1"/>
+                </a:solidFill>
+                <a:latin typeface="Arial" charset="0"/>
+                <a:ea typeface="ＭＳ Ｐゴシック" pitchFamily="-106" charset="-128"/>
+              </a:defRPr>
+            </a:lvl2pPr>
+            <a:lvl3pPr eaLnBrk="0" hangingPunct="0">
+              <a:defRPr sz="2400">
+                <a:solidFill>
+                  <a:schemeClr val="tx1"/>
+                </a:solidFill>
+                <a:latin typeface="Arial" charset="0"/>
+                <a:ea typeface="ＭＳ Ｐゴシック" pitchFamily="-106" charset="-128"/>
+              </a:defRPr>
+            </a:lvl3pPr>
+            <a:lvl4pPr eaLnBrk="0" hangingPunct="0">
+              <a:defRPr sz="2400">
+                <a:solidFill>
+                  <a:schemeClr val="tx1"/>
+                </a:solidFill>
+                <a:latin typeface="Arial" charset="0"/>
+                <a:ea typeface="ＭＳ Ｐゴシック" pitchFamily="-106" charset="-128"/>
+              </a:defRPr>
+            </a:lvl4pPr>
+            <a:lvl5pPr eaLnBrk="0" hangingPunct="0">
+              <a:defRPr sz="2400">
+                <a:solidFill>
+                  <a:schemeClr val="tx1"/>
+                </a:solidFill>
+                <a:latin typeface="Arial" charset="0"/>
+                <a:ea typeface="ＭＳ Ｐゴシック" pitchFamily="-106" charset="-128"/>
+              </a:defRPr>
+            </a:lvl5pPr>
+            <a:lvl6pPr marL="457200" eaLnBrk="0" fontAlgn="base" hangingPunct="0">
+              <a:spcBef>
+                <a:spcPct val="0"/>
+              </a:spcBef>
+              <a:spcAft>
+                <a:spcPct val="0"/>
+              </a:spcAft>
+              <a:defRPr sz="2400">
+                <a:solidFill>
+                  <a:schemeClr val="tx1"/>
+                </a:solidFill>
+                <a:latin typeface="Arial" charset="0"/>
+                <a:ea typeface="ＭＳ Ｐゴシック" pitchFamily="-106" charset="-128"/>
+              </a:defRPr>
+            </a:lvl6pPr>
+            <a:lvl7pPr marL="914400" eaLnBrk="0" fontAlgn="base" hangingPunct="0">
+              <a:spcBef>
+                <a:spcPct val="0"/>
+              </a:spcBef>
+              <a:spcAft>
+                <a:spcPct val="0"/>
+              </a:spcAft>
+              <a:defRPr sz="2400">
+                <a:solidFill>
+                  <a:schemeClr val="tx1"/>
+                </a:solidFill>
+                <a:latin typeface="Arial" charset="0"/>
+                <a:ea typeface="ＭＳ Ｐゴシック" pitchFamily="-106" charset="-128"/>
+              </a:defRPr>
+            </a:lvl7pPr>
+            <a:lvl8pPr marL="1371600" eaLnBrk="0" fontAlgn="base" hangingPunct="0">
+              <a:spcBef>
+                <a:spcPct val="0"/>
+              </a:spcBef>
+              <a:spcAft>
+                <a:spcPct val="0"/>
+              </a:spcAft>
+              <a:defRPr sz="2400">
+                <a:solidFill>
+                  <a:schemeClr val="tx1"/>
+                </a:solidFill>
+                <a:latin typeface="Arial" charset="0"/>
+                <a:ea typeface="ＭＳ Ｐゴシック" pitchFamily="-106" charset="-128"/>
+              </a:defRPr>
+            </a:lvl8pPr>
+            <a:lvl9pPr marL="1828800" eaLnBrk="0" fontAlgn="base" hangingPunct="0">
+              <a:spcBef>
+                <a:spcPct val="0"/>
+              </a:spcBef>
+              <a:spcAft>
+                <a:spcPct val="0"/>
+              </a:spcAft>
+              <a:defRPr sz="2400">
+                <a:solidFill>
+                  <a:schemeClr val="tx1"/>
+                </a:solidFill>
+                <a:latin typeface="Arial" charset="0"/>
+                <a:ea typeface="ＭＳ Ｐゴシック" pitchFamily="-106" charset="-128"/>
+              </a:defRPr>
+            </a:lvl9pPr>
+          </a:lstStyle>
+          <a:p>
+            <a:pPr eaLnBrk="1" hangingPunct="1"/>
+            <a:fld id="{AAA04654-EE4A-4EBE-BC23-CDB80A2BF4DE}" type="slidenum">
+              <a:rPr lang="en-US" sz="1200">
+                <a:latin typeface="Garamond" pitchFamily="-106" charset="0"/>
+              </a:rPr>
+              <a:pPr eaLnBrk="1" hangingPunct="1"/>
+              <a:t>24</a:t>
+            </a:fld>
+            <a:endParaRPr lang="en-US" sz="1200">
+              <a:latin typeface="Garamond" pitchFamily="-106" charset="0"/>
+            </a:endParaRPr>
+          </a:p>
+        </p:txBody>
+      </p:sp>
+      <p:sp>
+        <p:nvSpPr>
+          <p:cNvPr id="47108" name="Rectangle 3"/>
+          <p:cNvSpPr>
+            <a:spLocks noGrp="1" noChangeArrowheads="1"/>
+          </p:cNvSpPr>
+          <p:nvPr>
+            <p:ph type="body" idx="1"/>
+          </p:nvPr>
+        </p:nvSpPr>
+        <p:spPr>
+          <a:xfrm>
+            <a:off x="381000" y="1600200"/>
+            <a:ext cx="8229600" cy="4530725"/>
+          </a:xfrm>
+        </p:spPr>
+        <p:txBody>
+          <a:bodyPr/>
+          <a:lstStyle/>
+          <a:p>
+            <a:pPr algn="ctr" eaLnBrk="1" hangingPunct="1">
+              <a:buFont typeface="Wingdings" pitchFamily="-106" charset="2"/>
+              <a:buNone/>
+            </a:pPr>
+            <a:r>
+              <a:rPr lang="en-US" altLang="zh-TW" sz="6000" dirty="0" smtClean="0">
+                <a:solidFill>
+                  <a:schemeClr val="accent6">
+                    <a:lumMod val="75000"/>
+                  </a:schemeClr>
+                </a:solidFill>
+                <a:latin typeface="Arial" pitchFamily="34" charset="0"/>
+                <a:ea typeface="新細明體" pitchFamily="-106" charset="-120"/>
+                <a:cs typeface="Arial" pitchFamily="34" charset="0"/>
+              </a:rPr>
+              <a:t>Q &amp; A</a:t>
+            </a:r>
+            <a:endParaRPr lang="en-US" altLang="zh-TW" sz="6000" dirty="0" smtClean="0">
+              <a:solidFill>
+                <a:schemeClr val="accent6">
+                  <a:lumMod val="75000"/>
+                </a:schemeClr>
+              </a:solidFill>
+              <a:ea typeface="新細明體" pitchFamily="-106" charset="-120"/>
+            </a:endParaRPr>
+          </a:p>
+        </p:txBody>
+      </p:sp>
+    </p:spTree>
+  </p:cSld>
+  <p:clrMapOvr>
+    <a:masterClrMapping/>
+  </p:clrMapOvr>
+  <p:timing>
+    <p:tnLst>
+      <p:par>
+        <p:cTn id="1" dur="indefinite" restart="never" nodeType="tmRoot"/>
+      </p:par>
+    </p:tnLst>
+  </p:timing>
+</p:sld>
+</file>
+
+<file path=ppt/slides/slide25.xml><?xml version="1.0" encoding="utf-8"?>
+<p:sld xmlns:a="http://schemas.openxmlformats.org/drawingml/2006/main" xmlns:r="http://schemas.openxmlformats.org/officeDocument/2006/relationships" xmlns:p="http://schemas.openxmlformats.org/presentationml/2006/main">
+  <p:cSld>
+    <p:spTree>
+      <p:nvGrpSpPr>
+        <p:cNvPr id="1" name=""/>
+        <p:cNvGrpSpPr/>
+        <p:nvPr/>
+      </p:nvGrpSpPr>
+      <p:grpSpPr>
+        <a:xfrm>
+          <a:off x="0" y="0"/>
+          <a:ext cx="0" cy="0"/>
+          <a:chOff x="0" y="0"/>
+          <a:chExt cx="0" cy="0"/>
+        </a:xfrm>
+      </p:grpSpPr>
+      <p:sp>
+        <p:nvSpPr>
           <p:cNvPr id="2" name="Title 1"/>
           <p:cNvSpPr>
             <a:spLocks noGrp="1"/>
@@ -10699,7 +12277,7 @@
             <a:fld id="{604EAB18-E0EA-45DC-AA4D-A7A0A794259A}" type="slidenum">
               <a:rPr lang="en-US" smtClean="0"/>
               <a:pPr/>
-              <a:t>24</a:t>
+              <a:t>25</a:t>
             </a:fld>
             <a:endParaRPr lang="en-US"/>
           </a:p>
@@ -16371,8 +17949,8 @@
           </a:p>
         </p:txBody>
       </p:sp>
-      <mc:AlternateContent xmlns:mc="http://schemas.openxmlformats.org/markup-compatibility/2006">
-        <mc:Choice xmlns:a14="http://schemas.microsoft.com/office/drawing/2010/main" Requires="a14">
+      <mc:AlternateContent xmlns:mc="http://schemas.openxmlformats.org/markup-compatibility/2006" xmlns:a14="http://schemas.microsoft.com/office/drawing/2010/main">
+        <mc:Choice Requires="a14">
           <p:sp>
             <p:nvSpPr>
               <p:cNvPr id="5" name="Rectangle 3"/>
@@ -16620,13 +18198,7 @@
                   <a:rPr lang="en-US" altLang="zh-TW" sz="2600" dirty="0" smtClean="0">
                     <a:ea typeface="新細明體" pitchFamily="-106" charset="-120"/>
                   </a:rPr>
-                  <a:t>Active </a:t>
-                </a:r>
-                <a:r>
-                  <a:rPr lang="en-US" altLang="zh-TW" sz="2600" dirty="0" smtClean="0">
-                    <a:ea typeface="新細明體" pitchFamily="-106" charset="-120"/>
-                  </a:rPr>
-                  <a:t>Learning is a subfield of machine learning. </a:t>
+                  <a:t>Active Learning is a subfield of machine learning. </a:t>
                 </a:r>
               </a:p>
               <a:p>
@@ -16862,7 +18434,7 @@
             </p:txBody>
           </p:sp>
         </mc:Choice>
-        <mc:Fallback>
+        <mc:Fallback xmlns="">
           <p:sp>
             <p:nvSpPr>
               <p:cNvPr id="5" name="Rectangle 3"/>
@@ -17404,9 +18976,6 @@
               </a:rPr>
               <a:t>Learning</a:t>
             </a:r>
-            <a:endParaRPr lang="en-US" altLang="zh-TW" sz="2600" dirty="0" smtClean="0">
-              <a:ea typeface="新細明體" pitchFamily="-106" charset="-120"/>
-            </a:endParaRPr>
           </a:p>
           <a:p>
             <a:pPr eaLnBrk="1" hangingPunct="1">
@@ -17445,9 +19014,6 @@
               </a:rPr>
               <a:t>Committee</a:t>
             </a:r>
-            <a:endParaRPr lang="en-US" altLang="zh-TW" sz="2600" dirty="0" smtClean="0">
-              <a:ea typeface="新細明體" pitchFamily="-106" charset="-120"/>
-            </a:endParaRPr>
           </a:p>
           <a:p>
             <a:pPr eaLnBrk="1" hangingPunct="1">
@@ -17464,9 +19030,6 @@
               </a:rPr>
               <a:t>…</a:t>
             </a:r>
-            <a:endParaRPr lang="en-US" altLang="zh-TW" sz="2600" dirty="0" smtClean="0">
-              <a:ea typeface="新細明體" pitchFamily="-106" charset="-120"/>
-            </a:endParaRPr>
           </a:p>
           <a:p>
             <a:pPr marL="344487" lvl="1" indent="0" eaLnBrk="1" hangingPunct="1">
@@ -17849,6 +19412,211 @@
       </p:grpSpPr>
       <p:sp>
         <p:nvSpPr>
+          <p:cNvPr id="2" name="Title 1"/>
+          <p:cNvSpPr>
+            <a:spLocks noGrp="1"/>
+          </p:cNvSpPr>
+          <p:nvPr>
+            <p:ph type="title"/>
+          </p:nvPr>
+        </p:nvSpPr>
+        <p:spPr/>
+        <p:txBody>
+          <a:bodyPr/>
+          <a:lstStyle/>
+          <a:p>
+            <a:pPr eaLnBrk="1" hangingPunct="1"/>
+            <a:r>
+              <a:rPr lang="en-US" altLang="zh-CN" b="1" dirty="0">
+                <a:latin typeface="Arial" pitchFamily="34" charset="0"/>
+                <a:ea typeface="新細明體" pitchFamily="-106" charset="-120"/>
+                <a:cs typeface="Arial" pitchFamily="34" charset="0"/>
+              </a:rPr>
+              <a:t>Active Perceptron</a:t>
+            </a:r>
+            <a:endParaRPr lang="zh-CN" altLang="en-US" b="1" dirty="0">
+              <a:latin typeface="Arial" pitchFamily="34" charset="0"/>
+              <a:ea typeface="新細明體" pitchFamily="-106" charset="-120"/>
+              <a:cs typeface="Arial" pitchFamily="34" charset="0"/>
+            </a:endParaRPr>
+          </a:p>
+        </p:txBody>
+      </p:sp>
+      <p:sp>
+        <p:nvSpPr>
+          <p:cNvPr id="3" name="Content Placeholder 2"/>
+          <p:cNvSpPr>
+            <a:spLocks noGrp="1"/>
+          </p:cNvSpPr>
+          <p:nvPr>
+            <p:ph idx="1"/>
+          </p:nvPr>
+        </p:nvSpPr>
+        <p:spPr/>
+        <p:txBody>
+          <a:bodyPr/>
+          <a:lstStyle/>
+          <a:p>
+            <a:endParaRPr lang="zh-CN" altLang="en-US" dirty="0"/>
+          </a:p>
+        </p:txBody>
+      </p:sp>
+      <p:sp>
+        <p:nvSpPr>
+          <p:cNvPr id="4" name="Slide Number Placeholder 3"/>
+          <p:cNvSpPr>
+            <a:spLocks noGrp="1"/>
+          </p:cNvSpPr>
+          <p:nvPr>
+            <p:ph type="sldNum" sz="quarter" idx="12"/>
+          </p:nvPr>
+        </p:nvSpPr>
+        <p:spPr/>
+        <p:txBody>
+          <a:bodyPr/>
+          <a:lstStyle/>
+          <a:p>
+            <a:fld id="{604EAB18-E0EA-45DC-AA4D-A7A0A794259A}" type="slidenum">
+              <a:rPr lang="en-US" smtClean="0"/>
+              <a:pPr/>
+              <a:t>7</a:t>
+            </a:fld>
+            <a:endParaRPr lang="en-US"/>
+          </a:p>
+        </p:txBody>
+      </p:sp>
+      <p:pic>
+        <p:nvPicPr>
+          <p:cNvPr id="4098" name="Picture 2"/>
+          <p:cNvPicPr>
+            <a:picLocks noChangeAspect="1" noChangeArrowheads="1"/>
+          </p:cNvPicPr>
+          <p:nvPr/>
+        </p:nvPicPr>
+        <p:blipFill>
+          <a:blip r:embed="rId2">
+            <a:extLst>
+              <a:ext uri="{28A0092B-C50C-407E-A947-70E740481C1C}">
+                <a14:useLocalDpi xmlns:a14="http://schemas.microsoft.com/office/drawing/2010/main" val="0"/>
+              </a:ext>
+            </a:extLst>
+          </a:blip>
+          <a:srcRect/>
+          <a:stretch>
+            <a:fillRect/>
+          </a:stretch>
+        </p:blipFill>
+        <p:spPr bwMode="auto">
+          <a:xfrm>
+            <a:off x="304800" y="1524000"/>
+            <a:ext cx="8763886" cy="1371600"/>
+          </a:xfrm>
+          <a:prstGeom prst="rect">
+            <a:avLst/>
+          </a:prstGeom>
+          <a:noFill/>
+          <a:ln>
+            <a:noFill/>
+          </a:ln>
+          <a:effectLst/>
+          <a:extLst>
+            <a:ext uri="{909E8E84-426E-40DD-AFC4-6F175D3DCCD1}">
+              <a14:hiddenFill xmlns:a14="http://schemas.microsoft.com/office/drawing/2010/main">
+                <a:solidFill>
+                  <a:schemeClr val="accent1"/>
+                </a:solidFill>
+              </a14:hiddenFill>
+            </a:ext>
+            <a:ext uri="{91240B29-F687-4F45-9708-019B960494DF}">
+              <a14:hiddenLine xmlns:a14="http://schemas.microsoft.com/office/drawing/2010/main" w="9525">
+                <a:solidFill>
+                  <a:schemeClr val="tx1"/>
+                </a:solidFill>
+                <a:miter lim="800000"/>
+                <a:headEnd/>
+                <a:tailEnd/>
+              </a14:hiddenLine>
+            </a:ext>
+            <a:ext uri="{AF507438-7753-43E0-B8FC-AC1667EBCBE1}">
+              <a14:hiddenEffects xmlns:a14="http://schemas.microsoft.com/office/drawing/2010/main">
+                <a:effectLst>
+                  <a:outerShdw dist="35921" dir="2700000" algn="ctr" rotWithShape="0">
+                    <a:schemeClr val="bg2"/>
+                  </a:outerShdw>
+                </a:effectLst>
+              </a14:hiddenEffects>
+            </a:ext>
+          </a:extLst>
+        </p:spPr>
+      </p:pic>
+      <p:cxnSp>
+        <p:nvCxnSpPr>
+          <p:cNvPr id="6" name="Straight Connector 5"/>
+          <p:cNvCxnSpPr/>
+          <p:nvPr/>
+        </p:nvCxnSpPr>
+        <p:spPr bwMode="auto">
+          <a:xfrm>
+            <a:off x="5105400" y="1905000"/>
+            <a:ext cx="3733800" cy="0"/>
+          </a:xfrm>
+          <a:prstGeom prst="line">
+            <a:avLst/>
+          </a:prstGeom>
+          <a:solidFill>
+            <a:schemeClr val="accent1"/>
+          </a:solidFill>
+          <a:ln w="31750" cap="flat" cmpd="sng" algn="ctr">
+            <a:solidFill>
+              <a:srgbClr val="FF0000"/>
+            </a:solidFill>
+            <a:prstDash val="solid"/>
+            <a:round/>
+            <a:headEnd type="none" w="med" len="med"/>
+            <a:tailEnd type="none" w="med" len="med"/>
+          </a:ln>
+          <a:effectLst/>
+        </p:spPr>
+      </p:cxnSp>
+    </p:spTree>
+    <p:extLst>
+      <p:ext uri="{BB962C8B-B14F-4D97-AF65-F5344CB8AC3E}">
+        <p14:creationId xmlns:p14="http://schemas.microsoft.com/office/powerpoint/2010/main" val="1591726633"/>
+      </p:ext>
+    </p:extLst>
+  </p:cSld>
+  <p:clrMapOvr>
+    <a:masterClrMapping/>
+  </p:clrMapOvr>
+  <p:timing>
+    <p:tnLst>
+      <p:par>
+        <p:cTn id="1" dur="indefinite" restart="never" nodeType="tmRoot"/>
+      </p:par>
+    </p:tnLst>
+  </p:timing>
+</p:sld>
+</file>
+
+<file path=ppt/slides/slide8.xml><?xml version="1.0" encoding="utf-8"?>
+<p:sld xmlns:a="http://schemas.openxmlformats.org/drawingml/2006/main" xmlns:r="http://schemas.openxmlformats.org/officeDocument/2006/relationships" xmlns:p="http://schemas.openxmlformats.org/presentationml/2006/main">
+  <p:cSld>
+    <p:spTree>
+      <p:nvGrpSpPr>
+        <p:cNvPr id="1" name=""/>
+        <p:cNvGrpSpPr/>
+        <p:nvPr/>
+      </p:nvGrpSpPr>
+      <p:grpSpPr>
+        <a:xfrm>
+          <a:off x="0" y="0"/>
+          <a:ext cx="0" cy="0"/>
+          <a:chOff x="0" y="0"/>
+          <a:chExt cx="0" cy="0"/>
+        </a:xfrm>
+      </p:grpSpPr>
+      <p:sp>
+        <p:nvSpPr>
           <p:cNvPr id="47106" name="Slide Number Placeholder 5"/>
           <p:cNvSpPr>
             <a:spLocks noGrp="1"/>
@@ -17996,7 +19764,7 @@
                 <a:latin typeface="Garamond" pitchFamily="-106" charset="0"/>
               </a:rPr>
               <a:pPr eaLnBrk="1" hangingPunct="1"/>
-              <a:t>7</a:t>
+              <a:t>8</a:t>
             </a:fld>
             <a:endParaRPr lang="en-US" sz="1200" dirty="0">
               <a:latin typeface="Garamond" pitchFamily="-106" charset="0"/>
@@ -18896,7 +20664,7 @@
 </p:sld>
 </file>
 
-<file path=ppt/slides/slide8.xml><?xml version="1.0" encoding="utf-8"?>
+<file path=ppt/slides/slide9.xml><?xml version="1.0" encoding="utf-8"?>
 <p:sld xmlns:a="http://schemas.openxmlformats.org/drawingml/2006/main" xmlns:r="http://schemas.openxmlformats.org/officeDocument/2006/relationships" xmlns:p="http://schemas.openxmlformats.org/presentationml/2006/main">
   <p:cSld>
     <p:spTree>
@@ -19062,7 +20830,7 @@
                 <a:latin typeface="Garamond" pitchFamily="-106" charset="0"/>
               </a:rPr>
               <a:pPr eaLnBrk="1" hangingPunct="1"/>
-              <a:t>8</a:t>
+              <a:t>9</a:t>
             </a:fld>
             <a:endParaRPr lang="en-US" sz="1200" dirty="0">
               <a:latin typeface="Garamond" pitchFamily="-106" charset="0"/>
@@ -19102,8 +20870,8 @@
           </a:p>
         </p:txBody>
       </p:sp>
-      <mc:AlternateContent xmlns:mc="http://schemas.openxmlformats.org/markup-compatibility/2006">
-        <mc:Choice xmlns:a14="http://schemas.microsoft.com/office/drawing/2010/main" Requires="a14">
+      <mc:AlternateContent xmlns:mc="http://schemas.openxmlformats.org/markup-compatibility/2006" xmlns:a14="http://schemas.microsoft.com/office/drawing/2010/main">
+        <mc:Choice Requires="a14">
           <p:sp>
             <p:nvSpPr>
               <p:cNvPr id="7" name="Rectangle 3"/>
@@ -19373,13 +21141,7 @@
                   <a:rPr lang="en-US" altLang="zh-TW" sz="2000" dirty="0" smtClean="0">
                     <a:ea typeface="新細明體" pitchFamily="-106" charset="-120"/>
                   </a:rPr>
-                  <a:t>The </a:t>
-                </a:r>
-                <a:r>
-                  <a:rPr lang="en-US" altLang="zh-TW" sz="2000" dirty="0" smtClean="0">
-                    <a:ea typeface="新細明體" pitchFamily="-106" charset="-120"/>
-                  </a:rPr>
-                  <a:t>instantaneous information gain from the </a:t>
+                  <a:t>The instantaneous information gain from the </a:t>
                 </a:r>
                 <a:r>
                   <a:rPr lang="en-US" altLang="zh-TW" sz="2000" i="1" dirty="0" smtClean="0">
@@ -19405,9 +21167,6 @@
                   </a:rPr>
                   <a:t> label example</a:t>
                 </a:r>
-                <a:endParaRPr lang="en-US" altLang="zh-TW" sz="2000" dirty="0" smtClean="0">
-                  <a:ea typeface="新細明體" pitchFamily="-106" charset="-120"/>
-                </a:endParaRPr>
               </a:p>
               <a:p>
                 <a:pPr marL="344487" lvl="1" indent="0" eaLnBrk="1" hangingPunct="1">
@@ -19698,9 +21457,6 @@
                   </a:rPr>
                   <a:t> for information gain for any dimension. </a:t>
                 </a:r>
-                <a:endParaRPr lang="en-US" altLang="zh-TW" sz="2000" dirty="0" smtClean="0">
-                  <a:ea typeface="新細明體" pitchFamily="-106" charset="-120"/>
-                </a:endParaRPr>
               </a:p>
               <a:p>
                 <a:pPr marL="344487" lvl="1" indent="0" eaLnBrk="1" hangingPunct="1">
@@ -19724,9 +21480,6 @@
                   </a:rPr>
                   <a:t>    </a:t>
                 </a:r>
-                <a:endParaRPr lang="en-US" altLang="zh-TW" sz="2000" dirty="0" smtClean="0">
-                  <a:ea typeface="新細明體" pitchFamily="-106" charset="-120"/>
-                </a:endParaRPr>
               </a:p>
               <a:p>
                 <a:pPr lvl="1" eaLnBrk="1" hangingPunct="1">
@@ -19756,7 +21509,7 @@
             </p:txBody>
           </p:sp>
         </mc:Choice>
-        <mc:Fallback>
+        <mc:Fallback xmlns="">
           <p:sp>
             <p:nvSpPr>
               <p:cNvPr id="7" name="Rectangle 3"/>
@@ -19821,1398 +21574,6 @@
     <p:extLst>
       <p:ext uri="{BB962C8B-B14F-4D97-AF65-F5344CB8AC3E}">
         <p14:creationId xmlns:p14="http://schemas.microsoft.com/office/powerpoint/2010/main" val="1784490935"/>
-      </p:ext>
-    </p:extLst>
-  </p:cSld>
-  <p:clrMapOvr>
-    <a:masterClrMapping/>
-  </p:clrMapOvr>
-  <p:timing>
-    <p:tnLst>
-      <p:par>
-        <p:cTn id="1" dur="indefinite" restart="never" nodeType="tmRoot"/>
-      </p:par>
-    </p:tnLst>
-  </p:timing>
-</p:sld>
-</file>
-
-<file path=ppt/slides/slide9.xml><?xml version="1.0" encoding="utf-8"?>
-<p:sld xmlns:a="http://schemas.openxmlformats.org/drawingml/2006/main" xmlns:r="http://schemas.openxmlformats.org/officeDocument/2006/relationships" xmlns:p="http://schemas.openxmlformats.org/presentationml/2006/main">
-  <p:cSld>
-    <p:spTree>
-      <p:nvGrpSpPr>
-        <p:cNvPr id="1" name=""/>
-        <p:cNvGrpSpPr/>
-        <p:nvPr/>
-      </p:nvGrpSpPr>
-      <p:grpSpPr>
-        <a:xfrm>
-          <a:off x="0" y="0"/>
-          <a:ext cx="0" cy="0"/>
-          <a:chOff x="0" y="0"/>
-          <a:chExt cx="0" cy="0"/>
-        </a:xfrm>
-      </p:grpSpPr>
-      <p:sp>
-        <p:nvSpPr>
-          <p:cNvPr id="47106" name="Slide Number Placeholder 5"/>
-          <p:cNvSpPr>
-            <a:spLocks noGrp="1"/>
-          </p:cNvSpPr>
-          <p:nvPr>
-            <p:ph type="sldNum" sz="quarter" idx="12"/>
-          </p:nvPr>
-        </p:nvSpPr>
-        <p:spPr>
-          <a:noFill/>
-          <a:ln/>
-          <a:extLst>
-            <a:ext uri="{909E8E84-426E-40DD-AFC4-6F175D3DCCD1}">
-              <a14:hiddenFill xmlns:a14="http://schemas.microsoft.com/office/drawing/2010/main">
-                <a:solidFill>
-                  <a:srgbClr val="FFFFFF"/>
-                </a:solidFill>
-              </a14:hiddenFill>
-            </a:ext>
-            <a:ext uri="{91240B29-F687-4F45-9708-019B960494DF}">
-              <a14:hiddenLine xmlns:a14="http://schemas.microsoft.com/office/drawing/2010/main" w="9525">
-                <a:solidFill>
-                  <a:srgbClr val="000000"/>
-                </a:solidFill>
-                <a:miter lim="800000"/>
-                <a:headEnd/>
-                <a:tailEnd/>
-              </a14:hiddenLine>
-            </a:ext>
-          </a:extLst>
-        </p:spPr>
-        <p:txBody>
-          <a:bodyPr/>
-          <a:lstStyle>
-            <a:lvl1pPr eaLnBrk="0" hangingPunct="0">
-              <a:defRPr sz="2400">
-                <a:solidFill>
-                  <a:schemeClr val="tx1"/>
-                </a:solidFill>
-                <a:latin typeface="Arial" charset="0"/>
-                <a:ea typeface="ＭＳ Ｐゴシック" pitchFamily="-106" charset="-128"/>
-              </a:defRPr>
-            </a:lvl1pPr>
-            <a:lvl2pPr marL="37931725" indent="-37474525" eaLnBrk="0" hangingPunct="0">
-              <a:defRPr sz="2400">
-                <a:solidFill>
-                  <a:schemeClr val="tx1"/>
-                </a:solidFill>
-                <a:latin typeface="Arial" charset="0"/>
-                <a:ea typeface="ＭＳ Ｐゴシック" pitchFamily="-106" charset="-128"/>
-              </a:defRPr>
-            </a:lvl2pPr>
-            <a:lvl3pPr eaLnBrk="0" hangingPunct="0">
-              <a:defRPr sz="2400">
-                <a:solidFill>
-                  <a:schemeClr val="tx1"/>
-                </a:solidFill>
-                <a:latin typeface="Arial" charset="0"/>
-                <a:ea typeface="ＭＳ Ｐゴシック" pitchFamily="-106" charset="-128"/>
-              </a:defRPr>
-            </a:lvl3pPr>
-            <a:lvl4pPr eaLnBrk="0" hangingPunct="0">
-              <a:defRPr sz="2400">
-                <a:solidFill>
-                  <a:schemeClr val="tx1"/>
-                </a:solidFill>
-                <a:latin typeface="Arial" charset="0"/>
-                <a:ea typeface="ＭＳ Ｐゴシック" pitchFamily="-106" charset="-128"/>
-              </a:defRPr>
-            </a:lvl4pPr>
-            <a:lvl5pPr eaLnBrk="0" hangingPunct="0">
-              <a:defRPr sz="2400">
-                <a:solidFill>
-                  <a:schemeClr val="tx1"/>
-                </a:solidFill>
-                <a:latin typeface="Arial" charset="0"/>
-                <a:ea typeface="ＭＳ Ｐゴシック" pitchFamily="-106" charset="-128"/>
-              </a:defRPr>
-            </a:lvl5pPr>
-            <a:lvl6pPr marL="457200" eaLnBrk="0" fontAlgn="base" hangingPunct="0">
-              <a:spcBef>
-                <a:spcPct val="0"/>
-              </a:spcBef>
-              <a:spcAft>
-                <a:spcPct val="0"/>
-              </a:spcAft>
-              <a:defRPr sz="2400">
-                <a:solidFill>
-                  <a:schemeClr val="tx1"/>
-                </a:solidFill>
-                <a:latin typeface="Arial" charset="0"/>
-                <a:ea typeface="ＭＳ Ｐゴシック" pitchFamily="-106" charset="-128"/>
-              </a:defRPr>
-            </a:lvl6pPr>
-            <a:lvl7pPr marL="914400" eaLnBrk="0" fontAlgn="base" hangingPunct="0">
-              <a:spcBef>
-                <a:spcPct val="0"/>
-              </a:spcBef>
-              <a:spcAft>
-                <a:spcPct val="0"/>
-              </a:spcAft>
-              <a:defRPr sz="2400">
-                <a:solidFill>
-                  <a:schemeClr val="tx1"/>
-                </a:solidFill>
-                <a:latin typeface="Arial" charset="0"/>
-                <a:ea typeface="ＭＳ Ｐゴシック" pitchFamily="-106" charset="-128"/>
-              </a:defRPr>
-            </a:lvl7pPr>
-            <a:lvl8pPr marL="1371600" eaLnBrk="0" fontAlgn="base" hangingPunct="0">
-              <a:spcBef>
-                <a:spcPct val="0"/>
-              </a:spcBef>
-              <a:spcAft>
-                <a:spcPct val="0"/>
-              </a:spcAft>
-              <a:defRPr sz="2400">
-                <a:solidFill>
-                  <a:schemeClr val="tx1"/>
-                </a:solidFill>
-                <a:latin typeface="Arial" charset="0"/>
-                <a:ea typeface="ＭＳ Ｐゴシック" pitchFamily="-106" charset="-128"/>
-              </a:defRPr>
-            </a:lvl8pPr>
-            <a:lvl9pPr marL="1828800" eaLnBrk="0" fontAlgn="base" hangingPunct="0">
-              <a:spcBef>
-                <a:spcPct val="0"/>
-              </a:spcBef>
-              <a:spcAft>
-                <a:spcPct val="0"/>
-              </a:spcAft>
-              <a:defRPr sz="2400">
-                <a:solidFill>
-                  <a:schemeClr val="tx1"/>
-                </a:solidFill>
-                <a:latin typeface="Arial" charset="0"/>
-                <a:ea typeface="ＭＳ Ｐゴシック" pitchFamily="-106" charset="-128"/>
-              </a:defRPr>
-            </a:lvl9pPr>
-          </a:lstStyle>
-          <a:p>
-            <a:pPr eaLnBrk="1" hangingPunct="1"/>
-            <a:fld id="{AAA04654-EE4A-4EBE-BC23-CDB80A2BF4DE}" type="slidenum">
-              <a:rPr lang="en-US" sz="1200">
-                <a:latin typeface="Garamond" pitchFamily="-106" charset="0"/>
-              </a:rPr>
-              <a:pPr eaLnBrk="1" hangingPunct="1"/>
-              <a:t>9</a:t>
-            </a:fld>
-            <a:endParaRPr lang="en-US" sz="1200" dirty="0">
-              <a:latin typeface="Garamond" pitchFamily="-106" charset="0"/>
-            </a:endParaRPr>
-          </a:p>
-        </p:txBody>
-      </p:sp>
-      <p:sp>
-        <p:nvSpPr>
-          <p:cNvPr id="47107" name="Rectangle 2"/>
-          <p:cNvSpPr>
-            <a:spLocks noGrp="1" noChangeArrowheads="1"/>
-          </p:cNvSpPr>
-          <p:nvPr>
-            <p:ph type="title"/>
-          </p:nvPr>
-        </p:nvSpPr>
-        <p:spPr/>
-        <p:txBody>
-          <a:bodyPr/>
-          <a:lstStyle/>
-          <a:p>
-            <a:pPr eaLnBrk="1" hangingPunct="1"/>
-            <a:r>
-              <a:rPr lang="en-US" altLang="zh-TW" b="1" dirty="0" smtClean="0">
-                <a:latin typeface="Arial" pitchFamily="34" charset="0"/>
-                <a:ea typeface="新細明體" pitchFamily="-106" charset="-120"/>
-                <a:cs typeface="Arial" pitchFamily="34" charset="0"/>
-              </a:rPr>
-              <a:t>Query By Committee</a:t>
-            </a:r>
-            <a:endParaRPr lang="zh-TW" altLang="en-US" b="1" dirty="0" smtClean="0">
-              <a:latin typeface="Arial" pitchFamily="34" charset="0"/>
-              <a:ea typeface="新細明體" pitchFamily="-106" charset="-120"/>
-              <a:cs typeface="Arial" pitchFamily="34" charset="0"/>
-            </a:endParaRPr>
-          </a:p>
-        </p:txBody>
-      </p:sp>
-      <mc:AlternateContent xmlns:mc="http://schemas.openxmlformats.org/markup-compatibility/2006">
-        <mc:Choice xmlns:a14="http://schemas.microsoft.com/office/drawing/2010/main" Requires="a14">
-          <p:sp>
-            <p:nvSpPr>
-              <p:cNvPr id="7" name="Rectangle 3"/>
-              <p:cNvSpPr txBox="1">
-                <a:spLocks noChangeArrowheads="1"/>
-              </p:cNvSpPr>
-              <p:nvPr/>
-            </p:nvSpPr>
-            <p:spPr bwMode="auto">
-              <a:xfrm>
-                <a:off x="381000" y="1219200"/>
-                <a:ext cx="8534400" cy="5105400"/>
-              </a:xfrm>
-              <a:prstGeom prst="rect">
-                <a:avLst/>
-              </a:prstGeom>
-              <a:noFill/>
-              <a:ln>
-                <a:noFill/>
-              </a:ln>
-              <a:extLst>
-                <a:ext uri="{909E8E84-426E-40DD-AFC4-6F175D3DCCD1}">
-                  <a14:hiddenFill>
-                    <a:solidFill>
-                      <a:srgbClr val="FFFFFF"/>
-                    </a:solidFill>
-                  </a14:hiddenFill>
-                </a:ext>
-                <a:ext uri="{91240B29-F687-4F45-9708-019B960494DF}">
-                  <a14:hiddenLine w="9525">
-                    <a:solidFill>
-                      <a:srgbClr val="000000"/>
-                    </a:solidFill>
-                    <a:miter lim="800000"/>
-                    <a:headEnd/>
-                    <a:tailEnd/>
-                  </a14:hiddenLine>
-                </a:ext>
-              </a:extLst>
-            </p:spPr>
-            <p:txBody>
-              <a:bodyPr vert="horz" wrap="square" lIns="91440" tIns="45720" rIns="91440" bIns="45720" numCol="1" anchor="t" anchorCtr="0" compatLnSpc="1">
-                <a:prstTxWarp prst="textNoShape">
-                  <a:avLst/>
-                </a:prstTxWarp>
-              </a:bodyPr>
-              <a:lstStyle>
-                <a:lvl1pPr marL="342900" indent="-342900" algn="l" rtl="0" eaLnBrk="0" fontAlgn="base" hangingPunct="0">
-                  <a:spcBef>
-                    <a:spcPct val="20000"/>
-                  </a:spcBef>
-                  <a:spcAft>
-                    <a:spcPct val="0"/>
-                  </a:spcAft>
-                  <a:buClr>
-                    <a:schemeClr val="accent1"/>
-                  </a:buClr>
-                  <a:buSzPct val="65000"/>
-                  <a:buFont typeface="Wingdings" pitchFamily="-106" charset="2"/>
-                  <a:buChar char="n"/>
-                  <a:defRPr sz="3000">
-                    <a:solidFill>
-                      <a:schemeClr val="tx1"/>
-                    </a:solidFill>
-                    <a:latin typeface="+mn-lt"/>
-                    <a:ea typeface="ＭＳ Ｐゴシック" pitchFamily="-106" charset="-128"/>
-                    <a:cs typeface="+mn-cs"/>
-                  </a:defRPr>
-                </a:lvl1pPr>
-                <a:lvl2pPr marL="669925" indent="-325438" algn="l" rtl="0" eaLnBrk="0" fontAlgn="base" hangingPunct="0">
-                  <a:spcBef>
-                    <a:spcPct val="20000"/>
-                  </a:spcBef>
-                  <a:spcAft>
-                    <a:spcPct val="0"/>
-                  </a:spcAft>
-                  <a:buClr>
-                    <a:schemeClr val="accent2"/>
-                  </a:buClr>
-                  <a:buSzPct val="60000"/>
-                  <a:buFont typeface="Wingdings" pitchFamily="-106" charset="2"/>
-                  <a:buChar char="q"/>
-                  <a:defRPr sz="2600">
-                    <a:solidFill>
-                      <a:schemeClr val="tx1"/>
-                    </a:solidFill>
-                    <a:latin typeface="+mn-lt"/>
-                    <a:ea typeface="ＭＳ Ｐゴシック" pitchFamily="-106" charset="-128"/>
-                  </a:defRPr>
-                </a:lvl2pPr>
-                <a:lvl3pPr marL="1022350" indent="-350838" algn="l" rtl="0" eaLnBrk="0" fontAlgn="base" hangingPunct="0">
-                  <a:spcBef>
-                    <a:spcPct val="20000"/>
-                  </a:spcBef>
-                  <a:spcAft>
-                    <a:spcPct val="0"/>
-                  </a:spcAft>
-                  <a:buClr>
-                    <a:schemeClr val="accent1"/>
-                  </a:buClr>
-                  <a:buSzPct val="65000"/>
-                  <a:buFont typeface="Wingdings" pitchFamily="-106" charset="2"/>
-                  <a:buChar char="n"/>
-                  <a:defRPr sz="2200">
-                    <a:solidFill>
-                      <a:schemeClr val="tx1"/>
-                    </a:solidFill>
-                    <a:latin typeface="+mn-lt"/>
-                    <a:ea typeface="ＭＳ Ｐゴシック" pitchFamily="-106" charset="-128"/>
-                  </a:defRPr>
-                </a:lvl3pPr>
-                <a:lvl4pPr marL="1339850" indent="-315913" algn="l" rtl="0" eaLnBrk="0" fontAlgn="base" hangingPunct="0">
-                  <a:spcBef>
-                    <a:spcPct val="20000"/>
-                  </a:spcBef>
-                  <a:spcAft>
-                    <a:spcPct val="0"/>
-                  </a:spcAft>
-                  <a:buClr>
-                    <a:schemeClr val="accent2"/>
-                  </a:buClr>
-                  <a:buSzPct val="70000"/>
-                  <a:buFont typeface="Wingdings" pitchFamily="-106" charset="2"/>
-                  <a:buChar char="q"/>
-                  <a:defRPr sz="2000">
-                    <a:solidFill>
-                      <a:schemeClr val="tx1"/>
-                    </a:solidFill>
-                    <a:latin typeface="+mn-lt"/>
-                    <a:ea typeface="ＭＳ Ｐゴシック" pitchFamily="-106" charset="-128"/>
-                  </a:defRPr>
-                </a:lvl4pPr>
-                <a:lvl5pPr marL="1681163" indent="-339725" algn="l" rtl="0" eaLnBrk="0" fontAlgn="base" hangingPunct="0">
-                  <a:spcBef>
-                    <a:spcPct val="20000"/>
-                  </a:spcBef>
-                  <a:spcAft>
-                    <a:spcPct val="0"/>
-                  </a:spcAft>
-                  <a:buClr>
-                    <a:schemeClr val="accent1"/>
-                  </a:buClr>
-                  <a:buSzPct val="75000"/>
-                  <a:buFont typeface="Wingdings" pitchFamily="-106" charset="2"/>
-                  <a:buChar char="§"/>
-                  <a:defRPr sz="2000">
-                    <a:solidFill>
-                      <a:schemeClr val="tx1"/>
-                    </a:solidFill>
-                    <a:latin typeface="+mn-lt"/>
-                    <a:ea typeface="ＭＳ Ｐゴシック" pitchFamily="-106" charset="-128"/>
-                  </a:defRPr>
-                </a:lvl5pPr>
-                <a:lvl6pPr marL="2138363" indent="-339725" algn="l" rtl="0" fontAlgn="base">
-                  <a:spcBef>
-                    <a:spcPct val="20000"/>
-                  </a:spcBef>
-                  <a:spcAft>
-                    <a:spcPct val="0"/>
-                  </a:spcAft>
-                  <a:buClr>
-                    <a:schemeClr val="accent1"/>
-                  </a:buClr>
-                  <a:buSzPct val="75000"/>
-                  <a:buFont typeface="Wingdings" pitchFamily="2" charset="2"/>
-                  <a:buChar char="§"/>
-                  <a:defRPr sz="2000">
-                    <a:solidFill>
-                      <a:schemeClr val="tx1"/>
-                    </a:solidFill>
-                    <a:latin typeface="+mn-lt"/>
-                  </a:defRPr>
-                </a:lvl6pPr>
-                <a:lvl7pPr marL="2595563" indent="-339725" algn="l" rtl="0" fontAlgn="base">
-                  <a:spcBef>
-                    <a:spcPct val="20000"/>
-                  </a:spcBef>
-                  <a:spcAft>
-                    <a:spcPct val="0"/>
-                  </a:spcAft>
-                  <a:buClr>
-                    <a:schemeClr val="accent1"/>
-                  </a:buClr>
-                  <a:buSzPct val="75000"/>
-                  <a:buFont typeface="Wingdings" pitchFamily="2" charset="2"/>
-                  <a:buChar char="§"/>
-                  <a:defRPr sz="2000">
-                    <a:solidFill>
-                      <a:schemeClr val="tx1"/>
-                    </a:solidFill>
-                    <a:latin typeface="+mn-lt"/>
-                  </a:defRPr>
-                </a:lvl7pPr>
-                <a:lvl8pPr marL="3052763" indent="-339725" algn="l" rtl="0" fontAlgn="base">
-                  <a:spcBef>
-                    <a:spcPct val="20000"/>
-                  </a:spcBef>
-                  <a:spcAft>
-                    <a:spcPct val="0"/>
-                  </a:spcAft>
-                  <a:buClr>
-                    <a:schemeClr val="accent1"/>
-                  </a:buClr>
-                  <a:buSzPct val="75000"/>
-                  <a:buFont typeface="Wingdings" pitchFamily="2" charset="2"/>
-                  <a:buChar char="§"/>
-                  <a:defRPr sz="2000">
-                    <a:solidFill>
-                      <a:schemeClr val="tx1"/>
-                    </a:solidFill>
-                    <a:latin typeface="+mn-lt"/>
-                  </a:defRPr>
-                </a:lvl8pPr>
-                <a:lvl9pPr marL="3509963" indent="-339725" algn="l" rtl="0" fontAlgn="base">
-                  <a:spcBef>
-                    <a:spcPct val="20000"/>
-                  </a:spcBef>
-                  <a:spcAft>
-                    <a:spcPct val="0"/>
-                  </a:spcAft>
-                  <a:buClr>
-                    <a:schemeClr val="accent1"/>
-                  </a:buClr>
-                  <a:buSzPct val="75000"/>
-                  <a:buFont typeface="Wingdings" pitchFamily="2" charset="2"/>
-                  <a:buChar char="§"/>
-                  <a:defRPr sz="2000">
-                    <a:solidFill>
-                      <a:schemeClr val="tx1"/>
-                    </a:solidFill>
-                    <a:latin typeface="+mn-lt"/>
-                  </a:defRPr>
-                </a:lvl9pPr>
-              </a:lstStyle>
-              <a:p>
-                <a:pPr eaLnBrk="1" hangingPunct="1">
-                  <a:spcBef>
-                    <a:spcPts val="0"/>
-                  </a:spcBef>
-                </a:pPr>
-                <a:r>
-                  <a:rPr lang="en-US" altLang="zh-TW" sz="2400" i="1" u="sng" dirty="0" smtClean="0">
-                    <a:ea typeface="新細明體" pitchFamily="-106" charset="-120"/>
-                  </a:rPr>
-                  <a:t>Theorem</a:t>
-                </a:r>
-                <a:r>
-                  <a:rPr lang="en-US" altLang="zh-TW" sz="2400" dirty="0" smtClean="0">
-                    <a:ea typeface="新細明體" pitchFamily="-106" charset="-120"/>
-                  </a:rPr>
-                  <a:t> </a:t>
-                </a:r>
-                <a:br>
-                  <a:rPr lang="en-US" altLang="zh-TW" sz="2400" dirty="0" smtClean="0">
-                    <a:ea typeface="新細明體" pitchFamily="-106" charset="-120"/>
-                  </a:rPr>
-                </a:br>
-                <a:r>
-                  <a:rPr lang="en-US" altLang="zh-TW" sz="2400" dirty="0" smtClean="0">
-                    <a:ea typeface="新細明體" pitchFamily="-106" charset="-120"/>
-                  </a:rPr>
-                  <a:t>If </a:t>
-                </a:r>
-                <a:r>
-                  <a:rPr lang="en-US" altLang="zh-TW" sz="2400" dirty="0" smtClean="0">
-                    <a:ea typeface="新細明體" pitchFamily="-106" charset="-120"/>
-                  </a:rPr>
-                  <a:t>a concept class </a:t>
-                </a:r>
-                <a14:m>
-                  <m:oMath xmlns:m="http://schemas.openxmlformats.org/officeDocument/2006/math">
-                    <m:r>
-                      <a:rPr lang="en-US" altLang="zh-TW" sz="2400" b="0" i="1" smtClean="0">
-                        <a:latin typeface="Cambria Math"/>
-                        <a:ea typeface="新細明體" pitchFamily="-106" charset="-120"/>
-                      </a:rPr>
-                      <m:t>𝐶</m:t>
-                    </m:r>
-                  </m:oMath>
-                </a14:m>
-                <a:r>
-                  <a:rPr lang="en-US" altLang="zh-TW" sz="2400" dirty="0" smtClean="0">
-                    <a:ea typeface="新細明體" pitchFamily="-106" charset="-120"/>
-                  </a:rPr>
-                  <a:t> has VC-dimension </a:t>
-                </a:r>
-                <a14:m>
-                  <m:oMath xmlns:m="http://schemas.openxmlformats.org/officeDocument/2006/math">
-                    <m:r>
-                      <a:rPr lang="en-US" altLang="zh-TW" sz="2000" b="0" i="1" smtClean="0">
-                        <a:latin typeface="Cambria Math"/>
-                        <a:ea typeface="新細明體" pitchFamily="-106" charset="-120"/>
-                      </a:rPr>
-                      <m:t>0&lt;</m:t>
-                    </m:r>
-                    <m:r>
-                      <a:rPr lang="en-US" altLang="zh-TW" sz="2000" b="0" i="1" smtClean="0">
-                        <a:latin typeface="Cambria Math"/>
-                        <a:ea typeface="新細明體" pitchFamily="-106" charset="-120"/>
-                      </a:rPr>
-                      <m:t>𝑑</m:t>
-                    </m:r>
-                    <m:r>
-                      <a:rPr lang="en-US" altLang="zh-TW" sz="2000" b="0" i="1" smtClean="0">
-                        <a:latin typeface="Cambria Math"/>
-                        <a:ea typeface="新細明體" pitchFamily="-106" charset="-120"/>
-                      </a:rPr>
-                      <m:t>&lt; ∞</m:t>
-                    </m:r>
-                  </m:oMath>
-                </a14:m>
-                <a:r>
-                  <a:rPr lang="en-US" altLang="zh-TW" sz="2400" dirty="0" smtClean="0">
-                    <a:ea typeface="新細明體" pitchFamily="-106" charset="-120"/>
-                  </a:rPr>
-                  <a:t> and the expected information gain of queries made by QBC is uniformly lower bounded by </a:t>
-                </a:r>
-                <a14:m>
-                  <m:oMath xmlns:m="http://schemas.openxmlformats.org/officeDocument/2006/math">
-                    <m:r>
-                      <a:rPr lang="en-US" altLang="zh-TW" sz="2000" b="0" i="1" smtClean="0">
-                        <a:latin typeface="Cambria Math"/>
-                        <a:ea typeface="新細明體" pitchFamily="-106" charset="-120"/>
-                      </a:rPr>
-                      <m:t>𝑔</m:t>
-                    </m:r>
-                    <m:r>
-                      <a:rPr lang="en-US" altLang="zh-TW" sz="2000" b="0" i="1" smtClean="0">
-                        <a:latin typeface="Cambria Math"/>
-                        <a:ea typeface="新細明體" pitchFamily="-106" charset="-120"/>
-                      </a:rPr>
-                      <m:t>&gt;0</m:t>
-                    </m:r>
-                  </m:oMath>
-                </a14:m>
-                <a:r>
-                  <a:rPr lang="en-US" altLang="zh-TW" sz="2400" dirty="0" smtClean="0">
-                    <a:ea typeface="新細明體" pitchFamily="-106" charset="-120"/>
-                  </a:rPr>
-                  <a:t>, then following holds with probability larger than </a:t>
-                </a:r>
-                <a14:m>
-                  <m:oMath xmlns:m="http://schemas.openxmlformats.org/officeDocument/2006/math">
-                    <m:r>
-                      <a:rPr lang="en-US" altLang="zh-TW" sz="2000" b="0" i="1" smtClean="0">
-                        <a:latin typeface="Cambria Math"/>
-                        <a:ea typeface="新細明體" pitchFamily="-106" charset="-120"/>
-                      </a:rPr>
-                      <m:t>1 − </m:t>
-                    </m:r>
-                    <m:r>
-                      <a:rPr lang="zh-TW" altLang="en-US" sz="2000" b="0" i="1" smtClean="0">
-                        <a:latin typeface="Cambria Math"/>
-                        <a:ea typeface="新細明體" pitchFamily="-106" charset="-120"/>
-                      </a:rPr>
-                      <m:t>𝛿</m:t>
-                    </m:r>
-                    <m:r>
-                      <a:rPr lang="en-US" altLang="zh-TW" sz="2000" b="0" i="0" smtClean="0">
-                        <a:latin typeface="Cambria Math"/>
-                        <a:ea typeface="新細明體" pitchFamily="-106" charset="-120"/>
-                      </a:rPr>
-                      <m:t>,</m:t>
-                    </m:r>
-                  </m:oMath>
-                </a14:m>
-                <a:endParaRPr lang="en-US" altLang="zh-TW" sz="2000" b="0" dirty="0" smtClean="0">
-                  <a:ea typeface="新細明體" pitchFamily="-106" charset="-120"/>
-                </a:endParaRPr>
-              </a:p>
-              <a:p>
-                <a:pPr lvl="1" eaLnBrk="1" hangingPunct="1">
-                  <a:lnSpc>
-                    <a:spcPct val="150000"/>
-                  </a:lnSpc>
-                  <a:spcBef>
-                    <a:spcPts val="600"/>
-                  </a:spcBef>
-                </a:pPr>
-                <a:r>
-                  <a:rPr lang="en-US" altLang="zh-TW" sz="2000" dirty="0" smtClean="0">
-                    <a:ea typeface="新細明體" pitchFamily="-106" charset="-120"/>
-                  </a:rPr>
-                  <a:t>The number of calls to sample is smaller than </a:t>
-                </a:r>
-              </a:p>
-              <a:p>
-                <a:pPr marL="344487" lvl="1" indent="0" eaLnBrk="1" hangingPunct="1">
-                  <a:spcBef>
-                    <a:spcPts val="0"/>
-                  </a:spcBef>
-                  <a:buNone/>
-                </a:pPr>
-                <a:r>
-                  <a:rPr lang="en-US" altLang="zh-TW" sz="2000" dirty="0">
-                    <a:ea typeface="新細明體" pitchFamily="-106" charset="-120"/>
-                  </a:rPr>
-                  <a:t> </a:t>
-                </a:r>
-                <a:r>
-                  <a:rPr lang="en-US" altLang="zh-TW" sz="2000" dirty="0" smtClean="0">
-                    <a:ea typeface="新細明體" pitchFamily="-106" charset="-120"/>
-                  </a:rPr>
-                  <a:t>    </a:t>
-                </a:r>
-                <a14:m>
-                  <m:oMath xmlns:m="http://schemas.openxmlformats.org/officeDocument/2006/math">
-                    <m:sSub>
-                      <m:sSubPr>
-                        <m:ctrlPr>
-                          <a:rPr lang="en-US" altLang="zh-TW" sz="2000" i="1" smtClean="0">
-                            <a:latin typeface="Cambria Math"/>
-                            <a:ea typeface="新細明體" pitchFamily="-106" charset="-120"/>
-                          </a:rPr>
-                        </m:ctrlPr>
-                      </m:sSubPr>
-                      <m:e>
-                        <m:r>
-                          <a:rPr lang="en-US" altLang="zh-TW" sz="2000" b="0" i="1" smtClean="0">
-                            <a:latin typeface="Cambria Math"/>
-                            <a:ea typeface="新細明體" pitchFamily="-106" charset="-120"/>
-                          </a:rPr>
-                          <m:t>𝑚</m:t>
-                        </m:r>
-                      </m:e>
-                      <m:sub>
-                        <m:r>
-                          <a:rPr lang="en-US" altLang="zh-TW" sz="2000" b="0" i="1" smtClean="0">
-                            <a:latin typeface="Cambria Math"/>
-                            <a:ea typeface="新細明體" pitchFamily="-106" charset="-120"/>
-                          </a:rPr>
-                          <m:t>0</m:t>
-                        </m:r>
-                      </m:sub>
-                    </m:sSub>
-                    <m:r>
-                      <a:rPr lang="en-US" altLang="zh-TW" sz="2000" b="0" i="1" smtClean="0">
-                        <a:latin typeface="Cambria Math"/>
-                        <a:ea typeface="新細明體" pitchFamily="-106" charset="-120"/>
-                      </a:rPr>
-                      <m:t>=</m:t>
-                    </m:r>
-                    <m:r>
-                      <m:rPr>
-                        <m:sty m:val="p"/>
-                      </m:rPr>
-                      <a:rPr lang="en-US" altLang="zh-TW" sz="2000" b="0" i="0" smtClean="0">
-                        <a:latin typeface="Cambria Math"/>
-                        <a:ea typeface="新細明體" pitchFamily="-106" charset="-120"/>
-                      </a:rPr>
-                      <m:t>max</m:t>
-                    </m:r>
-                    <m:r>
-                      <a:rPr lang="en-US" altLang="zh-TW" sz="2000" b="0" i="1" smtClean="0">
-                        <a:latin typeface="Cambria Math"/>
-                        <a:ea typeface="新細明體" pitchFamily="-106" charset="-120"/>
-                      </a:rPr>
-                      <m:t>⁡(</m:t>
-                    </m:r>
-                    <m:f>
-                      <m:fPr>
-                        <m:ctrlPr>
-                          <a:rPr lang="en-US" altLang="zh-TW" sz="2000" b="0" i="1" smtClean="0">
-                            <a:latin typeface="Cambria Math"/>
-                            <a:ea typeface="新細明體" pitchFamily="-106" charset="-120"/>
-                          </a:rPr>
-                        </m:ctrlPr>
-                      </m:fPr>
-                      <m:num>
-                        <m:r>
-                          <a:rPr lang="en-US" altLang="zh-TW" sz="2000" b="0" i="1" smtClean="0">
-                            <a:latin typeface="Cambria Math"/>
-                            <a:ea typeface="新細明體" pitchFamily="-106" charset="-120"/>
-                          </a:rPr>
-                          <m:t>4</m:t>
-                        </m:r>
-                        <m:r>
-                          <a:rPr lang="en-US" altLang="zh-TW" sz="2000" b="0" i="1" smtClean="0">
-                            <a:latin typeface="Cambria Math"/>
-                            <a:ea typeface="新細明體" pitchFamily="-106" charset="-120"/>
-                          </a:rPr>
-                          <m:t>𝑑</m:t>
-                        </m:r>
-                      </m:num>
-                      <m:den>
-                        <m:r>
-                          <a:rPr lang="en-US" altLang="zh-TW" sz="2000" b="0" i="1" smtClean="0">
-                            <a:latin typeface="Cambria Math"/>
-                            <a:ea typeface="新細明體" pitchFamily="-106" charset="-120"/>
-                          </a:rPr>
-                          <m:t>𝑒</m:t>
-                        </m:r>
-                        <m:r>
-                          <a:rPr lang="zh-TW" altLang="en-US" sz="2000" b="0" i="1" smtClean="0">
-                            <a:latin typeface="Cambria Math"/>
-                            <a:ea typeface="新細明體" pitchFamily="-106" charset="-120"/>
-                          </a:rPr>
-                          <m:t>𝛿</m:t>
-                        </m:r>
-                      </m:den>
-                    </m:f>
-                    <m:r>
-                      <a:rPr lang="en-US" altLang="zh-TW" sz="2000" b="0" i="1" smtClean="0">
-                        <a:latin typeface="Cambria Math"/>
-                        <a:ea typeface="新細明體" pitchFamily="-106" charset="-120"/>
-                      </a:rPr>
-                      <m:t>,</m:t>
-                    </m:r>
-                    <m:f>
-                      <m:fPr>
-                        <m:ctrlPr>
-                          <a:rPr lang="en-US" altLang="zh-TW" sz="2000" b="0" i="1" smtClean="0">
-                            <a:latin typeface="Cambria Math"/>
-                            <a:ea typeface="新細明體" pitchFamily="-106" charset="-120"/>
-                          </a:rPr>
-                        </m:ctrlPr>
-                      </m:fPr>
-                      <m:num>
-                        <m:r>
-                          <a:rPr lang="en-US" altLang="zh-TW" sz="2000" b="0" i="1" smtClean="0">
-                            <a:latin typeface="Cambria Math"/>
-                            <a:ea typeface="新細明體" pitchFamily="-106" charset="-120"/>
-                          </a:rPr>
-                          <m:t>160</m:t>
-                        </m:r>
-                        <m:d>
-                          <m:dPr>
-                            <m:ctrlPr>
-                              <a:rPr lang="en-US" altLang="zh-TW" sz="2000" b="0" i="1" smtClean="0">
-                                <a:latin typeface="Cambria Math"/>
-                                <a:ea typeface="新細明體" pitchFamily="-106" charset="-120"/>
-                              </a:rPr>
-                            </m:ctrlPr>
-                          </m:dPr>
-                          <m:e>
-                            <m:r>
-                              <a:rPr lang="en-US" altLang="zh-TW" sz="2000" b="0" i="1" smtClean="0">
-                                <a:latin typeface="Cambria Math"/>
-                                <a:ea typeface="新細明體" pitchFamily="-106" charset="-120"/>
-                              </a:rPr>
-                              <m:t>𝑑</m:t>
-                            </m:r>
-                            <m:r>
-                              <a:rPr lang="en-US" altLang="zh-TW" sz="2000" b="0" i="1" smtClean="0">
-                                <a:latin typeface="Cambria Math"/>
-                                <a:ea typeface="新細明體" pitchFamily="-106" charset="-120"/>
-                              </a:rPr>
-                              <m:t>+1</m:t>
-                            </m:r>
-                          </m:e>
-                        </m:d>
-                      </m:num>
-                      <m:den>
-                        <m:r>
-                          <a:rPr lang="en-US" altLang="zh-TW" sz="2000" b="0" i="1" smtClean="0">
-                            <a:latin typeface="Cambria Math"/>
-                            <a:ea typeface="新細明體" pitchFamily="-106" charset="-120"/>
-                          </a:rPr>
-                          <m:t>𝑔</m:t>
-                        </m:r>
-                        <m:r>
-                          <a:rPr lang="zh-TW" altLang="en-US" sz="2000" b="0" i="1" smtClean="0">
-                            <a:latin typeface="Cambria Math"/>
-                            <a:ea typeface="新細明體" pitchFamily="-106" charset="-120"/>
-                          </a:rPr>
-                          <m:t>𝜖</m:t>
-                        </m:r>
-                      </m:den>
-                    </m:f>
-                    <m:func>
-                      <m:funcPr>
-                        <m:ctrlPr>
-                          <a:rPr lang="en-US" altLang="zh-TW" sz="2000" b="0" i="1" smtClean="0">
-                            <a:latin typeface="Cambria Math"/>
-                            <a:ea typeface="新細明體" pitchFamily="-106" charset="-120"/>
-                          </a:rPr>
-                        </m:ctrlPr>
-                      </m:funcPr>
-                      <m:fName>
-                        <m:r>
-                          <m:rPr>
-                            <m:sty m:val="p"/>
-                          </m:rPr>
-                          <a:rPr lang="en-US" altLang="zh-TW" sz="2000" b="0" i="0" smtClean="0">
-                            <a:latin typeface="Cambria Math"/>
-                            <a:ea typeface="新細明體" pitchFamily="-106" charset="-120"/>
-                          </a:rPr>
-                          <m:t>max</m:t>
-                        </m:r>
-                      </m:fName>
-                      <m:e>
-                        <m:sSup>
-                          <m:sSupPr>
-                            <m:ctrlPr>
-                              <a:rPr lang="en-US" altLang="zh-TW" sz="2000" b="0" i="1" smtClean="0">
-                                <a:latin typeface="Cambria Math"/>
-                                <a:ea typeface="新細明體" pitchFamily="-106" charset="-120"/>
-                              </a:rPr>
-                            </m:ctrlPr>
-                          </m:sSupPr>
-                          <m:e>
-                            <m:d>
-                              <m:dPr>
-                                <m:ctrlPr>
-                                  <a:rPr lang="en-US" altLang="zh-TW" sz="2000" i="1">
-                                    <a:latin typeface="Cambria Math"/>
-                                    <a:ea typeface="新細明體" pitchFamily="-106" charset="-120"/>
-                                  </a:rPr>
-                                </m:ctrlPr>
-                              </m:dPr>
-                              <m:e>
-                                <m:r>
-                                  <a:rPr lang="en-US" altLang="zh-TW" sz="2000" i="1">
-                                    <a:latin typeface="Cambria Math"/>
-                                    <a:ea typeface="新細明體" pitchFamily="-106" charset="-120"/>
-                                  </a:rPr>
-                                  <m:t>6, </m:t>
-                                </m:r>
-                                <m:func>
-                                  <m:funcPr>
-                                    <m:ctrlPr>
-                                      <a:rPr lang="en-US" altLang="zh-TW" sz="2000" i="1">
-                                        <a:latin typeface="Cambria Math"/>
-                                        <a:ea typeface="新細明體" pitchFamily="-106" charset="-120"/>
-                                      </a:rPr>
-                                    </m:ctrlPr>
-                                  </m:funcPr>
-                                  <m:fName>
-                                    <m:r>
-                                      <m:rPr>
-                                        <m:sty m:val="p"/>
-                                      </m:rPr>
-                                      <a:rPr lang="en-US" altLang="zh-TW" sz="2000">
-                                        <a:latin typeface="Cambria Math"/>
-                                        <a:ea typeface="新細明體" pitchFamily="-106" charset="-120"/>
-                                      </a:rPr>
-                                      <m:t>ln</m:t>
-                                    </m:r>
-                                  </m:fName>
-                                  <m:e>
-                                    <m:f>
-                                      <m:fPr>
-                                        <m:ctrlPr>
-                                          <a:rPr lang="en-US" altLang="zh-TW" sz="2000" i="1">
-                                            <a:latin typeface="Cambria Math"/>
-                                            <a:ea typeface="新細明體" pitchFamily="-106" charset="-120"/>
-                                          </a:rPr>
-                                        </m:ctrlPr>
-                                      </m:fPr>
-                                      <m:num>
-                                        <m:r>
-                                          <a:rPr lang="en-US" altLang="zh-TW" sz="2000" i="1">
-                                            <a:latin typeface="Cambria Math"/>
-                                            <a:ea typeface="新細明體" pitchFamily="-106" charset="-120"/>
-                                          </a:rPr>
-                                          <m:t>80</m:t>
-                                        </m:r>
-                                        <m:d>
-                                          <m:dPr>
-                                            <m:ctrlPr>
-                                              <a:rPr lang="en-US" altLang="zh-TW" sz="2000" i="1">
-                                                <a:latin typeface="Cambria Math"/>
-                                                <a:ea typeface="新細明體" pitchFamily="-106" charset="-120"/>
-                                              </a:rPr>
-                                            </m:ctrlPr>
-                                          </m:dPr>
-                                          <m:e>
-                                            <m:r>
-                                              <a:rPr lang="en-US" altLang="zh-TW" sz="2000" i="1">
-                                                <a:latin typeface="Cambria Math"/>
-                                                <a:ea typeface="新細明體" pitchFamily="-106" charset="-120"/>
-                                              </a:rPr>
-                                              <m:t>𝑑</m:t>
-                                            </m:r>
-                                            <m:r>
-                                              <a:rPr lang="en-US" altLang="zh-TW" sz="2000" i="1">
-                                                <a:latin typeface="Cambria Math"/>
-                                                <a:ea typeface="新細明體" pitchFamily="-106" charset="-120"/>
-                                              </a:rPr>
-                                              <m:t>+1</m:t>
-                                            </m:r>
-                                          </m:e>
-                                        </m:d>
-                                      </m:num>
-                                      <m:den>
-                                        <m:r>
-                                          <a:rPr lang="zh-TW" altLang="en-US" sz="2000" i="1">
-                                            <a:latin typeface="Cambria Math"/>
-                                            <a:ea typeface="新細明體" pitchFamily="-106" charset="-120"/>
-                                          </a:rPr>
-                                          <m:t>𝜀</m:t>
-                                        </m:r>
-                                        <m:sSup>
-                                          <m:sSupPr>
-                                            <m:ctrlPr>
-                                              <a:rPr lang="en-US" altLang="zh-TW" sz="2000" i="1">
-                                                <a:latin typeface="Cambria Math"/>
-                                                <a:ea typeface="新細明體" pitchFamily="-106" charset="-120"/>
-                                              </a:rPr>
-                                            </m:ctrlPr>
-                                          </m:sSupPr>
-                                          <m:e>
-                                            <m:r>
-                                              <a:rPr lang="zh-TW" altLang="en-US" sz="2000" i="1">
-                                                <a:latin typeface="Cambria Math"/>
-                                                <a:ea typeface="新細明體" pitchFamily="-106" charset="-120"/>
-                                              </a:rPr>
-                                              <m:t>𝛿</m:t>
-                                            </m:r>
-                                          </m:e>
-                                          <m:sup>
-                                            <m:r>
-                                              <a:rPr lang="en-US" altLang="zh-TW" sz="2000" i="1">
-                                                <a:latin typeface="Cambria Math"/>
-                                                <a:ea typeface="新細明體" pitchFamily="-106" charset="-120"/>
-                                              </a:rPr>
-                                              <m:t>2</m:t>
-                                            </m:r>
-                                          </m:sup>
-                                        </m:sSup>
-                                        <m:r>
-                                          <a:rPr lang="en-US" altLang="zh-TW" sz="2000" i="1">
-                                            <a:latin typeface="Cambria Math"/>
-                                            <a:ea typeface="新細明體" pitchFamily="-106" charset="-120"/>
-                                          </a:rPr>
-                                          <m:t>𝑔</m:t>
-                                        </m:r>
-                                      </m:den>
-                                    </m:f>
-                                  </m:e>
-                                </m:func>
-                              </m:e>
-                            </m:d>
-                          </m:e>
-                          <m:sup>
-                            <m:r>
-                              <a:rPr lang="en-US" altLang="zh-TW" sz="2000" b="0" i="1" smtClean="0">
-                                <a:latin typeface="Cambria Math"/>
-                                <a:ea typeface="新細明體" pitchFamily="-106" charset="-120"/>
-                              </a:rPr>
-                              <m:t>2</m:t>
-                            </m:r>
-                          </m:sup>
-                        </m:sSup>
-                      </m:e>
-                    </m:func>
-                    <m:r>
-                      <a:rPr lang="en-US" altLang="zh-TW" sz="2000" b="0" i="1" smtClean="0">
-                        <a:latin typeface="Cambria Math"/>
-                        <a:ea typeface="新細明體" pitchFamily="-106" charset="-120"/>
-                      </a:rPr>
-                      <m:t>)</m:t>
-                    </m:r>
-                  </m:oMath>
-                </a14:m>
-                <a:endParaRPr lang="en-US" altLang="zh-TW" sz="2000" dirty="0" smtClean="0">
-                  <a:ea typeface="新細明體" pitchFamily="-106" charset="-120"/>
-                </a:endParaRPr>
-              </a:p>
-              <a:p>
-                <a:pPr lvl="1" eaLnBrk="1" hangingPunct="1">
-                  <a:spcBef>
-                    <a:spcPts val="600"/>
-                  </a:spcBef>
-                </a:pPr>
-                <a:r>
-                  <a:rPr lang="en-US" altLang="zh-TW" sz="2000" dirty="0">
-                    <a:ea typeface="新細明體" pitchFamily="-106" charset="-120"/>
-                  </a:rPr>
-                  <a:t>The number of calls to </a:t>
-                </a:r>
-                <a:r>
-                  <a:rPr lang="en-US" altLang="zh-TW" sz="2000" dirty="0" smtClean="0">
-                    <a:ea typeface="新細明體" pitchFamily="-106" charset="-120"/>
-                  </a:rPr>
-                  <a:t>label </a:t>
-                </a:r>
-                <a:r>
-                  <a:rPr lang="en-US" altLang="zh-TW" sz="2000" dirty="0">
-                    <a:ea typeface="新細明體" pitchFamily="-106" charset="-120"/>
-                  </a:rPr>
-                  <a:t>is smaller than </a:t>
-                </a:r>
-                <a:endParaRPr lang="en-US" altLang="zh-TW" sz="2000" dirty="0" smtClean="0">
-                  <a:ea typeface="新細明體" pitchFamily="-106" charset="-120"/>
-                </a:endParaRPr>
-              </a:p>
-              <a:p>
-                <a:pPr marL="344487" lvl="1" indent="0" eaLnBrk="1" hangingPunct="1">
-                  <a:spcBef>
-                    <a:spcPts val="600"/>
-                  </a:spcBef>
-                  <a:spcAft>
-                    <a:spcPts val="600"/>
-                  </a:spcAft>
-                  <a:buNone/>
-                </a:pPr>
-                <a:r>
-                  <a:rPr lang="en-US" altLang="zh-TW" sz="2000" dirty="0">
-                    <a:ea typeface="新細明體" pitchFamily="-106" charset="-120"/>
-                  </a:rPr>
-                  <a:t> </a:t>
-                </a:r>
-                <a:r>
-                  <a:rPr lang="en-US" altLang="zh-TW" sz="2000" dirty="0" smtClean="0">
-                    <a:ea typeface="新細明體" pitchFamily="-106" charset="-120"/>
-                  </a:rPr>
-                  <a:t>    </a:t>
-                </a:r>
-                <a14:m>
-                  <m:oMath xmlns:m="http://schemas.openxmlformats.org/officeDocument/2006/math">
-                    <m:sSub>
-                      <m:sSubPr>
-                        <m:ctrlPr>
-                          <a:rPr lang="en-US" altLang="zh-TW" sz="2000" i="1">
-                            <a:latin typeface="Cambria Math"/>
-                            <a:ea typeface="新細明體" pitchFamily="-106" charset="-120"/>
-                          </a:rPr>
-                        </m:ctrlPr>
-                      </m:sSubPr>
-                      <m:e>
-                        <m:r>
-                          <a:rPr lang="en-US" altLang="zh-TW" sz="2000" b="0" i="1" smtClean="0">
-                            <a:latin typeface="Cambria Math"/>
-                            <a:ea typeface="新細明體" pitchFamily="-106" charset="-120"/>
-                          </a:rPr>
-                          <m:t>𝑛</m:t>
-                        </m:r>
-                      </m:e>
-                      <m:sub>
-                        <m:r>
-                          <a:rPr lang="en-US" altLang="zh-TW" sz="2000" i="1">
-                            <a:latin typeface="Cambria Math"/>
-                            <a:ea typeface="新細明體" pitchFamily="-106" charset="-120"/>
-                          </a:rPr>
-                          <m:t>0</m:t>
-                        </m:r>
-                      </m:sub>
-                    </m:sSub>
-                    <m:r>
-                      <a:rPr lang="en-US" altLang="zh-TW" sz="2000" i="1">
-                        <a:latin typeface="Cambria Math"/>
-                        <a:ea typeface="新細明體" pitchFamily="-106" charset="-120"/>
-                      </a:rPr>
-                      <m:t>=</m:t>
-                    </m:r>
-                    <m:f>
-                      <m:fPr>
-                        <m:ctrlPr>
-                          <a:rPr lang="en-US" altLang="zh-TW" sz="2000" i="1" smtClean="0">
-                            <a:latin typeface="Cambria Math"/>
-                            <a:ea typeface="新細明體" pitchFamily="-106" charset="-120"/>
-                          </a:rPr>
-                        </m:ctrlPr>
-                      </m:fPr>
-                      <m:num>
-                        <m:r>
-                          <a:rPr lang="en-US" altLang="zh-TW" sz="2000" b="0" i="1" smtClean="0">
-                            <a:latin typeface="Cambria Math"/>
-                            <a:ea typeface="新細明體" pitchFamily="-106" charset="-120"/>
-                          </a:rPr>
-                          <m:t>10(</m:t>
-                        </m:r>
-                        <m:r>
-                          <a:rPr lang="en-US" altLang="zh-TW" sz="2000" b="0" i="1" smtClean="0">
-                            <a:latin typeface="Cambria Math"/>
-                            <a:ea typeface="新細明體" pitchFamily="-106" charset="-120"/>
-                          </a:rPr>
-                          <m:t>𝑑</m:t>
-                        </m:r>
-                        <m:r>
-                          <a:rPr lang="en-US" altLang="zh-TW" sz="2000" b="0" i="1" smtClean="0">
-                            <a:latin typeface="Cambria Math"/>
-                            <a:ea typeface="新細明體" pitchFamily="-106" charset="-120"/>
-                          </a:rPr>
-                          <m:t>+1)</m:t>
-                        </m:r>
-                      </m:num>
-                      <m:den>
-                        <m:r>
-                          <a:rPr lang="en-US" altLang="zh-TW" sz="2000" b="0" i="1" smtClean="0">
-                            <a:latin typeface="Cambria Math"/>
-                            <a:ea typeface="新細明體" pitchFamily="-106" charset="-120"/>
-                          </a:rPr>
-                          <m:t>𝑔</m:t>
-                        </m:r>
-                      </m:den>
-                    </m:f>
-                    <m:func>
-                      <m:funcPr>
-                        <m:ctrlPr>
-                          <a:rPr lang="en-US" altLang="zh-TW" sz="2000" i="1" smtClean="0">
-                            <a:latin typeface="Cambria Math"/>
-                            <a:ea typeface="新細明體" pitchFamily="-106" charset="-120"/>
-                          </a:rPr>
-                        </m:ctrlPr>
-                      </m:funcPr>
-                      <m:fName>
-                        <m:r>
-                          <m:rPr>
-                            <m:sty m:val="p"/>
-                          </m:rPr>
-                          <a:rPr lang="en-US" altLang="zh-TW" sz="2000" i="0" smtClean="0">
-                            <a:latin typeface="Cambria Math"/>
-                            <a:ea typeface="新細明體" pitchFamily="-106" charset="-120"/>
-                          </a:rPr>
-                          <m:t>ln</m:t>
-                        </m:r>
-                      </m:fName>
-                      <m:e>
-                        <m:f>
-                          <m:fPr>
-                            <m:ctrlPr>
-                              <a:rPr lang="en-US" altLang="zh-TW" sz="2000" i="1" smtClean="0">
-                                <a:latin typeface="Cambria Math"/>
-                                <a:ea typeface="新細明體" pitchFamily="-106" charset="-120"/>
-                              </a:rPr>
-                            </m:ctrlPr>
-                          </m:fPr>
-                          <m:num>
-                            <m:r>
-                              <a:rPr lang="en-US" altLang="zh-TW" sz="2000" b="0" i="1" smtClean="0">
-                                <a:latin typeface="Cambria Math"/>
-                                <a:ea typeface="新細明體" pitchFamily="-106" charset="-120"/>
-                              </a:rPr>
-                              <m:t>4</m:t>
-                            </m:r>
-                            <m:sSub>
-                              <m:sSubPr>
-                                <m:ctrlPr>
-                                  <a:rPr lang="en-US" altLang="zh-TW" sz="2000" b="0" i="1" smtClean="0">
-                                    <a:latin typeface="Cambria Math"/>
-                                    <a:ea typeface="新細明體" pitchFamily="-106" charset="-120"/>
-                                  </a:rPr>
-                                </m:ctrlPr>
-                              </m:sSubPr>
-                              <m:e>
-                                <m:r>
-                                  <a:rPr lang="en-US" altLang="zh-TW" sz="2000" b="0" i="1" smtClean="0">
-                                    <a:latin typeface="Cambria Math"/>
-                                    <a:ea typeface="新細明體" pitchFamily="-106" charset="-120"/>
-                                  </a:rPr>
-                                  <m:t>𝑚</m:t>
-                                </m:r>
-                              </m:e>
-                              <m:sub>
-                                <m:r>
-                                  <a:rPr lang="en-US" altLang="zh-TW" sz="2000" b="0" i="1" smtClean="0">
-                                    <a:latin typeface="Cambria Math"/>
-                                    <a:ea typeface="新細明體" pitchFamily="-106" charset="-120"/>
-                                  </a:rPr>
-                                  <m:t>0</m:t>
-                                </m:r>
-                              </m:sub>
-                            </m:sSub>
-                          </m:num>
-                          <m:den>
-                            <m:r>
-                              <a:rPr lang="zh-TW" altLang="en-US" sz="2000" i="1" smtClean="0">
-                                <a:latin typeface="Cambria Math"/>
-                                <a:ea typeface="新細明體" pitchFamily="-106" charset="-120"/>
-                              </a:rPr>
-                              <m:t>𝛿</m:t>
-                            </m:r>
-                          </m:den>
-                        </m:f>
-                      </m:e>
-                    </m:func>
-                  </m:oMath>
-                </a14:m>
-                <a:endParaRPr lang="en-US" altLang="zh-TW" sz="2000" dirty="0" smtClean="0">
-                  <a:ea typeface="新細明體" pitchFamily="-106" charset="-120"/>
-                </a:endParaRPr>
-              </a:p>
-              <a:p>
-                <a:pPr lvl="1" eaLnBrk="1" hangingPunct="1">
-                  <a:spcBef>
-                    <a:spcPts val="600"/>
-                  </a:spcBef>
-                </a:pPr>
-                <a:r>
-                  <a:rPr lang="en-US" altLang="zh-TW" sz="2000" dirty="0" smtClean="0">
-                    <a:ea typeface="新細明體" pitchFamily="-106" charset="-120"/>
-                  </a:rPr>
-                  <a:t>The </a:t>
-                </a:r>
-                <a:r>
-                  <a:rPr lang="en-US" altLang="zh-TW" sz="2000" dirty="0" smtClean="0">
-                    <a:ea typeface="新細明體" pitchFamily="-106" charset="-120"/>
-                  </a:rPr>
-                  <a:t>probability that the </a:t>
-                </a:r>
-                <a:r>
-                  <a:rPr lang="en-US" altLang="zh-TW" sz="2000" dirty="0" smtClean="0">
-                    <a:ea typeface="新細明體" pitchFamily="-106" charset="-120"/>
-                  </a:rPr>
-                  <a:t>prediction </a:t>
-                </a:r>
-                <a:r>
-                  <a:rPr lang="en-US" altLang="zh-TW" sz="2000" dirty="0" smtClean="0">
-                    <a:ea typeface="新細明體" pitchFamily="-106" charset="-120"/>
-                  </a:rPr>
-                  <a:t>algorithm </a:t>
-                </a:r>
-                <a:r>
-                  <a:rPr lang="en-US" sz="2000" dirty="0" smtClean="0"/>
-                  <a:t>by </a:t>
-                </a:r>
-                <a:r>
-                  <a:rPr lang="en-US" sz="2000" dirty="0"/>
-                  <a:t>picking a hypothesis </a:t>
-                </a:r>
-                <a:r>
-                  <a:rPr lang="en-US" sz="2000" i="1" dirty="0"/>
-                  <a:t>h</a:t>
-                </a:r>
-                <a:r>
-                  <a:rPr lang="en-US" sz="2000" dirty="0"/>
-                  <a:t> random from version space</a:t>
-                </a:r>
-                <a:r>
-                  <a:rPr lang="en-US" altLang="zh-TW" sz="2000" dirty="0" smtClean="0">
-                    <a:ea typeface="新細明體" pitchFamily="-106" charset="-120"/>
-                  </a:rPr>
-                  <a:t> </a:t>
-                </a:r>
-                <a:r>
-                  <a:rPr lang="en-US" altLang="zh-TW" sz="2000" dirty="0" smtClean="0">
-                    <a:ea typeface="新細明體" pitchFamily="-106" charset="-120"/>
-                  </a:rPr>
-                  <a:t>of QBC makes a mistake </a:t>
-                </a:r>
-                <a:r>
-                  <a:rPr lang="en-US" altLang="zh-TW" sz="2000" dirty="0" smtClean="0">
-                    <a:ea typeface="新細明體" pitchFamily="-106" charset="-120"/>
-                  </a:rPr>
-                  <a:t>is </a:t>
-                </a:r>
-                <a:r>
-                  <a:rPr lang="en-US" altLang="zh-TW" sz="2000" dirty="0" smtClean="0">
-                    <a:ea typeface="新細明體" pitchFamily="-106" charset="-120"/>
-                  </a:rPr>
-                  <a:t>smaller than </a:t>
-                </a:r>
-                <a14:m>
-                  <m:oMath xmlns:m="http://schemas.openxmlformats.org/officeDocument/2006/math">
-                    <m:r>
-                      <a:rPr lang="zh-TW" altLang="en-US" sz="2000" i="1" smtClean="0">
-                        <a:latin typeface="Cambria Math"/>
-                        <a:ea typeface="新細明體" pitchFamily="-106" charset="-120"/>
-                      </a:rPr>
-                      <m:t>𝜖</m:t>
-                    </m:r>
-                  </m:oMath>
-                </a14:m>
-                <a:r>
-                  <a:rPr lang="en-US" sz="2000" dirty="0" smtClean="0">
-                    <a:ea typeface="新細明體" pitchFamily="-106" charset="-120"/>
-                  </a:rPr>
-                  <a:t>. [</a:t>
-                </a:r>
-                <a:r>
-                  <a:rPr lang="en-US" sz="2000" dirty="0" smtClean="0"/>
-                  <a:t>Freund 97</a:t>
-                </a:r>
-                <a:r>
-                  <a:rPr lang="en-US" sz="2000" dirty="0" smtClean="0">
-                    <a:ea typeface="新細明體" pitchFamily="-106" charset="-120"/>
-                  </a:rPr>
-                  <a:t>]</a:t>
-                </a:r>
-                <a:endParaRPr lang="en-US" altLang="zh-TW" sz="2000" dirty="0">
-                  <a:ea typeface="新細明體" pitchFamily="-106" charset="-120"/>
-                </a:endParaRPr>
-              </a:p>
-              <a:p>
-                <a:pPr lvl="1" eaLnBrk="1" hangingPunct="1">
-                  <a:lnSpc>
-                    <a:spcPct val="90000"/>
-                  </a:lnSpc>
-                </a:pPr>
-                <a:endParaRPr lang="en-US" altLang="zh-TW" sz="2400" dirty="0">
-                  <a:ea typeface="新細明體" pitchFamily="-106" charset="-120"/>
-                </a:endParaRPr>
-              </a:p>
-              <a:p>
-                <a:pPr marL="344487" lvl="1" indent="0" eaLnBrk="1" hangingPunct="1">
-                  <a:lnSpc>
-                    <a:spcPct val="90000"/>
-                  </a:lnSpc>
-                  <a:buNone/>
-                </a:pPr>
-                <a:r>
-                  <a:rPr lang="en-US" sz="2400" dirty="0" smtClean="0"/>
-                  <a:t>     </a:t>
-                </a:r>
-                <a:endParaRPr lang="en-US" altLang="zh-TW" dirty="0" smtClean="0">
-                  <a:ea typeface="新細明體" pitchFamily="-106" charset="-120"/>
-                </a:endParaRPr>
-              </a:p>
-            </p:txBody>
-          </p:sp>
-        </mc:Choice>
-        <mc:Fallback>
-          <p:sp>
-            <p:nvSpPr>
-              <p:cNvPr id="7" name="Rectangle 3"/>
-              <p:cNvSpPr txBox="1">
-                <a:spLocks noRot="1" noChangeAspect="1" noMove="1" noResize="1" noEditPoints="1" noAdjustHandles="1" noChangeArrowheads="1" noChangeShapeType="1" noTextEdit="1"/>
-              </p:cNvSpPr>
-              <p:nvPr/>
-            </p:nvSpPr>
-            <p:spPr bwMode="auto">
-              <a:xfrm>
-                <a:off x="381000" y="1219200"/>
-                <a:ext cx="8534400" cy="5105400"/>
-              </a:xfrm>
-              <a:prstGeom prst="rect">
-                <a:avLst/>
-              </a:prstGeom>
-              <a:blipFill rotWithShape="1">
-                <a:blip r:embed="rId3"/>
-                <a:stretch>
-                  <a:fillRect l="-286" t="-835" r="-1071" b="-239"/>
-                </a:stretch>
-              </a:blipFill>
-              <a:ln>
-                <a:noFill/>
-              </a:ln>
-              <a:extLst>
-                <a:ext uri="{909E8E84-426E-40DD-AFC4-6F175D3DCCD1}">
-                  <a14:hiddenFill xmlns:a14="http://schemas.microsoft.com/office/drawing/2010/main">
-                    <a:solidFill>
-                      <a:srgbClr val="FFFFFF"/>
-                    </a:solidFill>
-                  </a14:hiddenFill>
-                </a:ext>
-                <a:ext uri="{91240B29-F687-4F45-9708-019B960494DF}">
-                  <a14:hiddenLine xmlns:a14="http://schemas.microsoft.com/office/drawing/2010/main" w="9525">
-                    <a:solidFill>
-                      <a:srgbClr val="000000"/>
-                    </a:solidFill>
-                    <a:miter lim="800000"/>
-                    <a:headEnd/>
-                    <a:tailEnd/>
-                  </a14:hiddenLine>
-                </a:ext>
-              </a:extLst>
-            </p:spPr>
-            <p:txBody>
-              <a:bodyPr/>
-              <a:lstStyle/>
-              <a:p>
-                <a:r>
-                  <a:rPr lang="en-US">
-                    <a:noFill/>
-                  </a:rPr>
-                  <a:t> </a:t>
-                </a:r>
-              </a:p>
-            </p:txBody>
-          </p:sp>
-        </mc:Fallback>
-      </mc:AlternateContent>
-    </p:spTree>
-    <p:extLst>
-      <p:ext uri="{BB962C8B-B14F-4D97-AF65-F5344CB8AC3E}">
-        <p14:creationId xmlns:p14="http://schemas.microsoft.com/office/powerpoint/2010/main" val="53151857"/>
       </p:ext>
     </p:extLst>
   </p:cSld>

--- a/presentation/Activelearning.pptx
+++ b/presentation/Activelearning.pptx
@@ -11926,19 +11926,7 @@
               <a:rPr lang="en-US" altLang="zh-TW" sz="2000" dirty="0" smtClean="0">
                 <a:ea typeface="新細明體" pitchFamily="-106" charset="-120"/>
               </a:rPr>
-              <a:t>Exists </a:t>
-            </a:r>
-            <a:r>
-              <a:rPr lang="en-US" altLang="zh-TW" sz="2000" smtClean="0">
-                <a:ea typeface="新細明體" pitchFamily="-106" charset="-120"/>
-              </a:rPr>
-              <a:t>an oracle </a:t>
-            </a:r>
-            <a:r>
-              <a:rPr lang="en-US" altLang="zh-TW" sz="2000" dirty="0" smtClean="0">
-                <a:ea typeface="新細明體" pitchFamily="-106" charset="-120"/>
-              </a:rPr>
-              <a:t>linear separator</a:t>
+              <a:t>Exists an oracle linear separator</a:t>
             </a:r>
           </a:p>
           <a:p>
@@ -13707,7 +13695,7 @@
               <a:rPr lang="en-US" altLang="zh-TW" sz="2400" dirty="0" smtClean="0">
                 <a:ea typeface="新細明體" pitchFamily="-106" charset="-120"/>
               </a:rPr>
-              <a:t>Experiment 2: Real world dataset</a:t>
+              <a:t>Experiment 2: Real world dataset (20news)</a:t>
             </a:r>
           </a:p>
           <a:p>
@@ -13720,11 +13708,8 @@
               <a:rPr lang="en-US" altLang="zh-TW" sz="2000" dirty="0" smtClean="0">
                 <a:ea typeface="新細明體" pitchFamily="-106" charset="-120"/>
               </a:rPr>
-              <a:t>Uniform distributed points on unit sphere centered at origin</a:t>
-            </a:r>
-            <a:endParaRPr lang="en-US" altLang="zh-TW" sz="2000" dirty="0" smtClean="0">
-              <a:ea typeface="新細明體" pitchFamily="-106" charset="-120"/>
-            </a:endParaRPr>
+              <a:t>Document classification problem</a:t>
+            </a:r>
           </a:p>
           <a:p>
             <a:pPr lvl="1" eaLnBrk="1" hangingPunct="1">
@@ -13736,8 +13721,86 @@
               <a:rPr lang="en-US" altLang="zh-TW" sz="2000" dirty="0" smtClean="0">
                 <a:ea typeface="新細明體" pitchFamily="-106" charset="-120"/>
               </a:rPr>
-              <a:t>Learn the optimal linear separator</a:t>
-            </a:r>
+              <a:t>Perform three binary classification tasks</a:t>
+            </a:r>
+          </a:p>
+          <a:p>
+            <a:pPr lvl="2" eaLnBrk="1" hangingPunct="1">
+              <a:lnSpc>
+                <a:spcPct val="90000"/>
+              </a:lnSpc>
+            </a:pPr>
+            <a:r>
+              <a:rPr lang="en-US" altLang="zh-TW" sz="1600" dirty="0" smtClean="0">
+                <a:ea typeface="新細明體" pitchFamily="-106" charset="-120"/>
+              </a:rPr>
+              <a:t>Recreation </a:t>
+            </a:r>
+            <a:r>
+              <a:rPr lang="en-US" altLang="zh-TW" sz="1600" dirty="0" err="1" smtClean="0">
+                <a:ea typeface="新細明體" pitchFamily="-106" charset="-120"/>
+              </a:rPr>
+              <a:t>vs</a:t>
+            </a:r>
+            <a:r>
+              <a:rPr lang="en-US" altLang="zh-TW" sz="1600" dirty="0" smtClean="0">
+                <a:ea typeface="新細明體" pitchFamily="-106" charset="-120"/>
+              </a:rPr>
+              <a:t> Computer</a:t>
+            </a:r>
+          </a:p>
+          <a:p>
+            <a:pPr lvl="2" eaLnBrk="1" hangingPunct="1">
+              <a:lnSpc>
+                <a:spcPct val="90000"/>
+              </a:lnSpc>
+            </a:pPr>
+            <a:r>
+              <a:rPr lang="en-US" altLang="zh-TW" sz="1600" dirty="0">
+                <a:ea typeface="新細明體" pitchFamily="-106" charset="-120"/>
+              </a:rPr>
+              <a:t>PC </a:t>
+            </a:r>
+            <a:r>
+              <a:rPr lang="en-US" altLang="zh-TW" sz="1600" dirty="0" err="1">
+                <a:ea typeface="新細明體" pitchFamily="-106" charset="-120"/>
+              </a:rPr>
+              <a:t>vs</a:t>
+            </a:r>
+            <a:r>
+              <a:rPr lang="en-US" altLang="zh-TW" sz="1600" dirty="0">
+                <a:ea typeface="新細明體" pitchFamily="-106" charset="-120"/>
+              </a:rPr>
+              <a:t> Mac</a:t>
+            </a:r>
+          </a:p>
+          <a:p>
+            <a:pPr lvl="2" eaLnBrk="1" hangingPunct="1">
+              <a:lnSpc>
+                <a:spcPct val="90000"/>
+              </a:lnSpc>
+            </a:pPr>
+            <a:r>
+              <a:rPr lang="en-US" altLang="zh-TW" sz="1600" dirty="0" smtClean="0">
+                <a:ea typeface="新細明體" pitchFamily="-106" charset="-120"/>
+              </a:rPr>
+              <a:t>Politics </a:t>
+            </a:r>
+            <a:r>
+              <a:rPr lang="en-US" altLang="zh-TW" sz="1600" dirty="0" err="1" smtClean="0">
+                <a:ea typeface="新細明體" pitchFamily="-106" charset="-120"/>
+              </a:rPr>
+              <a:t>vs</a:t>
+            </a:r>
+            <a:r>
+              <a:rPr lang="en-US" altLang="zh-TW" sz="1600" dirty="0" smtClean="0">
+                <a:ea typeface="新細明體" pitchFamily="-106" charset="-120"/>
+              </a:rPr>
+              <a:t> Religion</a:t>
+            </a:r>
+            <a:endParaRPr lang="en-US" altLang="zh-TW" sz="1600" dirty="0" smtClean="0">
+              <a:ea typeface="新細明體" pitchFamily="-106" charset="-120"/>
+            </a:endParaRPr>
           </a:p>
           <a:p>
             <a:pPr lvl="1" eaLnBrk="1" hangingPunct="1">
@@ -13749,7 +13812,20 @@
               <a:rPr lang="en-US" altLang="zh-TW" sz="2000" dirty="0" smtClean="0">
                 <a:ea typeface="新細明體" pitchFamily="-106" charset="-120"/>
               </a:rPr>
-              <a:t>Split into training / testing set:</a:t>
+              <a:t>Learn an linear classifier</a:t>
+            </a:r>
+          </a:p>
+          <a:p>
+            <a:pPr lvl="1" eaLnBrk="1" hangingPunct="1">
+              <a:lnSpc>
+                <a:spcPct val="90000"/>
+              </a:lnSpc>
+            </a:pPr>
+            <a:r>
+              <a:rPr lang="en-US" altLang="zh-TW" sz="2000" dirty="0" smtClean="0">
+                <a:ea typeface="新細明體" pitchFamily="-106" charset="-120"/>
+              </a:rPr>
+              <a:t>Feature of the document</a:t>
             </a:r>
           </a:p>
           <a:p>
@@ -13762,22 +13838,34 @@
               <a:rPr lang="en-US" altLang="zh-TW" sz="1600" dirty="0" smtClean="0">
                 <a:ea typeface="新細明體" pitchFamily="-106" charset="-120"/>
               </a:rPr>
-              <a:t>Training points 5000</a:t>
-            </a:r>
-          </a:p>
-          <a:p>
-            <a:pPr lvl="2" eaLnBrk="1" hangingPunct="1">
+              <a:t>Normalized </a:t>
+            </a:r>
+            <a:r>
+              <a:rPr lang="en-US" altLang="zh-TW" sz="1600" dirty="0" err="1" smtClean="0">
+                <a:ea typeface="新細明體" pitchFamily="-106" charset="-120"/>
+              </a:rPr>
+              <a:t>tf-idf</a:t>
+            </a:r>
+            <a:r>
+              <a:rPr lang="en-US" altLang="zh-TW" sz="1600" dirty="0" smtClean="0">
+                <a:ea typeface="新細明體" pitchFamily="-106" charset="-120"/>
+              </a:rPr>
+              <a:t> weighted term vector for each document</a:t>
+            </a:r>
+          </a:p>
+          <a:p>
+            <a:pPr eaLnBrk="1" hangingPunct="1">
               <a:lnSpc>
                 <a:spcPct val="90000"/>
               </a:lnSpc>
             </a:pPr>
             <a:r>
-              <a:rPr lang="en-US" altLang="zh-TW" sz="1600" dirty="0" smtClean="0">
+              <a:rPr lang="en-US" altLang="zh-TW" sz="2400" dirty="0" smtClean="0">
                 <a:ea typeface="新細明體" pitchFamily="-106" charset="-120"/>
               </a:rPr>
-              <a:t>Testing points 3000</a:t>
-            </a:r>
-            <a:endParaRPr lang="en-US" altLang="zh-TW" sz="1600" dirty="0" smtClean="0">
+              <a:t>Challenges comparing to synthesis data</a:t>
+            </a:r>
+            <a:endParaRPr lang="en-US" altLang="zh-TW" sz="2400" dirty="0">
               <a:ea typeface="新細明體" pitchFamily="-106" charset="-120"/>
             </a:endParaRPr>
           </a:p>
@@ -13788,14 +13876,12 @@
               </a:lnSpc>
             </a:pPr>
             <a:r>
-              <a:rPr lang="en-US" altLang="zh-TW" sz="2000" dirty="0" smtClean="0">
+              <a:rPr lang="en-US" altLang="zh-TW" sz="2000" dirty="0">
                 <a:ea typeface="新細明體" pitchFamily="-106" charset="-120"/>
+                <a:cs typeface="+mn-cs"/>
               </a:rPr>
-              <a:t>Compare classification accuracy on testing set</a:t>
-            </a:r>
-            <a:endParaRPr lang="en-US" altLang="zh-TW" sz="2000" dirty="0">
-              <a:ea typeface="新細明體" pitchFamily="-106" charset="-120"/>
-            </a:endParaRPr>
+              <a:t>Assumption on linear separable data won’t hold</a:t>
+            </a:r>
           </a:p>
           <a:p>
             <a:pPr lvl="1" eaLnBrk="1" hangingPunct="1">
@@ -13804,10 +13890,11 @@
               </a:lnSpc>
             </a:pPr>
             <a:r>
-              <a:rPr lang="en-US" altLang="zh-TW" sz="2000" dirty="0" smtClean="0">
+              <a:rPr lang="en-US" altLang="zh-TW" sz="2000" dirty="0">
                 <a:ea typeface="新細明體" pitchFamily="-106" charset="-120"/>
+                <a:cs typeface="+mn-cs"/>
               </a:rPr>
-              <a:t>Compare with theoretical error bound</a:t>
+              <a:t>Assumption on concept class distribution won’t hold</a:t>
             </a:r>
           </a:p>
           <a:p>
@@ -13817,24 +13904,26 @@
               </a:lnSpc>
             </a:pPr>
             <a:r>
-              <a:rPr lang="en-US" altLang="zh-TW" sz="2000" dirty="0" smtClean="0">
+              <a:rPr lang="en-US" altLang="zh-TW" sz="2000" dirty="0">
                 <a:ea typeface="新細明體" pitchFamily="-106" charset="-120"/>
+                <a:cs typeface="+mn-cs"/>
               </a:rPr>
-              <a:t>Compare with baseline method: Perceptron</a:t>
-            </a:r>
-            <a:endParaRPr lang="en-US" altLang="zh-TW" sz="2000" dirty="0" smtClean="0">
-              <a:ea typeface="新細明體" pitchFamily="-106" charset="-120"/>
-            </a:endParaRPr>
-          </a:p>
-          <a:p>
-            <a:pPr eaLnBrk="1" hangingPunct="1">
+              <a:t>Assumption on data distribution won’t hold</a:t>
+            </a:r>
+          </a:p>
+          <a:p>
+            <a:pPr lvl="1" eaLnBrk="1" hangingPunct="1">
               <a:lnSpc>
                 <a:spcPct val="90000"/>
               </a:lnSpc>
             </a:pPr>
-            <a:endParaRPr lang="en-US" altLang="zh-TW" sz="2000" dirty="0" smtClean="0">
-              <a:ea typeface="新細明體" pitchFamily="-106" charset="-120"/>
-            </a:endParaRPr>
+            <a:r>
+              <a:rPr lang="en-US" altLang="zh-TW" sz="2000" dirty="0">
+                <a:ea typeface="新細明體" pitchFamily="-106" charset="-120"/>
+                <a:cs typeface="+mn-cs"/>
+              </a:rPr>
+              <a:t>Very high dimension (60000+ distinct terms)</a:t>
+            </a:r>
           </a:p>
         </p:txBody>
       </p:sp>

--- a/presentation/Activelearning.pptx
+++ b/presentation/Activelearning.pptx
@@ -5,10 +5,10 @@
     <p:sldMasterId id="2147483697" r:id="rId1"/>
   </p:sldMasterIdLst>
   <p:notesMasterIdLst>
-    <p:notesMasterId r:id="rId31"/>
+    <p:notesMasterId r:id="rId32"/>
   </p:notesMasterIdLst>
   <p:handoutMasterIdLst>
-    <p:handoutMasterId r:id="rId32"/>
+    <p:handoutMasterId r:id="rId33"/>
   </p:handoutMasterIdLst>
   <p:sldIdLst>
     <p:sldId id="256" r:id="rId2"/>
@@ -38,8 +38,9 @@
     <p:sldId id="484" r:id="rId26"/>
     <p:sldId id="485" r:id="rId27"/>
     <p:sldId id="473" r:id="rId28"/>
-    <p:sldId id="471" r:id="rId29"/>
-    <p:sldId id="458" r:id="rId30"/>
+    <p:sldId id="494" r:id="rId29"/>
+    <p:sldId id="471" r:id="rId30"/>
+    <p:sldId id="458" r:id="rId31"/>
   </p:sldIdLst>
   <p:sldSz cx="9144000" cy="6858000" type="screen4x3"/>
   <p:notesSz cx="6997700" cy="9283700"/>
@@ -1172,6 +1173,755 @@
 </file>
 
 <file path=ppt/notesSlides/notesSlide3.xml><?xml version="1.0" encoding="utf-8"?>
+<p:notes xmlns:a="http://schemas.openxmlformats.org/drawingml/2006/main" xmlns:r="http://schemas.openxmlformats.org/officeDocument/2006/relationships" xmlns:p="http://schemas.openxmlformats.org/presentationml/2006/main">
+  <p:cSld>
+    <p:spTree>
+      <p:nvGrpSpPr>
+        <p:cNvPr id="1" name=""/>
+        <p:cNvGrpSpPr/>
+        <p:nvPr/>
+      </p:nvGrpSpPr>
+      <p:grpSpPr>
+        <a:xfrm>
+          <a:off x="0" y="0"/>
+          <a:ext cx="0" cy="0"/>
+          <a:chOff x="0" y="0"/>
+          <a:chExt cx="0" cy="0"/>
+        </a:xfrm>
+      </p:grpSpPr>
+      <p:sp>
+        <p:nvSpPr>
+          <p:cNvPr id="2" name="Slide Image Placeholder 1"/>
+          <p:cNvSpPr>
+            <a:spLocks noGrp="1" noRot="1" noChangeAspect="1"/>
+          </p:cNvSpPr>
+          <p:nvPr>
+            <p:ph type="sldImg"/>
+          </p:nvPr>
+        </p:nvSpPr>
+        <p:spPr/>
+      </p:sp>
+      <mc:AlternateContent xmlns:mc="http://schemas.openxmlformats.org/markup-compatibility/2006" xmlns:a14="http://schemas.microsoft.com/office/drawing/2010/main">
+        <mc:Choice Requires="a14">
+          <p:sp>
+            <p:nvSpPr>
+              <p:cNvPr id="3" name="Notes Placeholder 2"/>
+              <p:cNvSpPr>
+                <a:spLocks noGrp="1"/>
+              </p:cNvSpPr>
+              <p:nvPr>
+                <p:ph type="body" idx="1"/>
+              </p:nvPr>
+            </p:nvSpPr>
+            <p:spPr/>
+            <p:txBody>
+              <a:bodyPr/>
+              <a:lstStyle/>
+              <a:p>
+                <a:r>
+                  <a:rPr lang="en-US" dirty="0" smtClean="0"/>
+                  <a:t>Gibbs prediction means to predict the label of example by picking a hypothesis h random</a:t>
+                </a:r>
+                <a:r>
+                  <a:rPr lang="en-US" baseline="0" dirty="0" smtClean="0"/>
+                  <a:t> from version space</a:t>
+                </a:r>
+              </a:p>
+              <a:p>
+                <a:r>
+                  <a:rPr lang="en-US" sz="1200" dirty="0" smtClean="0">
+                    <a:ea typeface="新細明體" pitchFamily="-106" charset="-120"/>
+                  </a:rPr>
+                  <a:t>Namely, QBC </a:t>
+                </a:r>
+                <a:r>
+                  <a:rPr lang="en-US" sz="1200" dirty="0">
+                    <a:ea typeface="新細明體" pitchFamily="-106" charset="-120"/>
+                  </a:rPr>
+                  <a:t>will reach a generalization error of</a:t>
+                </a:r>
+                <a14:m>
+                  <m:oMath xmlns="" xmlns:m="http://schemas.openxmlformats.org/officeDocument/2006/math">
+                    <m:r>
+                      <a:rPr lang="en-US" altLang="zh-TW" sz="1200" b="0" i="0" smtClean="0">
+                        <a:latin typeface="Cambria Math"/>
+                        <a:ea typeface="新細明體" pitchFamily="-106" charset="-120"/>
+                      </a:rPr>
+                      <m:t> </m:t>
+                    </m:r>
+                    <m:r>
+                      <a:rPr lang="zh-TW" altLang="en-US" sz="1200" i="1">
+                        <a:latin typeface="Cambria Math"/>
+                        <a:ea typeface="新細明體" pitchFamily="-106" charset="-120"/>
+                      </a:rPr>
+                      <m:t>𝜖</m:t>
+                    </m:r>
+                  </m:oMath>
+                </a14:m>
+                <a:r>
+                  <a:rPr lang="en-US" sz="1200" dirty="0" smtClean="0">
+                    <a:ea typeface="新細明體" pitchFamily="-106" charset="-120"/>
+                  </a:rPr>
+                  <a:t> </a:t>
+                </a:r>
+                <a:r>
+                  <a:rPr lang="en-US" sz="1200" dirty="0">
+                    <a:ea typeface="新細明體" pitchFamily="-106" charset="-120"/>
+                  </a:rPr>
+                  <a:t>when using only </a:t>
+                </a:r>
+                <a14:m>
+                  <m:oMath xmlns="" xmlns:m="http://schemas.openxmlformats.org/officeDocument/2006/math">
+                    <m:r>
+                      <a:rPr lang="en-US" sz="1200" b="0" i="1" smtClean="0">
+                        <a:latin typeface="Cambria Math"/>
+                        <a:ea typeface="新細明體" pitchFamily="-106" charset="-120"/>
+                      </a:rPr>
+                      <m:t>𝑂</m:t>
+                    </m:r>
+                    <m:r>
+                      <a:rPr lang="en-US" sz="1200" b="0" i="1" smtClean="0">
+                        <a:latin typeface="Cambria Math"/>
+                        <a:ea typeface="新細明體" pitchFamily="-106" charset="-120"/>
+                      </a:rPr>
+                      <m:t>(</m:t>
+                    </m:r>
+                    <m:func>
+                      <m:funcPr>
+                        <m:ctrlPr>
+                          <a:rPr lang="en-US" sz="1200" b="0" i="1" smtClean="0">
+                            <a:latin typeface="Cambria Math"/>
+                            <a:ea typeface="新細明體" pitchFamily="-106" charset="-120"/>
+                          </a:rPr>
+                        </m:ctrlPr>
+                      </m:funcPr>
+                      <m:fName>
+                        <m:r>
+                          <m:rPr>
+                            <m:sty m:val="p"/>
+                          </m:rPr>
+                          <a:rPr lang="en-US" sz="1200" b="0" i="0" smtClean="0">
+                            <a:latin typeface="Cambria Math"/>
+                            <a:ea typeface="新細明體" pitchFamily="-106" charset="-120"/>
+                          </a:rPr>
+                          <m:t>log</m:t>
+                        </m:r>
+                      </m:fName>
+                      <m:e>
+                        <m:f>
+                          <m:fPr>
+                            <m:ctrlPr>
+                              <a:rPr lang="en-US" sz="1200" b="0" i="1" smtClean="0">
+                                <a:latin typeface="Cambria Math"/>
+                                <a:ea typeface="新細明體" pitchFamily="-106" charset="-120"/>
+                              </a:rPr>
+                            </m:ctrlPr>
+                          </m:fPr>
+                          <m:num>
+                            <m:r>
+                              <a:rPr lang="en-US" sz="1200" b="0" i="1" smtClean="0">
+                                <a:latin typeface="Cambria Math"/>
+                                <a:ea typeface="新細明體" pitchFamily="-106" charset="-120"/>
+                              </a:rPr>
+                              <m:t>1</m:t>
+                            </m:r>
+                          </m:num>
+                          <m:den>
+                            <m:r>
+                              <a:rPr lang="en-US" sz="1200" b="0" i="1" smtClean="0">
+                                <a:latin typeface="Cambria Math"/>
+                                <a:ea typeface="Cambria Math"/>
+                              </a:rPr>
+                              <m:t>∈</m:t>
+                            </m:r>
+                          </m:den>
+                        </m:f>
+                      </m:e>
+                    </m:func>
+                    <m:r>
+                      <a:rPr lang="en-US" sz="1200" b="0" i="1" smtClean="0">
+                        <a:latin typeface="Cambria Math"/>
+                        <a:ea typeface="新細明體" pitchFamily="-106" charset="-120"/>
+                      </a:rPr>
+                      <m:t>)</m:t>
+                    </m:r>
+                  </m:oMath>
+                </a14:m>
+                <a:r>
+                  <a:rPr lang="en-US" sz="1200" dirty="0" smtClean="0">
+                    <a:ea typeface="新細明體" pitchFamily="-106" charset="-120"/>
+                  </a:rPr>
+                  <a:t> labels</a:t>
+                </a:r>
+                <a:endParaRPr lang="en-US" dirty="0"/>
+              </a:p>
+            </p:txBody>
+          </p:sp>
+        </mc:Choice>
+        <mc:Fallback xmlns="">
+          <p:sp>
+            <p:nvSpPr>
+              <p:cNvPr id="3" name="Notes Placeholder 2"/>
+              <p:cNvSpPr>
+                <a:spLocks noGrp="1"/>
+              </p:cNvSpPr>
+              <p:nvPr>
+                <p:ph type="body" idx="1"/>
+              </p:nvPr>
+            </p:nvSpPr>
+            <p:spPr/>
+            <p:txBody>
+              <a:bodyPr/>
+              <a:lstStyle/>
+              <a:p>
+                <a:r>
+                  <a:rPr lang="en-US" dirty="0" smtClean="0"/>
+                  <a:t>Gibbs prediction means to predict the label of example by picking a hypothesis h random</a:t>
+                </a:r>
+                <a:r>
+                  <a:rPr lang="en-US" baseline="0" dirty="0" smtClean="0"/>
+                  <a:t> from version space</a:t>
+                </a:r>
+              </a:p>
+              <a:p>
+                <a:r>
+                  <a:rPr lang="en-US" sz="1200" dirty="0" smtClean="0">
+                    <a:ea typeface="新細明體" pitchFamily="-106" charset="-120"/>
+                  </a:rPr>
+                  <a:t>Namely, QBC </a:t>
+                </a:r>
+                <a:r>
+                  <a:rPr lang="en-US" sz="1200" dirty="0">
+                    <a:ea typeface="新細明體" pitchFamily="-106" charset="-120"/>
+                  </a:rPr>
+                  <a:t>will reach a generalization error of</a:t>
+                </a:r>
+                <a:r>
+                  <a:rPr lang="en-US" altLang="zh-TW" sz="1200" b="0" i="0" smtClean="0">
+                    <a:latin typeface="Cambria Math"/>
+                    <a:ea typeface="新細明體" pitchFamily="-106" charset="-120"/>
+                  </a:rPr>
+                  <a:t> </a:t>
+                </a:r>
+                <a:r>
+                  <a:rPr lang="zh-TW" altLang="en-US" sz="1200" i="0">
+                    <a:latin typeface="Cambria Math"/>
+                    <a:ea typeface="新細明體" pitchFamily="-106" charset="-120"/>
+                  </a:rPr>
+                  <a:t>𝜖</a:t>
+                </a:r>
+                <a:r>
+                  <a:rPr lang="en-US" sz="1200" dirty="0" smtClean="0">
+                    <a:ea typeface="新細明體" pitchFamily="-106" charset="-120"/>
+                  </a:rPr>
+                  <a:t> </a:t>
+                </a:r>
+                <a:r>
+                  <a:rPr lang="en-US" sz="1200" dirty="0">
+                    <a:ea typeface="新細明體" pitchFamily="-106" charset="-120"/>
+                  </a:rPr>
+                  <a:t>when using only </a:t>
+                </a:r>
+                <a:r>
+                  <a:rPr lang="en-US" sz="1200" b="0" i="0" smtClean="0">
+                    <a:latin typeface="Cambria Math"/>
+                    <a:ea typeface="新細明體" pitchFamily="-106" charset="-120"/>
+                  </a:rPr>
+                  <a:t>𝑂(log⁡〖1/</a:t>
+                </a:r>
+                <a:r>
+                  <a:rPr lang="en-US" sz="1200" b="0" i="0" smtClean="0">
+                    <a:latin typeface="Cambria Math"/>
+                    <a:ea typeface="Cambria Math"/>
+                  </a:rPr>
+                  <a:t>𝛿〗</a:t>
+                </a:r>
+                <a:r>
+                  <a:rPr lang="en-US" sz="1200" b="0" i="0" smtClean="0">
+                    <a:latin typeface="Cambria Math"/>
+                    <a:ea typeface="新細明體" pitchFamily="-106" charset="-120"/>
+                  </a:rPr>
+                  <a:t>)</a:t>
+                </a:r>
+                <a:r>
+                  <a:rPr lang="en-US" sz="1200" dirty="0" smtClean="0">
+                    <a:ea typeface="新細明體" pitchFamily="-106" charset="-120"/>
+                  </a:rPr>
+                  <a:t> labels</a:t>
+                </a:r>
+                <a:endParaRPr lang="en-US" dirty="0"/>
+              </a:p>
+            </p:txBody>
+          </p:sp>
+        </mc:Fallback>
+      </mc:AlternateContent>
+      <p:sp>
+        <p:nvSpPr>
+          <p:cNvPr id="4" name="Slide Number Placeholder 3"/>
+          <p:cNvSpPr>
+            <a:spLocks noGrp="1"/>
+          </p:cNvSpPr>
+          <p:nvPr>
+            <p:ph type="sldNum" sz="quarter" idx="10"/>
+          </p:nvPr>
+        </p:nvSpPr>
+        <p:spPr/>
+        <p:txBody>
+          <a:bodyPr/>
+          <a:lstStyle/>
+          <a:p>
+            <a:fld id="{DFAA0BD4-28E6-4AA9-A380-6B49DDD43FFD}" type="slidenum">
+              <a:rPr lang="en-US" smtClean="0"/>
+              <a:pPr/>
+              <a:t>7</a:t>
+            </a:fld>
+            <a:endParaRPr lang="en-US"/>
+          </a:p>
+        </p:txBody>
+      </p:sp>
+    </p:spTree>
+    <p:extLst>
+      <p:ext uri="{BB962C8B-B14F-4D97-AF65-F5344CB8AC3E}">
+        <p14:creationId xmlns:p14="http://schemas.microsoft.com/office/powerpoint/2010/main" val="73545387"/>
+      </p:ext>
+    </p:extLst>
+  </p:cSld>
+  <p:clrMapOvr>
+    <a:masterClrMapping/>
+  </p:clrMapOvr>
+</p:notes>
+</file>
+
+<file path=ppt/notesSlides/notesSlide4.xml><?xml version="1.0" encoding="utf-8"?>
+<p:notes xmlns:a="http://schemas.openxmlformats.org/drawingml/2006/main" xmlns:r="http://schemas.openxmlformats.org/officeDocument/2006/relationships" xmlns:p="http://schemas.openxmlformats.org/presentationml/2006/main">
+  <p:cSld>
+    <p:spTree>
+      <p:nvGrpSpPr>
+        <p:cNvPr id="1" name=""/>
+        <p:cNvGrpSpPr/>
+        <p:nvPr/>
+      </p:nvGrpSpPr>
+      <p:grpSpPr>
+        <a:xfrm>
+          <a:off x="0" y="0"/>
+          <a:ext cx="0" cy="0"/>
+          <a:chOff x="0" y="0"/>
+          <a:chExt cx="0" cy="0"/>
+        </a:xfrm>
+      </p:grpSpPr>
+      <p:sp>
+        <p:nvSpPr>
+          <p:cNvPr id="2" name="Slide Image Placeholder 1"/>
+          <p:cNvSpPr>
+            <a:spLocks noGrp="1" noRot="1" noChangeAspect="1"/>
+          </p:cNvSpPr>
+          <p:nvPr>
+            <p:ph type="sldImg"/>
+          </p:nvPr>
+        </p:nvSpPr>
+        <p:spPr/>
+      </p:sp>
+      <mc:AlternateContent xmlns:mc="http://schemas.openxmlformats.org/markup-compatibility/2006" xmlns:a14="http://schemas.microsoft.com/office/drawing/2010/main">
+        <mc:Choice Requires="a14">
+          <p:sp>
+            <p:nvSpPr>
+              <p:cNvPr id="3" name="Notes Placeholder 2"/>
+              <p:cNvSpPr>
+                <a:spLocks noGrp="1"/>
+              </p:cNvSpPr>
+              <p:nvPr>
+                <p:ph type="body" idx="1"/>
+              </p:nvPr>
+            </p:nvSpPr>
+            <p:spPr/>
+            <p:txBody>
+              <a:bodyPr/>
+              <a:lstStyle/>
+              <a:p>
+                <a:r>
+                  <a:rPr lang="en-US" dirty="0" smtClean="0"/>
+                  <a:t>Gibbs prediction means to predict the label of example by picking a hypothesis h random</a:t>
+                </a:r>
+                <a:r>
+                  <a:rPr lang="en-US" baseline="0" dirty="0" smtClean="0"/>
+                  <a:t> from version space</a:t>
+                </a:r>
+              </a:p>
+              <a:p>
+                <a:r>
+                  <a:rPr lang="en-US" sz="1200" dirty="0" smtClean="0">
+                    <a:ea typeface="新細明體" pitchFamily="-106" charset="-120"/>
+                  </a:rPr>
+                  <a:t>Namely, QBC </a:t>
+                </a:r>
+                <a:r>
+                  <a:rPr lang="en-US" sz="1200" dirty="0">
+                    <a:ea typeface="新細明體" pitchFamily="-106" charset="-120"/>
+                  </a:rPr>
+                  <a:t>will reach a generalization error of</a:t>
+                </a:r>
+                <a14:m>
+                  <m:oMath xmlns="" xmlns:m="http://schemas.openxmlformats.org/officeDocument/2006/math">
+                    <m:r>
+                      <a:rPr lang="en-US" altLang="zh-TW" sz="1200" b="0" i="0" smtClean="0">
+                        <a:latin typeface="Cambria Math"/>
+                        <a:ea typeface="新細明體" pitchFamily="-106" charset="-120"/>
+                      </a:rPr>
+                      <m:t> </m:t>
+                    </m:r>
+                    <m:r>
+                      <a:rPr lang="zh-TW" altLang="en-US" sz="1200" i="1">
+                        <a:latin typeface="Cambria Math"/>
+                        <a:ea typeface="新細明體" pitchFamily="-106" charset="-120"/>
+                      </a:rPr>
+                      <m:t>𝜖</m:t>
+                    </m:r>
+                  </m:oMath>
+                </a14:m>
+                <a:r>
+                  <a:rPr lang="en-US" sz="1200" dirty="0" smtClean="0">
+                    <a:ea typeface="新細明體" pitchFamily="-106" charset="-120"/>
+                  </a:rPr>
+                  <a:t> </a:t>
+                </a:r>
+                <a:r>
+                  <a:rPr lang="en-US" sz="1200" dirty="0">
+                    <a:ea typeface="新細明體" pitchFamily="-106" charset="-120"/>
+                  </a:rPr>
+                  <a:t>when using only </a:t>
+                </a:r>
+                <a14:m>
+                  <m:oMath xmlns="" xmlns:m="http://schemas.openxmlformats.org/officeDocument/2006/math">
+                    <m:r>
+                      <a:rPr lang="en-US" sz="1200" b="0" i="1" smtClean="0">
+                        <a:latin typeface="Cambria Math"/>
+                        <a:ea typeface="新細明體" pitchFamily="-106" charset="-120"/>
+                      </a:rPr>
+                      <m:t>𝑂</m:t>
+                    </m:r>
+                    <m:r>
+                      <a:rPr lang="en-US" sz="1200" b="0" i="1" smtClean="0">
+                        <a:latin typeface="Cambria Math"/>
+                        <a:ea typeface="新細明體" pitchFamily="-106" charset="-120"/>
+                      </a:rPr>
+                      <m:t>(</m:t>
+                    </m:r>
+                    <m:func>
+                      <m:funcPr>
+                        <m:ctrlPr>
+                          <a:rPr lang="en-US" sz="1200" b="0" i="1" smtClean="0">
+                            <a:latin typeface="Cambria Math"/>
+                            <a:ea typeface="新細明體" pitchFamily="-106" charset="-120"/>
+                          </a:rPr>
+                        </m:ctrlPr>
+                      </m:funcPr>
+                      <m:fName>
+                        <m:r>
+                          <m:rPr>
+                            <m:sty m:val="p"/>
+                          </m:rPr>
+                          <a:rPr lang="en-US" sz="1200" b="0" i="0" smtClean="0">
+                            <a:latin typeface="Cambria Math"/>
+                            <a:ea typeface="新細明體" pitchFamily="-106" charset="-120"/>
+                          </a:rPr>
+                          <m:t>log</m:t>
+                        </m:r>
+                      </m:fName>
+                      <m:e>
+                        <m:f>
+                          <m:fPr>
+                            <m:ctrlPr>
+                              <a:rPr lang="en-US" sz="1200" b="0" i="1" smtClean="0">
+                                <a:latin typeface="Cambria Math"/>
+                                <a:ea typeface="新細明體" pitchFamily="-106" charset="-120"/>
+                              </a:rPr>
+                            </m:ctrlPr>
+                          </m:fPr>
+                          <m:num>
+                            <m:r>
+                              <a:rPr lang="en-US" sz="1200" b="0" i="1" smtClean="0">
+                                <a:latin typeface="Cambria Math"/>
+                                <a:ea typeface="新細明體" pitchFamily="-106" charset="-120"/>
+                              </a:rPr>
+                              <m:t>1</m:t>
+                            </m:r>
+                          </m:num>
+                          <m:den>
+                            <m:r>
+                              <a:rPr lang="en-US" sz="1200" b="0" i="1" smtClean="0">
+                                <a:latin typeface="Cambria Math"/>
+                                <a:ea typeface="Cambria Math"/>
+                              </a:rPr>
+                              <m:t>∈</m:t>
+                            </m:r>
+                          </m:den>
+                        </m:f>
+                      </m:e>
+                    </m:func>
+                    <m:r>
+                      <a:rPr lang="en-US" sz="1200" b="0" i="1" smtClean="0">
+                        <a:latin typeface="Cambria Math"/>
+                        <a:ea typeface="新細明體" pitchFamily="-106" charset="-120"/>
+                      </a:rPr>
+                      <m:t>)</m:t>
+                    </m:r>
+                  </m:oMath>
+                </a14:m>
+                <a:r>
+                  <a:rPr lang="en-US" sz="1200" dirty="0" smtClean="0">
+                    <a:ea typeface="新細明體" pitchFamily="-106" charset="-120"/>
+                  </a:rPr>
+                  <a:t> labels</a:t>
+                </a:r>
+                <a:endParaRPr lang="en-US" dirty="0"/>
+              </a:p>
+            </p:txBody>
+          </p:sp>
+        </mc:Choice>
+        <mc:Fallback xmlns="">
+          <p:sp>
+            <p:nvSpPr>
+              <p:cNvPr id="3" name="Notes Placeholder 2"/>
+              <p:cNvSpPr>
+                <a:spLocks noGrp="1"/>
+              </p:cNvSpPr>
+              <p:nvPr>
+                <p:ph type="body" idx="1"/>
+              </p:nvPr>
+            </p:nvSpPr>
+            <p:spPr/>
+            <p:txBody>
+              <a:bodyPr/>
+              <a:lstStyle/>
+              <a:p>
+                <a:r>
+                  <a:rPr lang="en-US" dirty="0" smtClean="0"/>
+                  <a:t>Gibbs prediction means to predict the label of example by picking a hypothesis h random</a:t>
+                </a:r>
+                <a:r>
+                  <a:rPr lang="en-US" baseline="0" dirty="0" smtClean="0"/>
+                  <a:t> from version space</a:t>
+                </a:r>
+              </a:p>
+              <a:p>
+                <a:r>
+                  <a:rPr lang="en-US" sz="1200" dirty="0" smtClean="0">
+                    <a:ea typeface="新細明體" pitchFamily="-106" charset="-120"/>
+                  </a:rPr>
+                  <a:t>Namely, QBC </a:t>
+                </a:r>
+                <a:r>
+                  <a:rPr lang="en-US" sz="1200" dirty="0">
+                    <a:ea typeface="新細明體" pitchFamily="-106" charset="-120"/>
+                  </a:rPr>
+                  <a:t>will reach a generalization error of</a:t>
+                </a:r>
+                <a:r>
+                  <a:rPr lang="en-US" altLang="zh-TW" sz="1200" b="0" i="0" smtClean="0">
+                    <a:latin typeface="Cambria Math"/>
+                    <a:ea typeface="新細明體" pitchFamily="-106" charset="-120"/>
+                  </a:rPr>
+                  <a:t> </a:t>
+                </a:r>
+                <a:r>
+                  <a:rPr lang="zh-TW" altLang="en-US" sz="1200" i="0">
+                    <a:latin typeface="Cambria Math"/>
+                    <a:ea typeface="新細明體" pitchFamily="-106" charset="-120"/>
+                  </a:rPr>
+                  <a:t>𝜖</a:t>
+                </a:r>
+                <a:r>
+                  <a:rPr lang="en-US" sz="1200" dirty="0" smtClean="0">
+                    <a:ea typeface="新細明體" pitchFamily="-106" charset="-120"/>
+                  </a:rPr>
+                  <a:t> </a:t>
+                </a:r>
+                <a:r>
+                  <a:rPr lang="en-US" sz="1200" dirty="0">
+                    <a:ea typeface="新細明體" pitchFamily="-106" charset="-120"/>
+                  </a:rPr>
+                  <a:t>when using only </a:t>
+                </a:r>
+                <a:r>
+                  <a:rPr lang="en-US" sz="1200" b="0" i="0" smtClean="0">
+                    <a:latin typeface="Cambria Math"/>
+                    <a:ea typeface="新細明體" pitchFamily="-106" charset="-120"/>
+                  </a:rPr>
+                  <a:t>𝑂(log⁡〖1/</a:t>
+                </a:r>
+                <a:r>
+                  <a:rPr lang="en-US" sz="1200" b="0" i="0" smtClean="0">
+                    <a:latin typeface="Cambria Math"/>
+                    <a:ea typeface="Cambria Math"/>
+                  </a:rPr>
+                  <a:t>𝛿〗</a:t>
+                </a:r>
+                <a:r>
+                  <a:rPr lang="en-US" sz="1200" b="0" i="0" smtClean="0">
+                    <a:latin typeface="Cambria Math"/>
+                    <a:ea typeface="新細明體" pitchFamily="-106" charset="-120"/>
+                  </a:rPr>
+                  <a:t>)</a:t>
+                </a:r>
+                <a:r>
+                  <a:rPr lang="en-US" sz="1200" dirty="0" smtClean="0">
+                    <a:ea typeface="新細明體" pitchFamily="-106" charset="-120"/>
+                  </a:rPr>
+                  <a:t> labels</a:t>
+                </a:r>
+                <a:endParaRPr lang="en-US" dirty="0"/>
+              </a:p>
+            </p:txBody>
+          </p:sp>
+        </mc:Fallback>
+      </mc:AlternateContent>
+      <p:sp>
+        <p:nvSpPr>
+          <p:cNvPr id="4" name="Slide Number Placeholder 3"/>
+          <p:cNvSpPr>
+            <a:spLocks noGrp="1"/>
+          </p:cNvSpPr>
+          <p:nvPr>
+            <p:ph type="sldNum" sz="quarter" idx="10"/>
+          </p:nvPr>
+        </p:nvSpPr>
+        <p:spPr/>
+        <p:txBody>
+          <a:bodyPr/>
+          <a:lstStyle/>
+          <a:p>
+            <a:fld id="{DFAA0BD4-28E6-4AA9-A380-6B49DDD43FFD}" type="slidenum">
+              <a:rPr lang="en-US" smtClean="0"/>
+              <a:pPr/>
+              <a:t>8</a:t>
+            </a:fld>
+            <a:endParaRPr lang="en-US"/>
+          </a:p>
+        </p:txBody>
+      </p:sp>
+    </p:spTree>
+    <p:extLst>
+      <p:ext uri="{BB962C8B-B14F-4D97-AF65-F5344CB8AC3E}">
+        <p14:creationId xmlns:p14="http://schemas.microsoft.com/office/powerpoint/2010/main" val="73545387"/>
+      </p:ext>
+    </p:extLst>
+  </p:cSld>
+  <p:clrMapOvr>
+    <a:masterClrMapping/>
+  </p:clrMapOvr>
+</p:notes>
+</file>
+
+<file path=ppt/notesSlides/notesSlide5.xml><?xml version="1.0" encoding="utf-8"?>
+<p:notes xmlns:a="http://schemas.openxmlformats.org/drawingml/2006/main" xmlns:r="http://schemas.openxmlformats.org/officeDocument/2006/relationships" xmlns:p="http://schemas.openxmlformats.org/presentationml/2006/main">
+  <p:cSld>
+    <p:spTree>
+      <p:nvGrpSpPr>
+        <p:cNvPr id="1" name=""/>
+        <p:cNvGrpSpPr/>
+        <p:nvPr/>
+      </p:nvGrpSpPr>
+      <p:grpSpPr>
+        <a:xfrm>
+          <a:off x="0" y="0"/>
+          <a:ext cx="0" cy="0"/>
+          <a:chOff x="0" y="0"/>
+          <a:chExt cx="0" cy="0"/>
+        </a:xfrm>
+      </p:grpSpPr>
+      <p:sp>
+        <p:nvSpPr>
+          <p:cNvPr id="2" name="Slide Image Placeholder 1"/>
+          <p:cNvSpPr>
+            <a:spLocks noGrp="1" noRot="1" noChangeAspect="1"/>
+          </p:cNvSpPr>
+          <p:nvPr>
+            <p:ph type="sldImg"/>
+          </p:nvPr>
+        </p:nvSpPr>
+        <p:spPr/>
+      </p:sp>
+      <p:sp>
+        <p:nvSpPr>
+          <p:cNvPr id="3" name="Notes Placeholder 2"/>
+          <p:cNvSpPr>
+            <a:spLocks noGrp="1"/>
+          </p:cNvSpPr>
+          <p:nvPr>
+            <p:ph type="body" idx="1"/>
+          </p:nvPr>
+        </p:nvSpPr>
+        <p:spPr/>
+        <p:txBody>
+          <a:bodyPr/>
+          <a:lstStyle/>
+          <a:p>
+            <a:r>
+              <a:rPr lang="en-US" sz="1200" b="0" i="0" u="none" strike="noStrike" kern="1200" baseline="0" dirty="0" smtClean="0">
+                <a:solidFill>
+                  <a:schemeClr val="tx1"/>
+                </a:solidFill>
+                <a:latin typeface="Arial" charset="0"/>
+                <a:ea typeface="ＭＳ Ｐゴシック" pitchFamily="-106" charset="-128"/>
+                <a:cs typeface="+mn-cs"/>
+              </a:rPr>
+              <a:t>QBC maintains a committee of hypotheses consistent with the labeled examples it has seen so far – a representation of the version space. For many real-world problems, the committee is infinite. The main obstacle in implementing QBC is the need to sample from the version space (step 2).</a:t>
+            </a:r>
+          </a:p>
+          <a:p>
+            <a:r>
+              <a:rPr lang="en-US" sz="1200" b="0" i="0" u="none" strike="noStrike" kern="1200" baseline="0" dirty="0" smtClean="0">
+                <a:solidFill>
+                  <a:schemeClr val="tx1"/>
+                </a:solidFill>
+                <a:latin typeface="Arial" charset="0"/>
+                <a:ea typeface="ＭＳ Ｐゴシック" pitchFamily="-106" charset="-128"/>
+                <a:cs typeface="+mn-cs"/>
+              </a:rPr>
+              <a:t>It is hard to do this with reasonable computational complexity in high dimension space. When there is a very large number of candidate hypotheses, explicitly representing them will not be practical.</a:t>
+            </a:r>
+            <a:endParaRPr lang="en-US" dirty="0"/>
+          </a:p>
+        </p:txBody>
+      </p:sp>
+      <p:sp>
+        <p:nvSpPr>
+          <p:cNvPr id="4" name="Slide Number Placeholder 3"/>
+          <p:cNvSpPr>
+            <a:spLocks noGrp="1"/>
+          </p:cNvSpPr>
+          <p:nvPr>
+            <p:ph type="sldNum" sz="quarter" idx="10"/>
+          </p:nvPr>
+        </p:nvSpPr>
+        <p:spPr/>
+        <p:txBody>
+          <a:bodyPr/>
+          <a:lstStyle/>
+          <a:p>
+            <a:fld id="{DFAA0BD4-28E6-4AA9-A380-6B49DDD43FFD}" type="slidenum">
+              <a:rPr lang="en-US" smtClean="0"/>
+              <a:pPr/>
+              <a:t>9</a:t>
+            </a:fld>
+            <a:endParaRPr lang="en-US"/>
+          </a:p>
+        </p:txBody>
+      </p:sp>
+    </p:spTree>
+    <p:extLst>
+      <p:ext uri="{BB962C8B-B14F-4D97-AF65-F5344CB8AC3E}">
+        <p14:creationId xmlns:p14="http://schemas.microsoft.com/office/powerpoint/2010/main" val="324361186"/>
+      </p:ext>
+    </p:extLst>
+  </p:cSld>
+  <p:clrMapOvr>
+    <a:masterClrMapping/>
+  </p:clrMapOvr>
+</p:notes>
+</file>
+
+<file path=ppt/notesSlides/notesSlide6.xml><?xml version="1.0" encoding="utf-8"?>
 <p:notes xmlns:a="http://schemas.openxmlformats.org/drawingml/2006/main" xmlns:r="http://schemas.openxmlformats.org/officeDocument/2006/relationships" xmlns:p="http://schemas.openxmlformats.org/presentationml/2006/main">
   <p:cSld>
     <p:spTree>
@@ -1472,7 +2222,7 @@
             <a:fld id="{DFAA0BD4-28E6-4AA9-A380-6B49DDD43FFD}" type="slidenum">
               <a:rPr lang="en-US" smtClean="0"/>
               <a:pPr/>
-              <a:t>7</a:t>
+              <a:t>13</a:t>
             </a:fld>
             <a:endParaRPr lang="en-US"/>
           </a:p>
@@ -1491,7 +2241,7 @@
 </p:notes>
 </file>
 
-<file path=ppt/notesSlides/notesSlide4.xml><?xml version="1.0" encoding="utf-8"?>
+<file path=ppt/notesSlides/notesSlide7.xml><?xml version="1.0" encoding="utf-8"?>
 <p:notes xmlns:a="http://schemas.openxmlformats.org/drawingml/2006/main" xmlns:r="http://schemas.openxmlformats.org/officeDocument/2006/relationships" xmlns:p="http://schemas.openxmlformats.org/presentationml/2006/main">
   <p:cSld>
     <p:spTree>
@@ -1591,755 +2341,6 @@
                 </a:r>
                 <a14:m>
                   <m:oMath xmlns:m="http://schemas.openxmlformats.org/officeDocument/2006/math" xmlns="">
-                    <m:r>
-                      <a:rPr lang="en-US" sz="1200" b="0" i="1" smtClean="0">
-                        <a:latin typeface="Cambria Math"/>
-                        <a:ea typeface="新細明體" pitchFamily="-106" charset="-120"/>
-                      </a:rPr>
-                      <m:t>𝑂</m:t>
-                    </m:r>
-                    <m:r>
-                      <a:rPr lang="en-US" sz="1200" b="0" i="1" smtClean="0">
-                        <a:latin typeface="Cambria Math"/>
-                        <a:ea typeface="新細明體" pitchFamily="-106" charset="-120"/>
-                      </a:rPr>
-                      <m:t>(</m:t>
-                    </m:r>
-                    <m:func>
-                      <m:funcPr>
-                        <m:ctrlPr>
-                          <a:rPr lang="en-US" sz="1200" b="0" i="1" smtClean="0">
-                            <a:latin typeface="Cambria Math"/>
-                            <a:ea typeface="新細明體" pitchFamily="-106" charset="-120"/>
-                          </a:rPr>
-                        </m:ctrlPr>
-                      </m:funcPr>
-                      <m:fName>
-                        <m:r>
-                          <m:rPr>
-                            <m:sty m:val="p"/>
-                          </m:rPr>
-                          <a:rPr lang="en-US" sz="1200" b="0" i="0" smtClean="0">
-                            <a:latin typeface="Cambria Math"/>
-                            <a:ea typeface="新細明體" pitchFamily="-106" charset="-120"/>
-                          </a:rPr>
-                          <m:t>log</m:t>
-                        </m:r>
-                      </m:fName>
-                      <m:e>
-                        <m:f>
-                          <m:fPr>
-                            <m:ctrlPr>
-                              <a:rPr lang="en-US" sz="1200" b="0" i="1" smtClean="0">
-                                <a:latin typeface="Cambria Math"/>
-                                <a:ea typeface="新細明體" pitchFamily="-106" charset="-120"/>
-                              </a:rPr>
-                            </m:ctrlPr>
-                          </m:fPr>
-                          <m:num>
-                            <m:r>
-                              <a:rPr lang="en-US" sz="1200" b="0" i="1" smtClean="0">
-                                <a:latin typeface="Cambria Math"/>
-                                <a:ea typeface="新細明體" pitchFamily="-106" charset="-120"/>
-                              </a:rPr>
-                              <m:t>1</m:t>
-                            </m:r>
-                          </m:num>
-                          <m:den>
-                            <m:r>
-                              <a:rPr lang="en-US" sz="1200" b="0" i="1" smtClean="0">
-                                <a:latin typeface="Cambria Math"/>
-                                <a:ea typeface="Cambria Math"/>
-                              </a:rPr>
-                              <m:t>∈</m:t>
-                            </m:r>
-                          </m:den>
-                        </m:f>
-                      </m:e>
-                    </m:func>
-                    <m:r>
-                      <a:rPr lang="en-US" sz="1200" b="0" i="1" smtClean="0">
-                        <a:latin typeface="Cambria Math"/>
-                        <a:ea typeface="新細明體" pitchFamily="-106" charset="-120"/>
-                      </a:rPr>
-                      <m:t>)</m:t>
-                    </m:r>
-                  </m:oMath>
-                </a14:m>
-                <a:r>
-                  <a:rPr lang="en-US" sz="1200" dirty="0" smtClean="0">
-                    <a:ea typeface="新細明體" pitchFamily="-106" charset="-120"/>
-                  </a:rPr>
-                  <a:t> labels</a:t>
-                </a:r>
-                <a:endParaRPr lang="en-US" dirty="0"/>
-              </a:p>
-            </p:txBody>
-          </p:sp>
-        </mc:Choice>
-        <mc:Fallback xmlns="">
-          <p:sp>
-            <p:nvSpPr>
-              <p:cNvPr id="3" name="Notes Placeholder 2"/>
-              <p:cNvSpPr>
-                <a:spLocks noGrp="1"/>
-              </p:cNvSpPr>
-              <p:nvPr>
-                <p:ph type="body" idx="1"/>
-              </p:nvPr>
-            </p:nvSpPr>
-            <p:spPr/>
-            <p:txBody>
-              <a:bodyPr/>
-              <a:lstStyle/>
-              <a:p>
-                <a:r>
-                  <a:rPr lang="en-US" dirty="0" smtClean="0"/>
-                  <a:t>Gibbs prediction means to predict the label of example by picking a hypothesis h random</a:t>
-                </a:r>
-                <a:r>
-                  <a:rPr lang="en-US" baseline="0" dirty="0" smtClean="0"/>
-                  <a:t> from version space</a:t>
-                </a:r>
-              </a:p>
-              <a:p>
-                <a:r>
-                  <a:rPr lang="en-US" sz="1200" dirty="0" smtClean="0">
-                    <a:ea typeface="新細明體" pitchFamily="-106" charset="-120"/>
-                  </a:rPr>
-                  <a:t>Namely, QBC </a:t>
-                </a:r>
-                <a:r>
-                  <a:rPr lang="en-US" sz="1200" dirty="0">
-                    <a:ea typeface="新細明體" pitchFamily="-106" charset="-120"/>
-                  </a:rPr>
-                  <a:t>will reach a generalization error of</a:t>
-                </a:r>
-                <a:r>
-                  <a:rPr lang="en-US" altLang="zh-TW" sz="1200" b="0" i="0" smtClean="0">
-                    <a:latin typeface="Cambria Math"/>
-                    <a:ea typeface="新細明體" pitchFamily="-106" charset="-120"/>
-                  </a:rPr>
-                  <a:t> </a:t>
-                </a:r>
-                <a:r>
-                  <a:rPr lang="zh-TW" altLang="en-US" sz="1200" i="0">
-                    <a:latin typeface="Cambria Math"/>
-                    <a:ea typeface="新細明體" pitchFamily="-106" charset="-120"/>
-                  </a:rPr>
-                  <a:t>𝜖</a:t>
-                </a:r>
-                <a:r>
-                  <a:rPr lang="en-US" sz="1200" dirty="0" smtClean="0">
-                    <a:ea typeface="新細明體" pitchFamily="-106" charset="-120"/>
-                  </a:rPr>
-                  <a:t> </a:t>
-                </a:r>
-                <a:r>
-                  <a:rPr lang="en-US" sz="1200" dirty="0">
-                    <a:ea typeface="新細明體" pitchFamily="-106" charset="-120"/>
-                  </a:rPr>
-                  <a:t>when using only </a:t>
-                </a:r>
-                <a:r>
-                  <a:rPr lang="en-US" sz="1200" b="0" i="0" smtClean="0">
-                    <a:latin typeface="Cambria Math"/>
-                    <a:ea typeface="新細明體" pitchFamily="-106" charset="-120"/>
-                  </a:rPr>
-                  <a:t>𝑂(log⁡〖1/</a:t>
-                </a:r>
-                <a:r>
-                  <a:rPr lang="en-US" sz="1200" b="0" i="0" smtClean="0">
-                    <a:latin typeface="Cambria Math"/>
-                    <a:ea typeface="Cambria Math"/>
-                  </a:rPr>
-                  <a:t>𝛿〗</a:t>
-                </a:r>
-                <a:r>
-                  <a:rPr lang="en-US" sz="1200" b="0" i="0" smtClean="0">
-                    <a:latin typeface="Cambria Math"/>
-                    <a:ea typeface="新細明體" pitchFamily="-106" charset="-120"/>
-                  </a:rPr>
-                  <a:t>)</a:t>
-                </a:r>
-                <a:r>
-                  <a:rPr lang="en-US" sz="1200" dirty="0" smtClean="0">
-                    <a:ea typeface="新細明體" pitchFamily="-106" charset="-120"/>
-                  </a:rPr>
-                  <a:t> labels</a:t>
-                </a:r>
-                <a:endParaRPr lang="en-US" dirty="0"/>
-              </a:p>
-            </p:txBody>
-          </p:sp>
-        </mc:Fallback>
-      </mc:AlternateContent>
-      <p:sp>
-        <p:nvSpPr>
-          <p:cNvPr id="4" name="Slide Number Placeholder 3"/>
-          <p:cNvSpPr>
-            <a:spLocks noGrp="1"/>
-          </p:cNvSpPr>
-          <p:nvPr>
-            <p:ph type="sldNum" sz="quarter" idx="10"/>
-          </p:nvPr>
-        </p:nvSpPr>
-        <p:spPr/>
-        <p:txBody>
-          <a:bodyPr/>
-          <a:lstStyle/>
-          <a:p>
-            <a:fld id="{DFAA0BD4-28E6-4AA9-A380-6B49DDD43FFD}" type="slidenum">
-              <a:rPr lang="en-US" smtClean="0"/>
-              <a:pPr/>
-              <a:t>8</a:t>
-            </a:fld>
-            <a:endParaRPr lang="en-US"/>
-          </a:p>
-        </p:txBody>
-      </p:sp>
-    </p:spTree>
-    <p:extLst>
-      <p:ext uri="{BB962C8B-B14F-4D97-AF65-F5344CB8AC3E}">
-        <p14:creationId xmlns:p14="http://schemas.microsoft.com/office/powerpoint/2010/main" val="73545387"/>
-      </p:ext>
-    </p:extLst>
-  </p:cSld>
-  <p:clrMapOvr>
-    <a:masterClrMapping/>
-  </p:clrMapOvr>
-</p:notes>
-</file>
-
-<file path=ppt/notesSlides/notesSlide5.xml><?xml version="1.0" encoding="utf-8"?>
-<p:notes xmlns:a="http://schemas.openxmlformats.org/drawingml/2006/main" xmlns:r="http://schemas.openxmlformats.org/officeDocument/2006/relationships" xmlns:p="http://schemas.openxmlformats.org/presentationml/2006/main">
-  <p:cSld>
-    <p:spTree>
-      <p:nvGrpSpPr>
-        <p:cNvPr id="1" name=""/>
-        <p:cNvGrpSpPr/>
-        <p:nvPr/>
-      </p:nvGrpSpPr>
-      <p:grpSpPr>
-        <a:xfrm>
-          <a:off x="0" y="0"/>
-          <a:ext cx="0" cy="0"/>
-          <a:chOff x="0" y="0"/>
-          <a:chExt cx="0" cy="0"/>
-        </a:xfrm>
-      </p:grpSpPr>
-      <p:sp>
-        <p:nvSpPr>
-          <p:cNvPr id="2" name="Slide Image Placeholder 1"/>
-          <p:cNvSpPr>
-            <a:spLocks noGrp="1" noRot="1" noChangeAspect="1"/>
-          </p:cNvSpPr>
-          <p:nvPr>
-            <p:ph type="sldImg"/>
-          </p:nvPr>
-        </p:nvSpPr>
-        <p:spPr/>
-      </p:sp>
-      <p:sp>
-        <p:nvSpPr>
-          <p:cNvPr id="3" name="Notes Placeholder 2"/>
-          <p:cNvSpPr>
-            <a:spLocks noGrp="1"/>
-          </p:cNvSpPr>
-          <p:nvPr>
-            <p:ph type="body" idx="1"/>
-          </p:nvPr>
-        </p:nvSpPr>
-        <p:spPr/>
-        <p:txBody>
-          <a:bodyPr/>
-          <a:lstStyle/>
-          <a:p>
-            <a:r>
-              <a:rPr lang="en-US" sz="1200" b="0" i="0" u="none" strike="noStrike" kern="1200" baseline="0" dirty="0" smtClean="0">
-                <a:solidFill>
-                  <a:schemeClr val="tx1"/>
-                </a:solidFill>
-                <a:latin typeface="Arial" charset="0"/>
-                <a:ea typeface="ＭＳ Ｐゴシック" pitchFamily="-106" charset="-128"/>
-                <a:cs typeface="+mn-cs"/>
-              </a:rPr>
-              <a:t>QBC maintains a committee of hypotheses consistent with the labeled examples it has seen so far – a representation of the version space. For many real-world problems, the committee is infinite. The main obstacle in implementing QBC is the need to sample from the version space (step 2).</a:t>
-            </a:r>
-          </a:p>
-          <a:p>
-            <a:r>
-              <a:rPr lang="en-US" sz="1200" b="0" i="0" u="none" strike="noStrike" kern="1200" baseline="0" dirty="0" smtClean="0">
-                <a:solidFill>
-                  <a:schemeClr val="tx1"/>
-                </a:solidFill>
-                <a:latin typeface="Arial" charset="0"/>
-                <a:ea typeface="ＭＳ Ｐゴシック" pitchFamily="-106" charset="-128"/>
-                <a:cs typeface="+mn-cs"/>
-              </a:rPr>
-              <a:t>It is hard to do this with reasonable computational complexity in high dimension space. When there is a very large number of candidate hypotheses, explicitly representing them will not be practical.</a:t>
-            </a:r>
-            <a:endParaRPr lang="en-US" dirty="0"/>
-          </a:p>
-        </p:txBody>
-      </p:sp>
-      <p:sp>
-        <p:nvSpPr>
-          <p:cNvPr id="4" name="Slide Number Placeholder 3"/>
-          <p:cNvSpPr>
-            <a:spLocks noGrp="1"/>
-          </p:cNvSpPr>
-          <p:nvPr>
-            <p:ph type="sldNum" sz="quarter" idx="10"/>
-          </p:nvPr>
-        </p:nvSpPr>
-        <p:spPr/>
-        <p:txBody>
-          <a:bodyPr/>
-          <a:lstStyle/>
-          <a:p>
-            <a:fld id="{DFAA0BD4-28E6-4AA9-A380-6B49DDD43FFD}" type="slidenum">
-              <a:rPr lang="en-US" smtClean="0"/>
-              <a:pPr/>
-              <a:t>9</a:t>
-            </a:fld>
-            <a:endParaRPr lang="en-US"/>
-          </a:p>
-        </p:txBody>
-      </p:sp>
-    </p:spTree>
-    <p:extLst>
-      <p:ext uri="{BB962C8B-B14F-4D97-AF65-F5344CB8AC3E}">
-        <p14:creationId xmlns:p14="http://schemas.microsoft.com/office/powerpoint/2010/main" val="324361186"/>
-      </p:ext>
-    </p:extLst>
-  </p:cSld>
-  <p:clrMapOvr>
-    <a:masterClrMapping/>
-  </p:clrMapOvr>
-</p:notes>
-</file>
-
-<file path=ppt/notesSlides/notesSlide6.xml><?xml version="1.0" encoding="utf-8"?>
-<p:notes xmlns:a="http://schemas.openxmlformats.org/drawingml/2006/main" xmlns:r="http://schemas.openxmlformats.org/officeDocument/2006/relationships" xmlns:p="http://schemas.openxmlformats.org/presentationml/2006/main">
-  <p:cSld>
-    <p:spTree>
-      <p:nvGrpSpPr>
-        <p:cNvPr id="1" name=""/>
-        <p:cNvGrpSpPr/>
-        <p:nvPr/>
-      </p:nvGrpSpPr>
-      <p:grpSpPr>
-        <a:xfrm>
-          <a:off x="0" y="0"/>
-          <a:ext cx="0" cy="0"/>
-          <a:chOff x="0" y="0"/>
-          <a:chExt cx="0" cy="0"/>
-        </a:xfrm>
-      </p:grpSpPr>
-      <p:sp>
-        <p:nvSpPr>
-          <p:cNvPr id="2" name="Slide Image Placeholder 1"/>
-          <p:cNvSpPr>
-            <a:spLocks noGrp="1" noRot="1" noChangeAspect="1"/>
-          </p:cNvSpPr>
-          <p:nvPr>
-            <p:ph type="sldImg"/>
-          </p:nvPr>
-        </p:nvSpPr>
-        <p:spPr/>
-      </p:sp>
-      <mc:AlternateContent xmlns:mc="http://schemas.openxmlformats.org/markup-compatibility/2006" xmlns:a14="http://schemas.microsoft.com/office/drawing/2010/main">
-        <mc:Choice Requires="a14">
-          <p:sp>
-            <p:nvSpPr>
-              <p:cNvPr id="3" name="Notes Placeholder 2"/>
-              <p:cNvSpPr>
-                <a:spLocks noGrp="1"/>
-              </p:cNvSpPr>
-              <p:nvPr>
-                <p:ph type="body" idx="1"/>
-              </p:nvPr>
-            </p:nvSpPr>
-            <p:spPr/>
-            <p:txBody>
-              <a:bodyPr/>
-              <a:lstStyle/>
-              <a:p>
-                <a:r>
-                  <a:rPr lang="en-US" dirty="0" smtClean="0"/>
-                  <a:t>Gibbs prediction means to predict the label of example by picking a hypothesis h random</a:t>
-                </a:r>
-                <a:r>
-                  <a:rPr lang="en-US" baseline="0" dirty="0" smtClean="0"/>
-                  <a:t> from version space</a:t>
-                </a:r>
-              </a:p>
-              <a:p>
-                <a:r>
-                  <a:rPr lang="en-US" sz="1200" dirty="0" smtClean="0">
-                    <a:ea typeface="新細明體" pitchFamily="-106" charset="-120"/>
-                  </a:rPr>
-                  <a:t>Namely, QBC </a:t>
-                </a:r>
-                <a:r>
-                  <a:rPr lang="en-US" sz="1200" dirty="0">
-                    <a:ea typeface="新細明體" pitchFamily="-106" charset="-120"/>
-                  </a:rPr>
-                  <a:t>will reach a generalization error of</a:t>
-                </a:r>
-                <a14:m>
-                  <m:oMath xmlns="" xmlns:m="http://schemas.openxmlformats.org/officeDocument/2006/math">
-                    <m:r>
-                      <a:rPr lang="en-US" altLang="zh-TW" sz="1200" b="0" i="0" smtClean="0">
-                        <a:latin typeface="Cambria Math"/>
-                        <a:ea typeface="新細明體" pitchFamily="-106" charset="-120"/>
-                      </a:rPr>
-                      <m:t> </m:t>
-                    </m:r>
-                    <m:r>
-                      <a:rPr lang="zh-TW" altLang="en-US" sz="1200" i="1">
-                        <a:latin typeface="Cambria Math"/>
-                        <a:ea typeface="新細明體" pitchFamily="-106" charset="-120"/>
-                      </a:rPr>
-                      <m:t>𝜖</m:t>
-                    </m:r>
-                  </m:oMath>
-                </a14:m>
-                <a:r>
-                  <a:rPr lang="en-US" sz="1200" dirty="0" smtClean="0">
-                    <a:ea typeface="新細明體" pitchFamily="-106" charset="-120"/>
-                  </a:rPr>
-                  <a:t> </a:t>
-                </a:r>
-                <a:r>
-                  <a:rPr lang="en-US" sz="1200" dirty="0">
-                    <a:ea typeface="新細明體" pitchFamily="-106" charset="-120"/>
-                  </a:rPr>
-                  <a:t>when using only </a:t>
-                </a:r>
-                <a14:m>
-                  <m:oMath xmlns="" xmlns:m="http://schemas.openxmlformats.org/officeDocument/2006/math">
-                    <m:r>
-                      <a:rPr lang="en-US" sz="1200" b="0" i="1" smtClean="0">
-                        <a:latin typeface="Cambria Math"/>
-                        <a:ea typeface="新細明體" pitchFamily="-106" charset="-120"/>
-                      </a:rPr>
-                      <m:t>𝑂</m:t>
-                    </m:r>
-                    <m:r>
-                      <a:rPr lang="en-US" sz="1200" b="0" i="1" smtClean="0">
-                        <a:latin typeface="Cambria Math"/>
-                        <a:ea typeface="新細明體" pitchFamily="-106" charset="-120"/>
-                      </a:rPr>
-                      <m:t>(</m:t>
-                    </m:r>
-                    <m:func>
-                      <m:funcPr>
-                        <m:ctrlPr>
-                          <a:rPr lang="en-US" sz="1200" b="0" i="1" smtClean="0">
-                            <a:latin typeface="Cambria Math"/>
-                            <a:ea typeface="新細明體" pitchFamily="-106" charset="-120"/>
-                          </a:rPr>
-                        </m:ctrlPr>
-                      </m:funcPr>
-                      <m:fName>
-                        <m:r>
-                          <m:rPr>
-                            <m:sty m:val="p"/>
-                          </m:rPr>
-                          <a:rPr lang="en-US" sz="1200" b="0" i="0" smtClean="0">
-                            <a:latin typeface="Cambria Math"/>
-                            <a:ea typeface="新細明體" pitchFamily="-106" charset="-120"/>
-                          </a:rPr>
-                          <m:t>log</m:t>
-                        </m:r>
-                      </m:fName>
-                      <m:e>
-                        <m:f>
-                          <m:fPr>
-                            <m:ctrlPr>
-                              <a:rPr lang="en-US" sz="1200" b="0" i="1" smtClean="0">
-                                <a:latin typeface="Cambria Math"/>
-                                <a:ea typeface="新細明體" pitchFamily="-106" charset="-120"/>
-                              </a:rPr>
-                            </m:ctrlPr>
-                          </m:fPr>
-                          <m:num>
-                            <m:r>
-                              <a:rPr lang="en-US" sz="1200" b="0" i="1" smtClean="0">
-                                <a:latin typeface="Cambria Math"/>
-                                <a:ea typeface="新細明體" pitchFamily="-106" charset="-120"/>
-                              </a:rPr>
-                              <m:t>1</m:t>
-                            </m:r>
-                          </m:num>
-                          <m:den>
-                            <m:r>
-                              <a:rPr lang="en-US" sz="1200" b="0" i="1" smtClean="0">
-                                <a:latin typeface="Cambria Math"/>
-                                <a:ea typeface="Cambria Math"/>
-                              </a:rPr>
-                              <m:t>∈</m:t>
-                            </m:r>
-                          </m:den>
-                        </m:f>
-                      </m:e>
-                    </m:func>
-                    <m:r>
-                      <a:rPr lang="en-US" sz="1200" b="0" i="1" smtClean="0">
-                        <a:latin typeface="Cambria Math"/>
-                        <a:ea typeface="新細明體" pitchFamily="-106" charset="-120"/>
-                      </a:rPr>
-                      <m:t>)</m:t>
-                    </m:r>
-                  </m:oMath>
-                </a14:m>
-                <a:r>
-                  <a:rPr lang="en-US" sz="1200" dirty="0" smtClean="0">
-                    <a:ea typeface="新細明體" pitchFamily="-106" charset="-120"/>
-                  </a:rPr>
-                  <a:t> labels</a:t>
-                </a:r>
-                <a:endParaRPr lang="en-US" dirty="0"/>
-              </a:p>
-            </p:txBody>
-          </p:sp>
-        </mc:Choice>
-        <mc:Fallback xmlns="">
-          <p:sp>
-            <p:nvSpPr>
-              <p:cNvPr id="3" name="Notes Placeholder 2"/>
-              <p:cNvSpPr>
-                <a:spLocks noGrp="1"/>
-              </p:cNvSpPr>
-              <p:nvPr>
-                <p:ph type="body" idx="1"/>
-              </p:nvPr>
-            </p:nvSpPr>
-            <p:spPr/>
-            <p:txBody>
-              <a:bodyPr/>
-              <a:lstStyle/>
-              <a:p>
-                <a:r>
-                  <a:rPr lang="en-US" dirty="0" smtClean="0"/>
-                  <a:t>Gibbs prediction means to predict the label of example by picking a hypothesis h random</a:t>
-                </a:r>
-                <a:r>
-                  <a:rPr lang="en-US" baseline="0" dirty="0" smtClean="0"/>
-                  <a:t> from version space</a:t>
-                </a:r>
-              </a:p>
-              <a:p>
-                <a:r>
-                  <a:rPr lang="en-US" sz="1200" dirty="0" smtClean="0">
-                    <a:ea typeface="新細明體" pitchFamily="-106" charset="-120"/>
-                  </a:rPr>
-                  <a:t>Namely, QBC </a:t>
-                </a:r>
-                <a:r>
-                  <a:rPr lang="en-US" sz="1200" dirty="0">
-                    <a:ea typeface="新細明體" pitchFamily="-106" charset="-120"/>
-                  </a:rPr>
-                  <a:t>will reach a generalization error of</a:t>
-                </a:r>
-                <a:r>
-                  <a:rPr lang="en-US" altLang="zh-TW" sz="1200" b="0" i="0" smtClean="0">
-                    <a:latin typeface="Cambria Math"/>
-                    <a:ea typeface="新細明體" pitchFamily="-106" charset="-120"/>
-                  </a:rPr>
-                  <a:t> </a:t>
-                </a:r>
-                <a:r>
-                  <a:rPr lang="zh-TW" altLang="en-US" sz="1200" i="0">
-                    <a:latin typeface="Cambria Math"/>
-                    <a:ea typeface="新細明體" pitchFamily="-106" charset="-120"/>
-                  </a:rPr>
-                  <a:t>𝜖</a:t>
-                </a:r>
-                <a:r>
-                  <a:rPr lang="en-US" sz="1200" dirty="0" smtClean="0">
-                    <a:ea typeface="新細明體" pitchFamily="-106" charset="-120"/>
-                  </a:rPr>
-                  <a:t> </a:t>
-                </a:r>
-                <a:r>
-                  <a:rPr lang="en-US" sz="1200" dirty="0">
-                    <a:ea typeface="新細明體" pitchFamily="-106" charset="-120"/>
-                  </a:rPr>
-                  <a:t>when using only </a:t>
-                </a:r>
-                <a:r>
-                  <a:rPr lang="en-US" sz="1200" b="0" i="0" smtClean="0">
-                    <a:latin typeface="Cambria Math"/>
-                    <a:ea typeface="新細明體" pitchFamily="-106" charset="-120"/>
-                  </a:rPr>
-                  <a:t>𝑂(log⁡〖1/</a:t>
-                </a:r>
-                <a:r>
-                  <a:rPr lang="en-US" sz="1200" b="0" i="0" smtClean="0">
-                    <a:latin typeface="Cambria Math"/>
-                    <a:ea typeface="Cambria Math"/>
-                  </a:rPr>
-                  <a:t>𝛿〗</a:t>
-                </a:r>
-                <a:r>
-                  <a:rPr lang="en-US" sz="1200" b="0" i="0" smtClean="0">
-                    <a:latin typeface="Cambria Math"/>
-                    <a:ea typeface="新細明體" pitchFamily="-106" charset="-120"/>
-                  </a:rPr>
-                  <a:t>)</a:t>
-                </a:r>
-                <a:r>
-                  <a:rPr lang="en-US" sz="1200" dirty="0" smtClean="0">
-                    <a:ea typeface="新細明體" pitchFamily="-106" charset="-120"/>
-                  </a:rPr>
-                  <a:t> labels</a:t>
-                </a:r>
-                <a:endParaRPr lang="en-US" dirty="0"/>
-              </a:p>
-            </p:txBody>
-          </p:sp>
-        </mc:Fallback>
-      </mc:AlternateContent>
-      <p:sp>
-        <p:nvSpPr>
-          <p:cNvPr id="4" name="Slide Number Placeholder 3"/>
-          <p:cNvSpPr>
-            <a:spLocks noGrp="1"/>
-          </p:cNvSpPr>
-          <p:nvPr>
-            <p:ph type="sldNum" sz="quarter" idx="10"/>
-          </p:nvPr>
-        </p:nvSpPr>
-        <p:spPr/>
-        <p:txBody>
-          <a:bodyPr/>
-          <a:lstStyle/>
-          <a:p>
-            <a:fld id="{DFAA0BD4-28E6-4AA9-A380-6B49DDD43FFD}" type="slidenum">
-              <a:rPr lang="en-US" smtClean="0"/>
-              <a:pPr/>
-              <a:t>13</a:t>
-            </a:fld>
-            <a:endParaRPr lang="en-US"/>
-          </a:p>
-        </p:txBody>
-      </p:sp>
-    </p:spTree>
-    <p:extLst>
-      <p:ext uri="{BB962C8B-B14F-4D97-AF65-F5344CB8AC3E}">
-        <p14:creationId xmlns:p14="http://schemas.microsoft.com/office/powerpoint/2010/main" val="73545387"/>
-      </p:ext>
-    </p:extLst>
-  </p:cSld>
-  <p:clrMapOvr>
-    <a:masterClrMapping/>
-  </p:clrMapOvr>
-</p:notes>
-</file>
-
-<file path=ppt/notesSlides/notesSlide7.xml><?xml version="1.0" encoding="utf-8"?>
-<p:notes xmlns:a="http://schemas.openxmlformats.org/drawingml/2006/main" xmlns:r="http://schemas.openxmlformats.org/officeDocument/2006/relationships" xmlns:p="http://schemas.openxmlformats.org/presentationml/2006/main">
-  <p:cSld>
-    <p:spTree>
-      <p:nvGrpSpPr>
-        <p:cNvPr id="1" name=""/>
-        <p:cNvGrpSpPr/>
-        <p:nvPr/>
-      </p:nvGrpSpPr>
-      <p:grpSpPr>
-        <a:xfrm>
-          <a:off x="0" y="0"/>
-          <a:ext cx="0" cy="0"/>
-          <a:chOff x="0" y="0"/>
-          <a:chExt cx="0" cy="0"/>
-        </a:xfrm>
-      </p:grpSpPr>
-      <p:sp>
-        <p:nvSpPr>
-          <p:cNvPr id="2" name="Slide Image Placeholder 1"/>
-          <p:cNvSpPr>
-            <a:spLocks noGrp="1" noRot="1" noChangeAspect="1"/>
-          </p:cNvSpPr>
-          <p:nvPr>
-            <p:ph type="sldImg"/>
-          </p:nvPr>
-        </p:nvSpPr>
-        <p:spPr/>
-      </p:sp>
-      <mc:AlternateContent xmlns:mc="http://schemas.openxmlformats.org/markup-compatibility/2006" xmlns:a14="http://schemas.microsoft.com/office/drawing/2010/main">
-        <mc:Choice Requires="a14">
-          <p:sp>
-            <p:nvSpPr>
-              <p:cNvPr id="3" name="Notes Placeholder 2"/>
-              <p:cNvSpPr>
-                <a:spLocks noGrp="1"/>
-              </p:cNvSpPr>
-              <p:nvPr>
-                <p:ph type="body" idx="1"/>
-              </p:nvPr>
-            </p:nvSpPr>
-            <p:spPr/>
-            <p:txBody>
-              <a:bodyPr/>
-              <a:lstStyle/>
-              <a:p>
-                <a:r>
-                  <a:rPr lang="en-US" dirty="0" smtClean="0"/>
-                  <a:t>Gibbs prediction means to predict the label of example by picking a hypothesis h random</a:t>
-                </a:r>
-                <a:r>
-                  <a:rPr lang="en-US" baseline="0" dirty="0" smtClean="0"/>
-                  <a:t> from version space</a:t>
-                </a:r>
-              </a:p>
-              <a:p>
-                <a:r>
-                  <a:rPr lang="en-US" sz="1200" dirty="0" smtClean="0">
-                    <a:ea typeface="新細明體" pitchFamily="-106" charset="-120"/>
-                  </a:rPr>
-                  <a:t>Namely, QBC </a:t>
-                </a:r>
-                <a:r>
-                  <a:rPr lang="en-US" sz="1200" dirty="0">
-                    <a:ea typeface="新細明體" pitchFamily="-106" charset="-120"/>
-                  </a:rPr>
-                  <a:t>will reach a generalization error of</a:t>
-                </a:r>
-                <a14:m>
-                  <m:oMath xmlns="" xmlns:m="http://schemas.openxmlformats.org/officeDocument/2006/math">
-                    <m:r>
-                      <a:rPr lang="en-US" altLang="zh-TW" sz="1200" b="0" i="0" smtClean="0">
-                        <a:latin typeface="Cambria Math"/>
-                        <a:ea typeface="新細明體" pitchFamily="-106" charset="-120"/>
-                      </a:rPr>
-                      <m:t> </m:t>
-                    </m:r>
-                    <m:r>
-                      <a:rPr lang="zh-TW" altLang="en-US" sz="1200" i="1">
-                        <a:latin typeface="Cambria Math"/>
-                        <a:ea typeface="新細明體" pitchFamily="-106" charset="-120"/>
-                      </a:rPr>
-                      <m:t>𝜖</m:t>
-                    </m:r>
-                  </m:oMath>
-                </a14:m>
-                <a:r>
-                  <a:rPr lang="en-US" sz="1200" dirty="0" smtClean="0">
-                    <a:ea typeface="新細明體" pitchFamily="-106" charset="-120"/>
-                  </a:rPr>
-                  <a:t> </a:t>
-                </a:r>
-                <a:r>
-                  <a:rPr lang="en-US" sz="1200" dirty="0">
-                    <a:ea typeface="新細明體" pitchFamily="-106" charset="-120"/>
-                  </a:rPr>
-                  <a:t>when using only </a:t>
-                </a:r>
-                <a14:m>
-                  <m:oMath xmlns="" xmlns:m="http://schemas.openxmlformats.org/officeDocument/2006/math">
                     <m:r>
                       <a:rPr lang="en-US" sz="1200" b="0" i="1" smtClean="0">
                         <a:latin typeface="Cambria Math"/>
@@ -8045,6 +8046,69 @@
           </a:p>
         </p:txBody>
       </p:sp>
+      <p:sp>
+        <p:nvSpPr>
+          <p:cNvPr id="8" name="Rectangle 7"/>
+          <p:cNvSpPr/>
+          <p:nvPr/>
+        </p:nvSpPr>
+        <p:spPr bwMode="auto">
+          <a:xfrm>
+            <a:off x="762000" y="2057400"/>
+            <a:ext cx="1676400" cy="381000"/>
+          </a:xfrm>
+          <a:prstGeom prst="rect">
+            <a:avLst/>
+          </a:prstGeom>
+          <a:noFill/>
+          <a:ln w="31750" cap="flat" cmpd="sng" algn="ctr">
+            <a:solidFill>
+              <a:srgbClr val="FF0000"/>
+            </a:solidFill>
+            <a:prstDash val="solid"/>
+            <a:round/>
+            <a:headEnd type="none" w="med" len="med"/>
+            <a:tailEnd type="none" w="med" len="med"/>
+          </a:ln>
+          <a:effectLst/>
+        </p:spPr>
+        <p:txBody>
+          <a:bodyPr vert="horz" wrap="square" lIns="91440" tIns="45720" rIns="91440" bIns="45720" numCol="1" rtlCol="0" anchor="t" anchorCtr="0" compatLnSpc="1">
+            <a:prstTxWarp prst="textNoShape">
+              <a:avLst/>
+            </a:prstTxWarp>
+          </a:bodyPr>
+          <a:lstStyle/>
+          <a:p>
+            <a:pPr marL="0" marR="0" indent="0" algn="l" defTabSz="914400" rtl="0" eaLnBrk="0" fontAlgn="base" latinLnBrk="0" hangingPunct="0">
+              <a:lnSpc>
+                <a:spcPct val="100000"/>
+              </a:lnSpc>
+              <a:spcBef>
+                <a:spcPct val="0"/>
+              </a:spcBef>
+              <a:spcAft>
+                <a:spcPct val="0"/>
+              </a:spcAft>
+              <a:buClrTx/>
+              <a:buSzTx/>
+              <a:buFontTx/>
+              <a:buNone/>
+              <a:tabLst/>
+            </a:pPr>
+            <a:endParaRPr kumimoji="0" lang="en-US" sz="1800" b="0" i="0" u="none" strike="noStrike" cap="none" normalizeH="0" baseline="0" smtClean="0">
+              <a:ln>
+                <a:noFill/>
+              </a:ln>
+              <a:solidFill>
+                <a:schemeClr val="tx1"/>
+              </a:solidFill>
+              <a:effectLst/>
+              <a:latin typeface="Arial" charset="0"/>
+            </a:endParaRPr>
+          </a:p>
+        </p:txBody>
+      </p:sp>
     </p:spTree>
     <p:extLst>
       <p:ext uri="{BB962C8B-B14F-4D97-AF65-F5344CB8AC3E}">
@@ -8153,6 +8217,51 @@
                       </p:childTnLst>
                     </p:cTn>
                   </p:par>
+                  <p:par>
+                    <p:cTn id="11" fill="hold">
+                      <p:stCondLst>
+                        <p:cond delay="indefinite"/>
+                      </p:stCondLst>
+                      <p:childTnLst>
+                        <p:par>
+                          <p:cTn id="12" fill="hold">
+                            <p:stCondLst>
+                              <p:cond delay="0"/>
+                            </p:stCondLst>
+                            <p:childTnLst>
+                              <p:par>
+                                <p:cTn id="13" presetID="1" presetClass="entr" presetSubtype="0" fill="hold" grpId="0" nodeType="clickEffect">
+                                  <p:stCondLst>
+                                    <p:cond delay="0"/>
+                                  </p:stCondLst>
+                                  <p:childTnLst>
+                                    <p:set>
+                                      <p:cBhvr>
+                                        <p:cTn id="14" dur="1" fill="hold">
+                                          <p:stCondLst>
+                                            <p:cond delay="0"/>
+                                          </p:stCondLst>
+                                        </p:cTn>
+                                        <p:tgtEl>
+                                          <p:spTgt spid="8"/>
+                                        </p:tgtEl>
+                                        <p:attrNameLst>
+                                          <p:attrName>style.visibility</p:attrName>
+                                        </p:attrNameLst>
+                                      </p:cBhvr>
+                                      <p:to>
+                                        <p:strVal val="visible"/>
+                                      </p:to>
+                                    </p:set>
+                                  </p:childTnLst>
+                                </p:cTn>
+                              </p:par>
+                            </p:childTnLst>
+                          </p:cTn>
+                        </p:par>
+                      </p:childTnLst>
+                    </p:cTn>
+                  </p:par>
                 </p:childTnLst>
               </p:cTn>
               <p:prevCondLst>
@@ -8177,6 +8286,7 @@
     <p:bldLst>
       <p:bldP spid="5" grpId="0" animBg="1"/>
       <p:bldP spid="7" grpId="0" animBg="1"/>
+      <p:bldP spid="8" grpId="0" animBg="1"/>
     </p:bldLst>
   </p:timing>
 </p:sld>
@@ -8246,6 +8356,29 @@
           <a:bodyPr/>
           <a:lstStyle/>
           <a:p>
+            <a:r>
+              <a:rPr lang="en-US" altLang="zh-CN" dirty="0" smtClean="0"/>
+              <a:t>Assumptions</a:t>
+            </a:r>
+          </a:p>
+          <a:p>
+            <a:pPr lvl="1"/>
+            <a:r>
+              <a:rPr lang="en-US" altLang="zh-CN" dirty="0" smtClean="0"/>
+              <a:t>Data is uniformly distributed on unit ball centered at origin in </a:t>
+            </a:r>
+            <a:r>
+              <a:rPr lang="en-US" altLang="zh-CN" dirty="0" err="1" smtClean="0"/>
+              <a:t>R^n</a:t>
+            </a:r>
+            <a:endParaRPr lang="en-US" altLang="zh-CN" dirty="0" smtClean="0"/>
+          </a:p>
+          <a:p>
+            <a:pPr lvl="1"/>
+            <a:r>
+              <a:rPr lang="en-US" altLang="zh-CN" dirty="0" smtClean="0"/>
+              <a:t>There exists an oracle</a:t>
+            </a:r>
             <a:endParaRPr lang="zh-CN" altLang="en-US" dirty="0"/>
           </a:p>
         </p:txBody>
@@ -8274,128 +8407,143 @@
           </a:p>
         </p:txBody>
       </p:sp>
-      <p:pic>
-        <p:nvPicPr>
-          <p:cNvPr id="4098" name="Picture 2"/>
-          <p:cNvPicPr>
-            <a:picLocks noChangeAspect="1" noChangeArrowheads="1"/>
-          </p:cNvPicPr>
+      <p:grpSp>
+        <p:nvGrpSpPr>
+          <p:cNvPr id="5" name="Group 4"/>
+          <p:cNvGrpSpPr/>
           <p:nvPr/>
-        </p:nvPicPr>
-        <p:blipFill>
-          <a:blip r:embed="rId2">
+        </p:nvGrpSpPr>
+        <p:grpSpPr>
+          <a:xfrm>
+            <a:off x="304800" y="4267200"/>
+            <a:ext cx="8763886" cy="1371600"/>
+            <a:chOff x="304800" y="1524000"/>
+            <a:chExt cx="8763886" cy="1371600"/>
+          </a:xfrm>
+        </p:grpSpPr>
+        <p:pic>
+          <p:nvPicPr>
+            <p:cNvPr id="4098" name="Picture 2"/>
+            <p:cNvPicPr>
+              <a:picLocks noChangeAspect="1" noChangeArrowheads="1"/>
+            </p:cNvPicPr>
+            <p:nvPr/>
+          </p:nvPicPr>
+          <p:blipFill>
+            <a:blip r:embed="rId2">
+              <a:extLst>
+                <a:ext uri="{28A0092B-C50C-407E-A947-70E740481C1C}">
+                  <a14:useLocalDpi xmlns:a14="http://schemas.microsoft.com/office/drawing/2010/main" val="0"/>
+                </a:ext>
+              </a:extLst>
+            </a:blip>
+            <a:srcRect/>
+            <a:stretch>
+              <a:fillRect/>
+            </a:stretch>
+          </p:blipFill>
+          <p:spPr bwMode="auto">
+            <a:xfrm>
+              <a:off x="304800" y="1524000"/>
+              <a:ext cx="8763886" cy="1371600"/>
+            </a:xfrm>
+            <a:prstGeom prst="rect">
+              <a:avLst/>
+            </a:prstGeom>
+            <a:noFill/>
+            <a:ln>
+              <a:noFill/>
+            </a:ln>
+            <a:effectLst/>
             <a:extLst>
-              <a:ext uri="{28A0092B-C50C-407E-A947-70E740481C1C}">
-                <a14:useLocalDpi xmlns:a14="http://schemas.microsoft.com/office/drawing/2010/main" val="0"/>
+              <a:ext uri="{909E8E84-426E-40dd-AFC4-6F175D3DCCD1}">
+                <a14:hiddenFill xmlns:a14="http://schemas.microsoft.com/office/drawing/2010/main">
+                  <a:solidFill>
+                    <a:schemeClr val="accent1"/>
+                  </a:solidFill>
+                </a14:hiddenFill>
+              </a:ext>
+              <a:ext uri="{91240B29-F687-4f45-9708-019B960494DF}">
+                <a14:hiddenLine xmlns:a14="http://schemas.microsoft.com/office/drawing/2010/main" w="9525">
+                  <a:solidFill>
+                    <a:schemeClr val="tx1"/>
+                  </a:solidFill>
+                  <a:miter lim="800000"/>
+                  <a:headEnd/>
+                  <a:tailEnd/>
+                </a14:hiddenLine>
+              </a:ext>
+              <a:ext uri="{AF507438-7753-43e0-B8FC-AC1667EBCBE1}">
+                <a14:hiddenEffects xmlns:a14="http://schemas.microsoft.com/office/drawing/2010/main">
+                  <a:effectLst>
+                    <a:outerShdw dist="35921" dir="2700000" algn="ctr" rotWithShape="0">
+                      <a:schemeClr val="bg2"/>
+                    </a:outerShdw>
+                  </a:effectLst>
+                </a14:hiddenEffects>
               </a:ext>
             </a:extLst>
-          </a:blip>
-          <a:srcRect/>
-          <a:stretch>
-            <a:fillRect/>
-          </a:stretch>
-        </p:blipFill>
-        <p:spPr bwMode="auto">
-          <a:xfrm>
-            <a:off x="304800" y="1524000"/>
-            <a:ext cx="8763886" cy="1371600"/>
-          </a:xfrm>
-          <a:prstGeom prst="rect">
-            <a:avLst/>
-          </a:prstGeom>
-          <a:noFill/>
-          <a:ln>
-            <a:noFill/>
-          </a:ln>
-          <a:effectLst/>
-          <a:extLst>
-            <a:ext uri="{909E8E84-426E-40dd-AFC4-6F175D3DCCD1}">
-              <a14:hiddenFill xmlns:a14="http://schemas.microsoft.com/office/drawing/2010/main">
-                <a:solidFill>
-                  <a:schemeClr val="accent1"/>
-                </a:solidFill>
-              </a14:hiddenFill>
-            </a:ext>
-            <a:ext uri="{91240B29-F687-4f45-9708-019B960494DF}">
-              <a14:hiddenLine xmlns:a14="http://schemas.microsoft.com/office/drawing/2010/main" w="9525">
-                <a:solidFill>
-                  <a:schemeClr val="tx1"/>
-                </a:solidFill>
-                <a:miter lim="800000"/>
-                <a:headEnd/>
-                <a:tailEnd/>
-              </a14:hiddenLine>
-            </a:ext>
-            <a:ext uri="{AF507438-7753-43e0-B8FC-AC1667EBCBE1}">
-              <a14:hiddenEffects xmlns:a14="http://schemas.microsoft.com/office/drawing/2010/main">
-                <a:effectLst>
-                  <a:outerShdw dist="35921" dir="2700000" algn="ctr" rotWithShape="0">
-                    <a:schemeClr val="bg2"/>
-                  </a:outerShdw>
-                </a:effectLst>
-              </a14:hiddenEffects>
-            </a:ext>
-          </a:extLst>
-        </p:spPr>
-      </p:pic>
-      <p:cxnSp>
-        <p:nvCxnSpPr>
-          <p:cNvPr id="6" name="Straight Connector 5"/>
-          <p:cNvCxnSpPr/>
-          <p:nvPr/>
-        </p:nvCxnSpPr>
-        <p:spPr bwMode="auto">
-          <a:xfrm>
-            <a:off x="5105400" y="1905000"/>
-            <a:ext cx="3733800" cy="0"/>
-          </a:xfrm>
-          <a:prstGeom prst="line">
-            <a:avLst/>
-          </a:prstGeom>
-          <a:solidFill>
-            <a:schemeClr val="accent1"/>
-          </a:solidFill>
-          <a:ln w="31750" cap="flat" cmpd="sng" algn="ctr">
+          </p:spPr>
+        </p:pic>
+        <p:cxnSp>
+          <p:nvCxnSpPr>
+            <p:cNvPr id="6" name="Straight Connector 5"/>
+            <p:cNvCxnSpPr/>
+            <p:nvPr/>
+          </p:nvCxnSpPr>
+          <p:spPr bwMode="auto">
+            <a:xfrm>
+              <a:off x="5105400" y="1905000"/>
+              <a:ext cx="3733800" cy="0"/>
+            </a:xfrm>
+            <a:prstGeom prst="line">
+              <a:avLst/>
+            </a:prstGeom>
             <a:solidFill>
-              <a:srgbClr val="FF0000"/>
+              <a:schemeClr val="accent1"/>
             </a:solidFill>
-            <a:prstDash val="solid"/>
-            <a:round/>
-            <a:headEnd type="none" w="med" len="med"/>
-            <a:tailEnd type="none" w="med" len="med"/>
-          </a:ln>
-          <a:effectLst/>
-        </p:spPr>
-      </p:cxnSp>
-      <p:cxnSp>
-        <p:nvCxnSpPr>
-          <p:cNvPr id="7" name="Straight Connector 6"/>
-          <p:cNvCxnSpPr/>
-          <p:nvPr/>
-        </p:nvCxnSpPr>
-        <p:spPr bwMode="auto">
-          <a:xfrm>
-            <a:off x="5029200" y="2209800"/>
-            <a:ext cx="3733800" cy="0"/>
-          </a:xfrm>
-          <a:prstGeom prst="line">
-            <a:avLst/>
-          </a:prstGeom>
-          <a:solidFill>
-            <a:schemeClr val="accent1"/>
-          </a:solidFill>
-          <a:ln w="31750" cap="flat" cmpd="sng" algn="ctr">
+            <a:ln w="31750" cap="flat" cmpd="sng" algn="ctr">
+              <a:solidFill>
+                <a:srgbClr val="FF0000"/>
+              </a:solidFill>
+              <a:prstDash val="solid"/>
+              <a:round/>
+              <a:headEnd type="none" w="med" len="med"/>
+              <a:tailEnd type="none" w="med" len="med"/>
+            </a:ln>
+            <a:effectLst/>
+          </p:spPr>
+        </p:cxnSp>
+        <p:cxnSp>
+          <p:nvCxnSpPr>
+            <p:cNvPr id="7" name="Straight Connector 6"/>
+            <p:cNvCxnSpPr/>
+            <p:nvPr/>
+          </p:nvCxnSpPr>
+          <p:spPr bwMode="auto">
+            <a:xfrm>
+              <a:off x="5029200" y="2209800"/>
+              <a:ext cx="3733800" cy="0"/>
+            </a:xfrm>
+            <a:prstGeom prst="line">
+              <a:avLst/>
+            </a:prstGeom>
             <a:solidFill>
-              <a:srgbClr val="FF0000"/>
+              <a:schemeClr val="accent1"/>
             </a:solidFill>
-            <a:prstDash val="solid"/>
-            <a:round/>
-            <a:headEnd type="none" w="med" len="med"/>
-            <a:tailEnd type="none" w="med" len="med"/>
-          </a:ln>
-          <a:effectLst/>
-        </p:spPr>
-      </p:cxnSp>
+            <a:ln w="31750" cap="flat" cmpd="sng" algn="ctr">
+              <a:solidFill>
+                <a:srgbClr val="FF0000"/>
+              </a:solidFill>
+              <a:prstDash val="solid"/>
+              <a:round/>
+              <a:headEnd type="none" w="med" len="med"/>
+              <a:tailEnd type="none" w="med" len="med"/>
+            </a:ln>
+            <a:effectLst/>
+          </p:spPr>
+        </p:cxnSp>
+      </p:grpSp>
     </p:spTree>
     <p:extLst>
       <p:ext uri="{BB962C8B-B14F-4D97-AF65-F5344CB8AC3E}">
@@ -8789,8 +8937,45 @@
               <a:rPr lang="en-US" sz="2600" dirty="0" smtClean="0">
                 <a:latin typeface="Arial" charset="0"/>
               </a:rPr>
-              <a:t>Repeat the process several iterations and the error rate reduced to \epsilon.</a:t>
-            </a:r>
+              <a:t>Repeat the process several iterations and the error rate reduced to \epsilon</a:t>
+            </a:r>
+            <a:r>
+              <a:rPr lang="en-US" sz="2600" dirty="0" smtClean="0">
+                <a:latin typeface="Arial" charset="0"/>
+              </a:rPr>
+              <a:t>.</a:t>
+            </a:r>
+          </a:p>
+          <a:p>
+            <a:pPr>
+              <a:spcBef>
+                <a:spcPts val="600"/>
+              </a:spcBef>
+              <a:spcAft>
+                <a:spcPts val="600"/>
+              </a:spcAft>
+            </a:pPr>
+            <a:r>
+              <a:rPr lang="en-US" sz="2600" dirty="0" smtClean="0">
+                <a:latin typeface="Arial" charset="0"/>
+              </a:rPr>
+              <a:t>[</a:t>
+            </a:r>
+            <a:r>
+              <a:rPr lang="en-US" sz="2600" dirty="0" err="1" smtClean="0">
+                <a:latin typeface="Arial" charset="0"/>
+              </a:rPr>
+              <a:t>Balcan</a:t>
+            </a:r>
+            <a:r>
+              <a:rPr lang="en-US" sz="2600" dirty="0" smtClean="0">
+                <a:latin typeface="Arial" charset="0"/>
+              </a:rPr>
+              <a:t> et al. 2007]</a:t>
+            </a:r>
+            <a:endParaRPr lang="en-US" sz="2600" dirty="0" smtClean="0">
+              <a:latin typeface="Arial" charset="0"/>
+            </a:endParaRPr>
           </a:p>
         </p:txBody>
       </p:sp>
@@ -9299,13 +9484,7 @@
               <a:rPr lang="en-US" altLang="zh-TW" sz="2000" dirty="0" smtClean="0">
                 <a:ea typeface="新細明體" pitchFamily="-106" charset="-120"/>
               </a:rPr>
-              <a:t>Exists an oracle </a:t>
-            </a:r>
-            <a:r>
-              <a:rPr lang="en-US" altLang="zh-TW" sz="2000" dirty="0" smtClean="0">
-                <a:ea typeface="新細明體" pitchFamily="-106" charset="-120"/>
-              </a:rPr>
-              <a:t>concept</a:t>
+              <a:t>Exists an oracle concept</a:t>
             </a:r>
             <a:endParaRPr lang="en-US" altLang="zh-TW" sz="2000" dirty="0">
               <a:ea typeface="新細明體" pitchFamily="-106" charset="-120"/>
@@ -9681,9 +9860,6 @@
               </a:rPr>
               <a:t>Algorithm</a:t>
             </a:r>
-            <a:endParaRPr lang="en-US" altLang="zh-TW" sz="2400" i="1" u="sng" dirty="0" smtClean="0">
-              <a:ea typeface="新細明體" pitchFamily="-106" charset="-120"/>
-            </a:endParaRPr>
           </a:p>
           <a:p>
             <a:pPr marL="344487" lvl="1" indent="0" eaLnBrk="1" hangingPunct="1">
@@ -9696,19 +9872,7 @@
               <a:rPr lang="en-US" altLang="zh-TW" sz="1600" dirty="0" smtClean="0">
                 <a:ea typeface="新細明體" pitchFamily="-106" charset="-120"/>
               </a:rPr>
-              <a:t>Draw m_1 examples int</a:t>
-            </a:r>
-            <a:r>
-              <a:rPr lang="en-US" altLang="zh-TW" sz="1600" dirty="0" smtClean="0">
-                <a:ea typeface="新細明體" pitchFamily="-106" charset="-120"/>
-              </a:rPr>
-              <a:t>o working set</a:t>
-            </a:r>
-            <a:r>
-              <a:rPr lang="en-US" altLang="zh-TW" sz="1600" dirty="0" smtClean="0">
-                <a:ea typeface="新細明體" pitchFamily="-106" charset="-120"/>
-              </a:rPr>
-              <a:t/>
+              <a:t>Draw m_1 examples into working set</a:t>
             </a:r>
             <a:br>
               <a:rPr lang="en-US" altLang="zh-TW" sz="1600" dirty="0" smtClean="0">
@@ -9810,9 +9974,6 @@
               </a:rPr>
               <a:t>        draw next x</a:t>
             </a:r>
-            <a:endParaRPr lang="en-US" altLang="zh-TW" sz="1600" dirty="0" smtClean="0">
-              <a:ea typeface="新細明體" pitchFamily="-106" charset="-120"/>
-            </a:endParaRPr>
           </a:p>
           <a:p>
             <a:pPr marL="344487" lvl="1" indent="0" eaLnBrk="1" hangingPunct="1">
@@ -9911,6 +10072,30 @@
           </a:p>
         </p:txBody>
       </p:sp>
+      <p:pic>
+        <p:nvPicPr>
+          <p:cNvPr id="2" name="Picture 1"/>
+          <p:cNvPicPr>
+            <a:picLocks noChangeAspect="1"/>
+          </p:cNvPicPr>
+          <p:nvPr/>
+        </p:nvPicPr>
+        <p:blipFill>
+          <a:blip r:embed="rId3"/>
+          <a:stretch>
+            <a:fillRect/>
+          </a:stretch>
+        </p:blipFill>
+        <p:spPr>
+          <a:xfrm>
+            <a:off x="15240" y="4267200"/>
+            <a:ext cx="9144000" cy="1417748"/>
+          </a:xfrm>
+          <a:prstGeom prst="rect">
+            <a:avLst/>
+          </a:prstGeom>
+        </p:spPr>
+      </p:pic>
     </p:spTree>
     <p:extLst>
       <p:ext uri="{BB962C8B-B14F-4D97-AF65-F5344CB8AC3E}">
@@ -10381,13 +10566,7 @@
               <a:rPr lang="en-US" altLang="zh-TW" sz="2400" i="1" u="sng" dirty="0" smtClean="0">
                 <a:ea typeface="新細明體" pitchFamily="-106" charset="-120"/>
               </a:rPr>
-              <a:t>Unrealizable </a:t>
-            </a:r>
-            <a:r>
-              <a:rPr lang="en-US" altLang="zh-TW" sz="2400" i="1" u="sng" dirty="0" smtClean="0">
-                <a:ea typeface="新細明體" pitchFamily="-106" charset="-120"/>
-              </a:rPr>
-              <a:t>Settings</a:t>
+              <a:t>Unrealizable Settings</a:t>
             </a:r>
           </a:p>
           <a:p>
@@ -10512,9 +10691,6 @@
               </a:rPr>
               <a:t>R</a:t>
             </a:r>
-            <a:endParaRPr lang="en-US" altLang="zh-TW" sz="2000" dirty="0" smtClean="0">
-              <a:ea typeface="新細明體" pitchFamily="-106" charset="-120"/>
-            </a:endParaRPr>
           </a:p>
           <a:p>
             <a:pPr eaLnBrk="1" hangingPunct="1">
@@ -10818,9 +10994,6 @@
               </a:rPr>
               <a:t>Algorithm</a:t>
             </a:r>
-            <a:endParaRPr lang="en-US" altLang="zh-TW" sz="2400" i="1" u="sng" dirty="0" smtClean="0">
-              <a:ea typeface="新細明體" pitchFamily="-106" charset="-120"/>
-            </a:endParaRPr>
           </a:p>
           <a:p>
             <a:pPr marL="344487" lvl="1" indent="0" eaLnBrk="1" hangingPunct="1">
@@ -10833,19 +11006,7 @@
               <a:rPr lang="en-US" altLang="zh-TW" sz="1600" dirty="0" smtClean="0">
                 <a:ea typeface="新細明體" pitchFamily="-106" charset="-120"/>
               </a:rPr>
-              <a:t>Draw m_1 examples int</a:t>
-            </a:r>
-            <a:r>
-              <a:rPr lang="en-US" altLang="zh-TW" sz="1600" dirty="0" smtClean="0">
-                <a:ea typeface="新細明體" pitchFamily="-106" charset="-120"/>
-              </a:rPr>
-              <a:t>o working set</a:t>
-            </a:r>
-            <a:r>
-              <a:rPr lang="en-US" altLang="zh-TW" sz="1600" dirty="0" smtClean="0">
-                <a:ea typeface="新細明體" pitchFamily="-106" charset="-120"/>
-              </a:rPr>
-              <a:t/>
+              <a:t>Draw m_1 examples into working set</a:t>
             </a:r>
             <a:br>
               <a:rPr lang="en-US" altLang="zh-TW" sz="1600" dirty="0" smtClean="0">
@@ -10890,7 +11051,19 @@
               <a:rPr lang="en-US" altLang="zh-TW" sz="1600" dirty="0" smtClean="0">
                 <a:ea typeface="新細明體" pitchFamily="-106" charset="-120"/>
               </a:rPr>
-              <a:t>    examples in working set</a:t>
+              <a:t>    </a:t>
+            </a:r>
+            <a:r>
+              <a:rPr lang="en-US" altLang="zh-TW" sz="1600" dirty="0" smtClean="0">
+                <a:ea typeface="新細明體" pitchFamily="-106" charset="-120"/>
+              </a:rPr>
+              <a:t>clear the working set</a:t>
+            </a:r>
+            <a:r>
+              <a:rPr lang="en-US" altLang="zh-TW" sz="1600" dirty="0" smtClean="0">
+                <a:ea typeface="新細明體" pitchFamily="-106" charset="-120"/>
+              </a:rPr>
+              <a:t/>
             </a:r>
             <a:br>
               <a:rPr lang="en-US" altLang="zh-TW" sz="1600" dirty="0" smtClean="0">
@@ -10947,6 +11120,44 @@
               </a:rPr>
               <a:t>        draw next x</a:t>
             </a:r>
+          </a:p>
+          <a:p>
+            <a:pPr marL="344487" lvl="1" indent="0" eaLnBrk="1" hangingPunct="1">
+              <a:spcBef>
+                <a:spcPts val="0"/>
+              </a:spcBef>
+              <a:buNone/>
+            </a:pPr>
+            <a:r>
+              <a:rPr lang="en-US" altLang="zh-TW" sz="1600" dirty="0">
+                <a:ea typeface="新細明體" pitchFamily="-106" charset="-120"/>
+              </a:rPr>
+              <a:t> </a:t>
+            </a:r>
+            <a:r>
+              <a:rPr lang="en-US" altLang="zh-TW" sz="1600" dirty="0" smtClean="0">
+                <a:ea typeface="新細明體" pitchFamily="-106" charset="-120"/>
+              </a:rPr>
+              <a:t>        if |</a:t>
+            </a:r>
+            <a:r>
+              <a:rPr lang="en-US" altLang="zh-TW" sz="1600" dirty="0" err="1" smtClean="0">
+                <a:ea typeface="新細明體" pitchFamily="-106" charset="-120"/>
+              </a:rPr>
+              <a:t>w_k</a:t>
+            </a:r>
+            <a:r>
+              <a:rPr lang="en-US" altLang="zh-TW" sz="1600" dirty="0" smtClean="0">
+                <a:ea typeface="新細明體" pitchFamily="-106" charset="-120"/>
+              </a:rPr>
+              <a:t> * x| &lt; </a:t>
+            </a:r>
+            <a:r>
+              <a:rPr lang="en-US" altLang="zh-TW" sz="1600" dirty="0" err="1" smtClean="0">
+                <a:ea typeface="新細明體" pitchFamily="-106" charset="-120"/>
+              </a:rPr>
+              <a:t>b_k</a:t>
+            </a:r>
             <a:endParaRPr lang="en-US" altLang="zh-TW" sz="1600" dirty="0" smtClean="0">
               <a:ea typeface="新細明體" pitchFamily="-106" charset="-120"/>
             </a:endParaRPr>
@@ -10968,47 +11179,6 @@
               <a:rPr lang="en-US" altLang="zh-TW" sz="1600" dirty="0" smtClean="0">
                 <a:ea typeface="新細明體" pitchFamily="-106" charset="-120"/>
               </a:rPr>
-              <a:t>        if |</a:t>
-            </a:r>
-            <a:r>
-              <a:rPr lang="en-US" altLang="zh-TW" sz="1600" dirty="0" err="1" smtClean="0">
-                <a:ea typeface="新細明體" pitchFamily="-106" charset="-120"/>
-              </a:rPr>
-              <a:t>w_k</a:t>
-            </a:r>
-            <a:r>
-              <a:rPr lang="en-US" altLang="zh-TW" sz="1600" dirty="0" smtClean="0">
-                <a:ea typeface="新細明體" pitchFamily="-106" charset="-120"/>
-              </a:rPr>
-              <a:t> * x| &lt; </a:t>
-            </a:r>
-            <a:r>
-              <a:rPr lang="en-US" altLang="zh-TW" sz="1600" dirty="0" err="1" smtClean="0">
-                <a:ea typeface="新細明體" pitchFamily="-106" charset="-120"/>
-              </a:rPr>
-              <a:t>b_k</a:t>
-            </a:r>
-            <a:endParaRPr lang="en-US" altLang="zh-TW" sz="1600" dirty="0" smtClean="0">
-              <a:ea typeface="新細明體" pitchFamily="-106" charset="-120"/>
-            </a:endParaRPr>
-          </a:p>
-          <a:p>
-            <a:pPr marL="344487" lvl="1" indent="0" eaLnBrk="1" hangingPunct="1">
-              <a:spcBef>
-                <a:spcPts val="0"/>
-              </a:spcBef>
-              <a:buNone/>
-            </a:pPr>
-            <a:r>
-              <a:rPr lang="en-US" altLang="zh-TW" sz="1600" dirty="0">
-                <a:ea typeface="新細明體" pitchFamily="-106" charset="-120"/>
-              </a:rPr>
-              <a:t> </a:t>
-            </a:r>
-            <a:r>
-              <a:rPr lang="en-US" altLang="zh-TW" sz="1600" dirty="0" smtClean="0">
-                <a:ea typeface="新細明體" pitchFamily="-106" charset="-120"/>
-              </a:rPr>
               <a:t>             put x into </a:t>
             </a:r>
             <a:r>
@@ -11088,7 +11258,13 @@
               <a:rPr lang="en-US" altLang="zh-TW" sz="1600" dirty="0" smtClean="0">
                 <a:ea typeface="新細明體" pitchFamily="-106" charset="-120"/>
               </a:rPr>
-              <a:t>, but put unlabeled points into </a:t>
+              <a:t> in B(w_k-1, r), </a:t>
+            </a:r>
+            <a:r>
+              <a:rPr lang="en-US" altLang="zh-TW" sz="1600" dirty="0" smtClean="0">
+                <a:ea typeface="新細明體" pitchFamily="-106" charset="-120"/>
+              </a:rPr>
+              <a:t>but put unlabeled points into </a:t>
             </a:r>
             <a:r>
               <a:rPr lang="en-US" altLang="zh-TW" sz="1600" dirty="0" err="1" smtClean="0">
@@ -11100,7 +11276,13 @@
               <a:rPr lang="en-US" altLang="zh-TW" sz="1600" dirty="0" smtClean="0">
                 <a:ea typeface="新細明體" pitchFamily="-106" charset="-120"/>
               </a:rPr>
-              <a:t> with their automatic labels.</a:t>
+              <a:t> with their automatic </a:t>
+            </a:r>
+            <a:r>
+              <a:rPr lang="en-US" altLang="zh-TW" sz="1600" dirty="0" smtClean="0">
+                <a:ea typeface="新細明體" pitchFamily="-106" charset="-120"/>
+              </a:rPr>
+              <a:t>labels.</a:t>
             </a:r>
             <a:endParaRPr lang="en-US" altLang="zh-TW" sz="1600" dirty="0" smtClean="0">
               <a:ea typeface="新細明體" pitchFamily="-106" charset="-120"/>
@@ -11751,10 +11933,6 @@
           </a:p>
           <a:p>
             <a:r>
-              <a:rPr lang="en-US" sz="2400" b="1" dirty="0" smtClean="0"/>
-              <a:t/>
-            </a:r>
-            <a:r>
               <a:rPr lang="en-US" dirty="0" smtClean="0"/>
               <a:t>Margin-based &lt; Active Perceptron = QBC</a:t>
             </a:r>
@@ -11912,9 +12090,6 @@
               </a:rPr>
               <a:t>Uniform distributed points on unit sphere centered at origin</a:t>
             </a:r>
-            <a:endParaRPr lang="en-US" altLang="zh-TW" sz="2000" dirty="0" smtClean="0">
-              <a:ea typeface="新細明體" pitchFamily="-106" charset="-120"/>
-            </a:endParaRPr>
           </a:p>
           <a:p>
             <a:pPr lvl="1" eaLnBrk="1" hangingPunct="1">
@@ -11967,9 +12142,6 @@
               </a:rPr>
               <a:t>Testing points 3000</a:t>
             </a:r>
-            <a:endParaRPr lang="en-US" altLang="zh-TW" sz="1600" dirty="0" smtClean="0">
-              <a:ea typeface="新細明體" pitchFamily="-106" charset="-120"/>
-            </a:endParaRPr>
           </a:p>
           <a:p>
             <a:pPr lvl="1" eaLnBrk="1" hangingPunct="1">
@@ -12012,9 +12184,6 @@
               </a:rPr>
               <a:t>Compare with baseline method: Perceptron</a:t>
             </a:r>
-            <a:endParaRPr lang="en-US" altLang="zh-TW" sz="2000" dirty="0" smtClean="0">
-              <a:ea typeface="新細明體" pitchFamily="-106" charset="-120"/>
-            </a:endParaRPr>
           </a:p>
           <a:p>
             <a:pPr eaLnBrk="1" hangingPunct="1">
@@ -13798,9 +13967,6 @@
               </a:rPr>
               <a:t> Religion</a:t>
             </a:r>
-            <a:endParaRPr lang="en-US" altLang="zh-TW" sz="1600" dirty="0" smtClean="0">
-              <a:ea typeface="新細明體" pitchFamily="-106" charset="-120"/>
-            </a:endParaRPr>
           </a:p>
           <a:p>
             <a:pPr lvl="1" eaLnBrk="1" hangingPunct="1">
@@ -14115,11 +14281,11 @@
   <p:clrMapOvr>
     <a:masterClrMapping/>
   </p:clrMapOvr>
-  <mc:AlternateContent xmlns:mc="http://schemas.openxmlformats.org/markup-compatibility/2006">
-    <mc:Choice xmlns:p14="http://schemas.microsoft.com/office/powerpoint/2010/main" Requires="p14">
+  <mc:AlternateContent xmlns:mc="http://schemas.openxmlformats.org/markup-compatibility/2006" xmlns:p14="http://schemas.microsoft.com/office/powerpoint/2010/main">
+    <mc:Choice Requires="p14">
       <p:transition spd="slow" p14:dur="2000"/>
     </mc:Choice>
-    <mc:Fallback>
+    <mc:Fallback xmlns="">
       <p:transition xmlns:p14="http://schemas.microsoft.com/office/powerpoint/2010/main" spd="slow"/>
     </mc:Fallback>
   </mc:AlternateContent>
@@ -14732,7 +14898,6 @@
               <a:rPr lang="en-US" sz="2800" dirty="0" smtClean="0"/>
               <a:t>Active learning algorithms performs very well if all assumptions are satisfied.</a:t>
             </a:r>
-            <a:endParaRPr lang="en-US" sz="2800" dirty="0" smtClean="0"/>
           </a:p>
           <a:p>
             <a:pPr marL="0" indent="0" eaLnBrk="1" hangingPunct="1">
@@ -14801,6 +14966,147 @@
 </file>
 
 <file path=ppt/slides/slide28.xml><?xml version="1.0" encoding="utf-8"?>
+<p:sld xmlns:a="http://schemas.openxmlformats.org/drawingml/2006/main" xmlns:r="http://schemas.openxmlformats.org/officeDocument/2006/relationships" xmlns:p="http://schemas.openxmlformats.org/presentationml/2006/main" show="0">
+  <p:cSld>
+    <p:spTree>
+      <p:nvGrpSpPr>
+        <p:cNvPr id="1" name=""/>
+        <p:cNvGrpSpPr/>
+        <p:nvPr/>
+      </p:nvGrpSpPr>
+      <p:grpSpPr>
+        <a:xfrm>
+          <a:off x="0" y="0"/>
+          <a:ext cx="0" cy="0"/>
+          <a:chOff x="0" y="0"/>
+          <a:chExt cx="0" cy="0"/>
+        </a:xfrm>
+      </p:grpSpPr>
+      <p:sp>
+        <p:nvSpPr>
+          <p:cNvPr id="2" name="Title 1"/>
+          <p:cNvSpPr>
+            <a:spLocks noGrp="1"/>
+          </p:cNvSpPr>
+          <p:nvPr>
+            <p:ph type="title"/>
+          </p:nvPr>
+        </p:nvSpPr>
+        <p:spPr/>
+        <p:txBody>
+          <a:bodyPr/>
+          <a:lstStyle/>
+          <a:p>
+            <a:pPr eaLnBrk="1" hangingPunct="1"/>
+            <a:r>
+              <a:rPr lang="en-US" altLang="zh-CN" b="1" dirty="0" smtClean="0">
+                <a:latin typeface="Arial" pitchFamily="34" charset="0"/>
+                <a:ea typeface="新細明體" pitchFamily="-106" charset="-120"/>
+                <a:cs typeface="Arial" pitchFamily="34" charset="0"/>
+              </a:rPr>
+              <a:t>Ongoing</a:t>
+            </a:r>
+            <a:endParaRPr lang="zh-CN" altLang="en-US" b="1" dirty="0">
+              <a:latin typeface="Arial" pitchFamily="34" charset="0"/>
+              <a:ea typeface="新細明體" pitchFamily="-106" charset="-120"/>
+              <a:cs typeface="Arial" pitchFamily="34" charset="0"/>
+            </a:endParaRPr>
+          </a:p>
+        </p:txBody>
+      </p:sp>
+      <p:sp>
+        <p:nvSpPr>
+          <p:cNvPr id="3" name="Content Placeholder 2"/>
+          <p:cNvSpPr>
+            <a:spLocks noGrp="1"/>
+          </p:cNvSpPr>
+          <p:nvPr>
+            <p:ph idx="1"/>
+          </p:nvPr>
+        </p:nvSpPr>
+        <p:spPr/>
+        <p:txBody>
+          <a:bodyPr/>
+          <a:lstStyle/>
+          <a:p>
+            <a:pPr eaLnBrk="1" hangingPunct="1">
+              <a:lnSpc>
+                <a:spcPct val="90000"/>
+              </a:lnSpc>
+            </a:pPr>
+            <a:r>
+              <a:rPr lang="en-US" sz="2800" dirty="0" smtClean="0"/>
+              <a:t>Generate a noisy dataset but satisfies the assumption of margin-based active learning algorithm</a:t>
+            </a:r>
+            <a:endParaRPr lang="en-US" sz="2800" dirty="0"/>
+          </a:p>
+          <a:p>
+            <a:pPr eaLnBrk="1" hangingPunct="1">
+              <a:lnSpc>
+                <a:spcPct val="90000"/>
+              </a:lnSpc>
+            </a:pPr>
+            <a:r>
+              <a:rPr lang="en-US" sz="2800" dirty="0" smtClean="0"/>
+              <a:t>Use SVM instead of perceptron for the basic routine of learning for margin-based active learning</a:t>
+            </a:r>
+            <a:endParaRPr lang="en-US" sz="2800" dirty="0" smtClean="0"/>
+          </a:p>
+        </p:txBody>
+      </p:sp>
+      <p:sp>
+        <p:nvSpPr>
+          <p:cNvPr id="4" name="Slide Number Placeholder 3"/>
+          <p:cNvSpPr>
+            <a:spLocks noGrp="1"/>
+          </p:cNvSpPr>
+          <p:nvPr>
+            <p:ph type="sldNum" sz="quarter" idx="12"/>
+          </p:nvPr>
+        </p:nvSpPr>
+        <p:spPr/>
+        <p:txBody>
+          <a:bodyPr/>
+          <a:lstStyle/>
+          <a:p>
+            <a:fld id="{604EAB18-E0EA-45DC-AA4D-A7A0A794259A}" type="slidenum">
+              <a:rPr lang="en-US" smtClean="0"/>
+              <a:pPr/>
+              <a:t>28</a:t>
+            </a:fld>
+            <a:endParaRPr lang="en-US"/>
+          </a:p>
+        </p:txBody>
+      </p:sp>
+    </p:spTree>
+    <p:extLst>
+      <p:ext uri="{BB962C8B-B14F-4D97-AF65-F5344CB8AC3E}">
+        <p14:creationId xmlns:p14="http://schemas.microsoft.com/office/powerpoint/2010/main" val="2229509460"/>
+      </p:ext>
+    </p:extLst>
+  </p:cSld>
+  <p:clrMapOvr>
+    <a:masterClrMapping/>
+  </p:clrMapOvr>
+  <mc:AlternateContent xmlns:mc="http://schemas.openxmlformats.org/markup-compatibility/2006">
+    <mc:Choice xmlns:p14="http://schemas.microsoft.com/office/powerpoint/2010/main" Requires="p14">
+      <p:transition spd="slow" p14:dur="2000"/>
+    </mc:Choice>
+    <mc:Fallback>
+      <p:transition xmlns:p14="http://schemas.microsoft.com/office/powerpoint/2010/main" spd="slow"/>
+    </mc:Fallback>
+  </mc:AlternateContent>
+  <p:timing>
+    <p:tnLst>
+      <p:par>
+        <p:cTn xmlns:p14="http://schemas.microsoft.com/office/powerpoint/2010/main" id="1" dur="indefinite" restart="never" nodeType="tmRoot"/>
+      </p:par>
+    </p:tnLst>
+  </p:timing>
+</p:sld>
+</file>
+
+<file path=ppt/slides/slide29.xml><?xml version="1.0" encoding="utf-8"?>
 <p:sld xmlns:a="http://schemas.openxmlformats.org/drawingml/2006/main" xmlns:r="http://schemas.openxmlformats.org/officeDocument/2006/relationships" xmlns:p="http://schemas.openxmlformats.org/presentationml/2006/main">
   <p:cSld>
     <p:spTree>
@@ -15009,7 +15315,7 @@
             <a:fld id="{604EAB18-E0EA-45DC-AA4D-A7A0A794259A}" type="slidenum">
               <a:rPr lang="en-US" smtClean="0"/>
               <a:pPr/>
-              <a:t>28</a:t>
+              <a:t>29</a:t>
             </a:fld>
             <a:endParaRPr lang="en-US"/>
           </a:p>
@@ -15021,243 +15327,6 @@
         <p14:creationId xmlns:p14="http://schemas.microsoft.com/office/powerpoint/2010/main" val="1116743142"/>
       </p:ext>
     </p:extLst>
-  </p:cSld>
-  <p:clrMapOvr>
-    <a:masterClrMapping/>
-  </p:clrMapOvr>
-  <p:timing>
-    <p:tnLst>
-      <p:par>
-        <p:cTn xmlns:p14="http://schemas.microsoft.com/office/powerpoint/2010/main" id="1" dur="indefinite" restart="never" nodeType="tmRoot"/>
-      </p:par>
-    </p:tnLst>
-  </p:timing>
-</p:sld>
-</file>
-
-<file path=ppt/slides/slide29.xml><?xml version="1.0" encoding="utf-8"?>
-<p:sld xmlns:a="http://schemas.openxmlformats.org/drawingml/2006/main" xmlns:r="http://schemas.openxmlformats.org/officeDocument/2006/relationships" xmlns:p="http://schemas.openxmlformats.org/presentationml/2006/main">
-  <p:cSld>
-    <p:spTree>
-      <p:nvGrpSpPr>
-        <p:cNvPr id="1" name=""/>
-        <p:cNvGrpSpPr/>
-        <p:nvPr/>
-      </p:nvGrpSpPr>
-      <p:grpSpPr>
-        <a:xfrm>
-          <a:off x="0" y="0"/>
-          <a:ext cx="0" cy="0"/>
-          <a:chOff x="0" y="0"/>
-          <a:chExt cx="0" cy="0"/>
-        </a:xfrm>
-      </p:grpSpPr>
-      <p:sp>
-        <p:nvSpPr>
-          <p:cNvPr id="47106" name="Slide Number Placeholder 5"/>
-          <p:cNvSpPr>
-            <a:spLocks noGrp="1"/>
-          </p:cNvSpPr>
-          <p:nvPr>
-            <p:ph type="sldNum" sz="quarter" idx="12"/>
-          </p:nvPr>
-        </p:nvSpPr>
-        <p:spPr>
-          <a:noFill/>
-          <a:ln/>
-          <a:extLst>
-            <a:ext uri="{909E8E84-426E-40dd-AFC4-6F175D3DCCD1}">
-              <a14:hiddenFill xmlns:a14="http://schemas.microsoft.com/office/drawing/2010/main">
-                <a:solidFill>
-                  <a:srgbClr val="FFFFFF"/>
-                </a:solidFill>
-              </a14:hiddenFill>
-            </a:ext>
-            <a:ext uri="{91240B29-F687-4f45-9708-019B960494DF}">
-              <a14:hiddenLine xmlns:a14="http://schemas.microsoft.com/office/drawing/2010/main" w="9525">
-                <a:solidFill>
-                  <a:srgbClr val="000000"/>
-                </a:solidFill>
-                <a:miter lim="800000"/>
-                <a:headEnd/>
-                <a:tailEnd/>
-              </a14:hiddenLine>
-            </a:ext>
-          </a:extLst>
-        </p:spPr>
-        <p:txBody>
-          <a:bodyPr/>
-          <a:lstStyle>
-            <a:lvl1pPr eaLnBrk="0" hangingPunct="0">
-              <a:defRPr sz="2400">
-                <a:solidFill>
-                  <a:schemeClr val="tx1"/>
-                </a:solidFill>
-                <a:latin typeface="Arial" charset="0"/>
-                <a:ea typeface="ＭＳ Ｐゴシック" pitchFamily="-106" charset="-128"/>
-              </a:defRPr>
-            </a:lvl1pPr>
-            <a:lvl2pPr marL="37931725" indent="-37474525" eaLnBrk="0" hangingPunct="0">
-              <a:defRPr sz="2400">
-                <a:solidFill>
-                  <a:schemeClr val="tx1"/>
-                </a:solidFill>
-                <a:latin typeface="Arial" charset="0"/>
-                <a:ea typeface="ＭＳ Ｐゴシック" pitchFamily="-106" charset="-128"/>
-              </a:defRPr>
-            </a:lvl2pPr>
-            <a:lvl3pPr eaLnBrk="0" hangingPunct="0">
-              <a:defRPr sz="2400">
-                <a:solidFill>
-                  <a:schemeClr val="tx1"/>
-                </a:solidFill>
-                <a:latin typeface="Arial" charset="0"/>
-                <a:ea typeface="ＭＳ Ｐゴシック" pitchFamily="-106" charset="-128"/>
-              </a:defRPr>
-            </a:lvl3pPr>
-            <a:lvl4pPr eaLnBrk="0" hangingPunct="0">
-              <a:defRPr sz="2400">
-                <a:solidFill>
-                  <a:schemeClr val="tx1"/>
-                </a:solidFill>
-                <a:latin typeface="Arial" charset="0"/>
-                <a:ea typeface="ＭＳ Ｐゴシック" pitchFamily="-106" charset="-128"/>
-              </a:defRPr>
-            </a:lvl4pPr>
-            <a:lvl5pPr eaLnBrk="0" hangingPunct="0">
-              <a:defRPr sz="2400">
-                <a:solidFill>
-                  <a:schemeClr val="tx1"/>
-                </a:solidFill>
-                <a:latin typeface="Arial" charset="0"/>
-                <a:ea typeface="ＭＳ Ｐゴシック" pitchFamily="-106" charset="-128"/>
-              </a:defRPr>
-            </a:lvl5pPr>
-            <a:lvl6pPr marL="457200" eaLnBrk="0" fontAlgn="base" hangingPunct="0">
-              <a:spcBef>
-                <a:spcPct val="0"/>
-              </a:spcBef>
-              <a:spcAft>
-                <a:spcPct val="0"/>
-              </a:spcAft>
-              <a:defRPr sz="2400">
-                <a:solidFill>
-                  <a:schemeClr val="tx1"/>
-                </a:solidFill>
-                <a:latin typeface="Arial" charset="0"/>
-                <a:ea typeface="ＭＳ Ｐゴシック" pitchFamily="-106" charset="-128"/>
-              </a:defRPr>
-            </a:lvl6pPr>
-            <a:lvl7pPr marL="914400" eaLnBrk="0" fontAlgn="base" hangingPunct="0">
-              <a:spcBef>
-                <a:spcPct val="0"/>
-              </a:spcBef>
-              <a:spcAft>
-                <a:spcPct val="0"/>
-              </a:spcAft>
-              <a:defRPr sz="2400">
-                <a:solidFill>
-                  <a:schemeClr val="tx1"/>
-                </a:solidFill>
-                <a:latin typeface="Arial" charset="0"/>
-                <a:ea typeface="ＭＳ Ｐゴシック" pitchFamily="-106" charset="-128"/>
-              </a:defRPr>
-            </a:lvl7pPr>
-            <a:lvl8pPr marL="1371600" eaLnBrk="0" fontAlgn="base" hangingPunct="0">
-              <a:spcBef>
-                <a:spcPct val="0"/>
-              </a:spcBef>
-              <a:spcAft>
-                <a:spcPct val="0"/>
-              </a:spcAft>
-              <a:defRPr sz="2400">
-                <a:solidFill>
-                  <a:schemeClr val="tx1"/>
-                </a:solidFill>
-                <a:latin typeface="Arial" charset="0"/>
-                <a:ea typeface="ＭＳ Ｐゴシック" pitchFamily="-106" charset="-128"/>
-              </a:defRPr>
-            </a:lvl8pPr>
-            <a:lvl9pPr marL="1828800" eaLnBrk="0" fontAlgn="base" hangingPunct="0">
-              <a:spcBef>
-                <a:spcPct val="0"/>
-              </a:spcBef>
-              <a:spcAft>
-                <a:spcPct val="0"/>
-              </a:spcAft>
-              <a:defRPr sz="2400">
-                <a:solidFill>
-                  <a:schemeClr val="tx1"/>
-                </a:solidFill>
-                <a:latin typeface="Arial" charset="0"/>
-                <a:ea typeface="ＭＳ Ｐゴシック" pitchFamily="-106" charset="-128"/>
-              </a:defRPr>
-            </a:lvl9pPr>
-          </a:lstStyle>
-          <a:p>
-            <a:pPr eaLnBrk="1" hangingPunct="1"/>
-            <a:fld id="{AAA04654-EE4A-4EBE-BC23-CDB80A2BF4DE}" type="slidenum">
-              <a:rPr lang="en-US" sz="1200">
-                <a:latin typeface="Garamond" pitchFamily="-106" charset="0"/>
-              </a:rPr>
-              <a:pPr eaLnBrk="1" hangingPunct="1"/>
-              <a:t>29</a:t>
-            </a:fld>
-            <a:endParaRPr lang="en-US" sz="1200">
-              <a:latin typeface="Garamond" pitchFamily="-106" charset="0"/>
-            </a:endParaRPr>
-          </a:p>
-        </p:txBody>
-      </p:sp>
-      <p:sp>
-        <p:nvSpPr>
-          <p:cNvPr id="47108" name="Rectangle 3"/>
-          <p:cNvSpPr>
-            <a:spLocks noGrp="1" noChangeArrowheads="1"/>
-          </p:cNvSpPr>
-          <p:nvPr>
-            <p:ph type="body" idx="1"/>
-          </p:nvPr>
-        </p:nvSpPr>
-        <p:spPr>
-          <a:xfrm>
-            <a:off x="381000" y="1600200"/>
-            <a:ext cx="8229600" cy="4530725"/>
-          </a:xfrm>
-        </p:spPr>
-        <p:txBody>
-          <a:bodyPr/>
-          <a:lstStyle/>
-          <a:p>
-            <a:pPr algn="ctr" eaLnBrk="1" hangingPunct="1">
-              <a:buFont typeface="Wingdings" pitchFamily="-106" charset="2"/>
-              <a:buNone/>
-            </a:pPr>
-            <a:r>
-              <a:rPr lang="en-US" altLang="zh-TW" sz="6000" dirty="0" smtClean="0">
-                <a:solidFill>
-                  <a:schemeClr val="accent6">
-                    <a:lumMod val="75000"/>
-                  </a:schemeClr>
-                </a:solidFill>
-                <a:latin typeface="Arial" pitchFamily="34" charset="0"/>
-                <a:ea typeface="新細明體" pitchFamily="-106" charset="-120"/>
-                <a:cs typeface="Arial" pitchFamily="34" charset="0"/>
-              </a:rPr>
-              <a:t>Q &amp; A</a:t>
-            </a:r>
-            <a:endParaRPr lang="en-US" altLang="zh-TW" sz="6000" dirty="0" smtClean="0">
-              <a:solidFill>
-                <a:schemeClr val="accent6">
-                  <a:lumMod val="75000"/>
-                </a:schemeClr>
-              </a:solidFill>
-              <a:ea typeface="新細明體" pitchFamily="-106" charset="-120"/>
-            </a:endParaRPr>
-          </a:p>
-        </p:txBody>
-      </p:sp>
-    </p:spTree>
   </p:cSld>
   <p:clrMapOvr>
     <a:masterClrMapping/>
@@ -15478,8 +15547,8 @@
           </a:p>
         </p:txBody>
       </p:sp>
-      <mc:AlternateContent xmlns:mc="http://schemas.openxmlformats.org/markup-compatibility/2006">
-        <mc:Choice xmlns:a14="http://schemas.microsoft.com/office/drawing/2010/main" Requires="a14">
+      <mc:AlternateContent xmlns:mc="http://schemas.openxmlformats.org/markup-compatibility/2006" xmlns:a14="http://schemas.microsoft.com/office/drawing/2010/main">
+        <mc:Choice Requires="a14">
           <p:sp>
             <p:nvSpPr>
               <p:cNvPr id="5" name="Rectangle 3"/>
@@ -15779,7 +15848,7 @@
                   <a:buNone/>
                 </a:pPr>
                 <a14:m>
-                  <m:oMathPara xmlns:m="http://schemas.openxmlformats.org/officeDocument/2006/math" xmlns="">
+                  <m:oMathPara xmlns="" xmlns:m="http://schemas.openxmlformats.org/officeDocument/2006/math">
                     <m:oMathParaPr>
                       <m:jc m:val="centerGroup"/>
                     </m:oMathParaPr>
@@ -15963,7 +16032,7 @@
             </p:txBody>
           </p:sp>
         </mc:Choice>
-        <mc:Fallback>
+        <mc:Fallback xmlns="">
           <p:sp>
             <p:nvSpPr>
               <p:cNvPr id="5" name="Rectangle 3"/>
@@ -16044,6 +16113,243 @@
 </p:sld>
 </file>
 
+<file path=ppt/slides/slide30.xml><?xml version="1.0" encoding="utf-8"?>
+<p:sld xmlns:a="http://schemas.openxmlformats.org/drawingml/2006/main" xmlns:r="http://schemas.openxmlformats.org/officeDocument/2006/relationships" xmlns:p="http://schemas.openxmlformats.org/presentationml/2006/main">
+  <p:cSld>
+    <p:spTree>
+      <p:nvGrpSpPr>
+        <p:cNvPr id="1" name=""/>
+        <p:cNvGrpSpPr/>
+        <p:nvPr/>
+      </p:nvGrpSpPr>
+      <p:grpSpPr>
+        <a:xfrm>
+          <a:off x="0" y="0"/>
+          <a:ext cx="0" cy="0"/>
+          <a:chOff x="0" y="0"/>
+          <a:chExt cx="0" cy="0"/>
+        </a:xfrm>
+      </p:grpSpPr>
+      <p:sp>
+        <p:nvSpPr>
+          <p:cNvPr id="47106" name="Slide Number Placeholder 5"/>
+          <p:cNvSpPr>
+            <a:spLocks noGrp="1"/>
+          </p:cNvSpPr>
+          <p:nvPr>
+            <p:ph type="sldNum" sz="quarter" idx="12"/>
+          </p:nvPr>
+        </p:nvSpPr>
+        <p:spPr>
+          <a:noFill/>
+          <a:ln/>
+          <a:extLst>
+            <a:ext uri="{909E8E84-426E-40dd-AFC4-6F175D3DCCD1}">
+              <a14:hiddenFill xmlns:a14="http://schemas.microsoft.com/office/drawing/2010/main">
+                <a:solidFill>
+                  <a:srgbClr val="FFFFFF"/>
+                </a:solidFill>
+              </a14:hiddenFill>
+            </a:ext>
+            <a:ext uri="{91240B29-F687-4f45-9708-019B960494DF}">
+              <a14:hiddenLine xmlns:a14="http://schemas.microsoft.com/office/drawing/2010/main" w="9525">
+                <a:solidFill>
+                  <a:srgbClr val="000000"/>
+                </a:solidFill>
+                <a:miter lim="800000"/>
+                <a:headEnd/>
+                <a:tailEnd/>
+              </a14:hiddenLine>
+            </a:ext>
+          </a:extLst>
+        </p:spPr>
+        <p:txBody>
+          <a:bodyPr/>
+          <a:lstStyle>
+            <a:lvl1pPr eaLnBrk="0" hangingPunct="0">
+              <a:defRPr sz="2400">
+                <a:solidFill>
+                  <a:schemeClr val="tx1"/>
+                </a:solidFill>
+                <a:latin typeface="Arial" charset="0"/>
+                <a:ea typeface="ＭＳ Ｐゴシック" pitchFamily="-106" charset="-128"/>
+              </a:defRPr>
+            </a:lvl1pPr>
+            <a:lvl2pPr marL="37931725" indent="-37474525" eaLnBrk="0" hangingPunct="0">
+              <a:defRPr sz="2400">
+                <a:solidFill>
+                  <a:schemeClr val="tx1"/>
+                </a:solidFill>
+                <a:latin typeface="Arial" charset="0"/>
+                <a:ea typeface="ＭＳ Ｐゴシック" pitchFamily="-106" charset="-128"/>
+              </a:defRPr>
+            </a:lvl2pPr>
+            <a:lvl3pPr eaLnBrk="0" hangingPunct="0">
+              <a:defRPr sz="2400">
+                <a:solidFill>
+                  <a:schemeClr val="tx1"/>
+                </a:solidFill>
+                <a:latin typeface="Arial" charset="0"/>
+                <a:ea typeface="ＭＳ Ｐゴシック" pitchFamily="-106" charset="-128"/>
+              </a:defRPr>
+            </a:lvl3pPr>
+            <a:lvl4pPr eaLnBrk="0" hangingPunct="0">
+              <a:defRPr sz="2400">
+                <a:solidFill>
+                  <a:schemeClr val="tx1"/>
+                </a:solidFill>
+                <a:latin typeface="Arial" charset="0"/>
+                <a:ea typeface="ＭＳ Ｐゴシック" pitchFamily="-106" charset="-128"/>
+              </a:defRPr>
+            </a:lvl4pPr>
+            <a:lvl5pPr eaLnBrk="0" hangingPunct="0">
+              <a:defRPr sz="2400">
+                <a:solidFill>
+                  <a:schemeClr val="tx1"/>
+                </a:solidFill>
+                <a:latin typeface="Arial" charset="0"/>
+                <a:ea typeface="ＭＳ Ｐゴシック" pitchFamily="-106" charset="-128"/>
+              </a:defRPr>
+            </a:lvl5pPr>
+            <a:lvl6pPr marL="457200" eaLnBrk="0" fontAlgn="base" hangingPunct="0">
+              <a:spcBef>
+                <a:spcPct val="0"/>
+              </a:spcBef>
+              <a:spcAft>
+                <a:spcPct val="0"/>
+              </a:spcAft>
+              <a:defRPr sz="2400">
+                <a:solidFill>
+                  <a:schemeClr val="tx1"/>
+                </a:solidFill>
+                <a:latin typeface="Arial" charset="0"/>
+                <a:ea typeface="ＭＳ Ｐゴシック" pitchFamily="-106" charset="-128"/>
+              </a:defRPr>
+            </a:lvl6pPr>
+            <a:lvl7pPr marL="914400" eaLnBrk="0" fontAlgn="base" hangingPunct="0">
+              <a:spcBef>
+                <a:spcPct val="0"/>
+              </a:spcBef>
+              <a:spcAft>
+                <a:spcPct val="0"/>
+              </a:spcAft>
+              <a:defRPr sz="2400">
+                <a:solidFill>
+                  <a:schemeClr val="tx1"/>
+                </a:solidFill>
+                <a:latin typeface="Arial" charset="0"/>
+                <a:ea typeface="ＭＳ Ｐゴシック" pitchFamily="-106" charset="-128"/>
+              </a:defRPr>
+            </a:lvl7pPr>
+            <a:lvl8pPr marL="1371600" eaLnBrk="0" fontAlgn="base" hangingPunct="0">
+              <a:spcBef>
+                <a:spcPct val="0"/>
+              </a:spcBef>
+              <a:spcAft>
+                <a:spcPct val="0"/>
+              </a:spcAft>
+              <a:defRPr sz="2400">
+                <a:solidFill>
+                  <a:schemeClr val="tx1"/>
+                </a:solidFill>
+                <a:latin typeface="Arial" charset="0"/>
+                <a:ea typeface="ＭＳ Ｐゴシック" pitchFamily="-106" charset="-128"/>
+              </a:defRPr>
+            </a:lvl8pPr>
+            <a:lvl9pPr marL="1828800" eaLnBrk="0" fontAlgn="base" hangingPunct="0">
+              <a:spcBef>
+                <a:spcPct val="0"/>
+              </a:spcBef>
+              <a:spcAft>
+                <a:spcPct val="0"/>
+              </a:spcAft>
+              <a:defRPr sz="2400">
+                <a:solidFill>
+                  <a:schemeClr val="tx1"/>
+                </a:solidFill>
+                <a:latin typeface="Arial" charset="0"/>
+                <a:ea typeface="ＭＳ Ｐゴシック" pitchFamily="-106" charset="-128"/>
+              </a:defRPr>
+            </a:lvl9pPr>
+          </a:lstStyle>
+          <a:p>
+            <a:pPr eaLnBrk="1" hangingPunct="1"/>
+            <a:fld id="{AAA04654-EE4A-4EBE-BC23-CDB80A2BF4DE}" type="slidenum">
+              <a:rPr lang="en-US" sz="1200">
+                <a:latin typeface="Garamond" pitchFamily="-106" charset="0"/>
+              </a:rPr>
+              <a:pPr eaLnBrk="1" hangingPunct="1"/>
+              <a:t>30</a:t>
+            </a:fld>
+            <a:endParaRPr lang="en-US" sz="1200">
+              <a:latin typeface="Garamond" pitchFamily="-106" charset="0"/>
+            </a:endParaRPr>
+          </a:p>
+        </p:txBody>
+      </p:sp>
+      <p:sp>
+        <p:nvSpPr>
+          <p:cNvPr id="47108" name="Rectangle 3"/>
+          <p:cNvSpPr>
+            <a:spLocks noGrp="1" noChangeArrowheads="1"/>
+          </p:cNvSpPr>
+          <p:nvPr>
+            <p:ph type="body" idx="1"/>
+          </p:nvPr>
+        </p:nvSpPr>
+        <p:spPr>
+          <a:xfrm>
+            <a:off x="381000" y="1600200"/>
+            <a:ext cx="8229600" cy="4530725"/>
+          </a:xfrm>
+        </p:spPr>
+        <p:txBody>
+          <a:bodyPr/>
+          <a:lstStyle/>
+          <a:p>
+            <a:pPr algn="ctr" eaLnBrk="1" hangingPunct="1">
+              <a:buFont typeface="Wingdings" pitchFamily="-106" charset="2"/>
+              <a:buNone/>
+            </a:pPr>
+            <a:r>
+              <a:rPr lang="en-US" altLang="zh-TW" sz="6000" dirty="0" smtClean="0">
+                <a:solidFill>
+                  <a:schemeClr val="accent6">
+                    <a:lumMod val="75000"/>
+                  </a:schemeClr>
+                </a:solidFill>
+                <a:latin typeface="Arial" pitchFamily="34" charset="0"/>
+                <a:ea typeface="新細明體" pitchFamily="-106" charset="-120"/>
+                <a:cs typeface="Arial" pitchFamily="34" charset="0"/>
+              </a:rPr>
+              <a:t>Q &amp; A</a:t>
+            </a:r>
+            <a:endParaRPr lang="en-US" altLang="zh-TW" sz="6000" dirty="0" smtClean="0">
+              <a:solidFill>
+                <a:schemeClr val="accent6">
+                  <a:lumMod val="75000"/>
+                </a:schemeClr>
+              </a:solidFill>
+              <a:ea typeface="新細明體" pitchFamily="-106" charset="-120"/>
+            </a:endParaRPr>
+          </a:p>
+        </p:txBody>
+      </p:sp>
+    </p:spTree>
+  </p:cSld>
+  <p:clrMapOvr>
+    <a:masterClrMapping/>
+  </p:clrMapOvr>
+  <p:timing>
+    <p:tnLst>
+      <p:par>
+        <p:cTn xmlns:p14="http://schemas.microsoft.com/office/powerpoint/2010/main" id="1" dur="indefinite" restart="never" nodeType="tmRoot"/>
+      </p:par>
+    </p:tnLst>
+  </p:timing>
+</p:sld>
+</file>
+
 <file path=ppt/slides/slide4.xml><?xml version="1.0" encoding="utf-8"?>
 <p:sld xmlns:a="http://schemas.openxmlformats.org/drawingml/2006/main" xmlns:r="http://schemas.openxmlformats.org/officeDocument/2006/relationships" xmlns:p="http://schemas.openxmlformats.org/presentationml/2006/main">
   <p:cSld>
@@ -16494,7 +16800,13 @@
               <a:rPr lang="en-US" altLang="zh-TW" sz="2600" dirty="0" smtClean="0">
                 <a:ea typeface="新細明體" pitchFamily="-106" charset="-120"/>
               </a:rPr>
-              <a:t>The condition of active learning</a:t>
+              <a:t>Example</a:t>
+            </a:r>
+            <a:r>
+              <a:rPr lang="en-US" altLang="zh-TW" sz="2600" dirty="0" smtClean="0">
+                <a:ea typeface="新細明體" pitchFamily="-106" charset="-120"/>
+              </a:rPr>
+              <a:t>: threshold </a:t>
             </a:r>
           </a:p>
           <a:p>
@@ -16504,10 +16816,25 @@
               </a:lnSpc>
             </a:pPr>
             <a:r>
-              <a:rPr lang="en-US" altLang="zh-TW" sz="2400" dirty="0" smtClean="0">
+              <a:rPr lang="en-US" sz="2400" dirty="0" smtClean="0"/>
+              <a:t>Find transition between 0 and 1 labels in minimum </a:t>
+            </a:r>
+            <a:r>
+              <a:rPr lang="en-US" sz="2400" dirty="0" smtClean="0"/>
+              <a:t>steps</a:t>
+            </a:r>
+          </a:p>
+          <a:p>
+            <a:pPr eaLnBrk="1" hangingPunct="1">
+              <a:lnSpc>
+                <a:spcPct val="90000"/>
+              </a:lnSpc>
+            </a:pPr>
+            <a:r>
+              <a:rPr lang="en-US" altLang="zh-TW" sz="2800" dirty="0" smtClean="0">
                 <a:ea typeface="新細明體" pitchFamily="-106" charset="-120"/>
               </a:rPr>
-              <a:t>A large number of unlabeled points </a:t>
+              <a:t>Version space</a:t>
             </a:r>
           </a:p>
           <a:p>
@@ -16520,31 +16847,7 @@
               <a:rPr lang="en-US" altLang="zh-TW" sz="2400" dirty="0" smtClean="0">
                 <a:ea typeface="新細明體" pitchFamily="-106" charset="-120"/>
               </a:rPr>
-              <a:t>Can query any point for label</a:t>
-            </a:r>
-          </a:p>
-          <a:p>
-            <a:pPr marL="0" indent="0" eaLnBrk="1" hangingPunct="1">
-              <a:lnSpc>
-                <a:spcPct val="90000"/>
-              </a:lnSpc>
-              <a:buNone/>
-            </a:pPr>
-            <a:endParaRPr lang="en-US" altLang="zh-TW" sz="2600" dirty="0" smtClean="0">
-              <a:ea typeface="新細明體" pitchFamily="-106" charset="-120"/>
-            </a:endParaRPr>
-          </a:p>
-          <a:p>
-            <a:pPr eaLnBrk="1" hangingPunct="1">
-              <a:lnSpc>
-                <a:spcPct val="90000"/>
-              </a:lnSpc>
-            </a:pPr>
-            <a:r>
-              <a:rPr lang="en-US" altLang="zh-TW" sz="2600" dirty="0" smtClean="0">
-                <a:ea typeface="新細明體" pitchFamily="-106" charset="-120"/>
-              </a:rPr>
-              <a:t>Example: threshold </a:t>
+              <a:t>The “possible” hypothesis space according to seen labels</a:t>
             </a:r>
           </a:p>
           <a:p>
@@ -16554,8 +16857,16 @@
               </a:lnSpc>
             </a:pPr>
             <a:r>
-              <a:rPr lang="en-US" sz="2400" dirty="0" smtClean="0"/>
-              <a:t>Find transition between 0 and 1 labels in minimum steps</a:t>
+              <a:rPr lang="en-US" altLang="zh-TW" sz="2400" dirty="0" smtClean="0">
+                <a:ea typeface="新細明體" pitchFamily="-106" charset="-120"/>
+              </a:rPr>
+              <a:t>Idea: some data points give no additional information to narrow down the version space so we don’t need to learn </a:t>
+            </a:r>
+            <a:r>
+              <a:rPr lang="en-US" altLang="zh-TW" sz="2400" smtClean="0">
+                <a:ea typeface="新細明體" pitchFamily="-106" charset="-120"/>
+              </a:rPr>
+              <a:t>from it.</a:t>
             </a:r>
             <a:endParaRPr lang="en-US" altLang="zh-TW" sz="2400" dirty="0" smtClean="0">
               <a:ea typeface="新細明體" pitchFamily="-106" charset="-120"/>
@@ -22005,9 +22316,24 @@
                 <a:spcPts val="600"/>
               </a:spcAft>
             </a:pPr>
-            <a:endParaRPr lang="en-US" altLang="zh-TW" sz="2600" dirty="0">
-              <a:ea typeface="新細明體" pitchFamily="-106" charset="-120"/>
-            </a:endParaRPr>
+            <a:r>
+              <a:rPr lang="en-US" altLang="zh-TW" sz="2600" dirty="0" smtClean="0">
+                <a:ea typeface="新細明體" pitchFamily="-106" charset="-120"/>
+              </a:rPr>
+              <a:t>These </a:t>
+            </a:r>
+            <a:r>
+              <a:rPr lang="en-US" altLang="zh-TW" sz="2600" dirty="0" smtClean="0">
+                <a:ea typeface="新細明體" pitchFamily="-106" charset="-120"/>
+              </a:rPr>
+              <a:t>algorithms are efficient and have a proven theoretical error </a:t>
+            </a:r>
+            <a:r>
+              <a:rPr lang="en-US" altLang="zh-TW" sz="2600" dirty="0" smtClean="0">
+                <a:ea typeface="新細明體" pitchFamily="-106" charset="-120"/>
+              </a:rPr>
+              <a:t>bound under certain assumptions</a:t>
+            </a:r>
           </a:p>
           <a:p>
             <a:pPr eaLnBrk="1" hangingPunct="1">
@@ -22022,9 +22348,57 @@
               <a:rPr lang="en-US" altLang="zh-TW" sz="2600" dirty="0" smtClean="0">
                 <a:ea typeface="新細明體" pitchFamily="-106" charset="-120"/>
               </a:rPr>
-              <a:t>These algorithms are efficient and have a proven theoretical error bound</a:t>
-            </a:r>
-            <a:endParaRPr lang="en-US" altLang="zh-TW" sz="2600" dirty="0">
+              <a:t>We will present</a:t>
+            </a:r>
+          </a:p>
+          <a:p>
+            <a:pPr lvl="1" eaLnBrk="1" hangingPunct="1">
+              <a:spcBef>
+                <a:spcPts val="600"/>
+              </a:spcBef>
+              <a:spcAft>
+                <a:spcPts val="600"/>
+              </a:spcAft>
+            </a:pPr>
+            <a:r>
+              <a:rPr lang="en-US" altLang="zh-TW" sz="2200" dirty="0" smtClean="0">
+                <a:ea typeface="新細明體" pitchFamily="-106" charset="-120"/>
+              </a:rPr>
+              <a:t>The algorithm description</a:t>
+            </a:r>
+          </a:p>
+          <a:p>
+            <a:pPr lvl="1" eaLnBrk="1" hangingPunct="1">
+              <a:spcBef>
+                <a:spcPts val="600"/>
+              </a:spcBef>
+              <a:spcAft>
+                <a:spcPts val="600"/>
+              </a:spcAft>
+            </a:pPr>
+            <a:r>
+              <a:rPr lang="en-US" altLang="zh-TW" sz="2200" dirty="0" smtClean="0">
+                <a:ea typeface="新細明體" pitchFamily="-106" charset="-120"/>
+              </a:rPr>
+              <a:t>Assumptions</a:t>
+            </a:r>
+          </a:p>
+          <a:p>
+            <a:pPr lvl="1" eaLnBrk="1" hangingPunct="1">
+              <a:spcBef>
+                <a:spcPts val="600"/>
+              </a:spcBef>
+              <a:spcAft>
+                <a:spcPts val="600"/>
+              </a:spcAft>
+            </a:pPr>
+            <a:r>
+              <a:rPr lang="en-US" altLang="zh-TW" sz="2200" dirty="0" smtClean="0">
+                <a:ea typeface="新細明體" pitchFamily="-106" charset="-120"/>
+              </a:rPr>
+              <a:t>Theoretical Bounds</a:t>
+            </a:r>
+            <a:endParaRPr lang="en-US" altLang="zh-TW" sz="2200" dirty="0">
               <a:ea typeface="新細明體" pitchFamily="-106" charset="-120"/>
             </a:endParaRPr>
           </a:p>
@@ -22553,7 +22927,7 @@
                   <a:t>Step 1: Get an unlabeled example </a:t>
                 </a:r>
                 <a14:m>
-                  <m:oMath xmlns:m="http://schemas.openxmlformats.org/officeDocument/2006/math" xmlns="">
+                  <m:oMath xmlns="" xmlns:m="http://schemas.openxmlformats.org/officeDocument/2006/math">
                     <m:r>
                       <a:rPr lang="en-US" sz="2400" b="0" i="1" smtClean="0">
                         <a:latin typeface="Cambria Math"/>
@@ -22581,7 +22955,7 @@
                   <a:t> drawn at random from </a:t>
                 </a:r>
                 <a14:m>
-                  <m:oMath xmlns:m="http://schemas.openxmlformats.org/officeDocument/2006/math" xmlns="">
+                  <m:oMath xmlns="" xmlns:m="http://schemas.openxmlformats.org/officeDocument/2006/math">
                     <m:r>
                       <a:rPr lang="en-US" sz="2400" b="0" i="1" smtClean="0">
                         <a:latin typeface="Cambria Math"/>
@@ -22605,7 +22979,7 @@
                   <a:t>Step 2: Randomly select two committee members to predict </a:t>
                 </a:r>
                 <a14:m>
-                  <m:oMath xmlns:m="http://schemas.openxmlformats.org/officeDocument/2006/math" xmlns="">
+                  <m:oMath xmlns="" xmlns:m="http://schemas.openxmlformats.org/officeDocument/2006/math">
                     <m:r>
                       <a:rPr lang="en-US" sz="2400" i="1">
                         <a:latin typeface="Cambria Math"/>
@@ -22644,7 +23018,7 @@
                   <a:t>Step 4: If the two predictions are different, get label </a:t>
                 </a:r>
                 <a14:m>
-                  <m:oMath xmlns:m="http://schemas.openxmlformats.org/officeDocument/2006/math" xmlns="">
+                  <m:oMath xmlns="" xmlns:m="http://schemas.openxmlformats.org/officeDocument/2006/math">
                     <m:r>
                       <m:rPr>
                         <m:sty m:val="p"/>
@@ -22681,7 +23055,7 @@
                   <a:t>, set </a:t>
                 </a:r>
                 <a14:m>
-                  <m:oMath xmlns:m="http://schemas.openxmlformats.org/officeDocument/2006/math" xmlns="">
+                  <m:oMath xmlns="" xmlns:m="http://schemas.openxmlformats.org/officeDocument/2006/math">
                     <m:sSub>
                       <m:sSubPr>
                         <m:ctrlPr>
@@ -22716,7 +23090,7 @@
                   <a:t> to be all concepts </a:t>
                 </a:r>
                 <a14:m>
-                  <m:oMath xmlns:m="http://schemas.openxmlformats.org/officeDocument/2006/math" xmlns="">
+                  <m:oMath xmlns="" xmlns:m="http://schemas.openxmlformats.org/officeDocument/2006/math">
                     <m:sSup>
                       <m:sSupPr>
                         <m:ctrlPr>
@@ -22792,7 +23166,7 @@
                   <a:t> such that </a:t>
                 </a:r>
                 <a14:m>
-                  <m:oMath xmlns:m="http://schemas.openxmlformats.org/officeDocument/2006/math" xmlns="">
+                  <m:oMath xmlns="" xmlns:m="http://schemas.openxmlformats.org/officeDocument/2006/math">
                     <m:sSup>
                       <m:sSupPr>
                         <m:ctrlPr>
@@ -22884,7 +23258,7 @@
                   <a:t>Stop when consecutively reject  </a:t>
                 </a:r>
                 <a14:m>
-                  <m:oMath xmlns:m="http://schemas.openxmlformats.org/officeDocument/2006/math" xmlns="">
+                  <m:oMath xmlns="" xmlns:m="http://schemas.openxmlformats.org/officeDocument/2006/math">
                     <m:f>
                       <m:fPr>
                         <m:ctrlPr>
@@ -23668,7 +24042,7 @@
                   <a:buNone/>
                 </a:pPr>
                 <a14:m>
-                  <m:oMathPara xmlns:m="http://schemas.openxmlformats.org/officeDocument/2006/math" xmlns="">
+                  <m:oMathPara xmlns="" xmlns:m="http://schemas.openxmlformats.org/officeDocument/2006/math">
                     <m:oMathParaPr>
                       <m:jc m:val="centerGroup"/>
                     </m:oMathParaPr>
@@ -23885,7 +24259,7 @@
                   <a:t>It is proved that there exists a uniform lower bound </a:t>
                 </a:r>
                 <a14:m>
-                  <m:oMath xmlns:m="http://schemas.openxmlformats.org/officeDocument/2006/math" xmlns="">
+                  <m:oMath xmlns="" xmlns:m="http://schemas.openxmlformats.org/officeDocument/2006/math">
                     <m:r>
                       <a:rPr lang="en-US" altLang="zh-TW" sz="2000" b="0" i="0" smtClean="0">
                         <a:latin typeface="Cambria Math"/>
@@ -24551,7 +24925,7 @@
                   <a:t>If a concept class </a:t>
                 </a:r>
                 <a14:m>
-                  <m:oMath xmlns:m="http://schemas.openxmlformats.org/officeDocument/2006/math" xmlns="">
+                  <m:oMath xmlns="" xmlns:m="http://schemas.openxmlformats.org/officeDocument/2006/math">
                     <m:r>
                       <a:rPr lang="en-US" altLang="zh-TW" sz="2400" b="0" i="1" smtClean="0">
                         <a:latin typeface="Cambria Math"/>
@@ -24568,7 +24942,7 @@
                   <a:t> has VC-dimension </a:t>
                 </a:r>
                 <a14:m>
-                  <m:oMath xmlns:m="http://schemas.openxmlformats.org/officeDocument/2006/math" xmlns="">
+                  <m:oMath xmlns="" xmlns:m="http://schemas.openxmlformats.org/officeDocument/2006/math">
                     <m:r>
                       <a:rPr lang="en-US" altLang="zh-TW" sz="2000" b="0" i="1" smtClean="0">
                         <a:latin typeface="Cambria Math"/>
@@ -24599,7 +24973,7 @@
                   <a:t> and the expected information gain of queries made by QBC is uniformly lower bounded by </a:t>
                 </a:r>
                 <a14:m>
-                  <m:oMath xmlns:m="http://schemas.openxmlformats.org/officeDocument/2006/math" xmlns="">
+                  <m:oMath xmlns="" xmlns:m="http://schemas.openxmlformats.org/officeDocument/2006/math">
                     <m:r>
                       <a:rPr lang="en-US" altLang="zh-TW" sz="2000" b="0" i="1" smtClean="0">
                         <a:latin typeface="Cambria Math"/>
@@ -24623,7 +24997,7 @@
                   <a:t>, then following holds with probability larger than </a:t>
                 </a:r>
                 <a14:m>
-                  <m:oMath xmlns:m="http://schemas.openxmlformats.org/officeDocument/2006/math" xmlns="">
+                  <m:oMath xmlns="" xmlns:m="http://schemas.openxmlformats.org/officeDocument/2006/math">
                     <m:r>
                       <a:rPr lang="en-US" altLang="zh-TW" sz="2000" b="0" i="1" smtClean="0">
                         <a:latin typeface="Cambria Math"/>
@@ -24687,7 +25061,7 @@
                   <a:t>    </a:t>
                 </a:r>
                 <a14:m>
-                  <m:oMath xmlns:m="http://schemas.openxmlformats.org/officeDocument/2006/math" xmlns="">
+                  <m:oMath xmlns="" xmlns:m="http://schemas.openxmlformats.org/officeDocument/2006/math">
                     <m:sSub>
                       <m:sSubPr>
                         <m:ctrlPr>
@@ -25091,7 +25465,7 @@
                   <a:t>    </a:t>
                 </a:r>
                 <a14:m>
-                  <m:oMath xmlns:m="http://schemas.openxmlformats.org/officeDocument/2006/math" xmlns="">
+                  <m:oMath xmlns="" xmlns:m="http://schemas.openxmlformats.org/officeDocument/2006/math">
                     <m:sSub>
                       <m:sSubPr>
                         <m:ctrlPr>
@@ -25290,7 +25664,7 @@
                   <a:t> of QBC makes a mistake is smaller than </a:t>
                 </a:r>
                 <a14:m>
-                  <m:oMath xmlns:m="http://schemas.openxmlformats.org/officeDocument/2006/math" xmlns="">
+                  <m:oMath xmlns="" xmlns:m="http://schemas.openxmlformats.org/officeDocument/2006/math">
                     <m:r>
                       <a:rPr lang="zh-TW" altLang="en-US" sz="2000" i="1" smtClean="0">
                         <a:latin typeface="Cambria Math"/>

--- a/presentation/Activelearning.pptx
+++ b/presentation/Activelearning.pptx
@@ -16860,13 +16860,7 @@
               <a:rPr lang="en-US" altLang="zh-TW" sz="2400" dirty="0" smtClean="0">
                 <a:ea typeface="新細明體" pitchFamily="-106" charset="-120"/>
               </a:rPr>
-              <a:t>Idea: some data points give no additional information to narrow down the version space so we don’t need to learn </a:t>
-            </a:r>
-            <a:r>
-              <a:rPr lang="en-US" altLang="zh-TW" sz="2400" smtClean="0">
-                <a:ea typeface="新細明體" pitchFamily="-106" charset="-120"/>
-              </a:rPr>
-              <a:t>from it.</a:t>
+              <a:t>Idea: some data points give no additional information to narrow down the version space so we don’t need to learn from it.</a:t>
             </a:r>
             <a:endParaRPr lang="en-US" altLang="zh-TW" sz="2400" dirty="0" smtClean="0">
               <a:ea typeface="新細明體" pitchFamily="-106" charset="-120"/>

--- a/presentation/Activelearning.pptx
+++ b/presentation/Activelearning.pptx
@@ -5,10 +5,10 @@
     <p:sldMasterId id="2147483697" r:id="rId1"/>
   </p:sldMasterIdLst>
   <p:notesMasterIdLst>
-    <p:notesMasterId r:id="rId32"/>
+    <p:notesMasterId r:id="rId33"/>
   </p:notesMasterIdLst>
   <p:handoutMasterIdLst>
-    <p:handoutMasterId r:id="rId33"/>
+    <p:handoutMasterId r:id="rId34"/>
   </p:handoutMasterIdLst>
   <p:sldIdLst>
     <p:sldId id="256" r:id="rId2"/>
@@ -19,28 +19,29 @@
     <p:sldId id="475" r:id="rId7"/>
     <p:sldId id="476" r:id="rId8"/>
     <p:sldId id="465" r:id="rId9"/>
-    <p:sldId id="468" r:id="rId10"/>
-    <p:sldId id="474" r:id="rId11"/>
-    <p:sldId id="487" r:id="rId12"/>
-    <p:sldId id="488" r:id="rId13"/>
-    <p:sldId id="489" r:id="rId14"/>
-    <p:sldId id="490" r:id="rId15"/>
-    <p:sldId id="492" r:id="rId16"/>
-    <p:sldId id="491" r:id="rId17"/>
-    <p:sldId id="486" r:id="rId18"/>
-    <p:sldId id="479" r:id="rId19"/>
-    <p:sldId id="478" r:id="rId20"/>
-    <p:sldId id="472" r:id="rId21"/>
-    <p:sldId id="480" r:id="rId22"/>
-    <p:sldId id="493" r:id="rId23"/>
-    <p:sldId id="482" r:id="rId24"/>
-    <p:sldId id="483" r:id="rId25"/>
-    <p:sldId id="484" r:id="rId26"/>
-    <p:sldId id="485" r:id="rId27"/>
-    <p:sldId id="473" r:id="rId28"/>
-    <p:sldId id="494" r:id="rId29"/>
-    <p:sldId id="471" r:id="rId30"/>
-    <p:sldId id="458" r:id="rId31"/>
+    <p:sldId id="495" r:id="rId10"/>
+    <p:sldId id="468" r:id="rId11"/>
+    <p:sldId id="474" r:id="rId12"/>
+    <p:sldId id="487" r:id="rId13"/>
+    <p:sldId id="488" r:id="rId14"/>
+    <p:sldId id="489" r:id="rId15"/>
+    <p:sldId id="490" r:id="rId16"/>
+    <p:sldId id="492" r:id="rId17"/>
+    <p:sldId id="491" r:id="rId18"/>
+    <p:sldId id="486" r:id="rId19"/>
+    <p:sldId id="479" r:id="rId20"/>
+    <p:sldId id="478" r:id="rId21"/>
+    <p:sldId id="472" r:id="rId22"/>
+    <p:sldId id="480" r:id="rId23"/>
+    <p:sldId id="493" r:id="rId24"/>
+    <p:sldId id="482" r:id="rId25"/>
+    <p:sldId id="483" r:id="rId26"/>
+    <p:sldId id="484" r:id="rId27"/>
+    <p:sldId id="485" r:id="rId28"/>
+    <p:sldId id="473" r:id="rId29"/>
+    <p:sldId id="494" r:id="rId30"/>
+    <p:sldId id="471" r:id="rId31"/>
+    <p:sldId id="458" r:id="rId32"/>
   </p:sldIdLst>
   <p:sldSz cx="9144000" cy="6858000" type="screen4x3"/>
   <p:notesSz cx="6997700" cy="9283700"/>
@@ -524,7 +525,7 @@
             <a:tailEnd/>
           </a:ln>
           <a:extLst>
-            <a:ext uri="{909E8E84-426E-40dd-AFC4-6F175D3DCCD1}">
+            <a:ext uri="{909E8E84-426E-40DD-AFC4-6F175D3DCCD1}">
               <a14:hiddenFill xmlns:a14="http://schemas.microsoft.com/office/drawing/2010/main">
                 <a:solidFill>
                   <a:srgbClr val="FFFFFF"/>
@@ -860,14 +861,14 @@
           <a:noFill/>
           <a:ln/>
           <a:extLst>
-            <a:ext uri="{909E8E84-426E-40dd-AFC4-6F175D3DCCD1}">
+            <a:ext uri="{909E8E84-426E-40DD-AFC4-6F175D3DCCD1}">
               <a14:hiddenFill xmlns:a14="http://schemas.microsoft.com/office/drawing/2010/main">
                 <a:solidFill>
                   <a:srgbClr val="FFFFFF"/>
                 </a:solidFill>
               </a14:hiddenFill>
             </a:ext>
-            <a:ext uri="{91240B29-F687-4f45-9708-019B960494DF}">
+            <a:ext uri="{91240B29-F687-4F45-9708-019B960494DF}">
               <a14:hiddenLine xmlns:a14="http://schemas.microsoft.com/office/drawing/2010/main" w="9525">
                 <a:solidFill>
                   <a:srgbClr val="000000"/>
@@ -1027,14 +1028,14 @@
           <a:noFill/>
           <a:ln/>
           <a:extLst>
-            <a:ext uri="{909E8E84-426E-40dd-AFC4-6F175D3DCCD1}">
+            <a:ext uri="{909E8E84-426E-40DD-AFC4-6F175D3DCCD1}">
               <a14:hiddenFill xmlns:a14="http://schemas.microsoft.com/office/drawing/2010/main">
                 <a:solidFill>
                   <a:srgbClr val="FFFFFF"/>
                 </a:solidFill>
               </a14:hiddenFill>
             </a:ext>
-            <a:ext uri="{91240B29-F687-4f45-9708-019B960494DF}">
+            <a:ext uri="{91240B29-F687-4F45-9708-019B960494DF}">
               <a14:hiddenLine xmlns:a14="http://schemas.microsoft.com/office/drawing/2010/main" w="9525">
                 <a:solidFill>
                   <a:srgbClr val="000000"/>
@@ -1173,6 +1174,265 @@
 </file>
 
 <file path=ppt/notesSlides/notesSlide3.xml><?xml version="1.0" encoding="utf-8"?>
+<p:notes xmlns:a="http://schemas.openxmlformats.org/drawingml/2006/main" xmlns:r="http://schemas.openxmlformats.org/officeDocument/2006/relationships" xmlns:p="http://schemas.openxmlformats.org/presentationml/2006/main">
+  <p:cSld>
+    <p:spTree>
+      <p:nvGrpSpPr>
+        <p:cNvPr id="1" name=""/>
+        <p:cNvGrpSpPr/>
+        <p:nvPr/>
+      </p:nvGrpSpPr>
+      <p:grpSpPr>
+        <a:xfrm>
+          <a:off x="0" y="0"/>
+          <a:ext cx="0" cy="0"/>
+          <a:chOff x="0" y="0"/>
+          <a:chExt cx="0" cy="0"/>
+        </a:xfrm>
+      </p:grpSpPr>
+      <p:sp>
+        <p:nvSpPr>
+          <p:cNvPr id="2" name="Slide Image Placeholder 1"/>
+          <p:cNvSpPr>
+            <a:spLocks noGrp="1" noRot="1" noChangeAspect="1"/>
+          </p:cNvSpPr>
+          <p:nvPr>
+            <p:ph type="sldImg"/>
+          </p:nvPr>
+        </p:nvSpPr>
+        <p:spPr/>
+      </p:sp>
+      <mc:AlternateContent xmlns:mc="http://schemas.openxmlformats.org/markup-compatibility/2006" xmlns:a14="http://schemas.microsoft.com/office/drawing/2010/main">
+        <mc:Choice Requires="a14">
+          <p:sp>
+            <p:nvSpPr>
+              <p:cNvPr id="3" name="Notes Placeholder 2"/>
+              <p:cNvSpPr>
+                <a:spLocks noGrp="1"/>
+              </p:cNvSpPr>
+              <p:nvPr>
+                <p:ph type="body" idx="1"/>
+              </p:nvPr>
+            </p:nvSpPr>
+            <p:spPr/>
+            <p:txBody>
+              <a:bodyPr/>
+              <a:lstStyle/>
+              <a:p>
+                <a:r>
+                  <a:rPr lang="en-US" dirty="0" smtClean="0"/>
+                  <a:t>Prove</a:t>
+                </a:r>
+                <a:r>
+                  <a:rPr lang="en-US" baseline="0" dirty="0" smtClean="0"/>
+                  <a:t> process</a:t>
+                </a:r>
+              </a:p>
+              <a:p>
+                <a:endParaRPr lang="en-US" baseline="0" dirty="0" smtClean="0"/>
+              </a:p>
+              <a:p>
+                <a:pPr marL="228600" indent="-228600">
+                  <a:buAutoNum type="arabicPeriod"/>
+                </a:pPr>
+                <a:r>
+                  <a:rPr lang="en-US" baseline="0" dirty="0" smtClean="0"/>
+                  <a:t>There exists a lower bound for the cumulative information content of first n_0 queries</a:t>
+                </a:r>
+              </a:p>
+              <a:p>
+                <a:pPr marL="228600" indent="-228600">
+                  <a:buAutoNum type="arabicPeriod"/>
+                </a:pPr>
+                <a:r>
+                  <a:rPr lang="en-US" baseline="0" dirty="0" smtClean="0"/>
+                  <a:t>There exists a higher bound for the cumulative information content of the first m_0 examples</a:t>
+                </a:r>
+              </a:p>
+              <a:p>
+                <a:pPr marL="228600" indent="-228600">
+                  <a:buAutoNum type="arabicPeriod"/>
+                </a:pPr>
+                <a:r>
+                  <a:rPr lang="en-US" baseline="0" dirty="0" smtClean="0"/>
+                  <a:t>From 1 and 2, drive a inequality about m_0 and n_0</a:t>
+                </a:r>
+              </a:p>
+              <a:p>
+                <a:pPr marL="228600" indent="-228600">
+                  <a:buAutoNum type="arabicPeriod"/>
+                </a:pPr>
+                <a:r>
+                  <a:rPr lang="en-US" baseline="0" dirty="0" smtClean="0"/>
+                  <a:t>The number of consecutive rejected examples guarantees that the algorithm stops before testing m_0 + 1 examples</a:t>
+                </a:r>
+              </a:p>
+              <a:p>
+                <a:pPr marL="228600" indent="-228600">
+                  <a:buAutoNum type="arabicPeriod"/>
+                </a:pPr>
+                <a:r>
+                  <a:rPr lang="en-US" baseline="0" dirty="0" smtClean="0"/>
+                  <a:t>Gibbs prediction by QBC and consecutive rejected examples gives a bound of </a:t>
+                </a:r>
+                <a14:m>
+                  <m:oMath xmlns:m="http://schemas.openxmlformats.org/officeDocument/2006/math">
+                    <m:r>
+                      <a:rPr lang="en-US" i="1" baseline="0" smtClean="0">
+                        <a:latin typeface="Cambria Math"/>
+                        <a:ea typeface="Cambria Math"/>
+                      </a:rPr>
+                      <m:t>𝜀</m:t>
+                    </m:r>
+                    <m:r>
+                      <a:rPr lang="en-US" b="0" i="1" baseline="0" smtClean="0">
+                        <a:latin typeface="Cambria Math"/>
+                        <a:ea typeface="Cambria Math"/>
+                      </a:rPr>
+                      <m:t> </m:t>
+                    </m:r>
+                  </m:oMath>
+                </a14:m>
+                <a:endParaRPr lang="en-US" dirty="0"/>
+              </a:p>
+            </p:txBody>
+          </p:sp>
+        </mc:Choice>
+        <mc:Fallback xmlns="">
+          <p:sp>
+            <p:nvSpPr>
+              <p:cNvPr id="3" name="Notes Placeholder 2"/>
+              <p:cNvSpPr>
+                <a:spLocks noGrp="1"/>
+              </p:cNvSpPr>
+              <p:nvPr>
+                <p:ph type="body" idx="1"/>
+              </p:nvPr>
+            </p:nvSpPr>
+            <p:spPr/>
+            <p:txBody>
+              <a:bodyPr/>
+              <a:lstStyle/>
+              <a:p>
+                <a:r>
+                  <a:rPr lang="en-US" dirty="0" smtClean="0"/>
+                  <a:t>Gibbs prediction means to predict the label of example by picking a hypothesis h random</a:t>
+                </a:r>
+                <a:r>
+                  <a:rPr lang="en-US" baseline="0" dirty="0" smtClean="0"/>
+                  <a:t> from version space</a:t>
+                </a:r>
+              </a:p>
+              <a:p>
+                <a:r>
+                  <a:rPr lang="en-US" sz="1200" dirty="0" smtClean="0">
+                    <a:ea typeface="新細明體" pitchFamily="-106" charset="-120"/>
+                  </a:rPr>
+                  <a:t>Namely, QBC </a:t>
+                </a:r>
+                <a:r>
+                  <a:rPr lang="en-US" sz="1200" dirty="0">
+                    <a:ea typeface="新細明體" pitchFamily="-106" charset="-120"/>
+                  </a:rPr>
+                  <a:t>will reach a generalization error of</a:t>
+                </a:r>
+                <a:r>
+                  <a:rPr lang="en-US" altLang="zh-TW" sz="1200" b="0" i="0" smtClean="0">
+                    <a:latin typeface="Cambria Math"/>
+                    <a:ea typeface="新細明體" pitchFamily="-106" charset="-120"/>
+                  </a:rPr>
+                  <a:t> </a:t>
+                </a:r>
+                <a:r>
+                  <a:rPr lang="zh-TW" altLang="en-US" sz="1200" i="0">
+                    <a:latin typeface="Cambria Math"/>
+                    <a:ea typeface="新細明體" pitchFamily="-106" charset="-120"/>
+                  </a:rPr>
+                  <a:t>𝜖</a:t>
+                </a:r>
+                <a:r>
+                  <a:rPr lang="en-US" sz="1200" dirty="0" smtClean="0">
+                    <a:ea typeface="新細明體" pitchFamily="-106" charset="-120"/>
+                  </a:rPr>
+                  <a:t> </a:t>
+                </a:r>
+                <a:r>
+                  <a:rPr lang="en-US" sz="1200" dirty="0">
+                    <a:ea typeface="新細明體" pitchFamily="-106" charset="-120"/>
+                  </a:rPr>
+                  <a:t>when using only </a:t>
+                </a:r>
+                <a:r>
+                  <a:rPr lang="en-US" sz="1200" b="0" i="0" smtClean="0">
+                    <a:latin typeface="Cambria Math"/>
+                    <a:ea typeface="新細明體" pitchFamily="-106" charset="-120"/>
+                  </a:rPr>
+                  <a:t>𝑂(log⁡〖1/</a:t>
+                </a:r>
+                <a:r>
+                  <a:rPr lang="en-US" sz="1200" b="0" i="0" smtClean="0">
+                    <a:latin typeface="Cambria Math"/>
+                    <a:ea typeface="Cambria Math"/>
+                  </a:rPr>
+                  <a:t>𝛿〗</a:t>
+                </a:r>
+                <a:r>
+                  <a:rPr lang="en-US" sz="1200" b="0" i="0" smtClean="0">
+                    <a:latin typeface="Cambria Math"/>
+                    <a:ea typeface="新細明體" pitchFamily="-106" charset="-120"/>
+                  </a:rPr>
+                  <a:t>)</a:t>
+                </a:r>
+                <a:r>
+                  <a:rPr lang="en-US" sz="1200" dirty="0" smtClean="0">
+                    <a:ea typeface="新細明體" pitchFamily="-106" charset="-120"/>
+                  </a:rPr>
+                  <a:t> labels</a:t>
+                </a:r>
+                <a:endParaRPr lang="en-US" dirty="0"/>
+              </a:p>
+            </p:txBody>
+          </p:sp>
+        </mc:Fallback>
+      </mc:AlternateContent>
+      <p:sp>
+        <p:nvSpPr>
+          <p:cNvPr id="4" name="Slide Number Placeholder 3"/>
+          <p:cNvSpPr>
+            <a:spLocks noGrp="1"/>
+          </p:cNvSpPr>
+          <p:nvPr>
+            <p:ph type="sldNum" sz="quarter" idx="10"/>
+          </p:nvPr>
+        </p:nvSpPr>
+        <p:spPr/>
+        <p:txBody>
+          <a:bodyPr/>
+          <a:lstStyle/>
+          <a:p>
+            <a:fld id="{DFAA0BD4-28E6-4AA9-A380-6B49DDD43FFD}" type="slidenum">
+              <a:rPr lang="en-US" smtClean="0"/>
+              <a:pPr/>
+              <a:t>7</a:t>
+            </a:fld>
+            <a:endParaRPr lang="en-US"/>
+          </a:p>
+        </p:txBody>
+      </p:sp>
+    </p:spTree>
+    <p:extLst>
+      <p:ext uri="{BB962C8B-B14F-4D97-AF65-F5344CB8AC3E}">
+        <p14:creationId xmlns:p14="http://schemas.microsoft.com/office/powerpoint/2010/main" val="73545387"/>
+      </p:ext>
+    </p:extLst>
+  </p:cSld>
+  <p:clrMapOvr>
+    <a:masterClrMapping/>
+  </p:clrMapOvr>
+</p:notes>
+</file>
+
+<file path=ppt/notesSlides/notesSlide4.xml><?xml version="1.0" encoding="utf-8"?>
 <p:notes xmlns:a="http://schemas.openxmlformats.org/drawingml/2006/main" xmlns:r="http://schemas.openxmlformats.org/officeDocument/2006/relationships" xmlns:p="http://schemas.openxmlformats.org/presentationml/2006/main">
   <p:cSld>
     <p:spTree>
@@ -1241,7 +1501,7 @@
                   <a:t>will reach a generalization error of</a:t>
                 </a:r>
                 <a14:m>
-                  <m:oMath xmlns="" xmlns:m="http://schemas.openxmlformats.org/officeDocument/2006/math">
+                  <m:oMath xmlns:m="http://schemas.openxmlformats.org/officeDocument/2006/math">
                     <m:r>
                       <a:rPr lang="en-US" altLang="zh-TW" sz="1200" b="0" i="0" smtClean="0">
                         <a:latin typeface="Cambria Math"/>
@@ -1271,7 +1531,7 @@
                   <a:t>when using only </a:t>
                 </a:r>
                 <a14:m>
-                  <m:oMath xmlns="" xmlns:m="http://schemas.openxmlformats.org/officeDocument/2006/math">
+                  <m:oMath xmlns:m="http://schemas.openxmlformats.org/officeDocument/2006/math">
                     <m:r>
                       <a:rPr lang="en-US" sz="1200" b="0" i="1" smtClean="0">
                         <a:latin typeface="Cambria Math"/>
@@ -1473,7 +1733,7 @@
             <a:fld id="{DFAA0BD4-28E6-4AA9-A380-6B49DDD43FFD}" type="slidenum">
               <a:rPr lang="en-US" smtClean="0"/>
               <a:pPr/>
-              <a:t>7</a:t>
+              <a:t>8</a:t>
             </a:fld>
             <a:endParaRPr lang="en-US"/>
           </a:p>
@@ -1492,7 +1752,301 @@
 </p:notes>
 </file>
 
-<file path=ppt/notesSlides/notesSlide4.xml><?xml version="1.0" encoding="utf-8"?>
+<file path=ppt/notesSlides/notesSlide5.xml><?xml version="1.0" encoding="utf-8"?>
+<p:notes xmlns:a="http://schemas.openxmlformats.org/drawingml/2006/main" xmlns:r="http://schemas.openxmlformats.org/officeDocument/2006/relationships" xmlns:p="http://schemas.openxmlformats.org/presentationml/2006/main">
+  <p:cSld>
+    <p:spTree>
+      <p:nvGrpSpPr>
+        <p:cNvPr id="1" name=""/>
+        <p:cNvGrpSpPr/>
+        <p:nvPr/>
+      </p:nvGrpSpPr>
+      <p:grpSpPr>
+        <a:xfrm>
+          <a:off x="0" y="0"/>
+          <a:ext cx="0" cy="0"/>
+          <a:chOff x="0" y="0"/>
+          <a:chExt cx="0" cy="0"/>
+        </a:xfrm>
+      </p:grpSpPr>
+      <p:sp>
+        <p:nvSpPr>
+          <p:cNvPr id="2" name="Slide Image Placeholder 1"/>
+          <p:cNvSpPr>
+            <a:spLocks noGrp="1" noRot="1" noChangeAspect="1"/>
+          </p:cNvSpPr>
+          <p:nvPr>
+            <p:ph type="sldImg"/>
+          </p:nvPr>
+        </p:nvSpPr>
+        <p:spPr/>
+      </p:sp>
+      <mc:AlternateContent xmlns:mc="http://schemas.openxmlformats.org/markup-compatibility/2006" xmlns:a14="http://schemas.microsoft.com/office/drawing/2010/main">
+        <mc:Choice Requires="a14">
+          <p:sp>
+            <p:nvSpPr>
+              <p:cNvPr id="3" name="Notes Placeholder 2"/>
+              <p:cNvSpPr>
+                <a:spLocks noGrp="1"/>
+              </p:cNvSpPr>
+              <p:nvPr>
+                <p:ph type="body" idx="1"/>
+              </p:nvPr>
+            </p:nvSpPr>
+            <p:spPr/>
+            <p:txBody>
+              <a:bodyPr/>
+              <a:lstStyle/>
+              <a:p>
+                <a:endParaRPr lang="en-US" dirty="0"/>
+              </a:p>
+            </p:txBody>
+          </p:sp>
+        </mc:Choice>
+        <mc:Fallback xmlns="">
+          <p:sp>
+            <p:nvSpPr>
+              <p:cNvPr id="3" name="Notes Placeholder 2"/>
+              <p:cNvSpPr>
+                <a:spLocks noGrp="1"/>
+              </p:cNvSpPr>
+              <p:nvPr>
+                <p:ph type="body" idx="1"/>
+              </p:nvPr>
+            </p:nvSpPr>
+            <p:spPr/>
+            <p:txBody>
+              <a:bodyPr/>
+              <a:lstStyle/>
+              <a:p>
+                <a:r>
+                  <a:rPr lang="en-US" dirty="0" smtClean="0"/>
+                  <a:t>Gibbs prediction means to predict the label of example by picking a hypothesis h random</a:t>
+                </a:r>
+                <a:r>
+                  <a:rPr lang="en-US" baseline="0" dirty="0" smtClean="0"/>
+                  <a:t> from version space</a:t>
+                </a:r>
+              </a:p>
+              <a:p>
+                <a:r>
+                  <a:rPr lang="en-US" sz="1200" dirty="0" smtClean="0">
+                    <a:ea typeface="新細明體" pitchFamily="-106" charset="-120"/>
+                  </a:rPr>
+                  <a:t>Namely, QBC </a:t>
+                </a:r>
+                <a:r>
+                  <a:rPr lang="en-US" sz="1200" dirty="0">
+                    <a:ea typeface="新細明體" pitchFamily="-106" charset="-120"/>
+                  </a:rPr>
+                  <a:t>will reach a generalization error of</a:t>
+                </a:r>
+                <a:r>
+                  <a:rPr lang="en-US" altLang="zh-TW" sz="1200" b="0" i="0" smtClean="0">
+                    <a:latin typeface="Cambria Math"/>
+                    <a:ea typeface="新細明體" pitchFamily="-106" charset="-120"/>
+                  </a:rPr>
+                  <a:t> </a:t>
+                </a:r>
+                <a:r>
+                  <a:rPr lang="zh-TW" altLang="en-US" sz="1200" i="0">
+                    <a:latin typeface="Cambria Math"/>
+                    <a:ea typeface="新細明體" pitchFamily="-106" charset="-120"/>
+                  </a:rPr>
+                  <a:t>𝜖</a:t>
+                </a:r>
+                <a:r>
+                  <a:rPr lang="en-US" sz="1200" dirty="0" smtClean="0">
+                    <a:ea typeface="新細明體" pitchFamily="-106" charset="-120"/>
+                  </a:rPr>
+                  <a:t> </a:t>
+                </a:r>
+                <a:r>
+                  <a:rPr lang="en-US" sz="1200" dirty="0">
+                    <a:ea typeface="新細明體" pitchFamily="-106" charset="-120"/>
+                  </a:rPr>
+                  <a:t>when using only </a:t>
+                </a:r>
+                <a:r>
+                  <a:rPr lang="en-US" sz="1200" b="0" i="0" smtClean="0">
+                    <a:latin typeface="Cambria Math"/>
+                    <a:ea typeface="新細明體" pitchFamily="-106" charset="-120"/>
+                  </a:rPr>
+                  <a:t>𝑂(log⁡〖1/</a:t>
+                </a:r>
+                <a:r>
+                  <a:rPr lang="en-US" sz="1200" b="0" i="0" smtClean="0">
+                    <a:latin typeface="Cambria Math"/>
+                    <a:ea typeface="Cambria Math"/>
+                  </a:rPr>
+                  <a:t>𝛿〗</a:t>
+                </a:r>
+                <a:r>
+                  <a:rPr lang="en-US" sz="1200" b="0" i="0" smtClean="0">
+                    <a:latin typeface="Cambria Math"/>
+                    <a:ea typeface="新細明體" pitchFamily="-106" charset="-120"/>
+                  </a:rPr>
+                  <a:t>)</a:t>
+                </a:r>
+                <a:r>
+                  <a:rPr lang="en-US" sz="1200" dirty="0" smtClean="0">
+                    <a:ea typeface="新細明體" pitchFamily="-106" charset="-120"/>
+                  </a:rPr>
+                  <a:t> labels</a:t>
+                </a:r>
+                <a:endParaRPr lang="en-US" dirty="0"/>
+              </a:p>
+            </p:txBody>
+          </p:sp>
+        </mc:Fallback>
+      </mc:AlternateContent>
+      <p:sp>
+        <p:nvSpPr>
+          <p:cNvPr id="4" name="Slide Number Placeholder 3"/>
+          <p:cNvSpPr>
+            <a:spLocks noGrp="1"/>
+          </p:cNvSpPr>
+          <p:nvPr>
+            <p:ph type="sldNum" sz="quarter" idx="10"/>
+          </p:nvPr>
+        </p:nvSpPr>
+        <p:spPr/>
+        <p:txBody>
+          <a:bodyPr/>
+          <a:lstStyle/>
+          <a:p>
+            <a:fld id="{DFAA0BD4-28E6-4AA9-A380-6B49DDD43FFD}" type="slidenum">
+              <a:rPr lang="en-US" smtClean="0"/>
+              <a:pPr/>
+              <a:t>9</a:t>
+            </a:fld>
+            <a:endParaRPr lang="en-US"/>
+          </a:p>
+        </p:txBody>
+      </p:sp>
+    </p:spTree>
+    <p:extLst>
+      <p:ext uri="{BB962C8B-B14F-4D97-AF65-F5344CB8AC3E}">
+        <p14:creationId xmlns:p14="http://schemas.microsoft.com/office/powerpoint/2010/main" val="73545387"/>
+      </p:ext>
+    </p:extLst>
+  </p:cSld>
+  <p:clrMapOvr>
+    <a:masterClrMapping/>
+  </p:clrMapOvr>
+</p:notes>
+</file>
+
+<file path=ppt/notesSlides/notesSlide6.xml><?xml version="1.0" encoding="utf-8"?>
+<p:notes xmlns:a="http://schemas.openxmlformats.org/drawingml/2006/main" xmlns:r="http://schemas.openxmlformats.org/officeDocument/2006/relationships" xmlns:p="http://schemas.openxmlformats.org/presentationml/2006/main">
+  <p:cSld>
+    <p:spTree>
+      <p:nvGrpSpPr>
+        <p:cNvPr id="1" name=""/>
+        <p:cNvGrpSpPr/>
+        <p:nvPr/>
+      </p:nvGrpSpPr>
+      <p:grpSpPr>
+        <a:xfrm>
+          <a:off x="0" y="0"/>
+          <a:ext cx="0" cy="0"/>
+          <a:chOff x="0" y="0"/>
+          <a:chExt cx="0" cy="0"/>
+        </a:xfrm>
+      </p:grpSpPr>
+      <p:sp>
+        <p:nvSpPr>
+          <p:cNvPr id="2" name="Slide Image Placeholder 1"/>
+          <p:cNvSpPr>
+            <a:spLocks noGrp="1" noRot="1" noChangeAspect="1"/>
+          </p:cNvSpPr>
+          <p:nvPr>
+            <p:ph type="sldImg"/>
+          </p:nvPr>
+        </p:nvSpPr>
+        <p:spPr/>
+      </p:sp>
+      <p:sp>
+        <p:nvSpPr>
+          <p:cNvPr id="3" name="Notes Placeholder 2"/>
+          <p:cNvSpPr>
+            <a:spLocks noGrp="1"/>
+          </p:cNvSpPr>
+          <p:nvPr>
+            <p:ph type="body" idx="1"/>
+          </p:nvPr>
+        </p:nvSpPr>
+        <p:spPr/>
+        <p:txBody>
+          <a:bodyPr/>
+          <a:lstStyle/>
+          <a:p>
+            <a:r>
+              <a:rPr lang="en-US" sz="1200" b="0" i="0" u="none" strike="noStrike" kern="1200" baseline="0" dirty="0" smtClean="0">
+                <a:solidFill>
+                  <a:schemeClr val="tx1"/>
+                </a:solidFill>
+                <a:latin typeface="Arial" charset="0"/>
+                <a:ea typeface="ＭＳ Ｐゴシック" pitchFamily="-106" charset="-128"/>
+                <a:cs typeface="+mn-cs"/>
+              </a:rPr>
+              <a:t>QBC maintains a committee of hypotheses consistent with the labeled examples it has seen so far – a representation of the version space. For many real-world problems, the committee is infinite. The main obstacle in implementing QBC is the need to sample from the version space (step 2).</a:t>
+            </a:r>
+          </a:p>
+          <a:p>
+            <a:r>
+              <a:rPr lang="en-US" sz="1200" b="0" i="0" u="none" strike="noStrike" kern="1200" baseline="0" dirty="0" smtClean="0">
+                <a:solidFill>
+                  <a:schemeClr val="tx1"/>
+                </a:solidFill>
+                <a:latin typeface="Arial" charset="0"/>
+                <a:ea typeface="ＭＳ Ｐゴシック" pitchFamily="-106" charset="-128"/>
+                <a:cs typeface="+mn-cs"/>
+              </a:rPr>
+              <a:t>It is hard to do this with reasonable computational complexity in high dimension space. When there is a very large number of candidate hypotheses, explicitly representing them will not be practical.</a:t>
+            </a:r>
+            <a:endParaRPr lang="en-US" dirty="0"/>
+          </a:p>
+        </p:txBody>
+      </p:sp>
+      <p:sp>
+        <p:nvSpPr>
+          <p:cNvPr id="4" name="Slide Number Placeholder 3"/>
+          <p:cNvSpPr>
+            <a:spLocks noGrp="1"/>
+          </p:cNvSpPr>
+          <p:nvPr>
+            <p:ph type="sldNum" sz="quarter" idx="10"/>
+          </p:nvPr>
+        </p:nvSpPr>
+        <p:spPr/>
+        <p:txBody>
+          <a:bodyPr/>
+          <a:lstStyle/>
+          <a:p>
+            <a:fld id="{DFAA0BD4-28E6-4AA9-A380-6B49DDD43FFD}" type="slidenum">
+              <a:rPr lang="en-US" smtClean="0"/>
+              <a:pPr/>
+              <a:t>10</a:t>
+            </a:fld>
+            <a:endParaRPr lang="en-US"/>
+          </a:p>
+        </p:txBody>
+      </p:sp>
+    </p:spTree>
+    <p:extLst>
+      <p:ext uri="{BB962C8B-B14F-4D97-AF65-F5344CB8AC3E}">
+        <p14:creationId xmlns:p14="http://schemas.microsoft.com/office/powerpoint/2010/main" val="324361186"/>
+      </p:ext>
+    </p:extLst>
+  </p:cSld>
+  <p:clrMapOvr>
+    <a:masterClrMapping/>
+  </p:clrMapOvr>
+</p:notes>
+</file>
+
+<file path=ppt/notesSlides/notesSlide7.xml><?xml version="1.0" encoding="utf-8"?>
 <p:notes xmlns:a="http://schemas.openxmlformats.org/drawingml/2006/main" xmlns:r="http://schemas.openxmlformats.org/officeDocument/2006/relationships" xmlns:p="http://schemas.openxmlformats.org/presentationml/2006/main">
   <p:cSld>
     <p:spTree>
@@ -1561,7 +2115,7 @@
                   <a:t>will reach a generalization error of</a:t>
                 </a:r>
                 <a14:m>
-                  <m:oMath xmlns="" xmlns:m="http://schemas.openxmlformats.org/officeDocument/2006/math">
+                  <m:oMath xmlns:m="http://schemas.openxmlformats.org/officeDocument/2006/math">
                     <m:r>
                       <a:rPr lang="en-US" altLang="zh-TW" sz="1200" b="0" i="0" smtClean="0">
                         <a:latin typeface="Cambria Math"/>
@@ -1591,7 +2145,7 @@
                   <a:t>when using only </a:t>
                 </a:r>
                 <a14:m>
-                  <m:oMath xmlns="" xmlns:m="http://schemas.openxmlformats.org/officeDocument/2006/math">
+                  <m:oMath xmlns:m="http://schemas.openxmlformats.org/officeDocument/2006/math">
                     <m:r>
                       <a:rPr lang="en-US" sz="1200" b="0" i="1" smtClean="0">
                         <a:latin typeface="Cambria Math"/>
@@ -1793,7 +2347,7 @@
             <a:fld id="{DFAA0BD4-28E6-4AA9-A380-6B49DDD43FFD}" type="slidenum">
               <a:rPr lang="en-US" smtClean="0"/>
               <a:pPr/>
-              <a:t>8</a:t>
+              <a:t>14</a:t>
             </a:fld>
             <a:endParaRPr lang="en-US"/>
           </a:p>
@@ -1812,116 +2366,7 @@
 </p:notes>
 </file>
 
-<file path=ppt/notesSlides/notesSlide5.xml><?xml version="1.0" encoding="utf-8"?>
-<p:notes xmlns:a="http://schemas.openxmlformats.org/drawingml/2006/main" xmlns:r="http://schemas.openxmlformats.org/officeDocument/2006/relationships" xmlns:p="http://schemas.openxmlformats.org/presentationml/2006/main">
-  <p:cSld>
-    <p:spTree>
-      <p:nvGrpSpPr>
-        <p:cNvPr id="1" name=""/>
-        <p:cNvGrpSpPr/>
-        <p:nvPr/>
-      </p:nvGrpSpPr>
-      <p:grpSpPr>
-        <a:xfrm>
-          <a:off x="0" y="0"/>
-          <a:ext cx="0" cy="0"/>
-          <a:chOff x="0" y="0"/>
-          <a:chExt cx="0" cy="0"/>
-        </a:xfrm>
-      </p:grpSpPr>
-      <p:sp>
-        <p:nvSpPr>
-          <p:cNvPr id="2" name="Slide Image Placeholder 1"/>
-          <p:cNvSpPr>
-            <a:spLocks noGrp="1" noRot="1" noChangeAspect="1"/>
-          </p:cNvSpPr>
-          <p:nvPr>
-            <p:ph type="sldImg"/>
-          </p:nvPr>
-        </p:nvSpPr>
-        <p:spPr/>
-      </p:sp>
-      <p:sp>
-        <p:nvSpPr>
-          <p:cNvPr id="3" name="Notes Placeholder 2"/>
-          <p:cNvSpPr>
-            <a:spLocks noGrp="1"/>
-          </p:cNvSpPr>
-          <p:nvPr>
-            <p:ph type="body" idx="1"/>
-          </p:nvPr>
-        </p:nvSpPr>
-        <p:spPr/>
-        <p:txBody>
-          <a:bodyPr/>
-          <a:lstStyle/>
-          <a:p>
-            <a:r>
-              <a:rPr lang="en-US" sz="1200" b="0" i="0" u="none" strike="noStrike" kern="1200" baseline="0" dirty="0" smtClean="0">
-                <a:solidFill>
-                  <a:schemeClr val="tx1"/>
-                </a:solidFill>
-                <a:latin typeface="Arial" charset="0"/>
-                <a:ea typeface="ＭＳ Ｐゴシック" pitchFamily="-106" charset="-128"/>
-                <a:cs typeface="+mn-cs"/>
-              </a:rPr>
-              <a:t>QBC maintains a committee of hypotheses consistent with the labeled examples it has seen so far – a representation of the version space. For many real-world problems, the committee is infinite. The main obstacle in implementing QBC is the need to sample from the version space (step 2).</a:t>
-            </a:r>
-          </a:p>
-          <a:p>
-            <a:r>
-              <a:rPr lang="en-US" sz="1200" b="0" i="0" u="none" strike="noStrike" kern="1200" baseline="0" dirty="0" smtClean="0">
-                <a:solidFill>
-                  <a:schemeClr val="tx1"/>
-                </a:solidFill>
-                <a:latin typeface="Arial" charset="0"/>
-                <a:ea typeface="ＭＳ Ｐゴシック" pitchFamily="-106" charset="-128"/>
-                <a:cs typeface="+mn-cs"/>
-              </a:rPr>
-              <a:t>It is hard to do this with reasonable computational complexity in high dimension space. When there is a very large number of candidate hypotheses, explicitly representing them will not be practical.</a:t>
-            </a:r>
-            <a:endParaRPr lang="en-US" dirty="0"/>
-          </a:p>
-        </p:txBody>
-      </p:sp>
-      <p:sp>
-        <p:nvSpPr>
-          <p:cNvPr id="4" name="Slide Number Placeholder 3"/>
-          <p:cNvSpPr>
-            <a:spLocks noGrp="1"/>
-          </p:cNvSpPr>
-          <p:nvPr>
-            <p:ph type="sldNum" sz="quarter" idx="10"/>
-          </p:nvPr>
-        </p:nvSpPr>
-        <p:spPr/>
-        <p:txBody>
-          <a:bodyPr/>
-          <a:lstStyle/>
-          <a:p>
-            <a:fld id="{DFAA0BD4-28E6-4AA9-A380-6B49DDD43FFD}" type="slidenum">
-              <a:rPr lang="en-US" smtClean="0"/>
-              <a:pPr/>
-              <a:t>9</a:t>
-            </a:fld>
-            <a:endParaRPr lang="en-US"/>
-          </a:p>
-        </p:txBody>
-      </p:sp>
-    </p:spTree>
-    <p:extLst>
-      <p:ext uri="{BB962C8B-B14F-4D97-AF65-F5344CB8AC3E}">
-        <p14:creationId xmlns:p14="http://schemas.microsoft.com/office/powerpoint/2010/main" val="324361186"/>
-      </p:ext>
-    </p:extLst>
-  </p:cSld>
-  <p:clrMapOvr>
-    <a:masterClrMapping/>
-  </p:clrMapOvr>
-</p:notes>
-</file>
-
-<file path=ppt/notesSlides/notesSlide6.xml><?xml version="1.0" encoding="utf-8"?>
+<file path=ppt/notesSlides/notesSlide8.xml><?xml version="1.0" encoding="utf-8"?>
 <p:notes xmlns:a="http://schemas.openxmlformats.org/drawingml/2006/main" xmlns:r="http://schemas.openxmlformats.org/officeDocument/2006/relationships" xmlns:p="http://schemas.openxmlformats.org/presentationml/2006/main">
   <p:cSld>
     <p:spTree>
@@ -1990,7 +2435,7 @@
                   <a:t>will reach a generalization error of</a:t>
                 </a:r>
                 <a14:m>
-                  <m:oMath xmlns:m="http://schemas.openxmlformats.org/officeDocument/2006/math" xmlns="">
+                  <m:oMath xmlns:m="http://schemas.openxmlformats.org/officeDocument/2006/math">
                     <m:r>
                       <a:rPr lang="en-US" altLang="zh-TW" sz="1200" b="0" i="0" smtClean="0">
                         <a:latin typeface="Cambria Math"/>
@@ -2020,7 +2465,7 @@
                   <a:t>when using only </a:t>
                 </a:r>
                 <a14:m>
-                  <m:oMath xmlns:m="http://schemas.openxmlformats.org/officeDocument/2006/math" xmlns="">
+                  <m:oMath xmlns:m="http://schemas.openxmlformats.org/officeDocument/2006/math">
                     <m:r>
                       <a:rPr lang="en-US" sz="1200" b="0" i="1" smtClean="0">
                         <a:latin typeface="Cambria Math"/>
@@ -2222,7 +2667,7 @@
             <a:fld id="{DFAA0BD4-28E6-4AA9-A380-6B49DDD43FFD}" type="slidenum">
               <a:rPr lang="en-US" smtClean="0"/>
               <a:pPr/>
-              <a:t>13</a:t>
+              <a:t>15</a:t>
             </a:fld>
             <a:endParaRPr lang="en-US"/>
           </a:p>
@@ -2241,7 +2686,7 @@
 </p:notes>
 </file>
 
-<file path=ppt/notesSlides/notesSlide7.xml><?xml version="1.0" encoding="utf-8"?>
+<file path=ppt/notesSlides/notesSlide9.xml><?xml version="1.0" encoding="utf-8"?>
 <p:notes xmlns:a="http://schemas.openxmlformats.org/drawingml/2006/main" xmlns:r="http://schemas.openxmlformats.org/officeDocument/2006/relationships" xmlns:p="http://schemas.openxmlformats.org/presentationml/2006/main">
   <p:cSld>
     <p:spTree>
@@ -2270,260 +2715,29 @@
         </p:nvSpPr>
         <p:spPr/>
       </p:sp>
-      <mc:AlternateContent xmlns:mc="http://schemas.openxmlformats.org/markup-compatibility/2006" xmlns:a14="http://schemas.microsoft.com/office/drawing/2010/main">
-        <mc:Choice Requires="a14">
-          <p:sp>
-            <p:nvSpPr>
-              <p:cNvPr id="3" name="Notes Placeholder 2"/>
-              <p:cNvSpPr>
-                <a:spLocks noGrp="1"/>
-              </p:cNvSpPr>
-              <p:nvPr>
-                <p:ph type="body" idx="1"/>
-              </p:nvPr>
-            </p:nvSpPr>
-            <p:spPr/>
-            <p:txBody>
-              <a:bodyPr/>
-              <a:lstStyle/>
-              <a:p>
-                <a:r>
-                  <a:rPr lang="en-US" dirty="0" smtClean="0"/>
-                  <a:t>Gibbs prediction means to predict the label of example by picking a hypothesis h random</a:t>
-                </a:r>
-                <a:r>
-                  <a:rPr lang="en-US" baseline="0" dirty="0" smtClean="0"/>
-                  <a:t> from version space</a:t>
-                </a:r>
-              </a:p>
-              <a:p>
-                <a:r>
-                  <a:rPr lang="en-US" sz="1200" dirty="0" smtClean="0">
-                    <a:ea typeface="新細明體" pitchFamily="-106" charset="-120"/>
-                  </a:rPr>
-                  <a:t>Namely, QBC </a:t>
-                </a:r>
-                <a:r>
-                  <a:rPr lang="en-US" sz="1200" dirty="0">
-                    <a:ea typeface="新細明體" pitchFamily="-106" charset="-120"/>
-                  </a:rPr>
-                  <a:t>will reach a generalization error of</a:t>
-                </a:r>
-                <a14:m>
-                  <m:oMath xmlns:m="http://schemas.openxmlformats.org/officeDocument/2006/math" xmlns="">
-                    <m:r>
-                      <a:rPr lang="en-US" altLang="zh-TW" sz="1200" b="0" i="0" smtClean="0">
-                        <a:latin typeface="Cambria Math"/>
-                        <a:ea typeface="新細明體" pitchFamily="-106" charset="-120"/>
-                      </a:rPr>
-                      <m:t> </m:t>
-                    </m:r>
-                    <m:r>
-                      <a:rPr lang="zh-TW" altLang="en-US" sz="1200" i="1">
-                        <a:latin typeface="Cambria Math"/>
-                        <a:ea typeface="新細明體" pitchFamily="-106" charset="-120"/>
-                      </a:rPr>
-                      <m:t>𝜖</m:t>
-                    </m:r>
-                  </m:oMath>
-                </a14:m>
-                <a:r>
-                  <a:rPr lang="en-US" sz="1200" dirty="0" smtClean="0">
-                    <a:ea typeface="新細明體" pitchFamily="-106" charset="-120"/>
-                  </a:rPr>
-                  <a:t> </a:t>
-                </a:r>
-                <a:r>
-                  <a:rPr lang="en-US" sz="1200" dirty="0">
-                    <a:ea typeface="新細明體" pitchFamily="-106" charset="-120"/>
-                  </a:rPr>
-                  <a:t>when using only </a:t>
-                </a:r>
-                <a14:m>
-                  <m:oMath xmlns:m="http://schemas.openxmlformats.org/officeDocument/2006/math" xmlns="">
-                    <m:r>
-                      <a:rPr lang="en-US" sz="1200" b="0" i="1" smtClean="0">
-                        <a:latin typeface="Cambria Math"/>
-                        <a:ea typeface="新細明體" pitchFamily="-106" charset="-120"/>
-                      </a:rPr>
-                      <m:t>𝑂</m:t>
-                    </m:r>
-                    <m:r>
-                      <a:rPr lang="en-US" sz="1200" b="0" i="1" smtClean="0">
-                        <a:latin typeface="Cambria Math"/>
-                        <a:ea typeface="新細明體" pitchFamily="-106" charset="-120"/>
-                      </a:rPr>
-                      <m:t>(</m:t>
-                    </m:r>
-                    <m:func>
-                      <m:funcPr>
-                        <m:ctrlPr>
-                          <a:rPr lang="en-US" sz="1200" b="0" i="1" smtClean="0">
-                            <a:latin typeface="Cambria Math"/>
-                            <a:ea typeface="新細明體" pitchFamily="-106" charset="-120"/>
-                          </a:rPr>
-                        </m:ctrlPr>
-                      </m:funcPr>
-                      <m:fName>
-                        <m:r>
-                          <m:rPr>
-                            <m:sty m:val="p"/>
-                          </m:rPr>
-                          <a:rPr lang="en-US" sz="1200" b="0" i="0" smtClean="0">
-                            <a:latin typeface="Cambria Math"/>
-                            <a:ea typeface="新細明體" pitchFamily="-106" charset="-120"/>
-                          </a:rPr>
-                          <m:t>log</m:t>
-                        </m:r>
-                      </m:fName>
-                      <m:e>
-                        <m:f>
-                          <m:fPr>
-                            <m:ctrlPr>
-                              <a:rPr lang="en-US" sz="1200" b="0" i="1" smtClean="0">
-                                <a:latin typeface="Cambria Math"/>
-                                <a:ea typeface="新細明體" pitchFamily="-106" charset="-120"/>
-                              </a:rPr>
-                            </m:ctrlPr>
-                          </m:fPr>
-                          <m:num>
-                            <m:r>
-                              <a:rPr lang="en-US" sz="1200" b="0" i="1" smtClean="0">
-                                <a:latin typeface="Cambria Math"/>
-                                <a:ea typeface="新細明體" pitchFamily="-106" charset="-120"/>
-                              </a:rPr>
-                              <m:t>1</m:t>
-                            </m:r>
-                          </m:num>
-                          <m:den>
-                            <m:r>
-                              <a:rPr lang="en-US" sz="1200" b="0" i="1" smtClean="0">
-                                <a:latin typeface="Cambria Math"/>
-                                <a:ea typeface="Cambria Math"/>
-                              </a:rPr>
-                              <m:t>∈</m:t>
-                            </m:r>
-                          </m:den>
-                        </m:f>
-                      </m:e>
-                    </m:func>
-                    <m:r>
-                      <a:rPr lang="en-US" sz="1200" b="0" i="1" smtClean="0">
-                        <a:latin typeface="Cambria Math"/>
-                        <a:ea typeface="新細明體" pitchFamily="-106" charset="-120"/>
-                      </a:rPr>
-                      <m:t>)</m:t>
-                    </m:r>
-                  </m:oMath>
-                </a14:m>
-                <a:r>
-                  <a:rPr lang="en-US" sz="1200" dirty="0" smtClean="0">
-                    <a:ea typeface="新細明體" pitchFamily="-106" charset="-120"/>
-                  </a:rPr>
-                  <a:t> labels</a:t>
-                </a:r>
-                <a:endParaRPr lang="en-US" dirty="0"/>
-              </a:p>
-            </p:txBody>
-          </p:sp>
-        </mc:Choice>
-        <mc:Fallback xmlns="">
-          <p:sp>
-            <p:nvSpPr>
-              <p:cNvPr id="3" name="Notes Placeholder 2"/>
-              <p:cNvSpPr>
-                <a:spLocks noGrp="1"/>
-              </p:cNvSpPr>
-              <p:nvPr>
-                <p:ph type="body" idx="1"/>
-              </p:nvPr>
-            </p:nvSpPr>
-            <p:spPr/>
-            <p:txBody>
-              <a:bodyPr/>
-              <a:lstStyle/>
-              <a:p>
-                <a:r>
-                  <a:rPr lang="en-US" dirty="0" smtClean="0"/>
-                  <a:t>Gibbs prediction means to predict the label of example by picking a hypothesis h random</a:t>
-                </a:r>
-                <a:r>
-                  <a:rPr lang="en-US" baseline="0" dirty="0" smtClean="0"/>
-                  <a:t> from version space</a:t>
-                </a:r>
-              </a:p>
-              <a:p>
-                <a:r>
-                  <a:rPr lang="en-US" sz="1200" dirty="0" smtClean="0">
-                    <a:ea typeface="新細明體" pitchFamily="-106" charset="-120"/>
-                  </a:rPr>
-                  <a:t>Namely, QBC </a:t>
-                </a:r>
-                <a:r>
-                  <a:rPr lang="en-US" sz="1200" dirty="0">
-                    <a:ea typeface="新細明體" pitchFamily="-106" charset="-120"/>
-                  </a:rPr>
-                  <a:t>will reach a generalization error of</a:t>
-                </a:r>
-                <a:r>
-                  <a:rPr lang="en-US" altLang="zh-TW" sz="1200" b="0" i="0" smtClean="0">
-                    <a:latin typeface="Cambria Math"/>
-                    <a:ea typeface="新細明體" pitchFamily="-106" charset="-120"/>
-                  </a:rPr>
-                  <a:t> </a:t>
-                </a:r>
-                <a:r>
-                  <a:rPr lang="zh-TW" altLang="en-US" sz="1200" i="0">
-                    <a:latin typeface="Cambria Math"/>
-                    <a:ea typeface="新細明體" pitchFamily="-106" charset="-120"/>
-                  </a:rPr>
-                  <a:t>𝜖</a:t>
-                </a:r>
-                <a:r>
-                  <a:rPr lang="en-US" sz="1200" dirty="0" smtClean="0">
-                    <a:ea typeface="新細明體" pitchFamily="-106" charset="-120"/>
-                  </a:rPr>
-                  <a:t> </a:t>
-                </a:r>
-                <a:r>
-                  <a:rPr lang="en-US" sz="1200" dirty="0">
-                    <a:ea typeface="新細明體" pitchFamily="-106" charset="-120"/>
-                  </a:rPr>
-                  <a:t>when using only </a:t>
-                </a:r>
-                <a:r>
-                  <a:rPr lang="en-US" sz="1200" b="0" i="0" smtClean="0">
-                    <a:latin typeface="Cambria Math"/>
-                    <a:ea typeface="新細明體" pitchFamily="-106" charset="-120"/>
-                  </a:rPr>
-                  <a:t>𝑂(log⁡〖1/</a:t>
-                </a:r>
-                <a:r>
-                  <a:rPr lang="en-US" sz="1200" b="0" i="0" smtClean="0">
-                    <a:latin typeface="Cambria Math"/>
-                    <a:ea typeface="Cambria Math"/>
-                  </a:rPr>
-                  <a:t>𝛿〗</a:t>
-                </a:r>
-                <a:r>
-                  <a:rPr lang="en-US" sz="1200" b="0" i="0" smtClean="0">
-                    <a:latin typeface="Cambria Math"/>
-                    <a:ea typeface="新細明體" pitchFamily="-106" charset="-120"/>
-                  </a:rPr>
-                  <a:t>)</a:t>
-                </a:r>
-                <a:r>
-                  <a:rPr lang="en-US" sz="1200" dirty="0" smtClean="0">
-                    <a:ea typeface="新細明體" pitchFamily="-106" charset="-120"/>
-                  </a:rPr>
-                  <a:t> labels</a:t>
-                </a:r>
-                <a:endParaRPr lang="en-US" dirty="0"/>
-              </a:p>
-            </p:txBody>
-          </p:sp>
-        </mc:Fallback>
-      </mc:AlternateContent>
+      <p:sp>
+        <p:nvSpPr>
+          <p:cNvPr id="3" name="Notes Placeholder 2"/>
+          <p:cNvSpPr>
+            <a:spLocks noGrp="1"/>
+          </p:cNvSpPr>
+          <p:nvPr>
+            <p:ph type="body" idx="1"/>
+          </p:nvPr>
+        </p:nvSpPr>
+        <p:spPr/>
+        <p:txBody>
+          <a:bodyPr/>
+          <a:lstStyle/>
+          <a:p>
+            <a:r>
+              <a:rPr lang="en-US" dirty="0" smtClean="0"/>
+              <a:t>Distribution of H is used to help bound the error of Gibbs Sampling</a:t>
+            </a:r>
+            <a:endParaRPr lang="en-US" dirty="0"/>
+          </a:p>
+        </p:txBody>
+      </p:sp>
       <p:sp>
         <p:nvSpPr>
           <p:cNvPr id="4" name="Slide Number Placeholder 3"/>
@@ -2542,7 +2756,7 @@
             <a:fld id="{DFAA0BD4-28E6-4AA9-A380-6B49DDD43FFD}" type="slidenum">
               <a:rPr lang="en-US" smtClean="0"/>
               <a:pPr/>
-              <a:t>14</a:t>
+              <a:t>16</a:t>
             </a:fld>
             <a:endParaRPr lang="en-US"/>
           </a:p>
@@ -2551,7 +2765,7 @@
     </p:spTree>
     <p:extLst>
       <p:ext uri="{BB962C8B-B14F-4D97-AF65-F5344CB8AC3E}">
-        <p14:creationId xmlns:p14="http://schemas.microsoft.com/office/powerpoint/2010/main" val="73545387"/>
+        <p14:creationId xmlns:p14="http://schemas.microsoft.com/office/powerpoint/2010/main" val="3330216012"/>
       </p:ext>
     </p:extLst>
   </p:cSld>
@@ -2767,7 +2981,7 @@
             <a:fld id="{1D877136-09BD-42A7-BD55-FAEE866D8038}" type="datetime1">
               <a:rPr lang="en-US"/>
               <a:pPr/>
-              <a:t>11/30/11</a:t>
+              <a:t>11/30/2011</a:t>
             </a:fld>
             <a:endParaRPr lang="en-US"/>
           </a:p>
@@ -2964,7 +3178,7 @@
             <a:fld id="{5D533678-414D-4A37-B058-1C5382BE48CC}" type="datetime1">
               <a:rPr lang="en-US"/>
               <a:pPr/>
-              <a:t>11/30/11</a:t>
+              <a:t>11/30/2011</a:t>
             </a:fld>
             <a:endParaRPr lang="en-US"/>
           </a:p>
@@ -3170,7 +3384,7 @@
             <a:fld id="{397142AC-DCDB-4038-8B72-EFAF17E95763}" type="datetime1">
               <a:rPr lang="en-US"/>
               <a:pPr/>
-              <a:t>11/30/11</a:t>
+              <a:t>11/30/2011</a:t>
             </a:fld>
             <a:endParaRPr lang="en-US"/>
           </a:p>
@@ -3547,7 +3761,7 @@
             <a:fld id="{3FA21BFF-F3AD-4524-BC0D-644D41C25A37}" type="datetime1">
               <a:rPr lang="en-US"/>
               <a:pPr/>
-              <a:t>11/30/11</a:t>
+              <a:t>11/30/2011</a:t>
             </a:fld>
             <a:endParaRPr lang="en-US"/>
           </a:p>
@@ -3867,7 +4081,7 @@
             <a:fld id="{4C9CE6A4-7A2F-49B6-9BFD-A0D0130AD4AA}" type="datetime1">
               <a:rPr lang="en-US"/>
               <a:pPr/>
-              <a:t>11/30/11</a:t>
+              <a:t>11/30/2011</a:t>
             </a:fld>
             <a:endParaRPr lang="en-US"/>
           </a:p>
@@ -4130,7 +4344,7 @@
             <a:fld id="{87E55CE8-395B-4FC8-887F-58966868E366}" type="datetime1">
               <a:rPr lang="en-US"/>
               <a:pPr/>
-              <a:t>11/30/11</a:t>
+              <a:t>11/30/2011</a:t>
             </a:fld>
             <a:endParaRPr lang="en-US"/>
           </a:p>
@@ -4450,7 +4664,7 @@
             <a:fld id="{82CBDEA8-5042-47DF-8252-9BC329ED4AEE}" type="datetime1">
               <a:rPr lang="en-US"/>
               <a:pPr/>
-              <a:t>11/30/11</a:t>
+              <a:t>11/30/2011</a:t>
             </a:fld>
             <a:endParaRPr lang="en-US"/>
           </a:p>
@@ -4646,7 +4860,7 @@
             <a:fld id="{7E7974EE-B68F-4DD2-AB56-A69D47976A66}" type="datetime1">
               <a:rPr lang="en-US"/>
               <a:pPr/>
-              <a:t>11/30/11</a:t>
+              <a:t>11/30/2011</a:t>
             </a:fld>
             <a:endParaRPr lang="en-US"/>
           </a:p>
@@ -4864,7 +5078,7 @@
             <a:fld id="{7ED585EB-EFAB-4A49-8EDC-31F3C1C9C862}" type="datetime1">
               <a:rPr lang="en-US"/>
               <a:pPr/>
-              <a:t>11/30/11</a:t>
+              <a:t>11/30/2011</a:t>
             </a:fld>
             <a:endParaRPr lang="en-US"/>
           </a:p>
@@ -5178,7 +5392,7 @@
             <a:fld id="{2D56E1A5-B230-4B7D-A202-8D37E722DD9C}" type="datetime1">
               <a:rPr lang="en-US"/>
               <a:pPr/>
-              <a:t>11/30/11</a:t>
+              <a:t>11/30/2011</a:t>
             </a:fld>
             <a:endParaRPr lang="en-US"/>
           </a:p>
@@ -5631,7 +5845,7 @@
             <a:fld id="{C4871E49-5E8F-4D0B-864D-31780362091F}" type="datetime1">
               <a:rPr lang="en-US"/>
               <a:pPr/>
-              <a:t>11/30/11</a:t>
+              <a:t>11/30/2011</a:t>
             </a:fld>
             <a:endParaRPr lang="en-US"/>
           </a:p>
@@ -5775,7 +5989,7 @@
             <a:fld id="{F2852797-1293-4981-8226-3D2D8AFDC94B}" type="datetime1">
               <a:rPr lang="en-US"/>
               <a:pPr/>
-              <a:t>11/30/11</a:t>
+              <a:t>11/30/2011</a:t>
             </a:fld>
             <a:endParaRPr lang="en-US"/>
           </a:p>
@@ -5896,7 +6110,7 @@
             <a:fld id="{1553C2C0-8EB7-45A2-BD78-85B06E844851}" type="datetime1">
               <a:rPr lang="en-US"/>
               <a:pPr/>
-              <a:t>11/30/11</a:t>
+              <a:t>11/30/2011</a:t>
             </a:fld>
             <a:endParaRPr lang="en-US"/>
           </a:p>
@@ -6199,7 +6413,7 @@
             <a:fld id="{48084496-27D4-46DF-A34B-C191FE530B09}" type="datetime1">
               <a:rPr lang="en-US"/>
               <a:pPr/>
-              <a:t>11/30/11</a:t>
+              <a:t>11/30/2011</a:t>
             </a:fld>
             <a:endParaRPr lang="en-US"/>
           </a:p>
@@ -6479,7 +6693,7 @@
             <a:fld id="{DFD3CAE7-299B-4EB0-8A44-D3A7371EA6BC}" type="datetime1">
               <a:rPr lang="en-US"/>
               <a:pPr/>
-              <a:t>11/30/11</a:t>
+              <a:t>11/30/2011</a:t>
             </a:fld>
             <a:endParaRPr lang="en-US"/>
           </a:p>
@@ -6607,14 +6821,14 @@
             <a:noFill/>
           </a:ln>
           <a:extLst>
-            <a:ext uri="{909E8E84-426E-40dd-AFC4-6F175D3DCCD1}">
+            <a:ext uri="{909E8E84-426E-40DD-AFC4-6F175D3DCCD1}">
               <a14:hiddenFill xmlns:a14="http://schemas.microsoft.com/office/drawing/2010/main">
                 <a:solidFill>
                   <a:srgbClr val="FFFFFF"/>
                 </a:solidFill>
               </a14:hiddenFill>
             </a:ext>
-            <a:ext uri="{91240B29-F687-4f45-9708-019B960494DF}">
+            <a:ext uri="{91240B29-F687-4F45-9708-019B960494DF}">
               <a14:hiddenLine xmlns:a14="http://schemas.microsoft.com/office/drawing/2010/main" w="9525">
                 <a:solidFill>
                   <a:srgbClr val="000000"/>
@@ -6665,14 +6879,14 @@
             <a:noFill/>
           </a:ln>
           <a:extLst>
-            <a:ext uri="{909E8E84-426E-40dd-AFC4-6F175D3DCCD1}">
+            <a:ext uri="{909E8E84-426E-40DD-AFC4-6F175D3DCCD1}">
               <a14:hiddenFill xmlns:a14="http://schemas.microsoft.com/office/drawing/2010/main">
                 <a:solidFill>
                   <a:srgbClr val="FFFFFF"/>
                 </a:solidFill>
               </a14:hiddenFill>
             </a:ext>
-            <a:ext uri="{91240B29-F687-4f45-9708-019B960494DF}">
+            <a:ext uri="{91240B29-F687-4F45-9708-019B960494DF}">
               <a14:hiddenLine xmlns:a14="http://schemas.microsoft.com/office/drawing/2010/main" w="9525">
                 <a:solidFill>
                   <a:srgbClr val="000000"/>
@@ -6772,7 +6986,7 @@
             <a:fld id="{3CF3EC0B-A545-4EF2-BA77-EC7DF0406A33}" type="datetime1">
               <a:rPr lang="en-US"/>
               <a:pPr/>
-              <a:t>11/30/11</a:t>
+              <a:t>11/30/2011</a:t>
             </a:fld>
             <a:endParaRPr lang="en-US"/>
           </a:p>
@@ -7006,7 +7220,7 @@
   <p:timing>
     <p:tnLst>
       <p:par>
-        <p:cTn xmlns:p14="http://schemas.microsoft.com/office/powerpoint/2010/main" id="1" dur="indefinite" restart="never" nodeType="tmRoot"/>
+        <p:cTn id="1" dur="indefinite" restart="never" nodeType="tmRoot"/>
       </p:par>
     </p:tnLst>
   </p:timing>
@@ -7464,14 +7678,14 @@
           <a:noFill/>
           <a:ln/>
           <a:extLst>
-            <a:ext uri="{909E8E84-426E-40dd-AFC4-6F175D3DCCD1}">
+            <a:ext uri="{909E8E84-426E-40DD-AFC4-6F175D3DCCD1}">
               <a14:hiddenFill xmlns:a14="http://schemas.microsoft.com/office/drawing/2010/main">
                 <a:solidFill>
                   <a:srgbClr val="FFFFFF"/>
                 </a:solidFill>
               </a14:hiddenFill>
             </a:ext>
-            <a:ext uri="{91240B29-F687-4f45-9708-019B960494DF}">
+            <a:ext uri="{91240B29-F687-4F45-9708-019B960494DF}">
               <a14:hiddenLine xmlns:a14="http://schemas.microsoft.com/office/drawing/2010/main" w="9525">
                 <a:solidFill>
                   <a:srgbClr val="000000"/>
@@ -7734,11 +7948,11 @@
   <p:clrMapOvr>
     <a:masterClrMapping/>
   </p:clrMapOvr>
-  <p:transition xmlns:p14="http://schemas.microsoft.com/office/powerpoint/2010/main"/>
+  <p:transition/>
   <p:timing>
     <p:tnLst>
       <p:par>
-        <p:cTn xmlns:p14="http://schemas.microsoft.com/office/powerpoint/2010/main" id="1" dur="indefinite" restart="never" nodeType="tmRoot"/>
+        <p:cTn id="1" dur="indefinite" restart="never" nodeType="tmRoot"/>
       </p:par>
     </p:tnLst>
   </p:timing>
@@ -7746,6 +7960,640 @@
 </file>
 
 <file path=ppt/slides/slide10.xml><?xml version="1.0" encoding="utf-8"?>
+<p:sld xmlns:a="http://schemas.openxmlformats.org/drawingml/2006/main" xmlns:r="http://schemas.openxmlformats.org/officeDocument/2006/relationships" xmlns:p="http://schemas.openxmlformats.org/presentationml/2006/main">
+  <p:cSld>
+    <p:spTree>
+      <p:nvGrpSpPr>
+        <p:cNvPr id="1" name=""/>
+        <p:cNvGrpSpPr/>
+        <p:nvPr/>
+      </p:nvGrpSpPr>
+      <p:grpSpPr>
+        <a:xfrm>
+          <a:off x="0" y="0"/>
+          <a:ext cx="0" cy="0"/>
+          <a:chOff x="0" y="0"/>
+          <a:chExt cx="0" cy="0"/>
+        </a:xfrm>
+      </p:grpSpPr>
+      <p:sp>
+        <p:nvSpPr>
+          <p:cNvPr id="47106" name="Slide Number Placeholder 5"/>
+          <p:cNvSpPr>
+            <a:spLocks noGrp="1"/>
+          </p:cNvSpPr>
+          <p:nvPr>
+            <p:ph type="sldNum" sz="quarter" idx="12"/>
+          </p:nvPr>
+        </p:nvSpPr>
+        <p:spPr>
+          <a:noFill/>
+          <a:ln/>
+          <a:extLst>
+            <a:ext uri="{909E8E84-426E-40DD-AFC4-6F175D3DCCD1}">
+              <a14:hiddenFill xmlns:a14="http://schemas.microsoft.com/office/drawing/2010/main">
+                <a:solidFill>
+                  <a:srgbClr val="FFFFFF"/>
+                </a:solidFill>
+              </a14:hiddenFill>
+            </a:ext>
+            <a:ext uri="{91240B29-F687-4F45-9708-019B960494DF}">
+              <a14:hiddenLine xmlns:a14="http://schemas.microsoft.com/office/drawing/2010/main" w="9525">
+                <a:solidFill>
+                  <a:srgbClr val="000000"/>
+                </a:solidFill>
+                <a:miter lim="800000"/>
+                <a:headEnd/>
+                <a:tailEnd/>
+              </a14:hiddenLine>
+            </a:ext>
+          </a:extLst>
+        </p:spPr>
+        <p:txBody>
+          <a:bodyPr/>
+          <a:lstStyle>
+            <a:lvl1pPr eaLnBrk="0" hangingPunct="0">
+              <a:defRPr sz="2400">
+                <a:solidFill>
+                  <a:schemeClr val="tx1"/>
+                </a:solidFill>
+                <a:latin typeface="Arial" charset="0"/>
+                <a:ea typeface="ＭＳ Ｐゴシック" pitchFamily="-106" charset="-128"/>
+              </a:defRPr>
+            </a:lvl1pPr>
+            <a:lvl2pPr marL="37931725" indent="-37474525" eaLnBrk="0" hangingPunct="0">
+              <a:defRPr sz="2400">
+                <a:solidFill>
+                  <a:schemeClr val="tx1"/>
+                </a:solidFill>
+                <a:latin typeface="Arial" charset="0"/>
+                <a:ea typeface="ＭＳ Ｐゴシック" pitchFamily="-106" charset="-128"/>
+              </a:defRPr>
+            </a:lvl2pPr>
+            <a:lvl3pPr eaLnBrk="0" hangingPunct="0">
+              <a:defRPr sz="2400">
+                <a:solidFill>
+                  <a:schemeClr val="tx1"/>
+                </a:solidFill>
+                <a:latin typeface="Arial" charset="0"/>
+                <a:ea typeface="ＭＳ Ｐゴシック" pitchFamily="-106" charset="-128"/>
+              </a:defRPr>
+            </a:lvl3pPr>
+            <a:lvl4pPr eaLnBrk="0" hangingPunct="0">
+              <a:defRPr sz="2400">
+                <a:solidFill>
+                  <a:schemeClr val="tx1"/>
+                </a:solidFill>
+                <a:latin typeface="Arial" charset="0"/>
+                <a:ea typeface="ＭＳ Ｐゴシック" pitchFamily="-106" charset="-128"/>
+              </a:defRPr>
+            </a:lvl4pPr>
+            <a:lvl5pPr eaLnBrk="0" hangingPunct="0">
+              <a:defRPr sz="2400">
+                <a:solidFill>
+                  <a:schemeClr val="tx1"/>
+                </a:solidFill>
+                <a:latin typeface="Arial" charset="0"/>
+                <a:ea typeface="ＭＳ Ｐゴシック" pitchFamily="-106" charset="-128"/>
+              </a:defRPr>
+            </a:lvl5pPr>
+            <a:lvl6pPr marL="457200" eaLnBrk="0" fontAlgn="base" hangingPunct="0">
+              <a:spcBef>
+                <a:spcPct val="0"/>
+              </a:spcBef>
+              <a:spcAft>
+                <a:spcPct val="0"/>
+              </a:spcAft>
+              <a:defRPr sz="2400">
+                <a:solidFill>
+                  <a:schemeClr val="tx1"/>
+                </a:solidFill>
+                <a:latin typeface="Arial" charset="0"/>
+                <a:ea typeface="ＭＳ Ｐゴシック" pitchFamily="-106" charset="-128"/>
+              </a:defRPr>
+            </a:lvl6pPr>
+            <a:lvl7pPr marL="914400" eaLnBrk="0" fontAlgn="base" hangingPunct="0">
+              <a:spcBef>
+                <a:spcPct val="0"/>
+              </a:spcBef>
+              <a:spcAft>
+                <a:spcPct val="0"/>
+              </a:spcAft>
+              <a:defRPr sz="2400">
+                <a:solidFill>
+                  <a:schemeClr val="tx1"/>
+                </a:solidFill>
+                <a:latin typeface="Arial" charset="0"/>
+                <a:ea typeface="ＭＳ Ｐゴシック" pitchFamily="-106" charset="-128"/>
+              </a:defRPr>
+            </a:lvl7pPr>
+            <a:lvl8pPr marL="1371600" eaLnBrk="0" fontAlgn="base" hangingPunct="0">
+              <a:spcBef>
+                <a:spcPct val="0"/>
+              </a:spcBef>
+              <a:spcAft>
+                <a:spcPct val="0"/>
+              </a:spcAft>
+              <a:defRPr sz="2400">
+                <a:solidFill>
+                  <a:schemeClr val="tx1"/>
+                </a:solidFill>
+                <a:latin typeface="Arial" charset="0"/>
+                <a:ea typeface="ＭＳ Ｐゴシック" pitchFamily="-106" charset="-128"/>
+              </a:defRPr>
+            </a:lvl8pPr>
+            <a:lvl9pPr marL="1828800" eaLnBrk="0" fontAlgn="base" hangingPunct="0">
+              <a:spcBef>
+                <a:spcPct val="0"/>
+              </a:spcBef>
+              <a:spcAft>
+                <a:spcPct val="0"/>
+              </a:spcAft>
+              <a:defRPr sz="2400">
+                <a:solidFill>
+                  <a:schemeClr val="tx1"/>
+                </a:solidFill>
+                <a:latin typeface="Arial" charset="0"/>
+                <a:ea typeface="ＭＳ Ｐゴシック" pitchFamily="-106" charset="-128"/>
+              </a:defRPr>
+            </a:lvl9pPr>
+          </a:lstStyle>
+          <a:p>
+            <a:pPr eaLnBrk="1" hangingPunct="1"/>
+            <a:fld id="{AAA04654-EE4A-4EBE-BC23-CDB80A2BF4DE}" type="slidenum">
+              <a:rPr lang="en-US" sz="1200">
+                <a:latin typeface="Garamond" pitchFamily="-106" charset="0"/>
+              </a:rPr>
+              <a:pPr eaLnBrk="1" hangingPunct="1"/>
+              <a:t>10</a:t>
+            </a:fld>
+            <a:endParaRPr lang="en-US" sz="1200" dirty="0">
+              <a:latin typeface="Garamond" pitchFamily="-106" charset="0"/>
+            </a:endParaRPr>
+          </a:p>
+        </p:txBody>
+      </p:sp>
+      <p:sp>
+        <p:nvSpPr>
+          <p:cNvPr id="47107" name="Rectangle 2"/>
+          <p:cNvSpPr>
+            <a:spLocks noGrp="1" noChangeArrowheads="1"/>
+          </p:cNvSpPr>
+          <p:nvPr>
+            <p:ph type="title"/>
+          </p:nvPr>
+        </p:nvSpPr>
+        <p:spPr/>
+        <p:txBody>
+          <a:bodyPr/>
+          <a:lstStyle/>
+          <a:p>
+            <a:pPr eaLnBrk="1" hangingPunct="1"/>
+            <a:r>
+              <a:rPr lang="en-US" altLang="zh-TW" b="1" dirty="0" smtClean="0">
+                <a:latin typeface="Arial" pitchFamily="34" charset="0"/>
+                <a:ea typeface="新細明體" pitchFamily="-106" charset="-120"/>
+                <a:cs typeface="Arial" pitchFamily="34" charset="0"/>
+              </a:rPr>
+              <a:t>Query By Committee</a:t>
+            </a:r>
+            <a:endParaRPr lang="zh-TW" altLang="en-US" b="1" dirty="0" smtClean="0">
+              <a:latin typeface="Arial" pitchFamily="34" charset="0"/>
+              <a:ea typeface="新細明體" pitchFamily="-106" charset="-120"/>
+              <a:cs typeface="Arial" pitchFamily="34" charset="0"/>
+            </a:endParaRPr>
+          </a:p>
+        </p:txBody>
+      </p:sp>
+      <p:sp>
+        <p:nvSpPr>
+          <p:cNvPr id="7" name="Rectangle 3"/>
+          <p:cNvSpPr txBox="1">
+            <a:spLocks noChangeArrowheads="1"/>
+          </p:cNvSpPr>
+          <p:nvPr/>
+        </p:nvSpPr>
+        <p:spPr bwMode="auto">
+          <a:xfrm>
+            <a:off x="304800" y="1219200"/>
+            <a:ext cx="8763000" cy="4953000"/>
+          </a:xfrm>
+          <a:prstGeom prst="rect">
+            <a:avLst/>
+          </a:prstGeom>
+          <a:noFill/>
+          <a:ln>
+            <a:noFill/>
+          </a:ln>
+          <a:extLst>
+            <a:ext uri="{909E8E84-426E-40DD-AFC4-6F175D3DCCD1}">
+              <a14:hiddenFill xmlns:a14="http://schemas.microsoft.com/office/drawing/2010/main">
+                <a:solidFill>
+                  <a:srgbClr val="FFFFFF"/>
+                </a:solidFill>
+              </a14:hiddenFill>
+            </a:ext>
+            <a:ext uri="{91240B29-F687-4F45-9708-019B960494DF}">
+              <a14:hiddenLine xmlns:a14="http://schemas.microsoft.com/office/drawing/2010/main" w="9525">
+                <a:solidFill>
+                  <a:srgbClr val="000000"/>
+                </a:solidFill>
+                <a:miter lim="800000"/>
+                <a:headEnd/>
+                <a:tailEnd/>
+              </a14:hiddenLine>
+            </a:ext>
+          </a:extLst>
+        </p:spPr>
+        <p:txBody>
+          <a:bodyPr vert="horz" wrap="square" lIns="91440" tIns="45720" rIns="91440" bIns="45720" numCol="1" anchor="t" anchorCtr="0" compatLnSpc="1">
+            <a:prstTxWarp prst="textNoShape">
+              <a:avLst/>
+            </a:prstTxWarp>
+          </a:bodyPr>
+          <a:lstStyle>
+            <a:lvl1pPr marL="342900" indent="-342900" algn="l" rtl="0" eaLnBrk="0" fontAlgn="base" hangingPunct="0">
+              <a:spcBef>
+                <a:spcPct val="20000"/>
+              </a:spcBef>
+              <a:spcAft>
+                <a:spcPct val="0"/>
+              </a:spcAft>
+              <a:buClr>
+                <a:schemeClr val="accent1"/>
+              </a:buClr>
+              <a:buSzPct val="65000"/>
+              <a:buFont typeface="Wingdings" pitchFamily="-106" charset="2"/>
+              <a:buChar char="n"/>
+              <a:defRPr sz="3000">
+                <a:solidFill>
+                  <a:schemeClr val="tx1"/>
+                </a:solidFill>
+                <a:latin typeface="+mn-lt"/>
+                <a:ea typeface="ＭＳ Ｐゴシック" pitchFamily="-106" charset="-128"/>
+                <a:cs typeface="+mn-cs"/>
+              </a:defRPr>
+            </a:lvl1pPr>
+            <a:lvl2pPr marL="669925" indent="-325438" algn="l" rtl="0" eaLnBrk="0" fontAlgn="base" hangingPunct="0">
+              <a:spcBef>
+                <a:spcPct val="20000"/>
+              </a:spcBef>
+              <a:spcAft>
+                <a:spcPct val="0"/>
+              </a:spcAft>
+              <a:buClr>
+                <a:schemeClr val="accent2"/>
+              </a:buClr>
+              <a:buSzPct val="60000"/>
+              <a:buFont typeface="Wingdings" pitchFamily="-106" charset="2"/>
+              <a:buChar char="q"/>
+              <a:defRPr sz="2600">
+                <a:solidFill>
+                  <a:schemeClr val="tx1"/>
+                </a:solidFill>
+                <a:latin typeface="+mn-lt"/>
+                <a:ea typeface="ＭＳ Ｐゴシック" pitchFamily="-106" charset="-128"/>
+              </a:defRPr>
+            </a:lvl2pPr>
+            <a:lvl3pPr marL="1022350" indent="-350838" algn="l" rtl="0" eaLnBrk="0" fontAlgn="base" hangingPunct="0">
+              <a:spcBef>
+                <a:spcPct val="20000"/>
+              </a:spcBef>
+              <a:spcAft>
+                <a:spcPct val="0"/>
+              </a:spcAft>
+              <a:buClr>
+                <a:schemeClr val="accent1"/>
+              </a:buClr>
+              <a:buSzPct val="65000"/>
+              <a:buFont typeface="Wingdings" pitchFamily="-106" charset="2"/>
+              <a:buChar char="n"/>
+              <a:defRPr sz="2200">
+                <a:solidFill>
+                  <a:schemeClr val="tx1"/>
+                </a:solidFill>
+                <a:latin typeface="+mn-lt"/>
+                <a:ea typeface="ＭＳ Ｐゴシック" pitchFamily="-106" charset="-128"/>
+              </a:defRPr>
+            </a:lvl3pPr>
+            <a:lvl4pPr marL="1339850" indent="-315913" algn="l" rtl="0" eaLnBrk="0" fontAlgn="base" hangingPunct="0">
+              <a:spcBef>
+                <a:spcPct val="20000"/>
+              </a:spcBef>
+              <a:spcAft>
+                <a:spcPct val="0"/>
+              </a:spcAft>
+              <a:buClr>
+                <a:schemeClr val="accent2"/>
+              </a:buClr>
+              <a:buSzPct val="70000"/>
+              <a:buFont typeface="Wingdings" pitchFamily="-106" charset="2"/>
+              <a:buChar char="q"/>
+              <a:defRPr sz="2000">
+                <a:solidFill>
+                  <a:schemeClr val="tx1"/>
+                </a:solidFill>
+                <a:latin typeface="+mn-lt"/>
+                <a:ea typeface="ＭＳ Ｐゴシック" pitchFamily="-106" charset="-128"/>
+              </a:defRPr>
+            </a:lvl4pPr>
+            <a:lvl5pPr marL="1681163" indent="-339725" algn="l" rtl="0" eaLnBrk="0" fontAlgn="base" hangingPunct="0">
+              <a:spcBef>
+                <a:spcPct val="20000"/>
+              </a:spcBef>
+              <a:spcAft>
+                <a:spcPct val="0"/>
+              </a:spcAft>
+              <a:buClr>
+                <a:schemeClr val="accent1"/>
+              </a:buClr>
+              <a:buSzPct val="75000"/>
+              <a:buFont typeface="Wingdings" pitchFamily="-106" charset="2"/>
+              <a:buChar char="§"/>
+              <a:defRPr sz="2000">
+                <a:solidFill>
+                  <a:schemeClr val="tx1"/>
+                </a:solidFill>
+                <a:latin typeface="+mn-lt"/>
+                <a:ea typeface="ＭＳ Ｐゴシック" pitchFamily="-106" charset="-128"/>
+              </a:defRPr>
+            </a:lvl5pPr>
+            <a:lvl6pPr marL="2138363" indent="-339725" algn="l" rtl="0" fontAlgn="base">
+              <a:spcBef>
+                <a:spcPct val="20000"/>
+              </a:spcBef>
+              <a:spcAft>
+                <a:spcPct val="0"/>
+              </a:spcAft>
+              <a:buClr>
+                <a:schemeClr val="accent1"/>
+              </a:buClr>
+              <a:buSzPct val="75000"/>
+              <a:buFont typeface="Wingdings" pitchFamily="2" charset="2"/>
+              <a:buChar char="§"/>
+              <a:defRPr sz="2000">
+                <a:solidFill>
+                  <a:schemeClr val="tx1"/>
+                </a:solidFill>
+                <a:latin typeface="+mn-lt"/>
+              </a:defRPr>
+            </a:lvl6pPr>
+            <a:lvl7pPr marL="2595563" indent="-339725" algn="l" rtl="0" fontAlgn="base">
+              <a:spcBef>
+                <a:spcPct val="20000"/>
+              </a:spcBef>
+              <a:spcAft>
+                <a:spcPct val="0"/>
+              </a:spcAft>
+              <a:buClr>
+                <a:schemeClr val="accent1"/>
+              </a:buClr>
+              <a:buSzPct val="75000"/>
+              <a:buFont typeface="Wingdings" pitchFamily="2" charset="2"/>
+              <a:buChar char="§"/>
+              <a:defRPr sz="2000">
+                <a:solidFill>
+                  <a:schemeClr val="tx1"/>
+                </a:solidFill>
+                <a:latin typeface="+mn-lt"/>
+              </a:defRPr>
+            </a:lvl7pPr>
+            <a:lvl8pPr marL="3052763" indent="-339725" algn="l" rtl="0" fontAlgn="base">
+              <a:spcBef>
+                <a:spcPct val="20000"/>
+              </a:spcBef>
+              <a:spcAft>
+                <a:spcPct val="0"/>
+              </a:spcAft>
+              <a:buClr>
+                <a:schemeClr val="accent1"/>
+              </a:buClr>
+              <a:buSzPct val="75000"/>
+              <a:buFont typeface="Wingdings" pitchFamily="2" charset="2"/>
+              <a:buChar char="§"/>
+              <a:defRPr sz="2000">
+                <a:solidFill>
+                  <a:schemeClr val="tx1"/>
+                </a:solidFill>
+                <a:latin typeface="+mn-lt"/>
+              </a:defRPr>
+            </a:lvl8pPr>
+            <a:lvl9pPr marL="3509963" indent="-339725" algn="l" rtl="0" fontAlgn="base">
+              <a:spcBef>
+                <a:spcPct val="20000"/>
+              </a:spcBef>
+              <a:spcAft>
+                <a:spcPct val="0"/>
+              </a:spcAft>
+              <a:buClr>
+                <a:schemeClr val="accent1"/>
+              </a:buClr>
+              <a:buSzPct val="75000"/>
+              <a:buFont typeface="Wingdings" pitchFamily="2" charset="2"/>
+              <a:buChar char="§"/>
+              <a:defRPr sz="2000">
+                <a:solidFill>
+                  <a:schemeClr val="tx1"/>
+                </a:solidFill>
+                <a:latin typeface="+mn-lt"/>
+              </a:defRPr>
+            </a:lvl9pPr>
+          </a:lstStyle>
+          <a:p>
+            <a:pPr>
+              <a:spcBef>
+                <a:spcPts val="600"/>
+              </a:spcBef>
+              <a:spcAft>
+                <a:spcPts val="600"/>
+              </a:spcAft>
+            </a:pPr>
+            <a:r>
+              <a:rPr lang="en-US" sz="2400" dirty="0" smtClean="0">
+                <a:latin typeface="Arial" charset="0"/>
+              </a:rPr>
+              <a:t>For </a:t>
+            </a:r>
+            <a:r>
+              <a:rPr lang="en-US" sz="2400" dirty="0">
+                <a:latin typeface="Arial" charset="0"/>
+              </a:rPr>
+              <a:t>many real-world problems, the committee is infinite. </a:t>
+            </a:r>
+            <a:endParaRPr lang="en-US" sz="2400" dirty="0" smtClean="0">
+              <a:latin typeface="Arial" charset="0"/>
+            </a:endParaRPr>
+          </a:p>
+          <a:p>
+            <a:pPr>
+              <a:spcBef>
+                <a:spcPts val="600"/>
+              </a:spcBef>
+              <a:spcAft>
+                <a:spcPts val="600"/>
+              </a:spcAft>
+            </a:pPr>
+            <a:r>
+              <a:rPr lang="en-US" sz="2400" dirty="0" smtClean="0">
+                <a:latin typeface="Arial" charset="0"/>
+              </a:rPr>
+              <a:t>The </a:t>
+            </a:r>
+            <a:r>
+              <a:rPr lang="en-US" sz="2400" dirty="0">
+                <a:latin typeface="Arial" charset="0"/>
+              </a:rPr>
+              <a:t>main obstacle in implementing QBC is </a:t>
+            </a:r>
+            <a:r>
+              <a:rPr lang="en-US" sz="2400" dirty="0" smtClean="0">
+                <a:latin typeface="Arial" charset="0"/>
+              </a:rPr>
+              <a:t>to </a:t>
+            </a:r>
+            <a:r>
+              <a:rPr lang="en-US" sz="2400" dirty="0">
+                <a:latin typeface="Arial" charset="0"/>
+              </a:rPr>
+              <a:t>sample from the version space </a:t>
+            </a:r>
+            <a:r>
+              <a:rPr lang="en-US" sz="2400" dirty="0" smtClean="0">
+                <a:latin typeface="Arial" charset="0"/>
+              </a:rPr>
+              <a:t>(Step </a:t>
+            </a:r>
+            <a:r>
+              <a:rPr lang="en-US" sz="2400" dirty="0">
+                <a:latin typeface="Arial" charset="0"/>
+              </a:rPr>
+              <a:t>2</a:t>
+            </a:r>
+            <a:r>
+              <a:rPr lang="en-US" sz="2400" dirty="0" smtClean="0">
+                <a:latin typeface="Arial" charset="0"/>
+              </a:rPr>
+              <a:t>). It </a:t>
+            </a:r>
+            <a:r>
+              <a:rPr lang="en-US" sz="2400" dirty="0">
+                <a:latin typeface="Arial" charset="0"/>
+              </a:rPr>
+              <a:t>is hard to do this with reasonable computational complexity </a:t>
+            </a:r>
+            <a:r>
+              <a:rPr lang="en-US" sz="2400" dirty="0" smtClean="0">
+                <a:latin typeface="Arial" charset="0"/>
+              </a:rPr>
+              <a:t>when d is very large [Ran 2005].</a:t>
+            </a:r>
+          </a:p>
+          <a:p>
+            <a:pPr>
+              <a:spcBef>
+                <a:spcPts val="600"/>
+              </a:spcBef>
+              <a:spcAft>
+                <a:spcPts val="600"/>
+              </a:spcAft>
+            </a:pPr>
+            <a:r>
+              <a:rPr lang="en-US" sz="2400" dirty="0" smtClean="0">
+                <a:latin typeface="Arial" charset="0"/>
+              </a:rPr>
+              <a:t>QBC is very sensitive for noisy data sets. </a:t>
+            </a:r>
+          </a:p>
+          <a:p>
+            <a:pPr>
+              <a:spcBef>
+                <a:spcPts val="600"/>
+              </a:spcBef>
+              <a:spcAft>
+                <a:spcPts val="600"/>
+              </a:spcAft>
+            </a:pPr>
+            <a:r>
+              <a:rPr lang="en-US" altLang="zh-TW" sz="2400" dirty="0" smtClean="0">
+                <a:latin typeface="Arial" charset="0"/>
+                <a:ea typeface="新細明體" pitchFamily="-106" charset="-120"/>
+              </a:rPr>
+              <a:t>We implement original QBC for low dimension data and Active-majority QBC [</a:t>
+            </a:r>
+            <a:r>
+              <a:rPr lang="en-US" sz="2400" dirty="0" err="1" smtClean="0"/>
+              <a:t>Liere</a:t>
+            </a:r>
+            <a:r>
+              <a:rPr lang="en-US" sz="2400" dirty="0" smtClean="0"/>
+              <a:t> 97</a:t>
+            </a:r>
+            <a:r>
+              <a:rPr lang="en-US" altLang="zh-TW" sz="2400" dirty="0" smtClean="0">
+                <a:latin typeface="Arial" charset="0"/>
+                <a:ea typeface="新細明體" pitchFamily="-106" charset="-120"/>
+              </a:rPr>
+              <a:t>] for high dimension data.</a:t>
+            </a:r>
+          </a:p>
+          <a:p>
+            <a:pPr lvl="1">
+              <a:spcBef>
+                <a:spcPts val="600"/>
+              </a:spcBef>
+              <a:spcAft>
+                <a:spcPts val="600"/>
+              </a:spcAft>
+            </a:pPr>
+            <a:r>
+              <a:rPr lang="en-US" altLang="zh-TW" sz="2000" dirty="0" smtClean="0">
+                <a:latin typeface="Arial" charset="0"/>
+                <a:ea typeface="新細明體" pitchFamily="-106" charset="-120"/>
+              </a:rPr>
+              <a:t>Use Winnow algorithm to maintain a finite committee</a:t>
+            </a:r>
+            <a:endParaRPr lang="en-US" altLang="zh-TW" sz="2000" dirty="0">
+              <a:ea typeface="新細明體" pitchFamily="-106" charset="-120"/>
+            </a:endParaRPr>
+          </a:p>
+          <a:p>
+            <a:pPr marL="344487" lvl="1" indent="0" eaLnBrk="1" hangingPunct="1">
+              <a:lnSpc>
+                <a:spcPct val="90000"/>
+              </a:lnSpc>
+              <a:buNone/>
+            </a:pPr>
+            <a:r>
+              <a:rPr lang="en-US" sz="2400" dirty="0" smtClean="0"/>
+              <a:t>     </a:t>
+            </a:r>
+            <a:endParaRPr lang="en-US" altLang="zh-TW" dirty="0" smtClean="0">
+              <a:ea typeface="新細明體" pitchFamily="-106" charset="-120"/>
+            </a:endParaRPr>
+          </a:p>
+        </p:txBody>
+      </p:sp>
+    </p:spTree>
+    <p:extLst>
+      <p:ext uri="{BB962C8B-B14F-4D97-AF65-F5344CB8AC3E}">
+        <p14:creationId xmlns:p14="http://schemas.microsoft.com/office/powerpoint/2010/main" val="3526550711"/>
+      </p:ext>
+    </p:extLst>
+  </p:cSld>
+  <p:clrMapOvr>
+    <a:masterClrMapping/>
+  </p:clrMapOvr>
+  <p:timing>
+    <p:tnLst>
+      <p:par>
+        <p:cTn id="1" dur="indefinite" restart="never" nodeType="tmRoot"/>
+      </p:par>
+    </p:tnLst>
+  </p:timing>
+</p:sld>
+</file>
+
+<file path=ppt/slides/slide11.xml><?xml version="1.0" encoding="utf-8"?>
 <p:sld xmlns:a="http://schemas.openxmlformats.org/drawingml/2006/main" xmlns:r="http://schemas.openxmlformats.org/officeDocument/2006/relationships" xmlns:p="http://schemas.openxmlformats.org/presentationml/2006/main">
   <p:cSld>
     <p:spTree>
@@ -7812,7 +8660,7 @@
             <a:fld id="{604EAB18-E0EA-45DC-AA4D-A7A0A794259A}" type="slidenum">
               <a:rPr lang="en-US" smtClean="0"/>
               <a:pPr/>
-              <a:t>10</a:t>
+              <a:t>11</a:t>
             </a:fld>
             <a:endParaRPr lang="en-US"/>
           </a:p>
@@ -7853,14 +8701,14 @@
           </a:ln>
           <a:effectLst/>
           <a:extLst>
-            <a:ext uri="{909E8E84-426E-40dd-AFC4-6F175D3DCCD1}">
+            <a:ext uri="{909E8E84-426E-40DD-AFC4-6F175D3DCCD1}">
               <a14:hiddenFill xmlns:a14="http://schemas.microsoft.com/office/drawing/2010/main">
                 <a:solidFill>
                   <a:schemeClr val="accent1"/>
                 </a:solidFill>
               </a14:hiddenFill>
             </a:ext>
-            <a:ext uri="{91240B29-F687-4f45-9708-019B960494DF}">
+            <a:ext uri="{91240B29-F687-4F45-9708-019B960494DF}">
               <a14:hiddenLine xmlns:a14="http://schemas.microsoft.com/office/drawing/2010/main" w="9525">
                 <a:solidFill>
                   <a:schemeClr val="tx1"/>
@@ -7870,7 +8718,7 @@
                 <a:tailEnd/>
               </a14:hiddenLine>
             </a:ext>
-            <a:ext uri="{AF507438-7753-43e0-B8FC-AC1667EBCBE1}">
+            <a:ext uri="{AF507438-7753-43E0-B8FC-AC1667EBCBE1}">
               <a14:hiddenEffects xmlns:a14="http://schemas.microsoft.com/office/drawing/2010/main">
                 <a:effectLst>
                   <a:outerShdw dist="35921" dir="2700000" algn="ctr" rotWithShape="0">
@@ -8122,7 +8970,7 @@
   <p:timing>
     <p:tnLst>
       <p:par>
-        <p:cTn xmlns:p14="http://schemas.microsoft.com/office/powerpoint/2010/main" id="1" dur="indefinite" restart="never" nodeType="tmRoot">
+        <p:cTn id="1" dur="indefinite" restart="never" nodeType="tmRoot">
           <p:childTnLst>
             <p:seq concurrent="1" nextAc="seek">
               <p:cTn id="2" dur="indefinite" nodeType="mainSeq">
@@ -8292,7 +9140,7 @@
 </p:sld>
 </file>
 
-<file path=ppt/slides/slide11.xml><?xml version="1.0" encoding="utf-8"?>
+<file path=ppt/slides/slide12.xml><?xml version="1.0" encoding="utf-8"?>
 <p:sld xmlns:a="http://schemas.openxmlformats.org/drawingml/2006/main" xmlns:r="http://schemas.openxmlformats.org/officeDocument/2006/relationships" xmlns:p="http://schemas.openxmlformats.org/presentationml/2006/main">
   <p:cSld>
     <p:spTree>
@@ -8357,29 +9205,33 @@
           <a:lstStyle/>
           <a:p>
             <a:r>
-              <a:rPr lang="en-US" altLang="zh-CN" dirty="0" smtClean="0"/>
+              <a:rPr lang="en-US" altLang="zh-CN" sz="2800" dirty="0" smtClean="0"/>
               <a:t>Assumptions</a:t>
             </a:r>
           </a:p>
           <a:p>
             <a:pPr lvl="1"/>
             <a:r>
-              <a:rPr lang="en-US" altLang="zh-CN" dirty="0" smtClean="0"/>
+              <a:rPr lang="en-US" altLang="zh-CN" sz="2400" dirty="0" smtClean="0"/>
               <a:t>Data is uniformly distributed on unit ball centered at origin in </a:t>
             </a:r>
             <a:r>
-              <a:rPr lang="en-US" altLang="zh-CN" dirty="0" err="1" smtClean="0"/>
-              <a:t>R^n</a:t>
-            </a:r>
-            <a:endParaRPr lang="en-US" altLang="zh-CN" dirty="0" smtClean="0"/>
+              <a:rPr lang="en-US" sz="2400" dirty="0" err="1" smtClean="0"/>
+              <a:t>R</a:t>
+            </a:r>
+            <a:r>
+              <a:rPr lang="en-US" sz="2400" baseline="30000" dirty="0" err="1" smtClean="0"/>
+              <a:t>n</a:t>
+            </a:r>
+            <a:endParaRPr lang="en-US" altLang="zh-CN" sz="2400" dirty="0" smtClean="0"/>
           </a:p>
           <a:p>
             <a:pPr lvl="1"/>
             <a:r>
-              <a:rPr lang="en-US" altLang="zh-CN" dirty="0" smtClean="0"/>
+              <a:rPr lang="en-US" altLang="zh-CN" sz="2400" dirty="0" smtClean="0"/>
               <a:t>There exists an oracle</a:t>
             </a:r>
-            <a:endParaRPr lang="zh-CN" altLang="en-US" dirty="0"/>
+            <a:endParaRPr lang="zh-CN" altLang="en-US" sz="2400" dirty="0"/>
           </a:p>
         </p:txBody>
       </p:sp>
@@ -8401,7 +9253,7 @@
             <a:fld id="{604EAB18-E0EA-45DC-AA4D-A7A0A794259A}" type="slidenum">
               <a:rPr lang="en-US" smtClean="0"/>
               <a:pPr/>
-              <a:t>11</a:t>
+              <a:t>12</a:t>
             </a:fld>
             <a:endParaRPr lang="en-US"/>
           </a:p>
@@ -8456,14 +9308,14 @@
             </a:ln>
             <a:effectLst/>
             <a:extLst>
-              <a:ext uri="{909E8E84-426E-40dd-AFC4-6F175D3DCCD1}">
+              <a:ext uri="{909E8E84-426E-40DD-AFC4-6F175D3DCCD1}">
                 <a14:hiddenFill xmlns:a14="http://schemas.microsoft.com/office/drawing/2010/main">
                   <a:solidFill>
                     <a:schemeClr val="accent1"/>
                   </a:solidFill>
                 </a14:hiddenFill>
               </a:ext>
-              <a:ext uri="{91240B29-F687-4f45-9708-019B960494DF}">
+              <a:ext uri="{91240B29-F687-4F45-9708-019B960494DF}">
                 <a14:hiddenLine xmlns:a14="http://schemas.microsoft.com/office/drawing/2010/main" w="9525">
                   <a:solidFill>
                     <a:schemeClr val="tx1"/>
@@ -8473,7 +9325,7 @@
                   <a:tailEnd/>
                 </a14:hiddenLine>
               </a:ext>
-              <a:ext uri="{AF507438-7753-43e0-B8FC-AC1667EBCBE1}">
+              <a:ext uri="{AF507438-7753-43E0-B8FC-AC1667EBCBE1}">
                 <a14:hiddenEffects xmlns:a14="http://schemas.microsoft.com/office/drawing/2010/main">
                   <a:effectLst>
                     <a:outerShdw dist="35921" dir="2700000" algn="ctr" rotWithShape="0">
@@ -8557,14 +9409,14 @@
   <p:timing>
     <p:tnLst>
       <p:par>
-        <p:cTn xmlns:p14="http://schemas.microsoft.com/office/powerpoint/2010/main" id="1" dur="indefinite" restart="never" nodeType="tmRoot"/>
+        <p:cTn id="1" dur="indefinite" restart="never" nodeType="tmRoot"/>
       </p:par>
     </p:tnLst>
   </p:timing>
 </p:sld>
 </file>
 
-<file path=ppt/slides/slide12.xml><?xml version="1.0" encoding="utf-8"?>
+<file path=ppt/slides/slide13.xml><?xml version="1.0" encoding="utf-8"?>
 <p:sld xmlns:a="http://schemas.openxmlformats.org/drawingml/2006/main" xmlns:r="http://schemas.openxmlformats.org/officeDocument/2006/relationships" xmlns:p="http://schemas.openxmlformats.org/presentationml/2006/main">
   <p:cSld>
     <p:spTree>
@@ -8636,349 +9488,425 @@
             <a:fld id="{604EAB18-E0EA-45DC-AA4D-A7A0A794259A}" type="slidenum">
               <a:rPr lang="en-US" smtClean="0"/>
               <a:pPr/>
-              <a:t>12</a:t>
+              <a:t>13</a:t>
             </a:fld>
             <a:endParaRPr lang="en-US"/>
           </a:p>
         </p:txBody>
       </p:sp>
-      <p:sp>
-        <p:nvSpPr>
-          <p:cNvPr id="7" name="Rectangle 3"/>
-          <p:cNvSpPr txBox="1">
-            <a:spLocks noChangeArrowheads="1"/>
-          </p:cNvSpPr>
-          <p:nvPr/>
-        </p:nvSpPr>
-        <p:spPr bwMode="auto">
-          <a:xfrm>
-            <a:off x="304800" y="1219200"/>
-            <a:ext cx="8763000" cy="4953000"/>
-          </a:xfrm>
-          <a:prstGeom prst="rect">
-            <a:avLst/>
-          </a:prstGeom>
-          <a:noFill/>
-          <a:ln>
-            <a:noFill/>
-          </a:ln>
-          <a:extLst>
-            <a:ext uri="{909E8E84-426E-40dd-AFC4-6F175D3DCCD1}">
-              <a14:hiddenFill xmlns:a14="http://schemas.microsoft.com/office/drawing/2010/main">
-                <a:solidFill>
-                  <a:srgbClr val="FFFFFF"/>
-                </a:solidFill>
-              </a14:hiddenFill>
-            </a:ext>
-            <a:ext uri="{91240B29-F687-4f45-9708-019B960494DF}">
-              <a14:hiddenLine xmlns:a14="http://schemas.microsoft.com/office/drawing/2010/main" w="9525">
-                <a:solidFill>
-                  <a:srgbClr val="000000"/>
-                </a:solidFill>
-                <a:miter lim="800000"/>
-                <a:headEnd/>
-                <a:tailEnd/>
-              </a14:hiddenLine>
-            </a:ext>
-          </a:extLst>
-        </p:spPr>
-        <p:txBody>
-          <a:bodyPr vert="horz" wrap="square" lIns="91440" tIns="45720" rIns="91440" bIns="45720" numCol="1" anchor="t" anchorCtr="0" compatLnSpc="1">
-            <a:prstTxWarp prst="textNoShape">
-              <a:avLst/>
-            </a:prstTxWarp>
-          </a:bodyPr>
-          <a:lstStyle>
-            <a:lvl1pPr marL="342900" indent="-342900" algn="l" rtl="0" eaLnBrk="0" fontAlgn="base" hangingPunct="0">
-              <a:spcBef>
-                <a:spcPct val="20000"/>
-              </a:spcBef>
-              <a:spcAft>
-                <a:spcPct val="0"/>
-              </a:spcAft>
-              <a:buClr>
-                <a:schemeClr val="accent1"/>
-              </a:buClr>
-              <a:buSzPct val="65000"/>
-              <a:buFont typeface="Wingdings" pitchFamily="-106" charset="2"/>
-              <a:buChar char="n"/>
-              <a:defRPr sz="3000">
-                <a:solidFill>
-                  <a:schemeClr val="tx1"/>
-                </a:solidFill>
-                <a:latin typeface="+mn-lt"/>
-                <a:ea typeface="ＭＳ Ｐゴシック" pitchFamily="-106" charset="-128"/>
-                <a:cs typeface="+mn-cs"/>
-              </a:defRPr>
-            </a:lvl1pPr>
-            <a:lvl2pPr marL="669925" indent="-325438" algn="l" rtl="0" eaLnBrk="0" fontAlgn="base" hangingPunct="0">
-              <a:spcBef>
-                <a:spcPct val="20000"/>
-              </a:spcBef>
-              <a:spcAft>
-                <a:spcPct val="0"/>
-              </a:spcAft>
-              <a:buClr>
-                <a:schemeClr val="accent2"/>
-              </a:buClr>
-              <a:buSzPct val="60000"/>
-              <a:buFont typeface="Wingdings" pitchFamily="-106" charset="2"/>
-              <a:buChar char="q"/>
-              <a:defRPr sz="2600">
-                <a:solidFill>
-                  <a:schemeClr val="tx1"/>
-                </a:solidFill>
-                <a:latin typeface="+mn-lt"/>
-                <a:ea typeface="ＭＳ Ｐゴシック" pitchFamily="-106" charset="-128"/>
-              </a:defRPr>
-            </a:lvl2pPr>
-            <a:lvl3pPr marL="1022350" indent="-350838" algn="l" rtl="0" eaLnBrk="0" fontAlgn="base" hangingPunct="0">
-              <a:spcBef>
-                <a:spcPct val="20000"/>
-              </a:spcBef>
-              <a:spcAft>
-                <a:spcPct val="0"/>
-              </a:spcAft>
-              <a:buClr>
-                <a:schemeClr val="accent1"/>
-              </a:buClr>
-              <a:buSzPct val="65000"/>
-              <a:buFont typeface="Wingdings" pitchFamily="-106" charset="2"/>
-              <a:buChar char="n"/>
-              <a:defRPr sz="2200">
-                <a:solidFill>
-                  <a:schemeClr val="tx1"/>
-                </a:solidFill>
-                <a:latin typeface="+mn-lt"/>
-                <a:ea typeface="ＭＳ Ｐゴシック" pitchFamily="-106" charset="-128"/>
-              </a:defRPr>
-            </a:lvl3pPr>
-            <a:lvl4pPr marL="1339850" indent="-315913" algn="l" rtl="0" eaLnBrk="0" fontAlgn="base" hangingPunct="0">
-              <a:spcBef>
-                <a:spcPct val="20000"/>
-              </a:spcBef>
-              <a:spcAft>
-                <a:spcPct val="0"/>
-              </a:spcAft>
-              <a:buClr>
-                <a:schemeClr val="accent2"/>
-              </a:buClr>
-              <a:buSzPct val="70000"/>
-              <a:buFont typeface="Wingdings" pitchFamily="-106" charset="2"/>
-              <a:buChar char="q"/>
-              <a:defRPr sz="2000">
-                <a:solidFill>
-                  <a:schemeClr val="tx1"/>
-                </a:solidFill>
-                <a:latin typeface="+mn-lt"/>
-                <a:ea typeface="ＭＳ Ｐゴシック" pitchFamily="-106" charset="-128"/>
-              </a:defRPr>
-            </a:lvl4pPr>
-            <a:lvl5pPr marL="1681163" indent="-339725" algn="l" rtl="0" eaLnBrk="0" fontAlgn="base" hangingPunct="0">
-              <a:spcBef>
-                <a:spcPct val="20000"/>
-              </a:spcBef>
-              <a:spcAft>
-                <a:spcPct val="0"/>
-              </a:spcAft>
-              <a:buClr>
-                <a:schemeClr val="accent1"/>
-              </a:buClr>
-              <a:buSzPct val="75000"/>
-              <a:buFont typeface="Wingdings" pitchFamily="-106" charset="2"/>
-              <a:buChar char="§"/>
-              <a:defRPr sz="2000">
-                <a:solidFill>
-                  <a:schemeClr val="tx1"/>
-                </a:solidFill>
-                <a:latin typeface="+mn-lt"/>
-                <a:ea typeface="ＭＳ Ｐゴシック" pitchFamily="-106" charset="-128"/>
-              </a:defRPr>
-            </a:lvl5pPr>
-            <a:lvl6pPr marL="2138363" indent="-339725" algn="l" rtl="0" fontAlgn="base">
-              <a:spcBef>
-                <a:spcPct val="20000"/>
-              </a:spcBef>
-              <a:spcAft>
-                <a:spcPct val="0"/>
-              </a:spcAft>
-              <a:buClr>
-                <a:schemeClr val="accent1"/>
-              </a:buClr>
-              <a:buSzPct val="75000"/>
-              <a:buFont typeface="Wingdings" pitchFamily="2" charset="2"/>
-              <a:buChar char="§"/>
-              <a:defRPr sz="2000">
-                <a:solidFill>
-                  <a:schemeClr val="tx1"/>
-                </a:solidFill>
-                <a:latin typeface="+mn-lt"/>
-              </a:defRPr>
-            </a:lvl6pPr>
-            <a:lvl7pPr marL="2595563" indent="-339725" algn="l" rtl="0" fontAlgn="base">
-              <a:spcBef>
-                <a:spcPct val="20000"/>
-              </a:spcBef>
-              <a:spcAft>
-                <a:spcPct val="0"/>
-              </a:spcAft>
-              <a:buClr>
-                <a:schemeClr val="accent1"/>
-              </a:buClr>
-              <a:buSzPct val="75000"/>
-              <a:buFont typeface="Wingdings" pitchFamily="2" charset="2"/>
-              <a:buChar char="§"/>
-              <a:defRPr sz="2000">
-                <a:solidFill>
-                  <a:schemeClr val="tx1"/>
-                </a:solidFill>
-                <a:latin typeface="+mn-lt"/>
-              </a:defRPr>
-            </a:lvl7pPr>
-            <a:lvl8pPr marL="3052763" indent="-339725" algn="l" rtl="0" fontAlgn="base">
-              <a:spcBef>
-                <a:spcPct val="20000"/>
-              </a:spcBef>
-              <a:spcAft>
-                <a:spcPct val="0"/>
-              </a:spcAft>
-              <a:buClr>
-                <a:schemeClr val="accent1"/>
-              </a:buClr>
-              <a:buSzPct val="75000"/>
-              <a:buFont typeface="Wingdings" pitchFamily="2" charset="2"/>
-              <a:buChar char="§"/>
-              <a:defRPr sz="2000">
-                <a:solidFill>
-                  <a:schemeClr val="tx1"/>
-                </a:solidFill>
-                <a:latin typeface="+mn-lt"/>
-              </a:defRPr>
-            </a:lvl8pPr>
-            <a:lvl9pPr marL="3509963" indent="-339725" algn="l" rtl="0" fontAlgn="base">
-              <a:spcBef>
-                <a:spcPct val="20000"/>
-              </a:spcBef>
-              <a:spcAft>
-                <a:spcPct val="0"/>
-              </a:spcAft>
-              <a:buClr>
-                <a:schemeClr val="accent1"/>
-              </a:buClr>
-              <a:buSzPct val="75000"/>
-              <a:buFont typeface="Wingdings" pitchFamily="2" charset="2"/>
-              <a:buChar char="§"/>
-              <a:defRPr sz="2000">
-                <a:solidFill>
-                  <a:schemeClr val="tx1"/>
-                </a:solidFill>
-                <a:latin typeface="+mn-lt"/>
-              </a:defRPr>
-            </a:lvl9pPr>
-          </a:lstStyle>
-          <a:p>
-            <a:pPr>
-              <a:spcBef>
-                <a:spcPts val="600"/>
-              </a:spcBef>
-              <a:spcAft>
-                <a:spcPts val="600"/>
-              </a:spcAft>
-            </a:pPr>
-            <a:r>
-              <a:rPr lang="en-US" sz="2600" dirty="0" smtClean="0">
-                <a:latin typeface="Arial" charset="0"/>
-              </a:rPr>
-              <a:t>Basic idea: choose points with smallest margin to minimize sample complexity.</a:t>
-            </a:r>
-          </a:p>
-          <a:p>
-            <a:pPr>
-              <a:spcBef>
-                <a:spcPts val="600"/>
-              </a:spcBef>
-              <a:spcAft>
-                <a:spcPts val="600"/>
-              </a:spcAft>
-            </a:pPr>
-            <a:r>
-              <a:rPr lang="en-US" sz="2600" dirty="0" smtClean="0">
-                <a:latin typeface="Arial" charset="0"/>
-              </a:rPr>
-              <a:t>If the margin is large than a threshold, the learner reject the point and it will be labeled automatically. Otherwise, the learner query the label and put the point into “working set”</a:t>
-            </a:r>
-          </a:p>
-          <a:p>
-            <a:pPr>
-              <a:spcBef>
-                <a:spcPts val="600"/>
-              </a:spcBef>
-              <a:spcAft>
-                <a:spcPts val="600"/>
-              </a:spcAft>
-            </a:pPr>
-            <a:r>
-              <a:rPr lang="en-US" sz="2600" dirty="0" smtClean="0">
-                <a:latin typeface="Arial" charset="0"/>
-              </a:rPr>
-              <a:t>After enough labels seen, train a new model based on seen labels.</a:t>
-            </a:r>
-          </a:p>
-          <a:p>
-            <a:pPr>
-              <a:spcBef>
-                <a:spcPts val="600"/>
-              </a:spcBef>
-              <a:spcAft>
-                <a:spcPts val="600"/>
-              </a:spcAft>
-            </a:pPr>
-            <a:r>
-              <a:rPr lang="en-US" sz="2600" dirty="0" smtClean="0">
-                <a:latin typeface="Arial" charset="0"/>
-              </a:rPr>
-              <a:t>Repeat the process several iterations and the error rate reduced to \epsilon</a:t>
-            </a:r>
-            <a:r>
-              <a:rPr lang="en-US" sz="2600" dirty="0" smtClean="0">
-                <a:latin typeface="Arial" charset="0"/>
-              </a:rPr>
-              <a:t>.</a:t>
-            </a:r>
-          </a:p>
-          <a:p>
-            <a:pPr>
-              <a:spcBef>
-                <a:spcPts val="600"/>
-              </a:spcBef>
-              <a:spcAft>
-                <a:spcPts val="600"/>
-              </a:spcAft>
-            </a:pPr>
-            <a:r>
-              <a:rPr lang="en-US" sz="2600" dirty="0" smtClean="0">
-                <a:latin typeface="Arial" charset="0"/>
-              </a:rPr>
-              <a:t>[</a:t>
-            </a:r>
-            <a:r>
-              <a:rPr lang="en-US" sz="2600" dirty="0" err="1" smtClean="0">
-                <a:latin typeface="Arial" charset="0"/>
-              </a:rPr>
-              <a:t>Balcan</a:t>
-            </a:r>
-            <a:r>
-              <a:rPr lang="en-US" sz="2600" dirty="0" smtClean="0">
-                <a:latin typeface="Arial" charset="0"/>
-              </a:rPr>
-              <a:t> et al. 2007]</a:t>
-            </a:r>
-            <a:endParaRPr lang="en-US" sz="2600" dirty="0" smtClean="0">
-              <a:latin typeface="Arial" charset="0"/>
-            </a:endParaRPr>
-          </a:p>
-        </p:txBody>
-      </p:sp>
+      <mc:AlternateContent xmlns:mc="http://schemas.openxmlformats.org/markup-compatibility/2006" xmlns:a14="http://schemas.microsoft.com/office/drawing/2010/main">
+        <mc:Choice Requires="a14">
+          <p:sp>
+            <p:nvSpPr>
+              <p:cNvPr id="7" name="Rectangle 3"/>
+              <p:cNvSpPr txBox="1">
+                <a:spLocks noChangeArrowheads="1"/>
+              </p:cNvSpPr>
+              <p:nvPr/>
+            </p:nvSpPr>
+            <p:spPr bwMode="auto">
+              <a:xfrm>
+                <a:off x="304800" y="1219200"/>
+                <a:ext cx="8763000" cy="4953000"/>
+              </a:xfrm>
+              <a:prstGeom prst="rect">
+                <a:avLst/>
+              </a:prstGeom>
+              <a:noFill/>
+              <a:ln>
+                <a:noFill/>
+              </a:ln>
+              <a:extLst>
+                <a:ext uri="{909E8E84-426E-40DD-AFC4-6F175D3DCCD1}">
+                  <a14:hiddenFill>
+                    <a:solidFill>
+                      <a:srgbClr val="FFFFFF"/>
+                    </a:solidFill>
+                  </a14:hiddenFill>
+                </a:ext>
+                <a:ext uri="{91240B29-F687-4F45-9708-019B960494DF}">
+                  <a14:hiddenLine w="9525">
+                    <a:solidFill>
+                      <a:srgbClr val="000000"/>
+                    </a:solidFill>
+                    <a:miter lim="800000"/>
+                    <a:headEnd/>
+                    <a:tailEnd/>
+                  </a14:hiddenLine>
+                </a:ext>
+              </a:extLst>
+            </p:spPr>
+            <p:txBody>
+              <a:bodyPr vert="horz" wrap="square" lIns="91440" tIns="45720" rIns="91440" bIns="45720" numCol="1" anchor="t" anchorCtr="0" compatLnSpc="1">
+                <a:prstTxWarp prst="textNoShape">
+                  <a:avLst/>
+                </a:prstTxWarp>
+              </a:bodyPr>
+              <a:lstStyle>
+                <a:lvl1pPr marL="342900" indent="-342900" algn="l" rtl="0" eaLnBrk="0" fontAlgn="base" hangingPunct="0">
+                  <a:spcBef>
+                    <a:spcPct val="20000"/>
+                  </a:spcBef>
+                  <a:spcAft>
+                    <a:spcPct val="0"/>
+                  </a:spcAft>
+                  <a:buClr>
+                    <a:schemeClr val="accent1"/>
+                  </a:buClr>
+                  <a:buSzPct val="65000"/>
+                  <a:buFont typeface="Wingdings" pitchFamily="-106" charset="2"/>
+                  <a:buChar char="n"/>
+                  <a:defRPr sz="3000">
+                    <a:solidFill>
+                      <a:schemeClr val="tx1"/>
+                    </a:solidFill>
+                    <a:latin typeface="+mn-lt"/>
+                    <a:ea typeface="ＭＳ Ｐゴシック" pitchFamily="-106" charset="-128"/>
+                    <a:cs typeface="+mn-cs"/>
+                  </a:defRPr>
+                </a:lvl1pPr>
+                <a:lvl2pPr marL="669925" indent="-325438" algn="l" rtl="0" eaLnBrk="0" fontAlgn="base" hangingPunct="0">
+                  <a:spcBef>
+                    <a:spcPct val="20000"/>
+                  </a:spcBef>
+                  <a:spcAft>
+                    <a:spcPct val="0"/>
+                  </a:spcAft>
+                  <a:buClr>
+                    <a:schemeClr val="accent2"/>
+                  </a:buClr>
+                  <a:buSzPct val="60000"/>
+                  <a:buFont typeface="Wingdings" pitchFamily="-106" charset="2"/>
+                  <a:buChar char="q"/>
+                  <a:defRPr sz="2600">
+                    <a:solidFill>
+                      <a:schemeClr val="tx1"/>
+                    </a:solidFill>
+                    <a:latin typeface="+mn-lt"/>
+                    <a:ea typeface="ＭＳ Ｐゴシック" pitchFamily="-106" charset="-128"/>
+                  </a:defRPr>
+                </a:lvl2pPr>
+                <a:lvl3pPr marL="1022350" indent="-350838" algn="l" rtl="0" eaLnBrk="0" fontAlgn="base" hangingPunct="0">
+                  <a:spcBef>
+                    <a:spcPct val="20000"/>
+                  </a:spcBef>
+                  <a:spcAft>
+                    <a:spcPct val="0"/>
+                  </a:spcAft>
+                  <a:buClr>
+                    <a:schemeClr val="accent1"/>
+                  </a:buClr>
+                  <a:buSzPct val="65000"/>
+                  <a:buFont typeface="Wingdings" pitchFamily="-106" charset="2"/>
+                  <a:buChar char="n"/>
+                  <a:defRPr sz="2200">
+                    <a:solidFill>
+                      <a:schemeClr val="tx1"/>
+                    </a:solidFill>
+                    <a:latin typeface="+mn-lt"/>
+                    <a:ea typeface="ＭＳ Ｐゴシック" pitchFamily="-106" charset="-128"/>
+                  </a:defRPr>
+                </a:lvl3pPr>
+                <a:lvl4pPr marL="1339850" indent="-315913" algn="l" rtl="0" eaLnBrk="0" fontAlgn="base" hangingPunct="0">
+                  <a:spcBef>
+                    <a:spcPct val="20000"/>
+                  </a:spcBef>
+                  <a:spcAft>
+                    <a:spcPct val="0"/>
+                  </a:spcAft>
+                  <a:buClr>
+                    <a:schemeClr val="accent2"/>
+                  </a:buClr>
+                  <a:buSzPct val="70000"/>
+                  <a:buFont typeface="Wingdings" pitchFamily="-106" charset="2"/>
+                  <a:buChar char="q"/>
+                  <a:defRPr sz="2000">
+                    <a:solidFill>
+                      <a:schemeClr val="tx1"/>
+                    </a:solidFill>
+                    <a:latin typeface="+mn-lt"/>
+                    <a:ea typeface="ＭＳ Ｐゴシック" pitchFamily="-106" charset="-128"/>
+                  </a:defRPr>
+                </a:lvl4pPr>
+                <a:lvl5pPr marL="1681163" indent="-339725" algn="l" rtl="0" eaLnBrk="0" fontAlgn="base" hangingPunct="0">
+                  <a:spcBef>
+                    <a:spcPct val="20000"/>
+                  </a:spcBef>
+                  <a:spcAft>
+                    <a:spcPct val="0"/>
+                  </a:spcAft>
+                  <a:buClr>
+                    <a:schemeClr val="accent1"/>
+                  </a:buClr>
+                  <a:buSzPct val="75000"/>
+                  <a:buFont typeface="Wingdings" pitchFamily="-106" charset="2"/>
+                  <a:buChar char="§"/>
+                  <a:defRPr sz="2000">
+                    <a:solidFill>
+                      <a:schemeClr val="tx1"/>
+                    </a:solidFill>
+                    <a:latin typeface="+mn-lt"/>
+                    <a:ea typeface="ＭＳ Ｐゴシック" pitchFamily="-106" charset="-128"/>
+                  </a:defRPr>
+                </a:lvl5pPr>
+                <a:lvl6pPr marL="2138363" indent="-339725" algn="l" rtl="0" fontAlgn="base">
+                  <a:spcBef>
+                    <a:spcPct val="20000"/>
+                  </a:spcBef>
+                  <a:spcAft>
+                    <a:spcPct val="0"/>
+                  </a:spcAft>
+                  <a:buClr>
+                    <a:schemeClr val="accent1"/>
+                  </a:buClr>
+                  <a:buSzPct val="75000"/>
+                  <a:buFont typeface="Wingdings" pitchFamily="2" charset="2"/>
+                  <a:buChar char="§"/>
+                  <a:defRPr sz="2000">
+                    <a:solidFill>
+                      <a:schemeClr val="tx1"/>
+                    </a:solidFill>
+                    <a:latin typeface="+mn-lt"/>
+                  </a:defRPr>
+                </a:lvl6pPr>
+                <a:lvl7pPr marL="2595563" indent="-339725" algn="l" rtl="0" fontAlgn="base">
+                  <a:spcBef>
+                    <a:spcPct val="20000"/>
+                  </a:spcBef>
+                  <a:spcAft>
+                    <a:spcPct val="0"/>
+                  </a:spcAft>
+                  <a:buClr>
+                    <a:schemeClr val="accent1"/>
+                  </a:buClr>
+                  <a:buSzPct val="75000"/>
+                  <a:buFont typeface="Wingdings" pitchFamily="2" charset="2"/>
+                  <a:buChar char="§"/>
+                  <a:defRPr sz="2000">
+                    <a:solidFill>
+                      <a:schemeClr val="tx1"/>
+                    </a:solidFill>
+                    <a:latin typeface="+mn-lt"/>
+                  </a:defRPr>
+                </a:lvl7pPr>
+                <a:lvl8pPr marL="3052763" indent="-339725" algn="l" rtl="0" fontAlgn="base">
+                  <a:spcBef>
+                    <a:spcPct val="20000"/>
+                  </a:spcBef>
+                  <a:spcAft>
+                    <a:spcPct val="0"/>
+                  </a:spcAft>
+                  <a:buClr>
+                    <a:schemeClr val="accent1"/>
+                  </a:buClr>
+                  <a:buSzPct val="75000"/>
+                  <a:buFont typeface="Wingdings" pitchFamily="2" charset="2"/>
+                  <a:buChar char="§"/>
+                  <a:defRPr sz="2000">
+                    <a:solidFill>
+                      <a:schemeClr val="tx1"/>
+                    </a:solidFill>
+                    <a:latin typeface="+mn-lt"/>
+                  </a:defRPr>
+                </a:lvl8pPr>
+                <a:lvl9pPr marL="3509963" indent="-339725" algn="l" rtl="0" fontAlgn="base">
+                  <a:spcBef>
+                    <a:spcPct val="20000"/>
+                  </a:spcBef>
+                  <a:spcAft>
+                    <a:spcPct val="0"/>
+                  </a:spcAft>
+                  <a:buClr>
+                    <a:schemeClr val="accent1"/>
+                  </a:buClr>
+                  <a:buSzPct val="75000"/>
+                  <a:buFont typeface="Wingdings" pitchFamily="2" charset="2"/>
+                  <a:buChar char="§"/>
+                  <a:defRPr sz="2000">
+                    <a:solidFill>
+                      <a:schemeClr val="tx1"/>
+                    </a:solidFill>
+                    <a:latin typeface="+mn-lt"/>
+                  </a:defRPr>
+                </a:lvl9pPr>
+              </a:lstStyle>
+              <a:p>
+                <a:pPr>
+                  <a:spcBef>
+                    <a:spcPts val="600"/>
+                  </a:spcBef>
+                  <a:spcAft>
+                    <a:spcPts val="600"/>
+                  </a:spcAft>
+                </a:pPr>
+                <a:r>
+                  <a:rPr lang="en-US" sz="2600" dirty="0" smtClean="0">
+                    <a:latin typeface="Arial" charset="0"/>
+                  </a:rPr>
+                  <a:t>Basic idea: choose points with smallest margin to minimize sample complexity.</a:t>
+                </a:r>
+              </a:p>
+              <a:p>
+                <a:pPr>
+                  <a:spcBef>
+                    <a:spcPts val="600"/>
+                  </a:spcBef>
+                  <a:spcAft>
+                    <a:spcPts val="600"/>
+                  </a:spcAft>
+                </a:pPr>
+                <a:r>
+                  <a:rPr lang="en-US" sz="2600" dirty="0" smtClean="0">
+                    <a:latin typeface="Arial" charset="0"/>
+                  </a:rPr>
+                  <a:t>If the margin is large than a threshold, the learner reject the point and it will be labeled automatically. Otherwise, the learner query the label and put the point into “working set”</a:t>
+                </a:r>
+              </a:p>
+              <a:p>
+                <a:pPr>
+                  <a:spcBef>
+                    <a:spcPts val="600"/>
+                  </a:spcBef>
+                  <a:spcAft>
+                    <a:spcPts val="600"/>
+                  </a:spcAft>
+                </a:pPr>
+                <a:r>
+                  <a:rPr lang="en-US" sz="2600" dirty="0" smtClean="0">
+                    <a:latin typeface="Arial" charset="0"/>
+                  </a:rPr>
+                  <a:t>After enough labels seen, train a new model based on seen labels.</a:t>
+                </a:r>
+              </a:p>
+              <a:p>
+                <a:pPr>
+                  <a:spcBef>
+                    <a:spcPts val="600"/>
+                  </a:spcBef>
+                  <a:spcAft>
+                    <a:spcPts val="600"/>
+                  </a:spcAft>
+                </a:pPr>
+                <a:r>
+                  <a:rPr lang="en-US" sz="2600" dirty="0" smtClean="0">
+                    <a:latin typeface="Arial" charset="0"/>
+                  </a:rPr>
+                  <a:t>Repeat the process several iterations and the error rate reduced to </a:t>
+                </a:r>
+                <a14:m>
+                  <m:oMath xmlns:m="http://schemas.openxmlformats.org/officeDocument/2006/math">
+                    <m:r>
+                      <a:rPr lang="en-US" sz="2600" i="1" smtClean="0">
+                        <a:latin typeface="Cambria Math"/>
+                        <a:ea typeface="Cambria Math"/>
+                      </a:rPr>
+                      <m:t>𝜖</m:t>
+                    </m:r>
+                  </m:oMath>
+                </a14:m>
+                <a:endParaRPr lang="en-US" sz="2600" dirty="0" smtClean="0">
+                  <a:latin typeface="Arial" charset="0"/>
+                </a:endParaRPr>
+              </a:p>
+              <a:p>
+                <a:pPr marL="0" indent="0" algn="r">
+                  <a:spcBef>
+                    <a:spcPts val="600"/>
+                  </a:spcBef>
+                  <a:spcAft>
+                    <a:spcPts val="600"/>
+                  </a:spcAft>
+                  <a:buNone/>
+                </a:pPr>
+                <a:r>
+                  <a:rPr lang="en-US" sz="2600" dirty="0" smtClean="0">
+                    <a:latin typeface="Arial" charset="0"/>
+                  </a:rPr>
+                  <a:t>                     </a:t>
+                </a:r>
+                <a:r>
+                  <a:rPr lang="en-US" sz="2000" dirty="0" smtClean="0">
+                    <a:latin typeface="Arial" charset="0"/>
+                  </a:rPr>
+                  <a:t>[</a:t>
+                </a:r>
+                <a:r>
+                  <a:rPr lang="en-US" sz="2000" dirty="0" err="1" smtClean="0">
+                    <a:latin typeface="Arial" charset="0"/>
+                  </a:rPr>
+                  <a:t>Balcan</a:t>
+                </a:r>
+                <a:r>
+                  <a:rPr lang="en-US" sz="2000" dirty="0" smtClean="0">
+                    <a:latin typeface="Arial" charset="0"/>
+                  </a:rPr>
+                  <a:t> et al. 2007]</a:t>
+                </a:r>
+              </a:p>
+            </p:txBody>
+          </p:sp>
+        </mc:Choice>
+        <mc:Fallback xmlns="">
+          <p:sp>
+            <p:nvSpPr>
+              <p:cNvPr id="7" name="Rectangle 3"/>
+              <p:cNvSpPr txBox="1">
+                <a:spLocks noRot="1" noChangeAspect="1" noMove="1" noResize="1" noEditPoints="1" noAdjustHandles="1" noChangeArrowheads="1" noChangeShapeType="1" noTextEdit="1"/>
+              </p:cNvSpPr>
+              <p:nvPr/>
+            </p:nvSpPr>
+            <p:spPr bwMode="auto">
+              <a:xfrm>
+                <a:off x="304800" y="1219200"/>
+                <a:ext cx="8763000" cy="4953000"/>
+              </a:xfrm>
+              <a:prstGeom prst="rect">
+                <a:avLst/>
+              </a:prstGeom>
+              <a:blipFill rotWithShape="1">
+                <a:blip r:embed="rId2"/>
+                <a:stretch>
+                  <a:fillRect l="-278" t="-1107" r="-974" b="-4059"/>
+                </a:stretch>
+              </a:blipFill>
+              <a:ln>
+                <a:noFill/>
+              </a:ln>
+              <a:extLst>
+                <a:ext uri="{909E8E84-426E-40DD-AFC4-6F175D3DCCD1}">
+                  <a14:hiddenFill xmlns:a14="http://schemas.microsoft.com/office/drawing/2010/main">
+                    <a:solidFill>
+                      <a:srgbClr val="FFFFFF"/>
+                    </a:solidFill>
+                  </a14:hiddenFill>
+                </a:ext>
+                <a:ext uri="{91240B29-F687-4F45-9708-019B960494DF}">
+                  <a14:hiddenLine xmlns:a14="http://schemas.microsoft.com/office/drawing/2010/main" w="9525">
+                    <a:solidFill>
+                      <a:srgbClr val="000000"/>
+                    </a:solidFill>
+                    <a:miter lim="800000"/>
+                    <a:headEnd/>
+                    <a:tailEnd/>
+                  </a14:hiddenLine>
+                </a:ext>
+              </a:extLst>
+            </p:spPr>
+            <p:txBody>
+              <a:bodyPr/>
+              <a:lstStyle/>
+              <a:p>
+                <a:r>
+                  <a:rPr lang="en-US">
+                    <a:noFill/>
+                  </a:rPr>
+                  <a:t> </a:t>
+                </a:r>
+              </a:p>
+            </p:txBody>
+          </p:sp>
+        </mc:Fallback>
+      </mc:AlternateContent>
     </p:spTree>
     <p:extLst>
       <p:ext uri="{BB962C8B-B14F-4D97-AF65-F5344CB8AC3E}">
@@ -8992,14 +9920,14 @@
   <p:timing>
     <p:tnLst>
       <p:par>
-        <p:cTn xmlns:p14="http://schemas.microsoft.com/office/powerpoint/2010/main" id="1" dur="indefinite" restart="never" nodeType="tmRoot"/>
+        <p:cTn id="1" dur="indefinite" restart="never" nodeType="tmRoot"/>
       </p:par>
     </p:tnLst>
   </p:timing>
 </p:sld>
 </file>
 
-<file path=ppt/slides/slide13.xml><?xml version="1.0" encoding="utf-8"?>
+<file path=ppt/slides/slide14.xml><?xml version="1.0" encoding="utf-8"?>
 <p:sld xmlns:a="http://schemas.openxmlformats.org/drawingml/2006/main" xmlns:r="http://schemas.openxmlformats.org/officeDocument/2006/relationships" xmlns:p="http://schemas.openxmlformats.org/presentationml/2006/main">
   <p:cSld>
     <p:spTree>
@@ -9030,14 +9958,14 @@
           <a:noFill/>
           <a:ln/>
           <a:extLst>
-            <a:ext uri="{909E8E84-426E-40dd-AFC4-6F175D3DCCD1}">
+            <a:ext uri="{909E8E84-426E-40DD-AFC4-6F175D3DCCD1}">
               <a14:hiddenFill xmlns:a14="http://schemas.microsoft.com/office/drawing/2010/main">
                 <a:solidFill>
                   <a:srgbClr val="FFFFFF"/>
                 </a:solidFill>
               </a14:hiddenFill>
             </a:ext>
-            <a:ext uri="{91240B29-F687-4f45-9708-019B960494DF}">
+            <a:ext uri="{91240B29-F687-4F45-9708-019B960494DF}">
               <a14:hiddenLine xmlns:a14="http://schemas.microsoft.com/office/drawing/2010/main" w="9525">
                 <a:solidFill>
                   <a:srgbClr val="000000"/>
@@ -9165,7 +10093,7 @@
                 <a:latin typeface="Garamond" pitchFamily="-106" charset="0"/>
               </a:rPr>
               <a:pPr eaLnBrk="1" hangingPunct="1"/>
-              <a:t>13</a:t>
+              <a:t>14</a:t>
             </a:fld>
             <a:endParaRPr lang="en-US" sz="1200" dirty="0">
               <a:latin typeface="Garamond" pitchFamily="-106" charset="0"/>
@@ -9226,14 +10154,14 @@
             <a:noFill/>
           </a:ln>
           <a:extLst>
-            <a:ext uri="{909E8E84-426E-40dd-AFC4-6F175D3DCCD1}">
+            <a:ext uri="{909E8E84-426E-40DD-AFC4-6F175D3DCCD1}">
               <a14:hiddenFill xmlns:a14="http://schemas.microsoft.com/office/drawing/2010/main">
                 <a:solidFill>
                   <a:srgbClr val="FFFFFF"/>
                 </a:solidFill>
               </a14:hiddenFill>
             </a:ext>
-            <a:ext uri="{91240B29-F687-4f45-9708-019B960494DF}">
+            <a:ext uri="{91240B29-F687-4F45-9708-019B960494DF}">
               <a14:hiddenLine xmlns:a14="http://schemas.microsoft.com/office/drawing/2010/main" w="9525">
                 <a:solidFill>
                   <a:srgbClr val="000000"/>
@@ -9465,10 +10393,12 @@
               <a:t>Uniformly distributed on a unit ball in </a:t>
             </a:r>
             <a:r>
-              <a:rPr lang="en-US" altLang="zh-TW" sz="2000" dirty="0" err="1" smtClean="0">
-                <a:ea typeface="新細明體" pitchFamily="-106" charset="-120"/>
-              </a:rPr>
-              <a:t>R^d</a:t>
+              <a:rPr lang="en-US" sz="2000" dirty="0" smtClean="0"/>
+              <a:t>R</a:t>
+            </a:r>
+            <a:r>
+              <a:rPr lang="en-US" sz="2000" baseline="30000" dirty="0" smtClean="0"/>
+              <a:t>d</a:t>
             </a:r>
             <a:endParaRPr lang="en-US" altLang="zh-TW" sz="2000" dirty="0" smtClean="0">
               <a:ea typeface="新細明體" pitchFamily="-106" charset="-120"/>
@@ -9635,14 +10565,14 @@
             <a:noFill/>
           </a:ln>
           <a:extLst>
-            <a:ext uri="{909E8E84-426E-40dd-AFC4-6F175D3DCCD1}">
+            <a:ext uri="{909E8E84-426E-40DD-AFC4-6F175D3DCCD1}">
               <a14:hiddenFill xmlns:a14="http://schemas.microsoft.com/office/drawing/2010/main">
                 <a:solidFill>
                   <a:srgbClr val="FFFFFF"/>
                 </a:solidFill>
               </a14:hiddenFill>
             </a:ext>
-            <a:ext uri="{91240B29-F687-4f45-9708-019B960494DF}">
+            <a:ext uri="{91240B29-F687-4F45-9708-019B960494DF}">
               <a14:hiddenLine xmlns:a14="http://schemas.microsoft.com/office/drawing/2010/main" w="9525">
                 <a:solidFill>
                   <a:srgbClr val="000000"/>
@@ -9872,7 +10802,19 @@
               <a:rPr lang="en-US" altLang="zh-TW" sz="1600" dirty="0" smtClean="0">
                 <a:ea typeface="新細明體" pitchFamily="-106" charset="-120"/>
               </a:rPr>
-              <a:t>Draw m_1 examples into working set</a:t>
+              <a:t>Draw m</a:t>
+            </a:r>
+            <a:r>
+              <a:rPr lang="en-US" altLang="zh-TW" sz="1600" baseline="-25000" dirty="0" smtClean="0">
+                <a:ea typeface="新細明體" pitchFamily="-106" charset="-120"/>
+              </a:rPr>
+              <a:t>1</a:t>
+            </a:r>
+            <a:r>
+              <a:rPr lang="en-US" altLang="zh-TW" sz="1600" dirty="0" smtClean="0">
+                <a:ea typeface="新細明體" pitchFamily="-106" charset="-120"/>
+              </a:rPr>
+              <a:t> examples into working set</a:t>
             </a:r>
             <a:br>
               <a:rPr lang="en-US" altLang="zh-TW" sz="1600" dirty="0" smtClean="0">
@@ -9900,7 +10842,13 @@
               <a:rPr lang="en-US" altLang="zh-TW" sz="1600" dirty="0" err="1" smtClean="0">
                 <a:ea typeface="新細明體" pitchFamily="-106" charset="-120"/>
               </a:rPr>
-              <a:t>w_k</a:t>
+              <a:t>w</a:t>
+            </a:r>
+            <a:r>
+              <a:rPr lang="en-US" altLang="zh-TW" sz="1600" baseline="-25000" dirty="0" err="1" smtClean="0">
+                <a:ea typeface="新細明體" pitchFamily="-106" charset="-120"/>
+              </a:rPr>
+              <a:t>k</a:t>
             </a:r>
             <a:r>
               <a:rPr lang="en-US" altLang="zh-TW" sz="1600" dirty="0" smtClean="0">
@@ -9934,7 +10882,13 @@
               <a:rPr lang="en-US" altLang="zh-TW" sz="1600" dirty="0" err="1" smtClean="0">
                 <a:ea typeface="新細明體" pitchFamily="-106" charset="-120"/>
               </a:rPr>
-              <a:t>m_k</a:t>
+              <a:t>m</a:t>
+            </a:r>
+            <a:r>
+              <a:rPr lang="en-US" altLang="zh-TW" sz="1600" baseline="-25000" dirty="0" err="1" smtClean="0">
+                <a:ea typeface="新細明體" pitchFamily="-106" charset="-120"/>
+              </a:rPr>
+              <a:t>k</a:t>
             </a:r>
             <a:r>
               <a:rPr lang="en-US" altLang="zh-TW" sz="1600" dirty="0" smtClean="0">
@@ -9998,7 +10952,13 @@
               <a:rPr lang="en-US" altLang="zh-TW" sz="1600" dirty="0" err="1" smtClean="0">
                 <a:ea typeface="新細明體" pitchFamily="-106" charset="-120"/>
               </a:rPr>
-              <a:t>w_k</a:t>
+              <a:t>w</a:t>
+            </a:r>
+            <a:r>
+              <a:rPr lang="en-US" altLang="zh-TW" sz="1600" baseline="-25000" dirty="0" err="1" smtClean="0">
+                <a:ea typeface="新細明體" pitchFamily="-106" charset="-120"/>
+              </a:rPr>
+              <a:t>k</a:t>
             </a:r>
             <a:r>
               <a:rPr lang="en-US" altLang="zh-TW" sz="1600" dirty="0" smtClean="0">
@@ -10010,9 +10970,15 @@
               <a:rPr lang="en-US" altLang="zh-TW" sz="1600" dirty="0" err="1" smtClean="0">
                 <a:ea typeface="新細明體" pitchFamily="-106" charset="-120"/>
               </a:rPr>
-              <a:t>b_k</a:t>
-            </a:r>
-            <a:endParaRPr lang="en-US" altLang="zh-TW" sz="1600" dirty="0" smtClean="0">
+              <a:t>b</a:t>
+            </a:r>
+            <a:r>
+              <a:rPr lang="en-US" altLang="zh-TW" sz="1600" baseline="-25000" dirty="0" err="1" smtClean="0">
+                <a:ea typeface="新細明體" pitchFamily="-106" charset="-120"/>
+              </a:rPr>
+              <a:t>k</a:t>
+            </a:r>
+            <a:endParaRPr lang="en-US" altLang="zh-TW" sz="1600" baseline="-25000" dirty="0" smtClean="0">
               <a:ea typeface="新細明體" pitchFamily="-106" charset="-120"/>
             </a:endParaRPr>
           </a:p>
@@ -10109,14 +11075,14 @@
   <p:timing>
     <p:tnLst>
       <p:par>
-        <p:cTn xmlns:p14="http://schemas.microsoft.com/office/powerpoint/2010/main" id="1" dur="indefinite" restart="never" nodeType="tmRoot"/>
+        <p:cTn id="1" dur="indefinite" restart="never" nodeType="tmRoot"/>
       </p:par>
     </p:tnLst>
   </p:timing>
 </p:sld>
 </file>
 
-<file path=ppt/slides/slide14.xml><?xml version="1.0" encoding="utf-8"?>
+<file path=ppt/slides/slide15.xml><?xml version="1.0" encoding="utf-8"?>
 <p:sld xmlns:a="http://schemas.openxmlformats.org/drawingml/2006/main" xmlns:r="http://schemas.openxmlformats.org/officeDocument/2006/relationships" xmlns:p="http://schemas.openxmlformats.org/presentationml/2006/main">
   <p:cSld>
     <p:spTree>
@@ -10147,14 +11113,14 @@
           <a:noFill/>
           <a:ln/>
           <a:extLst>
-            <a:ext uri="{909E8E84-426E-40dd-AFC4-6F175D3DCCD1}">
+            <a:ext uri="{909E8E84-426E-40DD-AFC4-6F175D3DCCD1}">
               <a14:hiddenFill xmlns:a14="http://schemas.microsoft.com/office/drawing/2010/main">
                 <a:solidFill>
                   <a:srgbClr val="FFFFFF"/>
                 </a:solidFill>
               </a14:hiddenFill>
             </a:ext>
-            <a:ext uri="{91240B29-F687-4f45-9708-019B960494DF}">
+            <a:ext uri="{91240B29-F687-4F45-9708-019B960494DF}">
               <a14:hiddenLine xmlns:a14="http://schemas.microsoft.com/office/drawing/2010/main" w="9525">
                 <a:solidFill>
                   <a:srgbClr val="000000"/>
@@ -10282,7 +11248,7 @@
                 <a:latin typeface="Garamond" pitchFamily="-106" charset="0"/>
               </a:rPr>
               <a:pPr eaLnBrk="1" hangingPunct="1"/>
-              <a:t>14</a:t>
+              <a:t>15</a:t>
             </a:fld>
             <a:endParaRPr lang="en-US" sz="1200" dirty="0">
               <a:latin typeface="Garamond" pitchFamily="-106" charset="0"/>
@@ -10343,14 +11309,14 @@
             <a:noFill/>
           </a:ln>
           <a:extLst>
-            <a:ext uri="{909E8E84-426E-40dd-AFC4-6F175D3DCCD1}">
+            <a:ext uri="{909E8E84-426E-40DD-AFC4-6F175D3DCCD1}">
               <a14:hiddenFill xmlns:a14="http://schemas.microsoft.com/office/drawing/2010/main">
                 <a:solidFill>
                   <a:srgbClr val="FFFFFF"/>
                 </a:solidFill>
               </a14:hiddenFill>
             </a:ext>
-            <a:ext uri="{91240B29-F687-4f45-9708-019B960494DF}">
+            <a:ext uri="{91240B29-F687-4F45-9708-019B960494DF}">
               <a14:hiddenLine xmlns:a14="http://schemas.microsoft.com/office/drawing/2010/main" w="9525">
                 <a:solidFill>
                   <a:srgbClr val="000000"/>
@@ -10582,10 +11548,12 @@
               <a:t>Uniformly distributed on a unit ball in </a:t>
             </a:r>
             <a:r>
-              <a:rPr lang="en-US" altLang="zh-TW" sz="2000" dirty="0" err="1" smtClean="0">
-                <a:ea typeface="新細明體" pitchFamily="-106" charset="-120"/>
-              </a:rPr>
-              <a:t>R^d</a:t>
+              <a:rPr lang="en-US" sz="2000" dirty="0" smtClean="0"/>
+              <a:t>R</a:t>
+            </a:r>
+            <a:r>
+              <a:rPr lang="en-US" sz="2000" baseline="30000" dirty="0" smtClean="0"/>
+              <a:t>d</a:t>
             </a:r>
             <a:endParaRPr lang="en-US" altLang="zh-TW" sz="2000" dirty="0" smtClean="0">
               <a:ea typeface="新細明體" pitchFamily="-106" charset="-120"/>
@@ -10769,14 +11737,14 @@
             <a:noFill/>
           </a:ln>
           <a:extLst>
-            <a:ext uri="{909E8E84-426E-40dd-AFC4-6F175D3DCCD1}">
+            <a:ext uri="{909E8E84-426E-40DD-AFC4-6F175D3DCCD1}">
               <a14:hiddenFill xmlns:a14="http://schemas.microsoft.com/office/drawing/2010/main">
                 <a:solidFill>
                   <a:srgbClr val="FFFFFF"/>
                 </a:solidFill>
               </a14:hiddenFill>
             </a:ext>
-            <a:ext uri="{91240B29-F687-4f45-9708-019B960494DF}">
+            <a:ext uri="{91240B29-F687-4F45-9708-019B960494DF}">
               <a14:hiddenLine xmlns:a14="http://schemas.microsoft.com/office/drawing/2010/main" w="9525">
                 <a:solidFill>
                   <a:srgbClr val="000000"/>
@@ -11006,7 +11974,19 @@
               <a:rPr lang="en-US" altLang="zh-TW" sz="1600" dirty="0" smtClean="0">
                 <a:ea typeface="新細明體" pitchFamily="-106" charset="-120"/>
               </a:rPr>
-              <a:t>Draw m_1 examples into working set</a:t>
+              <a:t>Draw m</a:t>
+            </a:r>
+            <a:r>
+              <a:rPr lang="en-US" altLang="zh-TW" sz="1600" baseline="-25000" dirty="0" smtClean="0">
+                <a:ea typeface="新細明體" pitchFamily="-106" charset="-120"/>
+              </a:rPr>
+              <a:t>1</a:t>
+            </a:r>
+            <a:r>
+              <a:rPr lang="en-US" altLang="zh-TW" sz="1600" dirty="0" smtClean="0">
+                <a:ea typeface="新細明體" pitchFamily="-106" charset="-120"/>
+              </a:rPr>
+              <a:t> examples into working set</a:t>
             </a:r>
             <a:br>
               <a:rPr lang="en-US" altLang="zh-TW" sz="1600" dirty="0" smtClean="0">
@@ -11034,13 +12014,31 @@
               <a:rPr lang="en-US" altLang="zh-TW" sz="1600" dirty="0" err="1" smtClean="0">
                 <a:ea typeface="新細明體" pitchFamily="-106" charset="-120"/>
               </a:rPr>
-              <a:t>w_k</a:t>
+              <a:t>w</a:t>
+            </a:r>
+            <a:r>
+              <a:rPr lang="en-US" altLang="zh-TW" sz="1600" baseline="-25000" dirty="0" err="1" smtClean="0">
+                <a:ea typeface="新細明體" pitchFamily="-106" charset="-120"/>
+              </a:rPr>
+              <a:t>k</a:t>
             </a:r>
             <a:r>
               <a:rPr lang="en-US" altLang="zh-TW" sz="1600" dirty="0" smtClean="0">
                 <a:ea typeface="新細明體" pitchFamily="-106" charset="-120"/>
               </a:rPr>
-              <a:t> \in B(w_k-1, r)</a:t>
+              <a:t> \in B(w_</a:t>
+            </a:r>
+            <a:r>
+              <a:rPr lang="en-US" altLang="zh-TW" sz="1600" baseline="-25000" dirty="0" smtClean="0">
+                <a:ea typeface="新細明體" pitchFamily="-106" charset="-120"/>
+              </a:rPr>
+              <a:t>k-1</a:t>
+            </a:r>
+            <a:r>
+              <a:rPr lang="en-US" altLang="zh-TW" sz="1600" dirty="0" smtClean="0">
+                <a:ea typeface="新細明體" pitchFamily="-106" charset="-120"/>
+              </a:rPr>
+              <a:t>, r)</a:t>
             </a:r>
             <a:br>
               <a:rPr lang="en-US" altLang="zh-TW" sz="1600" dirty="0" smtClean="0">
@@ -11051,19 +12049,7 @@
               <a:rPr lang="en-US" altLang="zh-TW" sz="1600" dirty="0" smtClean="0">
                 <a:ea typeface="新細明體" pitchFamily="-106" charset="-120"/>
               </a:rPr>
-              <a:t>    </a:t>
-            </a:r>
-            <a:r>
-              <a:rPr lang="en-US" altLang="zh-TW" sz="1600" dirty="0" smtClean="0">
-                <a:ea typeface="新細明體" pitchFamily="-106" charset="-120"/>
-              </a:rPr>
-              <a:t>clear the working set</a:t>
-            </a:r>
-            <a:r>
-              <a:rPr lang="en-US" altLang="zh-TW" sz="1600" dirty="0" smtClean="0">
-                <a:ea typeface="新細明體" pitchFamily="-106" charset="-120"/>
-              </a:rPr>
-              <a:t/>
+              <a:t>    clear the working set</a:t>
             </a:r>
             <a:br>
               <a:rPr lang="en-US" altLang="zh-TW" sz="1600" dirty="0" smtClean="0">
@@ -11080,7 +12066,13 @@
               <a:rPr lang="en-US" altLang="zh-TW" sz="1600" dirty="0" err="1" smtClean="0">
                 <a:ea typeface="新細明體" pitchFamily="-106" charset="-120"/>
               </a:rPr>
-              <a:t>m_k</a:t>
+              <a:t>m</a:t>
+            </a:r>
+            <a:r>
+              <a:rPr lang="en-US" altLang="zh-TW" sz="1600" baseline="-25000" dirty="0" err="1" smtClean="0">
+                <a:ea typeface="新細明體" pitchFamily="-106" charset="-120"/>
+              </a:rPr>
+              <a:t>k</a:t>
             </a:r>
             <a:r>
               <a:rPr lang="en-US" altLang="zh-TW" sz="1600" dirty="0" smtClean="0">
@@ -11144,7 +12136,13 @@
               <a:rPr lang="en-US" altLang="zh-TW" sz="1600" dirty="0" err="1" smtClean="0">
                 <a:ea typeface="新細明體" pitchFamily="-106" charset="-120"/>
               </a:rPr>
-              <a:t>w_k</a:t>
+              <a:t>w</a:t>
+            </a:r>
+            <a:r>
+              <a:rPr lang="en-US" altLang="zh-TW" sz="1600" baseline="-25000" dirty="0" err="1" smtClean="0">
+                <a:ea typeface="新細明體" pitchFamily="-106" charset="-120"/>
+              </a:rPr>
+              <a:t>k</a:t>
             </a:r>
             <a:r>
               <a:rPr lang="en-US" altLang="zh-TW" sz="1600" dirty="0" smtClean="0">
@@ -11156,7 +12154,13 @@
               <a:rPr lang="en-US" altLang="zh-TW" sz="1600" dirty="0" err="1" smtClean="0">
                 <a:ea typeface="新細明體" pitchFamily="-106" charset="-120"/>
               </a:rPr>
-              <a:t>b_k</a:t>
+              <a:t>b</a:t>
+            </a:r>
+            <a:r>
+              <a:rPr lang="en-US" altLang="zh-TW" sz="1600" baseline="-25000" dirty="0" err="1" smtClean="0">
+                <a:ea typeface="新細明體" pitchFamily="-106" charset="-120"/>
+              </a:rPr>
+              <a:t>k</a:t>
             </a:r>
             <a:endParaRPr lang="en-US" altLang="zh-TW" sz="1600" dirty="0" smtClean="0">
               <a:ea typeface="新細明體" pitchFamily="-106" charset="-120"/>
@@ -11252,19 +12256,31 @@
               <a:rPr lang="en-US" altLang="zh-TW" sz="1600" dirty="0" err="1" smtClean="0">
                 <a:ea typeface="新細明體" pitchFamily="-106" charset="-120"/>
               </a:rPr>
-              <a:t>w_k</a:t>
+              <a:t>w</a:t>
+            </a:r>
+            <a:r>
+              <a:rPr lang="en-US" altLang="zh-TW" sz="1600" baseline="-25000" dirty="0" err="1" smtClean="0">
+                <a:ea typeface="新細明體" pitchFamily="-106" charset="-120"/>
+              </a:rPr>
+              <a:t>k</a:t>
             </a:r>
             <a:r>
               <a:rPr lang="en-US" altLang="zh-TW" sz="1600" dirty="0" smtClean="0">
                 <a:ea typeface="新細明體" pitchFamily="-106" charset="-120"/>
               </a:rPr>
-              <a:t> in B(w_k-1, r), </a:t>
+              <a:t> in B(w</a:t>
+            </a:r>
+            <a:r>
+              <a:rPr lang="en-US" altLang="zh-TW" sz="1600" baseline="-25000" dirty="0" smtClean="0">
+                <a:ea typeface="新細明體" pitchFamily="-106" charset="-120"/>
+              </a:rPr>
+              <a:t>k-1</a:t>
             </a:r>
             <a:r>
               <a:rPr lang="en-US" altLang="zh-TW" sz="1600" dirty="0" smtClean="0">
                 <a:ea typeface="新細明體" pitchFamily="-106" charset="-120"/>
               </a:rPr>
-              <a:t>but put unlabeled points into </a:t>
+              <a:t>, r), but put unlabeled points into </a:t>
             </a:r>
             <a:r>
               <a:rPr lang="en-US" altLang="zh-TW" sz="1600" dirty="0" err="1" smtClean="0">
@@ -11276,17 +12292,8 @@
               <a:rPr lang="en-US" altLang="zh-TW" sz="1600" dirty="0" smtClean="0">
                 <a:ea typeface="新細明體" pitchFamily="-106" charset="-120"/>
               </a:rPr>
-              <a:t> with their automatic </a:t>
-            </a:r>
-            <a:r>
-              <a:rPr lang="en-US" altLang="zh-TW" sz="1600" dirty="0" smtClean="0">
-                <a:ea typeface="新細明體" pitchFamily="-106" charset="-120"/>
-              </a:rPr>
-              <a:t>labels.</a:t>
-            </a:r>
-            <a:endParaRPr lang="en-US" altLang="zh-TW" sz="1600" dirty="0" smtClean="0">
-              <a:ea typeface="新細明體" pitchFamily="-106" charset="-120"/>
-            </a:endParaRPr>
+              <a:t> with their automatic labels.</a:t>
+            </a:r>
           </a:p>
           <a:p>
             <a:pPr lvl="2" eaLnBrk="1" hangingPunct="1">
@@ -11496,14 +12503,14 @@
   <p:timing>
     <p:tnLst>
       <p:par>
-        <p:cTn xmlns:p14="http://schemas.microsoft.com/office/powerpoint/2010/main" id="1" dur="indefinite" restart="never" nodeType="tmRoot"/>
+        <p:cTn id="1" dur="indefinite" restart="never" nodeType="tmRoot"/>
       </p:par>
     </p:tnLst>
   </p:timing>
 </p:sld>
 </file>
 
-<file path=ppt/slides/slide15.xml><?xml version="1.0" encoding="utf-8"?>
+<file path=ppt/slides/slide16.xml><?xml version="1.0" encoding="utf-8"?>
 <p:sld xmlns:a="http://schemas.openxmlformats.org/drawingml/2006/main" xmlns:r="http://schemas.openxmlformats.org/officeDocument/2006/relationships" xmlns:p="http://schemas.openxmlformats.org/presentationml/2006/main">
   <p:cSld>
     <p:spTree>
@@ -11562,14 +12569,14 @@
             <p:ph idx="1"/>
             <p:extLst>
               <p:ext uri="{D42A27DB-BD31-4B8C-83A1-F6EECF244321}">
-                <p14:modId xmlns:p14="http://schemas.microsoft.com/office/powerpoint/2010/main" val="2748343633"/>
+                <p14:modId xmlns:p14="http://schemas.microsoft.com/office/powerpoint/2010/main" val="381122266"/>
               </p:ext>
             </p:extLst>
           </p:nvPr>
         </p:nvGraphicFramePr>
         <p:xfrm>
           <a:off x="457200" y="1828800"/>
-          <a:ext cx="8229600" cy="2565399"/>
+          <a:ext cx="8229600" cy="2565400"/>
         </p:xfrm>
         <a:graphic>
           <a:graphicData uri="http://schemas.openxmlformats.org/drawingml/2006/table">
@@ -11697,15 +12704,31 @@
                     <a:bodyPr/>
                     <a:lstStyle/>
                     <a:p>
+                      <a:pPr marL="0" marR="0" indent="0" algn="l" defTabSz="914400" rtl="0" eaLnBrk="1" fontAlgn="auto" latinLnBrk="0" hangingPunct="1">
+                        <a:lnSpc>
+                          <a:spcPct val="100000"/>
+                        </a:lnSpc>
+                        <a:spcBef>
+                          <a:spcPts val="0"/>
+                        </a:spcBef>
+                        <a:spcAft>
+                          <a:spcPts val="0"/>
+                        </a:spcAft>
+                        <a:buClrTx/>
+                        <a:buSzTx/>
+                        <a:buFontTx/>
+                        <a:buNone/>
+                        <a:tabLst/>
+                        <a:defRPr/>
+                      </a:pPr>
                       <a:r>
                         <a:rPr lang="en-US" dirty="0" smtClean="0"/>
-                        <a:t>Chosen from a known distribution on </a:t>
+                        <a:t>Chosen from a known distribution on R</a:t>
                       </a:r>
                       <a:r>
-                        <a:rPr lang="en-US" dirty="0" err="1" smtClean="0"/>
-                        <a:t>R^d</a:t>
+                        <a:rPr lang="en-US" baseline="30000" dirty="0" smtClean="0"/>
+                        <a:t>d</a:t>
                       </a:r>
-                      <a:endParaRPr lang="en-US" dirty="0"/>
                     </a:p>
                   </a:txBody>
                   <a:tcPr/>
@@ -11765,21 +12788,13 @@
                       </a:r>
                       <a:r>
                         <a:rPr lang="en-US" baseline="0" dirty="0" smtClean="0"/>
-                        <a:t> on unit </a:t>
+                        <a:t> on unit sphere in R</a:t>
                       </a:r>
                       <a:r>
-                        <a:rPr lang="en-US" baseline="0" dirty="0" err="1" smtClean="0"/>
-                        <a:t>sephere</a:t>
+                        <a:rPr lang="en-US" baseline="30000" dirty="0" smtClean="0"/>
+                        <a:t>d</a:t>
                       </a:r>
-                      <a:r>
-                        <a:rPr lang="en-US" baseline="0" dirty="0" smtClean="0"/>
-                        <a:t> in </a:t>
-                      </a:r>
-                      <a:r>
-                        <a:rPr lang="en-US" baseline="0" dirty="0" err="1" smtClean="0"/>
-                        <a:t>R^d</a:t>
-                      </a:r>
-                      <a:endParaRPr lang="en-US" dirty="0"/>
+                      <a:endParaRPr lang="en-US" baseline="30000" dirty="0"/>
                     </a:p>
                   </a:txBody>
                   <a:tcPr/>
@@ -11856,21 +12871,12 @@
                       </a:r>
                       <a:r>
                         <a:rPr lang="en-US" baseline="0" dirty="0" smtClean="0"/>
-                        <a:t> on unit </a:t>
+                        <a:t> on unit sphere in R</a:t>
                       </a:r>
                       <a:r>
-                        <a:rPr lang="en-US" baseline="0" dirty="0" err="1" smtClean="0"/>
-                        <a:t>sephere</a:t>
+                        <a:rPr lang="en-US" baseline="30000" dirty="0" smtClean="0"/>
+                        <a:t>d</a:t>
                       </a:r>
-                      <a:r>
-                        <a:rPr lang="en-US" baseline="0" dirty="0" smtClean="0"/>
-                        <a:t> in </a:t>
-                      </a:r>
-                      <a:r>
-                        <a:rPr lang="en-US" baseline="0" dirty="0" err="1" smtClean="0"/>
-                        <a:t>R^d</a:t>
-                      </a:r>
-                      <a:endParaRPr lang="en-US" dirty="0" smtClean="0"/>
                     </a:p>
                   </a:txBody>
                   <a:tcPr/>
@@ -11898,7 +12904,7 @@
             <a:fld id="{604EAB18-E0EA-45DC-AA4D-A7A0A794259A}" type="slidenum">
               <a:rPr lang="en-US" smtClean="0"/>
               <a:pPr/>
-              <a:t>15</a:t>
+              <a:t>16</a:t>
             </a:fld>
             <a:endParaRPr lang="en-US"/>
           </a:p>
@@ -11990,14 +12996,14 @@
   <p:timing>
     <p:tnLst>
       <p:par>
-        <p:cTn xmlns:p14="http://schemas.microsoft.com/office/powerpoint/2010/main" id="1" dur="indefinite" restart="never" nodeType="tmRoot"/>
+        <p:cTn id="1" dur="indefinite" restart="never" nodeType="tmRoot"/>
       </p:par>
     </p:tnLst>
   </p:timing>
 </p:sld>
 </file>
 
-<file path=ppt/slides/slide16.xml><?xml version="1.0" encoding="utf-8"?>
+<file path=ppt/slides/slide17.xml><?xml version="1.0" encoding="utf-8"?>
 <p:sld xmlns:a="http://schemas.openxmlformats.org/drawingml/2006/main" xmlns:r="http://schemas.openxmlformats.org/officeDocument/2006/relationships" xmlns:p="http://schemas.openxmlformats.org/presentationml/2006/main">
   <p:cSld>
     <p:spTree>
@@ -12124,7 +13130,7 @@
               </a:lnSpc>
             </a:pPr>
             <a:r>
-              <a:rPr lang="en-US" altLang="zh-TW" sz="1600" dirty="0" smtClean="0">
+              <a:rPr lang="en-US" altLang="zh-TW" sz="2000" dirty="0" smtClean="0">
                 <a:ea typeface="新細明體" pitchFamily="-106" charset="-120"/>
               </a:rPr>
               <a:t>Training points 5000</a:t>
@@ -12137,7 +13143,7 @@
               </a:lnSpc>
             </a:pPr>
             <a:r>
-              <a:rPr lang="en-US" altLang="zh-TW" sz="1600" dirty="0" smtClean="0">
+              <a:rPr lang="en-US" altLang="zh-TW" sz="2000" dirty="0" smtClean="0">
                 <a:ea typeface="新細明體" pitchFamily="-106" charset="-120"/>
               </a:rPr>
               <a:t>Testing points 3000</a:t>
@@ -12215,7 +13221,7 @@
             <a:fld id="{604EAB18-E0EA-45DC-AA4D-A7A0A794259A}" type="slidenum">
               <a:rPr lang="en-US" smtClean="0"/>
               <a:pPr/>
-              <a:t>16</a:t>
+              <a:t>17</a:t>
             </a:fld>
             <a:endParaRPr lang="en-US"/>
           </a:p>
@@ -12234,14 +13240,14 @@
   <p:timing>
     <p:tnLst>
       <p:par>
-        <p:cTn xmlns:p14="http://schemas.microsoft.com/office/powerpoint/2010/main" id="1" dur="indefinite" restart="never" nodeType="tmRoot"/>
+        <p:cTn id="1" dur="indefinite" restart="never" nodeType="tmRoot"/>
       </p:par>
     </p:tnLst>
   </p:timing>
 </p:sld>
 </file>
 
-<file path=ppt/slides/slide17.xml><?xml version="1.0" encoding="utf-8"?>
+<file path=ppt/slides/slide18.xml><?xml version="1.0" encoding="utf-8"?>
 <p:sld xmlns:a="http://schemas.openxmlformats.org/drawingml/2006/main" xmlns:r="http://schemas.openxmlformats.org/officeDocument/2006/relationships" xmlns:p="http://schemas.openxmlformats.org/presentationml/2006/main">
   <p:cSld>
     <p:spTree>
@@ -12369,7 +13375,7 @@
             <a:fld id="{604EAB18-E0EA-45DC-AA4D-A7A0A794259A}" type="slidenum">
               <a:rPr lang="en-US" smtClean="0"/>
               <a:pPr/>
-              <a:t>17</a:t>
+              <a:t>18</a:t>
             </a:fld>
             <a:endParaRPr lang="en-US"/>
           </a:p>
@@ -12388,14 +13394,14 @@
   <p:timing>
     <p:tnLst>
       <p:par>
-        <p:cTn xmlns:p14="http://schemas.microsoft.com/office/powerpoint/2010/main" id="1" dur="indefinite" restart="never" nodeType="tmRoot"/>
+        <p:cTn id="1" dur="indefinite" restart="never" nodeType="tmRoot"/>
       </p:par>
     </p:tnLst>
   </p:timing>
 </p:sld>
 </file>
 
-<file path=ppt/slides/slide18.xml><?xml version="1.0" encoding="utf-8"?>
+<file path=ppt/slides/slide19.xml><?xml version="1.0" encoding="utf-8"?>
 <p:sld xmlns:a="http://schemas.openxmlformats.org/drawingml/2006/main" xmlns:r="http://schemas.openxmlformats.org/officeDocument/2006/relationships" xmlns:p="http://schemas.openxmlformats.org/presentationml/2006/main">
   <p:cSld>
     <p:spTree>
@@ -12523,7 +13529,7 @@
             <a:fld id="{604EAB18-E0EA-45DC-AA4D-A7A0A794259A}" type="slidenum">
               <a:rPr lang="en-US" smtClean="0"/>
               <a:pPr/>
-              <a:t>18</a:t>
+              <a:t>19</a:t>
             </a:fld>
             <a:endParaRPr lang="en-US"/>
           </a:p>
@@ -12542,14 +13548,607 @@
   <p:timing>
     <p:tnLst>
       <p:par>
-        <p:cTn xmlns:p14="http://schemas.microsoft.com/office/powerpoint/2010/main" id="1" dur="indefinite" restart="never" nodeType="tmRoot"/>
+        <p:cTn id="1" dur="indefinite" restart="never" nodeType="tmRoot"/>
       </p:par>
     </p:tnLst>
   </p:timing>
 </p:sld>
 </file>
 
-<file path=ppt/slides/slide19.xml><?xml version="1.0" encoding="utf-8"?>
+<file path=ppt/slides/slide2.xml><?xml version="1.0" encoding="utf-8"?>
+<p:sld xmlns:a="http://schemas.openxmlformats.org/drawingml/2006/main" xmlns:r="http://schemas.openxmlformats.org/officeDocument/2006/relationships" xmlns:p="http://schemas.openxmlformats.org/presentationml/2006/main">
+  <p:cSld>
+    <p:spTree>
+      <p:nvGrpSpPr>
+        <p:cNvPr id="1" name=""/>
+        <p:cNvGrpSpPr/>
+        <p:nvPr/>
+      </p:nvGrpSpPr>
+      <p:grpSpPr>
+        <a:xfrm>
+          <a:off x="0" y="0"/>
+          <a:ext cx="0" cy="0"/>
+          <a:chOff x="0" y="0"/>
+          <a:chExt cx="0" cy="0"/>
+        </a:xfrm>
+      </p:grpSpPr>
+      <p:sp>
+        <p:nvSpPr>
+          <p:cNvPr id="47106" name="Slide Number Placeholder 5"/>
+          <p:cNvSpPr>
+            <a:spLocks noGrp="1"/>
+          </p:cNvSpPr>
+          <p:nvPr>
+            <p:ph type="sldNum" sz="quarter" idx="12"/>
+          </p:nvPr>
+        </p:nvSpPr>
+        <p:spPr>
+          <a:noFill/>
+          <a:ln/>
+          <a:extLst>
+            <a:ext uri="{909E8E84-426E-40DD-AFC4-6F175D3DCCD1}">
+              <a14:hiddenFill xmlns:a14="http://schemas.microsoft.com/office/drawing/2010/main">
+                <a:solidFill>
+                  <a:srgbClr val="FFFFFF"/>
+                </a:solidFill>
+              </a14:hiddenFill>
+            </a:ext>
+            <a:ext uri="{91240B29-F687-4F45-9708-019B960494DF}">
+              <a14:hiddenLine xmlns:a14="http://schemas.microsoft.com/office/drawing/2010/main" w="9525">
+                <a:solidFill>
+                  <a:srgbClr val="000000"/>
+                </a:solidFill>
+                <a:miter lim="800000"/>
+                <a:headEnd/>
+                <a:tailEnd/>
+              </a14:hiddenLine>
+            </a:ext>
+          </a:extLst>
+        </p:spPr>
+        <p:txBody>
+          <a:bodyPr/>
+          <a:lstStyle>
+            <a:lvl1pPr eaLnBrk="0" hangingPunct="0">
+              <a:defRPr sz="2400">
+                <a:solidFill>
+                  <a:schemeClr val="tx1"/>
+                </a:solidFill>
+                <a:latin typeface="Arial" charset="0"/>
+                <a:ea typeface="ＭＳ Ｐゴシック" pitchFamily="-106" charset="-128"/>
+              </a:defRPr>
+            </a:lvl1pPr>
+            <a:lvl2pPr marL="37931725" indent="-37474525" eaLnBrk="0" hangingPunct="0">
+              <a:defRPr sz="2400">
+                <a:solidFill>
+                  <a:schemeClr val="tx1"/>
+                </a:solidFill>
+                <a:latin typeface="Arial" charset="0"/>
+                <a:ea typeface="ＭＳ Ｐゴシック" pitchFamily="-106" charset="-128"/>
+              </a:defRPr>
+            </a:lvl2pPr>
+            <a:lvl3pPr eaLnBrk="0" hangingPunct="0">
+              <a:defRPr sz="2400">
+                <a:solidFill>
+                  <a:schemeClr val="tx1"/>
+                </a:solidFill>
+                <a:latin typeface="Arial" charset="0"/>
+                <a:ea typeface="ＭＳ Ｐゴシック" pitchFamily="-106" charset="-128"/>
+              </a:defRPr>
+            </a:lvl3pPr>
+            <a:lvl4pPr eaLnBrk="0" hangingPunct="0">
+              <a:defRPr sz="2400">
+                <a:solidFill>
+                  <a:schemeClr val="tx1"/>
+                </a:solidFill>
+                <a:latin typeface="Arial" charset="0"/>
+                <a:ea typeface="ＭＳ Ｐゴシック" pitchFamily="-106" charset="-128"/>
+              </a:defRPr>
+            </a:lvl4pPr>
+            <a:lvl5pPr eaLnBrk="0" hangingPunct="0">
+              <a:defRPr sz="2400">
+                <a:solidFill>
+                  <a:schemeClr val="tx1"/>
+                </a:solidFill>
+                <a:latin typeface="Arial" charset="0"/>
+                <a:ea typeface="ＭＳ Ｐゴシック" pitchFamily="-106" charset="-128"/>
+              </a:defRPr>
+            </a:lvl5pPr>
+            <a:lvl6pPr marL="457200" eaLnBrk="0" fontAlgn="base" hangingPunct="0">
+              <a:spcBef>
+                <a:spcPct val="0"/>
+              </a:spcBef>
+              <a:spcAft>
+                <a:spcPct val="0"/>
+              </a:spcAft>
+              <a:defRPr sz="2400">
+                <a:solidFill>
+                  <a:schemeClr val="tx1"/>
+                </a:solidFill>
+                <a:latin typeface="Arial" charset="0"/>
+                <a:ea typeface="ＭＳ Ｐゴシック" pitchFamily="-106" charset="-128"/>
+              </a:defRPr>
+            </a:lvl6pPr>
+            <a:lvl7pPr marL="914400" eaLnBrk="0" fontAlgn="base" hangingPunct="0">
+              <a:spcBef>
+                <a:spcPct val="0"/>
+              </a:spcBef>
+              <a:spcAft>
+                <a:spcPct val="0"/>
+              </a:spcAft>
+              <a:defRPr sz="2400">
+                <a:solidFill>
+                  <a:schemeClr val="tx1"/>
+                </a:solidFill>
+                <a:latin typeface="Arial" charset="0"/>
+                <a:ea typeface="ＭＳ Ｐゴシック" pitchFamily="-106" charset="-128"/>
+              </a:defRPr>
+            </a:lvl7pPr>
+            <a:lvl8pPr marL="1371600" eaLnBrk="0" fontAlgn="base" hangingPunct="0">
+              <a:spcBef>
+                <a:spcPct val="0"/>
+              </a:spcBef>
+              <a:spcAft>
+                <a:spcPct val="0"/>
+              </a:spcAft>
+              <a:defRPr sz="2400">
+                <a:solidFill>
+                  <a:schemeClr val="tx1"/>
+                </a:solidFill>
+                <a:latin typeface="Arial" charset="0"/>
+                <a:ea typeface="ＭＳ Ｐゴシック" pitchFamily="-106" charset="-128"/>
+              </a:defRPr>
+            </a:lvl8pPr>
+            <a:lvl9pPr marL="1828800" eaLnBrk="0" fontAlgn="base" hangingPunct="0">
+              <a:spcBef>
+                <a:spcPct val="0"/>
+              </a:spcBef>
+              <a:spcAft>
+                <a:spcPct val="0"/>
+              </a:spcAft>
+              <a:defRPr sz="2400">
+                <a:solidFill>
+                  <a:schemeClr val="tx1"/>
+                </a:solidFill>
+                <a:latin typeface="Arial" charset="0"/>
+                <a:ea typeface="ＭＳ Ｐゴシック" pitchFamily="-106" charset="-128"/>
+              </a:defRPr>
+            </a:lvl9pPr>
+          </a:lstStyle>
+          <a:p>
+            <a:pPr eaLnBrk="1" hangingPunct="1"/>
+            <a:fld id="{AAA04654-EE4A-4EBE-BC23-CDB80A2BF4DE}" type="slidenum">
+              <a:rPr lang="en-US" sz="1200">
+                <a:latin typeface="Garamond" pitchFamily="-106" charset="0"/>
+              </a:rPr>
+              <a:pPr eaLnBrk="1" hangingPunct="1"/>
+              <a:t>2</a:t>
+            </a:fld>
+            <a:endParaRPr lang="en-US" sz="1200">
+              <a:latin typeface="Garamond" pitchFamily="-106" charset="0"/>
+            </a:endParaRPr>
+          </a:p>
+        </p:txBody>
+      </p:sp>
+      <p:sp>
+        <p:nvSpPr>
+          <p:cNvPr id="47107" name="Rectangle 2"/>
+          <p:cNvSpPr>
+            <a:spLocks noGrp="1" noChangeArrowheads="1"/>
+          </p:cNvSpPr>
+          <p:nvPr>
+            <p:ph type="title"/>
+          </p:nvPr>
+        </p:nvSpPr>
+        <p:spPr/>
+        <p:txBody>
+          <a:bodyPr/>
+          <a:lstStyle/>
+          <a:p>
+            <a:pPr eaLnBrk="1" hangingPunct="1"/>
+            <a:r>
+              <a:rPr lang="en-US" altLang="zh-TW" b="1" dirty="0" smtClean="0">
+                <a:latin typeface="Arial" pitchFamily="34" charset="0"/>
+                <a:ea typeface="新細明體" pitchFamily="-106" charset="-120"/>
+                <a:cs typeface="Arial" pitchFamily="34" charset="0"/>
+              </a:rPr>
+              <a:t>Motivation</a:t>
+            </a:r>
+            <a:endParaRPr lang="zh-TW" altLang="en-US" b="1" dirty="0" smtClean="0">
+              <a:latin typeface="Arial" pitchFamily="34" charset="0"/>
+              <a:ea typeface="新細明體" pitchFamily="-106" charset="-120"/>
+              <a:cs typeface="Arial" pitchFamily="34" charset="0"/>
+            </a:endParaRPr>
+          </a:p>
+        </p:txBody>
+      </p:sp>
+      <p:sp>
+        <p:nvSpPr>
+          <p:cNvPr id="5" name="Rectangle 3"/>
+          <p:cNvSpPr txBox="1">
+            <a:spLocks noChangeArrowheads="1"/>
+          </p:cNvSpPr>
+          <p:nvPr/>
+        </p:nvSpPr>
+        <p:spPr bwMode="auto">
+          <a:xfrm>
+            <a:off x="381000" y="1219200"/>
+            <a:ext cx="8458200" cy="4724400"/>
+          </a:xfrm>
+          <a:prstGeom prst="rect">
+            <a:avLst/>
+          </a:prstGeom>
+          <a:noFill/>
+          <a:ln>
+            <a:noFill/>
+          </a:ln>
+          <a:extLst>
+            <a:ext uri="{909E8E84-426E-40DD-AFC4-6F175D3DCCD1}">
+              <a14:hiddenFill xmlns:a14="http://schemas.microsoft.com/office/drawing/2010/main">
+                <a:solidFill>
+                  <a:srgbClr val="FFFFFF"/>
+                </a:solidFill>
+              </a14:hiddenFill>
+            </a:ext>
+            <a:ext uri="{91240B29-F687-4F45-9708-019B960494DF}">
+              <a14:hiddenLine xmlns:a14="http://schemas.microsoft.com/office/drawing/2010/main" w="9525">
+                <a:solidFill>
+                  <a:srgbClr val="000000"/>
+                </a:solidFill>
+                <a:miter lim="800000"/>
+                <a:headEnd/>
+                <a:tailEnd/>
+              </a14:hiddenLine>
+            </a:ext>
+          </a:extLst>
+        </p:spPr>
+        <p:txBody>
+          <a:bodyPr vert="horz" wrap="square" lIns="91440" tIns="45720" rIns="91440" bIns="45720" numCol="1" anchor="t" anchorCtr="0" compatLnSpc="1">
+            <a:prstTxWarp prst="textNoShape">
+              <a:avLst/>
+            </a:prstTxWarp>
+          </a:bodyPr>
+          <a:lstStyle>
+            <a:lvl1pPr marL="342900" indent="-342900" algn="l" rtl="0" eaLnBrk="0" fontAlgn="base" hangingPunct="0">
+              <a:spcBef>
+                <a:spcPct val="20000"/>
+              </a:spcBef>
+              <a:spcAft>
+                <a:spcPct val="0"/>
+              </a:spcAft>
+              <a:buClr>
+                <a:schemeClr val="accent1"/>
+              </a:buClr>
+              <a:buSzPct val="65000"/>
+              <a:buFont typeface="Wingdings" pitchFamily="-106" charset="2"/>
+              <a:buChar char="n"/>
+              <a:defRPr sz="3000">
+                <a:solidFill>
+                  <a:schemeClr val="tx1"/>
+                </a:solidFill>
+                <a:latin typeface="+mn-lt"/>
+                <a:ea typeface="ＭＳ Ｐゴシック" pitchFamily="-106" charset="-128"/>
+                <a:cs typeface="+mn-cs"/>
+              </a:defRPr>
+            </a:lvl1pPr>
+            <a:lvl2pPr marL="669925" indent="-325438" algn="l" rtl="0" eaLnBrk="0" fontAlgn="base" hangingPunct="0">
+              <a:spcBef>
+                <a:spcPct val="20000"/>
+              </a:spcBef>
+              <a:spcAft>
+                <a:spcPct val="0"/>
+              </a:spcAft>
+              <a:buClr>
+                <a:schemeClr val="accent2"/>
+              </a:buClr>
+              <a:buSzPct val="60000"/>
+              <a:buFont typeface="Wingdings" pitchFamily="-106" charset="2"/>
+              <a:buChar char="q"/>
+              <a:defRPr sz="2600">
+                <a:solidFill>
+                  <a:schemeClr val="tx1"/>
+                </a:solidFill>
+                <a:latin typeface="+mn-lt"/>
+                <a:ea typeface="ＭＳ Ｐゴシック" pitchFamily="-106" charset="-128"/>
+              </a:defRPr>
+            </a:lvl2pPr>
+            <a:lvl3pPr marL="1022350" indent="-350838" algn="l" rtl="0" eaLnBrk="0" fontAlgn="base" hangingPunct="0">
+              <a:spcBef>
+                <a:spcPct val="20000"/>
+              </a:spcBef>
+              <a:spcAft>
+                <a:spcPct val="0"/>
+              </a:spcAft>
+              <a:buClr>
+                <a:schemeClr val="accent1"/>
+              </a:buClr>
+              <a:buSzPct val="65000"/>
+              <a:buFont typeface="Wingdings" pitchFamily="-106" charset="2"/>
+              <a:buChar char="n"/>
+              <a:defRPr sz="2200">
+                <a:solidFill>
+                  <a:schemeClr val="tx1"/>
+                </a:solidFill>
+                <a:latin typeface="+mn-lt"/>
+                <a:ea typeface="ＭＳ Ｐゴシック" pitchFamily="-106" charset="-128"/>
+              </a:defRPr>
+            </a:lvl3pPr>
+            <a:lvl4pPr marL="1339850" indent="-315913" algn="l" rtl="0" eaLnBrk="0" fontAlgn="base" hangingPunct="0">
+              <a:spcBef>
+                <a:spcPct val="20000"/>
+              </a:spcBef>
+              <a:spcAft>
+                <a:spcPct val="0"/>
+              </a:spcAft>
+              <a:buClr>
+                <a:schemeClr val="accent2"/>
+              </a:buClr>
+              <a:buSzPct val="70000"/>
+              <a:buFont typeface="Wingdings" pitchFamily="-106" charset="2"/>
+              <a:buChar char="q"/>
+              <a:defRPr sz="2000">
+                <a:solidFill>
+                  <a:schemeClr val="tx1"/>
+                </a:solidFill>
+                <a:latin typeface="+mn-lt"/>
+                <a:ea typeface="ＭＳ Ｐゴシック" pitchFamily="-106" charset="-128"/>
+              </a:defRPr>
+            </a:lvl4pPr>
+            <a:lvl5pPr marL="1681163" indent="-339725" algn="l" rtl="0" eaLnBrk="0" fontAlgn="base" hangingPunct="0">
+              <a:spcBef>
+                <a:spcPct val="20000"/>
+              </a:spcBef>
+              <a:spcAft>
+                <a:spcPct val="0"/>
+              </a:spcAft>
+              <a:buClr>
+                <a:schemeClr val="accent1"/>
+              </a:buClr>
+              <a:buSzPct val="75000"/>
+              <a:buFont typeface="Wingdings" pitchFamily="-106" charset="2"/>
+              <a:buChar char="§"/>
+              <a:defRPr sz="2000">
+                <a:solidFill>
+                  <a:schemeClr val="tx1"/>
+                </a:solidFill>
+                <a:latin typeface="+mn-lt"/>
+                <a:ea typeface="ＭＳ Ｐゴシック" pitchFamily="-106" charset="-128"/>
+              </a:defRPr>
+            </a:lvl5pPr>
+            <a:lvl6pPr marL="2138363" indent="-339725" algn="l" rtl="0" fontAlgn="base">
+              <a:spcBef>
+                <a:spcPct val="20000"/>
+              </a:spcBef>
+              <a:spcAft>
+                <a:spcPct val="0"/>
+              </a:spcAft>
+              <a:buClr>
+                <a:schemeClr val="accent1"/>
+              </a:buClr>
+              <a:buSzPct val="75000"/>
+              <a:buFont typeface="Wingdings" pitchFamily="2" charset="2"/>
+              <a:buChar char="§"/>
+              <a:defRPr sz="2000">
+                <a:solidFill>
+                  <a:schemeClr val="tx1"/>
+                </a:solidFill>
+                <a:latin typeface="+mn-lt"/>
+              </a:defRPr>
+            </a:lvl6pPr>
+            <a:lvl7pPr marL="2595563" indent="-339725" algn="l" rtl="0" fontAlgn="base">
+              <a:spcBef>
+                <a:spcPct val="20000"/>
+              </a:spcBef>
+              <a:spcAft>
+                <a:spcPct val="0"/>
+              </a:spcAft>
+              <a:buClr>
+                <a:schemeClr val="accent1"/>
+              </a:buClr>
+              <a:buSzPct val="75000"/>
+              <a:buFont typeface="Wingdings" pitchFamily="2" charset="2"/>
+              <a:buChar char="§"/>
+              <a:defRPr sz="2000">
+                <a:solidFill>
+                  <a:schemeClr val="tx1"/>
+                </a:solidFill>
+                <a:latin typeface="+mn-lt"/>
+              </a:defRPr>
+            </a:lvl7pPr>
+            <a:lvl8pPr marL="3052763" indent="-339725" algn="l" rtl="0" fontAlgn="base">
+              <a:spcBef>
+                <a:spcPct val="20000"/>
+              </a:spcBef>
+              <a:spcAft>
+                <a:spcPct val="0"/>
+              </a:spcAft>
+              <a:buClr>
+                <a:schemeClr val="accent1"/>
+              </a:buClr>
+              <a:buSzPct val="75000"/>
+              <a:buFont typeface="Wingdings" pitchFamily="2" charset="2"/>
+              <a:buChar char="§"/>
+              <a:defRPr sz="2000">
+                <a:solidFill>
+                  <a:schemeClr val="tx1"/>
+                </a:solidFill>
+                <a:latin typeface="+mn-lt"/>
+              </a:defRPr>
+            </a:lvl8pPr>
+            <a:lvl9pPr marL="3509963" indent="-339725" algn="l" rtl="0" fontAlgn="base">
+              <a:spcBef>
+                <a:spcPct val="20000"/>
+              </a:spcBef>
+              <a:spcAft>
+                <a:spcPct val="0"/>
+              </a:spcAft>
+              <a:buClr>
+                <a:schemeClr val="accent1"/>
+              </a:buClr>
+              <a:buSzPct val="75000"/>
+              <a:buFont typeface="Wingdings" pitchFamily="2" charset="2"/>
+              <a:buChar char="§"/>
+              <a:defRPr sz="2000">
+                <a:solidFill>
+                  <a:schemeClr val="tx1"/>
+                </a:solidFill>
+                <a:latin typeface="+mn-lt"/>
+              </a:defRPr>
+            </a:lvl9pPr>
+          </a:lstStyle>
+          <a:p>
+            <a:pPr eaLnBrk="1" hangingPunct="1">
+              <a:spcBef>
+                <a:spcPts val="600"/>
+              </a:spcBef>
+              <a:spcAft>
+                <a:spcPts val="600"/>
+              </a:spcAft>
+            </a:pPr>
+            <a:r>
+              <a:rPr lang="en-US" altLang="zh-TW" sz="2600" dirty="0" smtClean="0">
+                <a:ea typeface="新細明體" pitchFamily="-106" charset="-120"/>
+              </a:rPr>
+              <a:t>A whole lot of unlabeled points available, but labels expensive</a:t>
+            </a:r>
+          </a:p>
+          <a:p>
+            <a:pPr eaLnBrk="1" hangingPunct="1">
+              <a:spcBef>
+                <a:spcPts val="600"/>
+              </a:spcBef>
+              <a:spcAft>
+                <a:spcPts val="600"/>
+              </a:spcAft>
+            </a:pPr>
+            <a:r>
+              <a:rPr lang="en-US" altLang="zh-TW" sz="2600" dirty="0" smtClean="0">
+                <a:ea typeface="新細明體" pitchFamily="-106" charset="-120"/>
+              </a:rPr>
+              <a:t>Choose data points which are most informative</a:t>
+            </a:r>
+          </a:p>
+          <a:p>
+            <a:pPr eaLnBrk="1" hangingPunct="1">
+              <a:spcBef>
+                <a:spcPts val="600"/>
+              </a:spcBef>
+              <a:spcAft>
+                <a:spcPts val="600"/>
+              </a:spcAft>
+            </a:pPr>
+            <a:r>
+              <a:rPr lang="en-US" altLang="zh-TW" sz="2600" dirty="0" smtClean="0">
+                <a:ea typeface="新細明體" pitchFamily="-106" charset="-120"/>
+              </a:rPr>
+              <a:t>Typical scenarios</a:t>
+            </a:r>
+          </a:p>
+          <a:p>
+            <a:pPr lvl="1" eaLnBrk="1" hangingPunct="1">
+              <a:lnSpc>
+                <a:spcPct val="90000"/>
+              </a:lnSpc>
+            </a:pPr>
+            <a:r>
+              <a:rPr lang="en-US" altLang="zh-TW" sz="2400" dirty="0" smtClean="0">
+                <a:ea typeface="新細明體" pitchFamily="-106" charset="-120"/>
+              </a:rPr>
+              <a:t>Document (image, video) Labeling</a:t>
+            </a:r>
+          </a:p>
+          <a:p>
+            <a:pPr lvl="1" eaLnBrk="1" hangingPunct="1">
+              <a:lnSpc>
+                <a:spcPct val="90000"/>
+              </a:lnSpc>
+            </a:pPr>
+            <a:r>
+              <a:rPr lang="en-US" altLang="zh-TW" sz="2400" dirty="0" smtClean="0">
+                <a:ea typeface="新細明體" pitchFamily="-106" charset="-120"/>
+              </a:rPr>
+              <a:t>Hand-writing recognition (</a:t>
+            </a:r>
+            <a:r>
+              <a:rPr lang="en-US" altLang="zh-TW" sz="2400" dirty="0" err="1" smtClean="0">
+                <a:ea typeface="新細明體" pitchFamily="-106" charset="-120"/>
+              </a:rPr>
+              <a:t>Captcha</a:t>
+            </a:r>
+            <a:r>
+              <a:rPr lang="en-US" altLang="zh-TW" sz="2400" dirty="0" smtClean="0">
+                <a:ea typeface="新細明體" pitchFamily="-106" charset="-120"/>
+              </a:rPr>
+              <a:t>)</a:t>
+            </a:r>
+          </a:p>
+          <a:p>
+            <a:pPr lvl="1" eaLnBrk="1" hangingPunct="1">
+              <a:lnSpc>
+                <a:spcPct val="90000"/>
+              </a:lnSpc>
+            </a:pPr>
+            <a:r>
+              <a:rPr lang="en-US" altLang="zh-TW" sz="2400" dirty="0" smtClean="0">
+                <a:ea typeface="新細明體" pitchFamily="-106" charset="-120"/>
+              </a:rPr>
+              <a:t>Speech recognition</a:t>
+            </a:r>
+          </a:p>
+          <a:p>
+            <a:pPr eaLnBrk="1" hangingPunct="1">
+              <a:lnSpc>
+                <a:spcPct val="90000"/>
+              </a:lnSpc>
+            </a:pPr>
+            <a:endParaRPr lang="en-US" altLang="zh-TW" sz="2600" dirty="0" smtClean="0">
+              <a:ea typeface="新細明體" pitchFamily="-106" charset="-120"/>
+            </a:endParaRPr>
+          </a:p>
+          <a:p>
+            <a:pPr eaLnBrk="1" hangingPunct="1">
+              <a:lnSpc>
+                <a:spcPct val="90000"/>
+              </a:lnSpc>
+            </a:pPr>
+            <a:r>
+              <a:rPr lang="en-US" altLang="zh-TW" sz="2600" dirty="0">
+                <a:ea typeface="新細明體" pitchFamily="-106" charset="-120"/>
+              </a:rPr>
+              <a:t>Goal: </a:t>
+            </a:r>
+            <a:r>
+              <a:rPr lang="en-US" sz="2600" dirty="0">
+                <a:ea typeface="新細明體" pitchFamily="-106" charset="-120"/>
+              </a:rPr>
+              <a:t>accurate classifier with minimum cost</a:t>
+            </a:r>
+            <a:endParaRPr lang="en-US" altLang="zh-TW" sz="2600" dirty="0">
+              <a:ea typeface="新細明體" pitchFamily="-106" charset="-120"/>
+            </a:endParaRPr>
+          </a:p>
+        </p:txBody>
+      </p:sp>
+    </p:spTree>
+    <p:extLst>
+      <p:ext uri="{BB962C8B-B14F-4D97-AF65-F5344CB8AC3E}">
+        <p14:creationId xmlns:p14="http://schemas.microsoft.com/office/powerpoint/2010/main" val="1850476901"/>
+      </p:ext>
+    </p:extLst>
+  </p:cSld>
+  <p:clrMapOvr>
+    <a:masterClrMapping/>
+  </p:clrMapOvr>
+  <p:timing>
+    <p:tnLst>
+      <p:par>
+        <p:cTn id="1" dur="indefinite" restart="never" nodeType="tmRoot"/>
+      </p:par>
+    </p:tnLst>
+  </p:timing>
+</p:sld>
+</file>
+
+<file path=ppt/slides/slide20.xml><?xml version="1.0" encoding="utf-8"?>
 <p:sld xmlns:a="http://schemas.openxmlformats.org/drawingml/2006/main" xmlns:r="http://schemas.openxmlformats.org/officeDocument/2006/relationships" xmlns:p="http://schemas.openxmlformats.org/presentationml/2006/main">
   <p:cSld>
     <p:spTree>
@@ -12648,7 +14247,7 @@
             <a:fld id="{604EAB18-E0EA-45DC-AA4D-A7A0A794259A}" type="slidenum">
               <a:rPr lang="en-US" smtClean="0"/>
               <a:pPr/>
-              <a:t>19</a:t>
+              <a:t>20</a:t>
             </a:fld>
             <a:endParaRPr lang="en-US"/>
           </a:p>
@@ -12708,14 +14307,14 @@
           </a:ln>
           <a:effectLst/>
           <a:extLst>
-            <a:ext uri="{909E8E84-426E-40dd-AFC4-6F175D3DCCD1}">
+            <a:ext uri="{909E8E84-426E-40DD-AFC4-6F175D3DCCD1}">
               <a14:hiddenFill xmlns:a14="http://schemas.microsoft.com/office/drawing/2010/main">
                 <a:solidFill>
                   <a:schemeClr val="accent1"/>
                 </a:solidFill>
               </a14:hiddenFill>
             </a:ext>
-            <a:ext uri="{91240B29-F687-4f45-9708-019B960494DF}">
+            <a:ext uri="{91240B29-F687-4F45-9708-019B960494DF}">
               <a14:hiddenLine xmlns:a14="http://schemas.microsoft.com/office/drawing/2010/main" w="9525">
                 <a:solidFill>
                   <a:schemeClr val="tx1"/>
@@ -12725,7 +14324,7 @@
                 <a:tailEnd/>
               </a14:hiddenLine>
             </a:ext>
-            <a:ext uri="{AF507438-7753-43e0-B8FC-AC1667EBCBE1}">
+            <a:ext uri="{AF507438-7753-43E0-B8FC-AC1667EBCBE1}">
               <a14:hiddenEffects xmlns:a14="http://schemas.microsoft.com/office/drawing/2010/main">
                 <a:effectLst>
                   <a:outerShdw dist="35921" dir="2700000" algn="ctr" rotWithShape="0">
@@ -12772,14 +14371,14 @@
           </a:ln>
           <a:effectLst/>
           <a:extLst>
-            <a:ext uri="{909E8E84-426E-40dd-AFC4-6F175D3DCCD1}">
+            <a:ext uri="{909E8E84-426E-40DD-AFC4-6F175D3DCCD1}">
               <a14:hiddenFill xmlns:a14="http://schemas.microsoft.com/office/drawing/2010/main">
                 <a:solidFill>
                   <a:schemeClr val="accent1"/>
                 </a:solidFill>
               </a14:hiddenFill>
             </a:ext>
-            <a:ext uri="{91240B29-F687-4f45-9708-019B960494DF}">
+            <a:ext uri="{91240B29-F687-4F45-9708-019B960494DF}">
               <a14:hiddenLine xmlns:a14="http://schemas.microsoft.com/office/drawing/2010/main" w="9525">
                 <a:solidFill>
                   <a:schemeClr val="tx1"/>
@@ -12789,7 +14388,7 @@
                 <a:tailEnd/>
               </a14:hiddenLine>
             </a:ext>
-            <a:ext uri="{AF507438-7753-43e0-B8FC-AC1667EBCBE1}">
+            <a:ext uri="{AF507438-7753-43E0-B8FC-AC1667EBCBE1}">
               <a14:hiddenEffects xmlns:a14="http://schemas.microsoft.com/office/drawing/2010/main">
                 <a:effectLst>
                   <a:outerShdw dist="35921" dir="2700000" algn="ctr" rotWithShape="0">
@@ -12814,607 +14413,14 @@
   <p:timing>
     <p:tnLst>
       <p:par>
-        <p:cTn xmlns:p14="http://schemas.microsoft.com/office/powerpoint/2010/main" id="1" dur="indefinite" restart="never" nodeType="tmRoot"/>
+        <p:cTn id="1" dur="indefinite" restart="never" nodeType="tmRoot"/>
       </p:par>
     </p:tnLst>
   </p:timing>
 </p:sld>
 </file>
 
-<file path=ppt/slides/slide2.xml><?xml version="1.0" encoding="utf-8"?>
-<p:sld xmlns:a="http://schemas.openxmlformats.org/drawingml/2006/main" xmlns:r="http://schemas.openxmlformats.org/officeDocument/2006/relationships" xmlns:p="http://schemas.openxmlformats.org/presentationml/2006/main">
-  <p:cSld>
-    <p:spTree>
-      <p:nvGrpSpPr>
-        <p:cNvPr id="1" name=""/>
-        <p:cNvGrpSpPr/>
-        <p:nvPr/>
-      </p:nvGrpSpPr>
-      <p:grpSpPr>
-        <a:xfrm>
-          <a:off x="0" y="0"/>
-          <a:ext cx="0" cy="0"/>
-          <a:chOff x="0" y="0"/>
-          <a:chExt cx="0" cy="0"/>
-        </a:xfrm>
-      </p:grpSpPr>
-      <p:sp>
-        <p:nvSpPr>
-          <p:cNvPr id="47106" name="Slide Number Placeholder 5"/>
-          <p:cNvSpPr>
-            <a:spLocks noGrp="1"/>
-          </p:cNvSpPr>
-          <p:nvPr>
-            <p:ph type="sldNum" sz="quarter" idx="12"/>
-          </p:nvPr>
-        </p:nvSpPr>
-        <p:spPr>
-          <a:noFill/>
-          <a:ln/>
-          <a:extLst>
-            <a:ext uri="{909E8E84-426E-40dd-AFC4-6F175D3DCCD1}">
-              <a14:hiddenFill xmlns:a14="http://schemas.microsoft.com/office/drawing/2010/main">
-                <a:solidFill>
-                  <a:srgbClr val="FFFFFF"/>
-                </a:solidFill>
-              </a14:hiddenFill>
-            </a:ext>
-            <a:ext uri="{91240B29-F687-4f45-9708-019B960494DF}">
-              <a14:hiddenLine xmlns:a14="http://schemas.microsoft.com/office/drawing/2010/main" w="9525">
-                <a:solidFill>
-                  <a:srgbClr val="000000"/>
-                </a:solidFill>
-                <a:miter lim="800000"/>
-                <a:headEnd/>
-                <a:tailEnd/>
-              </a14:hiddenLine>
-            </a:ext>
-          </a:extLst>
-        </p:spPr>
-        <p:txBody>
-          <a:bodyPr/>
-          <a:lstStyle>
-            <a:lvl1pPr eaLnBrk="0" hangingPunct="0">
-              <a:defRPr sz="2400">
-                <a:solidFill>
-                  <a:schemeClr val="tx1"/>
-                </a:solidFill>
-                <a:latin typeface="Arial" charset="0"/>
-                <a:ea typeface="ＭＳ Ｐゴシック" pitchFamily="-106" charset="-128"/>
-              </a:defRPr>
-            </a:lvl1pPr>
-            <a:lvl2pPr marL="37931725" indent="-37474525" eaLnBrk="0" hangingPunct="0">
-              <a:defRPr sz="2400">
-                <a:solidFill>
-                  <a:schemeClr val="tx1"/>
-                </a:solidFill>
-                <a:latin typeface="Arial" charset="0"/>
-                <a:ea typeface="ＭＳ Ｐゴシック" pitchFamily="-106" charset="-128"/>
-              </a:defRPr>
-            </a:lvl2pPr>
-            <a:lvl3pPr eaLnBrk="0" hangingPunct="0">
-              <a:defRPr sz="2400">
-                <a:solidFill>
-                  <a:schemeClr val="tx1"/>
-                </a:solidFill>
-                <a:latin typeface="Arial" charset="0"/>
-                <a:ea typeface="ＭＳ Ｐゴシック" pitchFamily="-106" charset="-128"/>
-              </a:defRPr>
-            </a:lvl3pPr>
-            <a:lvl4pPr eaLnBrk="0" hangingPunct="0">
-              <a:defRPr sz="2400">
-                <a:solidFill>
-                  <a:schemeClr val="tx1"/>
-                </a:solidFill>
-                <a:latin typeface="Arial" charset="0"/>
-                <a:ea typeface="ＭＳ Ｐゴシック" pitchFamily="-106" charset="-128"/>
-              </a:defRPr>
-            </a:lvl4pPr>
-            <a:lvl5pPr eaLnBrk="0" hangingPunct="0">
-              <a:defRPr sz="2400">
-                <a:solidFill>
-                  <a:schemeClr val="tx1"/>
-                </a:solidFill>
-                <a:latin typeface="Arial" charset="0"/>
-                <a:ea typeface="ＭＳ Ｐゴシック" pitchFamily="-106" charset="-128"/>
-              </a:defRPr>
-            </a:lvl5pPr>
-            <a:lvl6pPr marL="457200" eaLnBrk="0" fontAlgn="base" hangingPunct="0">
-              <a:spcBef>
-                <a:spcPct val="0"/>
-              </a:spcBef>
-              <a:spcAft>
-                <a:spcPct val="0"/>
-              </a:spcAft>
-              <a:defRPr sz="2400">
-                <a:solidFill>
-                  <a:schemeClr val="tx1"/>
-                </a:solidFill>
-                <a:latin typeface="Arial" charset="0"/>
-                <a:ea typeface="ＭＳ Ｐゴシック" pitchFamily="-106" charset="-128"/>
-              </a:defRPr>
-            </a:lvl6pPr>
-            <a:lvl7pPr marL="914400" eaLnBrk="0" fontAlgn="base" hangingPunct="0">
-              <a:spcBef>
-                <a:spcPct val="0"/>
-              </a:spcBef>
-              <a:spcAft>
-                <a:spcPct val="0"/>
-              </a:spcAft>
-              <a:defRPr sz="2400">
-                <a:solidFill>
-                  <a:schemeClr val="tx1"/>
-                </a:solidFill>
-                <a:latin typeface="Arial" charset="0"/>
-                <a:ea typeface="ＭＳ Ｐゴシック" pitchFamily="-106" charset="-128"/>
-              </a:defRPr>
-            </a:lvl7pPr>
-            <a:lvl8pPr marL="1371600" eaLnBrk="0" fontAlgn="base" hangingPunct="0">
-              <a:spcBef>
-                <a:spcPct val="0"/>
-              </a:spcBef>
-              <a:spcAft>
-                <a:spcPct val="0"/>
-              </a:spcAft>
-              <a:defRPr sz="2400">
-                <a:solidFill>
-                  <a:schemeClr val="tx1"/>
-                </a:solidFill>
-                <a:latin typeface="Arial" charset="0"/>
-                <a:ea typeface="ＭＳ Ｐゴシック" pitchFamily="-106" charset="-128"/>
-              </a:defRPr>
-            </a:lvl8pPr>
-            <a:lvl9pPr marL="1828800" eaLnBrk="0" fontAlgn="base" hangingPunct="0">
-              <a:spcBef>
-                <a:spcPct val="0"/>
-              </a:spcBef>
-              <a:spcAft>
-                <a:spcPct val="0"/>
-              </a:spcAft>
-              <a:defRPr sz="2400">
-                <a:solidFill>
-                  <a:schemeClr val="tx1"/>
-                </a:solidFill>
-                <a:latin typeface="Arial" charset="0"/>
-                <a:ea typeface="ＭＳ Ｐゴシック" pitchFamily="-106" charset="-128"/>
-              </a:defRPr>
-            </a:lvl9pPr>
-          </a:lstStyle>
-          <a:p>
-            <a:pPr eaLnBrk="1" hangingPunct="1"/>
-            <a:fld id="{AAA04654-EE4A-4EBE-BC23-CDB80A2BF4DE}" type="slidenum">
-              <a:rPr lang="en-US" sz="1200">
-                <a:latin typeface="Garamond" pitchFamily="-106" charset="0"/>
-              </a:rPr>
-              <a:pPr eaLnBrk="1" hangingPunct="1"/>
-              <a:t>2</a:t>
-            </a:fld>
-            <a:endParaRPr lang="en-US" sz="1200">
-              <a:latin typeface="Garamond" pitchFamily="-106" charset="0"/>
-            </a:endParaRPr>
-          </a:p>
-        </p:txBody>
-      </p:sp>
-      <p:sp>
-        <p:nvSpPr>
-          <p:cNvPr id="47107" name="Rectangle 2"/>
-          <p:cNvSpPr>
-            <a:spLocks noGrp="1" noChangeArrowheads="1"/>
-          </p:cNvSpPr>
-          <p:nvPr>
-            <p:ph type="title"/>
-          </p:nvPr>
-        </p:nvSpPr>
-        <p:spPr/>
-        <p:txBody>
-          <a:bodyPr/>
-          <a:lstStyle/>
-          <a:p>
-            <a:pPr eaLnBrk="1" hangingPunct="1"/>
-            <a:r>
-              <a:rPr lang="en-US" altLang="zh-TW" b="1" dirty="0" smtClean="0">
-                <a:latin typeface="Arial" pitchFamily="34" charset="0"/>
-                <a:ea typeface="新細明體" pitchFamily="-106" charset="-120"/>
-                <a:cs typeface="Arial" pitchFamily="34" charset="0"/>
-              </a:rPr>
-              <a:t>Motivation</a:t>
-            </a:r>
-            <a:endParaRPr lang="zh-TW" altLang="en-US" b="1" dirty="0" smtClean="0">
-              <a:latin typeface="Arial" pitchFamily="34" charset="0"/>
-              <a:ea typeface="新細明體" pitchFamily="-106" charset="-120"/>
-              <a:cs typeface="Arial" pitchFamily="34" charset="0"/>
-            </a:endParaRPr>
-          </a:p>
-        </p:txBody>
-      </p:sp>
-      <p:sp>
-        <p:nvSpPr>
-          <p:cNvPr id="5" name="Rectangle 3"/>
-          <p:cNvSpPr txBox="1">
-            <a:spLocks noChangeArrowheads="1"/>
-          </p:cNvSpPr>
-          <p:nvPr/>
-        </p:nvSpPr>
-        <p:spPr bwMode="auto">
-          <a:xfrm>
-            <a:off x="381000" y="1219200"/>
-            <a:ext cx="8458200" cy="4724400"/>
-          </a:xfrm>
-          <a:prstGeom prst="rect">
-            <a:avLst/>
-          </a:prstGeom>
-          <a:noFill/>
-          <a:ln>
-            <a:noFill/>
-          </a:ln>
-          <a:extLst>
-            <a:ext uri="{909E8E84-426E-40dd-AFC4-6F175D3DCCD1}">
-              <a14:hiddenFill xmlns:a14="http://schemas.microsoft.com/office/drawing/2010/main">
-                <a:solidFill>
-                  <a:srgbClr val="FFFFFF"/>
-                </a:solidFill>
-              </a14:hiddenFill>
-            </a:ext>
-            <a:ext uri="{91240B29-F687-4f45-9708-019B960494DF}">
-              <a14:hiddenLine xmlns:a14="http://schemas.microsoft.com/office/drawing/2010/main" w="9525">
-                <a:solidFill>
-                  <a:srgbClr val="000000"/>
-                </a:solidFill>
-                <a:miter lim="800000"/>
-                <a:headEnd/>
-                <a:tailEnd/>
-              </a14:hiddenLine>
-            </a:ext>
-          </a:extLst>
-        </p:spPr>
-        <p:txBody>
-          <a:bodyPr vert="horz" wrap="square" lIns="91440" tIns="45720" rIns="91440" bIns="45720" numCol="1" anchor="t" anchorCtr="0" compatLnSpc="1">
-            <a:prstTxWarp prst="textNoShape">
-              <a:avLst/>
-            </a:prstTxWarp>
-          </a:bodyPr>
-          <a:lstStyle>
-            <a:lvl1pPr marL="342900" indent="-342900" algn="l" rtl="0" eaLnBrk="0" fontAlgn="base" hangingPunct="0">
-              <a:spcBef>
-                <a:spcPct val="20000"/>
-              </a:spcBef>
-              <a:spcAft>
-                <a:spcPct val="0"/>
-              </a:spcAft>
-              <a:buClr>
-                <a:schemeClr val="accent1"/>
-              </a:buClr>
-              <a:buSzPct val="65000"/>
-              <a:buFont typeface="Wingdings" pitchFamily="-106" charset="2"/>
-              <a:buChar char="n"/>
-              <a:defRPr sz="3000">
-                <a:solidFill>
-                  <a:schemeClr val="tx1"/>
-                </a:solidFill>
-                <a:latin typeface="+mn-lt"/>
-                <a:ea typeface="ＭＳ Ｐゴシック" pitchFamily="-106" charset="-128"/>
-                <a:cs typeface="+mn-cs"/>
-              </a:defRPr>
-            </a:lvl1pPr>
-            <a:lvl2pPr marL="669925" indent="-325438" algn="l" rtl="0" eaLnBrk="0" fontAlgn="base" hangingPunct="0">
-              <a:spcBef>
-                <a:spcPct val="20000"/>
-              </a:spcBef>
-              <a:spcAft>
-                <a:spcPct val="0"/>
-              </a:spcAft>
-              <a:buClr>
-                <a:schemeClr val="accent2"/>
-              </a:buClr>
-              <a:buSzPct val="60000"/>
-              <a:buFont typeface="Wingdings" pitchFamily="-106" charset="2"/>
-              <a:buChar char="q"/>
-              <a:defRPr sz="2600">
-                <a:solidFill>
-                  <a:schemeClr val="tx1"/>
-                </a:solidFill>
-                <a:latin typeface="+mn-lt"/>
-                <a:ea typeface="ＭＳ Ｐゴシック" pitchFamily="-106" charset="-128"/>
-              </a:defRPr>
-            </a:lvl2pPr>
-            <a:lvl3pPr marL="1022350" indent="-350838" algn="l" rtl="0" eaLnBrk="0" fontAlgn="base" hangingPunct="0">
-              <a:spcBef>
-                <a:spcPct val="20000"/>
-              </a:spcBef>
-              <a:spcAft>
-                <a:spcPct val="0"/>
-              </a:spcAft>
-              <a:buClr>
-                <a:schemeClr val="accent1"/>
-              </a:buClr>
-              <a:buSzPct val="65000"/>
-              <a:buFont typeface="Wingdings" pitchFamily="-106" charset="2"/>
-              <a:buChar char="n"/>
-              <a:defRPr sz="2200">
-                <a:solidFill>
-                  <a:schemeClr val="tx1"/>
-                </a:solidFill>
-                <a:latin typeface="+mn-lt"/>
-                <a:ea typeface="ＭＳ Ｐゴシック" pitchFamily="-106" charset="-128"/>
-              </a:defRPr>
-            </a:lvl3pPr>
-            <a:lvl4pPr marL="1339850" indent="-315913" algn="l" rtl="0" eaLnBrk="0" fontAlgn="base" hangingPunct="0">
-              <a:spcBef>
-                <a:spcPct val="20000"/>
-              </a:spcBef>
-              <a:spcAft>
-                <a:spcPct val="0"/>
-              </a:spcAft>
-              <a:buClr>
-                <a:schemeClr val="accent2"/>
-              </a:buClr>
-              <a:buSzPct val="70000"/>
-              <a:buFont typeface="Wingdings" pitchFamily="-106" charset="2"/>
-              <a:buChar char="q"/>
-              <a:defRPr sz="2000">
-                <a:solidFill>
-                  <a:schemeClr val="tx1"/>
-                </a:solidFill>
-                <a:latin typeface="+mn-lt"/>
-                <a:ea typeface="ＭＳ Ｐゴシック" pitchFamily="-106" charset="-128"/>
-              </a:defRPr>
-            </a:lvl4pPr>
-            <a:lvl5pPr marL="1681163" indent="-339725" algn="l" rtl="0" eaLnBrk="0" fontAlgn="base" hangingPunct="0">
-              <a:spcBef>
-                <a:spcPct val="20000"/>
-              </a:spcBef>
-              <a:spcAft>
-                <a:spcPct val="0"/>
-              </a:spcAft>
-              <a:buClr>
-                <a:schemeClr val="accent1"/>
-              </a:buClr>
-              <a:buSzPct val="75000"/>
-              <a:buFont typeface="Wingdings" pitchFamily="-106" charset="2"/>
-              <a:buChar char="§"/>
-              <a:defRPr sz="2000">
-                <a:solidFill>
-                  <a:schemeClr val="tx1"/>
-                </a:solidFill>
-                <a:latin typeface="+mn-lt"/>
-                <a:ea typeface="ＭＳ Ｐゴシック" pitchFamily="-106" charset="-128"/>
-              </a:defRPr>
-            </a:lvl5pPr>
-            <a:lvl6pPr marL="2138363" indent="-339725" algn="l" rtl="0" fontAlgn="base">
-              <a:spcBef>
-                <a:spcPct val="20000"/>
-              </a:spcBef>
-              <a:spcAft>
-                <a:spcPct val="0"/>
-              </a:spcAft>
-              <a:buClr>
-                <a:schemeClr val="accent1"/>
-              </a:buClr>
-              <a:buSzPct val="75000"/>
-              <a:buFont typeface="Wingdings" pitchFamily="2" charset="2"/>
-              <a:buChar char="§"/>
-              <a:defRPr sz="2000">
-                <a:solidFill>
-                  <a:schemeClr val="tx1"/>
-                </a:solidFill>
-                <a:latin typeface="+mn-lt"/>
-              </a:defRPr>
-            </a:lvl6pPr>
-            <a:lvl7pPr marL="2595563" indent="-339725" algn="l" rtl="0" fontAlgn="base">
-              <a:spcBef>
-                <a:spcPct val="20000"/>
-              </a:spcBef>
-              <a:spcAft>
-                <a:spcPct val="0"/>
-              </a:spcAft>
-              <a:buClr>
-                <a:schemeClr val="accent1"/>
-              </a:buClr>
-              <a:buSzPct val="75000"/>
-              <a:buFont typeface="Wingdings" pitchFamily="2" charset="2"/>
-              <a:buChar char="§"/>
-              <a:defRPr sz="2000">
-                <a:solidFill>
-                  <a:schemeClr val="tx1"/>
-                </a:solidFill>
-                <a:latin typeface="+mn-lt"/>
-              </a:defRPr>
-            </a:lvl7pPr>
-            <a:lvl8pPr marL="3052763" indent="-339725" algn="l" rtl="0" fontAlgn="base">
-              <a:spcBef>
-                <a:spcPct val="20000"/>
-              </a:spcBef>
-              <a:spcAft>
-                <a:spcPct val="0"/>
-              </a:spcAft>
-              <a:buClr>
-                <a:schemeClr val="accent1"/>
-              </a:buClr>
-              <a:buSzPct val="75000"/>
-              <a:buFont typeface="Wingdings" pitchFamily="2" charset="2"/>
-              <a:buChar char="§"/>
-              <a:defRPr sz="2000">
-                <a:solidFill>
-                  <a:schemeClr val="tx1"/>
-                </a:solidFill>
-                <a:latin typeface="+mn-lt"/>
-              </a:defRPr>
-            </a:lvl8pPr>
-            <a:lvl9pPr marL="3509963" indent="-339725" algn="l" rtl="0" fontAlgn="base">
-              <a:spcBef>
-                <a:spcPct val="20000"/>
-              </a:spcBef>
-              <a:spcAft>
-                <a:spcPct val="0"/>
-              </a:spcAft>
-              <a:buClr>
-                <a:schemeClr val="accent1"/>
-              </a:buClr>
-              <a:buSzPct val="75000"/>
-              <a:buFont typeface="Wingdings" pitchFamily="2" charset="2"/>
-              <a:buChar char="§"/>
-              <a:defRPr sz="2000">
-                <a:solidFill>
-                  <a:schemeClr val="tx1"/>
-                </a:solidFill>
-                <a:latin typeface="+mn-lt"/>
-              </a:defRPr>
-            </a:lvl9pPr>
-          </a:lstStyle>
-          <a:p>
-            <a:pPr eaLnBrk="1" hangingPunct="1">
-              <a:spcBef>
-                <a:spcPts val="600"/>
-              </a:spcBef>
-              <a:spcAft>
-                <a:spcPts val="600"/>
-              </a:spcAft>
-            </a:pPr>
-            <a:r>
-              <a:rPr lang="en-US" altLang="zh-TW" sz="2600" dirty="0" smtClean="0">
-                <a:ea typeface="新細明體" pitchFamily="-106" charset="-120"/>
-              </a:rPr>
-              <a:t>A whole lot of unlabeled points available, but labels expensive</a:t>
-            </a:r>
-          </a:p>
-          <a:p>
-            <a:pPr eaLnBrk="1" hangingPunct="1">
-              <a:spcBef>
-                <a:spcPts val="600"/>
-              </a:spcBef>
-              <a:spcAft>
-                <a:spcPts val="600"/>
-              </a:spcAft>
-            </a:pPr>
-            <a:r>
-              <a:rPr lang="en-US" altLang="zh-TW" sz="2600" dirty="0" smtClean="0">
-                <a:ea typeface="新細明體" pitchFamily="-106" charset="-120"/>
-              </a:rPr>
-              <a:t>Choose data points which are most informative</a:t>
-            </a:r>
-          </a:p>
-          <a:p>
-            <a:pPr eaLnBrk="1" hangingPunct="1">
-              <a:spcBef>
-                <a:spcPts val="600"/>
-              </a:spcBef>
-              <a:spcAft>
-                <a:spcPts val="600"/>
-              </a:spcAft>
-            </a:pPr>
-            <a:r>
-              <a:rPr lang="en-US" altLang="zh-TW" sz="2600" dirty="0" smtClean="0">
-                <a:ea typeface="新細明體" pitchFamily="-106" charset="-120"/>
-              </a:rPr>
-              <a:t>Typical scenarios</a:t>
-            </a:r>
-          </a:p>
-          <a:p>
-            <a:pPr lvl="1" eaLnBrk="1" hangingPunct="1">
-              <a:lnSpc>
-                <a:spcPct val="90000"/>
-              </a:lnSpc>
-            </a:pPr>
-            <a:r>
-              <a:rPr lang="en-US" altLang="zh-TW" sz="2400" dirty="0" smtClean="0">
-                <a:ea typeface="新細明體" pitchFamily="-106" charset="-120"/>
-              </a:rPr>
-              <a:t>Document (image, video) Labeling</a:t>
-            </a:r>
-          </a:p>
-          <a:p>
-            <a:pPr lvl="1" eaLnBrk="1" hangingPunct="1">
-              <a:lnSpc>
-                <a:spcPct val="90000"/>
-              </a:lnSpc>
-            </a:pPr>
-            <a:r>
-              <a:rPr lang="en-US" altLang="zh-TW" sz="2400" dirty="0" smtClean="0">
-                <a:ea typeface="新細明體" pitchFamily="-106" charset="-120"/>
-              </a:rPr>
-              <a:t>Hand-writing recognition (</a:t>
-            </a:r>
-            <a:r>
-              <a:rPr lang="en-US" altLang="zh-TW" sz="2400" dirty="0" err="1" smtClean="0">
-                <a:ea typeface="新細明體" pitchFamily="-106" charset="-120"/>
-              </a:rPr>
-              <a:t>Captcha</a:t>
-            </a:r>
-            <a:r>
-              <a:rPr lang="en-US" altLang="zh-TW" sz="2400" dirty="0" smtClean="0">
-                <a:ea typeface="新細明體" pitchFamily="-106" charset="-120"/>
-              </a:rPr>
-              <a:t>)</a:t>
-            </a:r>
-          </a:p>
-          <a:p>
-            <a:pPr lvl="1" eaLnBrk="1" hangingPunct="1">
-              <a:lnSpc>
-                <a:spcPct val="90000"/>
-              </a:lnSpc>
-            </a:pPr>
-            <a:r>
-              <a:rPr lang="en-US" altLang="zh-TW" sz="2400" dirty="0" smtClean="0">
-                <a:ea typeface="新細明體" pitchFamily="-106" charset="-120"/>
-              </a:rPr>
-              <a:t>Speech recognition</a:t>
-            </a:r>
-          </a:p>
-          <a:p>
-            <a:pPr eaLnBrk="1" hangingPunct="1">
-              <a:lnSpc>
-                <a:spcPct val="90000"/>
-              </a:lnSpc>
-            </a:pPr>
-            <a:endParaRPr lang="en-US" altLang="zh-TW" sz="2600" dirty="0" smtClean="0">
-              <a:ea typeface="新細明體" pitchFamily="-106" charset="-120"/>
-            </a:endParaRPr>
-          </a:p>
-          <a:p>
-            <a:pPr eaLnBrk="1" hangingPunct="1">
-              <a:lnSpc>
-                <a:spcPct val="90000"/>
-              </a:lnSpc>
-            </a:pPr>
-            <a:r>
-              <a:rPr lang="en-US" altLang="zh-TW" sz="2600" dirty="0">
-                <a:ea typeface="新細明體" pitchFamily="-106" charset="-120"/>
-              </a:rPr>
-              <a:t>Goal: </a:t>
-            </a:r>
-            <a:r>
-              <a:rPr lang="en-US" sz="2600" dirty="0">
-                <a:ea typeface="新細明體" pitchFamily="-106" charset="-120"/>
-              </a:rPr>
-              <a:t>accurate classifier with minimum cost</a:t>
-            </a:r>
-            <a:endParaRPr lang="en-US" altLang="zh-TW" sz="2600" dirty="0">
-              <a:ea typeface="新細明體" pitchFamily="-106" charset="-120"/>
-            </a:endParaRPr>
-          </a:p>
-        </p:txBody>
-      </p:sp>
-    </p:spTree>
-    <p:extLst>
-      <p:ext uri="{BB962C8B-B14F-4D97-AF65-F5344CB8AC3E}">
-        <p14:creationId xmlns:p14="http://schemas.microsoft.com/office/powerpoint/2010/main" val="1850476901"/>
-      </p:ext>
-    </p:extLst>
-  </p:cSld>
-  <p:clrMapOvr>
-    <a:masterClrMapping/>
-  </p:clrMapOvr>
-  <p:timing>
-    <p:tnLst>
-      <p:par>
-        <p:cTn xmlns:p14="http://schemas.microsoft.com/office/powerpoint/2010/main" id="1" dur="indefinite" restart="never" nodeType="tmRoot"/>
-      </p:par>
-    </p:tnLst>
-  </p:timing>
-</p:sld>
-</file>
-
-<file path=ppt/slides/slide20.xml><?xml version="1.0" encoding="utf-8"?>
+<file path=ppt/slides/slide21.xml><?xml version="1.0" encoding="utf-8"?>
 <p:sld xmlns:a="http://schemas.openxmlformats.org/drawingml/2006/main" xmlns:r="http://schemas.openxmlformats.org/officeDocument/2006/relationships" xmlns:p="http://schemas.openxmlformats.org/presentationml/2006/main">
   <p:cSld>
     <p:spTree>
@@ -13542,7 +14548,7 @@
             <a:fld id="{604EAB18-E0EA-45DC-AA4D-A7A0A794259A}" type="slidenum">
               <a:rPr lang="en-US" smtClean="0"/>
               <a:pPr/>
-              <a:t>20</a:t>
+              <a:t>21</a:t>
             </a:fld>
             <a:endParaRPr lang="en-US"/>
           </a:p>
@@ -13561,14 +14567,14 @@
   <p:timing>
     <p:tnLst>
       <p:par>
-        <p:cTn xmlns:p14="http://schemas.microsoft.com/office/powerpoint/2010/main" id="1" dur="indefinite" restart="never" nodeType="tmRoot"/>
+        <p:cTn id="1" dur="indefinite" restart="never" nodeType="tmRoot"/>
       </p:par>
     </p:tnLst>
   </p:timing>
 </p:sld>
 </file>
 
-<file path=ppt/slides/slide21.xml><?xml version="1.0" encoding="utf-8"?>
+<file path=ppt/slides/slide22.xml><?xml version="1.0" encoding="utf-8"?>
 <p:sld xmlns:a="http://schemas.openxmlformats.org/drawingml/2006/main" xmlns:r="http://schemas.openxmlformats.org/officeDocument/2006/relationships" xmlns:p="http://schemas.openxmlformats.org/presentationml/2006/main">
   <p:cSld>
     <p:spTree>
@@ -13696,7 +14702,7 @@
             <a:fld id="{604EAB18-E0EA-45DC-AA4D-A7A0A794259A}" type="slidenum">
               <a:rPr lang="en-US" smtClean="0"/>
               <a:pPr/>
-              <a:t>21</a:t>
+              <a:t>22</a:t>
             </a:fld>
             <a:endParaRPr lang="en-US"/>
           </a:p>
@@ -13737,14 +14743,14 @@
           </a:ln>
           <a:effectLst/>
           <a:extLst>
-            <a:ext uri="{909E8E84-426E-40dd-AFC4-6F175D3DCCD1}">
+            <a:ext uri="{909E8E84-426E-40DD-AFC4-6F175D3DCCD1}">
               <a14:hiddenFill xmlns:a14="http://schemas.microsoft.com/office/drawing/2010/main">
                 <a:solidFill>
                   <a:schemeClr val="accent1"/>
                 </a:solidFill>
               </a14:hiddenFill>
             </a:ext>
-            <a:ext uri="{91240B29-F687-4f45-9708-019B960494DF}">
+            <a:ext uri="{91240B29-F687-4F45-9708-019B960494DF}">
               <a14:hiddenLine xmlns:a14="http://schemas.microsoft.com/office/drawing/2010/main" w="9525">
                 <a:solidFill>
                   <a:schemeClr val="tx1"/>
@@ -13754,7 +14760,7 @@
                 <a:tailEnd/>
               </a14:hiddenLine>
             </a:ext>
-            <a:ext uri="{AF507438-7753-43e0-B8FC-AC1667EBCBE1}">
+            <a:ext uri="{AF507438-7753-43E0-B8FC-AC1667EBCBE1}">
               <a14:hiddenEffects xmlns:a14="http://schemas.microsoft.com/office/drawing/2010/main">
                 <a:effectLst>
                   <a:outerShdw dist="35921" dir="2700000" algn="ctr" rotWithShape="0">
@@ -13779,14 +14785,14 @@
   <p:timing>
     <p:tnLst>
       <p:par>
-        <p:cTn xmlns:p14="http://schemas.microsoft.com/office/powerpoint/2010/main" id="1" dur="indefinite" restart="never" nodeType="tmRoot"/>
+        <p:cTn id="1" dur="indefinite" restart="never" nodeType="tmRoot"/>
       </p:par>
     </p:tnLst>
   </p:timing>
 </p:sld>
 </file>
 
-<file path=ppt/slides/slide22.xml><?xml version="1.0" encoding="utf-8"?>
+<file path=ppt/slides/slide23.xml><?xml version="1.0" encoding="utf-8"?>
 <p:sld xmlns:a="http://schemas.openxmlformats.org/drawingml/2006/main" xmlns:r="http://schemas.openxmlformats.org/officeDocument/2006/relationships" xmlns:p="http://schemas.openxmlformats.org/presentationml/2006/main">
   <p:cSld>
     <p:spTree>
@@ -14111,7 +15117,7 @@
             <a:fld id="{604EAB18-E0EA-45DC-AA4D-A7A0A794259A}" type="slidenum">
               <a:rPr lang="en-US" smtClean="0"/>
               <a:pPr/>
-              <a:t>22</a:t>
+              <a:t>23</a:t>
             </a:fld>
             <a:endParaRPr lang="en-US"/>
           </a:p>
@@ -14130,14 +15136,14 @@
   <p:timing>
     <p:tnLst>
       <p:par>
-        <p:cTn xmlns:p14="http://schemas.microsoft.com/office/powerpoint/2010/main" id="1" dur="indefinite" restart="never" nodeType="tmRoot"/>
+        <p:cTn id="1" dur="indefinite" restart="never" nodeType="tmRoot"/>
       </p:par>
     </p:tnLst>
   </p:timing>
 </p:sld>
 </file>
 
-<file path=ppt/slides/slide23.xml><?xml version="1.0" encoding="utf-8"?>
+<file path=ppt/slides/slide24.xml><?xml version="1.0" encoding="utf-8"?>
 <p:sld xmlns:a="http://schemas.openxmlformats.org/drawingml/2006/main" xmlns:r="http://schemas.openxmlformats.org/officeDocument/2006/relationships" xmlns:p="http://schemas.openxmlformats.org/presentationml/2006/main" show="0">
   <p:cSld>
     <p:spTree>
@@ -14265,7 +15271,7 @@
             <a:fld id="{604EAB18-E0EA-45DC-AA4D-A7A0A794259A}" type="slidenum">
               <a:rPr lang="en-US" smtClean="0"/>
               <a:pPr/>
-              <a:t>23</a:t>
+              <a:t>24</a:t>
             </a:fld>
             <a:endParaRPr lang="en-US"/>
           </a:p>
@@ -14292,14 +15298,14 @@
   <p:timing>
     <p:tnLst>
       <p:par>
-        <p:cTn xmlns:p14="http://schemas.microsoft.com/office/powerpoint/2010/main" id="1" dur="indefinite" restart="never" nodeType="tmRoot"/>
+        <p:cTn id="1" dur="indefinite" restart="never" nodeType="tmRoot"/>
       </p:par>
     </p:tnLst>
   </p:timing>
 </p:sld>
 </file>
 
-<file path=ppt/slides/slide24.xml><?xml version="1.0" encoding="utf-8"?>
+<file path=ppt/slides/slide25.xml><?xml version="1.0" encoding="utf-8"?>
 <p:sld xmlns:a="http://schemas.openxmlformats.org/drawingml/2006/main" xmlns:r="http://schemas.openxmlformats.org/officeDocument/2006/relationships" xmlns:p="http://schemas.openxmlformats.org/presentationml/2006/main">
   <p:cSld>
     <p:spTree>
@@ -14427,7 +15433,7 @@
             <a:fld id="{604EAB18-E0EA-45DC-AA4D-A7A0A794259A}" type="slidenum">
               <a:rPr lang="en-US" smtClean="0"/>
               <a:pPr/>
-              <a:t>24</a:t>
+              <a:t>25</a:t>
             </a:fld>
             <a:endParaRPr lang="en-US"/>
           </a:p>
@@ -14468,14 +15474,14 @@
           </a:ln>
           <a:effectLst/>
           <a:extLst>
-            <a:ext uri="{909E8E84-426E-40dd-AFC4-6F175D3DCCD1}">
+            <a:ext uri="{909E8E84-426E-40DD-AFC4-6F175D3DCCD1}">
               <a14:hiddenFill xmlns:a14="http://schemas.microsoft.com/office/drawing/2010/main">
                 <a:solidFill>
                   <a:schemeClr val="accent1"/>
                 </a:solidFill>
               </a14:hiddenFill>
             </a:ext>
-            <a:ext uri="{91240B29-F687-4f45-9708-019B960494DF}">
+            <a:ext uri="{91240B29-F687-4F45-9708-019B960494DF}">
               <a14:hiddenLine xmlns:a14="http://schemas.microsoft.com/office/drawing/2010/main" w="9525">
                 <a:solidFill>
                   <a:schemeClr val="tx1"/>
@@ -14485,7 +15491,7 @@
                 <a:tailEnd/>
               </a14:hiddenLine>
             </a:ext>
-            <a:ext uri="{AF507438-7753-43e0-B8FC-AC1667EBCBE1}">
+            <a:ext uri="{AF507438-7753-43E0-B8FC-AC1667EBCBE1}">
               <a14:hiddenEffects xmlns:a14="http://schemas.microsoft.com/office/drawing/2010/main">
                 <a:effectLst>
                   <a:outerShdw dist="35921" dir="2700000" algn="ctr" rotWithShape="0">
@@ -14510,14 +15516,14 @@
   <p:timing>
     <p:tnLst>
       <p:par>
-        <p:cTn xmlns:p14="http://schemas.microsoft.com/office/powerpoint/2010/main" id="1" dur="indefinite" restart="never" nodeType="tmRoot"/>
+        <p:cTn id="1" dur="indefinite" restart="never" nodeType="tmRoot"/>
       </p:par>
     </p:tnLst>
   </p:timing>
 </p:sld>
 </file>
 
-<file path=ppt/slides/slide25.xml><?xml version="1.0" encoding="utf-8"?>
+<file path=ppt/slides/slide26.xml><?xml version="1.0" encoding="utf-8"?>
 <p:sld xmlns:a="http://schemas.openxmlformats.org/drawingml/2006/main" xmlns:r="http://schemas.openxmlformats.org/officeDocument/2006/relationships" xmlns:p="http://schemas.openxmlformats.org/presentationml/2006/main">
   <p:cSld>
     <p:spTree>
@@ -14645,7 +15651,7 @@
             <a:fld id="{604EAB18-E0EA-45DC-AA4D-A7A0A794259A}" type="slidenum">
               <a:rPr lang="en-US" smtClean="0"/>
               <a:pPr/>
-              <a:t>25</a:t>
+              <a:t>26</a:t>
             </a:fld>
             <a:endParaRPr lang="en-US"/>
           </a:p>
@@ -14664,14 +15670,14 @@
   <p:timing>
     <p:tnLst>
       <p:par>
-        <p:cTn xmlns:p14="http://schemas.microsoft.com/office/powerpoint/2010/main" id="1" dur="indefinite" restart="never" nodeType="tmRoot"/>
+        <p:cTn id="1" dur="indefinite" restart="never" nodeType="tmRoot"/>
       </p:par>
     </p:tnLst>
   </p:timing>
 </p:sld>
 </file>
 
-<file path=ppt/slides/slide26.xml><?xml version="1.0" encoding="utf-8"?>
+<file path=ppt/slides/slide27.xml><?xml version="1.0" encoding="utf-8"?>
 <p:sld xmlns:a="http://schemas.openxmlformats.org/drawingml/2006/main" xmlns:r="http://schemas.openxmlformats.org/officeDocument/2006/relationships" xmlns:p="http://schemas.openxmlformats.org/presentationml/2006/main">
   <p:cSld>
     <p:spTree>
@@ -14799,7 +15805,7 @@
             <a:fld id="{604EAB18-E0EA-45DC-AA4D-A7A0A794259A}" type="slidenum">
               <a:rPr lang="en-US" smtClean="0"/>
               <a:pPr/>
-              <a:t>26</a:t>
+              <a:t>27</a:t>
             </a:fld>
             <a:endParaRPr lang="en-US"/>
           </a:p>
@@ -14818,14 +15824,14 @@
   <p:timing>
     <p:tnLst>
       <p:par>
-        <p:cTn xmlns:p14="http://schemas.microsoft.com/office/powerpoint/2010/main" id="1" dur="indefinite" restart="never" nodeType="tmRoot"/>
+        <p:cTn id="1" dur="indefinite" restart="never" nodeType="tmRoot"/>
       </p:par>
     </p:tnLst>
   </p:timing>
 </p:sld>
 </file>
 
-<file path=ppt/slides/slide27.xml><?xml version="1.0" encoding="utf-8"?>
+<file path=ppt/slides/slide28.xml><?xml version="1.0" encoding="utf-8"?>
 <p:sld xmlns:a="http://schemas.openxmlformats.org/drawingml/2006/main" xmlns:r="http://schemas.openxmlformats.org/officeDocument/2006/relationships" xmlns:p="http://schemas.openxmlformats.org/presentationml/2006/main">
   <p:cSld>
     <p:spTree>
@@ -14890,32 +15896,29 @@
           <a:lstStyle/>
           <a:p>
             <a:pPr eaLnBrk="1" hangingPunct="1">
-              <a:lnSpc>
-                <a:spcPct val="90000"/>
-              </a:lnSpc>
+              <a:spcBef>
+                <a:spcPts val="600"/>
+              </a:spcBef>
+              <a:spcAft>
+                <a:spcPts val="600"/>
+              </a:spcAft>
             </a:pPr>
             <a:r>
-              <a:rPr lang="en-US" sz="2800" dirty="0" smtClean="0"/>
+              <a:rPr lang="en-US" sz="2600" dirty="0" smtClean="0"/>
               <a:t>Active learning algorithms performs very well if all assumptions are satisfied.</a:t>
             </a:r>
           </a:p>
           <a:p>
-            <a:pPr marL="0" indent="0" eaLnBrk="1" hangingPunct="1">
-              <a:lnSpc>
-                <a:spcPct val="90000"/>
-              </a:lnSpc>
-              <a:buNone/>
+            <a:pPr eaLnBrk="1" hangingPunct="1">
+              <a:spcBef>
+                <a:spcPts val="600"/>
+              </a:spcBef>
+              <a:spcAft>
+                <a:spcPts val="600"/>
+              </a:spcAft>
             </a:pPr>
-            <a:endParaRPr lang="en-US" sz="2800" dirty="0" smtClean="0"/>
-          </a:p>
-          <a:p>
-            <a:pPr eaLnBrk="1" hangingPunct="1">
-              <a:lnSpc>
-                <a:spcPct val="90000"/>
-              </a:lnSpc>
-            </a:pPr>
-            <a:r>
-              <a:rPr lang="en-US" sz="2800" dirty="0" smtClean="0"/>
+            <a:r>
+              <a:rPr lang="en-US" sz="2600" dirty="0" smtClean="0"/>
               <a:t>However, since the assumptions are hardly satisfied in real world database, the performance gain is not as much as expected.</a:t>
             </a:r>
           </a:p>
@@ -14939,7 +15942,7 @@
             <a:fld id="{604EAB18-E0EA-45DC-AA4D-A7A0A794259A}" type="slidenum">
               <a:rPr lang="en-US" smtClean="0"/>
               <a:pPr/>
-              <a:t>27</a:t>
+              <a:t>28</a:t>
             </a:fld>
             <a:endParaRPr lang="en-US"/>
           </a:p>
@@ -14958,14 +15961,14 @@
   <p:timing>
     <p:tnLst>
       <p:par>
-        <p:cTn xmlns:p14="http://schemas.microsoft.com/office/powerpoint/2010/main" id="1" dur="indefinite" restart="never" nodeType="tmRoot"/>
+        <p:cTn id="1" dur="indefinite" restart="never" nodeType="tmRoot"/>
       </p:par>
     </p:tnLst>
   </p:timing>
 </p:sld>
 </file>
 
-<file path=ppt/slides/slide28.xml><?xml version="1.0" encoding="utf-8"?>
+<file path=ppt/slides/slide29.xml><?xml version="1.0" encoding="utf-8"?>
 <p:sld xmlns:a="http://schemas.openxmlformats.org/drawingml/2006/main" xmlns:r="http://schemas.openxmlformats.org/officeDocument/2006/relationships" xmlns:p="http://schemas.openxmlformats.org/presentationml/2006/main" show="0">
   <p:cSld>
     <p:spTree>
@@ -15030,27 +16033,32 @@
           <a:lstStyle/>
           <a:p>
             <a:pPr eaLnBrk="1" hangingPunct="1">
-              <a:lnSpc>
-                <a:spcPct val="90000"/>
-              </a:lnSpc>
+              <a:spcBef>
+                <a:spcPts val="600"/>
+              </a:spcBef>
+              <a:spcAft>
+                <a:spcPts val="600"/>
+              </a:spcAft>
             </a:pPr>
             <a:r>
-              <a:rPr lang="en-US" sz="2800" dirty="0" smtClean="0"/>
+              <a:rPr lang="en-US" sz="2600" dirty="0" smtClean="0"/>
               <a:t>Generate a noisy dataset but satisfies the assumption of margin-based active learning algorithm</a:t>
             </a:r>
-            <a:endParaRPr lang="en-US" sz="2800" dirty="0"/>
+            <a:endParaRPr lang="en-US" sz="2600" dirty="0"/>
           </a:p>
           <a:p>
             <a:pPr eaLnBrk="1" hangingPunct="1">
-              <a:lnSpc>
-                <a:spcPct val="90000"/>
-              </a:lnSpc>
+              <a:spcBef>
+                <a:spcPts val="600"/>
+              </a:spcBef>
+              <a:spcAft>
+                <a:spcPts val="600"/>
+              </a:spcAft>
             </a:pPr>
             <a:r>
-              <a:rPr lang="en-US" sz="2800" dirty="0" smtClean="0"/>
+              <a:rPr lang="en-US" sz="2600" dirty="0" smtClean="0"/>
               <a:t>Use SVM instead of perceptron for the basic routine of learning for margin-based active learning</a:t>
             </a:r>
-            <a:endParaRPr lang="en-US" sz="2800" dirty="0" smtClean="0"/>
           </a:p>
         </p:txBody>
       </p:sp>
@@ -15072,7 +16080,7 @@
             <a:fld id="{604EAB18-E0EA-45DC-AA4D-A7A0A794259A}" type="slidenum">
               <a:rPr lang="en-US" smtClean="0"/>
               <a:pPr/>
-              <a:t>28</a:t>
+              <a:t>29</a:t>
             </a:fld>
             <a:endParaRPr lang="en-US"/>
           </a:p>
@@ -15093,248 +16101,13 @@
       <p:transition spd="slow" p14:dur="2000"/>
     </mc:Choice>
     <mc:Fallback>
-      <p:transition xmlns:p14="http://schemas.microsoft.com/office/powerpoint/2010/main" spd="slow"/>
+      <p:transition spd="slow"/>
     </mc:Fallback>
   </mc:AlternateContent>
   <p:timing>
     <p:tnLst>
       <p:par>
-        <p:cTn xmlns:p14="http://schemas.microsoft.com/office/powerpoint/2010/main" id="1" dur="indefinite" restart="never" nodeType="tmRoot"/>
-      </p:par>
-    </p:tnLst>
-  </p:timing>
-</p:sld>
-</file>
-
-<file path=ppt/slides/slide29.xml><?xml version="1.0" encoding="utf-8"?>
-<p:sld xmlns:a="http://schemas.openxmlformats.org/drawingml/2006/main" xmlns:r="http://schemas.openxmlformats.org/officeDocument/2006/relationships" xmlns:p="http://schemas.openxmlformats.org/presentationml/2006/main">
-  <p:cSld>
-    <p:spTree>
-      <p:nvGrpSpPr>
-        <p:cNvPr id="1" name=""/>
-        <p:cNvGrpSpPr/>
-        <p:nvPr/>
-      </p:nvGrpSpPr>
-      <p:grpSpPr>
-        <a:xfrm>
-          <a:off x="0" y="0"/>
-          <a:ext cx="0" cy="0"/>
-          <a:chOff x="0" y="0"/>
-          <a:chExt cx="0" cy="0"/>
-        </a:xfrm>
-      </p:grpSpPr>
-      <p:sp>
-        <p:nvSpPr>
-          <p:cNvPr id="2" name="Title 1"/>
-          <p:cNvSpPr>
-            <a:spLocks noGrp="1"/>
-          </p:cNvSpPr>
-          <p:nvPr>
-            <p:ph type="title"/>
-          </p:nvPr>
-        </p:nvSpPr>
-        <p:spPr/>
-        <p:txBody>
-          <a:bodyPr/>
-          <a:lstStyle/>
-          <a:p>
-            <a:pPr eaLnBrk="1" hangingPunct="1"/>
-            <a:r>
-              <a:rPr lang="en-US" altLang="zh-CN" b="1" dirty="0" smtClean="0">
-                <a:latin typeface="Arial" pitchFamily="34" charset="0"/>
-                <a:ea typeface="新細明體" pitchFamily="-106" charset="-120"/>
-                <a:cs typeface="Arial" pitchFamily="34" charset="0"/>
-              </a:rPr>
-              <a:t>Reference</a:t>
-            </a:r>
-            <a:endParaRPr lang="zh-CN" altLang="en-US" b="1" dirty="0">
-              <a:latin typeface="Arial" pitchFamily="34" charset="0"/>
-              <a:ea typeface="新細明體" pitchFamily="-106" charset="-120"/>
-              <a:cs typeface="Arial" pitchFamily="34" charset="0"/>
-            </a:endParaRPr>
-          </a:p>
-        </p:txBody>
-      </p:sp>
-      <p:sp>
-        <p:nvSpPr>
-          <p:cNvPr id="3" name="Content Placeholder 2"/>
-          <p:cNvSpPr>
-            <a:spLocks noGrp="1"/>
-          </p:cNvSpPr>
-          <p:nvPr>
-            <p:ph idx="1"/>
-          </p:nvPr>
-        </p:nvSpPr>
-        <p:spPr>
-          <a:xfrm>
-            <a:off x="457200" y="1219200"/>
-            <a:ext cx="8534400" cy="4911725"/>
-          </a:xfrm>
-        </p:spPr>
-        <p:txBody>
-          <a:bodyPr/>
-          <a:lstStyle/>
-          <a:p>
-            <a:pPr marL="0" indent="0">
-              <a:buNone/>
-            </a:pPr>
-            <a:r>
-              <a:rPr lang="en-US" sz="2000" dirty="0"/>
-              <a:t>[1] </a:t>
-            </a:r>
-            <a:r>
-              <a:rPr lang="en-US" sz="2000" dirty="0" err="1"/>
-              <a:t>Dasgupta</a:t>
-            </a:r>
-            <a:r>
-              <a:rPr lang="en-US" sz="2000" dirty="0"/>
-              <a:t>, </a:t>
-            </a:r>
-            <a:r>
-              <a:rPr lang="en-US" sz="2000" dirty="0" err="1"/>
-              <a:t>Kalai</a:t>
-            </a:r>
-            <a:r>
-              <a:rPr lang="en-US" sz="2000" dirty="0"/>
-              <a:t>, and </a:t>
-            </a:r>
-            <a:r>
-              <a:rPr lang="en-US" sz="2000" dirty="0" err="1"/>
-              <a:t>Monteleoni</a:t>
-            </a:r>
-            <a:r>
-              <a:rPr lang="en-US" sz="2000" dirty="0"/>
-              <a:t>. Analysis of Perceptron-based Active Learning. COLT, 2005.</a:t>
-            </a:r>
-            <a:br>
-              <a:rPr lang="en-US" sz="2000" dirty="0"/>
-            </a:br>
-            <a:r>
-              <a:rPr lang="en-US" sz="2000" dirty="0"/>
-              <a:t>[2] Freund, </a:t>
-            </a:r>
-            <a:r>
-              <a:rPr lang="en-US" sz="2000" dirty="0" err="1"/>
-              <a:t>Seung</a:t>
-            </a:r>
-            <a:r>
-              <a:rPr lang="en-US" sz="2000" dirty="0"/>
-              <a:t>, Shamir, and </a:t>
-            </a:r>
-            <a:r>
-              <a:rPr lang="en-US" sz="2000" dirty="0" err="1"/>
-              <a:t>Tishby</a:t>
-            </a:r>
-            <a:r>
-              <a:rPr lang="en-US" sz="2000" dirty="0"/>
-              <a:t>. Selective Sampling Using the Query by Committee Algorithm. Machine Learning, 1997.</a:t>
-            </a:r>
-            <a:br>
-              <a:rPr lang="en-US" sz="2000" dirty="0"/>
-            </a:br>
-            <a:r>
-              <a:rPr lang="en-US" sz="2000" dirty="0"/>
-              <a:t>[3] </a:t>
-            </a:r>
-            <a:r>
-              <a:rPr lang="en-US" sz="2000" dirty="0" err="1"/>
-              <a:t>Balcan</a:t>
-            </a:r>
-            <a:r>
-              <a:rPr lang="en-US" sz="2000" dirty="0"/>
-              <a:t>, </a:t>
-            </a:r>
-            <a:r>
-              <a:rPr lang="en-US" sz="2000" dirty="0" err="1"/>
-              <a:t>Broder</a:t>
-            </a:r>
-            <a:r>
-              <a:rPr lang="en-US" sz="2000" dirty="0"/>
-              <a:t> and Zhang. Margin-based Active Learning. COLT, 2007</a:t>
-            </a:r>
-            <a:r>
-              <a:rPr lang="en-US" sz="2000" dirty="0" smtClean="0"/>
-              <a:t>.</a:t>
-            </a:r>
-          </a:p>
-          <a:p>
-            <a:pPr marL="0" indent="0">
-              <a:buNone/>
-            </a:pPr>
-            <a:r>
-              <a:rPr lang="en-US" sz="2000" dirty="0" smtClean="0"/>
-              <a:t>[4] Active </a:t>
-            </a:r>
-            <a:r>
-              <a:rPr lang="en-US" sz="2000" dirty="0"/>
-              <a:t>Learning Literature </a:t>
-            </a:r>
-            <a:r>
-              <a:rPr lang="en-US" sz="2000" dirty="0" smtClean="0"/>
-              <a:t>Survey, Burr </a:t>
-            </a:r>
-            <a:r>
-              <a:rPr lang="en-US" sz="2000" dirty="0" err="1" smtClean="0"/>
-              <a:t>Settles,Computer</a:t>
-            </a:r>
-            <a:r>
-              <a:rPr lang="en-US" sz="2000" dirty="0" smtClean="0"/>
-              <a:t> </a:t>
-            </a:r>
-            <a:r>
-              <a:rPr lang="en-US" sz="2000" dirty="0"/>
-              <a:t>Sciences Technical </a:t>
-            </a:r>
-            <a:r>
-              <a:rPr lang="en-US" sz="2000" dirty="0" smtClean="0"/>
-              <a:t>Report, </a:t>
-            </a:r>
-            <a:r>
-              <a:rPr lang="en-US" sz="2000" dirty="0"/>
-              <a:t>January 26, 2010</a:t>
-            </a:r>
-            <a:endParaRPr lang="zh-CN" altLang="en-US" sz="2000" dirty="0"/>
-          </a:p>
-        </p:txBody>
-      </p:sp>
-      <p:sp>
-        <p:nvSpPr>
-          <p:cNvPr id="4" name="Slide Number Placeholder 3"/>
-          <p:cNvSpPr>
-            <a:spLocks noGrp="1"/>
-          </p:cNvSpPr>
-          <p:nvPr>
-            <p:ph type="sldNum" sz="quarter" idx="12"/>
-          </p:nvPr>
-        </p:nvSpPr>
-        <p:spPr/>
-        <p:txBody>
-          <a:bodyPr/>
-          <a:lstStyle/>
-          <a:p>
-            <a:fld id="{604EAB18-E0EA-45DC-AA4D-A7A0A794259A}" type="slidenum">
-              <a:rPr lang="en-US" smtClean="0"/>
-              <a:pPr/>
-              <a:t>29</a:t>
-            </a:fld>
-            <a:endParaRPr lang="en-US"/>
-          </a:p>
-        </p:txBody>
-      </p:sp>
-    </p:spTree>
-    <p:extLst>
-      <p:ext uri="{BB962C8B-B14F-4D97-AF65-F5344CB8AC3E}">
-        <p14:creationId xmlns:p14="http://schemas.microsoft.com/office/powerpoint/2010/main" val="1116743142"/>
-      </p:ext>
-    </p:extLst>
-  </p:cSld>
-  <p:clrMapOvr>
-    <a:masterClrMapping/>
-  </p:clrMapOvr>
-  <p:timing>
-    <p:tnLst>
-      <p:par>
-        <p:cTn xmlns:p14="http://schemas.microsoft.com/office/powerpoint/2010/main" id="1" dur="indefinite" restart="never" nodeType="tmRoot"/>
+        <p:cTn id="1" dur="indefinite" restart="never" nodeType="tmRoot"/>
       </p:par>
     </p:tnLst>
   </p:timing>
@@ -15372,14 +16145,14 @@
           <a:noFill/>
           <a:ln/>
           <a:extLst>
-            <a:ext uri="{909E8E84-426E-40dd-AFC4-6F175D3DCCD1}">
+            <a:ext uri="{909E8E84-426E-40DD-AFC4-6F175D3DCCD1}">
               <a14:hiddenFill xmlns:a14="http://schemas.microsoft.com/office/drawing/2010/main">
                 <a:solidFill>
                   <a:srgbClr val="FFFFFF"/>
                 </a:solidFill>
               </a14:hiddenFill>
             </a:ext>
-            <a:ext uri="{91240B29-F687-4f45-9708-019B960494DF}">
+            <a:ext uri="{91240B29-F687-4F45-9708-019B960494DF}">
               <a14:hiddenLine xmlns:a14="http://schemas.microsoft.com/office/drawing/2010/main" w="9525">
                 <a:solidFill>
                   <a:srgbClr val="000000"/>
@@ -15570,14 +16343,14 @@
                 <a:noFill/>
               </a:ln>
               <a:extLst>
-                <a:ext uri="{909E8E84-426E-40dd-AFC4-6F175D3DCCD1}">
+                <a:ext uri="{909E8E84-426E-40DD-AFC4-6F175D3DCCD1}">
                   <a14:hiddenFill>
                     <a:solidFill>
                       <a:srgbClr val="FFFFFF"/>
                     </a:solidFill>
                   </a14:hiddenFill>
                 </a:ext>
-                <a:ext uri="{91240B29-F687-4f45-9708-019B960494DF}">
+                <a:ext uri="{91240B29-F687-4F45-9708-019B960494DF}">
                   <a14:hiddenLine w="9525">
                     <a:solidFill>
                       <a:srgbClr val="000000"/>
@@ -15848,7 +16621,7 @@
                   <a:buNone/>
                 </a:pPr>
                 <a14:m>
-                  <m:oMathPara xmlns="" xmlns:m="http://schemas.openxmlformats.org/officeDocument/2006/math">
+                  <m:oMathPara xmlns:m="http://schemas.openxmlformats.org/officeDocument/2006/math">
                     <m:oMathParaPr>
                       <m:jc m:val="centerGroup"/>
                     </m:oMathParaPr>
@@ -16106,7 +16879,7 @@
   <p:timing>
     <p:tnLst>
       <p:par>
-        <p:cTn xmlns:p14="http://schemas.microsoft.com/office/powerpoint/2010/main" id="1" dur="indefinite" restart="never" nodeType="tmRoot"/>
+        <p:cTn id="1" dur="indefinite" restart="never" nodeType="tmRoot"/>
       </p:par>
     </p:tnLst>
   </p:timing>
@@ -16114,6 +16887,304 @@
 </file>
 
 <file path=ppt/slides/slide30.xml><?xml version="1.0" encoding="utf-8"?>
+<p:sld xmlns:a="http://schemas.openxmlformats.org/drawingml/2006/main" xmlns:r="http://schemas.openxmlformats.org/officeDocument/2006/relationships" xmlns:p="http://schemas.openxmlformats.org/presentationml/2006/main">
+  <p:cSld>
+    <p:spTree>
+      <p:nvGrpSpPr>
+        <p:cNvPr id="1" name=""/>
+        <p:cNvGrpSpPr/>
+        <p:nvPr/>
+      </p:nvGrpSpPr>
+      <p:grpSpPr>
+        <a:xfrm>
+          <a:off x="0" y="0"/>
+          <a:ext cx="0" cy="0"/>
+          <a:chOff x="0" y="0"/>
+          <a:chExt cx="0" cy="0"/>
+        </a:xfrm>
+      </p:grpSpPr>
+      <p:sp>
+        <p:nvSpPr>
+          <p:cNvPr id="2" name="Title 1"/>
+          <p:cNvSpPr>
+            <a:spLocks noGrp="1"/>
+          </p:cNvSpPr>
+          <p:nvPr>
+            <p:ph type="title"/>
+          </p:nvPr>
+        </p:nvSpPr>
+        <p:spPr/>
+        <p:txBody>
+          <a:bodyPr/>
+          <a:lstStyle/>
+          <a:p>
+            <a:pPr eaLnBrk="1" hangingPunct="1"/>
+            <a:r>
+              <a:rPr lang="en-US" altLang="zh-CN" b="1" dirty="0" smtClean="0">
+                <a:latin typeface="Arial" pitchFamily="34" charset="0"/>
+                <a:ea typeface="新細明體" pitchFamily="-106" charset="-120"/>
+                <a:cs typeface="Arial" pitchFamily="34" charset="0"/>
+              </a:rPr>
+              <a:t>Reference</a:t>
+            </a:r>
+            <a:endParaRPr lang="zh-CN" altLang="en-US" b="1" dirty="0">
+              <a:latin typeface="Arial" pitchFamily="34" charset="0"/>
+              <a:ea typeface="新細明體" pitchFamily="-106" charset="-120"/>
+              <a:cs typeface="Arial" pitchFamily="34" charset="0"/>
+            </a:endParaRPr>
+          </a:p>
+        </p:txBody>
+      </p:sp>
+      <p:sp>
+        <p:nvSpPr>
+          <p:cNvPr id="3" name="Content Placeholder 2"/>
+          <p:cNvSpPr>
+            <a:spLocks noGrp="1"/>
+          </p:cNvSpPr>
+          <p:nvPr>
+            <p:ph idx="1"/>
+          </p:nvPr>
+        </p:nvSpPr>
+        <p:spPr>
+          <a:xfrm>
+            <a:off x="457200" y="1219200"/>
+            <a:ext cx="8534400" cy="4911725"/>
+          </a:xfrm>
+        </p:spPr>
+        <p:txBody>
+          <a:bodyPr/>
+          <a:lstStyle/>
+          <a:p>
+            <a:pPr marL="0" indent="0">
+              <a:buNone/>
+            </a:pPr>
+            <a:r>
+              <a:rPr lang="en-US" sz="2000" dirty="0"/>
+              <a:t>[1] </a:t>
+            </a:r>
+            <a:r>
+              <a:rPr lang="en-US" sz="2000" dirty="0" err="1"/>
+              <a:t>Dasgupta</a:t>
+            </a:r>
+            <a:r>
+              <a:rPr lang="en-US" sz="2000" dirty="0"/>
+              <a:t>, </a:t>
+            </a:r>
+            <a:r>
+              <a:rPr lang="en-US" sz="2000" dirty="0" err="1"/>
+              <a:t>Kalai</a:t>
+            </a:r>
+            <a:r>
+              <a:rPr lang="en-US" sz="2000" dirty="0"/>
+              <a:t>, and </a:t>
+            </a:r>
+            <a:r>
+              <a:rPr lang="en-US" sz="2000" dirty="0" err="1"/>
+              <a:t>Monteleoni</a:t>
+            </a:r>
+            <a:r>
+              <a:rPr lang="en-US" sz="2000" dirty="0"/>
+              <a:t>. Analysis of Perceptron-based Active Learning. COLT, 2005.</a:t>
+            </a:r>
+            <a:br>
+              <a:rPr lang="en-US" sz="2000" dirty="0"/>
+            </a:br>
+            <a:r>
+              <a:rPr lang="en-US" sz="2000" dirty="0"/>
+              <a:t>[2] Freund, </a:t>
+            </a:r>
+            <a:r>
+              <a:rPr lang="en-US" sz="2000" dirty="0" err="1"/>
+              <a:t>Seung</a:t>
+            </a:r>
+            <a:r>
+              <a:rPr lang="en-US" sz="2000" dirty="0"/>
+              <a:t>, Shamir, and </a:t>
+            </a:r>
+            <a:r>
+              <a:rPr lang="en-US" sz="2000" dirty="0" err="1"/>
+              <a:t>Tishby</a:t>
+            </a:r>
+            <a:r>
+              <a:rPr lang="en-US" sz="2000" dirty="0"/>
+              <a:t>. Selective Sampling Using the Query by Committee Algorithm. Machine Learning, 1997.</a:t>
+            </a:r>
+            <a:br>
+              <a:rPr lang="en-US" sz="2000" dirty="0"/>
+            </a:br>
+            <a:r>
+              <a:rPr lang="en-US" sz="2000" dirty="0"/>
+              <a:t>[3] </a:t>
+            </a:r>
+            <a:r>
+              <a:rPr lang="en-US" sz="2000" dirty="0" err="1"/>
+              <a:t>Balcan</a:t>
+            </a:r>
+            <a:r>
+              <a:rPr lang="en-US" sz="2000" dirty="0"/>
+              <a:t>, </a:t>
+            </a:r>
+            <a:r>
+              <a:rPr lang="en-US" sz="2000" dirty="0" err="1"/>
+              <a:t>Broder</a:t>
+            </a:r>
+            <a:r>
+              <a:rPr lang="en-US" sz="2000" dirty="0"/>
+              <a:t> and Zhang. Margin-based Active Learning. COLT, 2007</a:t>
+            </a:r>
+            <a:r>
+              <a:rPr lang="en-US" sz="2000" dirty="0" smtClean="0"/>
+              <a:t>.</a:t>
+            </a:r>
+          </a:p>
+          <a:p>
+            <a:pPr marL="0" indent="0">
+              <a:buNone/>
+            </a:pPr>
+            <a:r>
+              <a:rPr lang="en-US" sz="2000" dirty="0" smtClean="0"/>
+              <a:t>[4] Active </a:t>
+            </a:r>
+            <a:r>
+              <a:rPr lang="en-US" sz="2000" dirty="0"/>
+              <a:t>Learning Literature </a:t>
+            </a:r>
+            <a:r>
+              <a:rPr lang="en-US" sz="2000" dirty="0" smtClean="0"/>
+              <a:t>Survey, Burr </a:t>
+            </a:r>
+            <a:r>
+              <a:rPr lang="en-US" sz="2000" dirty="0" err="1" smtClean="0"/>
+              <a:t>Settles,Computer</a:t>
+            </a:r>
+            <a:r>
+              <a:rPr lang="en-US" sz="2000" dirty="0" smtClean="0"/>
+              <a:t> </a:t>
+            </a:r>
+            <a:r>
+              <a:rPr lang="en-US" sz="2000" dirty="0"/>
+              <a:t>Sciences Technical </a:t>
+            </a:r>
+            <a:r>
+              <a:rPr lang="en-US" sz="2000" dirty="0" smtClean="0"/>
+              <a:t>Report, </a:t>
+            </a:r>
+            <a:r>
+              <a:rPr lang="en-US" sz="2000" dirty="0"/>
+              <a:t>January 26, </a:t>
+            </a:r>
+            <a:r>
+              <a:rPr lang="en-US" sz="2000" dirty="0" smtClean="0"/>
+              <a:t>2010</a:t>
+            </a:r>
+          </a:p>
+          <a:p>
+            <a:pPr marL="0" indent="0">
+              <a:buNone/>
+            </a:pPr>
+            <a:r>
+              <a:rPr lang="en-US" sz="2000" dirty="0" smtClean="0"/>
+              <a:t>[5] Active </a:t>
+            </a:r>
+            <a:r>
+              <a:rPr lang="en-US" sz="2000" dirty="0"/>
+              <a:t>Learning with Committees for Text Categorization. In proceedings of the Fourteenth National Conference on Artificial Intelligence, 1997</a:t>
+            </a:r>
+            <a:br>
+              <a:rPr lang="en-US" sz="2000" dirty="0"/>
+            </a:br>
+            <a:r>
+              <a:rPr lang="en-US" sz="2000" dirty="0" smtClean="0"/>
+              <a:t>[6] Query </a:t>
+            </a:r>
+            <a:r>
+              <a:rPr lang="en-US" sz="2000" dirty="0"/>
+              <a:t>by Committee Made Real, Ran </a:t>
+            </a:r>
+            <a:r>
+              <a:rPr lang="en-US" sz="2000" dirty="0" err="1"/>
+              <a:t>Gilad-Bachrach</a:t>
+            </a:r>
+            <a:r>
+              <a:rPr lang="en-US" sz="2000" dirty="0"/>
+              <a:t>, Amir </a:t>
+            </a:r>
+            <a:r>
+              <a:rPr lang="en-US" sz="2000" dirty="0" err="1"/>
+              <a:t>Navot</a:t>
+            </a:r>
+            <a:r>
+              <a:rPr lang="en-US" sz="2000" dirty="0"/>
+              <a:t> and </a:t>
+            </a:r>
+            <a:r>
+              <a:rPr lang="en-US" sz="2000" dirty="0" err="1"/>
+              <a:t>Naftali</a:t>
+            </a:r>
+            <a:r>
+              <a:rPr lang="en-US" sz="2000" dirty="0"/>
+              <a:t> </a:t>
+            </a:r>
+            <a:r>
+              <a:rPr lang="en-US" sz="2000" dirty="0" err="1"/>
+              <a:t>Tishby</a:t>
+            </a:r>
+            <a:r>
+              <a:rPr lang="en-US" sz="2000" dirty="0"/>
+              <a:t>, NIPS 2005</a:t>
+            </a:r>
+            <a:br>
+              <a:rPr lang="en-US" sz="2000" dirty="0"/>
+            </a:br>
+            <a:endParaRPr lang="zh-CN" altLang="en-US" sz="2000" dirty="0"/>
+          </a:p>
+        </p:txBody>
+      </p:sp>
+      <p:sp>
+        <p:nvSpPr>
+          <p:cNvPr id="4" name="Slide Number Placeholder 3"/>
+          <p:cNvSpPr>
+            <a:spLocks noGrp="1"/>
+          </p:cNvSpPr>
+          <p:nvPr>
+            <p:ph type="sldNum" sz="quarter" idx="12"/>
+          </p:nvPr>
+        </p:nvSpPr>
+        <p:spPr/>
+        <p:txBody>
+          <a:bodyPr/>
+          <a:lstStyle/>
+          <a:p>
+            <a:fld id="{604EAB18-E0EA-45DC-AA4D-A7A0A794259A}" type="slidenum">
+              <a:rPr lang="en-US" smtClean="0"/>
+              <a:pPr/>
+              <a:t>30</a:t>
+            </a:fld>
+            <a:endParaRPr lang="en-US"/>
+          </a:p>
+        </p:txBody>
+      </p:sp>
+    </p:spTree>
+    <p:extLst>
+      <p:ext uri="{BB962C8B-B14F-4D97-AF65-F5344CB8AC3E}">
+        <p14:creationId xmlns:p14="http://schemas.microsoft.com/office/powerpoint/2010/main" val="1116743142"/>
+      </p:ext>
+    </p:extLst>
+  </p:cSld>
+  <p:clrMapOvr>
+    <a:masterClrMapping/>
+  </p:clrMapOvr>
+  <p:timing>
+    <p:tnLst>
+      <p:par>
+        <p:cTn id="1" dur="indefinite" restart="never" nodeType="tmRoot"/>
+      </p:par>
+    </p:tnLst>
+  </p:timing>
+</p:sld>
+</file>
+
+<file path=ppt/slides/slide31.xml><?xml version="1.0" encoding="utf-8"?>
 <p:sld xmlns:a="http://schemas.openxmlformats.org/drawingml/2006/main" xmlns:r="http://schemas.openxmlformats.org/officeDocument/2006/relationships" xmlns:p="http://schemas.openxmlformats.org/presentationml/2006/main">
   <p:cSld>
     <p:spTree>
@@ -16144,14 +17215,14 @@
           <a:noFill/>
           <a:ln/>
           <a:extLst>
-            <a:ext uri="{909E8E84-426E-40dd-AFC4-6F175D3DCCD1}">
+            <a:ext uri="{909E8E84-426E-40DD-AFC4-6F175D3DCCD1}">
               <a14:hiddenFill xmlns:a14="http://schemas.microsoft.com/office/drawing/2010/main">
                 <a:solidFill>
                   <a:srgbClr val="FFFFFF"/>
                 </a:solidFill>
               </a14:hiddenFill>
             </a:ext>
-            <a:ext uri="{91240B29-F687-4f45-9708-019B960494DF}">
+            <a:ext uri="{91240B29-F687-4F45-9708-019B960494DF}">
               <a14:hiddenLine xmlns:a14="http://schemas.microsoft.com/office/drawing/2010/main" w="9525">
                 <a:solidFill>
                   <a:srgbClr val="000000"/>
@@ -16279,7 +17350,7 @@
                 <a:latin typeface="Garamond" pitchFamily="-106" charset="0"/>
               </a:rPr>
               <a:pPr eaLnBrk="1" hangingPunct="1"/>
-              <a:t>30</a:t>
+              <a:t>31</a:t>
             </a:fld>
             <a:endParaRPr lang="en-US" sz="1200">
               <a:latin typeface="Garamond" pitchFamily="-106" charset="0"/>
@@ -16343,7 +17414,7 @@
   <p:timing>
     <p:tnLst>
       <p:par>
-        <p:cTn xmlns:p14="http://schemas.microsoft.com/office/powerpoint/2010/main" id="1" dur="indefinite" restart="never" nodeType="tmRoot"/>
+        <p:cTn id="1" dur="indefinite" restart="never" nodeType="tmRoot"/>
       </p:par>
     </p:tnLst>
   </p:timing>
@@ -16381,14 +17452,14 @@
           <a:noFill/>
           <a:ln/>
           <a:extLst>
-            <a:ext uri="{909E8E84-426E-40dd-AFC4-6F175D3DCCD1}">
+            <a:ext uri="{909E8E84-426E-40DD-AFC4-6F175D3DCCD1}">
               <a14:hiddenFill xmlns:a14="http://schemas.microsoft.com/office/drawing/2010/main">
                 <a:solidFill>
                   <a:srgbClr val="FFFFFF"/>
                 </a:solidFill>
               </a14:hiddenFill>
             </a:ext>
-            <a:ext uri="{91240B29-F687-4f45-9708-019B960494DF}">
+            <a:ext uri="{91240B29-F687-4F45-9708-019B960494DF}">
               <a14:hiddenLine xmlns:a14="http://schemas.microsoft.com/office/drawing/2010/main" w="9525">
                 <a:solidFill>
                   <a:srgbClr val="000000"/>
@@ -16577,14 +17648,14 @@
             <a:noFill/>
           </a:ln>
           <a:extLst>
-            <a:ext uri="{909E8E84-426E-40dd-AFC4-6F175D3DCCD1}">
+            <a:ext uri="{909E8E84-426E-40DD-AFC4-6F175D3DCCD1}">
               <a14:hiddenFill xmlns:a14="http://schemas.microsoft.com/office/drawing/2010/main">
                 <a:solidFill>
                   <a:srgbClr val="FFFFFF"/>
                 </a:solidFill>
               </a14:hiddenFill>
             </a:ext>
-            <a:ext uri="{91240B29-F687-4f45-9708-019B960494DF}">
+            <a:ext uri="{91240B29-F687-4F45-9708-019B960494DF}">
               <a14:hiddenLine xmlns:a14="http://schemas.microsoft.com/office/drawing/2010/main" w="9525">
                 <a:solidFill>
                   <a:srgbClr val="000000"/>
@@ -16800,13 +17871,7 @@
               <a:rPr lang="en-US" altLang="zh-TW" sz="2600" dirty="0" smtClean="0">
                 <a:ea typeface="新細明體" pitchFamily="-106" charset="-120"/>
               </a:rPr>
-              <a:t>Example</a:t>
-            </a:r>
-            <a:r>
-              <a:rPr lang="en-US" altLang="zh-TW" sz="2600" dirty="0" smtClean="0">
-                <a:ea typeface="新細明體" pitchFamily="-106" charset="-120"/>
-              </a:rPr>
-              <a:t>: threshold </a:t>
+              <a:t>Example: threshold </a:t>
             </a:r>
           </a:p>
           <a:p>
@@ -16817,11 +17882,7 @@
             </a:pPr>
             <a:r>
               <a:rPr lang="en-US" sz="2400" dirty="0" smtClean="0"/>
-              <a:t>Find transition between 0 and 1 labels in minimum </a:t>
-            </a:r>
-            <a:r>
-              <a:rPr lang="en-US" sz="2400" dirty="0" smtClean="0"/>
-              <a:t>steps</a:t>
+              <a:t>Find transition between 0 and 1 labels in minimum steps</a:t>
             </a:r>
           </a:p>
           <a:p>
@@ -16862,9 +17923,6 @@
               </a:rPr>
               <a:t>Idea: some data points give no additional information to narrow down the version space so we don’t need to learn from it.</a:t>
             </a:r>
-            <a:endParaRPr lang="en-US" altLang="zh-TW" sz="2400" dirty="0" smtClean="0">
-              <a:ea typeface="新細明體" pitchFamily="-106" charset="-120"/>
-            </a:endParaRPr>
           </a:p>
           <a:p>
             <a:pPr marL="0" indent="0" eaLnBrk="1" hangingPunct="1">
@@ -16905,7 +17963,7 @@
             <a:tailEnd/>
           </a:ln>
           <a:extLst>
-            <a:ext uri="{909E8E84-426E-40dd-AFC4-6F175D3DCCD1}">
+            <a:ext uri="{909E8E84-426E-40DD-AFC4-6F175D3DCCD1}">
               <a14:hiddenFill xmlns:a14="http://schemas.microsoft.com/office/drawing/2010/main">
                 <a:noFill/>
               </a14:hiddenFill>
@@ -16941,14 +17999,14 @@
             <a:noFill/>
           </a:ln>
           <a:extLst>
-            <a:ext uri="{909E8E84-426E-40dd-AFC4-6F175D3DCCD1}">
+            <a:ext uri="{909E8E84-426E-40DD-AFC4-6F175D3DCCD1}">
               <a14:hiddenFill xmlns:a14="http://schemas.microsoft.com/office/drawing/2010/main">
                 <a:solidFill>
                   <a:srgbClr val="FFFFFF"/>
                 </a:solidFill>
               </a14:hiddenFill>
             </a:ext>
-            <a:ext uri="{91240B29-F687-4f45-9708-019B960494DF}">
+            <a:ext uri="{91240B29-F687-4F45-9708-019B960494DF}">
               <a14:hiddenLine xmlns:a14="http://schemas.microsoft.com/office/drawing/2010/main" w="9525">
                 <a:solidFill>
                   <a:srgbClr val="000000"/>
@@ -17101,14 +18159,14 @@
             <a:noFill/>
           </a:ln>
           <a:extLst>
-            <a:ext uri="{909E8E84-426E-40dd-AFC4-6F175D3DCCD1}">
+            <a:ext uri="{909E8E84-426E-40DD-AFC4-6F175D3DCCD1}">
               <a14:hiddenFill xmlns:a14="http://schemas.microsoft.com/office/drawing/2010/main">
                 <a:solidFill>
                   <a:srgbClr val="FFFFFF"/>
                 </a:solidFill>
               </a14:hiddenFill>
             </a:ext>
-            <a:ext uri="{91240B29-F687-4f45-9708-019B960494DF}">
+            <a:ext uri="{91240B29-F687-4F45-9708-019B960494DF}">
               <a14:hiddenLine xmlns:a14="http://schemas.microsoft.com/office/drawing/2010/main" w="9525">
                 <a:solidFill>
                   <a:srgbClr val="000000"/>
@@ -17261,14 +18319,14 @@
             <a:noFill/>
           </a:ln>
           <a:extLst>
-            <a:ext uri="{909E8E84-426E-40dd-AFC4-6F175D3DCCD1}">
+            <a:ext uri="{909E8E84-426E-40DD-AFC4-6F175D3DCCD1}">
               <a14:hiddenFill xmlns:a14="http://schemas.microsoft.com/office/drawing/2010/main">
                 <a:solidFill>
                   <a:srgbClr val="FFFFFF"/>
                 </a:solidFill>
               </a14:hiddenFill>
             </a:ext>
-            <a:ext uri="{91240B29-F687-4f45-9708-019B960494DF}">
+            <a:ext uri="{91240B29-F687-4F45-9708-019B960494DF}">
               <a14:hiddenLine xmlns:a14="http://schemas.microsoft.com/office/drawing/2010/main" w="9525">
                 <a:solidFill>
                   <a:srgbClr val="000000"/>
@@ -17421,14 +18479,14 @@
             <a:noFill/>
           </a:ln>
           <a:extLst>
-            <a:ext uri="{909E8E84-426E-40dd-AFC4-6F175D3DCCD1}">
+            <a:ext uri="{909E8E84-426E-40DD-AFC4-6F175D3DCCD1}">
               <a14:hiddenFill xmlns:a14="http://schemas.microsoft.com/office/drawing/2010/main">
                 <a:solidFill>
                   <a:srgbClr val="FFFFFF"/>
                 </a:solidFill>
               </a14:hiddenFill>
             </a:ext>
-            <a:ext uri="{91240B29-F687-4f45-9708-019B960494DF}">
+            <a:ext uri="{91240B29-F687-4F45-9708-019B960494DF}">
               <a14:hiddenLine xmlns:a14="http://schemas.microsoft.com/office/drawing/2010/main" w="9525">
                 <a:solidFill>
                   <a:srgbClr val="000000"/>
@@ -17581,14 +18639,14 @@
             <a:noFill/>
           </a:ln>
           <a:extLst>
-            <a:ext uri="{909E8E84-426E-40dd-AFC4-6F175D3DCCD1}">
+            <a:ext uri="{909E8E84-426E-40DD-AFC4-6F175D3DCCD1}">
               <a14:hiddenFill xmlns:a14="http://schemas.microsoft.com/office/drawing/2010/main">
                 <a:solidFill>
                   <a:srgbClr val="FFFFFF"/>
                 </a:solidFill>
               </a14:hiddenFill>
             </a:ext>
-            <a:ext uri="{91240B29-F687-4f45-9708-019B960494DF}">
+            <a:ext uri="{91240B29-F687-4F45-9708-019B960494DF}">
               <a14:hiddenLine xmlns:a14="http://schemas.microsoft.com/office/drawing/2010/main" w="9525">
                 <a:solidFill>
                   <a:srgbClr val="000000"/>
@@ -17741,14 +18799,14 @@
             <a:noFill/>
           </a:ln>
           <a:extLst>
-            <a:ext uri="{909E8E84-426E-40dd-AFC4-6F175D3DCCD1}">
+            <a:ext uri="{909E8E84-426E-40DD-AFC4-6F175D3DCCD1}">
               <a14:hiddenFill xmlns:a14="http://schemas.microsoft.com/office/drawing/2010/main">
                 <a:solidFill>
                   <a:srgbClr val="FFFFFF"/>
                 </a:solidFill>
               </a14:hiddenFill>
             </a:ext>
-            <a:ext uri="{91240B29-F687-4f45-9708-019B960494DF}">
+            <a:ext uri="{91240B29-F687-4F45-9708-019B960494DF}">
               <a14:hiddenLine xmlns:a14="http://schemas.microsoft.com/office/drawing/2010/main" w="9525">
                 <a:solidFill>
                   <a:srgbClr val="000000"/>
@@ -17901,14 +18959,14 @@
             <a:noFill/>
           </a:ln>
           <a:extLst>
-            <a:ext uri="{909E8E84-426E-40dd-AFC4-6F175D3DCCD1}">
+            <a:ext uri="{909E8E84-426E-40DD-AFC4-6F175D3DCCD1}">
               <a14:hiddenFill xmlns:a14="http://schemas.microsoft.com/office/drawing/2010/main">
                 <a:solidFill>
                   <a:srgbClr val="FFFFFF"/>
                 </a:solidFill>
               </a14:hiddenFill>
             </a:ext>
-            <a:ext uri="{91240B29-F687-4f45-9708-019B960494DF}">
+            <a:ext uri="{91240B29-F687-4F45-9708-019B960494DF}">
               <a14:hiddenLine xmlns:a14="http://schemas.microsoft.com/office/drawing/2010/main" w="9525">
                 <a:solidFill>
                   <a:srgbClr val="000000"/>
@@ -18061,14 +19119,14 @@
             <a:noFill/>
           </a:ln>
           <a:extLst>
-            <a:ext uri="{909E8E84-426E-40dd-AFC4-6F175D3DCCD1}">
+            <a:ext uri="{909E8E84-426E-40DD-AFC4-6F175D3DCCD1}">
               <a14:hiddenFill xmlns:a14="http://schemas.microsoft.com/office/drawing/2010/main">
                 <a:solidFill>
                   <a:srgbClr val="FFFFFF"/>
                 </a:solidFill>
               </a14:hiddenFill>
             </a:ext>
-            <a:ext uri="{91240B29-F687-4f45-9708-019B960494DF}">
+            <a:ext uri="{91240B29-F687-4F45-9708-019B960494DF}">
               <a14:hiddenLine xmlns:a14="http://schemas.microsoft.com/office/drawing/2010/main" w="9525">
                 <a:solidFill>
                   <a:srgbClr val="000000"/>
@@ -18221,14 +19279,14 @@
             <a:noFill/>
           </a:ln>
           <a:extLst>
-            <a:ext uri="{909E8E84-426E-40dd-AFC4-6F175D3DCCD1}">
+            <a:ext uri="{909E8E84-426E-40DD-AFC4-6F175D3DCCD1}">
               <a14:hiddenFill xmlns:a14="http://schemas.microsoft.com/office/drawing/2010/main">
                 <a:solidFill>
                   <a:srgbClr val="FFFFFF"/>
                 </a:solidFill>
               </a14:hiddenFill>
             </a:ext>
-            <a:ext uri="{91240B29-F687-4f45-9708-019B960494DF}">
+            <a:ext uri="{91240B29-F687-4F45-9708-019B960494DF}">
               <a14:hiddenLine xmlns:a14="http://schemas.microsoft.com/office/drawing/2010/main" w="9525">
                 <a:solidFill>
                   <a:srgbClr val="000000"/>
@@ -18381,14 +19439,14 @@
             <a:noFill/>
           </a:ln>
           <a:extLst>
-            <a:ext uri="{909E8E84-426E-40dd-AFC4-6F175D3DCCD1}">
+            <a:ext uri="{909E8E84-426E-40DD-AFC4-6F175D3DCCD1}">
               <a14:hiddenFill xmlns:a14="http://schemas.microsoft.com/office/drawing/2010/main">
                 <a:solidFill>
                   <a:srgbClr val="FFFFFF"/>
                 </a:solidFill>
               </a14:hiddenFill>
             </a:ext>
-            <a:ext uri="{91240B29-F687-4f45-9708-019B960494DF}">
+            <a:ext uri="{91240B29-F687-4F45-9708-019B960494DF}">
               <a14:hiddenLine xmlns:a14="http://schemas.microsoft.com/office/drawing/2010/main" w="9525">
                 <a:solidFill>
                   <a:srgbClr val="000000"/>
@@ -18541,14 +19599,14 @@
             <a:noFill/>
           </a:ln>
           <a:extLst>
-            <a:ext uri="{909E8E84-426E-40dd-AFC4-6F175D3DCCD1}">
+            <a:ext uri="{909E8E84-426E-40DD-AFC4-6F175D3DCCD1}">
               <a14:hiddenFill xmlns:a14="http://schemas.microsoft.com/office/drawing/2010/main">
                 <a:solidFill>
                   <a:srgbClr val="FFFFFF"/>
                 </a:solidFill>
               </a14:hiddenFill>
             </a:ext>
-            <a:ext uri="{91240B29-F687-4f45-9708-019B960494DF}">
+            <a:ext uri="{91240B29-F687-4F45-9708-019B960494DF}">
               <a14:hiddenLine xmlns:a14="http://schemas.microsoft.com/office/drawing/2010/main" w="9525">
                 <a:solidFill>
                   <a:srgbClr val="000000"/>
@@ -18710,14 +19768,14 @@
             <a:noFill/>
           </a:ln>
           <a:extLst>
-            <a:ext uri="{909E8E84-426E-40dd-AFC4-6F175D3DCCD1}">
+            <a:ext uri="{909E8E84-426E-40DD-AFC4-6F175D3DCCD1}">
               <a14:hiddenFill xmlns:a14="http://schemas.microsoft.com/office/drawing/2010/main">
                 <a:solidFill>
                   <a:srgbClr val="FFFFFF"/>
                 </a:solidFill>
               </a14:hiddenFill>
             </a:ext>
-            <a:ext uri="{91240B29-F687-4f45-9708-019B960494DF}">
+            <a:ext uri="{91240B29-F687-4F45-9708-019B960494DF}">
               <a14:hiddenLine xmlns:a14="http://schemas.microsoft.com/office/drawing/2010/main" w="9525">
                 <a:solidFill>
                   <a:srgbClr val="000000"/>
@@ -18879,14 +19937,14 @@
             <a:noFill/>
           </a:ln>
           <a:extLst>
-            <a:ext uri="{909E8E84-426E-40dd-AFC4-6F175D3DCCD1}">
+            <a:ext uri="{909E8E84-426E-40DD-AFC4-6F175D3DCCD1}">
               <a14:hiddenFill xmlns:a14="http://schemas.microsoft.com/office/drawing/2010/main">
                 <a:solidFill>
                   <a:srgbClr val="FFFFFF"/>
                 </a:solidFill>
               </a14:hiddenFill>
             </a:ext>
-            <a:ext uri="{91240B29-F687-4f45-9708-019B960494DF}">
+            <a:ext uri="{91240B29-F687-4F45-9708-019B960494DF}">
               <a14:hiddenLine xmlns:a14="http://schemas.microsoft.com/office/drawing/2010/main" w="9525">
                 <a:solidFill>
                   <a:srgbClr val="000000"/>
@@ -19048,14 +20106,14 @@
             <a:noFill/>
           </a:ln>
           <a:extLst>
-            <a:ext uri="{909E8E84-426E-40dd-AFC4-6F175D3DCCD1}">
+            <a:ext uri="{909E8E84-426E-40DD-AFC4-6F175D3DCCD1}">
               <a14:hiddenFill xmlns:a14="http://schemas.microsoft.com/office/drawing/2010/main">
                 <a:solidFill>
                   <a:srgbClr val="FFFFFF"/>
                 </a:solidFill>
               </a14:hiddenFill>
             </a:ext>
-            <a:ext uri="{91240B29-F687-4f45-9708-019B960494DF}">
+            <a:ext uri="{91240B29-F687-4F45-9708-019B960494DF}">
               <a14:hiddenLine xmlns:a14="http://schemas.microsoft.com/office/drawing/2010/main" w="9525">
                 <a:solidFill>
                   <a:srgbClr val="000000"/>
@@ -19217,14 +20275,14 @@
             <a:noFill/>
           </a:ln>
           <a:extLst>
-            <a:ext uri="{909E8E84-426E-40dd-AFC4-6F175D3DCCD1}">
+            <a:ext uri="{909E8E84-426E-40DD-AFC4-6F175D3DCCD1}">
               <a14:hiddenFill xmlns:a14="http://schemas.microsoft.com/office/drawing/2010/main">
                 <a:solidFill>
                   <a:srgbClr val="FFFFFF"/>
                 </a:solidFill>
               </a14:hiddenFill>
             </a:ext>
-            <a:ext uri="{91240B29-F687-4f45-9708-019B960494DF}">
+            <a:ext uri="{91240B29-F687-4F45-9708-019B960494DF}">
               <a14:hiddenLine xmlns:a14="http://schemas.microsoft.com/office/drawing/2010/main" w="9525">
                 <a:solidFill>
                   <a:srgbClr val="000000"/>
@@ -19386,14 +20444,14 @@
             <a:noFill/>
           </a:ln>
           <a:extLst>
-            <a:ext uri="{909E8E84-426E-40dd-AFC4-6F175D3DCCD1}">
+            <a:ext uri="{909E8E84-426E-40DD-AFC4-6F175D3DCCD1}">
               <a14:hiddenFill xmlns:a14="http://schemas.microsoft.com/office/drawing/2010/main">
                 <a:solidFill>
                   <a:srgbClr val="FFFFFF"/>
                 </a:solidFill>
               </a14:hiddenFill>
             </a:ext>
-            <a:ext uri="{91240B29-F687-4f45-9708-019B960494DF}">
+            <a:ext uri="{91240B29-F687-4F45-9708-019B960494DF}">
               <a14:hiddenLine xmlns:a14="http://schemas.microsoft.com/office/drawing/2010/main" w="9525">
                 <a:solidFill>
                   <a:srgbClr val="000000"/>
@@ -19555,14 +20613,14 @@
             <a:noFill/>
           </a:ln>
           <a:extLst>
-            <a:ext uri="{909E8E84-426E-40dd-AFC4-6F175D3DCCD1}">
+            <a:ext uri="{909E8E84-426E-40DD-AFC4-6F175D3DCCD1}">
               <a14:hiddenFill xmlns:a14="http://schemas.microsoft.com/office/drawing/2010/main">
                 <a:solidFill>
                   <a:srgbClr val="FFFFFF"/>
                 </a:solidFill>
               </a14:hiddenFill>
             </a:ext>
-            <a:ext uri="{91240B29-F687-4f45-9708-019B960494DF}">
+            <a:ext uri="{91240B29-F687-4F45-9708-019B960494DF}">
               <a14:hiddenLine xmlns:a14="http://schemas.microsoft.com/office/drawing/2010/main" w="9525">
                 <a:solidFill>
                   <a:srgbClr val="000000"/>
@@ -19724,14 +20782,14 @@
             <a:noFill/>
           </a:ln>
           <a:extLst>
-            <a:ext uri="{909E8E84-426E-40dd-AFC4-6F175D3DCCD1}">
+            <a:ext uri="{909E8E84-426E-40DD-AFC4-6F175D3DCCD1}">
               <a14:hiddenFill xmlns:a14="http://schemas.microsoft.com/office/drawing/2010/main">
                 <a:solidFill>
                   <a:srgbClr val="FFFFFF"/>
                 </a:solidFill>
               </a14:hiddenFill>
             </a:ext>
-            <a:ext uri="{91240B29-F687-4f45-9708-019B960494DF}">
+            <a:ext uri="{91240B29-F687-4F45-9708-019B960494DF}">
               <a14:hiddenLine xmlns:a14="http://schemas.microsoft.com/office/drawing/2010/main" w="9525">
                 <a:solidFill>
                   <a:srgbClr val="000000"/>
@@ -19893,14 +20951,14 @@
             <a:noFill/>
           </a:ln>
           <a:extLst>
-            <a:ext uri="{909E8E84-426E-40dd-AFC4-6F175D3DCCD1}">
+            <a:ext uri="{909E8E84-426E-40DD-AFC4-6F175D3DCCD1}">
               <a14:hiddenFill xmlns:a14="http://schemas.microsoft.com/office/drawing/2010/main">
                 <a:solidFill>
                   <a:srgbClr val="FFFFFF"/>
                 </a:solidFill>
               </a14:hiddenFill>
             </a:ext>
-            <a:ext uri="{91240B29-F687-4f45-9708-019B960494DF}">
+            <a:ext uri="{91240B29-F687-4F45-9708-019B960494DF}">
               <a14:hiddenLine xmlns:a14="http://schemas.microsoft.com/office/drawing/2010/main" w="9525">
                 <a:solidFill>
                   <a:srgbClr val="000000"/>
@@ -20062,14 +21120,14 @@
             <a:noFill/>
           </a:ln>
           <a:extLst>
-            <a:ext uri="{909E8E84-426E-40dd-AFC4-6F175D3DCCD1}">
+            <a:ext uri="{909E8E84-426E-40DD-AFC4-6F175D3DCCD1}">
               <a14:hiddenFill xmlns:a14="http://schemas.microsoft.com/office/drawing/2010/main">
                 <a:solidFill>
                   <a:srgbClr val="FFFFFF"/>
                 </a:solidFill>
               </a14:hiddenFill>
             </a:ext>
-            <a:ext uri="{91240B29-F687-4f45-9708-019B960494DF}">
+            <a:ext uri="{91240B29-F687-4F45-9708-019B960494DF}">
               <a14:hiddenLine xmlns:a14="http://schemas.microsoft.com/office/drawing/2010/main" w="9525">
                 <a:solidFill>
                   <a:srgbClr val="000000"/>
@@ -20231,14 +21289,14 @@
             <a:noFill/>
           </a:ln>
           <a:extLst>
-            <a:ext uri="{909E8E84-426E-40dd-AFC4-6F175D3DCCD1}">
+            <a:ext uri="{909E8E84-426E-40DD-AFC4-6F175D3DCCD1}">
               <a14:hiddenFill xmlns:a14="http://schemas.microsoft.com/office/drawing/2010/main">
                 <a:solidFill>
                   <a:srgbClr val="FFFFFF"/>
                 </a:solidFill>
               </a14:hiddenFill>
             </a:ext>
-            <a:ext uri="{91240B29-F687-4f45-9708-019B960494DF}">
+            <a:ext uri="{91240B29-F687-4F45-9708-019B960494DF}">
               <a14:hiddenLine xmlns:a14="http://schemas.microsoft.com/office/drawing/2010/main" w="9525">
                 <a:solidFill>
                   <a:srgbClr val="000000"/>
@@ -20400,14 +21458,14 @@
             <a:noFill/>
           </a:ln>
           <a:extLst>
-            <a:ext uri="{909E8E84-426E-40dd-AFC4-6F175D3DCCD1}">
+            <a:ext uri="{909E8E84-426E-40DD-AFC4-6F175D3DCCD1}">
               <a14:hiddenFill xmlns:a14="http://schemas.microsoft.com/office/drawing/2010/main">
                 <a:solidFill>
                   <a:srgbClr val="FFFFFF"/>
                 </a:solidFill>
               </a14:hiddenFill>
             </a:ext>
-            <a:ext uri="{91240B29-F687-4f45-9708-019B960494DF}">
+            <a:ext uri="{91240B29-F687-4F45-9708-019B960494DF}">
               <a14:hiddenLine xmlns:a14="http://schemas.microsoft.com/office/drawing/2010/main" w="9525">
                 <a:solidFill>
                   <a:srgbClr val="000000"/>
@@ -20569,14 +21627,14 @@
             <a:noFill/>
           </a:ln>
           <a:extLst>
-            <a:ext uri="{909E8E84-426E-40dd-AFC4-6F175D3DCCD1}">
+            <a:ext uri="{909E8E84-426E-40DD-AFC4-6F175D3DCCD1}">
               <a14:hiddenFill xmlns:a14="http://schemas.microsoft.com/office/drawing/2010/main">
                 <a:solidFill>
                   <a:srgbClr val="FFFFFF"/>
                 </a:solidFill>
               </a14:hiddenFill>
             </a:ext>
-            <a:ext uri="{91240B29-F687-4f45-9708-019B960494DF}">
+            <a:ext uri="{91240B29-F687-4F45-9708-019B960494DF}">
               <a14:hiddenLine xmlns:a14="http://schemas.microsoft.com/office/drawing/2010/main" w="9525">
                 <a:solidFill>
                   <a:srgbClr val="000000"/>
@@ -20738,14 +21796,14 @@
             <a:noFill/>
           </a:ln>
           <a:extLst>
-            <a:ext uri="{909E8E84-426E-40dd-AFC4-6F175D3DCCD1}">
+            <a:ext uri="{909E8E84-426E-40DD-AFC4-6F175D3DCCD1}">
               <a14:hiddenFill xmlns:a14="http://schemas.microsoft.com/office/drawing/2010/main">
                 <a:solidFill>
                   <a:srgbClr val="FFFFFF"/>
                 </a:solidFill>
               </a14:hiddenFill>
             </a:ext>
-            <a:ext uri="{91240B29-F687-4f45-9708-019B960494DF}">
+            <a:ext uri="{91240B29-F687-4F45-9708-019B960494DF}">
               <a14:hiddenLine xmlns:a14="http://schemas.microsoft.com/office/drawing/2010/main" w="9525">
                 <a:solidFill>
                   <a:srgbClr val="000000"/>
@@ -20907,14 +21965,14 @@
             <a:noFill/>
           </a:ln>
           <a:extLst>
-            <a:ext uri="{909E8E84-426E-40dd-AFC4-6F175D3DCCD1}">
+            <a:ext uri="{909E8E84-426E-40DD-AFC4-6F175D3DCCD1}">
               <a14:hiddenFill xmlns:a14="http://schemas.microsoft.com/office/drawing/2010/main">
                 <a:solidFill>
                   <a:srgbClr val="FFFFFF"/>
                 </a:solidFill>
               </a14:hiddenFill>
             </a:ext>
-            <a:ext uri="{91240B29-F687-4f45-9708-019B960494DF}">
+            <a:ext uri="{91240B29-F687-4F45-9708-019B960494DF}">
               <a14:hiddenLine xmlns:a14="http://schemas.microsoft.com/office/drawing/2010/main" w="9525">
                 <a:solidFill>
                   <a:srgbClr val="000000"/>
@@ -21076,14 +22134,14 @@
             <a:noFill/>
           </a:ln>
           <a:extLst>
-            <a:ext uri="{909E8E84-426E-40dd-AFC4-6F175D3DCCD1}">
+            <a:ext uri="{909E8E84-426E-40DD-AFC4-6F175D3DCCD1}">
               <a14:hiddenFill xmlns:a14="http://schemas.microsoft.com/office/drawing/2010/main">
                 <a:solidFill>
                   <a:srgbClr val="FFFFFF"/>
                 </a:solidFill>
               </a14:hiddenFill>
             </a:ext>
-            <a:ext uri="{91240B29-F687-4f45-9708-019B960494DF}">
+            <a:ext uri="{91240B29-F687-4F45-9708-019B960494DF}">
               <a14:hiddenLine xmlns:a14="http://schemas.microsoft.com/office/drawing/2010/main" w="9525">
                 <a:solidFill>
                   <a:srgbClr val="000000"/>
@@ -21237,7 +22295,7 @@
   <p:timing>
     <p:tnLst>
       <p:par>
-        <p:cTn xmlns:p14="http://schemas.microsoft.com/office/powerpoint/2010/main" id="1" dur="indefinite" restart="never" nodeType="tmRoot">
+        <p:cTn id="1" dur="indefinite" restart="never" nodeType="tmRoot">
           <p:childTnLst>
             <p:seq concurrent="1" nextAc="seek">
               <p:cTn id="2" dur="indefinite" nodeType="mainSeq">
@@ -21820,14 +22878,14 @@
           <a:noFill/>
           <a:ln/>
           <a:extLst>
-            <a:ext uri="{909E8E84-426E-40dd-AFC4-6F175D3DCCD1}">
+            <a:ext uri="{909E8E84-426E-40DD-AFC4-6F175D3DCCD1}">
               <a14:hiddenFill xmlns:a14="http://schemas.microsoft.com/office/drawing/2010/main">
                 <a:solidFill>
                   <a:srgbClr val="FFFFFF"/>
                 </a:solidFill>
               </a14:hiddenFill>
             </a:ext>
-            <a:ext uri="{91240B29-F687-4f45-9708-019B960494DF}">
+            <a:ext uri="{91240B29-F687-4F45-9708-019B960494DF}">
               <a14:hiddenLine xmlns:a14="http://schemas.microsoft.com/office/drawing/2010/main" w="9525">
                 <a:solidFill>
                   <a:srgbClr val="000000"/>
@@ -22016,14 +23074,14 @@
             <a:noFill/>
           </a:ln>
           <a:extLst>
-            <a:ext uri="{909E8E84-426E-40dd-AFC4-6F175D3DCCD1}">
+            <a:ext uri="{909E8E84-426E-40DD-AFC4-6F175D3DCCD1}">
               <a14:hiddenFill xmlns:a14="http://schemas.microsoft.com/office/drawing/2010/main">
                 <a:solidFill>
                   <a:srgbClr val="FFFFFF"/>
                 </a:solidFill>
               </a14:hiddenFill>
             </a:ext>
-            <a:ext uri="{91240B29-F687-4f45-9708-019B960494DF}">
+            <a:ext uri="{91240B29-F687-4F45-9708-019B960494DF}">
               <a14:hiddenLine xmlns:a14="http://schemas.microsoft.com/office/drawing/2010/main" w="9525">
                 <a:solidFill>
                   <a:srgbClr val="000000"/>
@@ -22314,19 +23372,7 @@
               <a:rPr lang="en-US" altLang="zh-TW" sz="2600" dirty="0" smtClean="0">
                 <a:ea typeface="新細明體" pitchFamily="-106" charset="-120"/>
               </a:rPr>
-              <a:t>These </a:t>
-            </a:r>
-            <a:r>
-              <a:rPr lang="en-US" altLang="zh-TW" sz="2600" dirty="0" smtClean="0">
-                <a:ea typeface="新細明體" pitchFamily="-106" charset="-120"/>
-              </a:rPr>
-              <a:t>algorithms are efficient and have a proven theoretical error </a:t>
-            </a:r>
-            <a:r>
-              <a:rPr lang="en-US" altLang="zh-TW" sz="2600" dirty="0" smtClean="0">
-                <a:ea typeface="新細明體" pitchFamily="-106" charset="-120"/>
-              </a:rPr>
-              <a:t>bound under certain assumptions</a:t>
+              <a:t>These algorithms are efficient and have a proven theoretical error bound under certain assumptions</a:t>
             </a:r>
           </a:p>
           <a:p>
@@ -22448,7 +23494,7 @@
   <p:timing>
     <p:tnLst>
       <p:par>
-        <p:cTn xmlns:p14="http://schemas.microsoft.com/office/powerpoint/2010/main" id="1" dur="indefinite" restart="never" nodeType="tmRoot"/>
+        <p:cTn id="1" dur="indefinite" restart="never" nodeType="tmRoot"/>
       </p:par>
     </p:tnLst>
   </p:timing>
@@ -22486,14 +23532,14 @@
           <a:noFill/>
           <a:ln/>
           <a:extLst>
-            <a:ext uri="{909E8E84-426E-40dd-AFC4-6F175D3DCCD1}">
+            <a:ext uri="{909E8E84-426E-40DD-AFC4-6F175D3DCCD1}">
               <a14:hiddenFill xmlns:a14="http://schemas.microsoft.com/office/drawing/2010/main">
                 <a:solidFill>
                   <a:srgbClr val="FFFFFF"/>
                 </a:solidFill>
               </a14:hiddenFill>
             </a:ext>
-            <a:ext uri="{91240B29-F687-4f45-9708-019B960494DF}">
+            <a:ext uri="{91240B29-F687-4F45-9708-019B960494DF}">
               <a14:hiddenLine xmlns:a14="http://schemas.microsoft.com/office/drawing/2010/main" w="9525">
                 <a:solidFill>
                   <a:srgbClr val="000000"/>
@@ -22684,14 +23730,14 @@
                 <a:noFill/>
               </a:ln>
               <a:extLst>
-                <a:ext uri="{909E8E84-426E-40dd-AFC4-6F175D3DCCD1}">
+                <a:ext uri="{909E8E84-426E-40DD-AFC4-6F175D3DCCD1}">
                   <a14:hiddenFill>
                     <a:solidFill>
                       <a:srgbClr val="FFFFFF"/>
                     </a:solidFill>
                   </a14:hiddenFill>
                 </a:ext>
-                <a:ext uri="{91240B29-F687-4f45-9708-019B960494DF}">
+                <a:ext uri="{91240B29-F687-4F45-9708-019B960494DF}">
                   <a14:hiddenLine w="9525">
                     <a:solidFill>
                       <a:srgbClr val="000000"/>
@@ -22921,7 +23967,7 @@
                   <a:t>Step 1: Get an unlabeled example </a:t>
                 </a:r>
                 <a14:m>
-                  <m:oMath xmlns="" xmlns:m="http://schemas.openxmlformats.org/officeDocument/2006/math">
+                  <m:oMath xmlns:m="http://schemas.openxmlformats.org/officeDocument/2006/math">
                     <m:r>
                       <a:rPr lang="en-US" sz="2400" b="0" i="1" smtClean="0">
                         <a:latin typeface="Cambria Math"/>
@@ -22949,7 +23995,7 @@
                   <a:t> drawn at random from </a:t>
                 </a:r>
                 <a14:m>
-                  <m:oMath xmlns="" xmlns:m="http://schemas.openxmlformats.org/officeDocument/2006/math">
+                  <m:oMath xmlns:m="http://schemas.openxmlformats.org/officeDocument/2006/math">
                     <m:r>
                       <a:rPr lang="en-US" sz="2400" b="0" i="1" smtClean="0">
                         <a:latin typeface="Cambria Math"/>
@@ -22973,7 +24019,7 @@
                   <a:t>Step 2: Randomly select two committee members to predict </a:t>
                 </a:r>
                 <a14:m>
-                  <m:oMath xmlns="" xmlns:m="http://schemas.openxmlformats.org/officeDocument/2006/math">
+                  <m:oMath xmlns:m="http://schemas.openxmlformats.org/officeDocument/2006/math">
                     <m:r>
                       <a:rPr lang="en-US" sz="2400" i="1">
                         <a:latin typeface="Cambria Math"/>
@@ -23012,7 +24058,7 @@
                   <a:t>Step 4: If the two predictions are different, get label </a:t>
                 </a:r>
                 <a14:m>
-                  <m:oMath xmlns="" xmlns:m="http://schemas.openxmlformats.org/officeDocument/2006/math">
+                  <m:oMath xmlns:m="http://schemas.openxmlformats.org/officeDocument/2006/math">
                     <m:r>
                       <m:rPr>
                         <m:sty m:val="p"/>
@@ -23049,7 +24095,7 @@
                   <a:t>, set </a:t>
                 </a:r>
                 <a14:m>
-                  <m:oMath xmlns="" xmlns:m="http://schemas.openxmlformats.org/officeDocument/2006/math">
+                  <m:oMath xmlns:m="http://schemas.openxmlformats.org/officeDocument/2006/math">
                     <m:sSub>
                       <m:sSubPr>
                         <m:ctrlPr>
@@ -23084,7 +24130,7 @@
                   <a:t> to be all concepts </a:t>
                 </a:r>
                 <a14:m>
-                  <m:oMath xmlns="" xmlns:m="http://schemas.openxmlformats.org/officeDocument/2006/math">
+                  <m:oMath xmlns:m="http://schemas.openxmlformats.org/officeDocument/2006/math">
                     <m:sSup>
                       <m:sSupPr>
                         <m:ctrlPr>
@@ -23160,7 +24206,7 @@
                   <a:t> such that </a:t>
                 </a:r>
                 <a14:m>
-                  <m:oMath xmlns="" xmlns:m="http://schemas.openxmlformats.org/officeDocument/2006/math">
+                  <m:oMath xmlns:m="http://schemas.openxmlformats.org/officeDocument/2006/math">
                     <m:sSup>
                       <m:sSupPr>
                         <m:ctrlPr>
@@ -23252,7 +24298,7 @@
                   <a:t>Stop when consecutively reject  </a:t>
                 </a:r>
                 <a14:m>
-                  <m:oMath xmlns="" xmlns:m="http://schemas.openxmlformats.org/officeDocument/2006/math">
+                  <m:oMath xmlns:m="http://schemas.openxmlformats.org/officeDocument/2006/math">
                     <m:f>
                       <m:fPr>
                         <m:ctrlPr>
@@ -23514,7 +24560,7 @@
   <p:timing>
     <p:tnLst>
       <p:par>
-        <p:cTn xmlns:p14="http://schemas.microsoft.com/office/powerpoint/2010/main" id="1" dur="indefinite" restart="never" nodeType="tmRoot"/>
+        <p:cTn id="1" dur="indefinite" restart="never" nodeType="tmRoot"/>
       </p:par>
     </p:tnLst>
   </p:timing>
@@ -23552,14 +24598,14 @@
           <a:noFill/>
           <a:ln/>
           <a:extLst>
-            <a:ext uri="{909E8E84-426E-40dd-AFC4-6F175D3DCCD1}">
+            <a:ext uri="{909E8E84-426E-40DD-AFC4-6F175D3DCCD1}">
               <a14:hiddenFill xmlns:a14="http://schemas.microsoft.com/office/drawing/2010/main">
                 <a:solidFill>
                   <a:srgbClr val="FFFFFF"/>
                 </a:solidFill>
               </a14:hiddenFill>
             </a:ext>
-            <a:ext uri="{91240B29-F687-4f45-9708-019B960494DF}">
+            <a:ext uri="{91240B29-F687-4F45-9708-019B960494DF}">
               <a14:hiddenLine xmlns:a14="http://schemas.microsoft.com/office/drawing/2010/main" w="9525">
                 <a:solidFill>
                   <a:srgbClr val="000000"/>
@@ -23750,14 +24796,14 @@
                 <a:noFill/>
               </a:ln>
               <a:extLst>
-                <a:ext uri="{909E8E84-426E-40dd-AFC4-6F175D3DCCD1}">
+                <a:ext uri="{909E8E84-426E-40DD-AFC4-6F175D3DCCD1}">
                   <a14:hiddenFill>
                     <a:solidFill>
                       <a:srgbClr val="FFFFFF"/>
                     </a:solidFill>
                   </a14:hiddenFill>
                 </a:ext>
-                <a:ext uri="{91240B29-F687-4f45-9708-019B960494DF}">
+                <a:ext uri="{91240B29-F687-4F45-9708-019B960494DF}">
                   <a14:hiddenLine w="9525">
                     <a:solidFill>
                       <a:srgbClr val="000000"/>
@@ -24036,13 +25082,13 @@
                   <a:buNone/>
                 </a:pPr>
                 <a14:m>
-                  <m:oMathPara xmlns="" xmlns:m="http://schemas.openxmlformats.org/officeDocument/2006/math">
+                  <m:oMathPara xmlns:m="http://schemas.openxmlformats.org/officeDocument/2006/math">
                     <m:oMathParaPr>
                       <m:jc m:val="centerGroup"/>
                     </m:oMathParaPr>
                     <m:oMath xmlns:m="http://schemas.openxmlformats.org/officeDocument/2006/math">
                       <m:r>
-                        <a:rPr lang="en-US" altLang="zh-TW" sz="2400" b="0" i="0" smtClean="0">
+                        <a:rPr lang="en-US" altLang="zh-TW" sz="2000" b="0" i="0" smtClean="0">
                           <a:latin typeface="Cambria Math"/>
                           <a:ea typeface="新細明體" pitchFamily="-106" charset="-120"/>
                         </a:rPr>
@@ -24051,7 +25097,7 @@
                       <m:func>
                         <m:funcPr>
                           <m:ctrlPr>
-                            <a:rPr lang="en-US" altLang="zh-TW" sz="2400" i="1" smtClean="0">
+                            <a:rPr lang="en-US" altLang="zh-TW" sz="2000" i="1" smtClean="0">
                               <a:latin typeface="Cambria Math"/>
                               <a:ea typeface="新細明體" pitchFamily="-106" charset="-120"/>
                             </a:rPr>
@@ -24062,7 +25108,7 @@
                             <m:rPr>
                               <m:sty m:val="p"/>
                             </m:rPr>
-                            <a:rPr lang="en-US" altLang="zh-TW" sz="2400" i="0" smtClean="0">
+                            <a:rPr lang="en-US" altLang="zh-TW" sz="2000" i="0" smtClean="0">
                               <a:latin typeface="Cambria Math"/>
                               <a:ea typeface="新細明體" pitchFamily="-106" charset="-120"/>
                             </a:rPr>
@@ -24073,7 +25119,7 @@
                           <m:f>
                             <m:fPr>
                               <m:ctrlPr>
-                                <a:rPr lang="en-US" altLang="zh-TW" sz="2400" i="1" smtClean="0">
+                                <a:rPr lang="en-US" altLang="zh-TW" sz="2000" i="1" smtClean="0">
                                   <a:latin typeface="Cambria Math"/>
                                   <a:ea typeface="新細明體" pitchFamily="-106" charset="-120"/>
                                 </a:rPr>
@@ -24083,7 +25129,7 @@
                               <m:sSub>
                                 <m:sSubPr>
                                   <m:ctrlPr>
-                                    <a:rPr lang="en-US" altLang="zh-TW" sz="2400" i="1" smtClean="0">
+                                    <a:rPr lang="en-US" altLang="zh-TW" sz="2000" i="1" smtClean="0">
                                       <a:latin typeface="Cambria Math"/>
                                       <a:ea typeface="新細明體" pitchFamily="-106" charset="-120"/>
                                     </a:rPr>
@@ -24091,7 +25137,7 @@
                                 </m:sSubPr>
                                 <m:e>
                                   <m:r>
-                                    <a:rPr lang="en-US" altLang="zh-TW" sz="2400" b="0" i="1" smtClean="0">
+                                    <a:rPr lang="en-US" altLang="zh-TW" sz="2000" b="0" i="1" smtClean="0">
                                       <a:latin typeface="Cambria Math"/>
                                       <a:ea typeface="新細明體" pitchFamily="-106" charset="-120"/>
                                     </a:rPr>
@@ -24100,7 +25146,7 @@
                                 </m:e>
                                 <m:sub>
                                   <m:r>
-                                    <a:rPr lang="en-US" altLang="zh-TW" sz="2400" b="0" i="1" smtClean="0">
+                                    <a:rPr lang="en-US" altLang="zh-TW" sz="2000" b="0" i="1" smtClean="0">
                                       <a:latin typeface="Cambria Math"/>
                                       <a:ea typeface="新細明體" pitchFamily="-106" charset="-120"/>
                                     </a:rPr>
@@ -24109,7 +25155,7 @@
                                 </m:sub>
                               </m:sSub>
                               <m:r>
-                                <a:rPr lang="en-US" altLang="zh-TW" sz="2400" b="0" i="1" smtClean="0">
+                                <a:rPr lang="en-US" altLang="zh-TW" sz="2000" b="0" i="1" smtClean="0">
                                   <a:latin typeface="Cambria Math"/>
                                   <a:ea typeface="新細明體" pitchFamily="-106" charset="-120"/>
                                 </a:rPr>
@@ -24118,7 +25164,7 @@
                               <m:sSub>
                                 <m:sSubPr>
                                   <m:ctrlPr>
-                                    <a:rPr lang="en-US" altLang="zh-TW" sz="2400" b="0" i="1" smtClean="0">
+                                    <a:rPr lang="en-US" altLang="zh-TW" sz="2000" b="0" i="1" smtClean="0">
                                       <a:latin typeface="Cambria Math"/>
                                       <a:ea typeface="新細明體" pitchFamily="-106" charset="-120"/>
                                     </a:rPr>
@@ -24126,7 +25172,7 @@
                                 </m:sSubPr>
                                 <m:e>
                                   <m:r>
-                                    <a:rPr lang="en-US" altLang="zh-TW" sz="2400" b="0" i="1" smtClean="0">
+                                    <a:rPr lang="en-US" altLang="zh-TW" sz="2000" b="0" i="1" smtClean="0">
                                       <a:latin typeface="Cambria Math"/>
                                       <a:ea typeface="新細明體" pitchFamily="-106" charset="-120"/>
                                     </a:rPr>
@@ -24135,7 +25181,7 @@
                                 </m:e>
                                 <m:sub>
                                   <m:r>
-                                    <a:rPr lang="en-US" altLang="zh-TW" sz="2400" b="0" i="1" smtClean="0">
+                                    <a:rPr lang="en-US" altLang="zh-TW" sz="2000" b="0" i="1" smtClean="0">
                                       <a:latin typeface="Cambria Math"/>
                                       <a:ea typeface="新細明體" pitchFamily="-106" charset="-120"/>
                                     </a:rPr>
@@ -24144,7 +25190,7 @@
                                 </m:sub>
                               </m:sSub>
                               <m:r>
-                                <a:rPr lang="en-US" altLang="zh-TW" sz="2400" b="0" i="1" smtClean="0">
+                                <a:rPr lang="en-US" altLang="zh-TW" sz="2000" b="0" i="1" smtClean="0">
                                   <a:latin typeface="Cambria Math"/>
                                   <a:ea typeface="新細明體" pitchFamily="-106" charset="-120"/>
                                 </a:rPr>
@@ -24155,7 +25201,7 @@
                               <m:sSub>
                                 <m:sSubPr>
                                   <m:ctrlPr>
-                                    <a:rPr lang="en-US" altLang="zh-TW" sz="2400" i="1">
+                                    <a:rPr lang="en-US" altLang="zh-TW" sz="2000" i="1">
                                       <a:latin typeface="Cambria Math"/>
                                       <a:ea typeface="新細明體" pitchFamily="-106" charset="-120"/>
                                     </a:rPr>
@@ -24163,7 +25209,7 @@
                                 </m:sSubPr>
                                 <m:e>
                                   <m:r>
-                                    <a:rPr lang="en-US" altLang="zh-TW" sz="2400" i="1">
+                                    <a:rPr lang="en-US" altLang="zh-TW" sz="2000" i="1">
                                       <a:latin typeface="Cambria Math"/>
                                       <a:ea typeface="新細明體" pitchFamily="-106" charset="-120"/>
                                     </a:rPr>
@@ -24172,7 +25218,7 @@
                                 </m:e>
                                 <m:sub>
                                   <m:r>
-                                    <a:rPr lang="en-US" altLang="zh-TW" sz="2400" i="1">
+                                    <a:rPr lang="en-US" altLang="zh-TW" sz="2000" i="1">
                                       <a:latin typeface="Cambria Math"/>
                                       <a:ea typeface="新細明體" pitchFamily="-106" charset="-120"/>
                                     </a:rPr>
@@ -24181,7 +25227,7 @@
                                 </m:sub>
                               </m:sSub>
                               <m:r>
-                                <a:rPr lang="en-US" altLang="zh-TW" sz="2400" i="1">
+                                <a:rPr lang="en-US" altLang="zh-TW" sz="2000" i="1">
                                   <a:latin typeface="Cambria Math"/>
                                   <a:ea typeface="新細明體" pitchFamily="-106" charset="-120"/>
                                 </a:rPr>
@@ -24190,7 +25236,7 @@
                               <m:sSub>
                                 <m:sSubPr>
                                   <m:ctrlPr>
-                                    <a:rPr lang="en-US" altLang="zh-TW" sz="2400" i="1">
+                                    <a:rPr lang="en-US" altLang="zh-TW" sz="2000" i="1">
                                       <a:latin typeface="Cambria Math"/>
                                       <a:ea typeface="新細明體" pitchFamily="-106" charset="-120"/>
                                     </a:rPr>
@@ -24198,7 +25244,7 @@
                                 </m:sSubPr>
                                 <m:e>
                                   <m:r>
-                                    <a:rPr lang="en-US" altLang="zh-TW" sz="2400" i="1">
+                                    <a:rPr lang="en-US" altLang="zh-TW" sz="2000" i="1">
                                       <a:latin typeface="Cambria Math"/>
                                       <a:ea typeface="新細明體" pitchFamily="-106" charset="-120"/>
                                     </a:rPr>
@@ -24207,14 +25253,14 @@
                                 </m:e>
                                 <m:sub>
                                   <m:r>
-                                    <a:rPr lang="en-US" altLang="zh-TW" sz="2400" i="1">
+                                    <a:rPr lang="en-US" altLang="zh-TW" sz="2000" i="1">
                                       <a:latin typeface="Cambria Math"/>
                                       <a:ea typeface="新細明體" pitchFamily="-106" charset="-120"/>
                                     </a:rPr>
                                     <m:t>𝑖</m:t>
                                   </m:r>
                                   <m:r>
-                                    <a:rPr lang="en-US" altLang="zh-TW" sz="2400" b="0" i="1" smtClean="0">
+                                    <a:rPr lang="en-US" altLang="zh-TW" sz="2000" b="0" i="1" smtClean="0">
                                       <a:latin typeface="Cambria Math"/>
                                       <a:ea typeface="新細明體" pitchFamily="-106" charset="-120"/>
                                     </a:rPr>
@@ -24223,7 +25269,7 @@
                                 </m:sub>
                               </m:sSub>
                               <m:r>
-                                <a:rPr lang="en-US" altLang="zh-TW" sz="2400" b="0" i="1" smtClean="0">
+                                <a:rPr lang="en-US" altLang="zh-TW" sz="2000" b="0" i="1" smtClean="0">
                                   <a:latin typeface="Cambria Math"/>
                                   <a:ea typeface="新細明體" pitchFamily="-106" charset="-120"/>
                                 </a:rPr>
@@ -24253,7 +25299,7 @@
                   <a:t>It is proved that there exists a uniform lower bound </a:t>
                 </a:r>
                 <a14:m>
-                  <m:oMath xmlns="" xmlns:m="http://schemas.openxmlformats.org/officeDocument/2006/math">
+                  <m:oMath xmlns:m="http://schemas.openxmlformats.org/officeDocument/2006/math">
                     <m:r>
                       <a:rPr lang="en-US" altLang="zh-TW" sz="2000" b="0" i="0" smtClean="0">
                         <a:latin typeface="Cambria Math"/>
@@ -24440,7 +25486,7 @@
   <p:timing>
     <p:tnLst>
       <p:par>
-        <p:cTn xmlns:p14="http://schemas.microsoft.com/office/powerpoint/2010/main" id="1" dur="indefinite" restart="never" nodeType="tmRoot"/>
+        <p:cTn id="1" dur="indefinite" restart="never" nodeType="tmRoot"/>
       </p:par>
     </p:tnLst>
   </p:timing>
@@ -24478,14 +25524,14 @@
           <a:noFill/>
           <a:ln/>
           <a:extLst>
-            <a:ext uri="{909E8E84-426E-40dd-AFC4-6F175D3DCCD1}">
+            <a:ext uri="{909E8E84-426E-40DD-AFC4-6F175D3DCCD1}">
               <a14:hiddenFill xmlns:a14="http://schemas.microsoft.com/office/drawing/2010/main">
                 <a:solidFill>
                   <a:srgbClr val="FFFFFF"/>
                 </a:solidFill>
               </a14:hiddenFill>
             </a:ext>
-            <a:ext uri="{91240B29-F687-4f45-9708-019B960494DF}">
+            <a:ext uri="{91240B29-F687-4F45-9708-019B960494DF}">
               <a14:hiddenLine xmlns:a14="http://schemas.microsoft.com/office/drawing/2010/main" w="9525">
                 <a:solidFill>
                   <a:srgbClr val="000000"/>
@@ -24676,14 +25722,14 @@
                 <a:noFill/>
               </a:ln>
               <a:extLst>
-                <a:ext uri="{909E8E84-426E-40dd-AFC4-6F175D3DCCD1}">
+                <a:ext uri="{909E8E84-426E-40DD-AFC4-6F175D3DCCD1}">
                   <a14:hiddenFill>
                     <a:solidFill>
                       <a:srgbClr val="FFFFFF"/>
                     </a:solidFill>
                   </a14:hiddenFill>
                 </a:ext>
-                <a:ext uri="{91240B29-F687-4f45-9708-019B960494DF}">
+                <a:ext uri="{91240B29-F687-4F45-9708-019B960494DF}">
                   <a14:hiddenLine w="9525">
                     <a:solidFill>
                       <a:srgbClr val="000000"/>
@@ -24919,7 +25965,7 @@
                   <a:t>If a concept class </a:t>
                 </a:r>
                 <a14:m>
-                  <m:oMath xmlns="" xmlns:m="http://schemas.openxmlformats.org/officeDocument/2006/math">
+                  <m:oMath xmlns:m="http://schemas.openxmlformats.org/officeDocument/2006/math">
                     <m:r>
                       <a:rPr lang="en-US" altLang="zh-TW" sz="2400" b="0" i="1" smtClean="0">
                         <a:latin typeface="Cambria Math"/>
@@ -24936,7 +25982,7 @@
                   <a:t> has VC-dimension </a:t>
                 </a:r>
                 <a14:m>
-                  <m:oMath xmlns="" xmlns:m="http://schemas.openxmlformats.org/officeDocument/2006/math">
+                  <m:oMath xmlns:m="http://schemas.openxmlformats.org/officeDocument/2006/math">
                     <m:r>
                       <a:rPr lang="en-US" altLang="zh-TW" sz="2000" b="0" i="1" smtClean="0">
                         <a:latin typeface="Cambria Math"/>
@@ -24967,7 +26013,7 @@
                   <a:t> and the expected information gain of queries made by QBC is uniformly lower bounded by </a:t>
                 </a:r>
                 <a14:m>
-                  <m:oMath xmlns="" xmlns:m="http://schemas.openxmlformats.org/officeDocument/2006/math">
+                  <m:oMath xmlns:m="http://schemas.openxmlformats.org/officeDocument/2006/math">
                     <m:r>
                       <a:rPr lang="en-US" altLang="zh-TW" sz="2000" b="0" i="1" smtClean="0">
                         <a:latin typeface="Cambria Math"/>
@@ -24991,7 +26037,7 @@
                   <a:t>, then following holds with probability larger than </a:t>
                 </a:r>
                 <a14:m>
-                  <m:oMath xmlns="" xmlns:m="http://schemas.openxmlformats.org/officeDocument/2006/math">
+                  <m:oMath xmlns:m="http://schemas.openxmlformats.org/officeDocument/2006/math">
                     <m:r>
                       <a:rPr lang="en-US" altLang="zh-TW" sz="2000" b="0" i="1" smtClean="0">
                         <a:latin typeface="Cambria Math"/>
@@ -25055,7 +26101,7 @@
                   <a:t>    </a:t>
                 </a:r>
                 <a14:m>
-                  <m:oMath xmlns="" xmlns:m="http://schemas.openxmlformats.org/officeDocument/2006/math">
+                  <m:oMath xmlns:m="http://schemas.openxmlformats.org/officeDocument/2006/math">
                     <m:sSub>
                       <m:sSubPr>
                         <m:ctrlPr>
@@ -25459,7 +26505,7 @@
                   <a:t>    </a:t>
                 </a:r>
                 <a14:m>
-                  <m:oMath xmlns="" xmlns:m="http://schemas.openxmlformats.org/officeDocument/2006/math">
+                  <m:oMath xmlns:m="http://schemas.openxmlformats.org/officeDocument/2006/math">
                     <m:sSub>
                       <m:sSubPr>
                         <m:ctrlPr>
@@ -25658,7 +26704,7 @@
                   <a:t> of QBC makes a mistake is smaller than </a:t>
                 </a:r>
                 <a14:m>
-                  <m:oMath xmlns="" xmlns:m="http://schemas.openxmlformats.org/officeDocument/2006/math">
+                  <m:oMath xmlns:m="http://schemas.openxmlformats.org/officeDocument/2006/math">
                     <m:r>
                       <a:rPr lang="zh-TW" altLang="en-US" sz="2000" i="1" smtClean="0">
                         <a:latin typeface="Cambria Math"/>
@@ -25790,7 +26836,7 @@
   <p:timing>
     <p:tnLst>
       <p:par>
-        <p:cTn xmlns:p14="http://schemas.microsoft.com/office/powerpoint/2010/main" id="1" dur="indefinite" restart="never" nodeType="tmRoot"/>
+        <p:cTn id="1" dur="indefinite" restart="never" nodeType="tmRoot"/>
       </p:par>
     </p:tnLst>
   </p:timing>
@@ -25828,14 +26874,14 @@
           <a:noFill/>
           <a:ln/>
           <a:extLst>
-            <a:ext uri="{909E8E84-426E-40dd-AFC4-6F175D3DCCD1}">
+            <a:ext uri="{909E8E84-426E-40DD-AFC4-6F175D3DCCD1}">
               <a14:hiddenFill xmlns:a14="http://schemas.microsoft.com/office/drawing/2010/main">
                 <a:solidFill>
                   <a:srgbClr val="FFFFFF"/>
                 </a:solidFill>
               </a14:hiddenFill>
             </a:ext>
-            <a:ext uri="{91240B29-F687-4f45-9708-019B960494DF}">
+            <a:ext uri="{91240B29-F687-4F45-9708-019B960494DF}">
               <a14:hiddenLine xmlns:a14="http://schemas.microsoft.com/office/drawing/2010/main" w="9525">
                 <a:solidFill>
                   <a:srgbClr val="000000"/>
@@ -26003,418 +27049,578 @@
           </a:p>
         </p:txBody>
       </p:sp>
-      <p:sp>
-        <p:nvSpPr>
-          <p:cNvPr id="7" name="Rectangle 3"/>
-          <p:cNvSpPr txBox="1">
-            <a:spLocks noChangeArrowheads="1"/>
-          </p:cNvSpPr>
-          <p:nvPr/>
-        </p:nvSpPr>
-        <p:spPr bwMode="auto">
-          <a:xfrm>
-            <a:off x="304800" y="1219200"/>
-            <a:ext cx="8763000" cy="4953000"/>
-          </a:xfrm>
-          <a:prstGeom prst="rect">
-            <a:avLst/>
-          </a:prstGeom>
-          <a:noFill/>
-          <a:ln>
-            <a:noFill/>
-          </a:ln>
-          <a:extLst>
-            <a:ext uri="{909E8E84-426E-40dd-AFC4-6F175D3DCCD1}">
-              <a14:hiddenFill xmlns:a14="http://schemas.microsoft.com/office/drawing/2010/main">
-                <a:solidFill>
-                  <a:srgbClr val="FFFFFF"/>
-                </a:solidFill>
-              </a14:hiddenFill>
-            </a:ext>
-            <a:ext uri="{91240B29-F687-4f45-9708-019B960494DF}">
-              <a14:hiddenLine xmlns:a14="http://schemas.microsoft.com/office/drawing/2010/main" w="9525">
-                <a:solidFill>
-                  <a:srgbClr val="000000"/>
-                </a:solidFill>
-                <a:miter lim="800000"/>
-                <a:headEnd/>
-                <a:tailEnd/>
-              </a14:hiddenLine>
-            </a:ext>
-          </a:extLst>
-        </p:spPr>
-        <p:txBody>
-          <a:bodyPr vert="horz" wrap="square" lIns="91440" tIns="45720" rIns="91440" bIns="45720" numCol="1" anchor="t" anchorCtr="0" compatLnSpc="1">
-            <a:prstTxWarp prst="textNoShape">
-              <a:avLst/>
-            </a:prstTxWarp>
-          </a:bodyPr>
-          <a:lstStyle>
-            <a:lvl1pPr marL="342900" indent="-342900" algn="l" rtl="0" eaLnBrk="0" fontAlgn="base" hangingPunct="0">
-              <a:spcBef>
-                <a:spcPct val="20000"/>
-              </a:spcBef>
-              <a:spcAft>
-                <a:spcPct val="0"/>
-              </a:spcAft>
-              <a:buClr>
-                <a:schemeClr val="accent1"/>
-              </a:buClr>
-              <a:buSzPct val="65000"/>
-              <a:buFont typeface="Wingdings" pitchFamily="-106" charset="2"/>
-              <a:buChar char="n"/>
-              <a:defRPr sz="3000">
-                <a:solidFill>
-                  <a:schemeClr val="tx1"/>
-                </a:solidFill>
-                <a:latin typeface="+mn-lt"/>
-                <a:ea typeface="ＭＳ Ｐゴシック" pitchFamily="-106" charset="-128"/>
-                <a:cs typeface="+mn-cs"/>
-              </a:defRPr>
-            </a:lvl1pPr>
-            <a:lvl2pPr marL="669925" indent="-325438" algn="l" rtl="0" eaLnBrk="0" fontAlgn="base" hangingPunct="0">
-              <a:spcBef>
-                <a:spcPct val="20000"/>
-              </a:spcBef>
-              <a:spcAft>
-                <a:spcPct val="0"/>
-              </a:spcAft>
-              <a:buClr>
-                <a:schemeClr val="accent2"/>
-              </a:buClr>
-              <a:buSzPct val="60000"/>
-              <a:buFont typeface="Wingdings" pitchFamily="-106" charset="2"/>
-              <a:buChar char="q"/>
-              <a:defRPr sz="2600">
-                <a:solidFill>
-                  <a:schemeClr val="tx1"/>
-                </a:solidFill>
-                <a:latin typeface="+mn-lt"/>
-                <a:ea typeface="ＭＳ Ｐゴシック" pitchFamily="-106" charset="-128"/>
-              </a:defRPr>
-            </a:lvl2pPr>
-            <a:lvl3pPr marL="1022350" indent="-350838" algn="l" rtl="0" eaLnBrk="0" fontAlgn="base" hangingPunct="0">
-              <a:spcBef>
-                <a:spcPct val="20000"/>
-              </a:spcBef>
-              <a:spcAft>
-                <a:spcPct val="0"/>
-              </a:spcAft>
-              <a:buClr>
-                <a:schemeClr val="accent1"/>
-              </a:buClr>
-              <a:buSzPct val="65000"/>
-              <a:buFont typeface="Wingdings" pitchFamily="-106" charset="2"/>
-              <a:buChar char="n"/>
-              <a:defRPr sz="2200">
-                <a:solidFill>
-                  <a:schemeClr val="tx1"/>
-                </a:solidFill>
-                <a:latin typeface="+mn-lt"/>
-                <a:ea typeface="ＭＳ Ｐゴシック" pitchFamily="-106" charset="-128"/>
-              </a:defRPr>
-            </a:lvl3pPr>
-            <a:lvl4pPr marL="1339850" indent="-315913" algn="l" rtl="0" eaLnBrk="0" fontAlgn="base" hangingPunct="0">
-              <a:spcBef>
-                <a:spcPct val="20000"/>
-              </a:spcBef>
-              <a:spcAft>
-                <a:spcPct val="0"/>
-              </a:spcAft>
-              <a:buClr>
-                <a:schemeClr val="accent2"/>
-              </a:buClr>
-              <a:buSzPct val="70000"/>
-              <a:buFont typeface="Wingdings" pitchFamily="-106" charset="2"/>
-              <a:buChar char="q"/>
-              <a:defRPr sz="2000">
-                <a:solidFill>
-                  <a:schemeClr val="tx1"/>
-                </a:solidFill>
-                <a:latin typeface="+mn-lt"/>
-                <a:ea typeface="ＭＳ Ｐゴシック" pitchFamily="-106" charset="-128"/>
-              </a:defRPr>
-            </a:lvl4pPr>
-            <a:lvl5pPr marL="1681163" indent="-339725" algn="l" rtl="0" eaLnBrk="0" fontAlgn="base" hangingPunct="0">
-              <a:spcBef>
-                <a:spcPct val="20000"/>
-              </a:spcBef>
-              <a:spcAft>
-                <a:spcPct val="0"/>
-              </a:spcAft>
-              <a:buClr>
-                <a:schemeClr val="accent1"/>
-              </a:buClr>
-              <a:buSzPct val="75000"/>
-              <a:buFont typeface="Wingdings" pitchFamily="-106" charset="2"/>
-              <a:buChar char="§"/>
-              <a:defRPr sz="2000">
-                <a:solidFill>
-                  <a:schemeClr val="tx1"/>
-                </a:solidFill>
-                <a:latin typeface="+mn-lt"/>
-                <a:ea typeface="ＭＳ Ｐゴシック" pitchFamily="-106" charset="-128"/>
-              </a:defRPr>
-            </a:lvl5pPr>
-            <a:lvl6pPr marL="2138363" indent="-339725" algn="l" rtl="0" fontAlgn="base">
-              <a:spcBef>
-                <a:spcPct val="20000"/>
-              </a:spcBef>
-              <a:spcAft>
-                <a:spcPct val="0"/>
-              </a:spcAft>
-              <a:buClr>
-                <a:schemeClr val="accent1"/>
-              </a:buClr>
-              <a:buSzPct val="75000"/>
-              <a:buFont typeface="Wingdings" pitchFamily="2" charset="2"/>
-              <a:buChar char="§"/>
-              <a:defRPr sz="2000">
-                <a:solidFill>
-                  <a:schemeClr val="tx1"/>
-                </a:solidFill>
-                <a:latin typeface="+mn-lt"/>
-              </a:defRPr>
-            </a:lvl6pPr>
-            <a:lvl7pPr marL="2595563" indent="-339725" algn="l" rtl="0" fontAlgn="base">
-              <a:spcBef>
-                <a:spcPct val="20000"/>
-              </a:spcBef>
-              <a:spcAft>
-                <a:spcPct val="0"/>
-              </a:spcAft>
-              <a:buClr>
-                <a:schemeClr val="accent1"/>
-              </a:buClr>
-              <a:buSzPct val="75000"/>
-              <a:buFont typeface="Wingdings" pitchFamily="2" charset="2"/>
-              <a:buChar char="§"/>
-              <a:defRPr sz="2000">
-                <a:solidFill>
-                  <a:schemeClr val="tx1"/>
-                </a:solidFill>
-                <a:latin typeface="+mn-lt"/>
-              </a:defRPr>
-            </a:lvl7pPr>
-            <a:lvl8pPr marL="3052763" indent="-339725" algn="l" rtl="0" fontAlgn="base">
-              <a:spcBef>
-                <a:spcPct val="20000"/>
-              </a:spcBef>
-              <a:spcAft>
-                <a:spcPct val="0"/>
-              </a:spcAft>
-              <a:buClr>
-                <a:schemeClr val="accent1"/>
-              </a:buClr>
-              <a:buSzPct val="75000"/>
-              <a:buFont typeface="Wingdings" pitchFamily="2" charset="2"/>
-              <a:buChar char="§"/>
-              <a:defRPr sz="2000">
-                <a:solidFill>
-                  <a:schemeClr val="tx1"/>
-                </a:solidFill>
-                <a:latin typeface="+mn-lt"/>
-              </a:defRPr>
-            </a:lvl8pPr>
-            <a:lvl9pPr marL="3509963" indent="-339725" algn="l" rtl="0" fontAlgn="base">
-              <a:spcBef>
-                <a:spcPct val="20000"/>
-              </a:spcBef>
-              <a:spcAft>
-                <a:spcPct val="0"/>
-              </a:spcAft>
-              <a:buClr>
-                <a:schemeClr val="accent1"/>
-              </a:buClr>
-              <a:buSzPct val="75000"/>
-              <a:buFont typeface="Wingdings" pitchFamily="2" charset="2"/>
-              <a:buChar char="§"/>
-              <a:defRPr sz="2000">
-                <a:solidFill>
-                  <a:schemeClr val="tx1"/>
-                </a:solidFill>
-                <a:latin typeface="+mn-lt"/>
-              </a:defRPr>
-            </a:lvl9pPr>
-          </a:lstStyle>
-          <a:p>
-            <a:pPr>
-              <a:spcBef>
-                <a:spcPts val="600"/>
-              </a:spcBef>
-              <a:spcAft>
-                <a:spcPts val="600"/>
-              </a:spcAft>
-            </a:pPr>
-            <a:r>
-              <a:rPr lang="en-US" sz="2600" dirty="0" smtClean="0">
-                <a:latin typeface="Arial" charset="0"/>
-              </a:rPr>
-              <a:t>For </a:t>
-            </a:r>
-            <a:r>
-              <a:rPr lang="en-US" sz="2600" dirty="0">
-                <a:latin typeface="Arial" charset="0"/>
-              </a:rPr>
-              <a:t>many real-world problems, the committee is infinite. </a:t>
-            </a:r>
-            <a:endParaRPr lang="en-US" sz="2600" dirty="0" smtClean="0">
-              <a:latin typeface="Arial" charset="0"/>
-            </a:endParaRPr>
-          </a:p>
-          <a:p>
-            <a:pPr>
-              <a:spcBef>
-                <a:spcPts val="600"/>
-              </a:spcBef>
-              <a:spcAft>
-                <a:spcPts val="600"/>
-              </a:spcAft>
-            </a:pPr>
-            <a:r>
-              <a:rPr lang="en-US" sz="2600" dirty="0" smtClean="0">
-                <a:latin typeface="Arial" charset="0"/>
-              </a:rPr>
-              <a:t>The </a:t>
-            </a:r>
-            <a:r>
-              <a:rPr lang="en-US" sz="2600" dirty="0">
-                <a:latin typeface="Arial" charset="0"/>
-              </a:rPr>
-              <a:t>main obstacle in implementing QBC is </a:t>
-            </a:r>
-            <a:r>
-              <a:rPr lang="en-US" sz="2600" dirty="0" smtClean="0">
-                <a:latin typeface="Arial" charset="0"/>
-              </a:rPr>
-              <a:t>to </a:t>
-            </a:r>
-            <a:r>
-              <a:rPr lang="en-US" sz="2600" dirty="0">
-                <a:latin typeface="Arial" charset="0"/>
-              </a:rPr>
-              <a:t>sample from the version space </a:t>
-            </a:r>
-            <a:r>
-              <a:rPr lang="en-US" sz="2600" dirty="0" smtClean="0">
-                <a:latin typeface="Arial" charset="0"/>
-              </a:rPr>
-              <a:t>(Step </a:t>
-            </a:r>
-            <a:r>
-              <a:rPr lang="en-US" sz="2600" dirty="0">
-                <a:latin typeface="Arial" charset="0"/>
-              </a:rPr>
-              <a:t>2</a:t>
-            </a:r>
-            <a:r>
-              <a:rPr lang="en-US" sz="2600" dirty="0" smtClean="0">
-                <a:latin typeface="Arial" charset="0"/>
-              </a:rPr>
-              <a:t>). It </a:t>
-            </a:r>
-            <a:r>
-              <a:rPr lang="en-US" sz="2600" dirty="0">
-                <a:latin typeface="Arial" charset="0"/>
-              </a:rPr>
-              <a:t>is hard to do this with reasonable computational complexity </a:t>
-            </a:r>
-            <a:r>
-              <a:rPr lang="en-US" sz="2600" dirty="0" smtClean="0">
-                <a:latin typeface="Arial" charset="0"/>
-              </a:rPr>
-              <a:t>when d is very large [Ran 2005].</a:t>
-            </a:r>
-          </a:p>
-          <a:p>
-            <a:pPr>
-              <a:spcBef>
-                <a:spcPts val="600"/>
-              </a:spcBef>
-              <a:spcAft>
-                <a:spcPts val="600"/>
-              </a:spcAft>
-            </a:pPr>
-            <a:r>
-              <a:rPr lang="en-US" sz="2600" dirty="0" smtClean="0">
-                <a:latin typeface="Arial" charset="0"/>
-              </a:rPr>
-              <a:t>QBC is very sensitive for noisy data sets. </a:t>
-            </a:r>
-          </a:p>
-          <a:p>
-            <a:pPr>
-              <a:spcBef>
-                <a:spcPts val="600"/>
-              </a:spcBef>
-              <a:spcAft>
-                <a:spcPts val="600"/>
-              </a:spcAft>
-            </a:pPr>
-            <a:r>
-              <a:rPr lang="en-US" altLang="zh-TW" sz="2600" dirty="0" smtClean="0">
-                <a:latin typeface="Arial" charset="0"/>
-                <a:ea typeface="新細明體" pitchFamily="-106" charset="-120"/>
-              </a:rPr>
-              <a:t>We implement original QBC for low dimension data and Active-majority QBC [</a:t>
-            </a:r>
-            <a:r>
-              <a:rPr lang="en-US" sz="2600" dirty="0" err="1" smtClean="0"/>
-              <a:t>Liere</a:t>
-            </a:r>
-            <a:r>
-              <a:rPr lang="en-US" sz="2600" dirty="0" smtClean="0"/>
-              <a:t> 97</a:t>
-            </a:r>
-            <a:r>
-              <a:rPr lang="en-US" altLang="zh-TW" sz="2600" dirty="0" smtClean="0">
-                <a:latin typeface="Arial" charset="0"/>
-                <a:ea typeface="新細明體" pitchFamily="-106" charset="-120"/>
-              </a:rPr>
-              <a:t>] for high dimension data.</a:t>
-            </a:r>
-          </a:p>
-          <a:p>
-            <a:pPr lvl="1">
-              <a:spcBef>
-                <a:spcPts val="600"/>
-              </a:spcBef>
-              <a:spcAft>
-                <a:spcPts val="600"/>
-              </a:spcAft>
-            </a:pPr>
-            <a:r>
-              <a:rPr lang="en-US" altLang="zh-TW" sz="2200" dirty="0" smtClean="0">
-                <a:latin typeface="Arial" charset="0"/>
-                <a:ea typeface="新細明體" pitchFamily="-106" charset="-120"/>
-              </a:rPr>
-              <a:t>Use Winnow algorithm to maintain a finite committee</a:t>
-            </a:r>
-            <a:endParaRPr lang="en-US" altLang="zh-TW" sz="2200" dirty="0">
-              <a:ea typeface="新細明體" pitchFamily="-106" charset="-120"/>
-            </a:endParaRPr>
-          </a:p>
-          <a:p>
-            <a:pPr marL="344487" lvl="1" indent="0" eaLnBrk="1" hangingPunct="1">
-              <a:lnSpc>
-                <a:spcPct val="90000"/>
-              </a:lnSpc>
-              <a:buNone/>
-            </a:pPr>
-            <a:r>
-              <a:rPr lang="en-US" sz="2400" dirty="0" smtClean="0"/>
-              <a:t>     </a:t>
-            </a:r>
-            <a:endParaRPr lang="en-US" altLang="zh-TW" dirty="0" smtClean="0">
-              <a:ea typeface="新細明體" pitchFamily="-106" charset="-120"/>
-            </a:endParaRPr>
-          </a:p>
-        </p:txBody>
-      </p:sp>
+      <mc:AlternateContent xmlns:mc="http://schemas.openxmlformats.org/markup-compatibility/2006" xmlns:a14="http://schemas.microsoft.com/office/drawing/2010/main">
+        <mc:Choice Requires="a14">
+          <p:sp>
+            <p:nvSpPr>
+              <p:cNvPr id="7" name="Rectangle 3"/>
+              <p:cNvSpPr txBox="1">
+                <a:spLocks noChangeArrowheads="1"/>
+              </p:cNvSpPr>
+              <p:nvPr/>
+            </p:nvSpPr>
+            <p:spPr bwMode="auto">
+              <a:xfrm>
+                <a:off x="381000" y="1219200"/>
+                <a:ext cx="8534400" cy="5105400"/>
+              </a:xfrm>
+              <a:prstGeom prst="rect">
+                <a:avLst/>
+              </a:prstGeom>
+              <a:noFill/>
+              <a:ln>
+                <a:noFill/>
+              </a:ln>
+              <a:extLst>
+                <a:ext uri="{909E8E84-426E-40DD-AFC4-6F175D3DCCD1}">
+                  <a14:hiddenFill>
+                    <a:solidFill>
+                      <a:srgbClr val="FFFFFF"/>
+                    </a:solidFill>
+                  </a14:hiddenFill>
+                </a:ext>
+                <a:ext uri="{91240B29-F687-4F45-9708-019B960494DF}">
+                  <a14:hiddenLine w="9525">
+                    <a:solidFill>
+                      <a:srgbClr val="000000"/>
+                    </a:solidFill>
+                    <a:miter lim="800000"/>
+                    <a:headEnd/>
+                    <a:tailEnd/>
+                  </a14:hiddenLine>
+                </a:ext>
+              </a:extLst>
+            </p:spPr>
+            <p:txBody>
+              <a:bodyPr vert="horz" wrap="square" lIns="91440" tIns="45720" rIns="91440" bIns="45720" numCol="1" anchor="t" anchorCtr="0" compatLnSpc="1">
+                <a:prstTxWarp prst="textNoShape">
+                  <a:avLst/>
+                </a:prstTxWarp>
+              </a:bodyPr>
+              <a:lstStyle>
+                <a:lvl1pPr marL="342900" indent="-342900" algn="l" rtl="0" eaLnBrk="0" fontAlgn="base" hangingPunct="0">
+                  <a:spcBef>
+                    <a:spcPct val="20000"/>
+                  </a:spcBef>
+                  <a:spcAft>
+                    <a:spcPct val="0"/>
+                  </a:spcAft>
+                  <a:buClr>
+                    <a:schemeClr val="accent1"/>
+                  </a:buClr>
+                  <a:buSzPct val="65000"/>
+                  <a:buFont typeface="Wingdings" pitchFamily="-106" charset="2"/>
+                  <a:buChar char="n"/>
+                  <a:defRPr sz="3000">
+                    <a:solidFill>
+                      <a:schemeClr val="tx1"/>
+                    </a:solidFill>
+                    <a:latin typeface="+mn-lt"/>
+                    <a:ea typeface="ＭＳ Ｐゴシック" pitchFamily="-106" charset="-128"/>
+                    <a:cs typeface="+mn-cs"/>
+                  </a:defRPr>
+                </a:lvl1pPr>
+                <a:lvl2pPr marL="669925" indent="-325438" algn="l" rtl="0" eaLnBrk="0" fontAlgn="base" hangingPunct="0">
+                  <a:spcBef>
+                    <a:spcPct val="20000"/>
+                  </a:spcBef>
+                  <a:spcAft>
+                    <a:spcPct val="0"/>
+                  </a:spcAft>
+                  <a:buClr>
+                    <a:schemeClr val="accent2"/>
+                  </a:buClr>
+                  <a:buSzPct val="60000"/>
+                  <a:buFont typeface="Wingdings" pitchFamily="-106" charset="2"/>
+                  <a:buChar char="q"/>
+                  <a:defRPr sz="2600">
+                    <a:solidFill>
+                      <a:schemeClr val="tx1"/>
+                    </a:solidFill>
+                    <a:latin typeface="+mn-lt"/>
+                    <a:ea typeface="ＭＳ Ｐゴシック" pitchFamily="-106" charset="-128"/>
+                  </a:defRPr>
+                </a:lvl2pPr>
+                <a:lvl3pPr marL="1022350" indent="-350838" algn="l" rtl="0" eaLnBrk="0" fontAlgn="base" hangingPunct="0">
+                  <a:spcBef>
+                    <a:spcPct val="20000"/>
+                  </a:spcBef>
+                  <a:spcAft>
+                    <a:spcPct val="0"/>
+                  </a:spcAft>
+                  <a:buClr>
+                    <a:schemeClr val="accent1"/>
+                  </a:buClr>
+                  <a:buSzPct val="65000"/>
+                  <a:buFont typeface="Wingdings" pitchFamily="-106" charset="2"/>
+                  <a:buChar char="n"/>
+                  <a:defRPr sz="2200">
+                    <a:solidFill>
+                      <a:schemeClr val="tx1"/>
+                    </a:solidFill>
+                    <a:latin typeface="+mn-lt"/>
+                    <a:ea typeface="ＭＳ Ｐゴシック" pitchFamily="-106" charset="-128"/>
+                  </a:defRPr>
+                </a:lvl3pPr>
+                <a:lvl4pPr marL="1339850" indent="-315913" algn="l" rtl="0" eaLnBrk="0" fontAlgn="base" hangingPunct="0">
+                  <a:spcBef>
+                    <a:spcPct val="20000"/>
+                  </a:spcBef>
+                  <a:spcAft>
+                    <a:spcPct val="0"/>
+                  </a:spcAft>
+                  <a:buClr>
+                    <a:schemeClr val="accent2"/>
+                  </a:buClr>
+                  <a:buSzPct val="70000"/>
+                  <a:buFont typeface="Wingdings" pitchFamily="-106" charset="2"/>
+                  <a:buChar char="q"/>
+                  <a:defRPr sz="2000">
+                    <a:solidFill>
+                      <a:schemeClr val="tx1"/>
+                    </a:solidFill>
+                    <a:latin typeface="+mn-lt"/>
+                    <a:ea typeface="ＭＳ Ｐゴシック" pitchFamily="-106" charset="-128"/>
+                  </a:defRPr>
+                </a:lvl4pPr>
+                <a:lvl5pPr marL="1681163" indent="-339725" algn="l" rtl="0" eaLnBrk="0" fontAlgn="base" hangingPunct="0">
+                  <a:spcBef>
+                    <a:spcPct val="20000"/>
+                  </a:spcBef>
+                  <a:spcAft>
+                    <a:spcPct val="0"/>
+                  </a:spcAft>
+                  <a:buClr>
+                    <a:schemeClr val="accent1"/>
+                  </a:buClr>
+                  <a:buSzPct val="75000"/>
+                  <a:buFont typeface="Wingdings" pitchFamily="-106" charset="2"/>
+                  <a:buChar char="§"/>
+                  <a:defRPr sz="2000">
+                    <a:solidFill>
+                      <a:schemeClr val="tx1"/>
+                    </a:solidFill>
+                    <a:latin typeface="+mn-lt"/>
+                    <a:ea typeface="ＭＳ Ｐゴシック" pitchFamily="-106" charset="-128"/>
+                  </a:defRPr>
+                </a:lvl5pPr>
+                <a:lvl6pPr marL="2138363" indent="-339725" algn="l" rtl="0" fontAlgn="base">
+                  <a:spcBef>
+                    <a:spcPct val="20000"/>
+                  </a:spcBef>
+                  <a:spcAft>
+                    <a:spcPct val="0"/>
+                  </a:spcAft>
+                  <a:buClr>
+                    <a:schemeClr val="accent1"/>
+                  </a:buClr>
+                  <a:buSzPct val="75000"/>
+                  <a:buFont typeface="Wingdings" pitchFamily="2" charset="2"/>
+                  <a:buChar char="§"/>
+                  <a:defRPr sz="2000">
+                    <a:solidFill>
+                      <a:schemeClr val="tx1"/>
+                    </a:solidFill>
+                    <a:latin typeface="+mn-lt"/>
+                  </a:defRPr>
+                </a:lvl6pPr>
+                <a:lvl7pPr marL="2595563" indent="-339725" algn="l" rtl="0" fontAlgn="base">
+                  <a:spcBef>
+                    <a:spcPct val="20000"/>
+                  </a:spcBef>
+                  <a:spcAft>
+                    <a:spcPct val="0"/>
+                  </a:spcAft>
+                  <a:buClr>
+                    <a:schemeClr val="accent1"/>
+                  </a:buClr>
+                  <a:buSzPct val="75000"/>
+                  <a:buFont typeface="Wingdings" pitchFamily="2" charset="2"/>
+                  <a:buChar char="§"/>
+                  <a:defRPr sz="2000">
+                    <a:solidFill>
+                      <a:schemeClr val="tx1"/>
+                    </a:solidFill>
+                    <a:latin typeface="+mn-lt"/>
+                  </a:defRPr>
+                </a:lvl7pPr>
+                <a:lvl8pPr marL="3052763" indent="-339725" algn="l" rtl="0" fontAlgn="base">
+                  <a:spcBef>
+                    <a:spcPct val="20000"/>
+                  </a:spcBef>
+                  <a:spcAft>
+                    <a:spcPct val="0"/>
+                  </a:spcAft>
+                  <a:buClr>
+                    <a:schemeClr val="accent1"/>
+                  </a:buClr>
+                  <a:buSzPct val="75000"/>
+                  <a:buFont typeface="Wingdings" pitchFamily="2" charset="2"/>
+                  <a:buChar char="§"/>
+                  <a:defRPr sz="2000">
+                    <a:solidFill>
+                      <a:schemeClr val="tx1"/>
+                    </a:solidFill>
+                    <a:latin typeface="+mn-lt"/>
+                  </a:defRPr>
+                </a:lvl8pPr>
+                <a:lvl9pPr marL="3509963" indent="-339725" algn="l" rtl="0" fontAlgn="base">
+                  <a:spcBef>
+                    <a:spcPct val="20000"/>
+                  </a:spcBef>
+                  <a:spcAft>
+                    <a:spcPct val="0"/>
+                  </a:spcAft>
+                  <a:buClr>
+                    <a:schemeClr val="accent1"/>
+                  </a:buClr>
+                  <a:buSzPct val="75000"/>
+                  <a:buFont typeface="Wingdings" pitchFamily="2" charset="2"/>
+                  <a:buChar char="§"/>
+                  <a:defRPr sz="2000">
+                    <a:solidFill>
+                      <a:schemeClr val="tx1"/>
+                    </a:solidFill>
+                    <a:latin typeface="+mn-lt"/>
+                  </a:defRPr>
+                </a:lvl9pPr>
+              </a:lstStyle>
+              <a:p>
+                <a:pPr eaLnBrk="1" hangingPunct="1">
+                  <a:spcBef>
+                    <a:spcPts val="0"/>
+                  </a:spcBef>
+                </a:pPr>
+                <a:r>
+                  <a:rPr lang="en-US" altLang="zh-TW" sz="2400" i="1" u="sng" dirty="0" smtClean="0">
+                    <a:ea typeface="新細明體" pitchFamily="-106" charset="-120"/>
+                  </a:rPr>
+                  <a:t>Proof</a:t>
+                </a:r>
+                <a:endParaRPr lang="en-US" altLang="zh-TW" sz="2000" b="0" dirty="0" smtClean="0">
+                  <a:ea typeface="新細明體" pitchFamily="-106" charset="-120"/>
+                </a:endParaRPr>
+              </a:p>
+              <a:p>
+                <a:pPr lvl="1" eaLnBrk="1" hangingPunct="1">
+                  <a:spcBef>
+                    <a:spcPts val="600"/>
+                  </a:spcBef>
+                </a:pPr>
+                <a:r>
+                  <a:rPr lang="en-US" altLang="zh-TW" sz="2000" dirty="0">
+                    <a:ea typeface="新細明體" pitchFamily="-106" charset="-120"/>
+                  </a:rPr>
+                  <a:t>There exists a lower bound for the cumulative information content of first </a:t>
+                </a:r>
+                <a:r>
+                  <a:rPr lang="en-US" altLang="zh-TW" sz="2000" dirty="0" smtClean="0">
+                    <a:ea typeface="新細明體" pitchFamily="-106" charset="-120"/>
+                  </a:rPr>
+                  <a:t>n</a:t>
+                </a:r>
+                <a:r>
+                  <a:rPr lang="en-US" altLang="zh-TW" sz="2000" baseline="-25000" dirty="0" smtClean="0">
+                    <a:ea typeface="新細明體" pitchFamily="-106" charset="-120"/>
+                  </a:rPr>
+                  <a:t>0</a:t>
+                </a:r>
+                <a:r>
+                  <a:rPr lang="en-US" altLang="zh-TW" sz="2000" dirty="0" smtClean="0">
+                    <a:ea typeface="新細明體" pitchFamily="-106" charset="-120"/>
+                  </a:rPr>
+                  <a:t> queries</a:t>
+                </a:r>
+                <a:endParaRPr lang="en-US" altLang="zh-TW" sz="1800" dirty="0" smtClean="0">
+                  <a:ea typeface="新細明體" pitchFamily="-106" charset="-120"/>
+                </a:endParaRPr>
+              </a:p>
+              <a:p>
+                <a:pPr lvl="1" eaLnBrk="1" hangingPunct="1">
+                  <a:spcBef>
+                    <a:spcPts val="600"/>
+                  </a:spcBef>
+                </a:pPr>
+                <a:r>
+                  <a:rPr lang="en-US" altLang="zh-TW" sz="2000" dirty="0">
+                    <a:ea typeface="新細明體" pitchFamily="-106" charset="-120"/>
+                  </a:rPr>
+                  <a:t>There exists a higher bound for the cumulative information content of the first </a:t>
+                </a:r>
+                <a:r>
+                  <a:rPr lang="en-US" altLang="zh-TW" sz="2000" dirty="0" smtClean="0">
+                    <a:ea typeface="新細明體" pitchFamily="-106" charset="-120"/>
+                  </a:rPr>
+                  <a:t>m</a:t>
+                </a:r>
+                <a:r>
+                  <a:rPr lang="en-US" altLang="zh-TW" sz="2000" baseline="-25000" dirty="0" smtClean="0">
+                    <a:ea typeface="新細明體" pitchFamily="-106" charset="-120"/>
+                  </a:rPr>
+                  <a:t>0</a:t>
+                </a:r>
+                <a:r>
+                  <a:rPr lang="en-US" altLang="zh-TW" sz="2000" dirty="0" smtClean="0">
+                    <a:ea typeface="新細明體" pitchFamily="-106" charset="-120"/>
+                  </a:rPr>
+                  <a:t> examples</a:t>
+                </a:r>
+              </a:p>
+              <a:p>
+                <a:pPr lvl="1" eaLnBrk="1" hangingPunct="1">
+                  <a:spcBef>
+                    <a:spcPts val="600"/>
+                  </a:spcBef>
+                </a:pPr>
+                <a:r>
+                  <a:rPr lang="en-US" sz="2000" dirty="0"/>
+                  <a:t>From </a:t>
+                </a:r>
+                <a:r>
+                  <a:rPr lang="en-US" sz="2000" dirty="0" smtClean="0"/>
+                  <a:t>first two lemmas, get the relation between </a:t>
+                </a:r>
+                <a:r>
+                  <a:rPr lang="en-US" altLang="zh-TW" sz="2000" dirty="0" smtClean="0">
+                    <a:ea typeface="新細明體" pitchFamily="-106" charset="-120"/>
+                  </a:rPr>
+                  <a:t>m</a:t>
+                </a:r>
+                <a:r>
+                  <a:rPr lang="en-US" altLang="zh-TW" sz="2000" baseline="-25000" dirty="0" smtClean="0">
+                    <a:ea typeface="新細明體" pitchFamily="-106" charset="-120"/>
+                  </a:rPr>
+                  <a:t>0 </a:t>
+                </a:r>
+                <a:r>
+                  <a:rPr lang="en-US" altLang="zh-TW" sz="2000" dirty="0" smtClean="0">
+                    <a:ea typeface="新細明體" pitchFamily="-106" charset="-120"/>
+                  </a:rPr>
+                  <a:t>and </a:t>
+                </a:r>
+                <a:r>
+                  <a:rPr lang="en-US" altLang="zh-TW" sz="2000" dirty="0">
+                    <a:ea typeface="新細明體" pitchFamily="-106" charset="-120"/>
+                  </a:rPr>
+                  <a:t>n</a:t>
+                </a:r>
+                <a:r>
+                  <a:rPr lang="en-US" altLang="zh-TW" sz="2000" baseline="-25000" dirty="0">
+                    <a:ea typeface="新細明體" pitchFamily="-106" charset="-120"/>
+                  </a:rPr>
+                  <a:t>0</a:t>
+                </a:r>
+                <a:endParaRPr lang="en-US" sz="2000" dirty="0" smtClean="0"/>
+              </a:p>
+              <a:p>
+                <a:pPr lvl="1" eaLnBrk="1" hangingPunct="1">
+                  <a:spcBef>
+                    <a:spcPts val="600"/>
+                  </a:spcBef>
+                </a:pPr>
+                <a:r>
+                  <a:rPr lang="en-US" sz="2000" dirty="0"/>
+                  <a:t>The number of consecutive rejected examples guarantees that the algorithm stops before testing </a:t>
+                </a:r>
+                <a:r>
+                  <a:rPr lang="en-US" altLang="zh-TW" sz="2000" dirty="0">
+                    <a:ea typeface="新細明體" pitchFamily="-106" charset="-120"/>
+                  </a:rPr>
+                  <a:t>m</a:t>
+                </a:r>
+                <a:r>
+                  <a:rPr lang="en-US" altLang="zh-TW" sz="2000" baseline="-25000" dirty="0">
+                    <a:ea typeface="新細明體" pitchFamily="-106" charset="-120"/>
+                  </a:rPr>
+                  <a:t>0</a:t>
+                </a:r>
+                <a:r>
+                  <a:rPr lang="en-US" sz="2000" dirty="0" smtClean="0"/>
+                  <a:t> </a:t>
+                </a:r>
+                <a:r>
+                  <a:rPr lang="en-US" sz="2000" dirty="0"/>
+                  <a:t>+ 1 </a:t>
+                </a:r>
+                <a:r>
+                  <a:rPr lang="en-US" sz="2000" dirty="0" smtClean="0"/>
+                  <a:t>examples</a:t>
+                </a:r>
+              </a:p>
+              <a:p>
+                <a:pPr lvl="1" eaLnBrk="1" hangingPunct="1">
+                  <a:spcBef>
+                    <a:spcPts val="600"/>
+                  </a:spcBef>
+                </a:pPr>
+                <a:r>
+                  <a:rPr lang="en-US" sz="2000" dirty="0"/>
+                  <a:t>Gibbs prediction by QBC and consecutive rejected examples gives a </a:t>
+                </a:r>
+                <a:r>
+                  <a:rPr lang="en-US" sz="2000" dirty="0" smtClean="0"/>
+                  <a:t>error bound </a:t>
+                </a:r>
+                <a:r>
+                  <a:rPr lang="en-US" sz="2000" dirty="0"/>
+                  <a:t>of </a:t>
+                </a:r>
+                <a14:m>
+                  <m:oMath xmlns:m="http://schemas.openxmlformats.org/officeDocument/2006/math">
+                    <m:r>
+                      <a:rPr lang="en-US" sz="2000" i="1">
+                        <a:latin typeface="Cambria Math"/>
+                        <a:ea typeface="Cambria Math"/>
+                      </a:rPr>
+                      <m:t>𝜀</m:t>
+                    </m:r>
+                    <m:r>
+                      <a:rPr lang="en-US" sz="2000" i="1">
+                        <a:latin typeface="Cambria Math"/>
+                        <a:ea typeface="Cambria Math"/>
+                      </a:rPr>
+                      <m:t> </m:t>
+                    </m:r>
+                  </m:oMath>
+                </a14:m>
+                <a:endParaRPr lang="en-US" sz="2000" dirty="0"/>
+              </a:p>
+              <a:p>
+                <a:pPr lvl="1" eaLnBrk="1" hangingPunct="1">
+                  <a:spcBef>
+                    <a:spcPts val="600"/>
+                  </a:spcBef>
+                </a:pPr>
+                <a:endParaRPr lang="en-US" sz="2000" dirty="0"/>
+              </a:p>
+              <a:p>
+                <a:pPr lvl="1" eaLnBrk="1" hangingPunct="1">
+                  <a:spcBef>
+                    <a:spcPts val="600"/>
+                  </a:spcBef>
+                </a:pPr>
+                <a:endParaRPr lang="en-US" sz="2000" dirty="0"/>
+              </a:p>
+              <a:p>
+                <a:pPr lvl="1" eaLnBrk="1" hangingPunct="1">
+                  <a:spcBef>
+                    <a:spcPts val="600"/>
+                  </a:spcBef>
+                </a:pPr>
+                <a:endParaRPr lang="en-US" altLang="zh-TW" sz="2000" dirty="0">
+                  <a:ea typeface="新細明體" pitchFamily="-106" charset="-120"/>
+                </a:endParaRPr>
+              </a:p>
+              <a:p>
+                <a:pPr marL="344487" lvl="1" indent="0" eaLnBrk="1" hangingPunct="1">
+                  <a:spcBef>
+                    <a:spcPts val="600"/>
+                  </a:spcBef>
+                  <a:spcAft>
+                    <a:spcPts val="600"/>
+                  </a:spcAft>
+                  <a:buNone/>
+                </a:pPr>
+                <a:r>
+                  <a:rPr lang="en-US" altLang="zh-TW" sz="2000" dirty="0" smtClean="0">
+                    <a:ea typeface="新細明體" pitchFamily="-106" charset="-120"/>
+                  </a:rPr>
+                  <a:t>     </a:t>
+                </a:r>
+              </a:p>
+              <a:p>
+                <a:pPr lvl="1" eaLnBrk="1" hangingPunct="1">
+                  <a:lnSpc>
+                    <a:spcPct val="90000"/>
+                  </a:lnSpc>
+                </a:pPr>
+                <a:endParaRPr lang="en-US" altLang="zh-TW" sz="2400" dirty="0">
+                  <a:ea typeface="新細明體" pitchFamily="-106" charset="-120"/>
+                </a:endParaRPr>
+              </a:p>
+              <a:p>
+                <a:pPr marL="344487" lvl="1" indent="0" eaLnBrk="1" hangingPunct="1">
+                  <a:lnSpc>
+                    <a:spcPct val="90000"/>
+                  </a:lnSpc>
+                  <a:buNone/>
+                </a:pPr>
+                <a:r>
+                  <a:rPr lang="en-US" sz="2400" dirty="0" smtClean="0"/>
+                  <a:t>     </a:t>
+                </a:r>
+                <a:endParaRPr lang="en-US" altLang="zh-TW" dirty="0" smtClean="0">
+                  <a:ea typeface="新細明體" pitchFamily="-106" charset="-120"/>
+                </a:endParaRPr>
+              </a:p>
+            </p:txBody>
+          </p:sp>
+        </mc:Choice>
+        <mc:Fallback xmlns="">
+          <p:sp>
+            <p:nvSpPr>
+              <p:cNvPr id="7" name="Rectangle 3"/>
+              <p:cNvSpPr txBox="1">
+                <a:spLocks noRot="1" noChangeAspect="1" noMove="1" noResize="1" noEditPoints="1" noAdjustHandles="1" noChangeArrowheads="1" noChangeShapeType="1" noTextEdit="1"/>
+              </p:cNvSpPr>
+              <p:nvPr/>
+            </p:nvSpPr>
+            <p:spPr bwMode="auto">
+              <a:xfrm>
+                <a:off x="381000" y="1219200"/>
+                <a:ext cx="8534400" cy="5105400"/>
+              </a:xfrm>
+              <a:prstGeom prst="rect">
+                <a:avLst/>
+              </a:prstGeom>
+              <a:blipFill rotWithShape="1">
+                <a:blip r:embed="rId3"/>
+                <a:stretch>
+                  <a:fillRect l="-286" t="-835" r="-929"/>
+                </a:stretch>
+              </a:blipFill>
+              <a:ln>
+                <a:noFill/>
+              </a:ln>
+              <a:extLst>
+                <a:ext uri="{909E8E84-426E-40DD-AFC4-6F175D3DCCD1}">
+                  <a14:hiddenFill xmlns:a14="http://schemas.microsoft.com/office/drawing/2010/main">
+                    <a:solidFill>
+                      <a:srgbClr val="FFFFFF"/>
+                    </a:solidFill>
+                  </a14:hiddenFill>
+                </a:ext>
+                <a:ext uri="{91240B29-F687-4F45-9708-019B960494DF}">
+                  <a14:hiddenLine xmlns:a14="http://schemas.microsoft.com/office/drawing/2010/main" w="9525">
+                    <a:solidFill>
+                      <a:srgbClr val="000000"/>
+                    </a:solidFill>
+                    <a:miter lim="800000"/>
+                    <a:headEnd/>
+                    <a:tailEnd/>
+                  </a14:hiddenLine>
+                </a:ext>
+              </a:extLst>
+            </p:spPr>
+            <p:txBody>
+              <a:bodyPr/>
+              <a:lstStyle/>
+              <a:p>
+                <a:r>
+                  <a:rPr lang="en-US">
+                    <a:noFill/>
+                  </a:rPr>
+                  <a:t> </a:t>
+                </a:r>
+              </a:p>
+            </p:txBody>
+          </p:sp>
+        </mc:Fallback>
+      </mc:AlternateContent>
     </p:spTree>
     <p:extLst>
       <p:ext uri="{BB962C8B-B14F-4D97-AF65-F5344CB8AC3E}">
-        <p14:creationId xmlns:p14="http://schemas.microsoft.com/office/powerpoint/2010/main" val="3526550711"/>
+        <p14:creationId xmlns:p14="http://schemas.microsoft.com/office/powerpoint/2010/main" val="109523635"/>
       </p:ext>
     </p:extLst>
   </p:cSld>
@@ -26424,7 +27630,7 @@
   <p:timing>
     <p:tnLst>
       <p:par>
-        <p:cTn xmlns:p14="http://schemas.microsoft.com/office/powerpoint/2010/main" id="1" dur="indefinite" restart="never" nodeType="tmRoot"/>
+        <p:cTn id="1" dur="indefinite" restart="never" nodeType="tmRoot"/>
       </p:par>
     </p:tnLst>
   </p:timing>
